--- a/synteny.pptx
+++ b/synteny.pptx
@@ -260,7 +260,7 @@
           <a:p>
             <a:fld id="{EC5D5901-00D9-4DE9-BB38-AE3383FB48B5}" type="datetimeFigureOut">
               <a:rPr lang="zh-TW" altLang="en-US" smtClean="0"/>
-              <a:t>2024/9/10</a:t>
+              <a:t>2024/9/14</a:t>
             </a:fld>
             <a:endParaRPr lang="zh-TW" altLang="en-US"/>
           </a:p>
@@ -458,7 +458,7 @@
           <a:p>
             <a:fld id="{EC5D5901-00D9-4DE9-BB38-AE3383FB48B5}" type="datetimeFigureOut">
               <a:rPr lang="zh-TW" altLang="en-US" smtClean="0"/>
-              <a:t>2024/9/10</a:t>
+              <a:t>2024/9/14</a:t>
             </a:fld>
             <a:endParaRPr lang="zh-TW" altLang="en-US"/>
           </a:p>
@@ -666,7 +666,7 @@
           <a:p>
             <a:fld id="{EC5D5901-00D9-4DE9-BB38-AE3383FB48B5}" type="datetimeFigureOut">
               <a:rPr lang="zh-TW" altLang="en-US" smtClean="0"/>
-              <a:t>2024/9/10</a:t>
+              <a:t>2024/9/14</a:t>
             </a:fld>
             <a:endParaRPr lang="zh-TW" altLang="en-US"/>
           </a:p>
@@ -864,7 +864,7 @@
           <a:p>
             <a:fld id="{EC5D5901-00D9-4DE9-BB38-AE3383FB48B5}" type="datetimeFigureOut">
               <a:rPr lang="zh-TW" altLang="en-US" smtClean="0"/>
-              <a:t>2024/9/10</a:t>
+              <a:t>2024/9/14</a:t>
             </a:fld>
             <a:endParaRPr lang="zh-TW" altLang="en-US"/>
           </a:p>
@@ -1139,7 +1139,7 @@
           <a:p>
             <a:fld id="{EC5D5901-00D9-4DE9-BB38-AE3383FB48B5}" type="datetimeFigureOut">
               <a:rPr lang="zh-TW" altLang="en-US" smtClean="0"/>
-              <a:t>2024/9/10</a:t>
+              <a:t>2024/9/14</a:t>
             </a:fld>
             <a:endParaRPr lang="zh-TW" altLang="en-US"/>
           </a:p>
@@ -1404,7 +1404,7 @@
           <a:p>
             <a:fld id="{EC5D5901-00D9-4DE9-BB38-AE3383FB48B5}" type="datetimeFigureOut">
               <a:rPr lang="zh-TW" altLang="en-US" smtClean="0"/>
-              <a:t>2024/9/10</a:t>
+              <a:t>2024/9/14</a:t>
             </a:fld>
             <a:endParaRPr lang="zh-TW" altLang="en-US"/>
           </a:p>
@@ -1816,7 +1816,7 @@
           <a:p>
             <a:fld id="{EC5D5901-00D9-4DE9-BB38-AE3383FB48B5}" type="datetimeFigureOut">
               <a:rPr lang="zh-TW" altLang="en-US" smtClean="0"/>
-              <a:t>2024/9/10</a:t>
+              <a:t>2024/9/14</a:t>
             </a:fld>
             <a:endParaRPr lang="zh-TW" altLang="en-US"/>
           </a:p>
@@ -1957,7 +1957,7 @@
           <a:p>
             <a:fld id="{EC5D5901-00D9-4DE9-BB38-AE3383FB48B5}" type="datetimeFigureOut">
               <a:rPr lang="zh-TW" altLang="en-US" smtClean="0"/>
-              <a:t>2024/9/10</a:t>
+              <a:t>2024/9/14</a:t>
             </a:fld>
             <a:endParaRPr lang="zh-TW" altLang="en-US"/>
           </a:p>
@@ -2070,7 +2070,7 @@
           <a:p>
             <a:fld id="{EC5D5901-00D9-4DE9-BB38-AE3383FB48B5}" type="datetimeFigureOut">
               <a:rPr lang="zh-TW" altLang="en-US" smtClean="0"/>
-              <a:t>2024/9/10</a:t>
+              <a:t>2024/9/14</a:t>
             </a:fld>
             <a:endParaRPr lang="zh-TW" altLang="en-US"/>
           </a:p>
@@ -2381,7 +2381,7 @@
           <a:p>
             <a:fld id="{EC5D5901-00D9-4DE9-BB38-AE3383FB48B5}" type="datetimeFigureOut">
               <a:rPr lang="zh-TW" altLang="en-US" smtClean="0"/>
-              <a:t>2024/9/10</a:t>
+              <a:t>2024/9/14</a:t>
             </a:fld>
             <a:endParaRPr lang="zh-TW" altLang="en-US"/>
           </a:p>
@@ -2669,7 +2669,7 @@
           <a:p>
             <a:fld id="{EC5D5901-00D9-4DE9-BB38-AE3383FB48B5}" type="datetimeFigureOut">
               <a:rPr lang="zh-TW" altLang="en-US" smtClean="0"/>
-              <a:t>2024/9/10</a:t>
+              <a:t>2024/9/14</a:t>
             </a:fld>
             <a:endParaRPr lang="zh-TW" altLang="en-US"/>
           </a:p>
@@ -2910,7 +2910,7 @@
           <a:p>
             <a:fld id="{EC5D5901-00D9-4DE9-BB38-AE3383FB48B5}" type="datetimeFigureOut">
               <a:rPr lang="zh-TW" altLang="en-US" smtClean="0"/>
-              <a:t>2024/9/10</a:t>
+              <a:t>2024/9/14</a:t>
             </a:fld>
             <a:endParaRPr lang="zh-TW" altLang="en-US"/>
           </a:p>
@@ -3382,7 +3382,7 @@
         </p:nvCxnSpPr>
         <p:spPr>
           <a:xfrm>
-            <a:off x="358876" y="5119839"/>
+            <a:off x="388372" y="4372585"/>
             <a:ext cx="3397045" cy="0"/>
           </a:xfrm>
           <a:prstGeom prst="line">
@@ -3421,7 +3421,7 @@
         </p:nvCxnSpPr>
         <p:spPr>
           <a:xfrm>
-            <a:off x="4650661" y="5119839"/>
+            <a:off x="4680157" y="4372585"/>
             <a:ext cx="2182763" cy="0"/>
           </a:xfrm>
           <a:prstGeom prst="line">
@@ -3458,7 +3458,7 @@
         </p:nvSpPr>
         <p:spPr>
           <a:xfrm>
-            <a:off x="1671788" y="821026"/>
+            <a:off x="1274659" y="842005"/>
             <a:ext cx="4168265" cy="523220"/>
           </a:xfrm>
           <a:prstGeom prst="rect">
@@ -3493,7 +3493,7 @@
         </p:nvSpPr>
         <p:spPr>
           <a:xfrm>
-            <a:off x="1209369" y="4158424"/>
+            <a:off x="1238865" y="3411170"/>
             <a:ext cx="1209368" cy="369332"/>
           </a:xfrm>
           <a:prstGeom prst="rect">
@@ -3528,7 +3528,7 @@
         </p:nvSpPr>
         <p:spPr>
           <a:xfrm>
-            <a:off x="5171774" y="4185773"/>
+            <a:off x="5201270" y="3438519"/>
             <a:ext cx="1307690" cy="369332"/>
           </a:xfrm>
           <a:prstGeom prst="rect">
@@ -3565,7 +3565,7 @@
         </p:nvCxnSpPr>
         <p:spPr>
           <a:xfrm>
-            <a:off x="8052627" y="5119839"/>
+            <a:off x="8082123" y="4372585"/>
             <a:ext cx="2182763" cy="0"/>
           </a:xfrm>
           <a:prstGeom prst="line">
@@ -3602,7 +3602,7 @@
         </p:nvSpPr>
         <p:spPr>
           <a:xfrm>
-            <a:off x="8573740" y="4158424"/>
+            <a:off x="8603236" y="3411170"/>
             <a:ext cx="1307690" cy="369332"/>
           </a:xfrm>
           <a:prstGeom prst="rect">
@@ -3776,7 +3776,7 @@
         </p:nvSpPr>
         <p:spPr>
           <a:xfrm rot="10800000">
-            <a:off x="1379594" y="4935174"/>
+            <a:off x="1409090" y="4187920"/>
             <a:ext cx="551834" cy="369329"/>
           </a:xfrm>
           <a:prstGeom prst="leftArrow">
@@ -3822,7 +3822,7 @@
         </p:nvSpPr>
         <p:spPr>
           <a:xfrm>
-            <a:off x="1984282" y="4935173"/>
+            <a:off x="2013778" y="4187919"/>
             <a:ext cx="551834" cy="369329"/>
           </a:xfrm>
           <a:prstGeom prst="leftArrow">
@@ -3868,7 +3868,7 @@
         </p:nvSpPr>
         <p:spPr>
           <a:xfrm rot="10800000">
-            <a:off x="5309439" y="4935172"/>
+            <a:off x="5338935" y="4187918"/>
             <a:ext cx="551834" cy="369329"/>
           </a:xfrm>
           <a:prstGeom prst="leftArrow">
@@ -3914,7 +3914,7 @@
         </p:nvSpPr>
         <p:spPr>
           <a:xfrm>
-            <a:off x="8675751" y="4935171"/>
+            <a:off x="8705247" y="4187917"/>
             <a:ext cx="551834" cy="369329"/>
           </a:xfrm>
           <a:prstGeom prst="leftArrow">
@@ -4427,7 +4427,7 @@
         </p:nvSpPr>
         <p:spPr>
           <a:xfrm rot="10800000">
-            <a:off x="2818798" y="4929216"/>
+            <a:off x="2848294" y="4181962"/>
             <a:ext cx="551834" cy="369329"/>
           </a:xfrm>
           <a:prstGeom prst="leftArrow">
@@ -4471,7 +4471,7 @@
         </p:nvSpPr>
         <p:spPr>
           <a:xfrm>
-            <a:off x="2460375" y="5477250"/>
+            <a:off x="2489871" y="4729996"/>
             <a:ext cx="1993637" cy="738664"/>
           </a:xfrm>
           <a:prstGeom prst="rect">
@@ -4521,7 +4521,7 @@
         </p:nvSpPr>
         <p:spPr>
           <a:xfrm rot="10800000">
-            <a:off x="528648" y="4929216"/>
+            <a:off x="558144" y="4181962"/>
             <a:ext cx="551834" cy="369329"/>
           </a:xfrm>
           <a:prstGeom prst="leftArrow">
@@ -4565,7 +4565,7 @@
         </p:nvSpPr>
         <p:spPr>
           <a:xfrm>
-            <a:off x="170226" y="5477250"/>
+            <a:off x="199722" y="4729996"/>
             <a:ext cx="1761204" cy="1015663"/>
           </a:xfrm>
           <a:prstGeom prst="rect">
@@ -4615,7 +4615,7 @@
         </p:nvSpPr>
         <p:spPr>
           <a:xfrm>
-            <a:off x="10164729" y="4935174"/>
+            <a:off x="10194225" y="4187920"/>
             <a:ext cx="551834" cy="369329"/>
           </a:xfrm>
           <a:prstGeom prst="leftArrow">
@@ -4659,7 +4659,7 @@
         </p:nvSpPr>
         <p:spPr>
           <a:xfrm>
-            <a:off x="10001577" y="5517308"/>
+            <a:off x="10031073" y="4770054"/>
             <a:ext cx="2182762" cy="738664"/>
           </a:xfrm>
           <a:prstGeom prst="rect">
@@ -4709,7 +4709,7 @@
         </p:nvSpPr>
         <p:spPr>
           <a:xfrm>
-            <a:off x="8004387" y="4946113"/>
+            <a:off x="8033883" y="4198859"/>
             <a:ext cx="551834" cy="369329"/>
           </a:xfrm>
           <a:prstGeom prst="leftArrow">
@@ -4753,7 +4753,7 @@
         </p:nvSpPr>
         <p:spPr>
           <a:xfrm>
-            <a:off x="7841235" y="5528247"/>
+            <a:off x="7870731" y="4780993"/>
             <a:ext cx="1890390" cy="738664"/>
           </a:xfrm>
           <a:prstGeom prst="rect">
@@ -4803,7 +4803,7 @@
         </p:nvSpPr>
         <p:spPr>
           <a:xfrm>
-            <a:off x="4618550" y="4929215"/>
+            <a:off x="4648046" y="4181961"/>
             <a:ext cx="551834" cy="369329"/>
           </a:xfrm>
           <a:prstGeom prst="leftArrow">
@@ -4847,7 +4847,7 @@
         </p:nvSpPr>
         <p:spPr>
           <a:xfrm>
-            <a:off x="5972340" y="4953053"/>
+            <a:off x="6001836" y="4205799"/>
             <a:ext cx="551834" cy="369329"/>
           </a:xfrm>
           <a:prstGeom prst="leftArrow">
@@ -4891,7 +4891,7 @@
         </p:nvSpPr>
         <p:spPr>
           <a:xfrm>
-            <a:off x="6630632" y="4946110"/>
+            <a:off x="6660128" y="4198856"/>
             <a:ext cx="551834" cy="369329"/>
           </a:xfrm>
           <a:prstGeom prst="leftArrow">
@@ -4918,6 +4918,178 @@
           <a:p>
             <a:pPr algn="ctr"/>
             <a:endParaRPr lang="zh-TW" altLang="en-US" dirty="0"/>
+          </a:p>
+        </p:txBody>
+      </p:sp>
+      <p:sp>
+        <p:nvSpPr>
+          <p:cNvPr id="2" name="文字方塊 1">
+            <a:extLst>
+              <a:ext uri="{FF2B5EF4-FFF2-40B4-BE49-F238E27FC236}">
+                <a16:creationId xmlns:a16="http://schemas.microsoft.com/office/drawing/2014/main" id="{2DC5270D-1B20-0F77-4D1F-72199B43527D}"/>
+              </a:ext>
+            </a:extLst>
+          </p:cNvPr>
+          <p:cNvSpPr txBox="1"/>
+          <p:nvPr/>
+        </p:nvSpPr>
+        <p:spPr>
+          <a:xfrm>
+            <a:off x="4415755" y="4675945"/>
+            <a:ext cx="1405085" cy="954107"/>
+          </a:xfrm>
+          <a:prstGeom prst="rect">
+            <a:avLst/>
+          </a:prstGeom>
+          <a:noFill/>
+        </p:spPr>
+        <p:txBody>
+          <a:bodyPr wrap="square">
+            <a:spAutoFit/>
+          </a:bodyPr>
+          <a:lstStyle/>
+          <a:p>
+            <a:r>
+              <a:rPr lang="en-US" altLang="zh-TW" sz="1400" dirty="0">
+                <a:solidFill>
+                  <a:schemeClr val="accent2">
+                    <a:lumMod val="60000"/>
+                    <a:lumOff val="40000"/>
+                  </a:schemeClr>
+                </a:solidFill>
+              </a:rPr>
+              <a:t>g16523.t1,  DNA-binding protein SMUBP-2 </a:t>
+            </a:r>
+            <a:endParaRPr lang="zh-TW" altLang="en-US" sz="1400" dirty="0">
+              <a:solidFill>
+                <a:schemeClr val="accent2">
+                  <a:lumMod val="60000"/>
+                  <a:lumOff val="40000"/>
+                </a:schemeClr>
+              </a:solidFill>
+            </a:endParaRPr>
+          </a:p>
+        </p:txBody>
+      </p:sp>
+      <p:sp>
+        <p:nvSpPr>
+          <p:cNvPr id="12" name="文字方塊 11">
+            <a:extLst>
+              <a:ext uri="{FF2B5EF4-FFF2-40B4-BE49-F238E27FC236}">
+                <a16:creationId xmlns:a16="http://schemas.microsoft.com/office/drawing/2014/main" id="{23D82997-739A-51BC-6354-332B99154D34}"/>
+              </a:ext>
+            </a:extLst>
+          </p:cNvPr>
+          <p:cNvSpPr txBox="1"/>
+          <p:nvPr/>
+        </p:nvSpPr>
+        <p:spPr>
+          <a:xfrm>
+            <a:off x="5806877" y="4665299"/>
+            <a:ext cx="1405085" cy="1600438"/>
+          </a:xfrm>
+          <a:prstGeom prst="rect">
+            <a:avLst/>
+          </a:prstGeom>
+          <a:noFill/>
+        </p:spPr>
+        <p:txBody>
+          <a:bodyPr wrap="square">
+            <a:spAutoFit/>
+          </a:bodyPr>
+          <a:lstStyle/>
+          <a:p>
+            <a:r>
+              <a:rPr lang="en-US" altLang="zh-TW" sz="1400" dirty="0">
+                <a:solidFill>
+                  <a:schemeClr val="accent2">
+                    <a:lumMod val="60000"/>
+                    <a:lumOff val="40000"/>
+                  </a:schemeClr>
+                </a:solidFill>
+              </a:rPr>
+              <a:t>g16525.t1, glutamine </a:t>
+            </a:r>
+            <a:r>
+              <a:rPr lang="en-US" altLang="zh-TW" sz="1400" dirty="0" err="1">
+                <a:solidFill>
+                  <a:schemeClr val="accent2">
+                    <a:lumMod val="60000"/>
+                    <a:lumOff val="40000"/>
+                  </a:schemeClr>
+                </a:solidFill>
+              </a:rPr>
+              <a:t>amidotransferase</a:t>
+            </a:r>
+            <a:r>
+              <a:rPr lang="en-US" altLang="zh-TW" sz="1400" dirty="0">
+                <a:solidFill>
+                  <a:schemeClr val="accent2">
+                    <a:lumMod val="60000"/>
+                    <a:lumOff val="40000"/>
+                  </a:schemeClr>
+                </a:solidFill>
+              </a:rPr>
+              <a:t>-like class 1 domain-containing protein 1</a:t>
+            </a:r>
+            <a:endParaRPr lang="zh-TW" altLang="en-US" sz="1400" dirty="0">
+              <a:solidFill>
+                <a:schemeClr val="accent2">
+                  <a:lumMod val="60000"/>
+                  <a:lumOff val="40000"/>
+                </a:schemeClr>
+              </a:solidFill>
+            </a:endParaRPr>
+          </a:p>
+        </p:txBody>
+      </p:sp>
+      <p:sp>
+        <p:nvSpPr>
+          <p:cNvPr id="14" name="文字方塊 13">
+            <a:extLst>
+              <a:ext uri="{FF2B5EF4-FFF2-40B4-BE49-F238E27FC236}">
+                <a16:creationId xmlns:a16="http://schemas.microsoft.com/office/drawing/2014/main" id="{FCA3ABAC-DFAF-6981-A60A-8AC5F74EA9AF}"/>
+              </a:ext>
+            </a:extLst>
+          </p:cNvPr>
+          <p:cNvSpPr txBox="1"/>
+          <p:nvPr/>
+        </p:nvSpPr>
+        <p:spPr>
+          <a:xfrm>
+            <a:off x="6823584" y="4638043"/>
+            <a:ext cx="1405085" cy="307777"/>
+          </a:xfrm>
+          <a:prstGeom prst="rect">
+            <a:avLst/>
+          </a:prstGeom>
+          <a:noFill/>
+        </p:spPr>
+        <p:txBody>
+          <a:bodyPr wrap="square">
+            <a:spAutoFit/>
+          </a:bodyPr>
+          <a:lstStyle/>
+          <a:p>
+            <a:r>
+              <a:rPr lang="en-US" altLang="zh-TW" sz="1400" dirty="0">
+                <a:solidFill>
+                  <a:schemeClr val="accent2">
+                    <a:lumMod val="60000"/>
+                    <a:lumOff val="40000"/>
+                  </a:schemeClr>
+                </a:solidFill>
+              </a:rPr>
+              <a:t>CD151 antigen </a:t>
+            </a:r>
+            <a:endParaRPr lang="zh-TW" altLang="en-US" sz="1400" dirty="0">
+              <a:solidFill>
+                <a:schemeClr val="accent2">
+                  <a:lumMod val="60000"/>
+                  <a:lumOff val="40000"/>
+                </a:schemeClr>
+              </a:solidFill>
+            </a:endParaRPr>
           </a:p>
         </p:txBody>
       </p:sp>

--- a/synteny.pptx
+++ b/synteny.pptx
@@ -5,8 +5,9 @@
     <p:sldMasterId id="2147483648" r:id="rId1"/>
   </p:sldMasterIdLst>
   <p:sldIdLst>
-    <p:sldId id="256" r:id="rId2"/>
-    <p:sldId id="257" r:id="rId3"/>
+    <p:sldId id="258" r:id="rId2"/>
+    <p:sldId id="259" r:id="rId3"/>
+    <p:sldId id="260" r:id="rId4"/>
   </p:sldIdLst>
   <p:sldSz cx="12192000" cy="6858000"/>
   <p:notesSz cx="6858000" cy="9144000"/>
@@ -260,7 +261,7 @@
           <a:p>
             <a:fld id="{EC5D5901-00D9-4DE9-BB38-AE3383FB48B5}" type="datetimeFigureOut">
               <a:rPr lang="zh-TW" altLang="en-US" smtClean="0"/>
-              <a:t>2024/9/14</a:t>
+              <a:t>2024/10/14</a:t>
             </a:fld>
             <a:endParaRPr lang="zh-TW" altLang="en-US"/>
           </a:p>
@@ -458,7 +459,7 @@
           <a:p>
             <a:fld id="{EC5D5901-00D9-4DE9-BB38-AE3383FB48B5}" type="datetimeFigureOut">
               <a:rPr lang="zh-TW" altLang="en-US" smtClean="0"/>
-              <a:t>2024/9/14</a:t>
+              <a:t>2024/10/14</a:t>
             </a:fld>
             <a:endParaRPr lang="zh-TW" altLang="en-US"/>
           </a:p>
@@ -666,7 +667,7 @@
           <a:p>
             <a:fld id="{EC5D5901-00D9-4DE9-BB38-AE3383FB48B5}" type="datetimeFigureOut">
               <a:rPr lang="zh-TW" altLang="en-US" smtClean="0"/>
-              <a:t>2024/9/14</a:t>
+              <a:t>2024/10/14</a:t>
             </a:fld>
             <a:endParaRPr lang="zh-TW" altLang="en-US"/>
           </a:p>
@@ -864,7 +865,7 @@
           <a:p>
             <a:fld id="{EC5D5901-00D9-4DE9-BB38-AE3383FB48B5}" type="datetimeFigureOut">
               <a:rPr lang="zh-TW" altLang="en-US" smtClean="0"/>
-              <a:t>2024/9/14</a:t>
+              <a:t>2024/10/14</a:t>
             </a:fld>
             <a:endParaRPr lang="zh-TW" altLang="en-US"/>
           </a:p>
@@ -1139,7 +1140,7 @@
           <a:p>
             <a:fld id="{EC5D5901-00D9-4DE9-BB38-AE3383FB48B5}" type="datetimeFigureOut">
               <a:rPr lang="zh-TW" altLang="en-US" smtClean="0"/>
-              <a:t>2024/9/14</a:t>
+              <a:t>2024/10/14</a:t>
             </a:fld>
             <a:endParaRPr lang="zh-TW" altLang="en-US"/>
           </a:p>
@@ -1404,7 +1405,7 @@
           <a:p>
             <a:fld id="{EC5D5901-00D9-4DE9-BB38-AE3383FB48B5}" type="datetimeFigureOut">
               <a:rPr lang="zh-TW" altLang="en-US" smtClean="0"/>
-              <a:t>2024/9/14</a:t>
+              <a:t>2024/10/14</a:t>
             </a:fld>
             <a:endParaRPr lang="zh-TW" altLang="en-US"/>
           </a:p>
@@ -1816,7 +1817,7 @@
           <a:p>
             <a:fld id="{EC5D5901-00D9-4DE9-BB38-AE3383FB48B5}" type="datetimeFigureOut">
               <a:rPr lang="zh-TW" altLang="en-US" smtClean="0"/>
-              <a:t>2024/9/14</a:t>
+              <a:t>2024/10/14</a:t>
             </a:fld>
             <a:endParaRPr lang="zh-TW" altLang="en-US"/>
           </a:p>
@@ -1957,7 +1958,7 @@
           <a:p>
             <a:fld id="{EC5D5901-00D9-4DE9-BB38-AE3383FB48B5}" type="datetimeFigureOut">
               <a:rPr lang="zh-TW" altLang="en-US" smtClean="0"/>
-              <a:t>2024/9/14</a:t>
+              <a:t>2024/10/14</a:t>
             </a:fld>
             <a:endParaRPr lang="zh-TW" altLang="en-US"/>
           </a:p>
@@ -2070,7 +2071,7 @@
           <a:p>
             <a:fld id="{EC5D5901-00D9-4DE9-BB38-AE3383FB48B5}" type="datetimeFigureOut">
               <a:rPr lang="zh-TW" altLang="en-US" smtClean="0"/>
-              <a:t>2024/9/14</a:t>
+              <a:t>2024/10/14</a:t>
             </a:fld>
             <a:endParaRPr lang="zh-TW" altLang="en-US"/>
           </a:p>
@@ -2381,7 +2382,7 @@
           <a:p>
             <a:fld id="{EC5D5901-00D9-4DE9-BB38-AE3383FB48B5}" type="datetimeFigureOut">
               <a:rPr lang="zh-TW" altLang="en-US" smtClean="0"/>
-              <a:t>2024/9/14</a:t>
+              <a:t>2024/10/14</a:t>
             </a:fld>
             <a:endParaRPr lang="zh-TW" altLang="en-US"/>
           </a:p>
@@ -2669,7 +2670,7 @@
           <a:p>
             <a:fld id="{EC5D5901-00D9-4DE9-BB38-AE3383FB48B5}" type="datetimeFigureOut">
               <a:rPr lang="zh-TW" altLang="en-US" smtClean="0"/>
-              <a:t>2024/9/14</a:t>
+              <a:t>2024/10/14</a:t>
             </a:fld>
             <a:endParaRPr lang="zh-TW" altLang="en-US"/>
           </a:p>
@@ -2910,7 +2911,7 @@
           <a:p>
             <a:fld id="{EC5D5901-00D9-4DE9-BB38-AE3383FB48B5}" type="datetimeFigureOut">
               <a:rPr lang="zh-TW" altLang="en-US" smtClean="0"/>
-              <a:t>2024/9/14</a:t>
+              <a:t>2024/10/14</a:t>
             </a:fld>
             <a:endParaRPr lang="zh-TW" altLang="en-US"/>
           </a:p>
@@ -3329,10 +3330,10 @@
       </p:grpSpPr>
       <p:cxnSp>
         <p:nvCxnSpPr>
-          <p:cNvPr id="5" name="直線接點 4">
-            <a:extLst>
-              <a:ext uri="{FF2B5EF4-FFF2-40B4-BE49-F238E27FC236}">
-                <a16:creationId xmlns:a16="http://schemas.microsoft.com/office/drawing/2014/main" id="{D4BD65FC-704A-81EB-360C-DC4894449E48}"/>
+          <p:cNvPr id="7" name="直線接點 6">
+            <a:extLst>
+              <a:ext uri="{FF2B5EF4-FFF2-40B4-BE49-F238E27FC236}">
+                <a16:creationId xmlns:a16="http://schemas.microsoft.com/office/drawing/2014/main" id="{1C117E2B-A661-876A-B8AE-ED4B8769BE33}"/>
               </a:ext>
             </a:extLst>
           </p:cNvPr>
@@ -3343,7 +3344,7 @@
         </p:nvCxnSpPr>
         <p:spPr>
           <a:xfrm>
-            <a:off x="1824501" y="1963215"/>
+            <a:off x="3004373" y="1805899"/>
             <a:ext cx="7260505" cy="0"/>
           </a:xfrm>
           <a:prstGeom prst="line">
@@ -3366,90 +3367,12 @@
           </a:fontRef>
         </p:style>
       </p:cxnSp>
-      <p:cxnSp>
-        <p:nvCxnSpPr>
-          <p:cNvPr id="6" name="直線接點 5">
-            <a:extLst>
-              <a:ext uri="{FF2B5EF4-FFF2-40B4-BE49-F238E27FC236}">
-                <a16:creationId xmlns:a16="http://schemas.microsoft.com/office/drawing/2014/main" id="{789948EB-7066-1C32-C22A-C31DC6A1E140}"/>
-              </a:ext>
-            </a:extLst>
-          </p:cNvPr>
-          <p:cNvCxnSpPr>
-            <a:cxnSpLocks/>
-          </p:cNvCxnSpPr>
-          <p:nvPr/>
-        </p:nvCxnSpPr>
-        <p:spPr>
-          <a:xfrm>
-            <a:off x="388372" y="4372585"/>
-            <a:ext cx="3397045" cy="0"/>
-          </a:xfrm>
-          <a:prstGeom prst="line">
-            <a:avLst/>
-          </a:prstGeom>
-          <a:ln w="76200"/>
-        </p:spPr>
-        <p:style>
-          <a:lnRef idx="2">
-            <a:schemeClr val="dk1"/>
-          </a:lnRef>
-          <a:fillRef idx="0">
-            <a:schemeClr val="dk1"/>
-          </a:fillRef>
-          <a:effectRef idx="1">
-            <a:schemeClr val="dk1"/>
-          </a:effectRef>
-          <a:fontRef idx="minor">
-            <a:schemeClr val="tx1"/>
-          </a:fontRef>
-        </p:style>
-      </p:cxnSp>
-      <p:cxnSp>
-        <p:nvCxnSpPr>
-          <p:cNvPr id="7" name="直線接點 6">
-            <a:extLst>
-              <a:ext uri="{FF2B5EF4-FFF2-40B4-BE49-F238E27FC236}">
-                <a16:creationId xmlns:a16="http://schemas.microsoft.com/office/drawing/2014/main" id="{7A212702-C16F-114B-7D45-90B6564AD6C1}"/>
-              </a:ext>
-            </a:extLst>
-          </p:cNvPr>
-          <p:cNvCxnSpPr>
-            <a:cxnSpLocks/>
-          </p:cNvCxnSpPr>
-          <p:nvPr/>
-        </p:nvCxnSpPr>
-        <p:spPr>
-          <a:xfrm>
-            <a:off x="4680157" y="4372585"/>
-            <a:ext cx="2182763" cy="0"/>
-          </a:xfrm>
-          <a:prstGeom prst="line">
-            <a:avLst/>
-          </a:prstGeom>
-          <a:ln w="76200"/>
-        </p:spPr>
-        <p:style>
-          <a:lnRef idx="2">
-            <a:schemeClr val="dk1"/>
-          </a:lnRef>
-          <a:fillRef idx="0">
-            <a:schemeClr val="dk1"/>
-          </a:fillRef>
-          <a:effectRef idx="1">
-            <a:schemeClr val="dk1"/>
-          </a:effectRef>
-          <a:fontRef idx="minor">
-            <a:schemeClr val="tx1"/>
-          </a:fontRef>
-        </p:style>
-      </p:cxnSp>
-      <p:sp>
-        <p:nvSpPr>
-          <p:cNvPr id="11" name="文字方塊 10">
-            <a:extLst>
-              <a:ext uri="{FF2B5EF4-FFF2-40B4-BE49-F238E27FC236}">
-                <a16:creationId xmlns:a16="http://schemas.microsoft.com/office/drawing/2014/main" id="{FEDFD5C9-523B-5131-E27E-D7643F278A04}"/>
+      <p:sp>
+        <p:nvSpPr>
+          <p:cNvPr id="12" name="文字方塊 11">
+            <a:extLst>
+              <a:ext uri="{FF2B5EF4-FFF2-40B4-BE49-F238E27FC236}">
+                <a16:creationId xmlns:a16="http://schemas.microsoft.com/office/drawing/2014/main" id="{835D1716-7C7B-B452-D9EB-F8822D7A85DE}"/>
               </a:ext>
             </a:extLst>
           </p:cNvPr>
@@ -3458,8 +3381,8 @@
         </p:nvSpPr>
         <p:spPr>
           <a:xfrm>
-            <a:off x="1274659" y="842005"/>
-            <a:ext cx="4168265" cy="523220"/>
+            <a:off x="478191" y="1610250"/>
+            <a:ext cx="2048644" cy="400110"/>
           </a:xfrm>
           <a:prstGeom prst="rect">
             <a:avLst/>
@@ -3473,7 +3396,7 @@
           <a:lstStyle/>
           <a:p>
             <a:r>
-              <a:rPr lang="zh-TW" altLang="en-US" sz="2800" dirty="0"/>
+              <a:rPr lang="zh-TW" altLang="en-US" sz="2000" dirty="0"/>
               <a:t>seq00000327_1</a:t>
             </a:r>
           </a:p>
@@ -3481,155 +3404,10 @@
       </p:sp>
       <p:sp>
         <p:nvSpPr>
-          <p:cNvPr id="13" name="文字方塊 12">
-            <a:extLst>
-              <a:ext uri="{FF2B5EF4-FFF2-40B4-BE49-F238E27FC236}">
-                <a16:creationId xmlns:a16="http://schemas.microsoft.com/office/drawing/2014/main" id="{2A9233A6-FD32-632C-F349-7FFAB3054907}"/>
-              </a:ext>
-            </a:extLst>
-          </p:cNvPr>
-          <p:cNvSpPr txBox="1"/>
-          <p:nvPr/>
-        </p:nvSpPr>
-        <p:spPr>
-          <a:xfrm>
-            <a:off x="1238865" y="3411170"/>
-            <a:ext cx="1209368" cy="369332"/>
-          </a:xfrm>
-          <a:prstGeom prst="rect">
-            <a:avLst/>
-          </a:prstGeom>
-          <a:noFill/>
-        </p:spPr>
-        <p:txBody>
-          <a:bodyPr wrap="square">
-            <a:spAutoFit/>
-          </a:bodyPr>
-          <a:lstStyle/>
-          <a:p>
-            <a:r>
-              <a:rPr lang="zh-TW" altLang="en-US" dirty="0"/>
-              <a:t>ntLink_69</a:t>
-            </a:r>
-          </a:p>
-        </p:txBody>
-      </p:sp>
-      <p:sp>
-        <p:nvSpPr>
-          <p:cNvPr id="15" name="文字方塊 14">
-            <a:extLst>
-              <a:ext uri="{FF2B5EF4-FFF2-40B4-BE49-F238E27FC236}">
-                <a16:creationId xmlns:a16="http://schemas.microsoft.com/office/drawing/2014/main" id="{F21187EE-14C2-A8AA-47CD-882A44FC6DA2}"/>
-              </a:ext>
-            </a:extLst>
-          </p:cNvPr>
-          <p:cNvSpPr txBox="1"/>
-          <p:nvPr/>
-        </p:nvSpPr>
-        <p:spPr>
-          <a:xfrm>
-            <a:off x="5201270" y="3438519"/>
-            <a:ext cx="1307690" cy="369332"/>
-          </a:xfrm>
-          <a:prstGeom prst="rect">
-            <a:avLst/>
-          </a:prstGeom>
-          <a:noFill/>
-        </p:spPr>
-        <p:txBody>
-          <a:bodyPr wrap="square">
-            <a:spAutoFit/>
-          </a:bodyPr>
-          <a:lstStyle/>
-          <a:p>
-            <a:r>
-              <a:rPr lang="zh-TW" altLang="en-US" dirty="0"/>
-              <a:t>ntLink_71</a:t>
-            </a:r>
-          </a:p>
-        </p:txBody>
-      </p:sp>
-      <p:cxnSp>
-        <p:nvCxnSpPr>
-          <p:cNvPr id="19" name="直線接點 18">
-            <a:extLst>
-              <a:ext uri="{FF2B5EF4-FFF2-40B4-BE49-F238E27FC236}">
-                <a16:creationId xmlns:a16="http://schemas.microsoft.com/office/drawing/2014/main" id="{E288999A-6783-8BBC-4167-792BBC8C5398}"/>
-              </a:ext>
-            </a:extLst>
-          </p:cNvPr>
-          <p:cNvCxnSpPr>
-            <a:cxnSpLocks/>
-          </p:cNvCxnSpPr>
-          <p:nvPr/>
-        </p:nvCxnSpPr>
-        <p:spPr>
-          <a:xfrm>
-            <a:off x="8082123" y="4372585"/>
-            <a:ext cx="2182763" cy="0"/>
-          </a:xfrm>
-          <a:prstGeom prst="line">
-            <a:avLst/>
-          </a:prstGeom>
-          <a:ln w="76200"/>
-        </p:spPr>
-        <p:style>
-          <a:lnRef idx="2">
-            <a:schemeClr val="dk1"/>
-          </a:lnRef>
-          <a:fillRef idx="0">
-            <a:schemeClr val="dk1"/>
-          </a:fillRef>
-          <a:effectRef idx="1">
-            <a:schemeClr val="dk1"/>
-          </a:effectRef>
-          <a:fontRef idx="minor">
-            <a:schemeClr val="tx1"/>
-          </a:fontRef>
-        </p:style>
-      </p:cxnSp>
-      <p:sp>
-        <p:nvSpPr>
-          <p:cNvPr id="20" name="文字方塊 19">
-            <a:extLst>
-              <a:ext uri="{FF2B5EF4-FFF2-40B4-BE49-F238E27FC236}">
-                <a16:creationId xmlns:a16="http://schemas.microsoft.com/office/drawing/2014/main" id="{E936F7D9-1E1A-E24E-C646-FCFE0E00BE69}"/>
-              </a:ext>
-            </a:extLst>
-          </p:cNvPr>
-          <p:cNvSpPr txBox="1"/>
-          <p:nvPr/>
-        </p:nvSpPr>
-        <p:spPr>
-          <a:xfrm>
-            <a:off x="8603236" y="3411170"/>
-            <a:ext cx="1307690" cy="369332"/>
-          </a:xfrm>
-          <a:prstGeom prst="rect">
-            <a:avLst/>
-          </a:prstGeom>
-          <a:noFill/>
-        </p:spPr>
-        <p:txBody>
-          <a:bodyPr wrap="square">
-            <a:spAutoFit/>
-          </a:bodyPr>
-          <a:lstStyle/>
-          <a:p>
-            <a:r>
-              <a:rPr lang="en-US" altLang="zh-TW" dirty="0"/>
-              <a:t>ntLink_58</a:t>
-            </a:r>
-            <a:endParaRPr lang="zh-TW" altLang="en-US" dirty="0"/>
-          </a:p>
-        </p:txBody>
-      </p:sp>
-      <p:sp>
-        <p:nvSpPr>
-          <p:cNvPr id="21" name="箭號: 向左 20">
-            <a:extLst>
-              <a:ext uri="{FF2B5EF4-FFF2-40B4-BE49-F238E27FC236}">
-                <a16:creationId xmlns:a16="http://schemas.microsoft.com/office/drawing/2014/main" id="{695F4F25-1C10-D5E2-58EB-354A4C5DBD1F}"/>
+          <p:cNvPr id="13" name="箭號: 向左 12">
+            <a:extLst>
+              <a:ext uri="{FF2B5EF4-FFF2-40B4-BE49-F238E27FC236}">
+                <a16:creationId xmlns:a16="http://schemas.microsoft.com/office/drawing/2014/main" id="{444AE905-A61C-B1C3-6D8C-B89A732C0B77}"/>
               </a:ext>
             </a:extLst>
           </p:cNvPr>
@@ -3638,7 +3416,7 @@
         </p:nvSpPr>
         <p:spPr>
           <a:xfrm rot="10800000">
-            <a:off x="3000852" y="1778551"/>
+            <a:off x="4180724" y="1621235"/>
             <a:ext cx="551834" cy="369329"/>
           </a:xfrm>
           <a:prstGeom prst="leftArrow">
@@ -3672,10 +3450,10 @@
       </p:sp>
       <p:sp>
         <p:nvSpPr>
-          <p:cNvPr id="23" name="箭號: 向左 22">
-            <a:extLst>
-              <a:ext uri="{FF2B5EF4-FFF2-40B4-BE49-F238E27FC236}">
-                <a16:creationId xmlns:a16="http://schemas.microsoft.com/office/drawing/2014/main" id="{1806CD3D-3AB7-AECA-3CDA-79752D471257}"/>
+          <p:cNvPr id="14" name="箭號: 向左 13">
+            <a:extLst>
+              <a:ext uri="{FF2B5EF4-FFF2-40B4-BE49-F238E27FC236}">
+                <a16:creationId xmlns:a16="http://schemas.microsoft.com/office/drawing/2014/main" id="{CFDA9A5D-E089-6241-44B8-31D2A32B5173}"/>
               </a:ext>
             </a:extLst>
           </p:cNvPr>
@@ -3684,7 +3462,7 @@
         </p:nvSpPr>
         <p:spPr>
           <a:xfrm>
-            <a:off x="5928241" y="1778551"/>
+            <a:off x="7108113" y="1621235"/>
             <a:ext cx="551834" cy="369329"/>
           </a:xfrm>
           <a:prstGeom prst="leftArrow">
@@ -3718,10 +3496,10 @@
       </p:sp>
       <p:sp>
         <p:nvSpPr>
-          <p:cNvPr id="24" name="箭號: 向左 23">
-            <a:extLst>
-              <a:ext uri="{FF2B5EF4-FFF2-40B4-BE49-F238E27FC236}">
-                <a16:creationId xmlns:a16="http://schemas.microsoft.com/office/drawing/2014/main" id="{0734B0A4-C9DD-DB23-0D80-00474BE59C48}"/>
+          <p:cNvPr id="15" name="箭號: 向左 14">
+            <a:extLst>
+              <a:ext uri="{FF2B5EF4-FFF2-40B4-BE49-F238E27FC236}">
+                <a16:creationId xmlns:a16="http://schemas.microsoft.com/office/drawing/2014/main" id="{EA3280E5-AF0F-A525-A24B-9FDDFA4D0B39}"/>
               </a:ext>
             </a:extLst>
           </p:cNvPr>
@@ -3730,7 +3508,7 @@
         </p:nvSpPr>
         <p:spPr>
           <a:xfrm>
-            <a:off x="6551365" y="1778551"/>
+            <a:off x="7731237" y="1621235"/>
             <a:ext cx="551834" cy="369329"/>
           </a:xfrm>
           <a:prstGeom prst="leftArrow">
@@ -3764,10 +3542,57 @@
       </p:sp>
       <p:sp>
         <p:nvSpPr>
-          <p:cNvPr id="25" name="箭號: 向左 24">
-            <a:extLst>
-              <a:ext uri="{FF2B5EF4-FFF2-40B4-BE49-F238E27FC236}">
-                <a16:creationId xmlns:a16="http://schemas.microsoft.com/office/drawing/2014/main" id="{E6B9B686-C188-E186-FE40-8538E9C9E4B8}"/>
+          <p:cNvPr id="19" name="文字方塊 18">
+            <a:extLst>
+              <a:ext uri="{FF2B5EF4-FFF2-40B4-BE49-F238E27FC236}">
+                <a16:creationId xmlns:a16="http://schemas.microsoft.com/office/drawing/2014/main" id="{0521B005-FD70-CF9B-34EC-60AA9FA7A56F}"/>
+              </a:ext>
+            </a:extLst>
+          </p:cNvPr>
+          <p:cNvSpPr txBox="1"/>
+          <p:nvPr/>
+        </p:nvSpPr>
+        <p:spPr>
+          <a:xfrm>
+            <a:off x="334296" y="151998"/>
+            <a:ext cx="3368782" cy="646331"/>
+          </a:xfrm>
+          <a:prstGeom prst="rect">
+            <a:avLst/>
+          </a:prstGeom>
+          <a:noFill/>
+        </p:spPr>
+        <p:txBody>
+          <a:bodyPr wrap="square">
+            <a:spAutoFit/>
+          </a:bodyPr>
+          <a:lstStyle/>
+          <a:p>
+            <a:r>
+              <a:rPr lang="en-US" altLang="zh-TW" sz="3600" b="1" u="none" strike="noStrike" dirty="0">
+                <a:solidFill>
+                  <a:srgbClr val="000000"/>
+                </a:solidFill>
+                <a:effectLst/>
+                <a:latin typeface="Calibri" panose="020F0502020204030204" pitchFamily="34" charset="0"/>
+                <a:ea typeface="Calibri" panose="020F0502020204030204" pitchFamily="34" charset="0"/>
+                <a:cs typeface="Calibri" panose="020F0502020204030204" pitchFamily="34" charset="0"/>
+              </a:rPr>
+              <a:t>Chitinase</a:t>
+            </a:r>
+            <a:endParaRPr lang="zh-TW" altLang="en-US" sz="3600" dirty="0">
+              <a:latin typeface="Calibri" panose="020F0502020204030204" pitchFamily="34" charset="0"/>
+              <a:cs typeface="Calibri" panose="020F0502020204030204" pitchFamily="34" charset="0"/>
+            </a:endParaRPr>
+          </a:p>
+        </p:txBody>
+      </p:sp>
+      <p:sp>
+        <p:nvSpPr>
+          <p:cNvPr id="20" name="箭號: 向左 19">
+            <a:extLst>
+              <a:ext uri="{FF2B5EF4-FFF2-40B4-BE49-F238E27FC236}">
+                <a16:creationId xmlns:a16="http://schemas.microsoft.com/office/drawing/2014/main" id="{12190639-40B1-BED0-FF1B-97FDE0CF8EA0}"/>
               </a:ext>
             </a:extLst>
           </p:cNvPr>
@@ -3775,8 +3600,831 @@
           <p:nvPr/>
         </p:nvSpPr>
         <p:spPr>
+          <a:xfrm>
+            <a:off x="4960987" y="1621235"/>
+            <a:ext cx="551834" cy="369329"/>
+          </a:xfrm>
+          <a:prstGeom prst="leftArrow">
+            <a:avLst/>
+          </a:prstGeom>
+        </p:spPr>
+        <p:style>
+          <a:lnRef idx="1">
+            <a:schemeClr val="accent2"/>
+          </a:lnRef>
+          <a:fillRef idx="2">
+            <a:schemeClr val="accent2"/>
+          </a:fillRef>
+          <a:effectRef idx="1">
+            <a:schemeClr val="accent2"/>
+          </a:effectRef>
+          <a:fontRef idx="minor">
+            <a:schemeClr val="dk1"/>
+          </a:fontRef>
+        </p:style>
+        <p:txBody>
+          <a:bodyPr rtlCol="0" anchor="ctr"/>
+          <a:lstStyle/>
+          <a:p>
+            <a:pPr algn="ctr"/>
+            <a:endParaRPr lang="zh-TW" altLang="en-US" dirty="0"/>
+          </a:p>
+        </p:txBody>
+      </p:sp>
+      <p:sp>
+        <p:nvSpPr>
+          <p:cNvPr id="22" name="文字方塊 21">
+            <a:extLst>
+              <a:ext uri="{FF2B5EF4-FFF2-40B4-BE49-F238E27FC236}">
+                <a16:creationId xmlns:a16="http://schemas.microsoft.com/office/drawing/2014/main" id="{CFBD143F-D44F-6CB4-DF2E-EA21CE49C8EB}"/>
+              </a:ext>
+            </a:extLst>
+          </p:cNvPr>
+          <p:cNvSpPr txBox="1"/>
+          <p:nvPr/>
+        </p:nvSpPr>
+        <p:spPr>
+          <a:xfrm>
+            <a:off x="4638669" y="2096088"/>
+            <a:ext cx="1630005" cy="1384995"/>
+          </a:xfrm>
+          <a:prstGeom prst="rect">
+            <a:avLst/>
+          </a:prstGeom>
+          <a:noFill/>
+        </p:spPr>
+        <p:txBody>
+          <a:bodyPr wrap="square">
+            <a:spAutoFit/>
+          </a:bodyPr>
+          <a:lstStyle/>
+          <a:p>
+            <a:r>
+              <a:rPr lang="en-US" altLang="zh-TW" sz="1400" dirty="0">
+                <a:solidFill>
+                  <a:schemeClr val="accent2">
+                    <a:lumMod val="60000"/>
+                    <a:lumOff val="40000"/>
+                  </a:schemeClr>
+                </a:solidFill>
+              </a:rPr>
+              <a:t>g20405.t1 , major follicular superfamily domain-containing protein 4B</a:t>
+            </a:r>
+            <a:endParaRPr lang="zh-TW" altLang="en-US" sz="1400" dirty="0">
+              <a:solidFill>
+                <a:schemeClr val="accent2">
+                  <a:lumMod val="60000"/>
+                  <a:lumOff val="40000"/>
+                </a:schemeClr>
+              </a:solidFill>
+            </a:endParaRPr>
+          </a:p>
+        </p:txBody>
+      </p:sp>
+      <p:sp>
+        <p:nvSpPr>
+          <p:cNvPr id="25" name="文字方塊 24">
+            <a:extLst>
+              <a:ext uri="{FF2B5EF4-FFF2-40B4-BE49-F238E27FC236}">
+                <a16:creationId xmlns:a16="http://schemas.microsoft.com/office/drawing/2014/main" id="{B829AF11-7D5F-20CB-79CB-EAE60AF02494}"/>
+              </a:ext>
+            </a:extLst>
+          </p:cNvPr>
+          <p:cNvSpPr txBox="1"/>
+          <p:nvPr/>
+        </p:nvSpPr>
+        <p:spPr>
+          <a:xfrm>
+            <a:off x="2918185" y="2170255"/>
+            <a:ext cx="1326747" cy="738664"/>
+          </a:xfrm>
+          <a:prstGeom prst="rect">
+            <a:avLst/>
+          </a:prstGeom>
+          <a:noFill/>
+        </p:spPr>
+        <p:txBody>
+          <a:bodyPr wrap="square">
+            <a:spAutoFit/>
+          </a:bodyPr>
+          <a:lstStyle/>
+          <a:p>
+            <a:r>
+              <a:rPr lang="en-US" altLang="zh-TW" sz="1400" dirty="0">
+                <a:solidFill>
+                  <a:schemeClr val="accent2">
+                    <a:lumMod val="60000"/>
+                    <a:lumOff val="40000"/>
+                  </a:schemeClr>
+                </a:solidFill>
+              </a:rPr>
+              <a:t>g20403.t1 , CMRF35-like molecule 3</a:t>
+            </a:r>
+            <a:endParaRPr lang="zh-TW" altLang="en-US" sz="1400" dirty="0">
+              <a:solidFill>
+                <a:schemeClr val="accent2">
+                  <a:lumMod val="60000"/>
+                  <a:lumOff val="40000"/>
+                </a:schemeClr>
+              </a:solidFill>
+            </a:endParaRPr>
+          </a:p>
+        </p:txBody>
+      </p:sp>
+      <p:sp>
+        <p:nvSpPr>
+          <p:cNvPr id="26" name="箭號: 向左 25">
+            <a:extLst>
+              <a:ext uri="{FF2B5EF4-FFF2-40B4-BE49-F238E27FC236}">
+                <a16:creationId xmlns:a16="http://schemas.microsoft.com/office/drawing/2014/main" id="{7B3123CE-E62C-914B-25ED-92CD9327CB30}"/>
+              </a:ext>
+            </a:extLst>
+          </p:cNvPr>
+          <p:cNvSpPr/>
+          <p:nvPr/>
+        </p:nvSpPr>
+        <p:spPr>
+          <a:xfrm>
+            <a:off x="3278149" y="1621235"/>
+            <a:ext cx="551834" cy="369329"/>
+          </a:xfrm>
+          <a:prstGeom prst="leftArrow">
+            <a:avLst/>
+          </a:prstGeom>
+        </p:spPr>
+        <p:style>
+          <a:lnRef idx="1">
+            <a:schemeClr val="accent2"/>
+          </a:lnRef>
+          <a:fillRef idx="2">
+            <a:schemeClr val="accent2"/>
+          </a:fillRef>
+          <a:effectRef idx="1">
+            <a:schemeClr val="accent2"/>
+          </a:effectRef>
+          <a:fontRef idx="minor">
+            <a:schemeClr val="dk1"/>
+          </a:fontRef>
+        </p:style>
+        <p:txBody>
+          <a:bodyPr rtlCol="0" anchor="ctr"/>
+          <a:lstStyle/>
+          <a:p>
+            <a:pPr algn="ctr"/>
+            <a:endParaRPr lang="zh-TW" altLang="en-US" dirty="0"/>
+          </a:p>
+        </p:txBody>
+      </p:sp>
+      <p:sp>
+        <p:nvSpPr>
+          <p:cNvPr id="27" name="箭號: 向左 26">
+            <a:extLst>
+              <a:ext uri="{FF2B5EF4-FFF2-40B4-BE49-F238E27FC236}">
+                <a16:creationId xmlns:a16="http://schemas.microsoft.com/office/drawing/2014/main" id="{6B10202C-5649-2E97-F3FB-7521E27DA184}"/>
+              </a:ext>
+            </a:extLst>
+          </p:cNvPr>
+          <p:cNvSpPr/>
+          <p:nvPr/>
+        </p:nvSpPr>
+        <p:spPr>
+          <a:xfrm>
+            <a:off x="8446223" y="1621235"/>
+            <a:ext cx="551834" cy="369329"/>
+          </a:xfrm>
+          <a:prstGeom prst="leftArrow">
+            <a:avLst/>
+          </a:prstGeom>
+        </p:spPr>
+        <p:style>
+          <a:lnRef idx="1">
+            <a:schemeClr val="accent2"/>
+          </a:lnRef>
+          <a:fillRef idx="2">
+            <a:schemeClr val="accent2"/>
+          </a:fillRef>
+          <a:effectRef idx="1">
+            <a:schemeClr val="accent2"/>
+          </a:effectRef>
+          <a:fontRef idx="minor">
+            <a:schemeClr val="dk1"/>
+          </a:fontRef>
+        </p:style>
+        <p:txBody>
+          <a:bodyPr rtlCol="0" anchor="ctr"/>
+          <a:lstStyle/>
+          <a:p>
+            <a:pPr algn="ctr"/>
+            <a:endParaRPr lang="zh-TW" altLang="en-US" dirty="0"/>
+          </a:p>
+        </p:txBody>
+      </p:sp>
+      <p:sp>
+        <p:nvSpPr>
+          <p:cNvPr id="28" name="文字方塊 27">
+            <a:extLst>
+              <a:ext uri="{FF2B5EF4-FFF2-40B4-BE49-F238E27FC236}">
+                <a16:creationId xmlns:a16="http://schemas.microsoft.com/office/drawing/2014/main" id="{959A33A5-ED00-192A-C099-E70A00842FDD}"/>
+              </a:ext>
+            </a:extLst>
+          </p:cNvPr>
+          <p:cNvSpPr txBox="1"/>
+          <p:nvPr/>
+        </p:nvSpPr>
+        <p:spPr>
+          <a:xfrm>
+            <a:off x="8362338" y="2208343"/>
+            <a:ext cx="2394762" cy="523220"/>
+          </a:xfrm>
+          <a:prstGeom prst="rect">
+            <a:avLst/>
+          </a:prstGeom>
+          <a:noFill/>
+        </p:spPr>
+        <p:txBody>
+          <a:bodyPr wrap="square">
+            <a:spAutoFit/>
+          </a:bodyPr>
+          <a:lstStyle/>
+          <a:p>
+            <a:r>
+              <a:rPr lang="en-US" altLang="zh-TW" sz="1400" dirty="0">
+                <a:solidFill>
+                  <a:schemeClr val="accent2">
+                    <a:lumMod val="60000"/>
+                    <a:lumOff val="40000"/>
+                  </a:schemeClr>
+                </a:solidFill>
+              </a:rPr>
+              <a:t>g20411.t1,  </a:t>
+            </a:r>
+            <a:r>
+              <a:rPr lang="en-US" altLang="zh-TW" sz="1400" dirty="0" err="1">
+                <a:solidFill>
+                  <a:schemeClr val="accent2">
+                    <a:lumMod val="60000"/>
+                    <a:lumOff val="40000"/>
+                  </a:schemeClr>
+                </a:solidFill>
+              </a:rPr>
+              <a:t>neurofascin</a:t>
+            </a:r>
+            <a:r>
+              <a:rPr lang="en-US" altLang="zh-TW" sz="1400" dirty="0">
+                <a:solidFill>
+                  <a:schemeClr val="accent2">
+                    <a:lumMod val="60000"/>
+                    <a:lumOff val="40000"/>
+                  </a:schemeClr>
+                </a:solidFill>
+              </a:rPr>
+              <a:t>-like isoform X1</a:t>
+            </a:r>
+            <a:endParaRPr lang="zh-TW" altLang="en-US" sz="1400" dirty="0">
+              <a:solidFill>
+                <a:schemeClr val="accent2">
+                  <a:lumMod val="60000"/>
+                  <a:lumOff val="40000"/>
+                </a:schemeClr>
+              </a:solidFill>
+            </a:endParaRPr>
+          </a:p>
+        </p:txBody>
+      </p:sp>
+      <p:sp>
+        <p:nvSpPr>
+          <p:cNvPr id="29" name="箭號: 向左 28">
+            <a:extLst>
+              <a:ext uri="{FF2B5EF4-FFF2-40B4-BE49-F238E27FC236}">
+                <a16:creationId xmlns:a16="http://schemas.microsoft.com/office/drawing/2014/main" id="{A1E190E6-1D3C-BE09-CD78-FB1B9E220D4B}"/>
+              </a:ext>
+            </a:extLst>
+          </p:cNvPr>
+          <p:cNvSpPr/>
+          <p:nvPr/>
+        </p:nvSpPr>
+        <p:spPr>
+          <a:xfrm>
+            <a:off x="6427688" y="1621235"/>
+            <a:ext cx="551834" cy="369329"/>
+          </a:xfrm>
+          <a:prstGeom prst="leftArrow">
+            <a:avLst/>
+          </a:prstGeom>
+        </p:spPr>
+        <p:style>
+          <a:lnRef idx="1">
+            <a:schemeClr val="accent2"/>
+          </a:lnRef>
+          <a:fillRef idx="2">
+            <a:schemeClr val="accent2"/>
+          </a:fillRef>
+          <a:effectRef idx="1">
+            <a:schemeClr val="accent2"/>
+          </a:effectRef>
+          <a:fontRef idx="minor">
+            <a:schemeClr val="dk1"/>
+          </a:fontRef>
+        </p:style>
+        <p:txBody>
+          <a:bodyPr rtlCol="0" anchor="ctr"/>
+          <a:lstStyle/>
+          <a:p>
+            <a:pPr algn="ctr"/>
+            <a:endParaRPr lang="zh-TW" altLang="en-US" dirty="0"/>
+          </a:p>
+        </p:txBody>
+      </p:sp>
+      <p:sp>
+        <p:nvSpPr>
+          <p:cNvPr id="30" name="文字方塊 29">
+            <a:extLst>
+              <a:ext uri="{FF2B5EF4-FFF2-40B4-BE49-F238E27FC236}">
+                <a16:creationId xmlns:a16="http://schemas.microsoft.com/office/drawing/2014/main" id="{DB214EFF-F9CF-4F6B-1545-F56C153905EF}"/>
+              </a:ext>
+            </a:extLst>
+          </p:cNvPr>
+          <p:cNvSpPr txBox="1"/>
+          <p:nvPr/>
+        </p:nvSpPr>
+        <p:spPr>
+          <a:xfrm>
+            <a:off x="6755546" y="1277190"/>
+            <a:ext cx="1405085" cy="307777"/>
+          </a:xfrm>
+          <a:prstGeom prst="rect">
+            <a:avLst/>
+          </a:prstGeom>
+          <a:noFill/>
+        </p:spPr>
+        <p:txBody>
+          <a:bodyPr wrap="square">
+            <a:spAutoFit/>
+          </a:bodyPr>
+          <a:lstStyle/>
+          <a:p>
+            <a:r>
+              <a:rPr lang="en-US" altLang="zh-TW" sz="1400" dirty="0">
+                <a:solidFill>
+                  <a:schemeClr val="accent1">
+                    <a:lumMod val="50000"/>
+                  </a:schemeClr>
+                </a:solidFill>
+              </a:rPr>
+              <a:t>chitinase-like</a:t>
+            </a:r>
+            <a:endParaRPr lang="zh-TW" altLang="en-US" sz="1400" dirty="0">
+              <a:solidFill>
+                <a:schemeClr val="accent1">
+                  <a:lumMod val="50000"/>
+                </a:schemeClr>
+              </a:solidFill>
+            </a:endParaRPr>
+          </a:p>
+        </p:txBody>
+      </p:sp>
+      <p:sp>
+        <p:nvSpPr>
+          <p:cNvPr id="32" name="文字方塊 31">
+            <a:extLst>
+              <a:ext uri="{FF2B5EF4-FFF2-40B4-BE49-F238E27FC236}">
+                <a16:creationId xmlns:a16="http://schemas.microsoft.com/office/drawing/2014/main" id="{FEFE09A2-39FC-508B-4E38-2AAA6E712289}"/>
+              </a:ext>
+            </a:extLst>
+          </p:cNvPr>
+          <p:cNvSpPr txBox="1"/>
+          <p:nvPr/>
+        </p:nvSpPr>
+        <p:spPr>
+          <a:xfrm>
+            <a:off x="3703078" y="1240918"/>
+            <a:ext cx="1799303" cy="369332"/>
+          </a:xfrm>
+          <a:prstGeom prst="rect">
+            <a:avLst/>
+          </a:prstGeom>
+          <a:noFill/>
+        </p:spPr>
+        <p:txBody>
+          <a:bodyPr wrap="square">
+            <a:spAutoFit/>
+          </a:bodyPr>
+          <a:lstStyle/>
+          <a:p>
+            <a:r>
+              <a:rPr lang="zh-TW" altLang="en-US" dirty="0">
+                <a:solidFill>
+                  <a:schemeClr val="accent1">
+                    <a:lumMod val="50000"/>
+                  </a:schemeClr>
+                </a:solidFill>
+              </a:rPr>
+              <a:t>chitinase-like</a:t>
+            </a:r>
+          </a:p>
+        </p:txBody>
+      </p:sp>
+      <p:sp>
+        <p:nvSpPr>
+          <p:cNvPr id="33" name="文字方塊 32">
+            <a:extLst>
+              <a:ext uri="{FF2B5EF4-FFF2-40B4-BE49-F238E27FC236}">
+                <a16:creationId xmlns:a16="http://schemas.microsoft.com/office/drawing/2014/main" id="{885FBAD0-1858-240E-9ACC-993AF047EEF5}"/>
+              </a:ext>
+            </a:extLst>
+          </p:cNvPr>
+          <p:cNvSpPr txBox="1"/>
+          <p:nvPr/>
+        </p:nvSpPr>
+        <p:spPr>
+          <a:xfrm>
+            <a:off x="7458089" y="884773"/>
+            <a:ext cx="1405085" cy="307777"/>
+          </a:xfrm>
+          <a:prstGeom prst="rect">
+            <a:avLst/>
+          </a:prstGeom>
+          <a:noFill/>
+        </p:spPr>
+        <p:txBody>
+          <a:bodyPr wrap="square">
+            <a:spAutoFit/>
+          </a:bodyPr>
+          <a:lstStyle/>
+          <a:p>
+            <a:r>
+              <a:rPr lang="en-US" altLang="zh-TW" sz="1400" dirty="0">
+                <a:solidFill>
+                  <a:schemeClr val="accent1">
+                    <a:lumMod val="50000"/>
+                  </a:schemeClr>
+                </a:solidFill>
+              </a:rPr>
+              <a:t>chitinase-like</a:t>
+            </a:r>
+            <a:endParaRPr lang="zh-TW" altLang="en-US" sz="1400" dirty="0">
+              <a:solidFill>
+                <a:schemeClr val="accent1">
+                  <a:lumMod val="50000"/>
+                </a:schemeClr>
+              </a:solidFill>
+            </a:endParaRPr>
+          </a:p>
+        </p:txBody>
+      </p:sp>
+      <p:sp>
+        <p:nvSpPr>
+          <p:cNvPr id="34" name="文字方塊 33">
+            <a:extLst>
+              <a:ext uri="{FF2B5EF4-FFF2-40B4-BE49-F238E27FC236}">
+                <a16:creationId xmlns:a16="http://schemas.microsoft.com/office/drawing/2014/main" id="{EE8CEDC9-E002-C543-1D9E-896DAC8EA266}"/>
+              </a:ext>
+            </a:extLst>
+          </p:cNvPr>
+          <p:cNvSpPr txBox="1"/>
+          <p:nvPr/>
+        </p:nvSpPr>
+        <p:spPr>
+          <a:xfrm>
+            <a:off x="6186649" y="2186213"/>
+            <a:ext cx="2394762" cy="738664"/>
+          </a:xfrm>
+          <a:prstGeom prst="rect">
+            <a:avLst/>
+          </a:prstGeom>
+          <a:noFill/>
+        </p:spPr>
+        <p:txBody>
+          <a:bodyPr wrap="square">
+            <a:spAutoFit/>
+          </a:bodyPr>
+          <a:lstStyle/>
+          <a:p>
+            <a:r>
+              <a:rPr lang="en-US" altLang="zh-TW" sz="1400" dirty="0">
+                <a:solidFill>
+                  <a:schemeClr val="accent2">
+                    <a:lumMod val="60000"/>
+                    <a:lumOff val="40000"/>
+                  </a:schemeClr>
+                </a:solidFill>
+              </a:rPr>
+              <a:t>g20408.t1, N-fatty-acyl-amino acid synthase/hydrolase PM20D1</a:t>
+            </a:r>
+            <a:endParaRPr lang="zh-TW" altLang="en-US" sz="1400" dirty="0">
+              <a:solidFill>
+                <a:schemeClr val="accent2">
+                  <a:lumMod val="60000"/>
+                  <a:lumOff val="40000"/>
+                </a:schemeClr>
+              </a:solidFill>
+            </a:endParaRPr>
+          </a:p>
+        </p:txBody>
+      </p:sp>
+      <p:sp>
+        <p:nvSpPr>
+          <p:cNvPr id="35" name="文字方塊 34">
+            <a:extLst>
+              <a:ext uri="{FF2B5EF4-FFF2-40B4-BE49-F238E27FC236}">
+                <a16:creationId xmlns:a16="http://schemas.microsoft.com/office/drawing/2014/main" id="{8D2BB6D2-13DE-6CA2-0CDF-ED65BF9CD62D}"/>
+              </a:ext>
+            </a:extLst>
+          </p:cNvPr>
+          <p:cNvSpPr txBox="1"/>
+          <p:nvPr/>
+        </p:nvSpPr>
+        <p:spPr>
+          <a:xfrm>
+            <a:off x="173745" y="3039326"/>
+            <a:ext cx="4304373" cy="523220"/>
+          </a:xfrm>
+          <a:prstGeom prst="rect">
+            <a:avLst/>
+          </a:prstGeom>
+          <a:noFill/>
+        </p:spPr>
+        <p:txBody>
+          <a:bodyPr wrap="square">
+            <a:spAutoFit/>
+          </a:bodyPr>
+          <a:lstStyle/>
+          <a:p>
+            <a:r>
+              <a:rPr lang="en-US" altLang="zh-TW" sz="2800" b="1" i="1" u="none" strike="noStrike" dirty="0" err="1">
+                <a:solidFill>
+                  <a:srgbClr val="000000"/>
+                </a:solidFill>
+                <a:effectLst/>
+                <a:latin typeface="新細明體" panose="02020500000000000000" pitchFamily="18" charset="-120"/>
+                <a:ea typeface="新細明體" panose="02020500000000000000" pitchFamily="18" charset="-120"/>
+              </a:rPr>
+              <a:t>Anoplarchus</a:t>
+            </a:r>
+            <a:r>
+              <a:rPr lang="en-US" altLang="zh-TW" sz="2800" b="1" i="1" u="none" strike="noStrike" dirty="0">
+                <a:solidFill>
+                  <a:srgbClr val="000000"/>
+                </a:solidFill>
+                <a:effectLst/>
+                <a:latin typeface="新細明體" panose="02020500000000000000" pitchFamily="18" charset="-120"/>
+                <a:ea typeface="新細明體" panose="02020500000000000000" pitchFamily="18" charset="-120"/>
+              </a:rPr>
+              <a:t> </a:t>
+            </a:r>
+            <a:r>
+              <a:rPr lang="en-US" altLang="zh-TW" sz="2800" b="1" i="1" u="none" strike="noStrike" dirty="0" err="1">
+                <a:solidFill>
+                  <a:srgbClr val="000000"/>
+                </a:solidFill>
+                <a:effectLst/>
+                <a:latin typeface="新細明體" panose="02020500000000000000" pitchFamily="18" charset="-120"/>
+                <a:ea typeface="新細明體" panose="02020500000000000000" pitchFamily="18" charset="-120"/>
+              </a:rPr>
+              <a:t>purpurescens</a:t>
+            </a:r>
+            <a:endParaRPr lang="zh-TW" altLang="en-US" sz="2800" dirty="0"/>
+          </a:p>
+        </p:txBody>
+      </p:sp>
+      <p:sp>
+        <p:nvSpPr>
+          <p:cNvPr id="36" name="文字方塊 35">
+            <a:extLst>
+              <a:ext uri="{FF2B5EF4-FFF2-40B4-BE49-F238E27FC236}">
+                <a16:creationId xmlns:a16="http://schemas.microsoft.com/office/drawing/2014/main" id="{B367B127-777F-08EC-2A5C-6C5F26278DC3}"/>
+              </a:ext>
+            </a:extLst>
+          </p:cNvPr>
+          <p:cNvSpPr txBox="1"/>
+          <p:nvPr/>
+        </p:nvSpPr>
+        <p:spPr>
+          <a:xfrm>
+            <a:off x="174375" y="1133997"/>
+            <a:ext cx="2753033" cy="523220"/>
+          </a:xfrm>
+          <a:prstGeom prst="rect">
+            <a:avLst/>
+          </a:prstGeom>
+          <a:noFill/>
+        </p:spPr>
+        <p:txBody>
+          <a:bodyPr wrap="square">
+            <a:spAutoFit/>
+          </a:bodyPr>
+          <a:lstStyle/>
+          <a:p>
+            <a:r>
+              <a:rPr lang="en-US" altLang="zh-TW" sz="2800" b="1" i="1" u="none" strike="noStrike" dirty="0" err="1">
+                <a:solidFill>
+                  <a:srgbClr val="000000"/>
+                </a:solidFill>
+                <a:effectLst/>
+                <a:latin typeface="新細明體" panose="02020500000000000000" pitchFamily="18" charset="-120"/>
+                <a:ea typeface="新細明體" panose="02020500000000000000" pitchFamily="18" charset="-120"/>
+              </a:rPr>
+              <a:t>Phytichthys</a:t>
+            </a:r>
+            <a:r>
+              <a:rPr lang="en-US" altLang="zh-TW" sz="2800" b="1" i="1" u="none" strike="noStrike" dirty="0">
+                <a:solidFill>
+                  <a:srgbClr val="000000"/>
+                </a:solidFill>
+                <a:effectLst/>
+                <a:latin typeface="新細明體" panose="02020500000000000000" pitchFamily="18" charset="-120"/>
+                <a:ea typeface="新細明體" panose="02020500000000000000" pitchFamily="18" charset="-120"/>
+              </a:rPr>
+              <a:t> chirus</a:t>
+            </a:r>
+            <a:endParaRPr lang="zh-TW" altLang="en-US" sz="2800" dirty="0"/>
+          </a:p>
+        </p:txBody>
+      </p:sp>
+      <p:cxnSp>
+        <p:nvCxnSpPr>
+          <p:cNvPr id="37" name="直線接點 36">
+            <a:extLst>
+              <a:ext uri="{FF2B5EF4-FFF2-40B4-BE49-F238E27FC236}">
+                <a16:creationId xmlns:a16="http://schemas.microsoft.com/office/drawing/2014/main" id="{D58FADFC-10E3-D0C5-1413-6B1132454AFE}"/>
+              </a:ext>
+            </a:extLst>
+          </p:cNvPr>
+          <p:cNvCxnSpPr>
+            <a:cxnSpLocks/>
+          </p:cNvCxnSpPr>
+          <p:nvPr/>
+        </p:nvCxnSpPr>
+        <p:spPr>
+          <a:xfrm>
+            <a:off x="3004373" y="4288047"/>
+            <a:ext cx="7260505" cy="0"/>
+          </a:xfrm>
+          <a:prstGeom prst="line">
+            <a:avLst/>
+          </a:prstGeom>
+          <a:ln w="76200"/>
+        </p:spPr>
+        <p:style>
+          <a:lnRef idx="2">
+            <a:schemeClr val="dk1"/>
+          </a:lnRef>
+          <a:fillRef idx="0">
+            <a:schemeClr val="dk1"/>
+          </a:fillRef>
+          <a:effectRef idx="1">
+            <a:schemeClr val="dk1"/>
+          </a:effectRef>
+          <a:fontRef idx="minor">
+            <a:schemeClr val="tx1"/>
+          </a:fontRef>
+        </p:style>
+      </p:cxnSp>
+      <p:sp>
+        <p:nvSpPr>
+          <p:cNvPr id="38" name="文字方塊 37">
+            <a:extLst>
+              <a:ext uri="{FF2B5EF4-FFF2-40B4-BE49-F238E27FC236}">
+                <a16:creationId xmlns:a16="http://schemas.microsoft.com/office/drawing/2014/main" id="{1125FA89-1A43-3AB9-515F-514165345187}"/>
+              </a:ext>
+            </a:extLst>
+          </p:cNvPr>
+          <p:cNvSpPr txBox="1"/>
+          <p:nvPr/>
+        </p:nvSpPr>
+        <p:spPr>
+          <a:xfrm>
+            <a:off x="478191" y="3989657"/>
+            <a:ext cx="2048644" cy="400110"/>
+          </a:xfrm>
+          <a:prstGeom prst="rect">
+            <a:avLst/>
+          </a:prstGeom>
+          <a:noFill/>
+        </p:spPr>
+        <p:txBody>
+          <a:bodyPr wrap="square">
+            <a:spAutoFit/>
+          </a:bodyPr>
+          <a:lstStyle/>
+          <a:p>
+            <a:r>
+              <a:rPr lang="en-US" altLang="zh-TW" sz="2000" dirty="0"/>
+              <a:t>contig_153</a:t>
+            </a:r>
+            <a:endParaRPr lang="zh-TW" altLang="en-US" sz="2000" dirty="0"/>
+          </a:p>
+        </p:txBody>
+      </p:sp>
+      <p:sp>
+        <p:nvSpPr>
+          <p:cNvPr id="39" name="箭號: 向左 38">
+            <a:extLst>
+              <a:ext uri="{FF2B5EF4-FFF2-40B4-BE49-F238E27FC236}">
+                <a16:creationId xmlns:a16="http://schemas.microsoft.com/office/drawing/2014/main" id="{7E714BD2-D34B-7E0C-6691-CB0BFAD88057}"/>
+              </a:ext>
+            </a:extLst>
+          </p:cNvPr>
+          <p:cNvSpPr/>
+          <p:nvPr/>
+        </p:nvSpPr>
+        <p:spPr>
+          <a:xfrm>
+            <a:off x="3278149" y="4103383"/>
+            <a:ext cx="551834" cy="369329"/>
+          </a:xfrm>
+          <a:prstGeom prst="leftArrow">
+            <a:avLst/>
+          </a:prstGeom>
+        </p:spPr>
+        <p:style>
+          <a:lnRef idx="1">
+            <a:schemeClr val="accent2"/>
+          </a:lnRef>
+          <a:fillRef idx="2">
+            <a:schemeClr val="accent2"/>
+          </a:fillRef>
+          <a:effectRef idx="1">
+            <a:schemeClr val="accent2"/>
+          </a:effectRef>
+          <a:fontRef idx="minor">
+            <a:schemeClr val="dk1"/>
+          </a:fontRef>
+        </p:style>
+        <p:txBody>
+          <a:bodyPr rtlCol="0" anchor="ctr"/>
+          <a:lstStyle/>
+          <a:p>
+            <a:pPr algn="ctr"/>
+            <a:endParaRPr lang="zh-TW" altLang="en-US" dirty="0"/>
+          </a:p>
+        </p:txBody>
+      </p:sp>
+      <p:sp>
+        <p:nvSpPr>
+          <p:cNvPr id="40" name="文字方塊 39">
+            <a:extLst>
+              <a:ext uri="{FF2B5EF4-FFF2-40B4-BE49-F238E27FC236}">
+                <a16:creationId xmlns:a16="http://schemas.microsoft.com/office/drawing/2014/main" id="{91122021-B528-9ABF-0194-F0EBBC2B9A39}"/>
+              </a:ext>
+            </a:extLst>
+          </p:cNvPr>
+          <p:cNvSpPr txBox="1"/>
+          <p:nvPr/>
+        </p:nvSpPr>
+        <p:spPr>
+          <a:xfrm>
+            <a:off x="2981799" y="4611308"/>
+            <a:ext cx="1326747" cy="523220"/>
+          </a:xfrm>
+          <a:prstGeom prst="rect">
+            <a:avLst/>
+          </a:prstGeom>
+          <a:noFill/>
+        </p:spPr>
+        <p:txBody>
+          <a:bodyPr wrap="square">
+            <a:spAutoFit/>
+          </a:bodyPr>
+          <a:lstStyle/>
+          <a:p>
+            <a:r>
+              <a:rPr lang="en-US" altLang="zh-TW" sz="1400" dirty="0">
+                <a:solidFill>
+                  <a:schemeClr val="accent2">
+                    <a:lumMod val="60000"/>
+                    <a:lumOff val="40000"/>
+                  </a:schemeClr>
+                </a:solidFill>
+              </a:rPr>
+              <a:t>CMRF35-like molecule 3</a:t>
+            </a:r>
+            <a:endParaRPr lang="zh-TW" altLang="en-US" sz="1400" dirty="0">
+              <a:solidFill>
+                <a:schemeClr val="accent2">
+                  <a:lumMod val="60000"/>
+                  <a:lumOff val="40000"/>
+                </a:schemeClr>
+              </a:solidFill>
+            </a:endParaRPr>
+          </a:p>
+        </p:txBody>
+      </p:sp>
+      <p:sp>
+        <p:nvSpPr>
+          <p:cNvPr id="42" name="箭號: 向左 41">
+            <a:extLst>
+              <a:ext uri="{FF2B5EF4-FFF2-40B4-BE49-F238E27FC236}">
+                <a16:creationId xmlns:a16="http://schemas.microsoft.com/office/drawing/2014/main" id="{227607EE-4ED7-A89C-D8EC-04C5CD211151}"/>
+              </a:ext>
+            </a:extLst>
+          </p:cNvPr>
+          <p:cNvSpPr/>
+          <p:nvPr/>
+        </p:nvSpPr>
+        <p:spPr>
           <a:xfrm rot="10800000">
-            <a:off x="1409090" y="4187920"/>
+            <a:off x="4076279" y="4103383"/>
             <a:ext cx="551834" cy="369329"/>
           </a:xfrm>
           <a:prstGeom prst="leftArrow">
@@ -3810,10 +4458,60 @@
       </p:sp>
       <p:sp>
         <p:nvSpPr>
-          <p:cNvPr id="26" name="箭號: 向左 25">
-            <a:extLst>
-              <a:ext uri="{FF2B5EF4-FFF2-40B4-BE49-F238E27FC236}">
-                <a16:creationId xmlns:a16="http://schemas.microsoft.com/office/drawing/2014/main" id="{0C875EC5-6F7C-8212-9EA3-3746C66A2927}"/>
+          <p:cNvPr id="43" name="文字方塊 42">
+            <a:extLst>
+              <a:ext uri="{FF2B5EF4-FFF2-40B4-BE49-F238E27FC236}">
+                <a16:creationId xmlns:a16="http://schemas.microsoft.com/office/drawing/2014/main" id="{40F5470D-0B59-4D1E-BB31-5C58B9275C04}"/>
+              </a:ext>
+            </a:extLst>
+          </p:cNvPr>
+          <p:cNvSpPr txBox="1"/>
+          <p:nvPr/>
+        </p:nvSpPr>
+        <p:spPr>
+          <a:xfrm>
+            <a:off x="4559710" y="4485988"/>
+            <a:ext cx="1630005" cy="1169551"/>
+          </a:xfrm>
+          <a:prstGeom prst="rect">
+            <a:avLst/>
+          </a:prstGeom>
+          <a:noFill/>
+        </p:spPr>
+        <p:txBody>
+          <a:bodyPr wrap="square">
+            <a:spAutoFit/>
+          </a:bodyPr>
+          <a:lstStyle/>
+          <a:p>
+            <a:r>
+              <a:rPr lang="en-US" altLang="zh-TW" sz="1400" dirty="0">
+                <a:solidFill>
+                  <a:schemeClr val="accent2">
+                    <a:lumMod val="60000"/>
+                    <a:lumOff val="40000"/>
+                  </a:schemeClr>
+                </a:solidFill>
+              </a:rPr>
+              <a:t>major follicular superfamily domain-containing protein 4A</a:t>
+            </a:r>
+            <a:endParaRPr lang="zh-TW" altLang="en-US" sz="1400" dirty="0">
+              <a:solidFill>
+                <a:schemeClr val="accent2">
+                  <a:lumMod val="60000"/>
+                  <a:lumOff val="40000"/>
+                </a:schemeClr>
+              </a:solidFill>
+            </a:endParaRPr>
+          </a:p>
+        </p:txBody>
+      </p:sp>
+      <p:sp>
+        <p:nvSpPr>
+          <p:cNvPr id="44" name="箭號: 向左 43">
+            <a:extLst>
+              <a:ext uri="{FF2B5EF4-FFF2-40B4-BE49-F238E27FC236}">
+                <a16:creationId xmlns:a16="http://schemas.microsoft.com/office/drawing/2014/main" id="{42D41CED-980B-9930-EEB0-9EA6784E62B3}"/>
               </a:ext>
             </a:extLst>
           </p:cNvPr>
@@ -3822,7 +4520,139 @@
         </p:nvSpPr>
         <p:spPr>
           <a:xfrm>
-            <a:off x="2013778" y="4187919"/>
+            <a:off x="4732558" y="4103383"/>
+            <a:ext cx="551834" cy="369329"/>
+          </a:xfrm>
+          <a:prstGeom prst="leftArrow">
+            <a:avLst/>
+          </a:prstGeom>
+        </p:spPr>
+        <p:style>
+          <a:lnRef idx="1">
+            <a:schemeClr val="accent2"/>
+          </a:lnRef>
+          <a:fillRef idx="2">
+            <a:schemeClr val="accent2"/>
+          </a:fillRef>
+          <a:effectRef idx="1">
+            <a:schemeClr val="accent2"/>
+          </a:effectRef>
+          <a:fontRef idx="minor">
+            <a:schemeClr val="dk1"/>
+          </a:fontRef>
+        </p:style>
+        <p:txBody>
+          <a:bodyPr rtlCol="0" anchor="ctr"/>
+          <a:lstStyle/>
+          <a:p>
+            <a:pPr algn="ctr"/>
+            <a:endParaRPr lang="zh-TW" altLang="en-US" dirty="0"/>
+          </a:p>
+        </p:txBody>
+      </p:sp>
+      <p:sp>
+        <p:nvSpPr>
+          <p:cNvPr id="45" name="箭號: 向左 44">
+            <a:extLst>
+              <a:ext uri="{FF2B5EF4-FFF2-40B4-BE49-F238E27FC236}">
+                <a16:creationId xmlns:a16="http://schemas.microsoft.com/office/drawing/2014/main" id="{4CD9225B-3A01-F2D7-6E81-F3E8353E20A7}"/>
+              </a:ext>
+            </a:extLst>
+          </p:cNvPr>
+          <p:cNvSpPr/>
+          <p:nvPr/>
+        </p:nvSpPr>
+        <p:spPr>
+          <a:xfrm>
+            <a:off x="6435525" y="4103383"/>
+            <a:ext cx="551834" cy="369329"/>
+          </a:xfrm>
+          <a:prstGeom prst="leftArrow">
+            <a:avLst/>
+          </a:prstGeom>
+        </p:spPr>
+        <p:style>
+          <a:lnRef idx="1">
+            <a:schemeClr val="accent2"/>
+          </a:lnRef>
+          <a:fillRef idx="2">
+            <a:schemeClr val="accent2"/>
+          </a:fillRef>
+          <a:effectRef idx="1">
+            <a:schemeClr val="accent2"/>
+          </a:effectRef>
+          <a:fontRef idx="minor">
+            <a:schemeClr val="dk1"/>
+          </a:fontRef>
+        </p:style>
+        <p:txBody>
+          <a:bodyPr rtlCol="0" anchor="ctr"/>
+          <a:lstStyle/>
+          <a:p>
+            <a:pPr algn="ctr"/>
+            <a:endParaRPr lang="zh-TW" altLang="en-US" dirty="0"/>
+          </a:p>
+        </p:txBody>
+      </p:sp>
+      <p:sp>
+        <p:nvSpPr>
+          <p:cNvPr id="48" name="箭號: 向左 47">
+            <a:extLst>
+              <a:ext uri="{FF2B5EF4-FFF2-40B4-BE49-F238E27FC236}">
+                <a16:creationId xmlns:a16="http://schemas.microsoft.com/office/drawing/2014/main" id="{735E2DA0-8AA3-8A03-C88B-29825008409D}"/>
+              </a:ext>
+            </a:extLst>
+          </p:cNvPr>
+          <p:cNvSpPr/>
+          <p:nvPr/>
+        </p:nvSpPr>
+        <p:spPr>
+          <a:xfrm>
+            <a:off x="8722140" y="4103383"/>
+            <a:ext cx="551834" cy="369329"/>
+          </a:xfrm>
+          <a:prstGeom prst="leftArrow">
+            <a:avLst/>
+          </a:prstGeom>
+        </p:spPr>
+        <p:style>
+          <a:lnRef idx="1">
+            <a:schemeClr val="accent2"/>
+          </a:lnRef>
+          <a:fillRef idx="2">
+            <a:schemeClr val="accent2"/>
+          </a:fillRef>
+          <a:effectRef idx="1">
+            <a:schemeClr val="accent2"/>
+          </a:effectRef>
+          <a:fontRef idx="minor">
+            <a:schemeClr val="dk1"/>
+          </a:fontRef>
+        </p:style>
+        <p:txBody>
+          <a:bodyPr rtlCol="0" anchor="ctr"/>
+          <a:lstStyle/>
+          <a:p>
+            <a:pPr algn="ctr"/>
+            <a:endParaRPr lang="zh-TW" altLang="en-US" dirty="0"/>
+          </a:p>
+        </p:txBody>
+      </p:sp>
+      <p:sp>
+        <p:nvSpPr>
+          <p:cNvPr id="51" name="箭號: 向左 50">
+            <a:extLst>
+              <a:ext uri="{FF2B5EF4-FFF2-40B4-BE49-F238E27FC236}">
+                <a16:creationId xmlns:a16="http://schemas.microsoft.com/office/drawing/2014/main" id="{7982BC6C-1EB0-4DA0-115E-3019DF91E2AB}"/>
+              </a:ext>
+            </a:extLst>
+          </p:cNvPr>
+          <p:cNvSpPr/>
+          <p:nvPr/>
+        </p:nvSpPr>
+        <p:spPr>
+          <a:xfrm>
+            <a:off x="7179402" y="4103383"/>
             <a:ext cx="551834" cy="369329"/>
           </a:xfrm>
           <a:prstGeom prst="leftArrow">
@@ -3856,10 +4686,10 @@
       </p:sp>
       <p:sp>
         <p:nvSpPr>
-          <p:cNvPr id="27" name="箭號: 向左 26">
-            <a:extLst>
-              <a:ext uri="{FF2B5EF4-FFF2-40B4-BE49-F238E27FC236}">
-                <a16:creationId xmlns:a16="http://schemas.microsoft.com/office/drawing/2014/main" id="{5F18D960-CB09-82EA-18DF-CB810B21DBFF}"/>
+          <p:cNvPr id="54" name="箭號: 向左 53">
+            <a:extLst>
+              <a:ext uri="{FF2B5EF4-FFF2-40B4-BE49-F238E27FC236}">
+                <a16:creationId xmlns:a16="http://schemas.microsoft.com/office/drawing/2014/main" id="{5CB5A1E4-5FD6-751E-AC3E-9986865F4998}"/>
               </a:ext>
             </a:extLst>
           </p:cNvPr>
@@ -3867,8 +4697,8 @@
           <p:nvPr/>
         </p:nvSpPr>
         <p:spPr>
-          <a:xfrm rot="10800000">
-            <a:off x="5338935" y="4187918"/>
+          <a:xfrm>
+            <a:off x="7884714" y="4103383"/>
             <a:ext cx="551834" cy="369329"/>
           </a:xfrm>
           <a:prstGeom prst="leftArrow">
@@ -3902,56 +4732,10 @@
       </p:sp>
       <p:sp>
         <p:nvSpPr>
-          <p:cNvPr id="30" name="箭號: 向左 29">
-            <a:extLst>
-              <a:ext uri="{FF2B5EF4-FFF2-40B4-BE49-F238E27FC236}">
-                <a16:creationId xmlns:a16="http://schemas.microsoft.com/office/drawing/2014/main" id="{BFA036C2-CEE2-E178-2CBD-D6E255ED4804}"/>
-              </a:ext>
-            </a:extLst>
-          </p:cNvPr>
-          <p:cNvSpPr/>
-          <p:nvPr/>
-        </p:nvSpPr>
-        <p:spPr>
-          <a:xfrm>
-            <a:off x="8705247" y="4187917"/>
-            <a:ext cx="551834" cy="369329"/>
-          </a:xfrm>
-          <a:prstGeom prst="leftArrow">
-            <a:avLst/>
-          </a:prstGeom>
-        </p:spPr>
-        <p:style>
-          <a:lnRef idx="2">
-            <a:schemeClr val="accent1">
-              <a:shade val="15000"/>
-            </a:schemeClr>
-          </a:lnRef>
-          <a:fillRef idx="1">
-            <a:schemeClr val="accent1"/>
-          </a:fillRef>
-          <a:effectRef idx="0">
-            <a:schemeClr val="accent1"/>
-          </a:effectRef>
-          <a:fontRef idx="minor">
-            <a:schemeClr val="lt1"/>
-          </a:fontRef>
-        </p:style>
-        <p:txBody>
-          <a:bodyPr rtlCol="0" anchor="ctr"/>
-          <a:lstStyle/>
-          <a:p>
-            <a:pPr algn="ctr"/>
-            <a:endParaRPr lang="zh-TW" altLang="en-US"/>
-          </a:p>
-        </p:txBody>
-      </p:sp>
-      <p:sp>
-        <p:nvSpPr>
-          <p:cNvPr id="63" name="文字方塊 62">
-            <a:extLst>
-              <a:ext uri="{FF2B5EF4-FFF2-40B4-BE49-F238E27FC236}">
-                <a16:creationId xmlns:a16="http://schemas.microsoft.com/office/drawing/2014/main" id="{8D320899-C561-5072-FB06-BEEF2B7A6464}"/>
+          <p:cNvPr id="55" name="文字方塊 54">
+            <a:extLst>
+              <a:ext uri="{FF2B5EF4-FFF2-40B4-BE49-F238E27FC236}">
+                <a16:creationId xmlns:a16="http://schemas.microsoft.com/office/drawing/2014/main" id="{9D90F66F-E4BA-4026-8FB9-976F97E0628A}"/>
               </a:ext>
             </a:extLst>
           </p:cNvPr>
@@ -3960,8 +4744,8 @@
         </p:nvSpPr>
         <p:spPr>
           <a:xfrm>
-            <a:off x="334296" y="151999"/>
-            <a:ext cx="5447386" cy="523220"/>
+            <a:off x="6755546" y="3655791"/>
+            <a:ext cx="1405085" cy="307777"/>
           </a:xfrm>
           <a:prstGeom prst="rect">
             <a:avLst/>
@@ -3975,96 +4759,31 @@
           <a:lstStyle/>
           <a:p>
             <a:r>
-              <a:rPr lang="en-US" altLang="zh-TW" sz="2800" b="1" i="1" u="none" strike="noStrike" dirty="0" err="1">
+              <a:rPr lang="en-US" altLang="zh-TW" sz="1400" dirty="0">
                 <a:solidFill>
-                  <a:srgbClr val="000000"/>
+                  <a:schemeClr val="accent1">
+                    <a:lumMod val="50000"/>
+                  </a:schemeClr>
                 </a:solidFill>
-                <a:effectLst/>
-                <a:latin typeface="新細明體" panose="02020500000000000000" pitchFamily="18" charset="-120"/>
-                <a:ea typeface="新細明體" panose="02020500000000000000" pitchFamily="18" charset="-120"/>
               </a:rPr>
-              <a:t>Phytichthys</a:t>
-            </a:r>
-            <a:r>
-              <a:rPr lang="en-US" altLang="zh-TW" sz="2800" b="1" i="1" u="none" strike="noStrike" dirty="0">
-                <a:solidFill>
-                  <a:srgbClr val="000000"/>
-                </a:solidFill>
-                <a:effectLst/>
-                <a:latin typeface="新細明體" panose="02020500000000000000" pitchFamily="18" charset="-120"/>
-                <a:ea typeface="新細明體" panose="02020500000000000000" pitchFamily="18" charset="-120"/>
-              </a:rPr>
-              <a:t> chirus</a:t>
-            </a:r>
-            <a:r>
-              <a:rPr lang="en-US" altLang="zh-TW" sz="2800" b="1" i="0" u="none" strike="noStrike" dirty="0">
-                <a:solidFill>
-                  <a:srgbClr val="000000"/>
-                </a:solidFill>
-                <a:effectLst/>
-                <a:latin typeface="新細明體" panose="02020500000000000000" pitchFamily="18" charset="-120"/>
-                <a:ea typeface="新細明體" panose="02020500000000000000" pitchFamily="18" charset="-120"/>
-              </a:rPr>
-              <a:t>, chitinase</a:t>
-            </a:r>
-            <a:r>
-              <a:rPr lang="en-US" altLang="zh-TW" sz="2800" dirty="0"/>
-              <a:t> </a:t>
-            </a:r>
-            <a:endParaRPr lang="zh-TW" altLang="en-US" sz="2800" dirty="0"/>
-          </a:p>
-        </p:txBody>
-      </p:sp>
-      <p:sp>
-        <p:nvSpPr>
-          <p:cNvPr id="3" name="箭號: 向左 2">
-            <a:extLst>
-              <a:ext uri="{FF2B5EF4-FFF2-40B4-BE49-F238E27FC236}">
-                <a16:creationId xmlns:a16="http://schemas.microsoft.com/office/drawing/2014/main" id="{D2FB93B3-1146-B3B3-8992-04AA7F728782}"/>
-              </a:ext>
-            </a:extLst>
-          </p:cNvPr>
-          <p:cNvSpPr/>
-          <p:nvPr/>
-        </p:nvSpPr>
-        <p:spPr>
-          <a:xfrm>
-            <a:off x="3781115" y="1778551"/>
-            <a:ext cx="551834" cy="369329"/>
-          </a:xfrm>
-          <a:prstGeom prst="leftArrow">
-            <a:avLst/>
-          </a:prstGeom>
-        </p:spPr>
-        <p:style>
-          <a:lnRef idx="1">
-            <a:schemeClr val="accent2"/>
-          </a:lnRef>
-          <a:fillRef idx="2">
-            <a:schemeClr val="accent2"/>
-          </a:fillRef>
-          <a:effectRef idx="1">
-            <a:schemeClr val="accent2"/>
-          </a:effectRef>
-          <a:fontRef idx="minor">
-            <a:schemeClr val="dk1"/>
-          </a:fontRef>
-        </p:style>
-        <p:txBody>
-          <a:bodyPr rtlCol="0" anchor="ctr"/>
-          <a:lstStyle/>
-          <a:p>
-            <a:pPr algn="ctr"/>
-            <a:endParaRPr lang="zh-TW" altLang="en-US" dirty="0"/>
-          </a:p>
-        </p:txBody>
-      </p:sp>
-      <p:sp>
-        <p:nvSpPr>
-          <p:cNvPr id="4" name="文字方塊 3">
-            <a:extLst>
-              <a:ext uri="{FF2B5EF4-FFF2-40B4-BE49-F238E27FC236}">
-                <a16:creationId xmlns:a16="http://schemas.microsoft.com/office/drawing/2014/main" id="{B541E40C-9FF8-B4DA-D084-9164DB4564AE}"/>
+              <a:t>chitinase-like</a:t>
+            </a:r>
+            <a:endParaRPr lang="zh-TW" altLang="en-US" sz="1400" dirty="0">
+              <a:solidFill>
+                <a:schemeClr val="accent1">
+                  <a:lumMod val="50000"/>
+                </a:schemeClr>
+              </a:solidFill>
+            </a:endParaRPr>
+          </a:p>
+        </p:txBody>
+      </p:sp>
+      <p:sp>
+        <p:nvSpPr>
+          <p:cNvPr id="56" name="文字方塊 55">
+            <a:extLst>
+              <a:ext uri="{FF2B5EF4-FFF2-40B4-BE49-F238E27FC236}">
+                <a16:creationId xmlns:a16="http://schemas.microsoft.com/office/drawing/2014/main" id="{DBF33EE4-CA56-71AA-9EC0-E4694C1318AA}"/>
               </a:ext>
             </a:extLst>
           </p:cNvPr>
@@ -4073,8 +4792,8 @@
         </p:nvSpPr>
         <p:spPr>
           <a:xfrm>
-            <a:off x="3458797" y="2253404"/>
-            <a:ext cx="1630005" cy="1169551"/>
+            <a:off x="7659795" y="3342269"/>
+            <a:ext cx="1405085" cy="307777"/>
           </a:xfrm>
           <a:prstGeom prst="rect">
             <a:avLst/>
@@ -4090,19 +4809,17 @@
             <a:r>
               <a:rPr lang="en-US" altLang="zh-TW" sz="1400" dirty="0">
                 <a:solidFill>
-                  <a:schemeClr val="accent2">
-                    <a:lumMod val="60000"/>
-                    <a:lumOff val="40000"/>
+                  <a:schemeClr val="accent1">
+                    <a:lumMod val="50000"/>
                   </a:schemeClr>
                 </a:solidFill>
               </a:rPr>
-              <a:t>major follicular superfamily domain-containing protein 4B</a:t>
+              <a:t>chitinase-like</a:t>
             </a:r>
             <a:endParaRPr lang="zh-TW" altLang="en-US" sz="1400" dirty="0">
               <a:solidFill>
-                <a:schemeClr val="accent2">
-                  <a:lumMod val="60000"/>
-                  <a:lumOff val="40000"/>
+                <a:schemeClr val="accent1">
+                  <a:lumMod val="50000"/>
                 </a:schemeClr>
               </a:solidFill>
             </a:endParaRPr>
@@ -4111,10 +4828,10 @@
       </p:sp>
       <p:sp>
         <p:nvSpPr>
-          <p:cNvPr id="8" name="文字方塊 7">
-            <a:extLst>
-              <a:ext uri="{FF2B5EF4-FFF2-40B4-BE49-F238E27FC236}">
-                <a16:creationId xmlns:a16="http://schemas.microsoft.com/office/drawing/2014/main" id="{47C872CA-097C-659A-24EA-6A56F62264C5}"/>
+          <p:cNvPr id="57" name="文字方塊 56">
+            <a:extLst>
+              <a:ext uri="{FF2B5EF4-FFF2-40B4-BE49-F238E27FC236}">
+                <a16:creationId xmlns:a16="http://schemas.microsoft.com/office/drawing/2014/main" id="{20E6728B-628F-36FA-A6F0-F9B225ED74AE}"/>
               </a:ext>
             </a:extLst>
           </p:cNvPr>
@@ -4123,8 +4840,8 @@
         </p:nvSpPr>
         <p:spPr>
           <a:xfrm>
-            <a:off x="1738313" y="2327571"/>
-            <a:ext cx="1326747" cy="523220"/>
+            <a:off x="8446223" y="4657376"/>
+            <a:ext cx="2394762" cy="307777"/>
           </a:xfrm>
           <a:prstGeom prst="rect">
             <a:avLst/>
@@ -4137,155 +4854,6 @@
           </a:bodyPr>
           <a:lstStyle/>
           <a:p>
-            <a:r>
-              <a:rPr lang="en-US" altLang="zh-TW" sz="1400" dirty="0">
-                <a:solidFill>
-                  <a:schemeClr val="accent2">
-                    <a:lumMod val="60000"/>
-                    <a:lumOff val="40000"/>
-                  </a:schemeClr>
-                </a:solidFill>
-              </a:rPr>
-              <a:t>CMRF35-like molecule 3</a:t>
-            </a:r>
-            <a:endParaRPr lang="zh-TW" altLang="en-US" sz="1400" dirty="0">
-              <a:solidFill>
-                <a:schemeClr val="accent2">
-                  <a:lumMod val="60000"/>
-                  <a:lumOff val="40000"/>
-                </a:schemeClr>
-              </a:solidFill>
-            </a:endParaRPr>
-          </a:p>
-        </p:txBody>
-      </p:sp>
-      <p:sp>
-        <p:nvSpPr>
-          <p:cNvPr id="9" name="箭號: 向左 8">
-            <a:extLst>
-              <a:ext uri="{FF2B5EF4-FFF2-40B4-BE49-F238E27FC236}">
-                <a16:creationId xmlns:a16="http://schemas.microsoft.com/office/drawing/2014/main" id="{07B3035C-864D-13A3-A62C-C1960B5648EB}"/>
-              </a:ext>
-            </a:extLst>
-          </p:cNvPr>
-          <p:cNvSpPr/>
-          <p:nvPr/>
-        </p:nvSpPr>
-        <p:spPr>
-          <a:xfrm>
-            <a:off x="2098277" y="1778551"/>
-            <a:ext cx="551834" cy="369329"/>
-          </a:xfrm>
-          <a:prstGeom prst="leftArrow">
-            <a:avLst/>
-          </a:prstGeom>
-        </p:spPr>
-        <p:style>
-          <a:lnRef idx="1">
-            <a:schemeClr val="accent2"/>
-          </a:lnRef>
-          <a:fillRef idx="2">
-            <a:schemeClr val="accent2"/>
-          </a:fillRef>
-          <a:effectRef idx="1">
-            <a:schemeClr val="accent2"/>
-          </a:effectRef>
-          <a:fontRef idx="minor">
-            <a:schemeClr val="dk1"/>
-          </a:fontRef>
-        </p:style>
-        <p:txBody>
-          <a:bodyPr rtlCol="0" anchor="ctr"/>
-          <a:lstStyle/>
-          <a:p>
-            <a:pPr algn="ctr"/>
-            <a:endParaRPr lang="zh-TW" altLang="en-US" dirty="0"/>
-          </a:p>
-        </p:txBody>
-      </p:sp>
-      <p:sp>
-        <p:nvSpPr>
-          <p:cNvPr id="10" name="箭號: 向左 9">
-            <a:extLst>
-              <a:ext uri="{FF2B5EF4-FFF2-40B4-BE49-F238E27FC236}">
-                <a16:creationId xmlns:a16="http://schemas.microsoft.com/office/drawing/2014/main" id="{A6844E51-39B7-CAA3-90BD-9129F422C420}"/>
-              </a:ext>
-            </a:extLst>
-          </p:cNvPr>
-          <p:cNvSpPr/>
-          <p:nvPr/>
-        </p:nvSpPr>
-        <p:spPr>
-          <a:xfrm>
-            <a:off x="7266351" y="1778551"/>
-            <a:ext cx="551834" cy="369329"/>
-          </a:xfrm>
-          <a:prstGeom prst="leftArrow">
-            <a:avLst/>
-          </a:prstGeom>
-        </p:spPr>
-        <p:style>
-          <a:lnRef idx="1">
-            <a:schemeClr val="accent2"/>
-          </a:lnRef>
-          <a:fillRef idx="2">
-            <a:schemeClr val="accent2"/>
-          </a:fillRef>
-          <a:effectRef idx="1">
-            <a:schemeClr val="accent2"/>
-          </a:effectRef>
-          <a:fontRef idx="minor">
-            <a:schemeClr val="dk1"/>
-          </a:fontRef>
-        </p:style>
-        <p:txBody>
-          <a:bodyPr rtlCol="0" anchor="ctr"/>
-          <a:lstStyle/>
-          <a:p>
-            <a:pPr algn="ctr"/>
-            <a:endParaRPr lang="zh-TW" altLang="en-US" dirty="0"/>
-          </a:p>
-        </p:txBody>
-      </p:sp>
-      <p:sp>
-        <p:nvSpPr>
-          <p:cNvPr id="16" name="文字方塊 15">
-            <a:extLst>
-              <a:ext uri="{FF2B5EF4-FFF2-40B4-BE49-F238E27FC236}">
-                <a16:creationId xmlns:a16="http://schemas.microsoft.com/office/drawing/2014/main" id="{A3405916-5498-AB04-D453-B82B85FA729A}"/>
-              </a:ext>
-            </a:extLst>
-          </p:cNvPr>
-          <p:cNvSpPr txBox="1"/>
-          <p:nvPr/>
-        </p:nvSpPr>
-        <p:spPr>
-          <a:xfrm>
-            <a:off x="7182466" y="2365659"/>
-            <a:ext cx="2394762" cy="523220"/>
-          </a:xfrm>
-          <a:prstGeom prst="rect">
-            <a:avLst/>
-          </a:prstGeom>
-          <a:noFill/>
-        </p:spPr>
-        <p:txBody>
-          <a:bodyPr wrap="square">
-            <a:spAutoFit/>
-          </a:bodyPr>
-          <a:lstStyle/>
-          <a:p>
-            <a:r>
-              <a:rPr lang="en-US" altLang="zh-TW" sz="1400" dirty="0">
-                <a:solidFill>
-                  <a:schemeClr val="accent2">
-                    <a:lumMod val="60000"/>
-                    <a:lumOff val="40000"/>
-                  </a:schemeClr>
-                </a:solidFill>
-              </a:rPr>
-              <a:t>g20411.t1,  </a:t>
-            </a:r>
             <a:r>
               <a:rPr lang="en-US" altLang="zh-TW" sz="1400" dirty="0" err="1">
                 <a:solidFill>
@@ -4306,7 +4874,7 @@
                   </a:schemeClr>
                 </a:solidFill>
               </a:rPr>
-              <a:t>-like isoform X1</a:t>
+              <a:t> isoform X3</a:t>
             </a:r>
             <a:endParaRPr lang="zh-TW" altLang="en-US" sz="1400" dirty="0">
               <a:solidFill>
@@ -4321,54 +4889,10 @@
       </p:sp>
       <p:sp>
         <p:nvSpPr>
-          <p:cNvPr id="17" name="箭號: 向左 16">
-            <a:extLst>
-              <a:ext uri="{FF2B5EF4-FFF2-40B4-BE49-F238E27FC236}">
-                <a16:creationId xmlns:a16="http://schemas.microsoft.com/office/drawing/2014/main" id="{34BFD6C0-7286-4D3F-491B-B9AD299AA58E}"/>
-              </a:ext>
-            </a:extLst>
-          </p:cNvPr>
-          <p:cNvSpPr/>
-          <p:nvPr/>
-        </p:nvSpPr>
-        <p:spPr>
-          <a:xfrm>
-            <a:off x="5247816" y="1778551"/>
-            <a:ext cx="551834" cy="369329"/>
-          </a:xfrm>
-          <a:prstGeom prst="leftArrow">
-            <a:avLst/>
-          </a:prstGeom>
-        </p:spPr>
-        <p:style>
-          <a:lnRef idx="1">
-            <a:schemeClr val="accent2"/>
-          </a:lnRef>
-          <a:fillRef idx="2">
-            <a:schemeClr val="accent2"/>
-          </a:fillRef>
-          <a:effectRef idx="1">
-            <a:schemeClr val="accent2"/>
-          </a:effectRef>
-          <a:fontRef idx="minor">
-            <a:schemeClr val="dk1"/>
-          </a:fontRef>
-        </p:style>
-        <p:txBody>
-          <a:bodyPr rtlCol="0" anchor="ctr"/>
-          <a:lstStyle/>
-          <a:p>
-            <a:pPr algn="ctr"/>
-            <a:endParaRPr lang="zh-TW" altLang="en-US" dirty="0"/>
-          </a:p>
-        </p:txBody>
-      </p:sp>
-      <p:sp>
-        <p:nvSpPr>
-          <p:cNvPr id="18" name="文字方塊 17">
-            <a:extLst>
-              <a:ext uri="{FF2B5EF4-FFF2-40B4-BE49-F238E27FC236}">
-                <a16:creationId xmlns:a16="http://schemas.microsoft.com/office/drawing/2014/main" id="{31CDCCD7-16D8-35D8-056B-EAF67CBCFBE9}"/>
+          <p:cNvPr id="58" name="文字方塊 57">
+            <a:extLst>
+              <a:ext uri="{FF2B5EF4-FFF2-40B4-BE49-F238E27FC236}">
+                <a16:creationId xmlns:a16="http://schemas.microsoft.com/office/drawing/2014/main" id="{E560DC32-DF04-0F3B-9A41-A088EDA5E98A}"/>
               </a:ext>
             </a:extLst>
           </p:cNvPr>
@@ -4377,8 +4901,8 @@
         </p:nvSpPr>
         <p:spPr>
           <a:xfrm>
-            <a:off x="4995714" y="2343531"/>
-            <a:ext cx="1405085" cy="954107"/>
+            <a:off x="6143948" y="4528309"/>
+            <a:ext cx="2394762" cy="307777"/>
           </a:xfrm>
           <a:prstGeom prst="rect">
             <a:avLst/>
@@ -4400,7 +4924,7 @@
                   </a:schemeClr>
                 </a:solidFill>
               </a:rPr>
-              <a:t>g20409.t1, acidic mammalian chitinase-like</a:t>
+              <a:t>mucin-2-like?</a:t>
             </a:r>
             <a:endParaRPr lang="zh-TW" altLang="en-US" sz="1400" dirty="0">
               <a:solidFill>
@@ -4415,54 +4939,10 @@
       </p:sp>
       <p:sp>
         <p:nvSpPr>
-          <p:cNvPr id="28" name="箭號: 向左 27">
-            <a:extLst>
-              <a:ext uri="{FF2B5EF4-FFF2-40B4-BE49-F238E27FC236}">
-                <a16:creationId xmlns:a16="http://schemas.microsoft.com/office/drawing/2014/main" id="{76846624-973F-8743-01EE-2B17C4872EF2}"/>
-              </a:ext>
-            </a:extLst>
-          </p:cNvPr>
-          <p:cNvSpPr/>
-          <p:nvPr/>
-        </p:nvSpPr>
-        <p:spPr>
-          <a:xfrm rot="10800000">
-            <a:off x="2848294" y="4181962"/>
-            <a:ext cx="551834" cy="369329"/>
-          </a:xfrm>
-          <a:prstGeom prst="leftArrow">
-            <a:avLst/>
-          </a:prstGeom>
-        </p:spPr>
-        <p:style>
-          <a:lnRef idx="1">
-            <a:schemeClr val="accent2"/>
-          </a:lnRef>
-          <a:fillRef idx="2">
-            <a:schemeClr val="accent2"/>
-          </a:fillRef>
-          <a:effectRef idx="1">
-            <a:schemeClr val="accent2"/>
-          </a:effectRef>
-          <a:fontRef idx="minor">
-            <a:schemeClr val="dk1"/>
-          </a:fontRef>
-        </p:style>
-        <p:txBody>
-          <a:bodyPr rtlCol="0" anchor="ctr"/>
-          <a:lstStyle/>
-          <a:p>
-            <a:pPr algn="ctr"/>
-            <a:endParaRPr lang="zh-TW" altLang="en-US" dirty="0"/>
-          </a:p>
-        </p:txBody>
-      </p:sp>
-      <p:sp>
-        <p:nvSpPr>
-          <p:cNvPr id="29" name="文字方塊 28">
-            <a:extLst>
-              <a:ext uri="{FF2B5EF4-FFF2-40B4-BE49-F238E27FC236}">
-                <a16:creationId xmlns:a16="http://schemas.microsoft.com/office/drawing/2014/main" id="{C5199BFF-922E-AA06-C4AC-02DA27E52FD5}"/>
+          <p:cNvPr id="59" name="文字方塊 58">
+            <a:extLst>
+              <a:ext uri="{FF2B5EF4-FFF2-40B4-BE49-F238E27FC236}">
+                <a16:creationId xmlns:a16="http://schemas.microsoft.com/office/drawing/2014/main" id="{9CE6FB14-E9E4-00D2-8CDE-F2C3A6615201}"/>
               </a:ext>
             </a:extLst>
           </p:cNvPr>
@@ -4471,8 +4951,8 @@
         </p:nvSpPr>
         <p:spPr>
           <a:xfrm>
-            <a:off x="2489871" y="4729996"/>
-            <a:ext cx="1993637" cy="738664"/>
+            <a:off x="3507995" y="3747210"/>
+            <a:ext cx="1799303" cy="369332"/>
           </a:xfrm>
           <a:prstGeom prst="rect">
             <a:avLst/>
@@ -4486,617 +4966,22 @@
           <a:lstStyle/>
           <a:p>
             <a:r>
-              <a:rPr lang="en-US" altLang="zh-TW" sz="1400" dirty="0">
+              <a:rPr lang="zh-TW" altLang="en-US" dirty="0">
                 <a:solidFill>
-                  <a:schemeClr val="accent2">
-                    <a:lumMod val="60000"/>
-                    <a:lumOff val="40000"/>
+                  <a:schemeClr val="accent1">
+                    <a:lumMod val="50000"/>
                   </a:schemeClr>
                 </a:solidFill>
               </a:rPr>
-              <a:t>g14868.t1, leucine-rich repeat neuronal protein 2-like </a:t>
-            </a:r>
-            <a:endParaRPr lang="zh-TW" altLang="en-US" sz="1400" dirty="0">
-              <a:solidFill>
-                <a:schemeClr val="accent2">
-                  <a:lumMod val="60000"/>
-                  <a:lumOff val="40000"/>
-                </a:schemeClr>
-              </a:solidFill>
-            </a:endParaRPr>
-          </a:p>
-        </p:txBody>
-      </p:sp>
-      <p:sp>
-        <p:nvSpPr>
-          <p:cNvPr id="32" name="箭號: 向左 31">
-            <a:extLst>
-              <a:ext uri="{FF2B5EF4-FFF2-40B4-BE49-F238E27FC236}">
-                <a16:creationId xmlns:a16="http://schemas.microsoft.com/office/drawing/2014/main" id="{3883481B-6ABE-1D82-C12C-6D190E9C934F}"/>
-              </a:ext>
-            </a:extLst>
-          </p:cNvPr>
-          <p:cNvSpPr/>
-          <p:nvPr/>
-        </p:nvSpPr>
-        <p:spPr>
-          <a:xfrm rot="10800000">
-            <a:off x="558144" y="4181962"/>
-            <a:ext cx="551834" cy="369329"/>
-          </a:xfrm>
-          <a:prstGeom prst="leftArrow">
-            <a:avLst/>
-          </a:prstGeom>
-        </p:spPr>
-        <p:style>
-          <a:lnRef idx="1">
-            <a:schemeClr val="accent2"/>
-          </a:lnRef>
-          <a:fillRef idx="2">
-            <a:schemeClr val="accent2"/>
-          </a:fillRef>
-          <a:effectRef idx="1">
-            <a:schemeClr val="accent2"/>
-          </a:effectRef>
-          <a:fontRef idx="minor">
-            <a:schemeClr val="dk1"/>
-          </a:fontRef>
-        </p:style>
-        <p:txBody>
-          <a:bodyPr rtlCol="0" anchor="ctr"/>
-          <a:lstStyle/>
-          <a:p>
-            <a:pPr algn="ctr"/>
-            <a:endParaRPr lang="zh-TW" altLang="en-US" dirty="0"/>
-          </a:p>
-        </p:txBody>
-      </p:sp>
-      <p:sp>
-        <p:nvSpPr>
-          <p:cNvPr id="38" name="文字方塊 37">
-            <a:extLst>
-              <a:ext uri="{FF2B5EF4-FFF2-40B4-BE49-F238E27FC236}">
-                <a16:creationId xmlns:a16="http://schemas.microsoft.com/office/drawing/2014/main" id="{B629E745-5AA3-E864-7650-DAB1AD598E50}"/>
-              </a:ext>
-            </a:extLst>
-          </p:cNvPr>
-          <p:cNvSpPr txBox="1"/>
-          <p:nvPr/>
-        </p:nvSpPr>
-        <p:spPr>
-          <a:xfrm>
-            <a:off x="199722" y="4729996"/>
-            <a:ext cx="1761204" cy="1015663"/>
-          </a:xfrm>
-          <a:prstGeom prst="rect">
-            <a:avLst/>
-          </a:prstGeom>
-          <a:noFill/>
-        </p:spPr>
-        <p:txBody>
-          <a:bodyPr wrap="square">
-            <a:spAutoFit/>
-          </a:bodyPr>
-          <a:lstStyle/>
-          <a:p>
-            <a:r>
-              <a:rPr lang="en-US" altLang="zh-TW" sz="1200" dirty="0">
-                <a:solidFill>
-                  <a:schemeClr val="accent2">
-                    <a:lumMod val="60000"/>
-                    <a:lumOff val="40000"/>
-                  </a:schemeClr>
-                </a:solidFill>
-              </a:rPr>
-              <a:t>g14865.t1, sodium- and chloride-dependent neutral and basic amino acid transporter B(0+)</a:t>
-            </a:r>
-            <a:endParaRPr lang="zh-TW" altLang="en-US" sz="1200" dirty="0">
-              <a:solidFill>
-                <a:schemeClr val="accent2">
-                  <a:lumMod val="60000"/>
-                  <a:lumOff val="40000"/>
-                </a:schemeClr>
-              </a:solidFill>
-            </a:endParaRPr>
-          </a:p>
-        </p:txBody>
-      </p:sp>
-      <p:sp>
-        <p:nvSpPr>
-          <p:cNvPr id="40" name="箭號: 向左 39">
-            <a:extLst>
-              <a:ext uri="{FF2B5EF4-FFF2-40B4-BE49-F238E27FC236}">
-                <a16:creationId xmlns:a16="http://schemas.microsoft.com/office/drawing/2014/main" id="{8382A006-E9D8-B1B6-1244-54BD11FF83A2}"/>
-              </a:ext>
-            </a:extLst>
-          </p:cNvPr>
-          <p:cNvSpPr/>
-          <p:nvPr/>
-        </p:nvSpPr>
-        <p:spPr>
-          <a:xfrm>
-            <a:off x="10194225" y="4187920"/>
-            <a:ext cx="551834" cy="369329"/>
-          </a:xfrm>
-          <a:prstGeom prst="leftArrow">
-            <a:avLst/>
-          </a:prstGeom>
-        </p:spPr>
-        <p:style>
-          <a:lnRef idx="1">
-            <a:schemeClr val="accent2"/>
-          </a:lnRef>
-          <a:fillRef idx="2">
-            <a:schemeClr val="accent2"/>
-          </a:fillRef>
-          <a:effectRef idx="1">
-            <a:schemeClr val="accent2"/>
-          </a:effectRef>
-          <a:fontRef idx="minor">
-            <a:schemeClr val="dk1"/>
-          </a:fontRef>
-        </p:style>
-        <p:txBody>
-          <a:bodyPr rtlCol="0" anchor="ctr"/>
-          <a:lstStyle/>
-          <a:p>
-            <a:pPr algn="ctr"/>
-            <a:endParaRPr lang="zh-TW" altLang="en-US" dirty="0"/>
-          </a:p>
-        </p:txBody>
-      </p:sp>
-      <p:sp>
-        <p:nvSpPr>
-          <p:cNvPr id="41" name="文字方塊 40">
-            <a:extLst>
-              <a:ext uri="{FF2B5EF4-FFF2-40B4-BE49-F238E27FC236}">
-                <a16:creationId xmlns:a16="http://schemas.microsoft.com/office/drawing/2014/main" id="{27E89452-031B-7AA6-A54A-437C6809A568}"/>
-              </a:ext>
-            </a:extLst>
-          </p:cNvPr>
-          <p:cNvSpPr txBox="1"/>
-          <p:nvPr/>
-        </p:nvSpPr>
-        <p:spPr>
-          <a:xfrm>
-            <a:off x="10031073" y="4770054"/>
-            <a:ext cx="2182762" cy="738664"/>
-          </a:xfrm>
-          <a:prstGeom prst="rect">
-            <a:avLst/>
-          </a:prstGeom>
-          <a:noFill/>
-        </p:spPr>
-        <p:txBody>
-          <a:bodyPr wrap="square">
-            <a:spAutoFit/>
-          </a:bodyPr>
-          <a:lstStyle/>
-          <a:p>
-            <a:r>
-              <a:rPr lang="en-US" altLang="zh-TW" sz="1400" dirty="0">
-                <a:solidFill>
-                  <a:schemeClr val="accent2">
-                    <a:lumMod val="60000"/>
-                    <a:lumOff val="40000"/>
-                  </a:schemeClr>
-                </a:solidFill>
-              </a:rPr>
-              <a:t>g10379.t1, zinc finger and SCAN domain-containing protein 22-like</a:t>
-            </a:r>
-            <a:endParaRPr lang="zh-TW" altLang="en-US" sz="1400" dirty="0">
-              <a:solidFill>
-                <a:schemeClr val="accent2">
-                  <a:lumMod val="60000"/>
-                  <a:lumOff val="40000"/>
-                </a:schemeClr>
-              </a:solidFill>
-            </a:endParaRPr>
-          </a:p>
-        </p:txBody>
-      </p:sp>
-      <p:sp>
-        <p:nvSpPr>
-          <p:cNvPr id="42" name="箭號: 向左 41">
-            <a:extLst>
-              <a:ext uri="{FF2B5EF4-FFF2-40B4-BE49-F238E27FC236}">
-                <a16:creationId xmlns:a16="http://schemas.microsoft.com/office/drawing/2014/main" id="{CF86E41E-1248-AA4A-0832-6B6EB6D3CA06}"/>
-              </a:ext>
-            </a:extLst>
-          </p:cNvPr>
-          <p:cNvSpPr/>
-          <p:nvPr/>
-        </p:nvSpPr>
-        <p:spPr>
-          <a:xfrm>
-            <a:off x="8033883" y="4198859"/>
-            <a:ext cx="551834" cy="369329"/>
-          </a:xfrm>
-          <a:prstGeom prst="leftArrow">
-            <a:avLst/>
-          </a:prstGeom>
-        </p:spPr>
-        <p:style>
-          <a:lnRef idx="1">
-            <a:schemeClr val="accent2"/>
-          </a:lnRef>
-          <a:fillRef idx="2">
-            <a:schemeClr val="accent2"/>
-          </a:fillRef>
-          <a:effectRef idx="1">
-            <a:schemeClr val="accent2"/>
-          </a:effectRef>
-          <a:fontRef idx="minor">
-            <a:schemeClr val="dk1"/>
-          </a:fontRef>
-        </p:style>
-        <p:txBody>
-          <a:bodyPr rtlCol="0" anchor="ctr"/>
-          <a:lstStyle/>
-          <a:p>
-            <a:pPr algn="ctr"/>
-            <a:endParaRPr lang="zh-TW" altLang="en-US" dirty="0"/>
-          </a:p>
-        </p:txBody>
-      </p:sp>
-      <p:sp>
-        <p:nvSpPr>
-          <p:cNvPr id="43" name="文字方塊 42">
-            <a:extLst>
-              <a:ext uri="{FF2B5EF4-FFF2-40B4-BE49-F238E27FC236}">
-                <a16:creationId xmlns:a16="http://schemas.microsoft.com/office/drawing/2014/main" id="{AFD00658-D44E-A59B-7C76-EE1BA3594690}"/>
-              </a:ext>
-            </a:extLst>
-          </p:cNvPr>
-          <p:cNvSpPr txBox="1"/>
-          <p:nvPr/>
-        </p:nvSpPr>
-        <p:spPr>
-          <a:xfrm>
-            <a:off x="7870731" y="4780993"/>
-            <a:ext cx="1890390" cy="738664"/>
-          </a:xfrm>
-          <a:prstGeom prst="rect">
-            <a:avLst/>
-          </a:prstGeom>
-          <a:noFill/>
-        </p:spPr>
-        <p:txBody>
-          <a:bodyPr wrap="square">
-            <a:spAutoFit/>
-          </a:bodyPr>
-          <a:lstStyle/>
-          <a:p>
-            <a:r>
-              <a:rPr lang="en-US" altLang="zh-TW" sz="1400" dirty="0">
-                <a:solidFill>
-                  <a:schemeClr val="accent2">
-                    <a:lumMod val="60000"/>
-                    <a:lumOff val="40000"/>
-                  </a:schemeClr>
-                </a:solidFill>
-              </a:rPr>
-              <a:t>g10377.t1, chitotriosidase-1-like isoform X1</a:t>
-            </a:r>
-            <a:endParaRPr lang="zh-TW" altLang="en-US" sz="1400" dirty="0">
-              <a:solidFill>
-                <a:schemeClr val="accent2">
-                  <a:lumMod val="60000"/>
-                  <a:lumOff val="40000"/>
-                </a:schemeClr>
-              </a:solidFill>
-            </a:endParaRPr>
-          </a:p>
-        </p:txBody>
-      </p:sp>
-      <p:sp>
-        <p:nvSpPr>
-          <p:cNvPr id="48" name="箭號: 向左 47">
-            <a:extLst>
-              <a:ext uri="{FF2B5EF4-FFF2-40B4-BE49-F238E27FC236}">
-                <a16:creationId xmlns:a16="http://schemas.microsoft.com/office/drawing/2014/main" id="{1BCAE67B-B3DD-26E6-901E-1E3113884657}"/>
-              </a:ext>
-            </a:extLst>
-          </p:cNvPr>
-          <p:cNvSpPr/>
-          <p:nvPr/>
-        </p:nvSpPr>
-        <p:spPr>
-          <a:xfrm>
-            <a:off x="4648046" y="4181961"/>
-            <a:ext cx="551834" cy="369329"/>
-          </a:xfrm>
-          <a:prstGeom prst="leftArrow">
-            <a:avLst/>
-          </a:prstGeom>
-        </p:spPr>
-        <p:style>
-          <a:lnRef idx="1">
-            <a:schemeClr val="accent2"/>
-          </a:lnRef>
-          <a:fillRef idx="2">
-            <a:schemeClr val="accent2"/>
-          </a:fillRef>
-          <a:effectRef idx="1">
-            <a:schemeClr val="accent2"/>
-          </a:effectRef>
-          <a:fontRef idx="minor">
-            <a:schemeClr val="dk1"/>
-          </a:fontRef>
-        </p:style>
-        <p:txBody>
-          <a:bodyPr rtlCol="0" anchor="ctr"/>
-          <a:lstStyle/>
-          <a:p>
-            <a:pPr algn="ctr"/>
-            <a:endParaRPr lang="zh-TW" altLang="en-US" dirty="0"/>
-          </a:p>
-        </p:txBody>
-      </p:sp>
-      <p:sp>
-        <p:nvSpPr>
-          <p:cNvPr id="54" name="箭號: 向左 53">
-            <a:extLst>
-              <a:ext uri="{FF2B5EF4-FFF2-40B4-BE49-F238E27FC236}">
-                <a16:creationId xmlns:a16="http://schemas.microsoft.com/office/drawing/2014/main" id="{25993A38-A7B6-FAC9-6257-59E7BACA7F35}"/>
-              </a:ext>
-            </a:extLst>
-          </p:cNvPr>
-          <p:cNvSpPr/>
-          <p:nvPr/>
-        </p:nvSpPr>
-        <p:spPr>
-          <a:xfrm>
-            <a:off x="6001836" y="4205799"/>
-            <a:ext cx="551834" cy="369329"/>
-          </a:xfrm>
-          <a:prstGeom prst="leftArrow">
-            <a:avLst/>
-          </a:prstGeom>
-        </p:spPr>
-        <p:style>
-          <a:lnRef idx="1">
-            <a:schemeClr val="accent2"/>
-          </a:lnRef>
-          <a:fillRef idx="2">
-            <a:schemeClr val="accent2"/>
-          </a:fillRef>
-          <a:effectRef idx="1">
-            <a:schemeClr val="accent2"/>
-          </a:effectRef>
-          <a:fontRef idx="minor">
-            <a:schemeClr val="dk1"/>
-          </a:fontRef>
-        </p:style>
-        <p:txBody>
-          <a:bodyPr rtlCol="0" anchor="ctr"/>
-          <a:lstStyle/>
-          <a:p>
-            <a:pPr algn="ctr"/>
-            <a:endParaRPr lang="zh-TW" altLang="en-US" dirty="0"/>
-          </a:p>
-        </p:txBody>
-      </p:sp>
-      <p:sp>
-        <p:nvSpPr>
-          <p:cNvPr id="56" name="箭號: 向左 55">
-            <a:extLst>
-              <a:ext uri="{FF2B5EF4-FFF2-40B4-BE49-F238E27FC236}">
-                <a16:creationId xmlns:a16="http://schemas.microsoft.com/office/drawing/2014/main" id="{35AE7D86-5A28-6E16-EDD0-789232A46DCF}"/>
-              </a:ext>
-            </a:extLst>
-          </p:cNvPr>
-          <p:cNvSpPr/>
-          <p:nvPr/>
-        </p:nvSpPr>
-        <p:spPr>
-          <a:xfrm>
-            <a:off x="6660128" y="4198856"/>
-            <a:ext cx="551834" cy="369329"/>
-          </a:xfrm>
-          <a:prstGeom prst="leftArrow">
-            <a:avLst/>
-          </a:prstGeom>
-        </p:spPr>
-        <p:style>
-          <a:lnRef idx="1">
-            <a:schemeClr val="accent2"/>
-          </a:lnRef>
-          <a:fillRef idx="2">
-            <a:schemeClr val="accent2"/>
-          </a:fillRef>
-          <a:effectRef idx="1">
-            <a:schemeClr val="accent2"/>
-          </a:effectRef>
-          <a:fontRef idx="minor">
-            <a:schemeClr val="dk1"/>
-          </a:fontRef>
-        </p:style>
-        <p:txBody>
-          <a:bodyPr rtlCol="0" anchor="ctr"/>
-          <a:lstStyle/>
-          <a:p>
-            <a:pPr algn="ctr"/>
-            <a:endParaRPr lang="zh-TW" altLang="en-US" dirty="0"/>
-          </a:p>
-        </p:txBody>
-      </p:sp>
-      <p:sp>
-        <p:nvSpPr>
-          <p:cNvPr id="2" name="文字方塊 1">
-            <a:extLst>
-              <a:ext uri="{FF2B5EF4-FFF2-40B4-BE49-F238E27FC236}">
-                <a16:creationId xmlns:a16="http://schemas.microsoft.com/office/drawing/2014/main" id="{2DC5270D-1B20-0F77-4D1F-72199B43527D}"/>
-              </a:ext>
-            </a:extLst>
-          </p:cNvPr>
-          <p:cNvSpPr txBox="1"/>
-          <p:nvPr/>
-        </p:nvSpPr>
-        <p:spPr>
-          <a:xfrm>
-            <a:off x="4415755" y="4675945"/>
-            <a:ext cx="1405085" cy="954107"/>
-          </a:xfrm>
-          <a:prstGeom prst="rect">
-            <a:avLst/>
-          </a:prstGeom>
-          <a:noFill/>
-        </p:spPr>
-        <p:txBody>
-          <a:bodyPr wrap="square">
-            <a:spAutoFit/>
-          </a:bodyPr>
-          <a:lstStyle/>
-          <a:p>
-            <a:r>
-              <a:rPr lang="en-US" altLang="zh-TW" sz="1400" dirty="0">
-                <a:solidFill>
-                  <a:schemeClr val="accent2">
-                    <a:lumMod val="60000"/>
-                    <a:lumOff val="40000"/>
-                  </a:schemeClr>
-                </a:solidFill>
-              </a:rPr>
-              <a:t>g16523.t1,  DNA-binding protein SMUBP-2 </a:t>
-            </a:r>
-            <a:endParaRPr lang="zh-TW" altLang="en-US" sz="1400" dirty="0">
-              <a:solidFill>
-                <a:schemeClr val="accent2">
-                  <a:lumMod val="60000"/>
-                  <a:lumOff val="40000"/>
-                </a:schemeClr>
-              </a:solidFill>
-            </a:endParaRPr>
-          </a:p>
-        </p:txBody>
-      </p:sp>
-      <p:sp>
-        <p:nvSpPr>
-          <p:cNvPr id="12" name="文字方塊 11">
-            <a:extLst>
-              <a:ext uri="{FF2B5EF4-FFF2-40B4-BE49-F238E27FC236}">
-                <a16:creationId xmlns:a16="http://schemas.microsoft.com/office/drawing/2014/main" id="{23D82997-739A-51BC-6354-332B99154D34}"/>
-              </a:ext>
-            </a:extLst>
-          </p:cNvPr>
-          <p:cNvSpPr txBox="1"/>
-          <p:nvPr/>
-        </p:nvSpPr>
-        <p:spPr>
-          <a:xfrm>
-            <a:off x="5806877" y="4665299"/>
-            <a:ext cx="1405085" cy="1600438"/>
-          </a:xfrm>
-          <a:prstGeom prst="rect">
-            <a:avLst/>
-          </a:prstGeom>
-          <a:noFill/>
-        </p:spPr>
-        <p:txBody>
-          <a:bodyPr wrap="square">
-            <a:spAutoFit/>
-          </a:bodyPr>
-          <a:lstStyle/>
-          <a:p>
-            <a:r>
-              <a:rPr lang="en-US" altLang="zh-TW" sz="1400" dirty="0">
-                <a:solidFill>
-                  <a:schemeClr val="accent2">
-                    <a:lumMod val="60000"/>
-                    <a:lumOff val="40000"/>
-                  </a:schemeClr>
-                </a:solidFill>
-              </a:rPr>
-              <a:t>g16525.t1, glutamine </a:t>
-            </a:r>
-            <a:r>
-              <a:rPr lang="en-US" altLang="zh-TW" sz="1400" dirty="0" err="1">
-                <a:solidFill>
-                  <a:schemeClr val="accent2">
-                    <a:lumMod val="60000"/>
-                    <a:lumOff val="40000"/>
-                  </a:schemeClr>
-                </a:solidFill>
-              </a:rPr>
-              <a:t>amidotransferase</a:t>
-            </a:r>
-            <a:r>
-              <a:rPr lang="en-US" altLang="zh-TW" sz="1400" dirty="0">
-                <a:solidFill>
-                  <a:schemeClr val="accent2">
-                    <a:lumMod val="60000"/>
-                    <a:lumOff val="40000"/>
-                  </a:schemeClr>
-                </a:solidFill>
-              </a:rPr>
-              <a:t>-like class 1 domain-containing protein 1</a:t>
-            </a:r>
-            <a:endParaRPr lang="zh-TW" altLang="en-US" sz="1400" dirty="0">
-              <a:solidFill>
-                <a:schemeClr val="accent2">
-                  <a:lumMod val="60000"/>
-                  <a:lumOff val="40000"/>
-                </a:schemeClr>
-              </a:solidFill>
-            </a:endParaRPr>
-          </a:p>
-        </p:txBody>
-      </p:sp>
-      <p:sp>
-        <p:nvSpPr>
-          <p:cNvPr id="14" name="文字方塊 13">
-            <a:extLst>
-              <a:ext uri="{FF2B5EF4-FFF2-40B4-BE49-F238E27FC236}">
-                <a16:creationId xmlns:a16="http://schemas.microsoft.com/office/drawing/2014/main" id="{FCA3ABAC-DFAF-6981-A60A-8AC5F74EA9AF}"/>
-              </a:ext>
-            </a:extLst>
-          </p:cNvPr>
-          <p:cNvSpPr txBox="1"/>
-          <p:nvPr/>
-        </p:nvSpPr>
-        <p:spPr>
-          <a:xfrm>
-            <a:off x="6823584" y="4638043"/>
-            <a:ext cx="1405085" cy="307777"/>
-          </a:xfrm>
-          <a:prstGeom prst="rect">
-            <a:avLst/>
-          </a:prstGeom>
-          <a:noFill/>
-        </p:spPr>
-        <p:txBody>
-          <a:bodyPr wrap="square">
-            <a:spAutoFit/>
-          </a:bodyPr>
-          <a:lstStyle/>
-          <a:p>
-            <a:r>
-              <a:rPr lang="en-US" altLang="zh-TW" sz="1400" dirty="0">
-                <a:solidFill>
-                  <a:schemeClr val="accent2">
-                    <a:lumMod val="60000"/>
-                    <a:lumOff val="40000"/>
-                  </a:schemeClr>
-                </a:solidFill>
-              </a:rPr>
-              <a:t>CD151 antigen </a:t>
-            </a:r>
-            <a:endParaRPr lang="zh-TW" altLang="en-US" sz="1400" dirty="0">
-              <a:solidFill>
-                <a:schemeClr val="accent2">
-                  <a:lumMod val="60000"/>
-                  <a:lumOff val="40000"/>
-                </a:schemeClr>
-              </a:solidFill>
-            </a:endParaRPr>
+              <a:t>chitinase-like</a:t>
+            </a:r>
           </a:p>
         </p:txBody>
       </p:sp>
     </p:spTree>
     <p:extLst>
       <p:ext uri="{BB962C8B-B14F-4D97-AF65-F5344CB8AC3E}">
-        <p14:creationId xmlns:p14="http://schemas.microsoft.com/office/powerpoint/2010/main" val="1869558355"/>
+        <p14:creationId xmlns:p14="http://schemas.microsoft.com/office/powerpoint/2010/main" val="376525620"/>
       </p:ext>
     </p:extLst>
   </p:cSld>
@@ -5125,10 +5010,10 @@
       </p:grpSpPr>
       <p:cxnSp>
         <p:nvCxnSpPr>
-          <p:cNvPr id="31" name="直線接點 30">
-            <a:extLst>
-              <a:ext uri="{FF2B5EF4-FFF2-40B4-BE49-F238E27FC236}">
-                <a16:creationId xmlns:a16="http://schemas.microsoft.com/office/drawing/2014/main" id="{46508752-32CB-8102-ADFE-6B053E0A6C06}"/>
+          <p:cNvPr id="4" name="直線接點 3">
+            <a:extLst>
+              <a:ext uri="{FF2B5EF4-FFF2-40B4-BE49-F238E27FC236}">
+                <a16:creationId xmlns:a16="http://schemas.microsoft.com/office/drawing/2014/main" id="{FCC9D1D6-BDCE-9DD6-5864-A1D947C6A1A3}"/>
               </a:ext>
             </a:extLst>
           </p:cNvPr>
@@ -5139,8 +5024,8 @@
         </p:nvCxnSpPr>
         <p:spPr>
           <a:xfrm>
-            <a:off x="487308" y="3598606"/>
-            <a:ext cx="1980589" cy="0"/>
+            <a:off x="4011562" y="1855521"/>
+            <a:ext cx="4503172" cy="0"/>
           </a:xfrm>
           <a:prstGeom prst="line">
             <a:avLst/>
@@ -5162,207 +5047,12 @@
           </a:fontRef>
         </p:style>
       </p:cxnSp>
-      <p:cxnSp>
-        <p:nvCxnSpPr>
-          <p:cNvPr id="33" name="直線接點 32">
-            <a:extLst>
-              <a:ext uri="{FF2B5EF4-FFF2-40B4-BE49-F238E27FC236}">
-                <a16:creationId xmlns:a16="http://schemas.microsoft.com/office/drawing/2014/main" id="{DB7B2075-33BB-EE12-C40B-AE909D70E19A}"/>
-              </a:ext>
-            </a:extLst>
-          </p:cNvPr>
-          <p:cNvCxnSpPr>
-            <a:cxnSpLocks/>
-          </p:cNvCxnSpPr>
-          <p:nvPr/>
-        </p:nvCxnSpPr>
-        <p:spPr>
-          <a:xfrm>
-            <a:off x="9806754" y="3602425"/>
-            <a:ext cx="1302158" cy="0"/>
-          </a:xfrm>
-          <a:prstGeom prst="line">
-            <a:avLst/>
-          </a:prstGeom>
-          <a:ln w="76200"/>
-        </p:spPr>
-        <p:style>
-          <a:lnRef idx="2">
-            <a:schemeClr val="dk1"/>
-          </a:lnRef>
-          <a:fillRef idx="0">
-            <a:schemeClr val="dk1"/>
-          </a:fillRef>
-          <a:effectRef idx="1">
-            <a:schemeClr val="dk1"/>
-          </a:effectRef>
-          <a:fontRef idx="minor">
-            <a:schemeClr val="tx1"/>
-          </a:fontRef>
-        </p:style>
-      </p:cxnSp>
-      <p:cxnSp>
-        <p:nvCxnSpPr>
-          <p:cNvPr id="34" name="直線接點 33">
-            <a:extLst>
-              <a:ext uri="{FF2B5EF4-FFF2-40B4-BE49-F238E27FC236}">
-                <a16:creationId xmlns:a16="http://schemas.microsoft.com/office/drawing/2014/main" id="{FE4E2858-A03A-306E-FFEA-55D203DD9B15}"/>
-              </a:ext>
-            </a:extLst>
-          </p:cNvPr>
-          <p:cNvCxnSpPr>
-            <a:cxnSpLocks/>
-          </p:cNvCxnSpPr>
-          <p:nvPr/>
-        </p:nvCxnSpPr>
-        <p:spPr>
-          <a:xfrm>
-            <a:off x="2692510" y="3592608"/>
-            <a:ext cx="1302158" cy="0"/>
-          </a:xfrm>
-          <a:prstGeom prst="line">
-            <a:avLst/>
-          </a:prstGeom>
-          <a:ln w="76200"/>
-        </p:spPr>
-        <p:style>
-          <a:lnRef idx="2">
-            <a:schemeClr val="dk1"/>
-          </a:lnRef>
-          <a:fillRef idx="0">
-            <a:schemeClr val="dk1"/>
-          </a:fillRef>
-          <a:effectRef idx="1">
-            <a:schemeClr val="dk1"/>
-          </a:effectRef>
-          <a:fontRef idx="minor">
-            <a:schemeClr val="tx1"/>
-          </a:fontRef>
-        </p:style>
-      </p:cxnSp>
-      <p:cxnSp>
-        <p:nvCxnSpPr>
-          <p:cNvPr id="35" name="直線接點 34">
-            <a:extLst>
-              <a:ext uri="{FF2B5EF4-FFF2-40B4-BE49-F238E27FC236}">
-                <a16:creationId xmlns:a16="http://schemas.microsoft.com/office/drawing/2014/main" id="{A2A8654C-A56A-2DD0-96EB-1E54B79199E5}"/>
-              </a:ext>
-            </a:extLst>
-          </p:cNvPr>
-          <p:cNvCxnSpPr>
-            <a:cxnSpLocks/>
-          </p:cNvCxnSpPr>
-          <p:nvPr/>
-        </p:nvCxnSpPr>
-        <p:spPr>
-          <a:xfrm>
-            <a:off x="4479524" y="3592601"/>
-            <a:ext cx="1302158" cy="0"/>
-          </a:xfrm>
-          <a:prstGeom prst="line">
-            <a:avLst/>
-          </a:prstGeom>
-          <a:ln w="76200"/>
-        </p:spPr>
-        <p:style>
-          <a:lnRef idx="2">
-            <a:schemeClr val="dk1"/>
-          </a:lnRef>
-          <a:fillRef idx="0">
-            <a:schemeClr val="dk1"/>
-          </a:fillRef>
-          <a:effectRef idx="1">
-            <a:schemeClr val="dk1"/>
-          </a:effectRef>
-          <a:fontRef idx="minor">
-            <a:schemeClr val="tx1"/>
-          </a:fontRef>
-        </p:style>
-      </p:cxnSp>
-      <p:cxnSp>
-        <p:nvCxnSpPr>
-          <p:cNvPr id="36" name="直線接點 35">
-            <a:extLst>
-              <a:ext uri="{FF2B5EF4-FFF2-40B4-BE49-F238E27FC236}">
-                <a16:creationId xmlns:a16="http://schemas.microsoft.com/office/drawing/2014/main" id="{9AEDF593-1C46-9081-2655-90FDEDD3AD90}"/>
-              </a:ext>
-            </a:extLst>
-          </p:cNvPr>
-          <p:cNvCxnSpPr>
-            <a:cxnSpLocks/>
-          </p:cNvCxnSpPr>
-          <p:nvPr/>
-        </p:nvCxnSpPr>
-        <p:spPr>
-          <a:xfrm>
-            <a:off x="6391598" y="3602426"/>
-            <a:ext cx="1302158" cy="0"/>
-          </a:xfrm>
-          <a:prstGeom prst="line">
-            <a:avLst/>
-          </a:prstGeom>
-          <a:ln w="76200"/>
-        </p:spPr>
-        <p:style>
-          <a:lnRef idx="2">
-            <a:schemeClr val="dk1"/>
-          </a:lnRef>
-          <a:fillRef idx="0">
-            <a:schemeClr val="dk1"/>
-          </a:fillRef>
-          <a:effectRef idx="1">
-            <a:schemeClr val="dk1"/>
-          </a:effectRef>
-          <a:fontRef idx="minor">
-            <a:schemeClr val="tx1"/>
-          </a:fontRef>
-        </p:style>
-      </p:cxnSp>
-      <p:cxnSp>
-        <p:nvCxnSpPr>
-          <p:cNvPr id="37" name="直線接點 36">
-            <a:extLst>
-              <a:ext uri="{FF2B5EF4-FFF2-40B4-BE49-F238E27FC236}">
-                <a16:creationId xmlns:a16="http://schemas.microsoft.com/office/drawing/2014/main" id="{665B71C8-D90D-8856-1E24-36B152D053EB}"/>
-              </a:ext>
-            </a:extLst>
-          </p:cNvPr>
-          <p:cNvCxnSpPr>
-            <a:cxnSpLocks/>
-          </p:cNvCxnSpPr>
-          <p:nvPr/>
-        </p:nvCxnSpPr>
-        <p:spPr>
-          <a:xfrm>
-            <a:off x="8156492" y="3602426"/>
-            <a:ext cx="1302158" cy="0"/>
-          </a:xfrm>
-          <a:prstGeom prst="line">
-            <a:avLst/>
-          </a:prstGeom>
-          <a:ln w="76200"/>
-        </p:spPr>
-        <p:style>
-          <a:lnRef idx="2">
-            <a:schemeClr val="dk1"/>
-          </a:lnRef>
-          <a:fillRef idx="0">
-            <a:schemeClr val="dk1"/>
-          </a:fillRef>
-          <a:effectRef idx="1">
-            <a:schemeClr val="dk1"/>
-          </a:effectRef>
-          <a:fontRef idx="minor">
-            <a:schemeClr val="tx1"/>
-          </a:fontRef>
-        </p:style>
-      </p:cxnSp>
-      <p:sp>
-        <p:nvSpPr>
-          <p:cNvPr id="39" name="文字方塊 38">
-            <a:extLst>
-              <a:ext uri="{FF2B5EF4-FFF2-40B4-BE49-F238E27FC236}">
-                <a16:creationId xmlns:a16="http://schemas.microsoft.com/office/drawing/2014/main" id="{DA1F7DBF-8D21-2BFC-96B7-876CB1B3CF01}"/>
+      <p:sp>
+        <p:nvSpPr>
+          <p:cNvPr id="5" name="文字方塊 4">
+            <a:extLst>
+              <a:ext uri="{FF2B5EF4-FFF2-40B4-BE49-F238E27FC236}">
+                <a16:creationId xmlns:a16="http://schemas.microsoft.com/office/drawing/2014/main" id="{3BC8CAE8-65CC-557C-EF7B-C78CF629AA2C}"/>
               </a:ext>
             </a:extLst>
           </p:cNvPr>
@@ -5371,8 +5061,8 @@
         </p:nvSpPr>
         <p:spPr>
           <a:xfrm>
-            <a:off x="487308" y="2858637"/>
-            <a:ext cx="1730477" cy="369324"/>
+            <a:off x="1533838" y="1664894"/>
+            <a:ext cx="1307690" cy="400110"/>
           </a:xfrm>
           <a:prstGeom prst="rect">
             <a:avLst/>
@@ -5386,18 +5076,18 @@
           <a:lstStyle/>
           <a:p>
             <a:r>
-              <a:rPr lang="zh-TW" altLang="en-US" dirty="0"/>
-              <a:t>GENE_1102</a:t>
-            </a:r>
-          </a:p>
-        </p:txBody>
-      </p:sp>
-      <p:sp>
-        <p:nvSpPr>
-          <p:cNvPr id="44" name="箭號: 向左 43">
-            <a:extLst>
-              <a:ext uri="{FF2B5EF4-FFF2-40B4-BE49-F238E27FC236}">
-                <a16:creationId xmlns:a16="http://schemas.microsoft.com/office/drawing/2014/main" id="{D1DDB18F-E42D-C849-7114-ECD7E8537808}"/>
+              <a:rPr lang="zh-TW" altLang="en-US" sz="2000" dirty="0"/>
+              <a:t>ntLink_71</a:t>
+            </a:r>
+          </a:p>
+        </p:txBody>
+      </p:sp>
+      <p:sp>
+        <p:nvSpPr>
+          <p:cNvPr id="6" name="箭號: 向左 5">
+            <a:extLst>
+              <a:ext uri="{FF2B5EF4-FFF2-40B4-BE49-F238E27FC236}">
+                <a16:creationId xmlns:a16="http://schemas.microsoft.com/office/drawing/2014/main" id="{2B5D7ADC-EA3B-EB7C-BDEE-CF038CDC9CA6}"/>
               </a:ext>
             </a:extLst>
           </p:cNvPr>
@@ -5406,7 +5096,7 @@
         </p:nvSpPr>
         <p:spPr>
           <a:xfrm rot="10800000">
-            <a:off x="789029" y="3413936"/>
+            <a:off x="5489166" y="1670854"/>
             <a:ext cx="551834" cy="369329"/>
           </a:xfrm>
           <a:prstGeom prst="leftArrow">
@@ -5440,10 +5130,10 @@
       </p:sp>
       <p:sp>
         <p:nvSpPr>
-          <p:cNvPr id="45" name="箭號: 向左 44">
-            <a:extLst>
-              <a:ext uri="{FF2B5EF4-FFF2-40B4-BE49-F238E27FC236}">
-                <a16:creationId xmlns:a16="http://schemas.microsoft.com/office/drawing/2014/main" id="{6BAECF7C-5AD2-DFA7-58A9-319BC7D23108}"/>
+          <p:cNvPr id="7" name="箭號: 向左 6">
+            <a:extLst>
+              <a:ext uri="{FF2B5EF4-FFF2-40B4-BE49-F238E27FC236}">
+                <a16:creationId xmlns:a16="http://schemas.microsoft.com/office/drawing/2014/main" id="{9331D37C-6747-B8A7-9A79-9779A25DA5B7}"/>
               </a:ext>
             </a:extLst>
           </p:cNvPr>
@@ -5451,8 +5141,355 @@
           <p:nvPr/>
         </p:nvSpPr>
         <p:spPr>
+          <a:xfrm>
+            <a:off x="4648046" y="1664897"/>
+            <a:ext cx="551834" cy="369329"/>
+          </a:xfrm>
+          <a:prstGeom prst="leftArrow">
+            <a:avLst/>
+          </a:prstGeom>
+        </p:spPr>
+        <p:style>
+          <a:lnRef idx="1">
+            <a:schemeClr val="accent2"/>
+          </a:lnRef>
+          <a:fillRef idx="2">
+            <a:schemeClr val="accent2"/>
+          </a:fillRef>
+          <a:effectRef idx="1">
+            <a:schemeClr val="accent2"/>
+          </a:effectRef>
+          <a:fontRef idx="minor">
+            <a:schemeClr val="dk1"/>
+          </a:fontRef>
+        </p:style>
+        <p:txBody>
+          <a:bodyPr rtlCol="0" anchor="ctr"/>
+          <a:lstStyle/>
+          <a:p>
+            <a:pPr algn="ctr"/>
+            <a:endParaRPr lang="zh-TW" altLang="en-US" dirty="0"/>
+          </a:p>
+        </p:txBody>
+      </p:sp>
+      <p:sp>
+        <p:nvSpPr>
+          <p:cNvPr id="8" name="箭號: 向左 7">
+            <a:extLst>
+              <a:ext uri="{FF2B5EF4-FFF2-40B4-BE49-F238E27FC236}">
+                <a16:creationId xmlns:a16="http://schemas.microsoft.com/office/drawing/2014/main" id="{3D663D93-6C0A-64D0-D399-CA4103A406F2}"/>
+              </a:ext>
+            </a:extLst>
+          </p:cNvPr>
+          <p:cNvSpPr/>
+          <p:nvPr/>
+        </p:nvSpPr>
+        <p:spPr>
+          <a:xfrm>
+            <a:off x="6330286" y="1688735"/>
+            <a:ext cx="551834" cy="369329"/>
+          </a:xfrm>
+          <a:prstGeom prst="leftArrow">
+            <a:avLst/>
+          </a:prstGeom>
+        </p:spPr>
+        <p:style>
+          <a:lnRef idx="1">
+            <a:schemeClr val="accent2"/>
+          </a:lnRef>
+          <a:fillRef idx="2">
+            <a:schemeClr val="accent2"/>
+          </a:fillRef>
+          <a:effectRef idx="1">
+            <a:schemeClr val="accent2"/>
+          </a:effectRef>
+          <a:fontRef idx="minor">
+            <a:schemeClr val="dk1"/>
+          </a:fontRef>
+        </p:style>
+        <p:txBody>
+          <a:bodyPr rtlCol="0" anchor="ctr"/>
+          <a:lstStyle/>
+          <a:p>
+            <a:pPr algn="ctr"/>
+            <a:endParaRPr lang="zh-TW" altLang="en-US" dirty="0"/>
+          </a:p>
+        </p:txBody>
+      </p:sp>
+      <p:sp>
+        <p:nvSpPr>
+          <p:cNvPr id="10" name="文字方塊 9">
+            <a:extLst>
+              <a:ext uri="{FF2B5EF4-FFF2-40B4-BE49-F238E27FC236}">
+                <a16:creationId xmlns:a16="http://schemas.microsoft.com/office/drawing/2014/main" id="{1D8FF95B-C69D-FFDA-333B-471113C84652}"/>
+              </a:ext>
+            </a:extLst>
+          </p:cNvPr>
+          <p:cNvSpPr txBox="1"/>
+          <p:nvPr/>
+        </p:nvSpPr>
+        <p:spPr>
+          <a:xfrm>
+            <a:off x="4257369" y="2158881"/>
+            <a:ext cx="1563472" cy="738664"/>
+          </a:xfrm>
+          <a:prstGeom prst="rect">
+            <a:avLst/>
+          </a:prstGeom>
+          <a:noFill/>
+        </p:spPr>
+        <p:txBody>
+          <a:bodyPr wrap="square">
+            <a:spAutoFit/>
+          </a:bodyPr>
+          <a:lstStyle/>
+          <a:p>
+            <a:r>
+              <a:rPr lang="en-US" altLang="zh-TW" sz="1400" dirty="0">
+                <a:solidFill>
+                  <a:schemeClr val="accent2">
+                    <a:lumMod val="60000"/>
+                    <a:lumOff val="40000"/>
+                  </a:schemeClr>
+                </a:solidFill>
+              </a:rPr>
+              <a:t>g16523.t1,  DNA-binding protein SMUBP-2 </a:t>
+            </a:r>
+            <a:endParaRPr lang="zh-TW" altLang="en-US" sz="1400" dirty="0">
+              <a:solidFill>
+                <a:schemeClr val="accent2">
+                  <a:lumMod val="60000"/>
+                  <a:lumOff val="40000"/>
+                </a:schemeClr>
+              </a:solidFill>
+            </a:endParaRPr>
+          </a:p>
+        </p:txBody>
+      </p:sp>
+      <p:sp>
+        <p:nvSpPr>
+          <p:cNvPr id="11" name="文字方塊 10">
+            <a:extLst>
+              <a:ext uri="{FF2B5EF4-FFF2-40B4-BE49-F238E27FC236}">
+                <a16:creationId xmlns:a16="http://schemas.microsoft.com/office/drawing/2014/main" id="{C2ECA7EF-5738-1DAA-050D-A9BED83D83B1}"/>
+              </a:ext>
+            </a:extLst>
+          </p:cNvPr>
+          <p:cNvSpPr txBox="1"/>
+          <p:nvPr/>
+        </p:nvSpPr>
+        <p:spPr>
+          <a:xfrm>
+            <a:off x="6026416" y="2144990"/>
+            <a:ext cx="3206073" cy="738664"/>
+          </a:xfrm>
+          <a:prstGeom prst="rect">
+            <a:avLst/>
+          </a:prstGeom>
+          <a:noFill/>
+        </p:spPr>
+        <p:txBody>
+          <a:bodyPr wrap="square">
+            <a:spAutoFit/>
+          </a:bodyPr>
+          <a:lstStyle/>
+          <a:p>
+            <a:r>
+              <a:rPr lang="en-US" altLang="zh-TW" sz="1400" dirty="0">
+                <a:solidFill>
+                  <a:schemeClr val="accent2">
+                    <a:lumMod val="60000"/>
+                    <a:lumOff val="40000"/>
+                  </a:schemeClr>
+                </a:solidFill>
+              </a:rPr>
+              <a:t>g16525.t1, glutamine </a:t>
+            </a:r>
+            <a:r>
+              <a:rPr lang="en-US" altLang="zh-TW" sz="1400" dirty="0" err="1">
+                <a:solidFill>
+                  <a:schemeClr val="accent2">
+                    <a:lumMod val="60000"/>
+                    <a:lumOff val="40000"/>
+                  </a:schemeClr>
+                </a:solidFill>
+              </a:rPr>
+              <a:t>amidotransferase</a:t>
+            </a:r>
+            <a:r>
+              <a:rPr lang="en-US" altLang="zh-TW" sz="1400" dirty="0">
+                <a:solidFill>
+                  <a:schemeClr val="accent2">
+                    <a:lumMod val="60000"/>
+                    <a:lumOff val="40000"/>
+                  </a:schemeClr>
+                </a:solidFill>
+              </a:rPr>
+              <a:t>-like class 1 domain-containing protein 1</a:t>
+            </a:r>
+            <a:endParaRPr lang="zh-TW" altLang="en-US" sz="1400" dirty="0">
+              <a:solidFill>
+                <a:schemeClr val="accent2">
+                  <a:lumMod val="60000"/>
+                  <a:lumOff val="40000"/>
+                </a:schemeClr>
+              </a:solidFill>
+            </a:endParaRPr>
+          </a:p>
+        </p:txBody>
+      </p:sp>
+      <p:sp>
+        <p:nvSpPr>
+          <p:cNvPr id="16" name="文字方塊 15">
+            <a:extLst>
+              <a:ext uri="{FF2B5EF4-FFF2-40B4-BE49-F238E27FC236}">
+                <a16:creationId xmlns:a16="http://schemas.microsoft.com/office/drawing/2014/main" id="{BED7556B-7B66-DBD3-93D7-09F943373F02}"/>
+              </a:ext>
+            </a:extLst>
+          </p:cNvPr>
+          <p:cNvSpPr txBox="1"/>
+          <p:nvPr/>
+        </p:nvSpPr>
+        <p:spPr>
+          <a:xfrm>
+            <a:off x="656156" y="1139261"/>
+            <a:ext cx="2753033" cy="523220"/>
+          </a:xfrm>
+          <a:prstGeom prst="rect">
+            <a:avLst/>
+          </a:prstGeom>
+          <a:noFill/>
+        </p:spPr>
+        <p:txBody>
+          <a:bodyPr wrap="square">
+            <a:spAutoFit/>
+          </a:bodyPr>
+          <a:lstStyle/>
+          <a:p>
+            <a:r>
+              <a:rPr lang="en-US" altLang="zh-TW" sz="2800" b="1" i="1" u="none" strike="noStrike" dirty="0" err="1">
+                <a:solidFill>
+                  <a:srgbClr val="000000"/>
+                </a:solidFill>
+                <a:effectLst/>
+                <a:latin typeface="新細明體" panose="02020500000000000000" pitchFamily="18" charset="-120"/>
+                <a:ea typeface="新細明體" panose="02020500000000000000" pitchFamily="18" charset="-120"/>
+              </a:rPr>
+              <a:t>Phytichthys</a:t>
+            </a:r>
+            <a:r>
+              <a:rPr lang="en-US" altLang="zh-TW" sz="2800" b="1" i="1" u="none" strike="noStrike" dirty="0">
+                <a:solidFill>
+                  <a:srgbClr val="000000"/>
+                </a:solidFill>
+                <a:effectLst/>
+                <a:latin typeface="新細明體" panose="02020500000000000000" pitchFamily="18" charset="-120"/>
+                <a:ea typeface="新細明體" panose="02020500000000000000" pitchFamily="18" charset="-120"/>
+              </a:rPr>
+              <a:t> chirus</a:t>
+            </a:r>
+            <a:endParaRPr lang="zh-TW" altLang="en-US" sz="2800" dirty="0"/>
+          </a:p>
+        </p:txBody>
+      </p:sp>
+      <p:cxnSp>
+        <p:nvCxnSpPr>
+          <p:cNvPr id="17" name="直線接點 16">
+            <a:extLst>
+              <a:ext uri="{FF2B5EF4-FFF2-40B4-BE49-F238E27FC236}">
+                <a16:creationId xmlns:a16="http://schemas.microsoft.com/office/drawing/2014/main" id="{F97CE863-75F9-5AA2-9AC4-3649A56C8F84}"/>
+              </a:ext>
+            </a:extLst>
+          </p:cNvPr>
+          <p:cNvCxnSpPr>
+            <a:cxnSpLocks/>
+          </p:cNvCxnSpPr>
+          <p:nvPr/>
+        </p:nvCxnSpPr>
+        <p:spPr>
+          <a:xfrm>
+            <a:off x="4036143" y="4230016"/>
+            <a:ext cx="4503172" cy="0"/>
+          </a:xfrm>
+          <a:prstGeom prst="line">
+            <a:avLst/>
+          </a:prstGeom>
+          <a:ln w="76200"/>
+        </p:spPr>
+        <p:style>
+          <a:lnRef idx="2">
+            <a:schemeClr val="dk1"/>
+          </a:lnRef>
+          <a:fillRef idx="0">
+            <a:schemeClr val="dk1"/>
+          </a:fillRef>
+          <a:effectRef idx="1">
+            <a:schemeClr val="dk1"/>
+          </a:effectRef>
+          <a:fontRef idx="minor">
+            <a:schemeClr val="tx1"/>
+          </a:fontRef>
+        </p:style>
+      </p:cxnSp>
+      <p:sp>
+        <p:nvSpPr>
+          <p:cNvPr id="18" name="文字方塊 17">
+            <a:extLst>
+              <a:ext uri="{FF2B5EF4-FFF2-40B4-BE49-F238E27FC236}">
+                <a16:creationId xmlns:a16="http://schemas.microsoft.com/office/drawing/2014/main" id="{B65F1B02-845D-BE0A-871A-75F8836B67A6}"/>
+              </a:ext>
+            </a:extLst>
+          </p:cNvPr>
+          <p:cNvSpPr txBox="1"/>
+          <p:nvPr/>
+        </p:nvSpPr>
+        <p:spPr>
+          <a:xfrm>
+            <a:off x="1558419" y="4039389"/>
+            <a:ext cx="1981194" cy="400110"/>
+          </a:xfrm>
+          <a:prstGeom prst="rect">
+            <a:avLst/>
+          </a:prstGeom>
+          <a:noFill/>
+        </p:spPr>
+        <p:txBody>
+          <a:bodyPr wrap="square">
+            <a:spAutoFit/>
+          </a:bodyPr>
+          <a:lstStyle/>
+          <a:p>
+            <a:r>
+              <a:rPr lang="en-US" altLang="zh-TW" sz="2000" dirty="0"/>
+              <a:t>contig</a:t>
+            </a:r>
+            <a:r>
+              <a:rPr lang="zh-TW" altLang="en-US" sz="2000" dirty="0"/>
+              <a:t>_</a:t>
+            </a:r>
+            <a:r>
+              <a:rPr lang="en-US" altLang="zh-TW" sz="2000" dirty="0"/>
+              <a:t>1807</a:t>
+            </a:r>
+            <a:endParaRPr lang="zh-TW" altLang="en-US" sz="2000" dirty="0"/>
+          </a:p>
+        </p:txBody>
+      </p:sp>
+      <p:sp>
+        <p:nvSpPr>
+          <p:cNvPr id="19" name="箭號: 向左 18">
+            <a:extLst>
+              <a:ext uri="{FF2B5EF4-FFF2-40B4-BE49-F238E27FC236}">
+                <a16:creationId xmlns:a16="http://schemas.microsoft.com/office/drawing/2014/main" id="{C02C8E3E-CEFA-80B3-E9CA-9D0BE79A02C4}"/>
+              </a:ext>
+            </a:extLst>
+          </p:cNvPr>
+          <p:cNvSpPr/>
+          <p:nvPr/>
+        </p:nvSpPr>
+        <p:spPr>
           <a:xfrm rot="10800000">
-            <a:off x="1352546" y="3413935"/>
+            <a:off x="5420493" y="4042373"/>
             <a:ext cx="551834" cy="369329"/>
           </a:xfrm>
           <a:prstGeom prst="leftArrow">
@@ -5486,10 +5523,10 @@
       </p:sp>
       <p:sp>
         <p:nvSpPr>
-          <p:cNvPr id="46" name="矩形 45">
-            <a:extLst>
-              <a:ext uri="{FF2B5EF4-FFF2-40B4-BE49-F238E27FC236}">
-                <a16:creationId xmlns:a16="http://schemas.microsoft.com/office/drawing/2014/main" id="{7FA6F9E1-526D-4F8F-E281-D8DE5015394E}"/>
+          <p:cNvPr id="20" name="箭號: 向左 19">
+            <a:extLst>
+              <a:ext uri="{FF2B5EF4-FFF2-40B4-BE49-F238E27FC236}">
+                <a16:creationId xmlns:a16="http://schemas.microsoft.com/office/drawing/2014/main" id="{FC98304A-7677-19E3-85EC-1C3FF659F878}"/>
               </a:ext>
             </a:extLst>
           </p:cNvPr>
@@ -5498,10 +5535,484 @@
         </p:nvSpPr>
         <p:spPr>
           <a:xfrm>
-            <a:off x="3065209" y="3451105"/>
-            <a:ext cx="551834" cy="282992"/>
+            <a:off x="4648046" y="4035574"/>
+            <a:ext cx="551834" cy="369329"/>
+          </a:xfrm>
+          <a:prstGeom prst="leftArrow">
+            <a:avLst/>
+          </a:prstGeom>
+        </p:spPr>
+        <p:style>
+          <a:lnRef idx="1">
+            <a:schemeClr val="accent2"/>
+          </a:lnRef>
+          <a:fillRef idx="2">
+            <a:schemeClr val="accent2"/>
+          </a:fillRef>
+          <a:effectRef idx="1">
+            <a:schemeClr val="accent2"/>
+          </a:effectRef>
+          <a:fontRef idx="minor">
+            <a:schemeClr val="dk1"/>
+          </a:fontRef>
+        </p:style>
+        <p:txBody>
+          <a:bodyPr rtlCol="0" anchor="ctr"/>
+          <a:lstStyle/>
+          <a:p>
+            <a:pPr algn="ctr"/>
+            <a:endParaRPr lang="zh-TW" altLang="en-US" dirty="0"/>
+          </a:p>
+        </p:txBody>
+      </p:sp>
+      <p:sp>
+        <p:nvSpPr>
+          <p:cNvPr id="21" name="箭號: 向左 20">
+            <a:extLst>
+              <a:ext uri="{FF2B5EF4-FFF2-40B4-BE49-F238E27FC236}">
+                <a16:creationId xmlns:a16="http://schemas.microsoft.com/office/drawing/2014/main" id="{AE142B69-05BB-ECF9-A5F4-5FDEC2394100}"/>
+              </a:ext>
+            </a:extLst>
+          </p:cNvPr>
+          <p:cNvSpPr/>
+          <p:nvPr/>
+        </p:nvSpPr>
+        <p:spPr>
+          <a:xfrm>
+            <a:off x="6330286" y="4054779"/>
+            <a:ext cx="551834" cy="369329"/>
+          </a:xfrm>
+          <a:prstGeom prst="leftArrow">
+            <a:avLst/>
+          </a:prstGeom>
+        </p:spPr>
+        <p:style>
+          <a:lnRef idx="1">
+            <a:schemeClr val="accent2"/>
+          </a:lnRef>
+          <a:fillRef idx="2">
+            <a:schemeClr val="accent2"/>
+          </a:fillRef>
+          <a:effectRef idx="1">
+            <a:schemeClr val="accent2"/>
+          </a:effectRef>
+          <a:fontRef idx="minor">
+            <a:schemeClr val="dk1"/>
+          </a:fontRef>
+        </p:style>
+        <p:txBody>
+          <a:bodyPr rtlCol="0" anchor="ctr"/>
+          <a:lstStyle/>
+          <a:p>
+            <a:pPr algn="ctr"/>
+            <a:endParaRPr lang="zh-TW" altLang="en-US" dirty="0"/>
+          </a:p>
+        </p:txBody>
+      </p:sp>
+      <p:sp>
+        <p:nvSpPr>
+          <p:cNvPr id="23" name="文字方塊 22">
+            <a:extLst>
+              <a:ext uri="{FF2B5EF4-FFF2-40B4-BE49-F238E27FC236}">
+                <a16:creationId xmlns:a16="http://schemas.microsoft.com/office/drawing/2014/main" id="{68280DCB-986F-13B4-F3CF-3C2594336F3C}"/>
+              </a:ext>
+            </a:extLst>
+          </p:cNvPr>
+          <p:cNvSpPr txBox="1"/>
+          <p:nvPr/>
+        </p:nvSpPr>
+        <p:spPr>
+          <a:xfrm>
+            <a:off x="4063028" y="4593388"/>
+            <a:ext cx="1405085" cy="738664"/>
           </a:xfrm>
           <a:prstGeom prst="rect">
+            <a:avLst/>
+          </a:prstGeom>
+          <a:noFill/>
+        </p:spPr>
+        <p:txBody>
+          <a:bodyPr wrap="square">
+            <a:spAutoFit/>
+          </a:bodyPr>
+          <a:lstStyle/>
+          <a:p>
+            <a:r>
+              <a:rPr lang="en-US" altLang="zh-TW" sz="1400" dirty="0">
+                <a:solidFill>
+                  <a:schemeClr val="accent2">
+                    <a:lumMod val="60000"/>
+                    <a:lumOff val="40000"/>
+                  </a:schemeClr>
+                </a:solidFill>
+              </a:rPr>
+              <a:t>DNA-binding protein SMUBP-2 </a:t>
+            </a:r>
+            <a:endParaRPr lang="zh-TW" altLang="en-US" sz="1400" dirty="0">
+              <a:solidFill>
+                <a:schemeClr val="accent2">
+                  <a:lumMod val="60000"/>
+                  <a:lumOff val="40000"/>
+                </a:schemeClr>
+              </a:solidFill>
+            </a:endParaRPr>
+          </a:p>
+        </p:txBody>
+      </p:sp>
+      <p:sp>
+        <p:nvSpPr>
+          <p:cNvPr id="24" name="文字方塊 23">
+            <a:extLst>
+              <a:ext uri="{FF2B5EF4-FFF2-40B4-BE49-F238E27FC236}">
+                <a16:creationId xmlns:a16="http://schemas.microsoft.com/office/drawing/2014/main" id="{4F8A120B-1CDF-C736-C0D6-DE5BF7386913}"/>
+              </a:ext>
+            </a:extLst>
+          </p:cNvPr>
+          <p:cNvSpPr txBox="1"/>
+          <p:nvPr/>
+        </p:nvSpPr>
+        <p:spPr>
+          <a:xfrm>
+            <a:off x="5831458" y="4522730"/>
+            <a:ext cx="3145394" cy="523220"/>
+          </a:xfrm>
+          <a:prstGeom prst="rect">
+            <a:avLst/>
+          </a:prstGeom>
+          <a:noFill/>
+        </p:spPr>
+        <p:txBody>
+          <a:bodyPr wrap="square">
+            <a:spAutoFit/>
+          </a:bodyPr>
+          <a:lstStyle/>
+          <a:p>
+            <a:r>
+              <a:rPr lang="en-US" altLang="zh-TW" sz="1400" dirty="0">
+                <a:solidFill>
+                  <a:schemeClr val="accent2">
+                    <a:lumMod val="60000"/>
+                    <a:lumOff val="40000"/>
+                  </a:schemeClr>
+                </a:solidFill>
+              </a:rPr>
+              <a:t>glutamine </a:t>
+            </a:r>
+            <a:r>
+              <a:rPr lang="en-US" altLang="zh-TW" sz="1400" dirty="0" err="1">
+                <a:solidFill>
+                  <a:schemeClr val="accent2">
+                    <a:lumMod val="60000"/>
+                    <a:lumOff val="40000"/>
+                  </a:schemeClr>
+                </a:solidFill>
+              </a:rPr>
+              <a:t>amidotransferase</a:t>
+            </a:r>
+            <a:r>
+              <a:rPr lang="en-US" altLang="zh-TW" sz="1400" dirty="0">
+                <a:solidFill>
+                  <a:schemeClr val="accent2">
+                    <a:lumMod val="60000"/>
+                    <a:lumOff val="40000"/>
+                  </a:schemeClr>
+                </a:solidFill>
+              </a:rPr>
+              <a:t>-like class 1 domain-containing protein 1</a:t>
+            </a:r>
+            <a:endParaRPr lang="zh-TW" altLang="en-US" sz="1400" dirty="0">
+              <a:solidFill>
+                <a:schemeClr val="accent2">
+                  <a:lumMod val="60000"/>
+                  <a:lumOff val="40000"/>
+                </a:schemeClr>
+              </a:solidFill>
+            </a:endParaRPr>
+          </a:p>
+        </p:txBody>
+      </p:sp>
+      <p:sp>
+        <p:nvSpPr>
+          <p:cNvPr id="25" name="文字方塊 24">
+            <a:extLst>
+              <a:ext uri="{FF2B5EF4-FFF2-40B4-BE49-F238E27FC236}">
+                <a16:creationId xmlns:a16="http://schemas.microsoft.com/office/drawing/2014/main" id="{DEF5D357-FEF8-AA85-B163-078E72C723BF}"/>
+              </a:ext>
+            </a:extLst>
+          </p:cNvPr>
+          <p:cNvSpPr txBox="1"/>
+          <p:nvPr/>
+        </p:nvSpPr>
+        <p:spPr>
+          <a:xfrm>
+            <a:off x="111382" y="3420857"/>
+            <a:ext cx="4304373" cy="523220"/>
+          </a:xfrm>
+          <a:prstGeom prst="rect">
+            <a:avLst/>
+          </a:prstGeom>
+          <a:noFill/>
+        </p:spPr>
+        <p:txBody>
+          <a:bodyPr wrap="square">
+            <a:spAutoFit/>
+          </a:bodyPr>
+          <a:lstStyle/>
+          <a:p>
+            <a:r>
+              <a:rPr lang="en-US" altLang="zh-TW" sz="2800" b="1" i="1" u="none" strike="noStrike" dirty="0" err="1">
+                <a:solidFill>
+                  <a:srgbClr val="000000"/>
+                </a:solidFill>
+                <a:effectLst/>
+                <a:latin typeface="新細明體" panose="02020500000000000000" pitchFamily="18" charset="-120"/>
+                <a:ea typeface="新細明體" panose="02020500000000000000" pitchFamily="18" charset="-120"/>
+              </a:rPr>
+              <a:t>Anoplarchus</a:t>
+            </a:r>
+            <a:r>
+              <a:rPr lang="en-US" altLang="zh-TW" sz="2800" b="1" i="1" u="none" strike="noStrike" dirty="0">
+                <a:solidFill>
+                  <a:srgbClr val="000000"/>
+                </a:solidFill>
+                <a:effectLst/>
+                <a:latin typeface="新細明體" panose="02020500000000000000" pitchFamily="18" charset="-120"/>
+                <a:ea typeface="新細明體" panose="02020500000000000000" pitchFamily="18" charset="-120"/>
+              </a:rPr>
+              <a:t> </a:t>
+            </a:r>
+            <a:r>
+              <a:rPr lang="en-US" altLang="zh-TW" sz="2800" b="1" i="1" u="none" strike="noStrike" dirty="0" err="1">
+                <a:solidFill>
+                  <a:srgbClr val="000000"/>
+                </a:solidFill>
+                <a:effectLst/>
+                <a:latin typeface="新細明體" panose="02020500000000000000" pitchFamily="18" charset="-120"/>
+                <a:ea typeface="新細明體" panose="02020500000000000000" pitchFamily="18" charset="-120"/>
+              </a:rPr>
+              <a:t>purpurescens</a:t>
+            </a:r>
+            <a:endParaRPr lang="zh-TW" altLang="en-US" sz="2800" dirty="0"/>
+          </a:p>
+        </p:txBody>
+      </p:sp>
+      <p:sp>
+        <p:nvSpPr>
+          <p:cNvPr id="27" name="文字方塊 26">
+            <a:extLst>
+              <a:ext uri="{FF2B5EF4-FFF2-40B4-BE49-F238E27FC236}">
+                <a16:creationId xmlns:a16="http://schemas.microsoft.com/office/drawing/2014/main" id="{72967C8A-193D-4A9B-9E44-9FD00D4963B3}"/>
+              </a:ext>
+            </a:extLst>
+          </p:cNvPr>
+          <p:cNvSpPr txBox="1"/>
+          <p:nvPr/>
+        </p:nvSpPr>
+        <p:spPr>
+          <a:xfrm>
+            <a:off x="4761062" y="876865"/>
+            <a:ext cx="2308575" cy="646331"/>
+          </a:xfrm>
+          <a:prstGeom prst="rect">
+            <a:avLst/>
+          </a:prstGeom>
+          <a:noFill/>
+        </p:spPr>
+        <p:txBody>
+          <a:bodyPr wrap="square">
+            <a:spAutoFit/>
+          </a:bodyPr>
+          <a:lstStyle/>
+          <a:p>
+            <a:r>
+              <a:rPr lang="zh-TW" altLang="en-US" dirty="0">
+                <a:solidFill>
+                  <a:schemeClr val="accent1">
+                    <a:lumMod val="50000"/>
+                  </a:schemeClr>
+                </a:solidFill>
+              </a:rPr>
+              <a:t>chitinase domain-containing protein 1</a:t>
+            </a:r>
+          </a:p>
+        </p:txBody>
+      </p:sp>
+      <p:sp>
+        <p:nvSpPr>
+          <p:cNvPr id="28" name="文字方塊 27">
+            <a:extLst>
+              <a:ext uri="{FF2B5EF4-FFF2-40B4-BE49-F238E27FC236}">
+                <a16:creationId xmlns:a16="http://schemas.microsoft.com/office/drawing/2014/main" id="{E691FA84-BB1D-8D67-EEBF-F3EAE68240FF}"/>
+              </a:ext>
+            </a:extLst>
+          </p:cNvPr>
+          <p:cNvSpPr txBox="1"/>
+          <p:nvPr/>
+        </p:nvSpPr>
+        <p:spPr>
+          <a:xfrm>
+            <a:off x="4677170" y="3278216"/>
+            <a:ext cx="2308575" cy="646331"/>
+          </a:xfrm>
+          <a:prstGeom prst="rect">
+            <a:avLst/>
+          </a:prstGeom>
+          <a:noFill/>
+        </p:spPr>
+        <p:txBody>
+          <a:bodyPr wrap="square">
+            <a:spAutoFit/>
+          </a:bodyPr>
+          <a:lstStyle/>
+          <a:p>
+            <a:r>
+              <a:rPr lang="zh-TW" altLang="en-US" dirty="0">
+                <a:solidFill>
+                  <a:schemeClr val="accent1">
+                    <a:lumMod val="50000"/>
+                  </a:schemeClr>
+                </a:solidFill>
+              </a:rPr>
+              <a:t>chitinase domain-containing protein 1</a:t>
+            </a:r>
+          </a:p>
+        </p:txBody>
+      </p:sp>
+    </p:spTree>
+    <p:extLst>
+      <p:ext uri="{BB962C8B-B14F-4D97-AF65-F5344CB8AC3E}">
+        <p14:creationId xmlns:p14="http://schemas.microsoft.com/office/powerpoint/2010/main" val="3151945032"/>
+      </p:ext>
+    </p:extLst>
+  </p:cSld>
+  <p:clrMapOvr>
+    <a:masterClrMapping/>
+  </p:clrMapOvr>
+</p:sld>
+</file>
+
+<file path=ppt/slides/slide3.xml><?xml version="1.0" encoding="utf-8"?>
+<p:sld xmlns:a="http://schemas.openxmlformats.org/drawingml/2006/main" xmlns:r="http://schemas.openxmlformats.org/officeDocument/2006/relationships" xmlns:p="http://schemas.openxmlformats.org/presentationml/2006/main">
+  <p:cSld>
+    <p:spTree>
+      <p:nvGrpSpPr>
+        <p:cNvPr id="1" name=""/>
+        <p:cNvGrpSpPr/>
+        <p:nvPr/>
+      </p:nvGrpSpPr>
+      <p:grpSpPr>
+        <a:xfrm>
+          <a:off x="0" y="0"/>
+          <a:ext cx="0" cy="0"/>
+          <a:chOff x="0" y="0"/>
+          <a:chExt cx="0" cy="0"/>
+        </a:xfrm>
+      </p:grpSpPr>
+      <p:cxnSp>
+        <p:nvCxnSpPr>
+          <p:cNvPr id="4" name="直線接點 3">
+            <a:extLst>
+              <a:ext uri="{FF2B5EF4-FFF2-40B4-BE49-F238E27FC236}">
+                <a16:creationId xmlns:a16="http://schemas.microsoft.com/office/drawing/2014/main" id="{717C1884-CFB4-54EE-C1BB-E3B063B18556}"/>
+              </a:ext>
+            </a:extLst>
+          </p:cNvPr>
+          <p:cNvCxnSpPr>
+            <a:cxnSpLocks/>
+          </p:cNvCxnSpPr>
+          <p:nvPr/>
+        </p:nvCxnSpPr>
+        <p:spPr>
+          <a:xfrm>
+            <a:off x="3175816" y="2055926"/>
+            <a:ext cx="4076627" cy="6522"/>
+          </a:xfrm>
+          <a:prstGeom prst="line">
+            <a:avLst/>
+          </a:prstGeom>
+          <a:ln w="76200"/>
+        </p:spPr>
+        <p:style>
+          <a:lnRef idx="2">
+            <a:schemeClr val="dk1"/>
+          </a:lnRef>
+          <a:fillRef idx="0">
+            <a:schemeClr val="dk1"/>
+          </a:fillRef>
+          <a:effectRef idx="1">
+            <a:schemeClr val="dk1"/>
+          </a:effectRef>
+          <a:fontRef idx="minor">
+            <a:schemeClr val="tx1"/>
+          </a:fontRef>
+        </p:style>
+      </p:cxnSp>
+      <p:sp>
+        <p:nvSpPr>
+          <p:cNvPr id="5" name="文字方塊 4">
+            <a:extLst>
+              <a:ext uri="{FF2B5EF4-FFF2-40B4-BE49-F238E27FC236}">
+                <a16:creationId xmlns:a16="http://schemas.microsoft.com/office/drawing/2014/main" id="{EF3E1C7F-4F4B-A629-88CA-661F821DB5A9}"/>
+              </a:ext>
+            </a:extLst>
+          </p:cNvPr>
+          <p:cNvSpPr txBox="1"/>
+          <p:nvPr/>
+        </p:nvSpPr>
+        <p:spPr>
+          <a:xfrm>
+            <a:off x="1246973" y="1857120"/>
+            <a:ext cx="1652394" cy="1015663"/>
+          </a:xfrm>
+          <a:prstGeom prst="rect">
+            <a:avLst/>
+          </a:prstGeom>
+          <a:noFill/>
+        </p:spPr>
+        <p:txBody>
+          <a:bodyPr wrap="square">
+            <a:spAutoFit/>
+          </a:bodyPr>
+          <a:lstStyle/>
+          <a:p>
+            <a:r>
+              <a:rPr lang="zh-TW" altLang="en-US" sz="2000" dirty="0"/>
+              <a:t>ntLink_69 </a:t>
+            </a:r>
+            <a:r>
+              <a:rPr lang="en-US" altLang="zh-TW" sz="2000" dirty="0"/>
+              <a:t>and </a:t>
+            </a:r>
+            <a:r>
+              <a:rPr lang="zh-TW" altLang="en-US" sz="2000" dirty="0"/>
+              <a:t>ntLink_</a:t>
+            </a:r>
+            <a:r>
+              <a:rPr lang="en-US" altLang="zh-TW" sz="2000" dirty="0"/>
+              <a:t>58</a:t>
+            </a:r>
+            <a:endParaRPr lang="zh-TW" altLang="en-US" sz="2000" dirty="0"/>
+          </a:p>
+        </p:txBody>
+      </p:sp>
+      <p:sp>
+        <p:nvSpPr>
+          <p:cNvPr id="6" name="箭號: 向左 5">
+            <a:extLst>
+              <a:ext uri="{FF2B5EF4-FFF2-40B4-BE49-F238E27FC236}">
+                <a16:creationId xmlns:a16="http://schemas.microsoft.com/office/drawing/2014/main" id="{76D85DD0-9DB8-1F48-868B-70C2DF1222D1}"/>
+              </a:ext>
+            </a:extLst>
+          </p:cNvPr>
+          <p:cNvSpPr/>
+          <p:nvPr/>
+        </p:nvSpPr>
+        <p:spPr>
+          <a:xfrm rot="10800000">
+            <a:off x="4702892" y="1871261"/>
+            <a:ext cx="551834" cy="369329"/>
+          </a:xfrm>
+          <a:prstGeom prst="leftArrow">
             <a:avLst/>
           </a:prstGeom>
         </p:spPr>
@@ -5532,85 +6043,10 @@
       </p:sp>
       <p:sp>
         <p:nvSpPr>
-          <p:cNvPr id="47" name="文字方塊 46">
-            <a:extLst>
-              <a:ext uri="{FF2B5EF4-FFF2-40B4-BE49-F238E27FC236}">
-                <a16:creationId xmlns:a16="http://schemas.microsoft.com/office/drawing/2014/main" id="{EAA0E650-9F91-7DA5-BCEE-7ECFD7320D60}"/>
-              </a:ext>
-            </a:extLst>
-          </p:cNvPr>
-          <p:cNvSpPr txBox="1"/>
-          <p:nvPr/>
-        </p:nvSpPr>
-        <p:spPr>
-          <a:xfrm>
-            <a:off x="2628290" y="2858637"/>
-            <a:ext cx="1730477" cy="369324"/>
-          </a:xfrm>
-          <a:prstGeom prst="rect">
-            <a:avLst/>
-          </a:prstGeom>
-          <a:noFill/>
-        </p:spPr>
-        <p:txBody>
-          <a:bodyPr wrap="square">
-            <a:spAutoFit/>
-          </a:bodyPr>
-          <a:lstStyle/>
-          <a:p>
-            <a:r>
-              <a:rPr lang="zh-TW" altLang="en-US" dirty="0"/>
-              <a:t>GENE_1</a:t>
-            </a:r>
-            <a:r>
-              <a:rPr lang="en-US" altLang="zh-TW" dirty="0"/>
-              <a:t>093</a:t>
-            </a:r>
-            <a:endParaRPr lang="zh-TW" altLang="en-US" dirty="0"/>
-          </a:p>
-        </p:txBody>
-      </p:sp>
-      <p:sp>
-        <p:nvSpPr>
-          <p:cNvPr id="49" name="文字方塊 48">
-            <a:extLst>
-              <a:ext uri="{FF2B5EF4-FFF2-40B4-BE49-F238E27FC236}">
-                <a16:creationId xmlns:a16="http://schemas.microsoft.com/office/drawing/2014/main" id="{C11F1930-9C7B-7C6F-B960-682E159B71A4}"/>
-              </a:ext>
-            </a:extLst>
-          </p:cNvPr>
-          <p:cNvSpPr txBox="1"/>
-          <p:nvPr/>
-        </p:nvSpPr>
-        <p:spPr>
-          <a:xfrm>
-            <a:off x="4497036" y="2824007"/>
-            <a:ext cx="1484671" cy="369332"/>
-          </a:xfrm>
-          <a:prstGeom prst="rect">
-            <a:avLst/>
-          </a:prstGeom>
-          <a:noFill/>
-        </p:spPr>
-        <p:txBody>
-          <a:bodyPr wrap="square">
-            <a:spAutoFit/>
-          </a:bodyPr>
-          <a:lstStyle/>
-          <a:p>
-            <a:r>
-              <a:rPr lang="zh-TW" altLang="en-US" dirty="0"/>
-              <a:t>GENE_19704</a:t>
-            </a:r>
-          </a:p>
-        </p:txBody>
-      </p:sp>
-      <p:sp>
-        <p:nvSpPr>
-          <p:cNvPr id="50" name="箭號: 向左 49">
-            <a:extLst>
-              <a:ext uri="{FF2B5EF4-FFF2-40B4-BE49-F238E27FC236}">
-                <a16:creationId xmlns:a16="http://schemas.microsoft.com/office/drawing/2014/main" id="{CB743203-6979-7004-FC49-02BD0D00AED1}"/>
+          <p:cNvPr id="7" name="箭號: 向左 6">
+            <a:extLst>
+              <a:ext uri="{FF2B5EF4-FFF2-40B4-BE49-F238E27FC236}">
+                <a16:creationId xmlns:a16="http://schemas.microsoft.com/office/drawing/2014/main" id="{3CA36FD0-604C-06DC-81D5-C0A8C686AB1A}"/>
               </a:ext>
             </a:extLst>
           </p:cNvPr>
@@ -5618,8 +6054,8 @@
           <p:nvPr/>
         </p:nvSpPr>
         <p:spPr>
-          <a:xfrm rot="10800000">
-            <a:off x="4767118" y="3407929"/>
+          <a:xfrm>
+            <a:off x="5307580" y="1871260"/>
             <a:ext cx="551834" cy="369329"/>
           </a:xfrm>
           <a:prstGeom prst="leftArrow">
@@ -5653,10 +6089,54 @@
       </p:sp>
       <p:sp>
         <p:nvSpPr>
-          <p:cNvPr id="52" name="文字方塊 51">
-            <a:extLst>
-              <a:ext uri="{FF2B5EF4-FFF2-40B4-BE49-F238E27FC236}">
-                <a16:creationId xmlns:a16="http://schemas.microsoft.com/office/drawing/2014/main" id="{19A7055E-C318-6BE1-FFAB-61B50D3B1672}"/>
+          <p:cNvPr id="8" name="箭號: 向左 7">
+            <a:extLst>
+              <a:ext uri="{FF2B5EF4-FFF2-40B4-BE49-F238E27FC236}">
+                <a16:creationId xmlns:a16="http://schemas.microsoft.com/office/drawing/2014/main" id="{34DF16A1-033C-A6E7-D005-9000A353CC94}"/>
+              </a:ext>
+            </a:extLst>
+          </p:cNvPr>
+          <p:cNvSpPr/>
+          <p:nvPr/>
+        </p:nvSpPr>
+        <p:spPr>
+          <a:xfrm rot="10800000">
+            <a:off x="6142096" y="1865303"/>
+            <a:ext cx="551834" cy="369329"/>
+          </a:xfrm>
+          <a:prstGeom prst="leftArrow">
+            <a:avLst/>
+          </a:prstGeom>
+        </p:spPr>
+        <p:style>
+          <a:lnRef idx="1">
+            <a:schemeClr val="accent2"/>
+          </a:lnRef>
+          <a:fillRef idx="2">
+            <a:schemeClr val="accent2"/>
+          </a:fillRef>
+          <a:effectRef idx="1">
+            <a:schemeClr val="accent2"/>
+          </a:effectRef>
+          <a:fontRef idx="minor">
+            <a:schemeClr val="dk1"/>
+          </a:fontRef>
+        </p:style>
+        <p:txBody>
+          <a:bodyPr rtlCol="0" anchor="ctr"/>
+          <a:lstStyle/>
+          <a:p>
+            <a:pPr algn="ctr"/>
+            <a:endParaRPr lang="zh-TW" altLang="en-US" dirty="0"/>
+          </a:p>
+        </p:txBody>
+      </p:sp>
+      <p:sp>
+        <p:nvSpPr>
+          <p:cNvPr id="9" name="文字方塊 8">
+            <a:extLst>
+              <a:ext uri="{FF2B5EF4-FFF2-40B4-BE49-F238E27FC236}">
+                <a16:creationId xmlns:a16="http://schemas.microsoft.com/office/drawing/2014/main" id="{A4B6F881-B9E3-CA88-8F76-B732F1F2A132}"/>
               </a:ext>
             </a:extLst>
           </p:cNvPr>
@@ -5665,8 +6145,8 @@
         </p:nvSpPr>
         <p:spPr>
           <a:xfrm>
-            <a:off x="6225974" y="2860778"/>
-            <a:ext cx="1679789" cy="369324"/>
+            <a:off x="5783673" y="2413337"/>
+            <a:ext cx="1993637" cy="738664"/>
           </a:xfrm>
           <a:prstGeom prst="rect">
             <a:avLst/>
@@ -5680,18 +6160,33 @@
           <a:lstStyle/>
           <a:p>
             <a:r>
-              <a:rPr lang="zh-TW" altLang="en-US" dirty="0"/>
-              <a:t>GENE_19705</a:t>
-            </a:r>
-          </a:p>
-        </p:txBody>
-      </p:sp>
-      <p:sp>
-        <p:nvSpPr>
-          <p:cNvPr id="55" name="矩形 54">
-            <a:extLst>
-              <a:ext uri="{FF2B5EF4-FFF2-40B4-BE49-F238E27FC236}">
-                <a16:creationId xmlns:a16="http://schemas.microsoft.com/office/drawing/2014/main" id="{79821A62-30D0-B03C-FB04-99B92D372C42}"/>
+              <a:rPr lang="en-US" altLang="zh-TW" sz="1400" dirty="0">
+                <a:solidFill>
+                  <a:schemeClr val="accent2">
+                    <a:lumMod val="60000"/>
+                    <a:lumOff val="40000"/>
+                  </a:schemeClr>
+                </a:solidFill>
+              </a:rPr>
+              <a:t>g14868.t1, leucine-rich repeat neuronal protein 2-like </a:t>
+            </a:r>
+            <a:endParaRPr lang="zh-TW" altLang="en-US" sz="1400" dirty="0">
+              <a:solidFill>
+                <a:schemeClr val="accent2">
+                  <a:lumMod val="60000"/>
+                  <a:lumOff val="40000"/>
+                </a:schemeClr>
+              </a:solidFill>
+            </a:endParaRPr>
+          </a:p>
+        </p:txBody>
+      </p:sp>
+      <p:sp>
+        <p:nvSpPr>
+          <p:cNvPr id="10" name="箭號: 向左 9">
+            <a:extLst>
+              <a:ext uri="{FF2B5EF4-FFF2-40B4-BE49-F238E27FC236}">
+                <a16:creationId xmlns:a16="http://schemas.microsoft.com/office/drawing/2014/main" id="{19D76DAE-1D10-893B-6FCC-85A6D3C44644}"/>
               </a:ext>
             </a:extLst>
           </p:cNvPr>
@@ -5699,11 +6194,263 @@
           <p:nvPr/>
         </p:nvSpPr>
         <p:spPr>
-          <a:xfrm>
-            <a:off x="6742494" y="3460930"/>
-            <a:ext cx="551834" cy="282992"/>
+          <a:xfrm rot="10800000">
+            <a:off x="3851946" y="1865303"/>
+            <a:ext cx="551834" cy="369329"/>
+          </a:xfrm>
+          <a:prstGeom prst="leftArrow">
+            <a:avLst/>
+          </a:prstGeom>
+        </p:spPr>
+        <p:style>
+          <a:lnRef idx="1">
+            <a:schemeClr val="accent2"/>
+          </a:lnRef>
+          <a:fillRef idx="2">
+            <a:schemeClr val="accent2"/>
+          </a:fillRef>
+          <a:effectRef idx="1">
+            <a:schemeClr val="accent2"/>
+          </a:effectRef>
+          <a:fontRef idx="minor">
+            <a:schemeClr val="dk1"/>
+          </a:fontRef>
+        </p:style>
+        <p:txBody>
+          <a:bodyPr rtlCol="0" anchor="ctr"/>
+          <a:lstStyle/>
+          <a:p>
+            <a:pPr algn="ctr"/>
+            <a:endParaRPr lang="zh-TW" altLang="en-US" dirty="0"/>
+          </a:p>
+        </p:txBody>
+      </p:sp>
+      <p:sp>
+        <p:nvSpPr>
+          <p:cNvPr id="11" name="文字方塊 10">
+            <a:extLst>
+              <a:ext uri="{FF2B5EF4-FFF2-40B4-BE49-F238E27FC236}">
+                <a16:creationId xmlns:a16="http://schemas.microsoft.com/office/drawing/2014/main" id="{28E10D5C-D6C0-CEB3-B56C-21242941D718}"/>
+              </a:ext>
+            </a:extLst>
+          </p:cNvPr>
+          <p:cNvSpPr txBox="1"/>
+          <p:nvPr/>
+        </p:nvSpPr>
+        <p:spPr>
+          <a:xfrm>
+            <a:off x="3493524" y="2413337"/>
+            <a:ext cx="1761204" cy="1015663"/>
           </a:xfrm>
           <a:prstGeom prst="rect">
+            <a:avLst/>
+          </a:prstGeom>
+          <a:noFill/>
+        </p:spPr>
+        <p:txBody>
+          <a:bodyPr wrap="square">
+            <a:spAutoFit/>
+          </a:bodyPr>
+          <a:lstStyle/>
+          <a:p>
+            <a:r>
+              <a:rPr lang="en-US" altLang="zh-TW" sz="1200" dirty="0">
+                <a:solidFill>
+                  <a:schemeClr val="accent2">
+                    <a:lumMod val="60000"/>
+                    <a:lumOff val="40000"/>
+                  </a:schemeClr>
+                </a:solidFill>
+              </a:rPr>
+              <a:t>g14865.t1, sodium- and chloride-dependent neutral and basic amino acid transporter B(0+)</a:t>
+            </a:r>
+            <a:endParaRPr lang="zh-TW" altLang="en-US" sz="1200" dirty="0">
+              <a:solidFill>
+                <a:schemeClr val="accent2">
+                  <a:lumMod val="60000"/>
+                  <a:lumOff val="40000"/>
+                </a:schemeClr>
+              </a:solidFill>
+            </a:endParaRPr>
+          </a:p>
+        </p:txBody>
+      </p:sp>
+      <p:sp>
+        <p:nvSpPr>
+          <p:cNvPr id="13" name="文字方塊 12">
+            <a:extLst>
+              <a:ext uri="{FF2B5EF4-FFF2-40B4-BE49-F238E27FC236}">
+                <a16:creationId xmlns:a16="http://schemas.microsoft.com/office/drawing/2014/main" id="{6C5D7850-FCB9-1FFA-0FC2-01D502EDD8AA}"/>
+              </a:ext>
+            </a:extLst>
+          </p:cNvPr>
+          <p:cNvSpPr txBox="1"/>
+          <p:nvPr/>
+        </p:nvSpPr>
+        <p:spPr>
+          <a:xfrm>
+            <a:off x="656156" y="1139261"/>
+            <a:ext cx="2753033" cy="523220"/>
+          </a:xfrm>
+          <a:prstGeom prst="rect">
+            <a:avLst/>
+          </a:prstGeom>
+          <a:noFill/>
+        </p:spPr>
+        <p:txBody>
+          <a:bodyPr wrap="square">
+            <a:spAutoFit/>
+          </a:bodyPr>
+          <a:lstStyle/>
+          <a:p>
+            <a:r>
+              <a:rPr lang="en-US" altLang="zh-TW" sz="2800" b="1" i="1" u="none" strike="noStrike" dirty="0" err="1">
+                <a:solidFill>
+                  <a:srgbClr val="000000"/>
+                </a:solidFill>
+                <a:effectLst/>
+                <a:latin typeface="新細明體" panose="02020500000000000000" pitchFamily="18" charset="-120"/>
+                <a:ea typeface="新細明體" panose="02020500000000000000" pitchFamily="18" charset="-120"/>
+              </a:rPr>
+              <a:t>Phytichthys</a:t>
+            </a:r>
+            <a:r>
+              <a:rPr lang="en-US" altLang="zh-TW" sz="2800" b="1" i="1" u="none" strike="noStrike" dirty="0">
+                <a:solidFill>
+                  <a:srgbClr val="000000"/>
+                </a:solidFill>
+                <a:effectLst/>
+                <a:latin typeface="新細明體" panose="02020500000000000000" pitchFamily="18" charset="-120"/>
+                <a:ea typeface="新細明體" panose="02020500000000000000" pitchFamily="18" charset="-120"/>
+              </a:rPr>
+              <a:t> chirus</a:t>
+            </a:r>
+            <a:endParaRPr lang="zh-TW" altLang="en-US" sz="2800" dirty="0"/>
+          </a:p>
+        </p:txBody>
+      </p:sp>
+      <p:sp>
+        <p:nvSpPr>
+          <p:cNvPr id="14" name="文字方塊 13">
+            <a:extLst>
+              <a:ext uri="{FF2B5EF4-FFF2-40B4-BE49-F238E27FC236}">
+                <a16:creationId xmlns:a16="http://schemas.microsoft.com/office/drawing/2014/main" id="{27031E15-9473-D949-6884-280FA3018492}"/>
+              </a:ext>
+            </a:extLst>
+          </p:cNvPr>
+          <p:cNvSpPr txBox="1"/>
+          <p:nvPr/>
+        </p:nvSpPr>
+        <p:spPr>
+          <a:xfrm>
+            <a:off x="111382" y="3420857"/>
+            <a:ext cx="4304373" cy="523220"/>
+          </a:xfrm>
+          <a:prstGeom prst="rect">
+            <a:avLst/>
+          </a:prstGeom>
+          <a:noFill/>
+        </p:spPr>
+        <p:txBody>
+          <a:bodyPr wrap="square">
+            <a:spAutoFit/>
+          </a:bodyPr>
+          <a:lstStyle/>
+          <a:p>
+            <a:r>
+              <a:rPr lang="en-US" altLang="zh-TW" sz="2800" b="1" i="1" u="none" strike="noStrike" dirty="0" err="1">
+                <a:solidFill>
+                  <a:srgbClr val="000000"/>
+                </a:solidFill>
+                <a:effectLst/>
+                <a:latin typeface="新細明體" panose="02020500000000000000" pitchFamily="18" charset="-120"/>
+                <a:ea typeface="新細明體" panose="02020500000000000000" pitchFamily="18" charset="-120"/>
+              </a:rPr>
+              <a:t>Anoplarchus</a:t>
+            </a:r>
+            <a:r>
+              <a:rPr lang="en-US" altLang="zh-TW" sz="2800" b="1" i="1" u="none" strike="noStrike" dirty="0">
+                <a:solidFill>
+                  <a:srgbClr val="000000"/>
+                </a:solidFill>
+                <a:effectLst/>
+                <a:latin typeface="新細明體" panose="02020500000000000000" pitchFamily="18" charset="-120"/>
+                <a:ea typeface="新細明體" panose="02020500000000000000" pitchFamily="18" charset="-120"/>
+              </a:rPr>
+              <a:t> </a:t>
+            </a:r>
+            <a:r>
+              <a:rPr lang="en-US" altLang="zh-TW" sz="2800" b="1" i="1" u="none" strike="noStrike" dirty="0" err="1">
+                <a:solidFill>
+                  <a:srgbClr val="000000"/>
+                </a:solidFill>
+                <a:effectLst/>
+                <a:latin typeface="新細明體" panose="02020500000000000000" pitchFamily="18" charset="-120"/>
+                <a:ea typeface="新細明體" panose="02020500000000000000" pitchFamily="18" charset="-120"/>
+              </a:rPr>
+              <a:t>purpurescens</a:t>
+            </a:r>
+            <a:endParaRPr lang="zh-TW" altLang="en-US" sz="2800" dirty="0"/>
+          </a:p>
+        </p:txBody>
+      </p:sp>
+      <p:cxnSp>
+        <p:nvCxnSpPr>
+          <p:cNvPr id="15" name="直線接點 14">
+            <a:extLst>
+              <a:ext uri="{FF2B5EF4-FFF2-40B4-BE49-F238E27FC236}">
+                <a16:creationId xmlns:a16="http://schemas.microsoft.com/office/drawing/2014/main" id="{416AFBF8-24FE-6980-D5AC-03E569D9D43F}"/>
+              </a:ext>
+            </a:extLst>
+          </p:cNvPr>
+          <p:cNvCxnSpPr>
+            <a:cxnSpLocks/>
+          </p:cNvCxnSpPr>
+          <p:nvPr/>
+        </p:nvCxnSpPr>
+        <p:spPr>
+          <a:xfrm>
+            <a:off x="3008671" y="4861993"/>
+            <a:ext cx="9100695" cy="46169"/>
+          </a:xfrm>
+          <a:prstGeom prst="line">
+            <a:avLst/>
+          </a:prstGeom>
+          <a:ln w="76200"/>
+        </p:spPr>
+        <p:style>
+          <a:lnRef idx="2">
+            <a:schemeClr val="dk1"/>
+          </a:lnRef>
+          <a:fillRef idx="0">
+            <a:schemeClr val="dk1"/>
+          </a:fillRef>
+          <a:effectRef idx="1">
+            <a:schemeClr val="dk1"/>
+          </a:effectRef>
+          <a:fontRef idx="minor">
+            <a:schemeClr val="tx1"/>
+          </a:fontRef>
+        </p:style>
+      </p:cxnSp>
+      <p:sp>
+        <p:nvSpPr>
+          <p:cNvPr id="16" name="箭號: 向左 15">
+            <a:extLst>
+              <a:ext uri="{FF2B5EF4-FFF2-40B4-BE49-F238E27FC236}">
+                <a16:creationId xmlns:a16="http://schemas.microsoft.com/office/drawing/2014/main" id="{94F52691-BE4E-05E3-F90B-E47B56BE35EE}"/>
+              </a:ext>
+            </a:extLst>
+          </p:cNvPr>
+          <p:cNvSpPr/>
+          <p:nvPr/>
+        </p:nvSpPr>
+        <p:spPr>
+          <a:xfrm rot="10800000">
+            <a:off x="4663566" y="4683287"/>
+            <a:ext cx="551834" cy="369329"/>
+          </a:xfrm>
+          <a:prstGeom prst="leftArrow">
             <a:avLst/>
           </a:prstGeom>
         </p:spPr>
@@ -5734,45 +6481,10 @@
       </p:sp>
       <p:sp>
         <p:nvSpPr>
-          <p:cNvPr id="57" name="文字方塊 56">
-            <a:extLst>
-              <a:ext uri="{FF2B5EF4-FFF2-40B4-BE49-F238E27FC236}">
-                <a16:creationId xmlns:a16="http://schemas.microsoft.com/office/drawing/2014/main" id="{81551DB3-E853-C139-58B5-806712B54CEA}"/>
-              </a:ext>
-            </a:extLst>
-          </p:cNvPr>
-          <p:cNvSpPr txBox="1"/>
-          <p:nvPr/>
-        </p:nvSpPr>
-        <p:spPr>
-          <a:xfrm>
-            <a:off x="8061211" y="2894525"/>
-            <a:ext cx="1490526" cy="369332"/>
-          </a:xfrm>
-          <a:prstGeom prst="rect">
-            <a:avLst/>
-          </a:prstGeom>
-          <a:noFill/>
-        </p:spPr>
-        <p:txBody>
-          <a:bodyPr wrap="square">
-            <a:spAutoFit/>
-          </a:bodyPr>
-          <a:lstStyle/>
-          <a:p>
-            <a:r>
-              <a:rPr lang="zh-TW" altLang="en-US" dirty="0"/>
-              <a:t>GENE_20492</a:t>
-            </a:r>
-          </a:p>
-        </p:txBody>
-      </p:sp>
-      <p:sp>
-        <p:nvSpPr>
-          <p:cNvPr id="58" name="箭號: 向左 57">
-            <a:extLst>
-              <a:ext uri="{FF2B5EF4-FFF2-40B4-BE49-F238E27FC236}">
-                <a16:creationId xmlns:a16="http://schemas.microsoft.com/office/drawing/2014/main" id="{B23A85D5-676F-5CAB-181A-9D5B73D9EC57}"/>
+          <p:cNvPr id="17" name="箭號: 向左 16">
+            <a:extLst>
+              <a:ext uri="{FF2B5EF4-FFF2-40B4-BE49-F238E27FC236}">
+                <a16:creationId xmlns:a16="http://schemas.microsoft.com/office/drawing/2014/main" id="{C2E0A7E9-F587-D60A-28E6-BE58C7CE045C}"/>
               </a:ext>
             </a:extLst>
           </p:cNvPr>
@@ -5780,8 +6492,8 @@
           <p:nvPr/>
         </p:nvSpPr>
         <p:spPr>
-          <a:xfrm rot="10800000">
-            <a:off x="8530557" y="3417761"/>
+          <a:xfrm>
+            <a:off x="5268254" y="4683286"/>
             <a:ext cx="551834" cy="369329"/>
           </a:xfrm>
           <a:prstGeom prst="leftArrow">
@@ -5815,10 +6527,54 @@
       </p:sp>
       <p:sp>
         <p:nvSpPr>
-          <p:cNvPr id="60" name="文字方塊 59">
-            <a:extLst>
-              <a:ext uri="{FF2B5EF4-FFF2-40B4-BE49-F238E27FC236}">
-                <a16:creationId xmlns:a16="http://schemas.microsoft.com/office/drawing/2014/main" id="{3A9CAA79-936D-AD9B-2FF7-AF49571FFAEE}"/>
+          <p:cNvPr id="18" name="箭號: 向左 17">
+            <a:extLst>
+              <a:ext uri="{FF2B5EF4-FFF2-40B4-BE49-F238E27FC236}">
+                <a16:creationId xmlns:a16="http://schemas.microsoft.com/office/drawing/2014/main" id="{146EB5BA-0DA2-0926-366A-39A49C19C906}"/>
+              </a:ext>
+            </a:extLst>
+          </p:cNvPr>
+          <p:cNvSpPr/>
+          <p:nvPr/>
+        </p:nvSpPr>
+        <p:spPr>
+          <a:xfrm>
+            <a:off x="6102770" y="4677329"/>
+            <a:ext cx="551834" cy="369329"/>
+          </a:xfrm>
+          <a:prstGeom prst="leftArrow">
+            <a:avLst/>
+          </a:prstGeom>
+        </p:spPr>
+        <p:style>
+          <a:lnRef idx="1">
+            <a:schemeClr val="accent2"/>
+          </a:lnRef>
+          <a:fillRef idx="2">
+            <a:schemeClr val="accent2"/>
+          </a:fillRef>
+          <a:effectRef idx="1">
+            <a:schemeClr val="accent2"/>
+          </a:effectRef>
+          <a:fontRef idx="minor">
+            <a:schemeClr val="dk1"/>
+          </a:fontRef>
+        </p:style>
+        <p:txBody>
+          <a:bodyPr rtlCol="0" anchor="ctr"/>
+          <a:lstStyle/>
+          <a:p>
+            <a:pPr algn="ctr"/>
+            <a:endParaRPr lang="zh-TW" altLang="en-US" dirty="0"/>
+          </a:p>
+        </p:txBody>
+      </p:sp>
+      <p:sp>
+        <p:nvSpPr>
+          <p:cNvPr id="19" name="文字方塊 18">
+            <a:extLst>
+              <a:ext uri="{FF2B5EF4-FFF2-40B4-BE49-F238E27FC236}">
+                <a16:creationId xmlns:a16="http://schemas.microsoft.com/office/drawing/2014/main" id="{5EF820D1-5F26-01BE-8A41-1F02171F0B77}"/>
               </a:ext>
             </a:extLst>
           </p:cNvPr>
@@ -5827,8 +6583,8 @@
         </p:nvSpPr>
         <p:spPr>
           <a:xfrm>
-            <a:off x="9705599" y="2894521"/>
-            <a:ext cx="1504468" cy="369332"/>
+            <a:off x="5512838" y="5231867"/>
+            <a:ext cx="3016193" cy="738664"/>
           </a:xfrm>
           <a:prstGeom prst="rect">
             <a:avLst/>
@@ -5842,18 +6598,33 @@
           <a:lstStyle/>
           <a:p>
             <a:r>
-              <a:rPr lang="zh-TW" altLang="en-US" dirty="0"/>
-              <a:t>GENE_6634</a:t>
-            </a:r>
-          </a:p>
-        </p:txBody>
-      </p:sp>
-      <p:sp>
-        <p:nvSpPr>
-          <p:cNvPr id="61" name="矩形 60">
-            <a:extLst>
-              <a:ext uri="{FF2B5EF4-FFF2-40B4-BE49-F238E27FC236}">
-                <a16:creationId xmlns:a16="http://schemas.microsoft.com/office/drawing/2014/main" id="{B21554D2-33CA-7C60-DFCB-CF7A4DE4D015}"/>
+              <a:rPr lang="en-US" altLang="zh-TW" sz="1400" dirty="0">
+                <a:solidFill>
+                  <a:schemeClr val="accent2">
+                    <a:lumMod val="60000"/>
+                    <a:lumOff val="40000"/>
+                  </a:schemeClr>
+                </a:solidFill>
+              </a:rPr>
+              <a:t>sodium- and chloride-dependent neutral and basic amino acid transporter B(0+) </a:t>
+            </a:r>
+            <a:endParaRPr lang="zh-TW" altLang="en-US" sz="1400" dirty="0">
+              <a:solidFill>
+                <a:schemeClr val="accent2">
+                  <a:lumMod val="60000"/>
+                  <a:lumOff val="40000"/>
+                </a:schemeClr>
+              </a:solidFill>
+            </a:endParaRPr>
+          </a:p>
+        </p:txBody>
+      </p:sp>
+      <p:sp>
+        <p:nvSpPr>
+          <p:cNvPr id="20" name="箭號: 向左 19">
+            <a:extLst>
+              <a:ext uri="{FF2B5EF4-FFF2-40B4-BE49-F238E27FC236}">
+                <a16:creationId xmlns:a16="http://schemas.microsoft.com/office/drawing/2014/main" id="{4C40E647-955E-2EFB-8E0F-0274F2420149}"/>
               </a:ext>
             </a:extLst>
           </p:cNvPr>
@@ -5862,10 +6633,275 @@
         </p:nvSpPr>
         <p:spPr>
           <a:xfrm>
-            <a:off x="10418962" y="3451098"/>
-            <a:ext cx="551834" cy="282992"/>
+            <a:off x="3812620" y="4677329"/>
+            <a:ext cx="551834" cy="369329"/>
+          </a:xfrm>
+          <a:prstGeom prst="leftArrow">
+            <a:avLst/>
+          </a:prstGeom>
+        </p:spPr>
+        <p:style>
+          <a:lnRef idx="1">
+            <a:schemeClr val="accent2"/>
+          </a:lnRef>
+          <a:fillRef idx="2">
+            <a:schemeClr val="accent2"/>
+          </a:fillRef>
+          <a:effectRef idx="1">
+            <a:schemeClr val="accent2"/>
+          </a:effectRef>
+          <a:fontRef idx="minor">
+            <a:schemeClr val="dk1"/>
+          </a:fontRef>
+        </p:style>
+        <p:txBody>
+          <a:bodyPr rtlCol="0" anchor="ctr"/>
+          <a:lstStyle/>
+          <a:p>
+            <a:pPr algn="ctr"/>
+            <a:endParaRPr lang="zh-TW" altLang="en-US" dirty="0"/>
+          </a:p>
+        </p:txBody>
+      </p:sp>
+      <p:sp>
+        <p:nvSpPr>
+          <p:cNvPr id="21" name="文字方塊 20">
+            <a:extLst>
+              <a:ext uri="{FF2B5EF4-FFF2-40B4-BE49-F238E27FC236}">
+                <a16:creationId xmlns:a16="http://schemas.microsoft.com/office/drawing/2014/main" id="{D324EDA7-F5E5-3D93-2893-4E2F1A760E3F}"/>
+              </a:ext>
+            </a:extLst>
+          </p:cNvPr>
+          <p:cNvSpPr txBox="1"/>
+          <p:nvPr/>
+        </p:nvSpPr>
+        <p:spPr>
+          <a:xfrm>
+            <a:off x="3454198" y="5225363"/>
+            <a:ext cx="1761204" cy="738664"/>
           </a:xfrm>
           <a:prstGeom prst="rect">
+            <a:avLst/>
+          </a:prstGeom>
+          <a:noFill/>
+        </p:spPr>
+        <p:txBody>
+          <a:bodyPr wrap="square">
+            <a:spAutoFit/>
+          </a:bodyPr>
+          <a:lstStyle/>
+          <a:p>
+            <a:r>
+              <a:rPr lang="en-US" altLang="zh-TW" sz="1400" dirty="0">
+                <a:solidFill>
+                  <a:schemeClr val="accent2">
+                    <a:lumMod val="60000"/>
+                    <a:lumOff val="40000"/>
+                  </a:schemeClr>
+                </a:solidFill>
+              </a:rPr>
+              <a:t>leucine-rich repeat neuronal protein 2-like</a:t>
+            </a:r>
+            <a:endParaRPr lang="zh-TW" altLang="en-US" sz="1400" dirty="0">
+              <a:solidFill>
+                <a:schemeClr val="accent2">
+                  <a:lumMod val="60000"/>
+                  <a:lumOff val="40000"/>
+                </a:schemeClr>
+              </a:solidFill>
+            </a:endParaRPr>
+          </a:p>
+        </p:txBody>
+      </p:sp>
+      <p:sp>
+        <p:nvSpPr>
+          <p:cNvPr id="22" name="文字方塊 21">
+            <a:extLst>
+              <a:ext uri="{FF2B5EF4-FFF2-40B4-BE49-F238E27FC236}">
+                <a16:creationId xmlns:a16="http://schemas.microsoft.com/office/drawing/2014/main" id="{BFB6A4F8-BF74-3C9B-90F1-108972782E8C}"/>
+              </a:ext>
+            </a:extLst>
+          </p:cNvPr>
+          <p:cNvSpPr txBox="1"/>
+          <p:nvPr/>
+        </p:nvSpPr>
+        <p:spPr>
+          <a:xfrm>
+            <a:off x="4038374" y="4308704"/>
+            <a:ext cx="2702791" cy="338554"/>
+          </a:xfrm>
+          <a:prstGeom prst="rect">
+            <a:avLst/>
+          </a:prstGeom>
+          <a:noFill/>
+        </p:spPr>
+        <p:txBody>
+          <a:bodyPr wrap="square">
+            <a:spAutoFit/>
+          </a:bodyPr>
+          <a:lstStyle/>
+          <a:p>
+            <a:r>
+              <a:rPr lang="en-US" altLang="zh-TW" sz="1600" dirty="0">
+                <a:solidFill>
+                  <a:schemeClr val="accent1">
+                    <a:lumMod val="50000"/>
+                  </a:schemeClr>
+                </a:solidFill>
+              </a:rPr>
+              <a:t>acidic mammalian chitinase</a:t>
+            </a:r>
+            <a:endParaRPr lang="zh-TW" altLang="en-US" sz="1600" dirty="0">
+              <a:solidFill>
+                <a:schemeClr val="accent1">
+                  <a:lumMod val="50000"/>
+                </a:schemeClr>
+              </a:solidFill>
+            </a:endParaRPr>
+          </a:p>
+        </p:txBody>
+      </p:sp>
+      <p:sp>
+        <p:nvSpPr>
+          <p:cNvPr id="23" name="文字方塊 22">
+            <a:extLst>
+              <a:ext uri="{FF2B5EF4-FFF2-40B4-BE49-F238E27FC236}">
+                <a16:creationId xmlns:a16="http://schemas.microsoft.com/office/drawing/2014/main" id="{C0D5873A-E2DA-A668-AE73-550F3482EE9D}"/>
+              </a:ext>
+            </a:extLst>
+          </p:cNvPr>
+          <p:cNvSpPr txBox="1"/>
+          <p:nvPr/>
+        </p:nvSpPr>
+        <p:spPr>
+          <a:xfrm>
+            <a:off x="4403780" y="1391592"/>
+            <a:ext cx="1677000" cy="369325"/>
+          </a:xfrm>
+          <a:prstGeom prst="rect">
+            <a:avLst/>
+          </a:prstGeom>
+          <a:noFill/>
+        </p:spPr>
+        <p:txBody>
+          <a:bodyPr wrap="square">
+            <a:spAutoFit/>
+          </a:bodyPr>
+          <a:lstStyle/>
+          <a:p>
+            <a:r>
+              <a:rPr lang="en-US" altLang="zh-TW" dirty="0">
+                <a:solidFill>
+                  <a:schemeClr val="accent1">
+                    <a:lumMod val="50000"/>
+                  </a:schemeClr>
+                </a:solidFill>
+              </a:rPr>
+              <a:t>Chitinase-like</a:t>
+            </a:r>
+            <a:endParaRPr lang="zh-TW" altLang="en-US" dirty="0">
+              <a:solidFill>
+                <a:schemeClr val="accent1">
+                  <a:lumMod val="50000"/>
+                </a:schemeClr>
+              </a:solidFill>
+            </a:endParaRPr>
+          </a:p>
+        </p:txBody>
+      </p:sp>
+      <p:sp>
+        <p:nvSpPr>
+          <p:cNvPr id="25" name="文字方塊 24">
+            <a:extLst>
+              <a:ext uri="{FF2B5EF4-FFF2-40B4-BE49-F238E27FC236}">
+                <a16:creationId xmlns:a16="http://schemas.microsoft.com/office/drawing/2014/main" id="{F8CB2A51-FC01-B557-25D0-B7479C0E25C4}"/>
+              </a:ext>
+            </a:extLst>
+          </p:cNvPr>
+          <p:cNvSpPr txBox="1"/>
+          <p:nvPr/>
+        </p:nvSpPr>
+        <p:spPr>
+          <a:xfrm>
+            <a:off x="1357073" y="4646548"/>
+            <a:ext cx="1549581" cy="400110"/>
+          </a:xfrm>
+          <a:prstGeom prst="rect">
+            <a:avLst/>
+          </a:prstGeom>
+          <a:noFill/>
+        </p:spPr>
+        <p:txBody>
+          <a:bodyPr wrap="square">
+            <a:spAutoFit/>
+          </a:bodyPr>
+          <a:lstStyle/>
+          <a:p>
+            <a:r>
+              <a:rPr lang="en-US" altLang="zh-TW" sz="2000" dirty="0"/>
+              <a:t>contig_579</a:t>
+            </a:r>
+            <a:endParaRPr lang="zh-TW" altLang="en-US" sz="2000" dirty="0"/>
+          </a:p>
+        </p:txBody>
+      </p:sp>
+      <p:cxnSp>
+        <p:nvCxnSpPr>
+          <p:cNvPr id="26" name="直線接點 25">
+            <a:extLst>
+              <a:ext uri="{FF2B5EF4-FFF2-40B4-BE49-F238E27FC236}">
+                <a16:creationId xmlns:a16="http://schemas.microsoft.com/office/drawing/2014/main" id="{02553E43-4405-222F-5394-2430F987154D}"/>
+              </a:ext>
+            </a:extLst>
+          </p:cNvPr>
+          <p:cNvCxnSpPr>
+            <a:cxnSpLocks/>
+          </p:cNvCxnSpPr>
+          <p:nvPr/>
+        </p:nvCxnSpPr>
+        <p:spPr>
+          <a:xfrm>
+            <a:off x="8121445" y="2051510"/>
+            <a:ext cx="3559278" cy="0"/>
+          </a:xfrm>
+          <a:prstGeom prst="line">
+            <a:avLst/>
+          </a:prstGeom>
+          <a:ln w="76200"/>
+        </p:spPr>
+        <p:style>
+          <a:lnRef idx="2">
+            <a:schemeClr val="dk1"/>
+          </a:lnRef>
+          <a:fillRef idx="0">
+            <a:schemeClr val="dk1"/>
+          </a:fillRef>
+          <a:effectRef idx="1">
+            <a:schemeClr val="dk1"/>
+          </a:effectRef>
+          <a:fontRef idx="minor">
+            <a:schemeClr val="tx1"/>
+          </a:fontRef>
+        </p:style>
+      </p:cxnSp>
+      <p:sp>
+        <p:nvSpPr>
+          <p:cNvPr id="28" name="箭號: 向左 27">
+            <a:extLst>
+              <a:ext uri="{FF2B5EF4-FFF2-40B4-BE49-F238E27FC236}">
+                <a16:creationId xmlns:a16="http://schemas.microsoft.com/office/drawing/2014/main" id="{EED5FCEA-F517-15C9-4D2A-8E33A9A54BA1}"/>
+              </a:ext>
+            </a:extLst>
+          </p:cNvPr>
+          <p:cNvSpPr/>
+          <p:nvPr/>
+        </p:nvSpPr>
+        <p:spPr>
+          <a:xfrm>
+            <a:off x="9075494" y="1866842"/>
+            <a:ext cx="551834" cy="369329"/>
+          </a:xfrm>
+          <a:prstGeom prst="leftArrow">
             <a:avLst/>
           </a:prstGeom>
         </p:spPr>
@@ -5896,10 +6932,54 @@
       </p:sp>
       <p:sp>
         <p:nvSpPr>
-          <p:cNvPr id="65" name="文字方塊 64">
-            <a:extLst>
-              <a:ext uri="{FF2B5EF4-FFF2-40B4-BE49-F238E27FC236}">
-                <a16:creationId xmlns:a16="http://schemas.microsoft.com/office/drawing/2014/main" id="{880595DD-33CD-89F7-BB2B-C2BEFD7C3A09}"/>
+          <p:cNvPr id="29" name="箭號: 向左 28">
+            <a:extLst>
+              <a:ext uri="{FF2B5EF4-FFF2-40B4-BE49-F238E27FC236}">
+                <a16:creationId xmlns:a16="http://schemas.microsoft.com/office/drawing/2014/main" id="{2813316B-A333-5EAE-C9A7-9075F8AD3E35}"/>
+              </a:ext>
+            </a:extLst>
+          </p:cNvPr>
+          <p:cNvSpPr/>
+          <p:nvPr/>
+        </p:nvSpPr>
+        <p:spPr>
+          <a:xfrm>
+            <a:off x="10564472" y="1866845"/>
+            <a:ext cx="551834" cy="369329"/>
+          </a:xfrm>
+          <a:prstGeom prst="leftArrow">
+            <a:avLst/>
+          </a:prstGeom>
+        </p:spPr>
+        <p:style>
+          <a:lnRef idx="1">
+            <a:schemeClr val="accent2"/>
+          </a:lnRef>
+          <a:fillRef idx="2">
+            <a:schemeClr val="accent2"/>
+          </a:fillRef>
+          <a:effectRef idx="1">
+            <a:schemeClr val="accent2"/>
+          </a:effectRef>
+          <a:fontRef idx="minor">
+            <a:schemeClr val="dk1"/>
+          </a:fontRef>
+        </p:style>
+        <p:txBody>
+          <a:bodyPr rtlCol="0" anchor="ctr"/>
+          <a:lstStyle/>
+          <a:p>
+            <a:pPr algn="ctr"/>
+            <a:endParaRPr lang="zh-TW" altLang="en-US" dirty="0"/>
+          </a:p>
+        </p:txBody>
+      </p:sp>
+      <p:sp>
+        <p:nvSpPr>
+          <p:cNvPr id="30" name="文字方塊 29">
+            <a:extLst>
+              <a:ext uri="{FF2B5EF4-FFF2-40B4-BE49-F238E27FC236}">
+                <a16:creationId xmlns:a16="http://schemas.microsoft.com/office/drawing/2014/main" id="{BDAF74F7-8FD0-31DE-A2B7-41CEDF4D089C}"/>
               </a:ext>
             </a:extLst>
           </p:cNvPr>
@@ -5908,8 +6988,8 @@
         </p:nvSpPr>
         <p:spPr>
           <a:xfrm>
-            <a:off x="334296" y="2145577"/>
-            <a:ext cx="6408198" cy="523220"/>
+            <a:off x="10401320" y="2429315"/>
+            <a:ext cx="2182762" cy="738664"/>
           </a:xfrm>
           <a:prstGeom prst="rect">
             <a:avLst/>
@@ -5923,61 +7003,620 @@
           <a:lstStyle/>
           <a:p>
             <a:r>
-              <a:rPr lang="en-US" altLang="zh-TW" sz="2800" b="1" i="1" u="none" strike="noStrike" dirty="0" err="1">
+              <a:rPr lang="en-US" altLang="zh-TW" sz="1400" dirty="0">
                 <a:solidFill>
-                  <a:srgbClr val="000000"/>
+                  <a:schemeClr val="accent2">
+                    <a:lumMod val="60000"/>
+                    <a:lumOff val="40000"/>
+                  </a:schemeClr>
                 </a:solidFill>
-                <a:effectLst/>
-                <a:latin typeface="新細明體" panose="02020500000000000000" pitchFamily="18" charset="-120"/>
-                <a:ea typeface="新細明體" panose="02020500000000000000" pitchFamily="18" charset="-120"/>
               </a:rPr>
-              <a:t>Anoplarchus</a:t>
-            </a:r>
-            <a:r>
-              <a:rPr lang="en-US" altLang="zh-TW" sz="2800" b="1" i="1" u="none" strike="noStrike" dirty="0">
+              <a:t>g10379.t1, zinc finger and SCAN domain-containing protein 22-like</a:t>
+            </a:r>
+            <a:endParaRPr lang="zh-TW" altLang="en-US" sz="1400" dirty="0">
+              <a:solidFill>
+                <a:schemeClr val="accent2">
+                  <a:lumMod val="60000"/>
+                  <a:lumOff val="40000"/>
+                </a:schemeClr>
+              </a:solidFill>
+            </a:endParaRPr>
+          </a:p>
+        </p:txBody>
+      </p:sp>
+      <p:sp>
+        <p:nvSpPr>
+          <p:cNvPr id="31" name="箭號: 向左 30">
+            <a:extLst>
+              <a:ext uri="{FF2B5EF4-FFF2-40B4-BE49-F238E27FC236}">
+                <a16:creationId xmlns:a16="http://schemas.microsoft.com/office/drawing/2014/main" id="{0B654332-F421-79E1-B359-AA399B378700}"/>
+              </a:ext>
+            </a:extLst>
+          </p:cNvPr>
+          <p:cNvSpPr/>
+          <p:nvPr/>
+        </p:nvSpPr>
+        <p:spPr>
+          <a:xfrm>
+            <a:off x="8404130" y="1877784"/>
+            <a:ext cx="551834" cy="369329"/>
+          </a:xfrm>
+          <a:prstGeom prst="leftArrow">
+            <a:avLst/>
+          </a:prstGeom>
+        </p:spPr>
+        <p:style>
+          <a:lnRef idx="1">
+            <a:schemeClr val="accent2"/>
+          </a:lnRef>
+          <a:fillRef idx="2">
+            <a:schemeClr val="accent2"/>
+          </a:fillRef>
+          <a:effectRef idx="1">
+            <a:schemeClr val="accent2"/>
+          </a:effectRef>
+          <a:fontRef idx="minor">
+            <a:schemeClr val="dk1"/>
+          </a:fontRef>
+        </p:style>
+        <p:txBody>
+          <a:bodyPr rtlCol="0" anchor="ctr"/>
+          <a:lstStyle/>
+          <a:p>
+            <a:pPr algn="ctr"/>
+            <a:endParaRPr lang="zh-TW" altLang="en-US" dirty="0"/>
+          </a:p>
+        </p:txBody>
+      </p:sp>
+      <p:sp>
+        <p:nvSpPr>
+          <p:cNvPr id="32" name="文字方塊 31">
+            <a:extLst>
+              <a:ext uri="{FF2B5EF4-FFF2-40B4-BE49-F238E27FC236}">
+                <a16:creationId xmlns:a16="http://schemas.microsoft.com/office/drawing/2014/main" id="{92E6562A-C45F-EF45-D43E-B4E46D356C62}"/>
+              </a:ext>
+            </a:extLst>
+          </p:cNvPr>
+          <p:cNvSpPr txBox="1"/>
+          <p:nvPr/>
+        </p:nvSpPr>
+        <p:spPr>
+          <a:xfrm>
+            <a:off x="8240978" y="2459918"/>
+            <a:ext cx="1890390" cy="738664"/>
+          </a:xfrm>
+          <a:prstGeom prst="rect">
+            <a:avLst/>
+          </a:prstGeom>
+          <a:noFill/>
+        </p:spPr>
+        <p:txBody>
+          <a:bodyPr wrap="square">
+            <a:spAutoFit/>
+          </a:bodyPr>
+          <a:lstStyle/>
+          <a:p>
+            <a:r>
+              <a:rPr lang="en-US" altLang="zh-TW" sz="1400" dirty="0">
                 <a:solidFill>
-                  <a:srgbClr val="000000"/>
+                  <a:schemeClr val="accent2">
+                    <a:lumMod val="60000"/>
+                    <a:lumOff val="40000"/>
+                  </a:schemeClr>
                 </a:solidFill>
-                <a:effectLst/>
-                <a:latin typeface="新細明體" panose="02020500000000000000" pitchFamily="18" charset="-120"/>
-                <a:ea typeface="新細明體" panose="02020500000000000000" pitchFamily="18" charset="-120"/>
               </a:rPr>
-              <a:t> </a:t>
-            </a:r>
-            <a:r>
-              <a:rPr lang="en-US" altLang="zh-TW" sz="2800" b="1" i="1" u="none" strike="noStrike" dirty="0" err="1">
+              <a:t>g10377.t1, chitotriosidase-1-like isoform X1</a:t>
+            </a:r>
+            <a:endParaRPr lang="zh-TW" altLang="en-US" sz="1400" dirty="0">
+              <a:solidFill>
+                <a:schemeClr val="accent2">
+                  <a:lumMod val="60000"/>
+                  <a:lumOff val="40000"/>
+                </a:schemeClr>
+              </a:solidFill>
+            </a:endParaRPr>
+          </a:p>
+        </p:txBody>
+      </p:sp>
+      <p:cxnSp>
+        <p:nvCxnSpPr>
+          <p:cNvPr id="41" name="直線接點 40">
+            <a:extLst>
+              <a:ext uri="{FF2B5EF4-FFF2-40B4-BE49-F238E27FC236}">
+                <a16:creationId xmlns:a16="http://schemas.microsoft.com/office/drawing/2014/main" id="{2C51E2AC-F992-4ADD-E30E-775879884D23}"/>
+              </a:ext>
+            </a:extLst>
+          </p:cNvPr>
+          <p:cNvCxnSpPr/>
+          <p:nvPr/>
+        </p:nvCxnSpPr>
+        <p:spPr>
+          <a:xfrm>
+            <a:off x="7372357" y="2059187"/>
+            <a:ext cx="653845" cy="0"/>
+          </a:xfrm>
+          <a:prstGeom prst="line">
+            <a:avLst/>
+          </a:prstGeom>
+          <a:ln>
+            <a:prstDash val="sysDash"/>
+          </a:ln>
+        </p:spPr>
+        <p:style>
+          <a:lnRef idx="2">
+            <a:schemeClr val="dk1"/>
+          </a:lnRef>
+          <a:fillRef idx="0">
+            <a:schemeClr val="dk1"/>
+          </a:fillRef>
+          <a:effectRef idx="1">
+            <a:schemeClr val="dk1"/>
+          </a:effectRef>
+          <a:fontRef idx="minor">
+            <a:schemeClr val="tx1"/>
+          </a:fontRef>
+        </p:style>
+      </p:cxnSp>
+      <p:sp>
+        <p:nvSpPr>
+          <p:cNvPr id="43" name="文字方塊 42">
+            <a:extLst>
+              <a:ext uri="{FF2B5EF4-FFF2-40B4-BE49-F238E27FC236}">
+                <a16:creationId xmlns:a16="http://schemas.microsoft.com/office/drawing/2014/main" id="{965F6A0A-1486-5793-8AC0-8F51811B1881}"/>
+              </a:ext>
+            </a:extLst>
+          </p:cNvPr>
+          <p:cNvSpPr txBox="1"/>
+          <p:nvPr/>
+        </p:nvSpPr>
+        <p:spPr>
+          <a:xfrm>
+            <a:off x="7443803" y="1689855"/>
+            <a:ext cx="671213" cy="369332"/>
+          </a:xfrm>
+          <a:prstGeom prst="rect">
+            <a:avLst/>
+          </a:prstGeom>
+          <a:noFill/>
+        </p:spPr>
+        <p:txBody>
+          <a:bodyPr wrap="square">
+            <a:spAutoFit/>
+          </a:bodyPr>
+          <a:lstStyle/>
+          <a:p>
+            <a:r>
+              <a:rPr lang="en-US" altLang="zh-TW" sz="1800" dirty="0"/>
+              <a:t>gap</a:t>
+            </a:r>
+            <a:endParaRPr lang="zh-TW" altLang="en-US" dirty="0"/>
+          </a:p>
+        </p:txBody>
+      </p:sp>
+      <p:sp>
+        <p:nvSpPr>
+          <p:cNvPr id="44" name="箭號: 向左 43">
+            <a:extLst>
+              <a:ext uri="{FF2B5EF4-FFF2-40B4-BE49-F238E27FC236}">
+                <a16:creationId xmlns:a16="http://schemas.microsoft.com/office/drawing/2014/main" id="{D368451F-FD23-31DC-2DB0-A5F1E9E15095}"/>
+              </a:ext>
+            </a:extLst>
+          </p:cNvPr>
+          <p:cNvSpPr/>
+          <p:nvPr/>
+        </p:nvSpPr>
+        <p:spPr>
+          <a:xfrm rot="10800000">
+            <a:off x="8923410" y="4702901"/>
+            <a:ext cx="551834" cy="369329"/>
+          </a:xfrm>
+          <a:prstGeom prst="leftArrow">
+            <a:avLst/>
+          </a:prstGeom>
+        </p:spPr>
+        <p:style>
+          <a:lnRef idx="2">
+            <a:schemeClr val="accent1">
+              <a:shade val="15000"/>
+            </a:schemeClr>
+          </a:lnRef>
+          <a:fillRef idx="1">
+            <a:schemeClr val="accent1"/>
+          </a:fillRef>
+          <a:effectRef idx="0">
+            <a:schemeClr val="accent1"/>
+          </a:effectRef>
+          <a:fontRef idx="minor">
+            <a:schemeClr val="lt1"/>
+          </a:fontRef>
+        </p:style>
+        <p:txBody>
+          <a:bodyPr rtlCol="0" anchor="ctr"/>
+          <a:lstStyle/>
+          <a:p>
+            <a:pPr algn="ctr"/>
+            <a:endParaRPr lang="zh-TW" altLang="en-US"/>
+          </a:p>
+        </p:txBody>
+      </p:sp>
+      <p:sp>
+        <p:nvSpPr>
+          <p:cNvPr id="45" name="箭號: 向左 44">
+            <a:extLst>
+              <a:ext uri="{FF2B5EF4-FFF2-40B4-BE49-F238E27FC236}">
+                <a16:creationId xmlns:a16="http://schemas.microsoft.com/office/drawing/2014/main" id="{3CA30BEE-63DC-DC85-0D26-BA5950B98B08}"/>
+              </a:ext>
+            </a:extLst>
+          </p:cNvPr>
+          <p:cNvSpPr/>
+          <p:nvPr/>
+        </p:nvSpPr>
+        <p:spPr>
+          <a:xfrm rot="10800000">
+            <a:off x="11452994" y="4696056"/>
+            <a:ext cx="551834" cy="369329"/>
+          </a:xfrm>
+          <a:prstGeom prst="leftArrow">
+            <a:avLst/>
+          </a:prstGeom>
+        </p:spPr>
+        <p:style>
+          <a:lnRef idx="1">
+            <a:schemeClr val="accent2"/>
+          </a:lnRef>
+          <a:fillRef idx="2">
+            <a:schemeClr val="accent2"/>
+          </a:fillRef>
+          <a:effectRef idx="1">
+            <a:schemeClr val="accent2"/>
+          </a:effectRef>
+          <a:fontRef idx="minor">
+            <a:schemeClr val="dk1"/>
+          </a:fontRef>
+        </p:style>
+        <p:txBody>
+          <a:bodyPr rtlCol="0" anchor="ctr"/>
+          <a:lstStyle/>
+          <a:p>
+            <a:pPr algn="ctr"/>
+            <a:endParaRPr lang="zh-TW" altLang="en-US" dirty="0"/>
+          </a:p>
+        </p:txBody>
+      </p:sp>
+      <p:sp>
+        <p:nvSpPr>
+          <p:cNvPr id="46" name="箭號: 向左 45">
+            <a:extLst>
+              <a:ext uri="{FF2B5EF4-FFF2-40B4-BE49-F238E27FC236}">
+                <a16:creationId xmlns:a16="http://schemas.microsoft.com/office/drawing/2014/main" id="{FC3E80F2-EE60-C533-A12F-66F0493AA4FD}"/>
+              </a:ext>
+            </a:extLst>
+          </p:cNvPr>
+          <p:cNvSpPr/>
+          <p:nvPr/>
+        </p:nvSpPr>
+        <p:spPr>
+          <a:xfrm rot="10800000">
+            <a:off x="8214713" y="4702901"/>
+            <a:ext cx="551834" cy="369329"/>
+          </a:xfrm>
+          <a:prstGeom prst="leftArrow">
+            <a:avLst/>
+          </a:prstGeom>
+        </p:spPr>
+        <p:style>
+          <a:lnRef idx="1">
+            <a:schemeClr val="accent2"/>
+          </a:lnRef>
+          <a:fillRef idx="2">
+            <a:schemeClr val="accent2"/>
+          </a:fillRef>
+          <a:effectRef idx="1">
+            <a:schemeClr val="accent2"/>
+          </a:effectRef>
+          <a:fontRef idx="minor">
+            <a:schemeClr val="dk1"/>
+          </a:fontRef>
+        </p:style>
+        <p:txBody>
+          <a:bodyPr rtlCol="0" anchor="ctr"/>
+          <a:lstStyle/>
+          <a:p>
+            <a:pPr algn="ctr"/>
+            <a:endParaRPr lang="zh-TW" altLang="en-US" dirty="0"/>
+          </a:p>
+        </p:txBody>
+      </p:sp>
+      <p:sp>
+        <p:nvSpPr>
+          <p:cNvPr id="47" name="文字方塊 46">
+            <a:extLst>
+              <a:ext uri="{FF2B5EF4-FFF2-40B4-BE49-F238E27FC236}">
+                <a16:creationId xmlns:a16="http://schemas.microsoft.com/office/drawing/2014/main" id="{A53BF826-A884-B97A-6A29-71F32F52056B}"/>
+              </a:ext>
+            </a:extLst>
+          </p:cNvPr>
+          <p:cNvSpPr txBox="1"/>
+          <p:nvPr/>
+        </p:nvSpPr>
+        <p:spPr>
+          <a:xfrm>
+            <a:off x="8251192" y="5180053"/>
+            <a:ext cx="1324737" cy="307777"/>
+          </a:xfrm>
+          <a:prstGeom prst="rect">
+            <a:avLst/>
+          </a:prstGeom>
+          <a:noFill/>
+        </p:spPr>
+        <p:txBody>
+          <a:bodyPr wrap="square">
+            <a:spAutoFit/>
+          </a:bodyPr>
+          <a:lstStyle/>
+          <a:p>
+            <a:r>
+              <a:rPr lang="en-US" altLang="zh-TW" sz="1400" dirty="0">
                 <a:solidFill>
-                  <a:srgbClr val="000000"/>
+                  <a:schemeClr val="accent2">
+                    <a:lumMod val="60000"/>
+                    <a:lumOff val="40000"/>
+                  </a:schemeClr>
                 </a:solidFill>
-                <a:effectLst/>
-                <a:latin typeface="新細明體" panose="02020500000000000000" pitchFamily="18" charset="-120"/>
-                <a:ea typeface="新細明體" panose="02020500000000000000" pitchFamily="18" charset="-120"/>
               </a:rPr>
-              <a:t>purpurescens</a:t>
-            </a:r>
-            <a:r>
-              <a:rPr lang="en-US" altLang="zh-TW" sz="2800" b="1" i="0" u="none" strike="noStrike" dirty="0">
+              <a:t>contactin-2</a:t>
+            </a:r>
+            <a:endParaRPr lang="zh-TW" altLang="en-US" sz="1400" dirty="0">
+              <a:solidFill>
+                <a:schemeClr val="accent2">
+                  <a:lumMod val="60000"/>
+                  <a:lumOff val="40000"/>
+                </a:schemeClr>
+              </a:solidFill>
+            </a:endParaRPr>
+          </a:p>
+        </p:txBody>
+      </p:sp>
+      <p:sp>
+        <p:nvSpPr>
+          <p:cNvPr id="48" name="文字方塊 47">
+            <a:extLst>
+              <a:ext uri="{FF2B5EF4-FFF2-40B4-BE49-F238E27FC236}">
+                <a16:creationId xmlns:a16="http://schemas.microsoft.com/office/drawing/2014/main" id="{F29F991F-D15D-BFD8-32D0-101D42A8588F}"/>
+              </a:ext>
+            </a:extLst>
+          </p:cNvPr>
+          <p:cNvSpPr txBox="1"/>
+          <p:nvPr/>
+        </p:nvSpPr>
+        <p:spPr>
+          <a:xfrm>
+            <a:off x="8734277" y="4279347"/>
+            <a:ext cx="2702791" cy="338554"/>
+          </a:xfrm>
+          <a:prstGeom prst="rect">
+            <a:avLst/>
+          </a:prstGeom>
+          <a:noFill/>
+        </p:spPr>
+        <p:txBody>
+          <a:bodyPr wrap="square">
+            <a:spAutoFit/>
+          </a:bodyPr>
+          <a:lstStyle/>
+          <a:p>
+            <a:r>
+              <a:rPr lang="en-US" altLang="zh-TW" sz="1600" dirty="0">
                 <a:solidFill>
-                  <a:srgbClr val="000000"/>
+                  <a:schemeClr val="accent1">
+                    <a:lumMod val="50000"/>
+                  </a:schemeClr>
                 </a:solidFill>
-                <a:effectLst/>
-                <a:latin typeface="新細明體" panose="02020500000000000000" pitchFamily="18" charset="-120"/>
-                <a:ea typeface="新細明體" panose="02020500000000000000" pitchFamily="18" charset="-120"/>
               </a:rPr>
-              <a:t>, chitinase</a:t>
-            </a:r>
-            <a:r>
-              <a:rPr lang="en-US" altLang="zh-TW" sz="2800" dirty="0"/>
-              <a:t> </a:t>
-            </a:r>
-            <a:endParaRPr lang="zh-TW" altLang="en-US" sz="2800" dirty="0"/>
+              <a:t>acidic mammalian chitinase</a:t>
+            </a:r>
+            <a:endParaRPr lang="zh-TW" altLang="en-US" sz="1600" dirty="0">
+              <a:solidFill>
+                <a:schemeClr val="accent1">
+                  <a:lumMod val="50000"/>
+                </a:schemeClr>
+              </a:solidFill>
+            </a:endParaRPr>
+          </a:p>
+        </p:txBody>
+      </p:sp>
+      <p:sp>
+        <p:nvSpPr>
+          <p:cNvPr id="51" name="文字方塊 50">
+            <a:extLst>
+              <a:ext uri="{FF2B5EF4-FFF2-40B4-BE49-F238E27FC236}">
+                <a16:creationId xmlns:a16="http://schemas.microsoft.com/office/drawing/2014/main" id="{4ABAD0BF-350E-91B8-230A-F2978961040E}"/>
+              </a:ext>
+            </a:extLst>
+          </p:cNvPr>
+          <p:cNvSpPr txBox="1"/>
+          <p:nvPr/>
+        </p:nvSpPr>
+        <p:spPr>
+          <a:xfrm>
+            <a:off x="10391352" y="5170528"/>
+            <a:ext cx="2182762" cy="738664"/>
+          </a:xfrm>
+          <a:prstGeom prst="rect">
+            <a:avLst/>
+          </a:prstGeom>
+          <a:noFill/>
+        </p:spPr>
+        <p:txBody>
+          <a:bodyPr wrap="square">
+            <a:spAutoFit/>
+          </a:bodyPr>
+          <a:lstStyle/>
+          <a:p>
+            <a:r>
+              <a:rPr lang="en-US" altLang="zh-TW" sz="1400" dirty="0">
+                <a:solidFill>
+                  <a:schemeClr val="accent2">
+                    <a:lumMod val="60000"/>
+                    <a:lumOff val="40000"/>
+                  </a:schemeClr>
+                </a:solidFill>
+              </a:rPr>
+              <a:t>ADP-ribosylation factor-related protein 1 isoform X2</a:t>
+            </a:r>
+            <a:endParaRPr lang="zh-TW" altLang="en-US" sz="1400" dirty="0">
+              <a:solidFill>
+                <a:schemeClr val="accent2">
+                  <a:lumMod val="60000"/>
+                  <a:lumOff val="40000"/>
+                </a:schemeClr>
+              </a:solidFill>
+            </a:endParaRPr>
+          </a:p>
+        </p:txBody>
+      </p:sp>
+      <p:sp>
+        <p:nvSpPr>
+          <p:cNvPr id="54" name="箭號: 向左 53">
+            <a:extLst>
+              <a:ext uri="{FF2B5EF4-FFF2-40B4-BE49-F238E27FC236}">
+                <a16:creationId xmlns:a16="http://schemas.microsoft.com/office/drawing/2014/main" id="{D86F301F-8EF0-D160-202B-74FF2DD088CB}"/>
+              </a:ext>
+            </a:extLst>
+          </p:cNvPr>
+          <p:cNvSpPr/>
+          <p:nvPr/>
+        </p:nvSpPr>
+        <p:spPr>
+          <a:xfrm rot="10800000">
+            <a:off x="9563892" y="4712067"/>
+            <a:ext cx="551834" cy="369329"/>
+          </a:xfrm>
+          <a:prstGeom prst="leftArrow">
+            <a:avLst/>
+          </a:prstGeom>
+        </p:spPr>
+        <p:style>
+          <a:lnRef idx="2">
+            <a:schemeClr val="accent1">
+              <a:shade val="15000"/>
+            </a:schemeClr>
+          </a:lnRef>
+          <a:fillRef idx="1">
+            <a:schemeClr val="accent1"/>
+          </a:fillRef>
+          <a:effectRef idx="0">
+            <a:schemeClr val="accent1"/>
+          </a:effectRef>
+          <a:fontRef idx="minor">
+            <a:schemeClr val="lt1"/>
+          </a:fontRef>
+        </p:style>
+        <p:txBody>
+          <a:bodyPr rtlCol="0" anchor="ctr"/>
+          <a:lstStyle/>
+          <a:p>
+            <a:pPr algn="ctr"/>
+            <a:endParaRPr lang="zh-TW" altLang="en-US"/>
+          </a:p>
+        </p:txBody>
+      </p:sp>
+      <p:sp>
+        <p:nvSpPr>
+          <p:cNvPr id="56" name="箭號: 向左 55">
+            <a:extLst>
+              <a:ext uri="{FF2B5EF4-FFF2-40B4-BE49-F238E27FC236}">
+                <a16:creationId xmlns:a16="http://schemas.microsoft.com/office/drawing/2014/main" id="{3A02229F-216F-931F-39E8-3E24D7899C0E}"/>
+              </a:ext>
+            </a:extLst>
+          </p:cNvPr>
+          <p:cNvSpPr/>
+          <p:nvPr/>
+        </p:nvSpPr>
+        <p:spPr>
+          <a:xfrm rot="10800000">
+            <a:off x="10204374" y="4712067"/>
+            <a:ext cx="551834" cy="369329"/>
+          </a:xfrm>
+          <a:prstGeom prst="leftArrow">
+            <a:avLst/>
+          </a:prstGeom>
+        </p:spPr>
+        <p:style>
+          <a:lnRef idx="2">
+            <a:schemeClr val="accent1">
+              <a:shade val="15000"/>
+            </a:schemeClr>
+          </a:lnRef>
+          <a:fillRef idx="1">
+            <a:schemeClr val="accent1"/>
+          </a:fillRef>
+          <a:effectRef idx="0">
+            <a:schemeClr val="accent1"/>
+          </a:effectRef>
+          <a:fontRef idx="minor">
+            <a:schemeClr val="lt1"/>
+          </a:fontRef>
+        </p:style>
+        <p:txBody>
+          <a:bodyPr rtlCol="0" anchor="ctr"/>
+          <a:lstStyle/>
+          <a:p>
+            <a:pPr algn="ctr"/>
+            <a:endParaRPr lang="zh-TW" altLang="en-US"/>
+          </a:p>
+        </p:txBody>
+      </p:sp>
+      <p:sp>
+        <p:nvSpPr>
+          <p:cNvPr id="57" name="箭號: 向左 56">
+            <a:extLst>
+              <a:ext uri="{FF2B5EF4-FFF2-40B4-BE49-F238E27FC236}">
+                <a16:creationId xmlns:a16="http://schemas.microsoft.com/office/drawing/2014/main" id="{A18E1CBA-CCD7-611E-7760-54B5CF977C93}"/>
+              </a:ext>
+            </a:extLst>
+          </p:cNvPr>
+          <p:cNvSpPr/>
+          <p:nvPr/>
+        </p:nvSpPr>
+        <p:spPr>
+          <a:xfrm rot="10800000">
+            <a:off x="10784360" y="4723498"/>
+            <a:ext cx="551834" cy="369329"/>
+          </a:xfrm>
+          <a:prstGeom prst="leftArrow">
+            <a:avLst/>
+          </a:prstGeom>
+        </p:spPr>
+        <p:style>
+          <a:lnRef idx="2">
+            <a:schemeClr val="accent1">
+              <a:shade val="15000"/>
+            </a:schemeClr>
+          </a:lnRef>
+          <a:fillRef idx="1">
+            <a:schemeClr val="accent1"/>
+          </a:fillRef>
+          <a:effectRef idx="0">
+            <a:schemeClr val="accent1"/>
+          </a:effectRef>
+          <a:fontRef idx="minor">
+            <a:schemeClr val="lt1"/>
+          </a:fontRef>
+        </p:style>
+        <p:txBody>
+          <a:bodyPr rtlCol="0" anchor="ctr"/>
+          <a:lstStyle/>
+          <a:p>
+            <a:pPr algn="ctr"/>
+            <a:endParaRPr lang="zh-TW" altLang="en-US"/>
           </a:p>
         </p:txBody>
       </p:sp>
     </p:spTree>
     <p:extLst>
       <p:ext uri="{BB962C8B-B14F-4D97-AF65-F5344CB8AC3E}">
-        <p14:creationId xmlns:p14="http://schemas.microsoft.com/office/powerpoint/2010/main" val="1259710078"/>
+        <p14:creationId xmlns:p14="http://schemas.microsoft.com/office/powerpoint/2010/main" val="2453696511"/>
       </p:ext>
     </p:extLst>
   </p:cSld>

--- a/synteny.pptx
+++ b/synteny.pptx
@@ -8,6 +8,7 @@
     <p:sldId id="258" r:id="rId2"/>
     <p:sldId id="259" r:id="rId3"/>
     <p:sldId id="260" r:id="rId4"/>
+    <p:sldId id="261" r:id="rId5"/>
   </p:sldIdLst>
   <p:sldSz cx="12192000" cy="6858000"/>
   <p:notesSz cx="6858000" cy="9144000"/>
@@ -261,7 +262,7 @@
           <a:p>
             <a:fld id="{EC5D5901-00D9-4DE9-BB38-AE3383FB48B5}" type="datetimeFigureOut">
               <a:rPr lang="zh-TW" altLang="en-US" smtClean="0"/>
-              <a:t>2024/10/14</a:t>
+              <a:t>2024/10/22</a:t>
             </a:fld>
             <a:endParaRPr lang="zh-TW" altLang="en-US"/>
           </a:p>
@@ -459,7 +460,7 @@
           <a:p>
             <a:fld id="{EC5D5901-00D9-4DE9-BB38-AE3383FB48B5}" type="datetimeFigureOut">
               <a:rPr lang="zh-TW" altLang="en-US" smtClean="0"/>
-              <a:t>2024/10/14</a:t>
+              <a:t>2024/10/22</a:t>
             </a:fld>
             <a:endParaRPr lang="zh-TW" altLang="en-US"/>
           </a:p>
@@ -667,7 +668,7 @@
           <a:p>
             <a:fld id="{EC5D5901-00D9-4DE9-BB38-AE3383FB48B5}" type="datetimeFigureOut">
               <a:rPr lang="zh-TW" altLang="en-US" smtClean="0"/>
-              <a:t>2024/10/14</a:t>
+              <a:t>2024/10/22</a:t>
             </a:fld>
             <a:endParaRPr lang="zh-TW" altLang="en-US"/>
           </a:p>
@@ -865,7 +866,7 @@
           <a:p>
             <a:fld id="{EC5D5901-00D9-4DE9-BB38-AE3383FB48B5}" type="datetimeFigureOut">
               <a:rPr lang="zh-TW" altLang="en-US" smtClean="0"/>
-              <a:t>2024/10/14</a:t>
+              <a:t>2024/10/22</a:t>
             </a:fld>
             <a:endParaRPr lang="zh-TW" altLang="en-US"/>
           </a:p>
@@ -1140,7 +1141,7 @@
           <a:p>
             <a:fld id="{EC5D5901-00D9-4DE9-BB38-AE3383FB48B5}" type="datetimeFigureOut">
               <a:rPr lang="zh-TW" altLang="en-US" smtClean="0"/>
-              <a:t>2024/10/14</a:t>
+              <a:t>2024/10/22</a:t>
             </a:fld>
             <a:endParaRPr lang="zh-TW" altLang="en-US"/>
           </a:p>
@@ -1405,7 +1406,7 @@
           <a:p>
             <a:fld id="{EC5D5901-00D9-4DE9-BB38-AE3383FB48B5}" type="datetimeFigureOut">
               <a:rPr lang="zh-TW" altLang="en-US" smtClean="0"/>
-              <a:t>2024/10/14</a:t>
+              <a:t>2024/10/22</a:t>
             </a:fld>
             <a:endParaRPr lang="zh-TW" altLang="en-US"/>
           </a:p>
@@ -1817,7 +1818,7 @@
           <a:p>
             <a:fld id="{EC5D5901-00D9-4DE9-BB38-AE3383FB48B5}" type="datetimeFigureOut">
               <a:rPr lang="zh-TW" altLang="en-US" smtClean="0"/>
-              <a:t>2024/10/14</a:t>
+              <a:t>2024/10/22</a:t>
             </a:fld>
             <a:endParaRPr lang="zh-TW" altLang="en-US"/>
           </a:p>
@@ -1958,7 +1959,7 @@
           <a:p>
             <a:fld id="{EC5D5901-00D9-4DE9-BB38-AE3383FB48B5}" type="datetimeFigureOut">
               <a:rPr lang="zh-TW" altLang="en-US" smtClean="0"/>
-              <a:t>2024/10/14</a:t>
+              <a:t>2024/10/22</a:t>
             </a:fld>
             <a:endParaRPr lang="zh-TW" altLang="en-US"/>
           </a:p>
@@ -2071,7 +2072,7 @@
           <a:p>
             <a:fld id="{EC5D5901-00D9-4DE9-BB38-AE3383FB48B5}" type="datetimeFigureOut">
               <a:rPr lang="zh-TW" altLang="en-US" smtClean="0"/>
-              <a:t>2024/10/14</a:t>
+              <a:t>2024/10/22</a:t>
             </a:fld>
             <a:endParaRPr lang="zh-TW" altLang="en-US"/>
           </a:p>
@@ -2382,7 +2383,7 @@
           <a:p>
             <a:fld id="{EC5D5901-00D9-4DE9-BB38-AE3383FB48B5}" type="datetimeFigureOut">
               <a:rPr lang="zh-TW" altLang="en-US" smtClean="0"/>
-              <a:t>2024/10/14</a:t>
+              <a:t>2024/10/22</a:t>
             </a:fld>
             <a:endParaRPr lang="zh-TW" altLang="en-US"/>
           </a:p>
@@ -2670,7 +2671,7 @@
           <a:p>
             <a:fld id="{EC5D5901-00D9-4DE9-BB38-AE3383FB48B5}" type="datetimeFigureOut">
               <a:rPr lang="zh-TW" altLang="en-US" smtClean="0"/>
-              <a:t>2024/10/14</a:t>
+              <a:t>2024/10/22</a:t>
             </a:fld>
             <a:endParaRPr lang="zh-TW" altLang="en-US"/>
           </a:p>
@@ -2911,7 +2912,7 @@
           <a:p>
             <a:fld id="{EC5D5901-00D9-4DE9-BB38-AE3383FB48B5}" type="datetimeFigureOut">
               <a:rPr lang="zh-TW" altLang="en-US" smtClean="0"/>
-              <a:t>2024/10/14</a:t>
+              <a:t>2024/10/22</a:t>
             </a:fld>
             <a:endParaRPr lang="zh-TW" altLang="en-US"/>
           </a:p>
@@ -7626,6 +7627,2299 @@
 </p:sld>
 </file>
 
+<file path=ppt/slides/slide4.xml><?xml version="1.0" encoding="utf-8"?>
+<p:sld xmlns:a="http://schemas.openxmlformats.org/drawingml/2006/main" xmlns:r="http://schemas.openxmlformats.org/officeDocument/2006/relationships" xmlns:p="http://schemas.openxmlformats.org/presentationml/2006/main">
+  <p:cSld>
+    <p:spTree>
+      <p:nvGrpSpPr>
+        <p:cNvPr id="1" name=""/>
+        <p:cNvGrpSpPr/>
+        <p:nvPr/>
+      </p:nvGrpSpPr>
+      <p:grpSpPr>
+        <a:xfrm>
+          <a:off x="0" y="0"/>
+          <a:ext cx="0" cy="0"/>
+          <a:chOff x="0" y="0"/>
+          <a:chExt cx="0" cy="0"/>
+        </a:xfrm>
+      </p:grpSpPr>
+      <p:cxnSp>
+        <p:nvCxnSpPr>
+          <p:cNvPr id="4" name="直線接點 3">
+            <a:extLst>
+              <a:ext uri="{FF2B5EF4-FFF2-40B4-BE49-F238E27FC236}">
+                <a16:creationId xmlns:a16="http://schemas.microsoft.com/office/drawing/2014/main" id="{943C2A83-782F-A8FC-A201-40AD26D954E9}"/>
+              </a:ext>
+            </a:extLst>
+          </p:cNvPr>
+          <p:cNvCxnSpPr>
+            <a:cxnSpLocks/>
+          </p:cNvCxnSpPr>
+          <p:nvPr/>
+        </p:nvCxnSpPr>
+        <p:spPr>
+          <a:xfrm>
+            <a:off x="2247286" y="2205122"/>
+            <a:ext cx="3022801" cy="0"/>
+          </a:xfrm>
+          <a:prstGeom prst="line">
+            <a:avLst/>
+          </a:prstGeom>
+          <a:ln w="76200"/>
+        </p:spPr>
+        <p:style>
+          <a:lnRef idx="2">
+            <a:schemeClr val="dk1"/>
+          </a:lnRef>
+          <a:fillRef idx="0">
+            <a:schemeClr val="dk1"/>
+          </a:fillRef>
+          <a:effectRef idx="1">
+            <a:schemeClr val="dk1"/>
+          </a:effectRef>
+          <a:fontRef idx="minor">
+            <a:schemeClr val="tx1"/>
+          </a:fontRef>
+        </p:style>
+      </p:cxnSp>
+      <p:sp>
+        <p:nvSpPr>
+          <p:cNvPr id="5" name="文字方塊 4">
+            <a:extLst>
+              <a:ext uri="{FF2B5EF4-FFF2-40B4-BE49-F238E27FC236}">
+                <a16:creationId xmlns:a16="http://schemas.microsoft.com/office/drawing/2014/main" id="{212C8AC2-EE00-3711-854F-A18BB0893FEC}"/>
+              </a:ext>
+            </a:extLst>
+          </p:cNvPr>
+          <p:cNvSpPr txBox="1"/>
+          <p:nvPr/>
+        </p:nvSpPr>
+        <p:spPr>
+          <a:xfrm>
+            <a:off x="173745" y="1657217"/>
+            <a:ext cx="2613982" cy="1015663"/>
+          </a:xfrm>
+          <a:prstGeom prst="rect">
+            <a:avLst/>
+          </a:prstGeom>
+          <a:noFill/>
+        </p:spPr>
+        <p:txBody>
+          <a:bodyPr wrap="square">
+            <a:spAutoFit/>
+          </a:bodyPr>
+          <a:lstStyle/>
+          <a:p>
+            <a:r>
+              <a:rPr lang="zh-TW" altLang="en-US" sz="2000" dirty="0"/>
+              <a:t>seq00000327_1 </a:t>
+            </a:r>
+            <a:r>
+              <a:rPr lang="en-US" altLang="zh-TW" sz="2000" dirty="0"/>
+              <a:t>&amp; </a:t>
+            </a:r>
+          </a:p>
+          <a:p>
+            <a:r>
+              <a:rPr lang="en-US" altLang="zh-TW" sz="2000" dirty="0"/>
+              <a:t>ntLink_22 &amp; </a:t>
+            </a:r>
+          </a:p>
+          <a:p>
+            <a:r>
+              <a:rPr lang="en-US" altLang="zh-TW" sz="2000" dirty="0"/>
+              <a:t>ntLink_69</a:t>
+            </a:r>
+          </a:p>
+        </p:txBody>
+      </p:sp>
+      <p:sp>
+        <p:nvSpPr>
+          <p:cNvPr id="6" name="箭號: 向左 5">
+            <a:extLst>
+              <a:ext uri="{FF2B5EF4-FFF2-40B4-BE49-F238E27FC236}">
+                <a16:creationId xmlns:a16="http://schemas.microsoft.com/office/drawing/2014/main" id="{AC80E19B-ABCA-68B9-4ADB-9D01F0264A38}"/>
+              </a:ext>
+            </a:extLst>
+          </p:cNvPr>
+          <p:cNvSpPr/>
+          <p:nvPr/>
+        </p:nvSpPr>
+        <p:spPr>
+          <a:xfrm rot="10800000">
+            <a:off x="3423637" y="2020457"/>
+            <a:ext cx="551834" cy="369329"/>
+          </a:xfrm>
+          <a:prstGeom prst="leftArrow">
+            <a:avLst/>
+          </a:prstGeom>
+        </p:spPr>
+        <p:style>
+          <a:lnRef idx="2">
+            <a:schemeClr val="accent1">
+              <a:shade val="15000"/>
+            </a:schemeClr>
+          </a:lnRef>
+          <a:fillRef idx="1">
+            <a:schemeClr val="accent1"/>
+          </a:fillRef>
+          <a:effectRef idx="0">
+            <a:schemeClr val="accent1"/>
+          </a:effectRef>
+          <a:fontRef idx="minor">
+            <a:schemeClr val="lt1"/>
+          </a:fontRef>
+        </p:style>
+        <p:txBody>
+          <a:bodyPr rtlCol="0" anchor="ctr"/>
+          <a:lstStyle/>
+          <a:p>
+            <a:pPr algn="ctr"/>
+            <a:endParaRPr lang="zh-TW" altLang="en-US"/>
+          </a:p>
+        </p:txBody>
+      </p:sp>
+      <p:sp>
+        <p:nvSpPr>
+          <p:cNvPr id="9" name="文字方塊 8">
+            <a:extLst>
+              <a:ext uri="{FF2B5EF4-FFF2-40B4-BE49-F238E27FC236}">
+                <a16:creationId xmlns:a16="http://schemas.microsoft.com/office/drawing/2014/main" id="{043E0BEA-69BA-34B6-5055-E550D1351930}"/>
+              </a:ext>
+            </a:extLst>
+          </p:cNvPr>
+          <p:cNvSpPr txBox="1"/>
+          <p:nvPr/>
+        </p:nvSpPr>
+        <p:spPr>
+          <a:xfrm>
+            <a:off x="334296" y="151998"/>
+            <a:ext cx="4950096" cy="646331"/>
+          </a:xfrm>
+          <a:prstGeom prst="rect">
+            <a:avLst/>
+          </a:prstGeom>
+          <a:noFill/>
+        </p:spPr>
+        <p:txBody>
+          <a:bodyPr wrap="square">
+            <a:spAutoFit/>
+          </a:bodyPr>
+          <a:lstStyle/>
+          <a:p>
+            <a:r>
+              <a:rPr lang="en-US" altLang="zh-TW" sz="3600" b="1" u="none" strike="noStrike" dirty="0">
+                <a:solidFill>
+                  <a:srgbClr val="000000"/>
+                </a:solidFill>
+                <a:effectLst/>
+                <a:latin typeface="Calibri" panose="020F0502020204030204" pitchFamily="34" charset="0"/>
+                <a:ea typeface="Calibri" panose="020F0502020204030204" pitchFamily="34" charset="0"/>
+                <a:cs typeface="Calibri" panose="020F0502020204030204" pitchFamily="34" charset="0"/>
+              </a:rPr>
+              <a:t>Pepsinogen (Pepsin A)</a:t>
+            </a:r>
+            <a:endParaRPr lang="zh-TW" altLang="en-US" sz="3600" dirty="0">
+              <a:latin typeface="Calibri" panose="020F0502020204030204" pitchFamily="34" charset="0"/>
+              <a:cs typeface="Calibri" panose="020F0502020204030204" pitchFamily="34" charset="0"/>
+            </a:endParaRPr>
+          </a:p>
+        </p:txBody>
+      </p:sp>
+      <p:sp>
+        <p:nvSpPr>
+          <p:cNvPr id="10" name="箭號: 向左 9">
+            <a:extLst>
+              <a:ext uri="{FF2B5EF4-FFF2-40B4-BE49-F238E27FC236}">
+                <a16:creationId xmlns:a16="http://schemas.microsoft.com/office/drawing/2014/main" id="{D4C848F3-F539-A506-FBC0-1AD28FE8A47A}"/>
+              </a:ext>
+            </a:extLst>
+          </p:cNvPr>
+          <p:cNvSpPr/>
+          <p:nvPr/>
+        </p:nvSpPr>
+        <p:spPr>
+          <a:xfrm rot="10800000">
+            <a:off x="4203900" y="2020457"/>
+            <a:ext cx="551834" cy="369329"/>
+          </a:xfrm>
+          <a:prstGeom prst="leftArrow">
+            <a:avLst/>
+          </a:prstGeom>
+        </p:spPr>
+        <p:style>
+          <a:lnRef idx="1">
+            <a:schemeClr val="accent2"/>
+          </a:lnRef>
+          <a:fillRef idx="2">
+            <a:schemeClr val="accent2"/>
+          </a:fillRef>
+          <a:effectRef idx="1">
+            <a:schemeClr val="accent2"/>
+          </a:effectRef>
+          <a:fontRef idx="minor">
+            <a:schemeClr val="dk1"/>
+          </a:fontRef>
+        </p:style>
+        <p:txBody>
+          <a:bodyPr rtlCol="0" anchor="ctr"/>
+          <a:lstStyle/>
+          <a:p>
+            <a:pPr algn="ctr"/>
+            <a:endParaRPr lang="zh-TW" altLang="en-US" dirty="0"/>
+          </a:p>
+        </p:txBody>
+      </p:sp>
+      <p:sp>
+        <p:nvSpPr>
+          <p:cNvPr id="18" name="文字方塊 17">
+            <a:extLst>
+              <a:ext uri="{FF2B5EF4-FFF2-40B4-BE49-F238E27FC236}">
+                <a16:creationId xmlns:a16="http://schemas.microsoft.com/office/drawing/2014/main" id="{663846D0-B038-3058-0308-2871069E9AEA}"/>
+              </a:ext>
+            </a:extLst>
+          </p:cNvPr>
+          <p:cNvSpPr txBox="1"/>
+          <p:nvPr/>
+        </p:nvSpPr>
+        <p:spPr>
+          <a:xfrm>
+            <a:off x="3016156" y="1679704"/>
+            <a:ext cx="2782979" cy="369332"/>
+          </a:xfrm>
+          <a:prstGeom prst="rect">
+            <a:avLst/>
+          </a:prstGeom>
+          <a:noFill/>
+        </p:spPr>
+        <p:txBody>
+          <a:bodyPr wrap="square">
+            <a:spAutoFit/>
+          </a:bodyPr>
+          <a:lstStyle/>
+          <a:p>
+            <a:r>
+              <a:rPr lang="en-US" altLang="zh-TW" sz="1800" dirty="0">
+                <a:solidFill>
+                  <a:schemeClr val="accent1">
+                    <a:lumMod val="75000"/>
+                  </a:schemeClr>
+                </a:solidFill>
+              </a:rPr>
+              <a:t>g20032:</a:t>
+            </a:r>
+            <a:r>
+              <a:rPr lang="en-US" altLang="zh-TW" dirty="0">
+                <a:solidFill>
+                  <a:schemeClr val="accent1">
+                    <a:lumMod val="75000"/>
+                  </a:schemeClr>
+                </a:solidFill>
+              </a:rPr>
+              <a:t>Pepsin A-1</a:t>
+            </a:r>
+            <a:endParaRPr lang="zh-TW" altLang="en-US" dirty="0">
+              <a:solidFill>
+                <a:schemeClr val="accent1">
+                  <a:lumMod val="75000"/>
+                </a:schemeClr>
+              </a:solidFill>
+            </a:endParaRPr>
+          </a:p>
+        </p:txBody>
+      </p:sp>
+      <p:sp>
+        <p:nvSpPr>
+          <p:cNvPr id="21" name="文字方塊 20">
+            <a:extLst>
+              <a:ext uri="{FF2B5EF4-FFF2-40B4-BE49-F238E27FC236}">
+                <a16:creationId xmlns:a16="http://schemas.microsoft.com/office/drawing/2014/main" id="{47460385-1CF6-B9A2-3C22-81786454BF5C}"/>
+              </a:ext>
+            </a:extLst>
+          </p:cNvPr>
+          <p:cNvSpPr txBox="1"/>
+          <p:nvPr/>
+        </p:nvSpPr>
+        <p:spPr>
+          <a:xfrm>
+            <a:off x="173745" y="3344127"/>
+            <a:ext cx="4304373" cy="523220"/>
+          </a:xfrm>
+          <a:prstGeom prst="rect">
+            <a:avLst/>
+          </a:prstGeom>
+          <a:noFill/>
+        </p:spPr>
+        <p:txBody>
+          <a:bodyPr wrap="square">
+            <a:spAutoFit/>
+          </a:bodyPr>
+          <a:lstStyle/>
+          <a:p>
+            <a:r>
+              <a:rPr lang="en-US" altLang="zh-TW" sz="2800" b="1" i="1" u="none" strike="noStrike" dirty="0" err="1">
+                <a:solidFill>
+                  <a:srgbClr val="000000"/>
+                </a:solidFill>
+                <a:effectLst/>
+                <a:latin typeface="新細明體" panose="02020500000000000000" pitchFamily="18" charset="-120"/>
+                <a:ea typeface="新細明體" panose="02020500000000000000" pitchFamily="18" charset="-120"/>
+              </a:rPr>
+              <a:t>Anoplarchus</a:t>
+            </a:r>
+            <a:r>
+              <a:rPr lang="en-US" altLang="zh-TW" sz="2800" b="1" i="1" u="none" strike="noStrike" dirty="0">
+                <a:solidFill>
+                  <a:srgbClr val="000000"/>
+                </a:solidFill>
+                <a:effectLst/>
+                <a:latin typeface="新細明體" panose="02020500000000000000" pitchFamily="18" charset="-120"/>
+                <a:ea typeface="新細明體" panose="02020500000000000000" pitchFamily="18" charset="-120"/>
+              </a:rPr>
+              <a:t> </a:t>
+            </a:r>
+            <a:r>
+              <a:rPr lang="en-US" altLang="zh-TW" sz="2800" b="1" i="1" u="none" strike="noStrike" dirty="0" err="1">
+                <a:solidFill>
+                  <a:srgbClr val="000000"/>
+                </a:solidFill>
+                <a:effectLst/>
+                <a:latin typeface="新細明體" panose="02020500000000000000" pitchFamily="18" charset="-120"/>
+                <a:ea typeface="新細明體" panose="02020500000000000000" pitchFamily="18" charset="-120"/>
+              </a:rPr>
+              <a:t>purpurescens</a:t>
+            </a:r>
+            <a:endParaRPr lang="zh-TW" altLang="en-US" sz="2800" dirty="0"/>
+          </a:p>
+        </p:txBody>
+      </p:sp>
+      <p:sp>
+        <p:nvSpPr>
+          <p:cNvPr id="22" name="文字方塊 21">
+            <a:extLst>
+              <a:ext uri="{FF2B5EF4-FFF2-40B4-BE49-F238E27FC236}">
+                <a16:creationId xmlns:a16="http://schemas.microsoft.com/office/drawing/2014/main" id="{D658C64C-4ABB-8901-2214-01B729749580}"/>
+              </a:ext>
+            </a:extLst>
+          </p:cNvPr>
+          <p:cNvSpPr txBox="1"/>
+          <p:nvPr/>
+        </p:nvSpPr>
+        <p:spPr>
+          <a:xfrm>
+            <a:off x="174375" y="1133997"/>
+            <a:ext cx="2753033" cy="523220"/>
+          </a:xfrm>
+          <a:prstGeom prst="rect">
+            <a:avLst/>
+          </a:prstGeom>
+          <a:noFill/>
+        </p:spPr>
+        <p:txBody>
+          <a:bodyPr wrap="square">
+            <a:spAutoFit/>
+          </a:bodyPr>
+          <a:lstStyle/>
+          <a:p>
+            <a:r>
+              <a:rPr lang="en-US" altLang="zh-TW" sz="2800" b="1" i="1" u="none" strike="noStrike" dirty="0" err="1">
+                <a:solidFill>
+                  <a:srgbClr val="000000"/>
+                </a:solidFill>
+                <a:effectLst/>
+                <a:latin typeface="新細明體" panose="02020500000000000000" pitchFamily="18" charset="-120"/>
+                <a:ea typeface="新細明體" panose="02020500000000000000" pitchFamily="18" charset="-120"/>
+              </a:rPr>
+              <a:t>Phytichthys</a:t>
+            </a:r>
+            <a:r>
+              <a:rPr lang="en-US" altLang="zh-TW" sz="2800" b="1" i="1" u="none" strike="noStrike" dirty="0">
+                <a:solidFill>
+                  <a:srgbClr val="000000"/>
+                </a:solidFill>
+                <a:effectLst/>
+                <a:latin typeface="新細明體" panose="02020500000000000000" pitchFamily="18" charset="-120"/>
+                <a:ea typeface="新細明體" panose="02020500000000000000" pitchFamily="18" charset="-120"/>
+              </a:rPr>
+              <a:t> chirus</a:t>
+            </a:r>
+            <a:endParaRPr lang="zh-TW" altLang="en-US" sz="2800" dirty="0"/>
+          </a:p>
+        </p:txBody>
+      </p:sp>
+      <p:sp>
+        <p:nvSpPr>
+          <p:cNvPr id="24" name="文字方塊 23">
+            <a:extLst>
+              <a:ext uri="{FF2B5EF4-FFF2-40B4-BE49-F238E27FC236}">
+                <a16:creationId xmlns:a16="http://schemas.microsoft.com/office/drawing/2014/main" id="{5751C0CA-618F-3EF9-EB43-E8FD6052345F}"/>
+              </a:ext>
+            </a:extLst>
+          </p:cNvPr>
+          <p:cNvSpPr txBox="1"/>
+          <p:nvPr/>
+        </p:nvSpPr>
+        <p:spPr>
+          <a:xfrm>
+            <a:off x="478191" y="4294458"/>
+            <a:ext cx="2048644" cy="1015663"/>
+          </a:xfrm>
+          <a:prstGeom prst="rect">
+            <a:avLst/>
+          </a:prstGeom>
+          <a:noFill/>
+        </p:spPr>
+        <p:txBody>
+          <a:bodyPr wrap="square">
+            <a:spAutoFit/>
+          </a:bodyPr>
+          <a:lstStyle/>
+          <a:p>
+            <a:r>
+              <a:rPr lang="en-US" altLang="zh-TW" sz="2000" dirty="0"/>
+              <a:t>contig_64 &amp; </a:t>
+            </a:r>
+          </a:p>
+          <a:p>
+            <a:r>
+              <a:rPr lang="en-US" altLang="zh-TW" sz="2000" dirty="0"/>
+              <a:t>contig_2882 &amp; </a:t>
+            </a:r>
+          </a:p>
+          <a:p>
+            <a:r>
+              <a:rPr lang="en-US" altLang="zh-TW" sz="2000" dirty="0"/>
+              <a:t>contig_579</a:t>
+            </a:r>
+            <a:endParaRPr lang="zh-TW" altLang="en-US" sz="2000" dirty="0"/>
+          </a:p>
+        </p:txBody>
+      </p:sp>
+      <p:sp>
+        <p:nvSpPr>
+          <p:cNvPr id="3" name="文字方塊 2">
+            <a:extLst>
+              <a:ext uri="{FF2B5EF4-FFF2-40B4-BE49-F238E27FC236}">
+                <a16:creationId xmlns:a16="http://schemas.microsoft.com/office/drawing/2014/main" id="{E14008A8-24DE-3770-1E78-B3D7E93E02EB}"/>
+              </a:ext>
+            </a:extLst>
+          </p:cNvPr>
+          <p:cNvSpPr txBox="1"/>
+          <p:nvPr/>
+        </p:nvSpPr>
+        <p:spPr>
+          <a:xfrm>
+            <a:off x="1388367" y="2399308"/>
+            <a:ext cx="2394762" cy="307777"/>
+          </a:xfrm>
+          <a:prstGeom prst="rect">
+            <a:avLst/>
+          </a:prstGeom>
+          <a:noFill/>
+        </p:spPr>
+        <p:txBody>
+          <a:bodyPr wrap="square">
+            <a:spAutoFit/>
+          </a:bodyPr>
+          <a:lstStyle/>
+          <a:p>
+            <a:r>
+              <a:rPr lang="en-US" altLang="zh-TW" sz="1400" dirty="0">
+                <a:solidFill>
+                  <a:schemeClr val="accent2">
+                    <a:lumMod val="60000"/>
+                    <a:lumOff val="40000"/>
+                  </a:schemeClr>
+                </a:solidFill>
+              </a:rPr>
+              <a:t>g20031.t1:prokineticin-1</a:t>
+            </a:r>
+            <a:endParaRPr lang="zh-TW" altLang="en-US" sz="1400" dirty="0">
+              <a:solidFill>
+                <a:schemeClr val="accent2">
+                  <a:lumMod val="60000"/>
+                  <a:lumOff val="40000"/>
+                </a:schemeClr>
+              </a:solidFill>
+            </a:endParaRPr>
+          </a:p>
+        </p:txBody>
+      </p:sp>
+      <p:sp>
+        <p:nvSpPr>
+          <p:cNvPr id="11" name="箭號: 向左 10">
+            <a:extLst>
+              <a:ext uri="{FF2B5EF4-FFF2-40B4-BE49-F238E27FC236}">
+                <a16:creationId xmlns:a16="http://schemas.microsoft.com/office/drawing/2014/main" id="{1C4744AC-AEB3-2D37-E230-F9B49A0FAEA4}"/>
+              </a:ext>
+            </a:extLst>
+          </p:cNvPr>
+          <p:cNvSpPr/>
+          <p:nvPr/>
+        </p:nvSpPr>
+        <p:spPr>
+          <a:xfrm rot="10800000">
+            <a:off x="2559544" y="2020457"/>
+            <a:ext cx="551834" cy="369329"/>
+          </a:xfrm>
+          <a:prstGeom prst="leftArrow">
+            <a:avLst/>
+          </a:prstGeom>
+        </p:spPr>
+        <p:style>
+          <a:lnRef idx="1">
+            <a:schemeClr val="accent2"/>
+          </a:lnRef>
+          <a:fillRef idx="2">
+            <a:schemeClr val="accent2"/>
+          </a:fillRef>
+          <a:effectRef idx="1">
+            <a:schemeClr val="accent2"/>
+          </a:effectRef>
+          <a:fontRef idx="minor">
+            <a:schemeClr val="dk1"/>
+          </a:fontRef>
+        </p:style>
+        <p:txBody>
+          <a:bodyPr rtlCol="0" anchor="ctr"/>
+          <a:lstStyle/>
+          <a:p>
+            <a:pPr algn="ctr"/>
+            <a:endParaRPr lang="zh-TW" altLang="en-US" dirty="0"/>
+          </a:p>
+        </p:txBody>
+      </p:sp>
+      <p:sp>
+        <p:nvSpPr>
+          <p:cNvPr id="12" name="文字方塊 11">
+            <a:extLst>
+              <a:ext uri="{FF2B5EF4-FFF2-40B4-BE49-F238E27FC236}">
+                <a16:creationId xmlns:a16="http://schemas.microsoft.com/office/drawing/2014/main" id="{79CA8D27-3C1F-DA08-7B7C-BAD8D5C4A5E6}"/>
+              </a:ext>
+            </a:extLst>
+          </p:cNvPr>
+          <p:cNvSpPr txBox="1"/>
+          <p:nvPr/>
+        </p:nvSpPr>
+        <p:spPr>
+          <a:xfrm>
+            <a:off x="3741400" y="2399308"/>
+            <a:ext cx="2394762" cy="523220"/>
+          </a:xfrm>
+          <a:prstGeom prst="rect">
+            <a:avLst/>
+          </a:prstGeom>
+          <a:noFill/>
+        </p:spPr>
+        <p:txBody>
+          <a:bodyPr wrap="square">
+            <a:spAutoFit/>
+          </a:bodyPr>
+          <a:lstStyle/>
+          <a:p>
+            <a:r>
+              <a:rPr lang="en-US" altLang="zh-TW" sz="1400" dirty="0">
+                <a:solidFill>
+                  <a:schemeClr val="accent2">
+                    <a:lumMod val="60000"/>
+                    <a:lumOff val="40000"/>
+                  </a:schemeClr>
+                </a:solidFill>
+              </a:rPr>
+              <a:t>g20033.t1:uncharacterized protein</a:t>
+            </a:r>
+            <a:endParaRPr lang="zh-TW" altLang="en-US" sz="1400" dirty="0">
+              <a:solidFill>
+                <a:schemeClr val="accent2">
+                  <a:lumMod val="60000"/>
+                  <a:lumOff val="40000"/>
+                </a:schemeClr>
+              </a:solidFill>
+            </a:endParaRPr>
+          </a:p>
+        </p:txBody>
+      </p:sp>
+      <p:cxnSp>
+        <p:nvCxnSpPr>
+          <p:cNvPr id="45" name="直線接點 44">
+            <a:extLst>
+              <a:ext uri="{FF2B5EF4-FFF2-40B4-BE49-F238E27FC236}">
+                <a16:creationId xmlns:a16="http://schemas.microsoft.com/office/drawing/2014/main" id="{3A46CA18-CF8A-FC20-8E5D-F314B7ABAFCF}"/>
+              </a:ext>
+            </a:extLst>
+          </p:cNvPr>
+          <p:cNvCxnSpPr>
+            <a:cxnSpLocks/>
+          </p:cNvCxnSpPr>
+          <p:nvPr/>
+        </p:nvCxnSpPr>
+        <p:spPr>
+          <a:xfrm>
+            <a:off x="2330862" y="4410775"/>
+            <a:ext cx="3022801" cy="0"/>
+          </a:xfrm>
+          <a:prstGeom prst="line">
+            <a:avLst/>
+          </a:prstGeom>
+          <a:ln w="76200"/>
+        </p:spPr>
+        <p:style>
+          <a:lnRef idx="2">
+            <a:schemeClr val="dk1"/>
+          </a:lnRef>
+          <a:fillRef idx="0">
+            <a:schemeClr val="dk1"/>
+          </a:fillRef>
+          <a:effectRef idx="1">
+            <a:schemeClr val="dk1"/>
+          </a:effectRef>
+          <a:fontRef idx="minor">
+            <a:schemeClr val="tx1"/>
+          </a:fontRef>
+        </p:style>
+      </p:cxnSp>
+      <p:sp>
+        <p:nvSpPr>
+          <p:cNvPr id="46" name="箭號: 向左 45">
+            <a:extLst>
+              <a:ext uri="{FF2B5EF4-FFF2-40B4-BE49-F238E27FC236}">
+                <a16:creationId xmlns:a16="http://schemas.microsoft.com/office/drawing/2014/main" id="{026FCC1E-07E0-376A-5370-BAEBF144531D}"/>
+              </a:ext>
+            </a:extLst>
+          </p:cNvPr>
+          <p:cNvSpPr/>
+          <p:nvPr/>
+        </p:nvSpPr>
+        <p:spPr>
+          <a:xfrm rot="10800000">
+            <a:off x="3507213" y="4226111"/>
+            <a:ext cx="551834" cy="369329"/>
+          </a:xfrm>
+          <a:prstGeom prst="leftArrow">
+            <a:avLst/>
+          </a:prstGeom>
+        </p:spPr>
+        <p:style>
+          <a:lnRef idx="2">
+            <a:schemeClr val="accent1">
+              <a:shade val="15000"/>
+            </a:schemeClr>
+          </a:lnRef>
+          <a:fillRef idx="1">
+            <a:schemeClr val="accent1"/>
+          </a:fillRef>
+          <a:effectRef idx="0">
+            <a:schemeClr val="accent1"/>
+          </a:effectRef>
+          <a:fontRef idx="minor">
+            <a:schemeClr val="lt1"/>
+          </a:fontRef>
+        </p:style>
+        <p:txBody>
+          <a:bodyPr rtlCol="0" anchor="ctr"/>
+          <a:lstStyle/>
+          <a:p>
+            <a:pPr algn="ctr"/>
+            <a:endParaRPr lang="zh-TW" altLang="en-US"/>
+          </a:p>
+        </p:txBody>
+      </p:sp>
+      <p:sp>
+        <p:nvSpPr>
+          <p:cNvPr id="47" name="箭號: 向左 46">
+            <a:extLst>
+              <a:ext uri="{FF2B5EF4-FFF2-40B4-BE49-F238E27FC236}">
+                <a16:creationId xmlns:a16="http://schemas.microsoft.com/office/drawing/2014/main" id="{174BF0D4-C0CB-C1E5-9365-1C68BEFADE13}"/>
+              </a:ext>
+            </a:extLst>
+          </p:cNvPr>
+          <p:cNvSpPr/>
+          <p:nvPr/>
+        </p:nvSpPr>
+        <p:spPr>
+          <a:xfrm rot="10800000">
+            <a:off x="4287476" y="4226111"/>
+            <a:ext cx="551834" cy="369329"/>
+          </a:xfrm>
+          <a:prstGeom prst="leftArrow">
+            <a:avLst/>
+          </a:prstGeom>
+        </p:spPr>
+        <p:style>
+          <a:lnRef idx="1">
+            <a:schemeClr val="accent2"/>
+          </a:lnRef>
+          <a:fillRef idx="2">
+            <a:schemeClr val="accent2"/>
+          </a:fillRef>
+          <a:effectRef idx="1">
+            <a:schemeClr val="accent2"/>
+          </a:effectRef>
+          <a:fontRef idx="minor">
+            <a:schemeClr val="dk1"/>
+          </a:fontRef>
+        </p:style>
+        <p:txBody>
+          <a:bodyPr rtlCol="0" anchor="ctr"/>
+          <a:lstStyle/>
+          <a:p>
+            <a:pPr algn="ctr"/>
+            <a:endParaRPr lang="zh-TW" altLang="en-US" dirty="0"/>
+          </a:p>
+        </p:txBody>
+      </p:sp>
+      <p:sp>
+        <p:nvSpPr>
+          <p:cNvPr id="50" name="箭號: 向左 49">
+            <a:extLst>
+              <a:ext uri="{FF2B5EF4-FFF2-40B4-BE49-F238E27FC236}">
+                <a16:creationId xmlns:a16="http://schemas.microsoft.com/office/drawing/2014/main" id="{BE061580-55F8-3482-E414-A4E8270C94F0}"/>
+              </a:ext>
+            </a:extLst>
+          </p:cNvPr>
+          <p:cNvSpPr/>
+          <p:nvPr/>
+        </p:nvSpPr>
+        <p:spPr>
+          <a:xfrm rot="10800000">
+            <a:off x="2643120" y="4226111"/>
+            <a:ext cx="551834" cy="369329"/>
+          </a:xfrm>
+          <a:prstGeom prst="leftArrow">
+            <a:avLst/>
+          </a:prstGeom>
+        </p:spPr>
+        <p:style>
+          <a:lnRef idx="1">
+            <a:schemeClr val="accent2"/>
+          </a:lnRef>
+          <a:fillRef idx="2">
+            <a:schemeClr val="accent2"/>
+          </a:fillRef>
+          <a:effectRef idx="1">
+            <a:schemeClr val="accent2"/>
+          </a:effectRef>
+          <a:fontRef idx="minor">
+            <a:schemeClr val="dk1"/>
+          </a:fontRef>
+        </p:style>
+        <p:txBody>
+          <a:bodyPr rtlCol="0" anchor="ctr"/>
+          <a:lstStyle/>
+          <a:p>
+            <a:pPr algn="ctr"/>
+            <a:endParaRPr lang="zh-TW" altLang="en-US" dirty="0"/>
+          </a:p>
+        </p:txBody>
+      </p:sp>
+      <p:cxnSp>
+        <p:nvCxnSpPr>
+          <p:cNvPr id="60" name="直線接點 59">
+            <a:extLst>
+              <a:ext uri="{FF2B5EF4-FFF2-40B4-BE49-F238E27FC236}">
+                <a16:creationId xmlns:a16="http://schemas.microsoft.com/office/drawing/2014/main" id="{183F80F0-2CC8-1753-005D-34F223D04857}"/>
+              </a:ext>
+            </a:extLst>
+          </p:cNvPr>
+          <p:cNvCxnSpPr>
+            <a:cxnSpLocks/>
+          </p:cNvCxnSpPr>
+          <p:nvPr/>
+        </p:nvCxnSpPr>
+        <p:spPr>
+          <a:xfrm>
+            <a:off x="5523851" y="2205122"/>
+            <a:ext cx="3022801" cy="0"/>
+          </a:xfrm>
+          <a:prstGeom prst="line">
+            <a:avLst/>
+          </a:prstGeom>
+          <a:ln w="76200"/>
+        </p:spPr>
+        <p:style>
+          <a:lnRef idx="2">
+            <a:schemeClr val="dk1"/>
+          </a:lnRef>
+          <a:fillRef idx="0">
+            <a:schemeClr val="dk1"/>
+          </a:fillRef>
+          <a:effectRef idx="1">
+            <a:schemeClr val="dk1"/>
+          </a:effectRef>
+          <a:fontRef idx="minor">
+            <a:schemeClr val="tx1"/>
+          </a:fontRef>
+        </p:style>
+      </p:cxnSp>
+      <p:sp>
+        <p:nvSpPr>
+          <p:cNvPr id="61" name="箭號: 向左 60">
+            <a:extLst>
+              <a:ext uri="{FF2B5EF4-FFF2-40B4-BE49-F238E27FC236}">
+                <a16:creationId xmlns:a16="http://schemas.microsoft.com/office/drawing/2014/main" id="{0A429A59-80BF-71A3-3682-F01666EECD30}"/>
+              </a:ext>
+            </a:extLst>
+          </p:cNvPr>
+          <p:cNvSpPr/>
+          <p:nvPr/>
+        </p:nvSpPr>
+        <p:spPr>
+          <a:xfrm rot="10800000">
+            <a:off x="6700202" y="2020458"/>
+            <a:ext cx="551834" cy="369329"/>
+          </a:xfrm>
+          <a:prstGeom prst="leftArrow">
+            <a:avLst/>
+          </a:prstGeom>
+        </p:spPr>
+        <p:style>
+          <a:lnRef idx="2">
+            <a:schemeClr val="accent1">
+              <a:shade val="15000"/>
+            </a:schemeClr>
+          </a:lnRef>
+          <a:fillRef idx="1">
+            <a:schemeClr val="accent1"/>
+          </a:fillRef>
+          <a:effectRef idx="0">
+            <a:schemeClr val="accent1"/>
+          </a:effectRef>
+          <a:fontRef idx="minor">
+            <a:schemeClr val="lt1"/>
+          </a:fontRef>
+        </p:style>
+        <p:txBody>
+          <a:bodyPr rtlCol="0" anchor="ctr"/>
+          <a:lstStyle/>
+          <a:p>
+            <a:pPr algn="ctr"/>
+            <a:endParaRPr lang="zh-TW" altLang="en-US"/>
+          </a:p>
+        </p:txBody>
+      </p:sp>
+      <p:sp>
+        <p:nvSpPr>
+          <p:cNvPr id="62" name="箭號: 向左 61">
+            <a:extLst>
+              <a:ext uri="{FF2B5EF4-FFF2-40B4-BE49-F238E27FC236}">
+                <a16:creationId xmlns:a16="http://schemas.microsoft.com/office/drawing/2014/main" id="{3B51CE33-3B33-B706-53AB-E6C1F764C65C}"/>
+              </a:ext>
+            </a:extLst>
+          </p:cNvPr>
+          <p:cNvSpPr/>
+          <p:nvPr/>
+        </p:nvSpPr>
+        <p:spPr>
+          <a:xfrm rot="10800000">
+            <a:off x="7480465" y="2020458"/>
+            <a:ext cx="551834" cy="369329"/>
+          </a:xfrm>
+          <a:prstGeom prst="leftArrow">
+            <a:avLst/>
+          </a:prstGeom>
+        </p:spPr>
+        <p:style>
+          <a:lnRef idx="1">
+            <a:schemeClr val="accent2"/>
+          </a:lnRef>
+          <a:fillRef idx="2">
+            <a:schemeClr val="accent2"/>
+          </a:fillRef>
+          <a:effectRef idx="1">
+            <a:schemeClr val="accent2"/>
+          </a:effectRef>
+          <a:fontRef idx="minor">
+            <a:schemeClr val="dk1"/>
+          </a:fontRef>
+        </p:style>
+        <p:txBody>
+          <a:bodyPr rtlCol="0" anchor="ctr"/>
+          <a:lstStyle/>
+          <a:p>
+            <a:pPr algn="ctr"/>
+            <a:endParaRPr lang="zh-TW" altLang="en-US" dirty="0"/>
+          </a:p>
+        </p:txBody>
+      </p:sp>
+      <p:sp>
+        <p:nvSpPr>
+          <p:cNvPr id="63" name="文字方塊 62">
+            <a:extLst>
+              <a:ext uri="{FF2B5EF4-FFF2-40B4-BE49-F238E27FC236}">
+                <a16:creationId xmlns:a16="http://schemas.microsoft.com/office/drawing/2014/main" id="{81441CC8-2912-E7F5-4465-540B5EE23DA9}"/>
+              </a:ext>
+            </a:extLst>
+          </p:cNvPr>
+          <p:cNvSpPr txBox="1"/>
+          <p:nvPr/>
+        </p:nvSpPr>
+        <p:spPr>
+          <a:xfrm>
+            <a:off x="6292721" y="1679704"/>
+            <a:ext cx="2782979" cy="369332"/>
+          </a:xfrm>
+          <a:prstGeom prst="rect">
+            <a:avLst/>
+          </a:prstGeom>
+          <a:noFill/>
+        </p:spPr>
+        <p:txBody>
+          <a:bodyPr wrap="square">
+            <a:spAutoFit/>
+          </a:bodyPr>
+          <a:lstStyle/>
+          <a:p>
+            <a:r>
+              <a:rPr lang="en-US" altLang="zh-TW" sz="1800" dirty="0">
+                <a:solidFill>
+                  <a:schemeClr val="accent1">
+                    <a:lumMod val="75000"/>
+                  </a:schemeClr>
+                </a:solidFill>
+              </a:rPr>
+              <a:t>g4760: </a:t>
+            </a:r>
+            <a:r>
+              <a:rPr lang="en-US" altLang="zh-TW" dirty="0">
+                <a:solidFill>
+                  <a:schemeClr val="accent1">
+                    <a:lumMod val="75000"/>
+                  </a:schemeClr>
+                </a:solidFill>
+              </a:rPr>
+              <a:t>Pepsin A -2</a:t>
+            </a:r>
+            <a:endParaRPr lang="zh-TW" altLang="en-US" dirty="0">
+              <a:solidFill>
+                <a:schemeClr val="accent1">
+                  <a:lumMod val="75000"/>
+                </a:schemeClr>
+              </a:solidFill>
+            </a:endParaRPr>
+          </a:p>
+        </p:txBody>
+      </p:sp>
+      <p:sp>
+        <p:nvSpPr>
+          <p:cNvPr id="64" name="文字方塊 63">
+            <a:extLst>
+              <a:ext uri="{FF2B5EF4-FFF2-40B4-BE49-F238E27FC236}">
+                <a16:creationId xmlns:a16="http://schemas.microsoft.com/office/drawing/2014/main" id="{075D0453-E614-723E-0923-F5DEC9412851}"/>
+              </a:ext>
+            </a:extLst>
+          </p:cNvPr>
+          <p:cNvSpPr txBox="1"/>
+          <p:nvPr/>
+        </p:nvSpPr>
+        <p:spPr>
+          <a:xfrm>
+            <a:off x="5128936" y="3012801"/>
+            <a:ext cx="2394762" cy="523220"/>
+          </a:xfrm>
+          <a:prstGeom prst="rect">
+            <a:avLst/>
+          </a:prstGeom>
+          <a:noFill/>
+        </p:spPr>
+        <p:txBody>
+          <a:bodyPr wrap="square">
+            <a:spAutoFit/>
+          </a:bodyPr>
+          <a:lstStyle/>
+          <a:p>
+            <a:r>
+              <a:rPr lang="en-US" altLang="zh-TW" sz="1400" dirty="0">
+                <a:solidFill>
+                  <a:schemeClr val="accent2">
+                    <a:lumMod val="60000"/>
+                    <a:lumOff val="40000"/>
+                  </a:schemeClr>
+                </a:solidFill>
+              </a:rPr>
+              <a:t>g4759.t1: ankyrin repeat and SOCS box protein 12-like</a:t>
+            </a:r>
+            <a:endParaRPr lang="zh-TW" altLang="en-US" sz="1400" dirty="0">
+              <a:solidFill>
+                <a:schemeClr val="accent2">
+                  <a:lumMod val="60000"/>
+                  <a:lumOff val="40000"/>
+                </a:schemeClr>
+              </a:solidFill>
+            </a:endParaRPr>
+          </a:p>
+        </p:txBody>
+      </p:sp>
+      <p:sp>
+        <p:nvSpPr>
+          <p:cNvPr id="65" name="箭號: 向左 64">
+            <a:extLst>
+              <a:ext uri="{FF2B5EF4-FFF2-40B4-BE49-F238E27FC236}">
+                <a16:creationId xmlns:a16="http://schemas.microsoft.com/office/drawing/2014/main" id="{F3E87655-EF77-347C-3997-697694657D95}"/>
+              </a:ext>
+            </a:extLst>
+          </p:cNvPr>
+          <p:cNvSpPr/>
+          <p:nvPr/>
+        </p:nvSpPr>
+        <p:spPr>
+          <a:xfrm rot="10800000">
+            <a:off x="5836109" y="2020458"/>
+            <a:ext cx="551834" cy="369329"/>
+          </a:xfrm>
+          <a:prstGeom prst="leftArrow">
+            <a:avLst/>
+          </a:prstGeom>
+        </p:spPr>
+        <p:style>
+          <a:lnRef idx="1">
+            <a:schemeClr val="accent2"/>
+          </a:lnRef>
+          <a:fillRef idx="2">
+            <a:schemeClr val="accent2"/>
+          </a:fillRef>
+          <a:effectRef idx="1">
+            <a:schemeClr val="accent2"/>
+          </a:effectRef>
+          <a:fontRef idx="minor">
+            <a:schemeClr val="dk1"/>
+          </a:fontRef>
+        </p:style>
+        <p:txBody>
+          <a:bodyPr rtlCol="0" anchor="ctr"/>
+          <a:lstStyle/>
+          <a:p>
+            <a:pPr algn="ctr"/>
+            <a:endParaRPr lang="zh-TW" altLang="en-US" dirty="0"/>
+          </a:p>
+        </p:txBody>
+      </p:sp>
+      <p:sp>
+        <p:nvSpPr>
+          <p:cNvPr id="66" name="文字方塊 65">
+            <a:extLst>
+              <a:ext uri="{FF2B5EF4-FFF2-40B4-BE49-F238E27FC236}">
+                <a16:creationId xmlns:a16="http://schemas.microsoft.com/office/drawing/2014/main" id="{C1E63474-0EF2-D9DC-517F-4D99FACB3851}"/>
+              </a:ext>
+            </a:extLst>
+          </p:cNvPr>
+          <p:cNvSpPr txBox="1"/>
+          <p:nvPr/>
+        </p:nvSpPr>
+        <p:spPr>
+          <a:xfrm>
+            <a:off x="7235584" y="2399308"/>
+            <a:ext cx="2394762" cy="738664"/>
+          </a:xfrm>
+          <a:prstGeom prst="rect">
+            <a:avLst/>
+          </a:prstGeom>
+          <a:noFill/>
+        </p:spPr>
+        <p:txBody>
+          <a:bodyPr wrap="square">
+            <a:spAutoFit/>
+          </a:bodyPr>
+          <a:lstStyle/>
+          <a:p>
+            <a:r>
+              <a:rPr lang="en-US" altLang="zh-TW" sz="1400" dirty="0">
+                <a:solidFill>
+                  <a:schemeClr val="accent2">
+                    <a:lumMod val="60000"/>
+                    <a:lumOff val="40000"/>
+                  </a:schemeClr>
+                </a:solidFill>
+              </a:rPr>
+              <a:t>g4761.t1: voltage-dependent T-type calcium channel subunit alpha-1G-like</a:t>
+            </a:r>
+            <a:endParaRPr lang="zh-TW" altLang="en-US" sz="1400" dirty="0">
+              <a:solidFill>
+                <a:schemeClr val="accent2">
+                  <a:lumMod val="60000"/>
+                  <a:lumOff val="40000"/>
+                </a:schemeClr>
+              </a:solidFill>
+            </a:endParaRPr>
+          </a:p>
+        </p:txBody>
+      </p:sp>
+      <p:cxnSp>
+        <p:nvCxnSpPr>
+          <p:cNvPr id="67" name="直線接點 66">
+            <a:extLst>
+              <a:ext uri="{FF2B5EF4-FFF2-40B4-BE49-F238E27FC236}">
+                <a16:creationId xmlns:a16="http://schemas.microsoft.com/office/drawing/2014/main" id="{E966F285-B807-7EE8-E04E-935845C10BC4}"/>
+              </a:ext>
+            </a:extLst>
+          </p:cNvPr>
+          <p:cNvCxnSpPr>
+            <a:cxnSpLocks/>
+          </p:cNvCxnSpPr>
+          <p:nvPr/>
+        </p:nvCxnSpPr>
+        <p:spPr>
+          <a:xfrm>
+            <a:off x="8817702" y="2205122"/>
+            <a:ext cx="3022801" cy="0"/>
+          </a:xfrm>
+          <a:prstGeom prst="line">
+            <a:avLst/>
+          </a:prstGeom>
+          <a:ln w="76200"/>
+        </p:spPr>
+        <p:style>
+          <a:lnRef idx="2">
+            <a:schemeClr val="dk1"/>
+          </a:lnRef>
+          <a:fillRef idx="0">
+            <a:schemeClr val="dk1"/>
+          </a:fillRef>
+          <a:effectRef idx="1">
+            <a:schemeClr val="dk1"/>
+          </a:effectRef>
+          <a:fontRef idx="minor">
+            <a:schemeClr val="tx1"/>
+          </a:fontRef>
+        </p:style>
+      </p:cxnSp>
+      <p:sp>
+        <p:nvSpPr>
+          <p:cNvPr id="68" name="箭號: 向左 67">
+            <a:extLst>
+              <a:ext uri="{FF2B5EF4-FFF2-40B4-BE49-F238E27FC236}">
+                <a16:creationId xmlns:a16="http://schemas.microsoft.com/office/drawing/2014/main" id="{F17F74E0-36EC-30CA-AE90-FCCCA8DD5399}"/>
+              </a:ext>
+            </a:extLst>
+          </p:cNvPr>
+          <p:cNvSpPr/>
+          <p:nvPr/>
+        </p:nvSpPr>
+        <p:spPr>
+          <a:xfrm rot="10800000">
+            <a:off x="9994053" y="2020458"/>
+            <a:ext cx="551834" cy="369329"/>
+          </a:xfrm>
+          <a:prstGeom prst="leftArrow">
+            <a:avLst/>
+          </a:prstGeom>
+        </p:spPr>
+        <p:style>
+          <a:lnRef idx="2">
+            <a:schemeClr val="accent1">
+              <a:shade val="15000"/>
+            </a:schemeClr>
+          </a:lnRef>
+          <a:fillRef idx="1">
+            <a:schemeClr val="accent1"/>
+          </a:fillRef>
+          <a:effectRef idx="0">
+            <a:schemeClr val="accent1"/>
+          </a:effectRef>
+          <a:fontRef idx="minor">
+            <a:schemeClr val="lt1"/>
+          </a:fontRef>
+        </p:style>
+        <p:txBody>
+          <a:bodyPr rtlCol="0" anchor="ctr"/>
+          <a:lstStyle/>
+          <a:p>
+            <a:pPr algn="ctr"/>
+            <a:endParaRPr lang="zh-TW" altLang="en-US"/>
+          </a:p>
+        </p:txBody>
+      </p:sp>
+      <p:sp>
+        <p:nvSpPr>
+          <p:cNvPr id="69" name="箭號: 向左 68">
+            <a:extLst>
+              <a:ext uri="{FF2B5EF4-FFF2-40B4-BE49-F238E27FC236}">
+                <a16:creationId xmlns:a16="http://schemas.microsoft.com/office/drawing/2014/main" id="{67A6A476-4F43-3EF8-9056-8F551659D919}"/>
+              </a:ext>
+            </a:extLst>
+          </p:cNvPr>
+          <p:cNvSpPr/>
+          <p:nvPr/>
+        </p:nvSpPr>
+        <p:spPr>
+          <a:xfrm rot="10800000">
+            <a:off x="10774316" y="2020458"/>
+            <a:ext cx="551834" cy="369329"/>
+          </a:xfrm>
+          <a:prstGeom prst="leftArrow">
+            <a:avLst/>
+          </a:prstGeom>
+        </p:spPr>
+        <p:style>
+          <a:lnRef idx="1">
+            <a:schemeClr val="accent2"/>
+          </a:lnRef>
+          <a:fillRef idx="2">
+            <a:schemeClr val="accent2"/>
+          </a:fillRef>
+          <a:effectRef idx="1">
+            <a:schemeClr val="accent2"/>
+          </a:effectRef>
+          <a:fontRef idx="minor">
+            <a:schemeClr val="dk1"/>
+          </a:fontRef>
+        </p:style>
+        <p:txBody>
+          <a:bodyPr rtlCol="0" anchor="ctr"/>
+          <a:lstStyle/>
+          <a:p>
+            <a:pPr algn="ctr"/>
+            <a:endParaRPr lang="zh-TW" altLang="en-US" dirty="0"/>
+          </a:p>
+        </p:txBody>
+      </p:sp>
+      <p:sp>
+        <p:nvSpPr>
+          <p:cNvPr id="70" name="文字方塊 69">
+            <a:extLst>
+              <a:ext uri="{FF2B5EF4-FFF2-40B4-BE49-F238E27FC236}">
+                <a16:creationId xmlns:a16="http://schemas.microsoft.com/office/drawing/2014/main" id="{13625D5C-C9C3-AA8C-42A1-B74C8E0C92FE}"/>
+              </a:ext>
+            </a:extLst>
+          </p:cNvPr>
+          <p:cNvSpPr txBox="1"/>
+          <p:nvPr/>
+        </p:nvSpPr>
+        <p:spPr>
+          <a:xfrm>
+            <a:off x="9586572" y="1617120"/>
+            <a:ext cx="2782979" cy="369332"/>
+          </a:xfrm>
+          <a:prstGeom prst="rect">
+            <a:avLst/>
+          </a:prstGeom>
+          <a:noFill/>
+        </p:spPr>
+        <p:txBody>
+          <a:bodyPr wrap="square">
+            <a:spAutoFit/>
+          </a:bodyPr>
+          <a:lstStyle/>
+          <a:p>
+            <a:r>
+              <a:rPr lang="en-US" altLang="zh-TW" sz="1800" dirty="0">
+                <a:solidFill>
+                  <a:schemeClr val="accent1">
+                    <a:lumMod val="75000"/>
+                  </a:schemeClr>
+                </a:solidFill>
+              </a:rPr>
+              <a:t>g10524:</a:t>
+            </a:r>
+            <a:r>
+              <a:rPr lang="en-US" altLang="zh-TW" dirty="0">
+                <a:solidFill>
+                  <a:schemeClr val="accent1">
+                    <a:lumMod val="75000"/>
+                  </a:schemeClr>
+                </a:solidFill>
+              </a:rPr>
+              <a:t>Pepsin A-1</a:t>
+            </a:r>
+            <a:endParaRPr lang="zh-TW" altLang="en-US" dirty="0">
+              <a:solidFill>
+                <a:schemeClr val="accent1">
+                  <a:lumMod val="75000"/>
+                </a:schemeClr>
+              </a:solidFill>
+            </a:endParaRPr>
+          </a:p>
+        </p:txBody>
+      </p:sp>
+      <p:sp>
+        <p:nvSpPr>
+          <p:cNvPr id="71" name="文字方塊 70">
+            <a:extLst>
+              <a:ext uri="{FF2B5EF4-FFF2-40B4-BE49-F238E27FC236}">
+                <a16:creationId xmlns:a16="http://schemas.microsoft.com/office/drawing/2014/main" id="{D2B35176-8B1A-B896-7450-9C2252458BFA}"/>
+              </a:ext>
+            </a:extLst>
+          </p:cNvPr>
+          <p:cNvSpPr txBox="1"/>
+          <p:nvPr/>
+        </p:nvSpPr>
+        <p:spPr>
+          <a:xfrm>
+            <a:off x="8282671" y="3012801"/>
+            <a:ext cx="2394762" cy="523220"/>
+          </a:xfrm>
+          <a:prstGeom prst="rect">
+            <a:avLst/>
+          </a:prstGeom>
+          <a:noFill/>
+        </p:spPr>
+        <p:txBody>
+          <a:bodyPr wrap="square">
+            <a:spAutoFit/>
+          </a:bodyPr>
+          <a:lstStyle/>
+          <a:p>
+            <a:r>
+              <a:rPr lang="en-US" altLang="zh-TW" sz="1400" dirty="0">
+                <a:solidFill>
+                  <a:schemeClr val="accent2">
+                    <a:lumMod val="60000"/>
+                    <a:lumOff val="40000"/>
+                  </a:schemeClr>
+                </a:solidFill>
+              </a:rPr>
+              <a:t>g10523.t1: BH3-interacting domain death agonist</a:t>
+            </a:r>
+            <a:endParaRPr lang="zh-TW" altLang="en-US" sz="1400" dirty="0">
+              <a:solidFill>
+                <a:schemeClr val="accent2">
+                  <a:lumMod val="60000"/>
+                  <a:lumOff val="40000"/>
+                </a:schemeClr>
+              </a:solidFill>
+            </a:endParaRPr>
+          </a:p>
+        </p:txBody>
+      </p:sp>
+      <p:sp>
+        <p:nvSpPr>
+          <p:cNvPr id="72" name="箭號: 向左 71">
+            <a:extLst>
+              <a:ext uri="{FF2B5EF4-FFF2-40B4-BE49-F238E27FC236}">
+                <a16:creationId xmlns:a16="http://schemas.microsoft.com/office/drawing/2014/main" id="{86D8B2A3-A06D-EB0A-F5F1-F7F33AD07ED0}"/>
+              </a:ext>
+            </a:extLst>
+          </p:cNvPr>
+          <p:cNvSpPr/>
+          <p:nvPr/>
+        </p:nvSpPr>
+        <p:spPr>
+          <a:xfrm rot="10800000">
+            <a:off x="9129960" y="2020458"/>
+            <a:ext cx="551834" cy="369329"/>
+          </a:xfrm>
+          <a:prstGeom prst="leftArrow">
+            <a:avLst/>
+          </a:prstGeom>
+        </p:spPr>
+        <p:style>
+          <a:lnRef idx="1">
+            <a:schemeClr val="accent2"/>
+          </a:lnRef>
+          <a:fillRef idx="2">
+            <a:schemeClr val="accent2"/>
+          </a:fillRef>
+          <a:effectRef idx="1">
+            <a:schemeClr val="accent2"/>
+          </a:effectRef>
+          <a:fontRef idx="minor">
+            <a:schemeClr val="dk1"/>
+          </a:fontRef>
+        </p:style>
+        <p:txBody>
+          <a:bodyPr rtlCol="0" anchor="ctr"/>
+          <a:lstStyle/>
+          <a:p>
+            <a:pPr algn="ctr"/>
+            <a:endParaRPr lang="zh-TW" altLang="en-US" dirty="0"/>
+          </a:p>
+        </p:txBody>
+      </p:sp>
+      <p:sp>
+        <p:nvSpPr>
+          <p:cNvPr id="73" name="文字方塊 72">
+            <a:extLst>
+              <a:ext uri="{FF2B5EF4-FFF2-40B4-BE49-F238E27FC236}">
+                <a16:creationId xmlns:a16="http://schemas.microsoft.com/office/drawing/2014/main" id="{AFBB9C6C-5C94-FA3C-A17A-203F32C42D06}"/>
+              </a:ext>
+            </a:extLst>
+          </p:cNvPr>
+          <p:cNvSpPr txBox="1"/>
+          <p:nvPr/>
+        </p:nvSpPr>
+        <p:spPr>
+          <a:xfrm>
+            <a:off x="10329102" y="2399308"/>
+            <a:ext cx="2394762" cy="523220"/>
+          </a:xfrm>
+          <a:prstGeom prst="rect">
+            <a:avLst/>
+          </a:prstGeom>
+          <a:noFill/>
+        </p:spPr>
+        <p:txBody>
+          <a:bodyPr wrap="square">
+            <a:spAutoFit/>
+          </a:bodyPr>
+          <a:lstStyle/>
+          <a:p>
+            <a:r>
+              <a:rPr lang="en-US" altLang="zh-TW" sz="1400" dirty="0">
+                <a:solidFill>
+                  <a:schemeClr val="accent2">
+                    <a:lumMod val="60000"/>
+                    <a:lumOff val="40000"/>
+                  </a:schemeClr>
+                </a:solidFill>
+              </a:rPr>
+              <a:t>g10525.t1: DENN domain-containing protein 11</a:t>
+            </a:r>
+            <a:endParaRPr lang="zh-TW" altLang="en-US" sz="1400" dirty="0">
+              <a:solidFill>
+                <a:schemeClr val="accent2">
+                  <a:lumMod val="60000"/>
+                  <a:lumOff val="40000"/>
+                </a:schemeClr>
+              </a:solidFill>
+            </a:endParaRPr>
+          </a:p>
+        </p:txBody>
+      </p:sp>
+      <p:cxnSp>
+        <p:nvCxnSpPr>
+          <p:cNvPr id="74" name="直線接點 73">
+            <a:extLst>
+              <a:ext uri="{FF2B5EF4-FFF2-40B4-BE49-F238E27FC236}">
+                <a16:creationId xmlns:a16="http://schemas.microsoft.com/office/drawing/2014/main" id="{AAE7B92B-3A19-A358-5AD2-59060E6915FF}"/>
+              </a:ext>
+            </a:extLst>
+          </p:cNvPr>
+          <p:cNvCxnSpPr>
+            <a:cxnSpLocks/>
+          </p:cNvCxnSpPr>
+          <p:nvPr/>
+        </p:nvCxnSpPr>
+        <p:spPr>
+          <a:xfrm>
+            <a:off x="5582091" y="4410775"/>
+            <a:ext cx="3022801" cy="0"/>
+          </a:xfrm>
+          <a:prstGeom prst="line">
+            <a:avLst/>
+          </a:prstGeom>
+          <a:ln w="76200"/>
+        </p:spPr>
+        <p:style>
+          <a:lnRef idx="2">
+            <a:schemeClr val="dk1"/>
+          </a:lnRef>
+          <a:fillRef idx="0">
+            <a:schemeClr val="dk1"/>
+          </a:fillRef>
+          <a:effectRef idx="1">
+            <a:schemeClr val="dk1"/>
+          </a:effectRef>
+          <a:fontRef idx="minor">
+            <a:schemeClr val="tx1"/>
+          </a:fontRef>
+        </p:style>
+      </p:cxnSp>
+      <p:sp>
+        <p:nvSpPr>
+          <p:cNvPr id="75" name="箭號: 向左 74">
+            <a:extLst>
+              <a:ext uri="{FF2B5EF4-FFF2-40B4-BE49-F238E27FC236}">
+                <a16:creationId xmlns:a16="http://schemas.microsoft.com/office/drawing/2014/main" id="{FB8DEE73-FDD2-0C09-5914-3808C50D3A9A}"/>
+              </a:ext>
+            </a:extLst>
+          </p:cNvPr>
+          <p:cNvSpPr/>
+          <p:nvPr/>
+        </p:nvSpPr>
+        <p:spPr>
+          <a:xfrm rot="10800000">
+            <a:off x="6758442" y="4226111"/>
+            <a:ext cx="551834" cy="369329"/>
+          </a:xfrm>
+          <a:prstGeom prst="leftArrow">
+            <a:avLst/>
+          </a:prstGeom>
+        </p:spPr>
+        <p:style>
+          <a:lnRef idx="2">
+            <a:schemeClr val="accent1">
+              <a:shade val="15000"/>
+            </a:schemeClr>
+          </a:lnRef>
+          <a:fillRef idx="1">
+            <a:schemeClr val="accent1"/>
+          </a:fillRef>
+          <a:effectRef idx="0">
+            <a:schemeClr val="accent1"/>
+          </a:effectRef>
+          <a:fontRef idx="minor">
+            <a:schemeClr val="lt1"/>
+          </a:fontRef>
+        </p:style>
+        <p:txBody>
+          <a:bodyPr rtlCol="0" anchor="ctr"/>
+          <a:lstStyle/>
+          <a:p>
+            <a:pPr algn="ctr"/>
+            <a:endParaRPr lang="zh-TW" altLang="en-US"/>
+          </a:p>
+        </p:txBody>
+      </p:sp>
+      <p:sp>
+        <p:nvSpPr>
+          <p:cNvPr id="76" name="箭號: 向左 75">
+            <a:extLst>
+              <a:ext uri="{FF2B5EF4-FFF2-40B4-BE49-F238E27FC236}">
+                <a16:creationId xmlns:a16="http://schemas.microsoft.com/office/drawing/2014/main" id="{236B52A9-474D-813B-EF7B-94123A550F2A}"/>
+              </a:ext>
+            </a:extLst>
+          </p:cNvPr>
+          <p:cNvSpPr/>
+          <p:nvPr/>
+        </p:nvSpPr>
+        <p:spPr>
+          <a:xfrm rot="10800000">
+            <a:off x="7538705" y="4226111"/>
+            <a:ext cx="551834" cy="369329"/>
+          </a:xfrm>
+          <a:prstGeom prst="leftArrow">
+            <a:avLst/>
+          </a:prstGeom>
+        </p:spPr>
+        <p:style>
+          <a:lnRef idx="1">
+            <a:schemeClr val="accent2"/>
+          </a:lnRef>
+          <a:fillRef idx="2">
+            <a:schemeClr val="accent2"/>
+          </a:fillRef>
+          <a:effectRef idx="1">
+            <a:schemeClr val="accent2"/>
+          </a:effectRef>
+          <a:fontRef idx="minor">
+            <a:schemeClr val="dk1"/>
+          </a:fontRef>
+        </p:style>
+        <p:txBody>
+          <a:bodyPr rtlCol="0" anchor="ctr"/>
+          <a:lstStyle/>
+          <a:p>
+            <a:pPr algn="ctr"/>
+            <a:endParaRPr lang="zh-TW" altLang="en-US" dirty="0"/>
+          </a:p>
+        </p:txBody>
+      </p:sp>
+      <p:sp>
+        <p:nvSpPr>
+          <p:cNvPr id="77" name="箭號: 向左 76">
+            <a:extLst>
+              <a:ext uri="{FF2B5EF4-FFF2-40B4-BE49-F238E27FC236}">
+                <a16:creationId xmlns:a16="http://schemas.microsoft.com/office/drawing/2014/main" id="{8C935CEE-B899-629B-BB60-8E45398A1A8F}"/>
+              </a:ext>
+            </a:extLst>
+          </p:cNvPr>
+          <p:cNvSpPr/>
+          <p:nvPr/>
+        </p:nvSpPr>
+        <p:spPr>
+          <a:xfrm rot="10800000">
+            <a:off x="5894349" y="4226111"/>
+            <a:ext cx="551834" cy="369329"/>
+          </a:xfrm>
+          <a:prstGeom prst="leftArrow">
+            <a:avLst/>
+          </a:prstGeom>
+        </p:spPr>
+        <p:style>
+          <a:lnRef idx="1">
+            <a:schemeClr val="accent2"/>
+          </a:lnRef>
+          <a:fillRef idx="2">
+            <a:schemeClr val="accent2"/>
+          </a:fillRef>
+          <a:effectRef idx="1">
+            <a:schemeClr val="accent2"/>
+          </a:effectRef>
+          <a:fontRef idx="minor">
+            <a:schemeClr val="dk1"/>
+          </a:fontRef>
+        </p:style>
+        <p:txBody>
+          <a:bodyPr rtlCol="0" anchor="ctr"/>
+          <a:lstStyle/>
+          <a:p>
+            <a:pPr algn="ctr"/>
+            <a:endParaRPr lang="zh-TW" altLang="en-US" dirty="0"/>
+          </a:p>
+        </p:txBody>
+      </p:sp>
+      <p:cxnSp>
+        <p:nvCxnSpPr>
+          <p:cNvPr id="78" name="直線接點 77">
+            <a:extLst>
+              <a:ext uri="{FF2B5EF4-FFF2-40B4-BE49-F238E27FC236}">
+                <a16:creationId xmlns:a16="http://schemas.microsoft.com/office/drawing/2014/main" id="{DD7EBEAE-1632-147D-134A-3806936F27DE}"/>
+              </a:ext>
+            </a:extLst>
+          </p:cNvPr>
+          <p:cNvCxnSpPr>
+            <a:cxnSpLocks/>
+          </p:cNvCxnSpPr>
+          <p:nvPr/>
+        </p:nvCxnSpPr>
+        <p:spPr>
+          <a:xfrm>
+            <a:off x="8928792" y="4410775"/>
+            <a:ext cx="3022801" cy="0"/>
+          </a:xfrm>
+          <a:prstGeom prst="line">
+            <a:avLst/>
+          </a:prstGeom>
+          <a:ln w="76200"/>
+        </p:spPr>
+        <p:style>
+          <a:lnRef idx="2">
+            <a:schemeClr val="dk1"/>
+          </a:lnRef>
+          <a:fillRef idx="0">
+            <a:schemeClr val="dk1"/>
+          </a:fillRef>
+          <a:effectRef idx="1">
+            <a:schemeClr val="dk1"/>
+          </a:effectRef>
+          <a:fontRef idx="minor">
+            <a:schemeClr val="tx1"/>
+          </a:fontRef>
+        </p:style>
+      </p:cxnSp>
+      <p:sp>
+        <p:nvSpPr>
+          <p:cNvPr id="79" name="箭號: 向左 78">
+            <a:extLst>
+              <a:ext uri="{FF2B5EF4-FFF2-40B4-BE49-F238E27FC236}">
+                <a16:creationId xmlns:a16="http://schemas.microsoft.com/office/drawing/2014/main" id="{C49CD655-E602-1294-938F-4656F6E20E7B}"/>
+              </a:ext>
+            </a:extLst>
+          </p:cNvPr>
+          <p:cNvSpPr/>
+          <p:nvPr/>
+        </p:nvSpPr>
+        <p:spPr>
+          <a:xfrm rot="10800000">
+            <a:off x="10105143" y="4226111"/>
+            <a:ext cx="551834" cy="369329"/>
+          </a:xfrm>
+          <a:prstGeom prst="leftArrow">
+            <a:avLst/>
+          </a:prstGeom>
+        </p:spPr>
+        <p:style>
+          <a:lnRef idx="2">
+            <a:schemeClr val="accent1">
+              <a:shade val="15000"/>
+            </a:schemeClr>
+          </a:lnRef>
+          <a:fillRef idx="1">
+            <a:schemeClr val="accent1"/>
+          </a:fillRef>
+          <a:effectRef idx="0">
+            <a:schemeClr val="accent1"/>
+          </a:effectRef>
+          <a:fontRef idx="minor">
+            <a:schemeClr val="lt1"/>
+          </a:fontRef>
+        </p:style>
+        <p:txBody>
+          <a:bodyPr rtlCol="0" anchor="ctr"/>
+          <a:lstStyle/>
+          <a:p>
+            <a:pPr algn="ctr"/>
+            <a:endParaRPr lang="zh-TW" altLang="en-US"/>
+          </a:p>
+        </p:txBody>
+      </p:sp>
+      <p:sp>
+        <p:nvSpPr>
+          <p:cNvPr id="80" name="箭號: 向左 79">
+            <a:extLst>
+              <a:ext uri="{FF2B5EF4-FFF2-40B4-BE49-F238E27FC236}">
+                <a16:creationId xmlns:a16="http://schemas.microsoft.com/office/drawing/2014/main" id="{2C313F30-E169-73BF-455F-D71E562E03A2}"/>
+              </a:ext>
+            </a:extLst>
+          </p:cNvPr>
+          <p:cNvSpPr/>
+          <p:nvPr/>
+        </p:nvSpPr>
+        <p:spPr>
+          <a:xfrm rot="10800000">
+            <a:off x="10885406" y="4226111"/>
+            <a:ext cx="551834" cy="369329"/>
+          </a:xfrm>
+          <a:prstGeom prst="leftArrow">
+            <a:avLst/>
+          </a:prstGeom>
+        </p:spPr>
+        <p:style>
+          <a:lnRef idx="1">
+            <a:schemeClr val="accent2"/>
+          </a:lnRef>
+          <a:fillRef idx="2">
+            <a:schemeClr val="accent2"/>
+          </a:fillRef>
+          <a:effectRef idx="1">
+            <a:schemeClr val="accent2"/>
+          </a:effectRef>
+          <a:fontRef idx="minor">
+            <a:schemeClr val="dk1"/>
+          </a:fontRef>
+        </p:style>
+        <p:txBody>
+          <a:bodyPr rtlCol="0" anchor="ctr"/>
+          <a:lstStyle/>
+          <a:p>
+            <a:pPr algn="ctr"/>
+            <a:endParaRPr lang="zh-TW" altLang="en-US" dirty="0"/>
+          </a:p>
+        </p:txBody>
+      </p:sp>
+      <p:sp>
+        <p:nvSpPr>
+          <p:cNvPr id="81" name="箭號: 向左 80">
+            <a:extLst>
+              <a:ext uri="{FF2B5EF4-FFF2-40B4-BE49-F238E27FC236}">
+                <a16:creationId xmlns:a16="http://schemas.microsoft.com/office/drawing/2014/main" id="{7330A5EE-170F-5A76-FC0E-D03FC98B1B2F}"/>
+              </a:ext>
+            </a:extLst>
+          </p:cNvPr>
+          <p:cNvSpPr/>
+          <p:nvPr/>
+        </p:nvSpPr>
+        <p:spPr>
+          <a:xfrm rot="10800000">
+            <a:off x="9241050" y="4226111"/>
+            <a:ext cx="551834" cy="369329"/>
+          </a:xfrm>
+          <a:prstGeom prst="leftArrow">
+            <a:avLst/>
+          </a:prstGeom>
+        </p:spPr>
+        <p:style>
+          <a:lnRef idx="1">
+            <a:schemeClr val="accent2"/>
+          </a:lnRef>
+          <a:fillRef idx="2">
+            <a:schemeClr val="accent2"/>
+          </a:fillRef>
+          <a:effectRef idx="1">
+            <a:schemeClr val="accent2"/>
+          </a:effectRef>
+          <a:fontRef idx="minor">
+            <a:schemeClr val="dk1"/>
+          </a:fontRef>
+        </p:style>
+        <p:txBody>
+          <a:bodyPr rtlCol="0" anchor="ctr"/>
+          <a:lstStyle/>
+          <a:p>
+            <a:pPr algn="ctr"/>
+            <a:endParaRPr lang="zh-TW" altLang="en-US" dirty="0"/>
+          </a:p>
+        </p:txBody>
+      </p:sp>
+      <p:sp>
+        <p:nvSpPr>
+          <p:cNvPr id="82" name="文字方塊 81">
+            <a:extLst>
+              <a:ext uri="{FF2B5EF4-FFF2-40B4-BE49-F238E27FC236}">
+                <a16:creationId xmlns:a16="http://schemas.microsoft.com/office/drawing/2014/main" id="{F7DB4A5B-4D35-353C-A837-19546EBA1912}"/>
+              </a:ext>
+            </a:extLst>
+          </p:cNvPr>
+          <p:cNvSpPr txBox="1"/>
+          <p:nvPr/>
+        </p:nvSpPr>
+        <p:spPr>
+          <a:xfrm>
+            <a:off x="1674100" y="3870968"/>
+            <a:ext cx="3495232" cy="369332"/>
+          </a:xfrm>
+          <a:prstGeom prst="rect">
+            <a:avLst/>
+          </a:prstGeom>
+          <a:noFill/>
+        </p:spPr>
+        <p:txBody>
+          <a:bodyPr wrap="square">
+            <a:spAutoFit/>
+          </a:bodyPr>
+          <a:lstStyle/>
+          <a:p>
+            <a:r>
+              <a:rPr lang="en-US" altLang="zh-TW" sz="1800" dirty="0">
+                <a:solidFill>
+                  <a:schemeClr val="accent1">
+                    <a:lumMod val="75000"/>
+                  </a:schemeClr>
+                </a:solidFill>
+              </a:rPr>
+              <a:t>jg5382 (GENE 20663) : </a:t>
+            </a:r>
+            <a:r>
+              <a:rPr lang="en-US" altLang="zh-TW" dirty="0">
+                <a:solidFill>
+                  <a:schemeClr val="accent1">
+                    <a:lumMod val="75000"/>
+                  </a:schemeClr>
+                </a:solidFill>
+              </a:rPr>
+              <a:t>Pepsin A-1</a:t>
+            </a:r>
+            <a:endParaRPr lang="zh-TW" altLang="en-US" dirty="0">
+              <a:solidFill>
+                <a:schemeClr val="accent1">
+                  <a:lumMod val="75000"/>
+                </a:schemeClr>
+              </a:solidFill>
+            </a:endParaRPr>
+          </a:p>
+        </p:txBody>
+      </p:sp>
+      <p:sp>
+        <p:nvSpPr>
+          <p:cNvPr id="83" name="文字方塊 82">
+            <a:extLst>
+              <a:ext uri="{FF2B5EF4-FFF2-40B4-BE49-F238E27FC236}">
+                <a16:creationId xmlns:a16="http://schemas.microsoft.com/office/drawing/2014/main" id="{8A257959-B33F-FBF8-2D36-BD89A6538866}"/>
+              </a:ext>
+            </a:extLst>
+          </p:cNvPr>
+          <p:cNvSpPr txBox="1"/>
+          <p:nvPr/>
+        </p:nvSpPr>
+        <p:spPr>
+          <a:xfrm>
+            <a:off x="3975471" y="4648500"/>
+            <a:ext cx="2394762" cy="523220"/>
+          </a:xfrm>
+          <a:prstGeom prst="rect">
+            <a:avLst/>
+          </a:prstGeom>
+          <a:noFill/>
+        </p:spPr>
+        <p:txBody>
+          <a:bodyPr wrap="square">
+            <a:spAutoFit/>
+          </a:bodyPr>
+          <a:lstStyle/>
+          <a:p>
+            <a:r>
+              <a:rPr lang="en-US" altLang="zh-TW" sz="1400" dirty="0">
+                <a:solidFill>
+                  <a:schemeClr val="accent2">
+                    <a:lumMod val="60000"/>
+                    <a:lumOff val="40000"/>
+                  </a:schemeClr>
+                </a:solidFill>
+              </a:rPr>
+              <a:t>GENE_20662: uncharacterized protein</a:t>
+            </a:r>
+            <a:endParaRPr lang="zh-TW" altLang="en-US" sz="1400" dirty="0">
+              <a:solidFill>
+                <a:schemeClr val="accent2">
+                  <a:lumMod val="60000"/>
+                  <a:lumOff val="40000"/>
+                </a:schemeClr>
+              </a:solidFill>
+            </a:endParaRPr>
+          </a:p>
+        </p:txBody>
+      </p:sp>
+      <p:sp>
+        <p:nvSpPr>
+          <p:cNvPr id="84" name="文字方塊 83">
+            <a:extLst>
+              <a:ext uri="{FF2B5EF4-FFF2-40B4-BE49-F238E27FC236}">
+                <a16:creationId xmlns:a16="http://schemas.microsoft.com/office/drawing/2014/main" id="{1F2A2822-E95E-6045-9803-48D022B8AA92}"/>
+              </a:ext>
+            </a:extLst>
+          </p:cNvPr>
+          <p:cNvSpPr txBox="1"/>
+          <p:nvPr/>
+        </p:nvSpPr>
+        <p:spPr>
+          <a:xfrm>
+            <a:off x="1997573" y="5022551"/>
+            <a:ext cx="2394762" cy="307777"/>
+          </a:xfrm>
+          <a:prstGeom prst="rect">
+            <a:avLst/>
+          </a:prstGeom>
+          <a:noFill/>
+        </p:spPr>
+        <p:txBody>
+          <a:bodyPr wrap="square">
+            <a:spAutoFit/>
+          </a:bodyPr>
+          <a:lstStyle/>
+          <a:p>
+            <a:r>
+              <a:rPr lang="en-US" altLang="zh-TW" sz="1400" dirty="0">
+                <a:solidFill>
+                  <a:schemeClr val="accent2">
+                    <a:lumMod val="60000"/>
+                    <a:lumOff val="40000"/>
+                  </a:schemeClr>
+                </a:solidFill>
+              </a:rPr>
+              <a:t>GENE_20664: mucin-22-like</a:t>
+            </a:r>
+            <a:endParaRPr lang="zh-TW" altLang="en-US" sz="1400" dirty="0">
+              <a:solidFill>
+                <a:schemeClr val="accent2">
+                  <a:lumMod val="60000"/>
+                  <a:lumOff val="40000"/>
+                </a:schemeClr>
+              </a:solidFill>
+            </a:endParaRPr>
+          </a:p>
+        </p:txBody>
+      </p:sp>
+      <p:sp>
+        <p:nvSpPr>
+          <p:cNvPr id="85" name="文字方塊 84">
+            <a:extLst>
+              <a:ext uri="{FF2B5EF4-FFF2-40B4-BE49-F238E27FC236}">
+                <a16:creationId xmlns:a16="http://schemas.microsoft.com/office/drawing/2014/main" id="{59A5795A-1C44-7CDA-51C5-7E32384D6C35}"/>
+              </a:ext>
+            </a:extLst>
+          </p:cNvPr>
+          <p:cNvSpPr txBox="1"/>
+          <p:nvPr/>
+        </p:nvSpPr>
+        <p:spPr>
+          <a:xfrm>
+            <a:off x="8581486" y="3662590"/>
+            <a:ext cx="3495232" cy="646331"/>
+          </a:xfrm>
+          <a:prstGeom prst="rect">
+            <a:avLst/>
+          </a:prstGeom>
+          <a:noFill/>
+        </p:spPr>
+        <p:txBody>
+          <a:bodyPr wrap="square">
+            <a:spAutoFit/>
+          </a:bodyPr>
+          <a:lstStyle/>
+          <a:p>
+            <a:r>
+              <a:rPr lang="en-US" altLang="zh-TW" sz="1800" dirty="0">
+                <a:solidFill>
+                  <a:schemeClr val="accent1">
+                    <a:lumMod val="75000"/>
+                  </a:schemeClr>
+                </a:solidFill>
+              </a:rPr>
+              <a:t>Jg14418 &amp;14423 (GENE 19548 &amp; 19552): </a:t>
+            </a:r>
+            <a:r>
+              <a:rPr lang="en-US" altLang="zh-TW" dirty="0">
+                <a:solidFill>
+                  <a:schemeClr val="accent1">
+                    <a:lumMod val="75000"/>
+                  </a:schemeClr>
+                </a:solidFill>
+              </a:rPr>
+              <a:t>Pepsin A-1</a:t>
+            </a:r>
+            <a:endParaRPr lang="zh-TW" altLang="en-US" dirty="0">
+              <a:solidFill>
+                <a:schemeClr val="accent1">
+                  <a:lumMod val="75000"/>
+                </a:schemeClr>
+              </a:solidFill>
+            </a:endParaRPr>
+          </a:p>
+        </p:txBody>
+      </p:sp>
+      <p:sp>
+        <p:nvSpPr>
+          <p:cNvPr id="86" name="文字方塊 85">
+            <a:extLst>
+              <a:ext uri="{FF2B5EF4-FFF2-40B4-BE49-F238E27FC236}">
+                <a16:creationId xmlns:a16="http://schemas.microsoft.com/office/drawing/2014/main" id="{94589F88-273D-A788-291C-EFCC0B36DB3E}"/>
+              </a:ext>
+            </a:extLst>
+          </p:cNvPr>
+          <p:cNvSpPr txBox="1"/>
+          <p:nvPr/>
+        </p:nvSpPr>
+        <p:spPr>
+          <a:xfrm>
+            <a:off x="8336311" y="5240880"/>
+            <a:ext cx="2394762" cy="523220"/>
+          </a:xfrm>
+          <a:prstGeom prst="rect">
+            <a:avLst/>
+          </a:prstGeom>
+          <a:noFill/>
+        </p:spPr>
+        <p:txBody>
+          <a:bodyPr wrap="square">
+            <a:spAutoFit/>
+          </a:bodyPr>
+          <a:lstStyle/>
+          <a:p>
+            <a:r>
+              <a:rPr lang="en-US" altLang="zh-TW" sz="1400" dirty="0">
+                <a:solidFill>
+                  <a:schemeClr val="accent2">
+                    <a:lumMod val="60000"/>
+                    <a:lumOff val="40000"/>
+                  </a:schemeClr>
+                </a:solidFill>
+              </a:rPr>
+              <a:t>GENE_19547: RNA-binding protein 15-like</a:t>
+            </a:r>
+            <a:endParaRPr lang="zh-TW" altLang="en-US" sz="1400" dirty="0">
+              <a:solidFill>
+                <a:schemeClr val="accent2">
+                  <a:lumMod val="60000"/>
+                  <a:lumOff val="40000"/>
+                </a:schemeClr>
+              </a:solidFill>
+            </a:endParaRPr>
+          </a:p>
+        </p:txBody>
+      </p:sp>
+      <p:sp>
+        <p:nvSpPr>
+          <p:cNvPr id="87" name="文字方塊 86">
+            <a:extLst>
+              <a:ext uri="{FF2B5EF4-FFF2-40B4-BE49-F238E27FC236}">
+                <a16:creationId xmlns:a16="http://schemas.microsoft.com/office/drawing/2014/main" id="{FC64E387-4F28-6292-C429-9EA3FC632F94}"/>
+              </a:ext>
+            </a:extLst>
+          </p:cNvPr>
+          <p:cNvSpPr txBox="1"/>
+          <p:nvPr/>
+        </p:nvSpPr>
+        <p:spPr>
+          <a:xfrm>
+            <a:off x="10019379" y="4692750"/>
+            <a:ext cx="2394762" cy="523220"/>
+          </a:xfrm>
+          <a:prstGeom prst="rect">
+            <a:avLst/>
+          </a:prstGeom>
+          <a:noFill/>
+        </p:spPr>
+        <p:txBody>
+          <a:bodyPr wrap="square">
+            <a:spAutoFit/>
+          </a:bodyPr>
+          <a:lstStyle/>
+          <a:p>
+            <a:r>
+              <a:rPr lang="en-US" altLang="zh-TW" sz="1400" dirty="0">
+                <a:solidFill>
+                  <a:schemeClr val="accent2">
+                    <a:lumMod val="60000"/>
+                    <a:lumOff val="40000"/>
+                  </a:schemeClr>
+                </a:solidFill>
+              </a:rPr>
+              <a:t>GENE_19553: </a:t>
+            </a:r>
+            <a:r>
+              <a:rPr lang="en-US" altLang="zh-TW" sz="1400" dirty="0" err="1">
+                <a:solidFill>
+                  <a:schemeClr val="accent2">
+                    <a:lumMod val="60000"/>
+                    <a:lumOff val="40000"/>
+                  </a:schemeClr>
+                </a:solidFill>
+              </a:rPr>
+              <a:t>amphoterin</a:t>
+            </a:r>
+            <a:r>
+              <a:rPr lang="en-US" altLang="zh-TW" sz="1400" dirty="0">
+                <a:solidFill>
+                  <a:schemeClr val="accent2">
+                    <a:lumMod val="60000"/>
+                    <a:lumOff val="40000"/>
+                  </a:schemeClr>
+                </a:solidFill>
+              </a:rPr>
+              <a:t>-induced protein 1-like</a:t>
+            </a:r>
+            <a:endParaRPr lang="zh-TW" altLang="en-US" sz="1400" dirty="0">
+              <a:solidFill>
+                <a:schemeClr val="accent2">
+                  <a:lumMod val="60000"/>
+                  <a:lumOff val="40000"/>
+                </a:schemeClr>
+              </a:solidFill>
+            </a:endParaRPr>
+          </a:p>
+        </p:txBody>
+      </p:sp>
+      <p:sp>
+        <p:nvSpPr>
+          <p:cNvPr id="88" name="文字方塊 87">
+            <a:extLst>
+              <a:ext uri="{FF2B5EF4-FFF2-40B4-BE49-F238E27FC236}">
+                <a16:creationId xmlns:a16="http://schemas.microsoft.com/office/drawing/2014/main" id="{A75CAA88-5B23-37F6-3806-05A920A09AD9}"/>
+              </a:ext>
+            </a:extLst>
+          </p:cNvPr>
+          <p:cNvSpPr txBox="1"/>
+          <p:nvPr/>
+        </p:nvSpPr>
+        <p:spPr>
+          <a:xfrm>
+            <a:off x="5799135" y="3629752"/>
+            <a:ext cx="2782979" cy="646331"/>
+          </a:xfrm>
+          <a:prstGeom prst="rect">
+            <a:avLst/>
+          </a:prstGeom>
+          <a:noFill/>
+        </p:spPr>
+        <p:txBody>
+          <a:bodyPr wrap="square">
+            <a:spAutoFit/>
+          </a:bodyPr>
+          <a:lstStyle/>
+          <a:p>
+            <a:r>
+              <a:rPr lang="en-US" altLang="zh-TW" dirty="0">
+                <a:solidFill>
+                  <a:schemeClr val="accent1">
+                    <a:lumMod val="75000"/>
+                  </a:schemeClr>
+                </a:solidFill>
+              </a:rPr>
+              <a:t>Jg5382 (GENE_26753): Pepsin A -2 </a:t>
+            </a:r>
+            <a:endParaRPr lang="zh-TW" altLang="en-US" dirty="0">
+              <a:solidFill>
+                <a:schemeClr val="accent1">
+                  <a:lumMod val="75000"/>
+                </a:schemeClr>
+              </a:solidFill>
+            </a:endParaRPr>
+          </a:p>
+        </p:txBody>
+      </p:sp>
+      <p:sp>
+        <p:nvSpPr>
+          <p:cNvPr id="89" name="文字方塊 88">
+            <a:extLst>
+              <a:ext uri="{FF2B5EF4-FFF2-40B4-BE49-F238E27FC236}">
+                <a16:creationId xmlns:a16="http://schemas.microsoft.com/office/drawing/2014/main" id="{BE7205FA-4432-6033-20C6-CAE7F0F74829}"/>
+              </a:ext>
+            </a:extLst>
+          </p:cNvPr>
+          <p:cNvSpPr txBox="1"/>
+          <p:nvPr/>
+        </p:nvSpPr>
+        <p:spPr>
+          <a:xfrm>
+            <a:off x="5248802" y="5240880"/>
+            <a:ext cx="2394762" cy="523220"/>
+          </a:xfrm>
+          <a:prstGeom prst="rect">
+            <a:avLst/>
+          </a:prstGeom>
+          <a:noFill/>
+        </p:spPr>
+        <p:txBody>
+          <a:bodyPr wrap="square">
+            <a:spAutoFit/>
+          </a:bodyPr>
+          <a:lstStyle/>
+          <a:p>
+            <a:r>
+              <a:rPr lang="en-US" altLang="zh-TW" sz="1400" dirty="0">
+                <a:solidFill>
+                  <a:schemeClr val="accent2">
+                    <a:lumMod val="60000"/>
+                    <a:lumOff val="40000"/>
+                  </a:schemeClr>
+                </a:solidFill>
+              </a:rPr>
+              <a:t>GENE_26752 : polycystin-1-like</a:t>
+            </a:r>
+            <a:endParaRPr lang="zh-TW" altLang="en-US" sz="1400" dirty="0">
+              <a:solidFill>
+                <a:schemeClr val="accent2">
+                  <a:lumMod val="60000"/>
+                  <a:lumOff val="40000"/>
+                </a:schemeClr>
+              </a:solidFill>
+            </a:endParaRPr>
+          </a:p>
+        </p:txBody>
+      </p:sp>
+      <p:sp>
+        <p:nvSpPr>
+          <p:cNvPr id="90" name="文字方塊 89">
+            <a:extLst>
+              <a:ext uri="{FF2B5EF4-FFF2-40B4-BE49-F238E27FC236}">
+                <a16:creationId xmlns:a16="http://schemas.microsoft.com/office/drawing/2014/main" id="{E27C7F14-816F-13E2-01A2-0F0898F992BE}"/>
+              </a:ext>
+            </a:extLst>
+          </p:cNvPr>
+          <p:cNvSpPr txBox="1"/>
+          <p:nvPr/>
+        </p:nvSpPr>
+        <p:spPr>
+          <a:xfrm>
+            <a:off x="6918251" y="4571457"/>
+            <a:ext cx="2624468" cy="738664"/>
+          </a:xfrm>
+          <a:prstGeom prst="rect">
+            <a:avLst/>
+          </a:prstGeom>
+          <a:noFill/>
+        </p:spPr>
+        <p:txBody>
+          <a:bodyPr wrap="square">
+            <a:spAutoFit/>
+          </a:bodyPr>
+          <a:lstStyle/>
+          <a:p>
+            <a:r>
+              <a:rPr lang="en-US" altLang="zh-TW" sz="1400" dirty="0">
+                <a:solidFill>
+                  <a:schemeClr val="accent2">
+                    <a:lumMod val="60000"/>
+                    <a:lumOff val="40000"/>
+                  </a:schemeClr>
+                </a:solidFill>
+              </a:rPr>
+              <a:t>GENE_26754 : spermatogenesis-associated protein 20</a:t>
+            </a:r>
+            <a:endParaRPr lang="zh-TW" altLang="en-US" sz="1400" dirty="0">
+              <a:solidFill>
+                <a:schemeClr val="accent2">
+                  <a:lumMod val="60000"/>
+                  <a:lumOff val="40000"/>
+                </a:schemeClr>
+              </a:solidFill>
+            </a:endParaRPr>
+          </a:p>
+        </p:txBody>
+      </p:sp>
+    </p:spTree>
+    <p:extLst>
+      <p:ext uri="{BB962C8B-B14F-4D97-AF65-F5344CB8AC3E}">
+        <p14:creationId xmlns:p14="http://schemas.microsoft.com/office/powerpoint/2010/main" val="1442180802"/>
+      </p:ext>
+    </p:extLst>
+  </p:cSld>
+  <p:clrMapOvr>
+    <a:masterClrMapping/>
+  </p:clrMapOvr>
+</p:sld>
+</file>
+
 <file path=ppt/theme/theme1.xml><?xml version="1.0" encoding="utf-8"?>
 <a:theme xmlns:a="http://schemas.openxmlformats.org/drawingml/2006/main" name="Office 佈景主題">
   <a:themeElements>

--- a/synteny.pptx
+++ b/synteny.pptx
@@ -4,6 +4,9 @@
   <p:sldMasterIdLst>
     <p:sldMasterId id="2147483648" r:id="rId1"/>
   </p:sldMasterIdLst>
+  <p:notesMasterIdLst>
+    <p:notesMasterId r:id="rId6"/>
+  </p:notesMasterIdLst>
   <p:sldIdLst>
     <p:sldId id="258" r:id="rId2"/>
     <p:sldId id="259" r:id="rId3"/>
@@ -115,6 +118,439 @@
 </p:presentation>
 </file>
 
+<file path=ppt/notesMasters/notesMaster1.xml><?xml version="1.0" encoding="utf-8"?>
+<p:notesMaster xmlns:a="http://schemas.openxmlformats.org/drawingml/2006/main" xmlns:r="http://schemas.openxmlformats.org/officeDocument/2006/relationships" xmlns:p="http://schemas.openxmlformats.org/presentationml/2006/main">
+  <p:cSld>
+    <p:bg>
+      <p:bgRef idx="1001">
+        <a:schemeClr val="bg1"/>
+      </p:bgRef>
+    </p:bg>
+    <p:spTree>
+      <p:nvGrpSpPr>
+        <p:cNvPr id="1" name=""/>
+        <p:cNvGrpSpPr/>
+        <p:nvPr/>
+      </p:nvGrpSpPr>
+      <p:grpSpPr>
+        <a:xfrm>
+          <a:off x="0" y="0"/>
+          <a:ext cx="0" cy="0"/>
+          <a:chOff x="0" y="0"/>
+          <a:chExt cx="0" cy="0"/>
+        </a:xfrm>
+      </p:grpSpPr>
+      <p:sp>
+        <p:nvSpPr>
+          <p:cNvPr id="2" name="頁首版面配置區 1"/>
+          <p:cNvSpPr>
+            <a:spLocks noGrp="1"/>
+          </p:cNvSpPr>
+          <p:nvPr>
+            <p:ph type="hdr" sz="quarter"/>
+          </p:nvPr>
+        </p:nvSpPr>
+        <p:spPr>
+          <a:xfrm>
+            <a:off x="0" y="0"/>
+            <a:ext cx="2971800" cy="458788"/>
+          </a:xfrm>
+          <a:prstGeom prst="rect">
+            <a:avLst/>
+          </a:prstGeom>
+        </p:spPr>
+        <p:txBody>
+          <a:bodyPr vert="horz" lIns="91440" tIns="45720" rIns="91440" bIns="45720" rtlCol="0"/>
+          <a:lstStyle>
+            <a:lvl1pPr algn="l">
+              <a:defRPr sz="1200"/>
+            </a:lvl1pPr>
+          </a:lstStyle>
+          <a:p>
+            <a:endParaRPr lang="zh-TW" altLang="en-US"/>
+          </a:p>
+        </p:txBody>
+      </p:sp>
+      <p:sp>
+        <p:nvSpPr>
+          <p:cNvPr id="3" name="日期版面配置區 2"/>
+          <p:cNvSpPr>
+            <a:spLocks noGrp="1"/>
+          </p:cNvSpPr>
+          <p:nvPr>
+            <p:ph type="dt" idx="1"/>
+          </p:nvPr>
+        </p:nvSpPr>
+        <p:spPr>
+          <a:xfrm>
+            <a:off x="3884613" y="0"/>
+            <a:ext cx="2971800" cy="458788"/>
+          </a:xfrm>
+          <a:prstGeom prst="rect">
+            <a:avLst/>
+          </a:prstGeom>
+        </p:spPr>
+        <p:txBody>
+          <a:bodyPr vert="horz" lIns="91440" tIns="45720" rIns="91440" bIns="45720" rtlCol="0"/>
+          <a:lstStyle>
+            <a:lvl1pPr algn="r">
+              <a:defRPr sz="1200"/>
+            </a:lvl1pPr>
+          </a:lstStyle>
+          <a:p>
+            <a:fld id="{2AF60416-5E6B-4626-B4BA-335673BEC8EA}" type="datetimeFigureOut">
+              <a:rPr lang="zh-TW" altLang="en-US" smtClean="0"/>
+              <a:t>2024/10/25</a:t>
+            </a:fld>
+            <a:endParaRPr lang="zh-TW" altLang="en-US"/>
+          </a:p>
+        </p:txBody>
+      </p:sp>
+      <p:sp>
+        <p:nvSpPr>
+          <p:cNvPr id="4" name="投影片影像版面配置區 3"/>
+          <p:cNvSpPr>
+            <a:spLocks noGrp="1" noRot="1" noChangeAspect="1"/>
+          </p:cNvSpPr>
+          <p:nvPr>
+            <p:ph type="sldImg" idx="2"/>
+          </p:nvPr>
+        </p:nvSpPr>
+        <p:spPr>
+          <a:xfrm>
+            <a:off x="685800" y="1143000"/>
+            <a:ext cx="5486400" cy="3086100"/>
+          </a:xfrm>
+          <a:prstGeom prst="rect">
+            <a:avLst/>
+          </a:prstGeom>
+          <a:noFill/>
+          <a:ln w="12700">
+            <a:solidFill>
+              <a:prstClr val="black"/>
+            </a:solidFill>
+          </a:ln>
+        </p:spPr>
+        <p:txBody>
+          <a:bodyPr vert="horz" lIns="91440" tIns="45720" rIns="91440" bIns="45720" rtlCol="0" anchor="ctr"/>
+          <a:lstStyle/>
+          <a:p>
+            <a:endParaRPr lang="zh-TW" altLang="en-US"/>
+          </a:p>
+        </p:txBody>
+      </p:sp>
+      <p:sp>
+        <p:nvSpPr>
+          <p:cNvPr id="5" name="備忘稿版面配置區 4"/>
+          <p:cNvSpPr>
+            <a:spLocks noGrp="1"/>
+          </p:cNvSpPr>
+          <p:nvPr>
+            <p:ph type="body" sz="quarter" idx="3"/>
+          </p:nvPr>
+        </p:nvSpPr>
+        <p:spPr>
+          <a:xfrm>
+            <a:off x="685800" y="4400550"/>
+            <a:ext cx="5486400" cy="3600450"/>
+          </a:xfrm>
+          <a:prstGeom prst="rect">
+            <a:avLst/>
+          </a:prstGeom>
+        </p:spPr>
+        <p:txBody>
+          <a:bodyPr vert="horz" lIns="91440" tIns="45720" rIns="91440" bIns="45720" rtlCol="0"/>
+          <a:lstStyle/>
+          <a:p>
+            <a:pPr lvl="0"/>
+            <a:r>
+              <a:rPr lang="zh-TW" altLang="en-US"/>
+              <a:t>按一下以編輯母片文字樣式</a:t>
+            </a:r>
+          </a:p>
+          <a:p>
+            <a:pPr lvl="1"/>
+            <a:r>
+              <a:rPr lang="zh-TW" altLang="en-US"/>
+              <a:t>第二層</a:t>
+            </a:r>
+          </a:p>
+          <a:p>
+            <a:pPr lvl="2"/>
+            <a:r>
+              <a:rPr lang="zh-TW" altLang="en-US"/>
+              <a:t>第三層</a:t>
+            </a:r>
+          </a:p>
+          <a:p>
+            <a:pPr lvl="3"/>
+            <a:r>
+              <a:rPr lang="zh-TW" altLang="en-US"/>
+              <a:t>第四層</a:t>
+            </a:r>
+          </a:p>
+          <a:p>
+            <a:pPr lvl="4"/>
+            <a:r>
+              <a:rPr lang="zh-TW" altLang="en-US"/>
+              <a:t>第五層</a:t>
+            </a:r>
+          </a:p>
+        </p:txBody>
+      </p:sp>
+      <p:sp>
+        <p:nvSpPr>
+          <p:cNvPr id="6" name="頁尾版面配置區 5"/>
+          <p:cNvSpPr>
+            <a:spLocks noGrp="1"/>
+          </p:cNvSpPr>
+          <p:nvPr>
+            <p:ph type="ftr" sz="quarter" idx="4"/>
+          </p:nvPr>
+        </p:nvSpPr>
+        <p:spPr>
+          <a:xfrm>
+            <a:off x="0" y="8685213"/>
+            <a:ext cx="2971800" cy="458787"/>
+          </a:xfrm>
+          <a:prstGeom prst="rect">
+            <a:avLst/>
+          </a:prstGeom>
+        </p:spPr>
+        <p:txBody>
+          <a:bodyPr vert="horz" lIns="91440" tIns="45720" rIns="91440" bIns="45720" rtlCol="0" anchor="b"/>
+          <a:lstStyle>
+            <a:lvl1pPr algn="l">
+              <a:defRPr sz="1200"/>
+            </a:lvl1pPr>
+          </a:lstStyle>
+          <a:p>
+            <a:endParaRPr lang="zh-TW" altLang="en-US"/>
+          </a:p>
+        </p:txBody>
+      </p:sp>
+      <p:sp>
+        <p:nvSpPr>
+          <p:cNvPr id="7" name="投影片編號版面配置區 6"/>
+          <p:cNvSpPr>
+            <a:spLocks noGrp="1"/>
+          </p:cNvSpPr>
+          <p:nvPr>
+            <p:ph type="sldNum" sz="quarter" idx="5"/>
+          </p:nvPr>
+        </p:nvSpPr>
+        <p:spPr>
+          <a:xfrm>
+            <a:off x="3884613" y="8685213"/>
+            <a:ext cx="2971800" cy="458787"/>
+          </a:xfrm>
+          <a:prstGeom prst="rect">
+            <a:avLst/>
+          </a:prstGeom>
+        </p:spPr>
+        <p:txBody>
+          <a:bodyPr vert="horz" lIns="91440" tIns="45720" rIns="91440" bIns="45720" rtlCol="0" anchor="b"/>
+          <a:lstStyle>
+            <a:lvl1pPr algn="r">
+              <a:defRPr sz="1200"/>
+            </a:lvl1pPr>
+          </a:lstStyle>
+          <a:p>
+            <a:fld id="{FFE87D8A-6036-40F6-953E-85DA543537DC}" type="slidenum">
+              <a:rPr lang="zh-TW" altLang="en-US" smtClean="0"/>
+              <a:t>‹#›</a:t>
+            </a:fld>
+            <a:endParaRPr lang="zh-TW" altLang="en-US"/>
+          </a:p>
+        </p:txBody>
+      </p:sp>
+    </p:spTree>
+    <p:extLst>
+      <p:ext uri="{BB962C8B-B14F-4D97-AF65-F5344CB8AC3E}">
+        <p14:creationId xmlns:p14="http://schemas.microsoft.com/office/powerpoint/2010/main" val="754546508"/>
+      </p:ext>
+    </p:extLst>
+  </p:cSld>
+  <p:clrMap bg1="lt1" tx1="dk1" bg2="lt2" tx2="dk2" accent1="accent1" accent2="accent2" accent3="accent3" accent4="accent4" accent5="accent5" accent6="accent6" hlink="hlink" folHlink="folHlink"/>
+  <p:notesStyle>
+    <a:lvl1pPr marL="0" algn="l" defTabSz="914400" rtl="0" eaLnBrk="1" latinLnBrk="0" hangingPunct="1">
+      <a:defRPr sz="1200" kern="1200">
+        <a:solidFill>
+          <a:schemeClr val="tx1"/>
+        </a:solidFill>
+        <a:latin typeface="+mn-lt"/>
+        <a:ea typeface="+mn-ea"/>
+        <a:cs typeface="+mn-cs"/>
+      </a:defRPr>
+    </a:lvl1pPr>
+    <a:lvl2pPr marL="457200" algn="l" defTabSz="914400" rtl="0" eaLnBrk="1" latinLnBrk="0" hangingPunct="1">
+      <a:defRPr sz="1200" kern="1200">
+        <a:solidFill>
+          <a:schemeClr val="tx1"/>
+        </a:solidFill>
+        <a:latin typeface="+mn-lt"/>
+        <a:ea typeface="+mn-ea"/>
+        <a:cs typeface="+mn-cs"/>
+      </a:defRPr>
+    </a:lvl2pPr>
+    <a:lvl3pPr marL="914400" algn="l" defTabSz="914400" rtl="0" eaLnBrk="1" latinLnBrk="0" hangingPunct="1">
+      <a:defRPr sz="1200" kern="1200">
+        <a:solidFill>
+          <a:schemeClr val="tx1"/>
+        </a:solidFill>
+        <a:latin typeface="+mn-lt"/>
+        <a:ea typeface="+mn-ea"/>
+        <a:cs typeface="+mn-cs"/>
+      </a:defRPr>
+    </a:lvl3pPr>
+    <a:lvl4pPr marL="1371600" algn="l" defTabSz="914400" rtl="0" eaLnBrk="1" latinLnBrk="0" hangingPunct="1">
+      <a:defRPr sz="1200" kern="1200">
+        <a:solidFill>
+          <a:schemeClr val="tx1"/>
+        </a:solidFill>
+        <a:latin typeface="+mn-lt"/>
+        <a:ea typeface="+mn-ea"/>
+        <a:cs typeface="+mn-cs"/>
+      </a:defRPr>
+    </a:lvl4pPr>
+    <a:lvl5pPr marL="1828800" algn="l" defTabSz="914400" rtl="0" eaLnBrk="1" latinLnBrk="0" hangingPunct="1">
+      <a:defRPr sz="1200" kern="1200">
+        <a:solidFill>
+          <a:schemeClr val="tx1"/>
+        </a:solidFill>
+        <a:latin typeface="+mn-lt"/>
+        <a:ea typeface="+mn-ea"/>
+        <a:cs typeface="+mn-cs"/>
+      </a:defRPr>
+    </a:lvl5pPr>
+    <a:lvl6pPr marL="2286000" algn="l" defTabSz="914400" rtl="0" eaLnBrk="1" latinLnBrk="0" hangingPunct="1">
+      <a:defRPr sz="1200" kern="1200">
+        <a:solidFill>
+          <a:schemeClr val="tx1"/>
+        </a:solidFill>
+        <a:latin typeface="+mn-lt"/>
+        <a:ea typeface="+mn-ea"/>
+        <a:cs typeface="+mn-cs"/>
+      </a:defRPr>
+    </a:lvl6pPr>
+    <a:lvl7pPr marL="2743200" algn="l" defTabSz="914400" rtl="0" eaLnBrk="1" latinLnBrk="0" hangingPunct="1">
+      <a:defRPr sz="1200" kern="1200">
+        <a:solidFill>
+          <a:schemeClr val="tx1"/>
+        </a:solidFill>
+        <a:latin typeface="+mn-lt"/>
+        <a:ea typeface="+mn-ea"/>
+        <a:cs typeface="+mn-cs"/>
+      </a:defRPr>
+    </a:lvl7pPr>
+    <a:lvl8pPr marL="3200400" algn="l" defTabSz="914400" rtl="0" eaLnBrk="1" latinLnBrk="0" hangingPunct="1">
+      <a:defRPr sz="1200" kern="1200">
+        <a:solidFill>
+          <a:schemeClr val="tx1"/>
+        </a:solidFill>
+        <a:latin typeface="+mn-lt"/>
+        <a:ea typeface="+mn-ea"/>
+        <a:cs typeface="+mn-cs"/>
+      </a:defRPr>
+    </a:lvl8pPr>
+    <a:lvl9pPr marL="3657600" algn="l" defTabSz="914400" rtl="0" eaLnBrk="1" latinLnBrk="0" hangingPunct="1">
+      <a:defRPr sz="1200" kern="1200">
+        <a:solidFill>
+          <a:schemeClr val="tx1"/>
+        </a:solidFill>
+        <a:latin typeface="+mn-lt"/>
+        <a:ea typeface="+mn-ea"/>
+        <a:cs typeface="+mn-cs"/>
+      </a:defRPr>
+    </a:lvl9pPr>
+  </p:notesStyle>
+</p:notesMaster>
+</file>
+
+<file path=ppt/notesSlides/notesSlide1.xml><?xml version="1.0" encoding="utf-8"?>
+<p:notes xmlns:a="http://schemas.openxmlformats.org/drawingml/2006/main" xmlns:r="http://schemas.openxmlformats.org/officeDocument/2006/relationships" xmlns:p="http://schemas.openxmlformats.org/presentationml/2006/main">
+  <p:cSld>
+    <p:spTree>
+      <p:nvGrpSpPr>
+        <p:cNvPr id="1" name=""/>
+        <p:cNvGrpSpPr/>
+        <p:nvPr/>
+      </p:nvGrpSpPr>
+      <p:grpSpPr>
+        <a:xfrm>
+          <a:off x="0" y="0"/>
+          <a:ext cx="0" cy="0"/>
+          <a:chOff x="0" y="0"/>
+          <a:chExt cx="0" cy="0"/>
+        </a:xfrm>
+      </p:grpSpPr>
+      <p:sp>
+        <p:nvSpPr>
+          <p:cNvPr id="2" name="投影片影像版面配置區 1"/>
+          <p:cNvSpPr>
+            <a:spLocks noGrp="1" noRot="1" noChangeAspect="1"/>
+          </p:cNvSpPr>
+          <p:nvPr>
+            <p:ph type="sldImg"/>
+          </p:nvPr>
+        </p:nvSpPr>
+        <p:spPr/>
+      </p:sp>
+      <p:sp>
+        <p:nvSpPr>
+          <p:cNvPr id="3" name="備忘稿版面配置區 2"/>
+          <p:cNvSpPr>
+            <a:spLocks noGrp="1"/>
+          </p:cNvSpPr>
+          <p:nvPr>
+            <p:ph type="body" idx="1"/>
+          </p:nvPr>
+        </p:nvSpPr>
+        <p:spPr/>
+        <p:txBody>
+          <a:bodyPr/>
+          <a:lstStyle/>
+          <a:p>
+            <a:endParaRPr lang="zh-TW" altLang="en-US" dirty="0"/>
+          </a:p>
+        </p:txBody>
+      </p:sp>
+      <p:sp>
+        <p:nvSpPr>
+          <p:cNvPr id="4" name="投影片編號版面配置區 3"/>
+          <p:cNvSpPr>
+            <a:spLocks noGrp="1"/>
+          </p:cNvSpPr>
+          <p:nvPr>
+            <p:ph type="sldNum" sz="quarter" idx="5"/>
+          </p:nvPr>
+        </p:nvSpPr>
+        <p:spPr/>
+        <p:txBody>
+          <a:bodyPr/>
+          <a:lstStyle/>
+          <a:p>
+            <a:fld id="{FFE87D8A-6036-40F6-953E-85DA543537DC}" type="slidenum">
+              <a:rPr lang="zh-TW" altLang="en-US" smtClean="0"/>
+              <a:t>4</a:t>
+            </a:fld>
+            <a:endParaRPr lang="zh-TW" altLang="en-US"/>
+          </a:p>
+        </p:txBody>
+      </p:sp>
+    </p:spTree>
+    <p:extLst>
+      <p:ext uri="{BB962C8B-B14F-4D97-AF65-F5344CB8AC3E}">
+        <p14:creationId xmlns:p14="http://schemas.microsoft.com/office/powerpoint/2010/main" val="3866183199"/>
+      </p:ext>
+    </p:extLst>
+  </p:cSld>
+  <p:clrMapOvr>
+    <a:masterClrMapping/>
+  </p:clrMapOvr>
+</p:notes>
+</file>
+
 <file path=ppt/slideLayouts/slideLayout1.xml><?xml version="1.0" encoding="utf-8"?>
 <p:sldLayout xmlns:a="http://schemas.openxmlformats.org/drawingml/2006/main" xmlns:r="http://schemas.openxmlformats.org/officeDocument/2006/relationships" xmlns:p="http://schemas.openxmlformats.org/presentationml/2006/main" type="title" preserve="1">
   <p:cSld name="標題投影片">
@@ -262,7 +698,7 @@
           <a:p>
             <a:fld id="{EC5D5901-00D9-4DE9-BB38-AE3383FB48B5}" type="datetimeFigureOut">
               <a:rPr lang="zh-TW" altLang="en-US" smtClean="0"/>
-              <a:t>2024/10/22</a:t>
+              <a:t>2024/10/25</a:t>
             </a:fld>
             <a:endParaRPr lang="zh-TW" altLang="en-US"/>
           </a:p>
@@ -460,7 +896,7 @@
           <a:p>
             <a:fld id="{EC5D5901-00D9-4DE9-BB38-AE3383FB48B5}" type="datetimeFigureOut">
               <a:rPr lang="zh-TW" altLang="en-US" smtClean="0"/>
-              <a:t>2024/10/22</a:t>
+              <a:t>2024/10/25</a:t>
             </a:fld>
             <a:endParaRPr lang="zh-TW" altLang="en-US"/>
           </a:p>
@@ -668,7 +1104,7 @@
           <a:p>
             <a:fld id="{EC5D5901-00D9-4DE9-BB38-AE3383FB48B5}" type="datetimeFigureOut">
               <a:rPr lang="zh-TW" altLang="en-US" smtClean="0"/>
-              <a:t>2024/10/22</a:t>
+              <a:t>2024/10/25</a:t>
             </a:fld>
             <a:endParaRPr lang="zh-TW" altLang="en-US"/>
           </a:p>
@@ -866,7 +1302,7 @@
           <a:p>
             <a:fld id="{EC5D5901-00D9-4DE9-BB38-AE3383FB48B5}" type="datetimeFigureOut">
               <a:rPr lang="zh-TW" altLang="en-US" smtClean="0"/>
-              <a:t>2024/10/22</a:t>
+              <a:t>2024/10/25</a:t>
             </a:fld>
             <a:endParaRPr lang="zh-TW" altLang="en-US"/>
           </a:p>
@@ -1141,7 +1577,7 @@
           <a:p>
             <a:fld id="{EC5D5901-00D9-4DE9-BB38-AE3383FB48B5}" type="datetimeFigureOut">
               <a:rPr lang="zh-TW" altLang="en-US" smtClean="0"/>
-              <a:t>2024/10/22</a:t>
+              <a:t>2024/10/25</a:t>
             </a:fld>
             <a:endParaRPr lang="zh-TW" altLang="en-US"/>
           </a:p>
@@ -1406,7 +1842,7 @@
           <a:p>
             <a:fld id="{EC5D5901-00D9-4DE9-BB38-AE3383FB48B5}" type="datetimeFigureOut">
               <a:rPr lang="zh-TW" altLang="en-US" smtClean="0"/>
-              <a:t>2024/10/22</a:t>
+              <a:t>2024/10/25</a:t>
             </a:fld>
             <a:endParaRPr lang="zh-TW" altLang="en-US"/>
           </a:p>
@@ -1818,7 +2254,7 @@
           <a:p>
             <a:fld id="{EC5D5901-00D9-4DE9-BB38-AE3383FB48B5}" type="datetimeFigureOut">
               <a:rPr lang="zh-TW" altLang="en-US" smtClean="0"/>
-              <a:t>2024/10/22</a:t>
+              <a:t>2024/10/25</a:t>
             </a:fld>
             <a:endParaRPr lang="zh-TW" altLang="en-US"/>
           </a:p>
@@ -1959,7 +2395,7 @@
           <a:p>
             <a:fld id="{EC5D5901-00D9-4DE9-BB38-AE3383FB48B5}" type="datetimeFigureOut">
               <a:rPr lang="zh-TW" altLang="en-US" smtClean="0"/>
-              <a:t>2024/10/22</a:t>
+              <a:t>2024/10/25</a:t>
             </a:fld>
             <a:endParaRPr lang="zh-TW" altLang="en-US"/>
           </a:p>
@@ -2072,7 +2508,7 @@
           <a:p>
             <a:fld id="{EC5D5901-00D9-4DE9-BB38-AE3383FB48B5}" type="datetimeFigureOut">
               <a:rPr lang="zh-TW" altLang="en-US" smtClean="0"/>
-              <a:t>2024/10/22</a:t>
+              <a:t>2024/10/25</a:t>
             </a:fld>
             <a:endParaRPr lang="zh-TW" altLang="en-US"/>
           </a:p>
@@ -2383,7 +2819,7 @@
           <a:p>
             <a:fld id="{EC5D5901-00D9-4DE9-BB38-AE3383FB48B5}" type="datetimeFigureOut">
               <a:rPr lang="zh-TW" altLang="en-US" smtClean="0"/>
-              <a:t>2024/10/22</a:t>
+              <a:t>2024/10/25</a:t>
             </a:fld>
             <a:endParaRPr lang="zh-TW" altLang="en-US"/>
           </a:p>
@@ -2671,7 +3107,7 @@
           <a:p>
             <a:fld id="{EC5D5901-00D9-4DE9-BB38-AE3383FB48B5}" type="datetimeFigureOut">
               <a:rPr lang="zh-TW" altLang="en-US" smtClean="0"/>
-              <a:t>2024/10/22</a:t>
+              <a:t>2024/10/25</a:t>
             </a:fld>
             <a:endParaRPr lang="zh-TW" altLang="en-US"/>
           </a:p>
@@ -2912,7 +3348,7 @@
           <a:p>
             <a:fld id="{EC5D5901-00D9-4DE9-BB38-AE3383FB48B5}" type="datetimeFigureOut">
               <a:rPr lang="zh-TW" altLang="en-US" smtClean="0"/>
-              <a:t>2024/10/22</a:t>
+              <a:t>2024/10/25</a:t>
             </a:fld>
             <a:endParaRPr lang="zh-TW" altLang="en-US"/>
           </a:p>
@@ -8909,7 +9345,7 @@
                   </a:schemeClr>
                 </a:solidFill>
               </a:rPr>
-              <a:t>g10524:</a:t>
+              <a:t>g15023:</a:t>
             </a:r>
             <a:r>
               <a:rPr lang="en-US" altLang="zh-TW" dirty="0">
@@ -8968,7 +9404,29 @@
                   </a:schemeClr>
                 </a:solidFill>
               </a:rPr>
-              <a:t>g10523.t1: BH3-interacting domain death agonist</a:t>
+              <a:t>G15023.t1: </a:t>
+            </a:r>
+            <a:r>
+              <a:rPr lang="en-US" altLang="zh-TW" sz="1400" dirty="0" err="1">
+                <a:solidFill>
+                  <a:schemeClr val="accent2">
+                    <a:lumMod val="60000"/>
+                    <a:lumOff val="40000"/>
+                  </a:schemeClr>
+                </a:solidFill>
+              </a:rPr>
+              <a:t>amphoterin</a:t>
+            </a:r>
+            <a:r>
+              <a:rPr lang="en-US" altLang="zh-TW" sz="1400" dirty="0">
+                <a:solidFill>
+                  <a:schemeClr val="accent2">
+                    <a:lumMod val="60000"/>
+                    <a:lumOff val="40000"/>
+                  </a:schemeClr>
+                </a:solidFill>
+              </a:rPr>
+              <a:t>-induced protein 1-like</a:t>
             </a:r>
             <a:endParaRPr lang="zh-TW" altLang="en-US" sz="1400" dirty="0">
               <a:solidFill>
@@ -9062,7 +9520,7 @@
                   </a:schemeClr>
                 </a:solidFill>
               </a:rPr>
-              <a:t>g10525.t1: DENN domain-containing protein 11</a:t>
+              <a:t>g15025.t1: RNA-binding protein 15-like</a:t>
             </a:r>
             <a:endParaRPr lang="zh-TW" altLang="en-US" sz="1400" dirty="0">
               <a:solidFill>
@@ -9457,7 +9915,7 @@
                   </a:schemeClr>
                 </a:solidFill>
               </a:rPr>
-              <a:t>jg5382 (GENE 20663) : </a:t>
+              <a:t>jg5382 : </a:t>
             </a:r>
             <a:r>
               <a:rPr lang="en-US" altLang="zh-TW" dirty="0">
@@ -9516,7 +9974,7 @@
                   </a:schemeClr>
                 </a:solidFill>
               </a:rPr>
-              <a:t>GENE_20662: uncharacterized protein</a:t>
+              <a:t>jg5381.t1: uncharacterized protein</a:t>
             </a:r>
             <a:endParaRPr lang="zh-TW" altLang="en-US" sz="1400" dirty="0">
               <a:solidFill>
@@ -9566,7 +10024,7 @@
                   </a:schemeClr>
                 </a:solidFill>
               </a:rPr>
-              <a:t>GENE_20664: mucin-22-like</a:t>
+              <a:t>jg5383: prokineticin-1</a:t>
             </a:r>
             <a:endParaRPr lang="zh-TW" altLang="en-US" sz="1400" dirty="0">
               <a:solidFill>
@@ -9594,7 +10052,7 @@
         <p:spPr>
           <a:xfrm>
             <a:off x="8581486" y="3662590"/>
-            <a:ext cx="3495232" cy="646331"/>
+            <a:ext cx="3495232" cy="369332"/>
           </a:xfrm>
           <a:prstGeom prst="rect">
             <a:avLst/>
@@ -9607,6 +10065,16 @@
           </a:bodyPr>
           <a:lstStyle/>
           <a:p>
+            <a:r>
+              <a:rPr lang="en-US" altLang="zh-TW" dirty="0">
+                <a:solidFill>
+                  <a:schemeClr val="accent1">
+                    <a:lumMod val="75000"/>
+                  </a:schemeClr>
+                </a:solidFill>
+              </a:rPr>
+              <a:t>j</a:t>
+            </a:r>
             <a:r>
               <a:rPr lang="en-US" altLang="zh-TW" sz="1800" dirty="0">
                 <a:solidFill>
@@ -9615,7 +10083,7 @@
                   </a:schemeClr>
                 </a:solidFill>
               </a:rPr>
-              <a:t>Jg14418 &amp;14423 (GENE 19548 &amp; 19552): </a:t>
+              <a:t>g14418 &amp;14423: </a:t>
             </a:r>
             <a:r>
               <a:rPr lang="en-US" altLang="zh-TW" dirty="0">
@@ -9774,7 +10242,7 @@
         <p:spPr>
           <a:xfrm>
             <a:off x="5799135" y="3629752"/>
-            <a:ext cx="2782979" cy="646331"/>
+            <a:ext cx="2782979" cy="369332"/>
           </a:xfrm>
           <a:prstGeom prst="rect">
             <a:avLst/>
@@ -9795,7 +10263,7 @@
                   </a:schemeClr>
                 </a:solidFill>
               </a:rPr>
-              <a:t>Jg5382 (GENE_26753): Pepsin A -2 </a:t>
+              <a:t>jg27196.t1: Pepsin A -2 </a:t>
             </a:r>
             <a:endParaRPr lang="zh-TW" altLang="en-US" dirty="0">
               <a:solidFill>
@@ -9822,7 +10290,7 @@
         <p:spPr>
           <a:xfrm>
             <a:off x="5248802" y="5240880"/>
-            <a:ext cx="2394762" cy="523220"/>
+            <a:ext cx="2394762" cy="307777"/>
           </a:xfrm>
           <a:prstGeom prst="rect">
             <a:avLst/>
@@ -9844,7 +10312,7 @@
                   </a:schemeClr>
                 </a:solidFill>
               </a:rPr>
-              <a:t>GENE_26752 : polycystin-1-like</a:t>
+              <a:t>jg27195.t1:polycystin-1-like</a:t>
             </a:r>
             <a:endParaRPr lang="zh-TW" altLang="en-US" sz="1400" dirty="0">
               <a:solidFill>
@@ -10233,4 +10701,319 @@
     </a:ext>
   </a:extLst>
 </a:theme>
+</file>
+
+<file path=ppt/theme/theme2.xml><?xml version="1.0" encoding="utf-8"?>
+<a:theme xmlns:a="http://schemas.openxmlformats.org/drawingml/2006/main" name="Office 佈景主題">
+  <a:themeElements>
+    <a:clrScheme name="Office">
+      <a:dk1>
+        <a:sysClr val="windowText" lastClr="000000"/>
+      </a:dk1>
+      <a:lt1>
+        <a:sysClr val="window" lastClr="FFFFFF"/>
+      </a:lt1>
+      <a:dk2>
+        <a:srgbClr val="0E2841"/>
+      </a:dk2>
+      <a:lt2>
+        <a:srgbClr val="E8E8E8"/>
+      </a:lt2>
+      <a:accent1>
+        <a:srgbClr val="156082"/>
+      </a:accent1>
+      <a:accent2>
+        <a:srgbClr val="E97132"/>
+      </a:accent2>
+      <a:accent3>
+        <a:srgbClr val="196B24"/>
+      </a:accent3>
+      <a:accent4>
+        <a:srgbClr val="0F9ED5"/>
+      </a:accent4>
+      <a:accent5>
+        <a:srgbClr val="A02B93"/>
+      </a:accent5>
+      <a:accent6>
+        <a:srgbClr val="4EA72E"/>
+      </a:accent6>
+      <a:hlink>
+        <a:srgbClr val="467886"/>
+      </a:hlink>
+      <a:folHlink>
+        <a:srgbClr val="96607D"/>
+      </a:folHlink>
+    </a:clrScheme>
+    <a:fontScheme name="Office">
+      <a:majorFont>
+        <a:latin typeface="Aptos Display" panose="02110004020202020204"/>
+        <a:ea typeface=""/>
+        <a:cs typeface=""/>
+        <a:font script="Jpan" typeface="游ゴシック Light"/>
+        <a:font script="Hang" typeface="맑은 고딕"/>
+        <a:font script="Hans" typeface="等线 Light"/>
+        <a:font script="Hant" typeface="新細明體"/>
+        <a:font script="Arab" typeface="Times New Roman"/>
+        <a:font script="Hebr" typeface="Times New Roman"/>
+        <a:font script="Thai" typeface="Angsana New"/>
+        <a:font script="Ethi" typeface="Nyala"/>
+        <a:font script="Beng" typeface="Vrinda"/>
+        <a:font script="Gujr" typeface="Shruti"/>
+        <a:font script="Khmr" typeface="MoolBoran"/>
+        <a:font script="Knda" typeface="Tunga"/>
+        <a:font script="Guru" typeface="Raavi"/>
+        <a:font script="Cans" typeface="Euphemia"/>
+        <a:font script="Cher" typeface="Plantagenet Cherokee"/>
+        <a:font script="Yiii" typeface="Microsoft Yi Baiti"/>
+        <a:font script="Tibt" typeface="Microsoft Himalaya"/>
+        <a:font script="Thaa" typeface="MV Boli"/>
+        <a:font script="Deva" typeface="Mangal"/>
+        <a:font script="Telu" typeface="Gautami"/>
+        <a:font script="Taml" typeface="Latha"/>
+        <a:font script="Syrc" typeface="Estrangelo Edessa"/>
+        <a:font script="Orya" typeface="Kalinga"/>
+        <a:font script="Mlym" typeface="Kartika"/>
+        <a:font script="Laoo" typeface="DokChampa"/>
+        <a:font script="Sinh" typeface="Iskoola Pota"/>
+        <a:font script="Mong" typeface="Mongolian Baiti"/>
+        <a:font script="Viet" typeface="Times New Roman"/>
+        <a:font script="Uigh" typeface="Microsoft Uighur"/>
+        <a:font script="Geor" typeface="Sylfaen"/>
+        <a:font script="Armn" typeface="Arial"/>
+        <a:font script="Bugi" typeface="Leelawadee UI"/>
+        <a:font script="Bopo" typeface="Microsoft JhengHei"/>
+        <a:font script="Java" typeface="Javanese Text"/>
+        <a:font script="Lisu" typeface="Segoe UI"/>
+        <a:font script="Mymr" typeface="Myanmar Text"/>
+        <a:font script="Nkoo" typeface="Ebrima"/>
+        <a:font script="Olck" typeface="Nirmala UI"/>
+        <a:font script="Osma" typeface="Ebrima"/>
+        <a:font script="Phag" typeface="Phagspa"/>
+        <a:font script="Syrn" typeface="Estrangelo Edessa"/>
+        <a:font script="Syrj" typeface="Estrangelo Edessa"/>
+        <a:font script="Syre" typeface="Estrangelo Edessa"/>
+        <a:font script="Sora" typeface="Nirmala UI"/>
+        <a:font script="Tale" typeface="Microsoft Tai Le"/>
+        <a:font script="Talu" typeface="Microsoft New Tai Lue"/>
+        <a:font script="Tfng" typeface="Ebrima"/>
+      </a:majorFont>
+      <a:minorFont>
+        <a:latin typeface="Aptos" panose="02110004020202020204"/>
+        <a:ea typeface=""/>
+        <a:cs typeface=""/>
+        <a:font script="Jpan" typeface="游ゴシック"/>
+        <a:font script="Hang" typeface="맑은 고딕"/>
+        <a:font script="Hans" typeface="等线"/>
+        <a:font script="Hant" typeface="新細明體"/>
+        <a:font script="Arab" typeface="Arial"/>
+        <a:font script="Hebr" typeface="Arial"/>
+        <a:font script="Thai" typeface="Cordia New"/>
+        <a:font script="Ethi" typeface="Nyala"/>
+        <a:font script="Beng" typeface="Vrinda"/>
+        <a:font script="Gujr" typeface="Shruti"/>
+        <a:font script="Khmr" typeface="DaunPenh"/>
+        <a:font script="Knda" typeface="Tunga"/>
+        <a:font script="Guru" typeface="Raavi"/>
+        <a:font script="Cans" typeface="Euphemia"/>
+        <a:font script="Cher" typeface="Plantagenet Cherokee"/>
+        <a:font script="Yiii" typeface="Microsoft Yi Baiti"/>
+        <a:font script="Tibt" typeface="Microsoft Himalaya"/>
+        <a:font script="Thaa" typeface="MV Boli"/>
+        <a:font script="Deva" typeface="Mangal"/>
+        <a:font script="Telu" typeface="Gautami"/>
+        <a:font script="Taml" typeface="Latha"/>
+        <a:font script="Syrc" typeface="Estrangelo Edessa"/>
+        <a:font script="Orya" typeface="Kalinga"/>
+        <a:font script="Mlym" typeface="Kartika"/>
+        <a:font script="Laoo" typeface="DokChampa"/>
+        <a:font script="Sinh" typeface="Iskoola Pota"/>
+        <a:font script="Mong" typeface="Mongolian Baiti"/>
+        <a:font script="Viet" typeface="Arial"/>
+        <a:font script="Uigh" typeface="Microsoft Uighur"/>
+        <a:font script="Geor" typeface="Sylfaen"/>
+        <a:font script="Armn" typeface="Arial"/>
+        <a:font script="Bugi" typeface="Leelawadee UI"/>
+        <a:font script="Bopo" typeface="Microsoft JhengHei"/>
+        <a:font script="Java" typeface="Javanese Text"/>
+        <a:font script="Lisu" typeface="Segoe UI"/>
+        <a:font script="Mymr" typeface="Myanmar Text"/>
+        <a:font script="Nkoo" typeface="Ebrima"/>
+        <a:font script="Olck" typeface="Nirmala UI"/>
+        <a:font script="Osma" typeface="Ebrima"/>
+        <a:font script="Phag" typeface="Phagspa"/>
+        <a:font script="Syrn" typeface="Estrangelo Edessa"/>
+        <a:font script="Syrj" typeface="Estrangelo Edessa"/>
+        <a:font script="Syre" typeface="Estrangelo Edessa"/>
+        <a:font script="Sora" typeface="Nirmala UI"/>
+        <a:font script="Tale" typeface="Microsoft Tai Le"/>
+        <a:font script="Talu" typeface="Microsoft New Tai Lue"/>
+        <a:font script="Tfng" typeface="Ebrima"/>
+      </a:minorFont>
+    </a:fontScheme>
+    <a:fmtScheme name="Office">
+      <a:fillStyleLst>
+        <a:solidFill>
+          <a:schemeClr val="phClr"/>
+        </a:solidFill>
+        <a:gradFill rotWithShape="1">
+          <a:gsLst>
+            <a:gs pos="0">
+              <a:schemeClr val="phClr">
+                <a:lumMod val="110000"/>
+                <a:satMod val="105000"/>
+                <a:tint val="67000"/>
+              </a:schemeClr>
+            </a:gs>
+            <a:gs pos="50000">
+              <a:schemeClr val="phClr">
+                <a:lumMod val="105000"/>
+                <a:satMod val="103000"/>
+                <a:tint val="73000"/>
+              </a:schemeClr>
+            </a:gs>
+            <a:gs pos="100000">
+              <a:schemeClr val="phClr">
+                <a:lumMod val="105000"/>
+                <a:satMod val="109000"/>
+                <a:tint val="81000"/>
+              </a:schemeClr>
+            </a:gs>
+          </a:gsLst>
+          <a:lin ang="5400000" scaled="0"/>
+        </a:gradFill>
+        <a:gradFill rotWithShape="1">
+          <a:gsLst>
+            <a:gs pos="0">
+              <a:schemeClr val="phClr">
+                <a:satMod val="103000"/>
+                <a:lumMod val="102000"/>
+                <a:tint val="94000"/>
+              </a:schemeClr>
+            </a:gs>
+            <a:gs pos="50000">
+              <a:schemeClr val="phClr">
+                <a:satMod val="110000"/>
+                <a:lumMod val="100000"/>
+                <a:shade val="100000"/>
+              </a:schemeClr>
+            </a:gs>
+            <a:gs pos="100000">
+              <a:schemeClr val="phClr">
+                <a:lumMod val="99000"/>
+                <a:satMod val="120000"/>
+                <a:shade val="78000"/>
+              </a:schemeClr>
+            </a:gs>
+          </a:gsLst>
+          <a:lin ang="5400000" scaled="0"/>
+        </a:gradFill>
+      </a:fillStyleLst>
+      <a:lnStyleLst>
+        <a:ln w="12700" cap="flat" cmpd="sng" algn="ctr">
+          <a:solidFill>
+            <a:schemeClr val="phClr"/>
+          </a:solidFill>
+          <a:prstDash val="solid"/>
+          <a:miter lim="800000"/>
+        </a:ln>
+        <a:ln w="19050" cap="flat" cmpd="sng" algn="ctr">
+          <a:solidFill>
+            <a:schemeClr val="phClr"/>
+          </a:solidFill>
+          <a:prstDash val="solid"/>
+          <a:miter lim="800000"/>
+        </a:ln>
+        <a:ln w="25400" cap="flat" cmpd="sng" algn="ctr">
+          <a:solidFill>
+            <a:schemeClr val="phClr"/>
+          </a:solidFill>
+          <a:prstDash val="solid"/>
+          <a:miter lim="800000"/>
+        </a:ln>
+      </a:lnStyleLst>
+      <a:effectStyleLst>
+        <a:effectStyle>
+          <a:effectLst/>
+        </a:effectStyle>
+        <a:effectStyle>
+          <a:effectLst/>
+        </a:effectStyle>
+        <a:effectStyle>
+          <a:effectLst>
+            <a:outerShdw blurRad="57150" dist="19050" dir="5400000" algn="ctr" rotWithShape="0">
+              <a:srgbClr val="000000">
+                <a:alpha val="63000"/>
+              </a:srgbClr>
+            </a:outerShdw>
+          </a:effectLst>
+        </a:effectStyle>
+      </a:effectStyleLst>
+      <a:bgFillStyleLst>
+        <a:solidFill>
+          <a:schemeClr val="phClr"/>
+        </a:solidFill>
+        <a:solidFill>
+          <a:schemeClr val="phClr">
+            <a:tint val="95000"/>
+            <a:satMod val="170000"/>
+          </a:schemeClr>
+        </a:solidFill>
+        <a:gradFill rotWithShape="1">
+          <a:gsLst>
+            <a:gs pos="0">
+              <a:schemeClr val="phClr">
+                <a:tint val="93000"/>
+                <a:satMod val="150000"/>
+                <a:shade val="98000"/>
+                <a:lumMod val="102000"/>
+              </a:schemeClr>
+            </a:gs>
+            <a:gs pos="50000">
+              <a:schemeClr val="phClr">
+                <a:tint val="98000"/>
+                <a:satMod val="130000"/>
+                <a:shade val="90000"/>
+                <a:lumMod val="103000"/>
+              </a:schemeClr>
+            </a:gs>
+            <a:gs pos="100000">
+              <a:schemeClr val="phClr">
+                <a:shade val="63000"/>
+                <a:satMod val="120000"/>
+              </a:schemeClr>
+            </a:gs>
+          </a:gsLst>
+          <a:lin ang="5400000" scaled="0"/>
+        </a:gradFill>
+      </a:bgFillStyleLst>
+    </a:fmtScheme>
+  </a:themeElements>
+  <a:objectDefaults>
+    <a:lnDef>
+      <a:spPr/>
+      <a:bodyPr/>
+      <a:lstStyle/>
+      <a:style>
+        <a:lnRef idx="2">
+          <a:schemeClr val="accent1"/>
+        </a:lnRef>
+        <a:fillRef idx="0">
+          <a:schemeClr val="accent1"/>
+        </a:fillRef>
+        <a:effectRef idx="1">
+          <a:schemeClr val="accent1"/>
+        </a:effectRef>
+        <a:fontRef idx="minor">
+          <a:schemeClr val="tx1"/>
+        </a:fontRef>
+      </a:style>
+    </a:lnDef>
+  </a:objectDefaults>
+  <a:extraClrSchemeLst/>
+  <a:extLst>
+    <a:ext uri="{05A4C25C-085E-4340-85A3-A5531E510DB2}">
+      <thm15:themeFamily xmlns:thm15="http://schemas.microsoft.com/office/thememl/2012/main" name="Office Theme" id="{2E142A2C-CD16-42D6-873A-C26D2A0506FA}" vid="{1BDDFF52-6CD6-40A5-AB3C-68EB2F1E4D0A}"/>
+    </a:ext>
+  </a:extLst>
+</a:theme>
 </file>
--- a/synteny.pptx
+++ b/synteny.pptx
@@ -5,13 +5,14 @@
     <p:sldMasterId id="2147483648" r:id="rId1"/>
   </p:sldMasterIdLst>
   <p:notesMasterIdLst>
-    <p:notesMasterId r:id="rId6"/>
+    <p:notesMasterId r:id="rId7"/>
   </p:notesMasterIdLst>
   <p:sldIdLst>
     <p:sldId id="258" r:id="rId2"/>
     <p:sldId id="259" r:id="rId3"/>
     <p:sldId id="260" r:id="rId4"/>
-    <p:sldId id="261" r:id="rId5"/>
+    <p:sldId id="262" r:id="rId5"/>
+    <p:sldId id="261" r:id="rId6"/>
   </p:sldIdLst>
   <p:sldSz cx="12192000" cy="6858000"/>
   <p:notesSz cx="6858000" cy="9144000"/>
@@ -200,7 +201,7 @@
           <a:p>
             <a:fld id="{2AF60416-5E6B-4626-B4BA-335673BEC8EA}" type="datetimeFigureOut">
               <a:rPr lang="zh-TW" altLang="en-US" smtClean="0"/>
-              <a:t>2024/10/25</a:t>
+              <a:t>2024/11/3</a:t>
             </a:fld>
             <a:endParaRPr lang="zh-TW" altLang="en-US"/>
           </a:p>
@@ -532,7 +533,7 @@
           <a:p>
             <a:fld id="{FFE87D8A-6036-40F6-953E-85DA543537DC}" type="slidenum">
               <a:rPr lang="zh-TW" altLang="en-US" smtClean="0"/>
-              <a:t>4</a:t>
+              <a:t>5</a:t>
             </a:fld>
             <a:endParaRPr lang="zh-TW" altLang="en-US"/>
           </a:p>
@@ -698,7 +699,7 @@
           <a:p>
             <a:fld id="{EC5D5901-00D9-4DE9-BB38-AE3383FB48B5}" type="datetimeFigureOut">
               <a:rPr lang="zh-TW" altLang="en-US" smtClean="0"/>
-              <a:t>2024/10/25</a:t>
+              <a:t>2024/11/3</a:t>
             </a:fld>
             <a:endParaRPr lang="zh-TW" altLang="en-US"/>
           </a:p>
@@ -896,7 +897,7 @@
           <a:p>
             <a:fld id="{EC5D5901-00D9-4DE9-BB38-AE3383FB48B5}" type="datetimeFigureOut">
               <a:rPr lang="zh-TW" altLang="en-US" smtClean="0"/>
-              <a:t>2024/10/25</a:t>
+              <a:t>2024/11/3</a:t>
             </a:fld>
             <a:endParaRPr lang="zh-TW" altLang="en-US"/>
           </a:p>
@@ -1104,7 +1105,7 @@
           <a:p>
             <a:fld id="{EC5D5901-00D9-4DE9-BB38-AE3383FB48B5}" type="datetimeFigureOut">
               <a:rPr lang="zh-TW" altLang="en-US" smtClean="0"/>
-              <a:t>2024/10/25</a:t>
+              <a:t>2024/11/3</a:t>
             </a:fld>
             <a:endParaRPr lang="zh-TW" altLang="en-US"/>
           </a:p>
@@ -1302,7 +1303,7 @@
           <a:p>
             <a:fld id="{EC5D5901-00D9-4DE9-BB38-AE3383FB48B5}" type="datetimeFigureOut">
               <a:rPr lang="zh-TW" altLang="en-US" smtClean="0"/>
-              <a:t>2024/10/25</a:t>
+              <a:t>2024/11/3</a:t>
             </a:fld>
             <a:endParaRPr lang="zh-TW" altLang="en-US"/>
           </a:p>
@@ -1577,7 +1578,7 @@
           <a:p>
             <a:fld id="{EC5D5901-00D9-4DE9-BB38-AE3383FB48B5}" type="datetimeFigureOut">
               <a:rPr lang="zh-TW" altLang="en-US" smtClean="0"/>
-              <a:t>2024/10/25</a:t>
+              <a:t>2024/11/3</a:t>
             </a:fld>
             <a:endParaRPr lang="zh-TW" altLang="en-US"/>
           </a:p>
@@ -1842,7 +1843,7 @@
           <a:p>
             <a:fld id="{EC5D5901-00D9-4DE9-BB38-AE3383FB48B5}" type="datetimeFigureOut">
               <a:rPr lang="zh-TW" altLang="en-US" smtClean="0"/>
-              <a:t>2024/10/25</a:t>
+              <a:t>2024/11/3</a:t>
             </a:fld>
             <a:endParaRPr lang="zh-TW" altLang="en-US"/>
           </a:p>
@@ -2254,7 +2255,7 @@
           <a:p>
             <a:fld id="{EC5D5901-00D9-4DE9-BB38-AE3383FB48B5}" type="datetimeFigureOut">
               <a:rPr lang="zh-TW" altLang="en-US" smtClean="0"/>
-              <a:t>2024/10/25</a:t>
+              <a:t>2024/11/3</a:t>
             </a:fld>
             <a:endParaRPr lang="zh-TW" altLang="en-US"/>
           </a:p>
@@ -2395,7 +2396,7 @@
           <a:p>
             <a:fld id="{EC5D5901-00D9-4DE9-BB38-AE3383FB48B5}" type="datetimeFigureOut">
               <a:rPr lang="zh-TW" altLang="en-US" smtClean="0"/>
-              <a:t>2024/10/25</a:t>
+              <a:t>2024/11/3</a:t>
             </a:fld>
             <a:endParaRPr lang="zh-TW" altLang="en-US"/>
           </a:p>
@@ -2508,7 +2509,7 @@
           <a:p>
             <a:fld id="{EC5D5901-00D9-4DE9-BB38-AE3383FB48B5}" type="datetimeFigureOut">
               <a:rPr lang="zh-TW" altLang="en-US" smtClean="0"/>
-              <a:t>2024/10/25</a:t>
+              <a:t>2024/11/3</a:t>
             </a:fld>
             <a:endParaRPr lang="zh-TW" altLang="en-US"/>
           </a:p>
@@ -2819,7 +2820,7 @@
           <a:p>
             <a:fld id="{EC5D5901-00D9-4DE9-BB38-AE3383FB48B5}" type="datetimeFigureOut">
               <a:rPr lang="zh-TW" altLang="en-US" smtClean="0"/>
-              <a:t>2024/10/25</a:t>
+              <a:t>2024/11/3</a:t>
             </a:fld>
             <a:endParaRPr lang="zh-TW" altLang="en-US"/>
           </a:p>
@@ -3107,7 +3108,7 @@
           <a:p>
             <a:fld id="{EC5D5901-00D9-4DE9-BB38-AE3383FB48B5}" type="datetimeFigureOut">
               <a:rPr lang="zh-TW" altLang="en-US" smtClean="0"/>
-              <a:t>2024/10/25</a:t>
+              <a:t>2024/11/3</a:t>
             </a:fld>
             <a:endParaRPr lang="zh-TW" altLang="en-US"/>
           </a:p>
@@ -3348,7 +3349,7 @@
           <a:p>
             <a:fld id="{EC5D5901-00D9-4DE9-BB38-AE3383FB48B5}" type="datetimeFigureOut">
               <a:rPr lang="zh-TW" altLang="en-US" smtClean="0"/>
-              <a:t>2024/10/25</a:t>
+              <a:t>2024/11/3</a:t>
             </a:fld>
             <a:endParaRPr lang="zh-TW" altLang="en-US"/>
           </a:p>
@@ -4105,7 +4106,7 @@
                   </a:schemeClr>
                 </a:solidFill>
               </a:rPr>
-              <a:t>g20405.t1 , major follicular superfamily domain-containing protein 4B</a:t>
+              <a:t>g20405: major follicular superfamily domain-containing protein 4B</a:t>
             </a:r>
             <a:endParaRPr lang="zh-TW" altLang="en-US" sz="1400" dirty="0">
               <a:solidFill>
@@ -4155,7 +4156,7 @@
                   </a:schemeClr>
                 </a:solidFill>
               </a:rPr>
-              <a:t>g20403.t1 , CMRF35-like molecule 3</a:t>
+              <a:t>g20403:  CMRF35-like molecule 3</a:t>
             </a:r>
             <a:endParaRPr lang="zh-TW" altLang="en-US" sz="1400" dirty="0">
               <a:solidFill>
@@ -4293,7 +4294,7 @@
                   </a:schemeClr>
                 </a:solidFill>
               </a:rPr>
-              <a:t>g20411.t1,  </a:t>
+              <a:t>g20411:  </a:t>
             </a:r>
             <a:r>
               <a:rPr lang="en-US" altLang="zh-TW" sz="1400" dirty="0" err="1">
@@ -4341,7 +4342,7 @@
           <p:nvPr/>
         </p:nvSpPr>
         <p:spPr>
-          <a:xfrm>
+          <a:xfrm rot="10800000">
             <a:off x="6427688" y="1621235"/>
             <a:ext cx="551834" cy="369329"/>
           </a:xfrm>
@@ -4386,8 +4387,8 @@
         </p:nvSpPr>
         <p:spPr>
           <a:xfrm>
-            <a:off x="6755546" y="1277190"/>
-            <a:ext cx="1405085" cy="307777"/>
+            <a:off x="6663971" y="1167996"/>
+            <a:ext cx="1481450" cy="523220"/>
           </a:xfrm>
           <a:prstGeom prst="rect">
             <a:avLst/>
@@ -4408,7 +4409,7 @@
                   </a:schemeClr>
                 </a:solidFill>
               </a:rPr>
-              <a:t>chitinase-like</a:t>
+              <a:t>g20409: chitinase-like</a:t>
             </a:r>
             <a:endParaRPr lang="zh-TW" altLang="en-US" sz="1400" dirty="0">
               <a:solidFill>
@@ -4476,7 +4477,7 @@
         <p:spPr>
           <a:xfrm>
             <a:off x="7458089" y="884773"/>
-            <a:ext cx="1405085" cy="307777"/>
+            <a:ext cx="1606791" cy="523220"/>
           </a:xfrm>
           <a:prstGeom prst="rect">
             <a:avLst/>
@@ -4497,7 +4498,7 @@
                   </a:schemeClr>
                 </a:solidFill>
               </a:rPr>
-              <a:t>chitinase-like</a:t>
+              <a:t>g20410: chitinase-like</a:t>
             </a:r>
             <a:endParaRPr lang="zh-TW" altLang="en-US" sz="1400" dirty="0">
               <a:solidFill>
@@ -4546,7 +4547,7 @@
                   </a:schemeClr>
                 </a:solidFill>
               </a:rPr>
-              <a:t>g20408.t1, N-fatty-acyl-amino acid synthase/hydrolase PM20D1</a:t>
+              <a:t>g20408: N-fatty-acyl-amino acid synthase/hydrolase PM20D1</a:t>
             </a:r>
             <a:endParaRPr lang="zh-TW" altLang="en-US" sz="1400" dirty="0">
               <a:solidFill>
@@ -4811,8 +4812,8 @@
         </p:nvSpPr>
         <p:spPr>
           <a:xfrm>
-            <a:off x="2981799" y="4611308"/>
-            <a:ext cx="1326747" cy="523220"/>
+            <a:off x="2762865" y="4611308"/>
+            <a:ext cx="1545681" cy="738664"/>
           </a:xfrm>
           <a:prstGeom prst="rect">
             <a:avLst/>
@@ -4834,7 +4835,7 @@
                   </a:schemeClr>
                 </a:solidFill>
               </a:rPr>
-              <a:t>CMRF35-like molecule 3</a:t>
+              <a:t>jg22438: CMRF35-like molecule 3</a:t>
             </a:r>
             <a:endParaRPr lang="zh-TW" altLang="en-US" sz="1400" dirty="0">
               <a:solidFill>
@@ -4908,7 +4909,7 @@
         <p:spPr>
           <a:xfrm>
             <a:off x="4559710" y="4485988"/>
-            <a:ext cx="1630005" cy="1169551"/>
+            <a:ext cx="1630005" cy="1384995"/>
           </a:xfrm>
           <a:prstGeom prst="rect">
             <a:avLst/>
@@ -4930,7 +4931,7 @@
                   </a:schemeClr>
                 </a:solidFill>
               </a:rPr>
-              <a:t>major follicular superfamily domain-containing protein 4A</a:t>
+              <a:t>jg22440: major follicular superfamily domain-containing protein 4B</a:t>
             </a:r>
             <a:endParaRPr lang="zh-TW" altLang="en-US" sz="1400" dirty="0">
               <a:solidFill>
@@ -5000,9 +5001,9 @@
           <p:nvPr/>
         </p:nvSpPr>
         <p:spPr>
-          <a:xfrm>
-            <a:off x="6435525" y="4103383"/>
-            <a:ext cx="551834" cy="369329"/>
+          <a:xfrm rot="10800000">
+            <a:off x="6096000" y="4109504"/>
+            <a:ext cx="444521" cy="369329"/>
           </a:xfrm>
           <a:prstGeom prst="leftArrow">
             <a:avLst/>
@@ -5089,7 +5090,7 @@
         </p:nvSpPr>
         <p:spPr>
           <a:xfrm>
-            <a:off x="7179402" y="4103383"/>
+            <a:off x="7270887" y="4103383"/>
             <a:ext cx="551834" cy="369329"/>
           </a:xfrm>
           <a:prstGeom prst="leftArrow">
@@ -5181,8 +5182,8 @@
         </p:nvSpPr>
         <p:spPr>
           <a:xfrm>
-            <a:off x="6755546" y="3655791"/>
-            <a:ext cx="1405085" cy="307777"/>
+            <a:off x="6663972" y="3655791"/>
+            <a:ext cx="1496660" cy="523220"/>
           </a:xfrm>
           <a:prstGeom prst="rect">
             <a:avLst/>
@@ -5203,7 +5204,7 @@
                   </a:schemeClr>
                 </a:solidFill>
               </a:rPr>
-              <a:t>chitinase-like</a:t>
+              <a:t>jg22449: chitinase-like</a:t>
             </a:r>
             <a:endParaRPr lang="zh-TW" altLang="en-US" sz="1400" dirty="0">
               <a:solidFill>
@@ -5230,7 +5231,7 @@
         <p:spPr>
           <a:xfrm>
             <a:off x="7659795" y="3342269"/>
-            <a:ext cx="1405085" cy="307777"/>
+            <a:ext cx="1405085" cy="523220"/>
           </a:xfrm>
           <a:prstGeom prst="rect">
             <a:avLst/>
@@ -5251,7 +5252,7 @@
                   </a:schemeClr>
                 </a:solidFill>
               </a:rPr>
-              <a:t>chitinase-like</a:t>
+              <a:t>jg22450: chitinase-like</a:t>
             </a:r>
             <a:endParaRPr lang="zh-TW" altLang="en-US" sz="1400" dirty="0">
               <a:solidFill>
@@ -5277,8 +5278,8 @@
         </p:nvSpPr>
         <p:spPr>
           <a:xfrm>
-            <a:off x="8446223" y="4657376"/>
-            <a:ext cx="2394762" cy="307777"/>
+            <a:off x="8581411" y="4684359"/>
+            <a:ext cx="2394762" cy="523220"/>
           </a:xfrm>
           <a:prstGeom prst="rect">
             <a:avLst/>
@@ -5291,6 +5292,17 @@
           </a:bodyPr>
           <a:lstStyle/>
           <a:p>
+            <a:r>
+              <a:rPr lang="en-US" altLang="zh-TW" sz="1400" dirty="0">
+                <a:solidFill>
+                  <a:schemeClr val="accent2">
+                    <a:lumMod val="60000"/>
+                    <a:lumOff val="40000"/>
+                  </a:schemeClr>
+                </a:solidFill>
+              </a:rPr>
+              <a:t>jg22451: </a:t>
+            </a:r>
             <a:r>
               <a:rPr lang="en-US" altLang="zh-TW" sz="1400" dirty="0" err="1">
                 <a:solidFill>
@@ -5311,7 +5323,7 @@
                   </a:schemeClr>
                 </a:solidFill>
               </a:rPr>
-              <a:t> isoform X3</a:t>
+              <a:t>-like isoform X1</a:t>
             </a:r>
             <a:endParaRPr lang="zh-TW" altLang="en-US" sz="1400" dirty="0">
               <a:solidFill>
@@ -5338,8 +5350,8 @@
         </p:nvSpPr>
         <p:spPr>
           <a:xfrm>
-            <a:off x="6143948" y="4528309"/>
-            <a:ext cx="2394762" cy="307777"/>
+            <a:off x="5958448" y="4547732"/>
+            <a:ext cx="1499641" cy="954107"/>
           </a:xfrm>
           <a:prstGeom prst="rect">
             <a:avLst/>
@@ -5361,7 +5373,7 @@
                   </a:schemeClr>
                 </a:solidFill>
               </a:rPr>
-              <a:t>mucin-2-like?</a:t>
+              <a:t>jg22442: N-fatty-acyl-amino acid synthase/hydrolase PM20D1</a:t>
             </a:r>
             <a:endParaRPr lang="zh-TW" altLang="en-US" sz="1400" dirty="0">
               <a:solidFill>
@@ -5388,8 +5400,8 @@
         </p:nvSpPr>
         <p:spPr>
           <a:xfrm>
-            <a:off x="3507995" y="3747210"/>
-            <a:ext cx="1799303" cy="369332"/>
+            <a:off x="3124671" y="3747210"/>
+            <a:ext cx="2631805" cy="369332"/>
           </a:xfrm>
           <a:prstGeom prst="rect">
             <a:avLst/>
@@ -5403,15 +5415,215 @@
           <a:lstStyle/>
           <a:p>
             <a:r>
+              <a:rPr lang="en-US" altLang="zh-TW" sz="1800" dirty="0">
+                <a:solidFill>
+                  <a:schemeClr val="tx2">
+                    <a:lumMod val="90000"/>
+                    <a:lumOff val="10000"/>
+                  </a:schemeClr>
+                </a:solidFill>
+              </a:rPr>
+              <a:t>jg22439: </a:t>
+            </a:r>
+            <a:r>
               <a:rPr lang="zh-TW" altLang="en-US" dirty="0">
                 <a:solidFill>
-                  <a:schemeClr val="accent1">
-                    <a:lumMod val="50000"/>
+                  <a:schemeClr val="tx2">
+                    <a:lumMod val="90000"/>
+                    <a:lumOff val="10000"/>
                   </a:schemeClr>
                 </a:solidFill>
               </a:rPr>
               <a:t>chitinase-like</a:t>
             </a:r>
+          </a:p>
+        </p:txBody>
+      </p:sp>
+      <p:sp>
+        <p:nvSpPr>
+          <p:cNvPr id="2" name="箭號: 向左 1">
+            <a:extLst>
+              <a:ext uri="{FF2B5EF4-FFF2-40B4-BE49-F238E27FC236}">
+                <a16:creationId xmlns:a16="http://schemas.microsoft.com/office/drawing/2014/main" id="{E25C9FF5-1122-A538-A7A8-EE5F38E73FF7}"/>
+              </a:ext>
+            </a:extLst>
+          </p:cNvPr>
+          <p:cNvSpPr/>
+          <p:nvPr/>
+        </p:nvSpPr>
+        <p:spPr>
+          <a:xfrm>
+            <a:off x="6871519" y="4110003"/>
+            <a:ext cx="275917" cy="369329"/>
+          </a:xfrm>
+          <a:prstGeom prst="leftArrow">
+            <a:avLst/>
+          </a:prstGeom>
+        </p:spPr>
+        <p:style>
+          <a:lnRef idx="1">
+            <a:schemeClr val="accent2"/>
+          </a:lnRef>
+          <a:fillRef idx="2">
+            <a:schemeClr val="accent2"/>
+          </a:fillRef>
+          <a:effectRef idx="1">
+            <a:schemeClr val="accent2"/>
+          </a:effectRef>
+          <a:fontRef idx="minor">
+            <a:schemeClr val="dk1"/>
+          </a:fontRef>
+        </p:style>
+        <p:txBody>
+          <a:bodyPr rtlCol="0" anchor="ctr"/>
+          <a:lstStyle/>
+          <a:p>
+            <a:pPr algn="ctr"/>
+            <a:endParaRPr lang="zh-TW" altLang="en-US" dirty="0"/>
+          </a:p>
+        </p:txBody>
+      </p:sp>
+      <p:sp>
+        <p:nvSpPr>
+          <p:cNvPr id="3" name="文字方塊 2">
+            <a:extLst>
+              <a:ext uri="{FF2B5EF4-FFF2-40B4-BE49-F238E27FC236}">
+                <a16:creationId xmlns:a16="http://schemas.microsoft.com/office/drawing/2014/main" id="{D9E18397-DDC0-2074-0AB1-DE5CACD4AA4D}"/>
+              </a:ext>
+            </a:extLst>
+          </p:cNvPr>
+          <p:cNvSpPr txBox="1"/>
+          <p:nvPr/>
+        </p:nvSpPr>
+        <p:spPr>
+          <a:xfrm>
+            <a:off x="7147436" y="5234563"/>
+            <a:ext cx="1298787" cy="738664"/>
+          </a:xfrm>
+          <a:prstGeom prst="rect">
+            <a:avLst/>
+          </a:prstGeom>
+          <a:noFill/>
+        </p:spPr>
+        <p:txBody>
+          <a:bodyPr wrap="square">
+            <a:spAutoFit/>
+          </a:bodyPr>
+          <a:lstStyle/>
+          <a:p>
+            <a:r>
+              <a:rPr lang="en-US" altLang="zh-TW" sz="1400" dirty="0">
+                <a:solidFill>
+                  <a:schemeClr val="accent2">
+                    <a:lumMod val="60000"/>
+                    <a:lumOff val="40000"/>
+                  </a:schemeClr>
+                </a:solidFill>
+              </a:rPr>
+              <a:t>jg22444: chitinase-3-like protein 1 </a:t>
+            </a:r>
+            <a:endParaRPr lang="zh-TW" altLang="en-US" sz="1400" dirty="0">
+              <a:solidFill>
+                <a:schemeClr val="accent2">
+                  <a:lumMod val="60000"/>
+                  <a:lumOff val="40000"/>
+                </a:schemeClr>
+              </a:solidFill>
+            </a:endParaRPr>
+          </a:p>
+        </p:txBody>
+      </p:sp>
+      <p:sp>
+        <p:nvSpPr>
+          <p:cNvPr id="4" name="箭號: 向左 3">
+            <a:extLst>
+              <a:ext uri="{FF2B5EF4-FFF2-40B4-BE49-F238E27FC236}">
+                <a16:creationId xmlns:a16="http://schemas.microsoft.com/office/drawing/2014/main" id="{B469E532-C074-F863-CDFF-257817AC165E}"/>
+              </a:ext>
+            </a:extLst>
+          </p:cNvPr>
+          <p:cNvSpPr/>
+          <p:nvPr/>
+        </p:nvSpPr>
+        <p:spPr>
+          <a:xfrm>
+            <a:off x="6526758" y="4110003"/>
+            <a:ext cx="275917" cy="369329"/>
+          </a:xfrm>
+          <a:prstGeom prst="leftArrow">
+            <a:avLst/>
+          </a:prstGeom>
+        </p:spPr>
+        <p:style>
+          <a:lnRef idx="1">
+            <a:schemeClr val="accent2"/>
+          </a:lnRef>
+          <a:fillRef idx="2">
+            <a:schemeClr val="accent2"/>
+          </a:fillRef>
+          <a:effectRef idx="1">
+            <a:schemeClr val="accent2"/>
+          </a:effectRef>
+          <a:fontRef idx="minor">
+            <a:schemeClr val="dk1"/>
+          </a:fontRef>
+        </p:style>
+        <p:txBody>
+          <a:bodyPr rtlCol="0" anchor="ctr"/>
+          <a:lstStyle/>
+          <a:p>
+            <a:pPr algn="ctr"/>
+            <a:endParaRPr lang="zh-TW" altLang="en-US" dirty="0"/>
+          </a:p>
+        </p:txBody>
+      </p:sp>
+      <p:sp>
+        <p:nvSpPr>
+          <p:cNvPr id="5" name="文字方塊 4">
+            <a:extLst>
+              <a:ext uri="{FF2B5EF4-FFF2-40B4-BE49-F238E27FC236}">
+                <a16:creationId xmlns:a16="http://schemas.microsoft.com/office/drawing/2014/main" id="{62672751-4993-5AB4-628A-DEBFC5F86E8D}"/>
+              </a:ext>
+            </a:extLst>
+          </p:cNvPr>
+          <p:cNvSpPr txBox="1"/>
+          <p:nvPr/>
+        </p:nvSpPr>
+        <p:spPr>
+          <a:xfrm>
+            <a:off x="6426440" y="5642574"/>
+            <a:ext cx="964165" cy="954107"/>
+          </a:xfrm>
+          <a:prstGeom prst="rect">
+            <a:avLst/>
+          </a:prstGeom>
+          <a:noFill/>
+        </p:spPr>
+        <p:txBody>
+          <a:bodyPr wrap="square">
+            <a:spAutoFit/>
+          </a:bodyPr>
+          <a:lstStyle/>
+          <a:p>
+            <a:r>
+              <a:rPr lang="en-US" altLang="zh-TW" sz="1400" dirty="0">
+                <a:solidFill>
+                  <a:schemeClr val="accent2">
+                    <a:lumMod val="60000"/>
+                    <a:lumOff val="40000"/>
+                  </a:schemeClr>
+                </a:solidFill>
+              </a:rPr>
+              <a:t>jg12213: chitinase-3-like protein 1</a:t>
+            </a:r>
+            <a:endParaRPr lang="zh-TW" altLang="en-US" sz="1400" dirty="0">
+              <a:solidFill>
+                <a:schemeClr val="accent2">
+                  <a:lumMod val="60000"/>
+                  <a:lumOff val="40000"/>
+                </a:schemeClr>
+              </a:solidFill>
+            </a:endParaRPr>
           </a:p>
         </p:txBody>
       </p:sp>
@@ -5690,7 +5902,7 @@
                   </a:schemeClr>
                 </a:solidFill>
               </a:rPr>
-              <a:t>g16523.t1,  DNA-binding protein SMUBP-2 </a:t>
+              <a:t>g16523:  DNA-binding protein SMUBP-2 </a:t>
             </a:r>
             <a:endParaRPr lang="zh-TW" altLang="en-US" sz="1400" dirty="0">
               <a:solidFill>
@@ -5740,7 +5952,7 @@
                   </a:schemeClr>
                 </a:solidFill>
               </a:rPr>
-              <a:t>g16525.t1, glutamine </a:t>
+              <a:t>g16525: glutamine </a:t>
             </a:r>
             <a:r>
               <a:rPr lang="en-US" altLang="zh-TW" sz="1400" dirty="0" err="1">
@@ -6083,7 +6295,7 @@
                   </a:schemeClr>
                 </a:solidFill>
               </a:rPr>
-              <a:t>DNA-binding protein SMUBP-2 </a:t>
+              <a:t>jg10721: DNA-binding protein SMUBP-2 </a:t>
             </a:r>
             <a:endParaRPr lang="zh-TW" altLang="en-US" sz="1400" dirty="0">
               <a:solidFill>
@@ -6111,7 +6323,7 @@
         <p:spPr>
           <a:xfrm>
             <a:off x="5831458" y="4522730"/>
-            <a:ext cx="3145394" cy="523220"/>
+            <a:ext cx="3145394" cy="738664"/>
           </a:xfrm>
           <a:prstGeom prst="rect">
             <a:avLst/>
@@ -6133,7 +6345,7 @@
                   </a:schemeClr>
                 </a:solidFill>
               </a:rPr>
-              <a:t>glutamine </a:t>
+              <a:t>jg10723: glutamine </a:t>
             </a:r>
             <a:r>
               <a:rPr lang="en-US" altLang="zh-TW" sz="1400" dirty="0" err="1">
@@ -6248,7 +6460,7 @@
         <p:spPr>
           <a:xfrm>
             <a:off x="4761062" y="876865"/>
-            <a:ext cx="2308575" cy="646331"/>
+            <a:ext cx="2308575" cy="923330"/>
           </a:xfrm>
           <a:prstGeom prst="rect">
             <a:avLst/>
@@ -6261,6 +6473,16 @@
           </a:bodyPr>
           <a:lstStyle/>
           <a:p>
+            <a:r>
+              <a:rPr lang="en-US" altLang="zh-TW" dirty="0">
+                <a:solidFill>
+                  <a:schemeClr val="accent1">
+                    <a:lumMod val="50000"/>
+                  </a:schemeClr>
+                </a:solidFill>
+              </a:rPr>
+              <a:t>g16524: </a:t>
+            </a:r>
             <a:r>
               <a:rPr lang="zh-TW" altLang="en-US" dirty="0">
                 <a:solidFill>
@@ -6289,7 +6511,7 @@
         <p:spPr>
           <a:xfrm>
             <a:off x="4677170" y="3278216"/>
-            <a:ext cx="2308575" cy="646331"/>
+            <a:ext cx="2308575" cy="923330"/>
           </a:xfrm>
           <a:prstGeom prst="rect">
             <a:avLst/>
@@ -6302,6 +6524,16 @@
           </a:bodyPr>
           <a:lstStyle/>
           <a:p>
+            <a:r>
+              <a:rPr lang="en-US" altLang="zh-TW" dirty="0">
+                <a:solidFill>
+                  <a:schemeClr val="accent1">
+                    <a:lumMod val="50000"/>
+                  </a:schemeClr>
+                </a:solidFill>
+              </a:rPr>
+              <a:t>jg10722: </a:t>
+            </a:r>
             <a:r>
               <a:rPr lang="zh-TW" altLang="en-US" dirty="0">
                 <a:solidFill>
@@ -6361,7 +6593,7 @@
         </p:nvCxnSpPr>
         <p:spPr>
           <a:xfrm>
-            <a:off x="3175816" y="2055926"/>
+            <a:off x="1838628" y="2045594"/>
             <a:ext cx="4076627" cy="6522"/>
           </a:xfrm>
           <a:prstGeom prst="line">
@@ -6398,7 +6630,7 @@
         </p:nvSpPr>
         <p:spPr>
           <a:xfrm>
-            <a:off x="1246973" y="1857120"/>
+            <a:off x="177202" y="1857120"/>
             <a:ext cx="1652394" cy="1015663"/>
           </a:xfrm>
           <a:prstGeom prst="rect">
@@ -6446,7 +6678,7 @@
         </p:nvSpPr>
         <p:spPr>
           <a:xfrm rot="10800000">
-            <a:off x="4702892" y="1871261"/>
+            <a:off x="3031406" y="1864191"/>
             <a:ext cx="551834" cy="369329"/>
           </a:xfrm>
           <a:prstGeom prst="leftArrow">
@@ -6492,7 +6724,7 @@
         </p:nvSpPr>
         <p:spPr>
           <a:xfrm>
-            <a:off x="5307580" y="1871260"/>
+            <a:off x="3636094" y="1864191"/>
             <a:ext cx="551834" cy="369329"/>
           </a:xfrm>
           <a:prstGeom prst="leftArrow">
@@ -6538,7 +6770,7 @@
         </p:nvSpPr>
         <p:spPr>
           <a:xfrm rot="10800000">
-            <a:off x="6142096" y="1865303"/>
+            <a:off x="4470610" y="1864191"/>
             <a:ext cx="551834" cy="369329"/>
           </a:xfrm>
           <a:prstGeom prst="leftArrow">
@@ -6582,7 +6814,7 @@
         </p:nvSpPr>
         <p:spPr>
           <a:xfrm>
-            <a:off x="5783673" y="2413337"/>
+            <a:off x="4227261" y="2363964"/>
             <a:ext cx="1993637" cy="738664"/>
           </a:xfrm>
           <a:prstGeom prst="rect">
@@ -6632,7 +6864,7 @@
         </p:nvSpPr>
         <p:spPr>
           <a:xfrm rot="10800000">
-            <a:off x="3851946" y="1865303"/>
+            <a:off x="2180460" y="1864190"/>
             <a:ext cx="551834" cy="369329"/>
           </a:xfrm>
           <a:prstGeom prst="leftArrow">
@@ -6676,7 +6908,7 @@
         </p:nvSpPr>
         <p:spPr>
           <a:xfrm>
-            <a:off x="3493524" y="2413337"/>
+            <a:off x="1956333" y="2344242"/>
             <a:ext cx="1761204" cy="1015663"/>
           </a:xfrm>
           <a:prstGeom prst="rect">
@@ -6726,7 +6958,7 @@
         </p:nvSpPr>
         <p:spPr>
           <a:xfrm>
-            <a:off x="656156" y="1139261"/>
+            <a:off x="177202" y="245284"/>
             <a:ext cx="2753033" cy="523220"/>
           </a:xfrm>
           <a:prstGeom prst="rect">
@@ -6780,7 +7012,7 @@
         </p:nvSpPr>
         <p:spPr>
           <a:xfrm>
-            <a:off x="111382" y="3420857"/>
+            <a:off x="177202" y="3312878"/>
             <a:ext cx="4304373" cy="523220"/>
           </a:xfrm>
           <a:prstGeom prst="rect">
@@ -6847,8 +7079,8 @@
         </p:nvCxnSpPr>
         <p:spPr>
           <a:xfrm>
-            <a:off x="3008671" y="4861993"/>
-            <a:ext cx="9100695" cy="46169"/>
+            <a:off x="1671483" y="4858443"/>
+            <a:ext cx="10500632" cy="53271"/>
           </a:xfrm>
           <a:prstGeom prst="line">
             <a:avLst/>
@@ -6884,7 +7116,7 @@
         </p:nvSpPr>
         <p:spPr>
           <a:xfrm rot="10800000">
-            <a:off x="4663566" y="4683287"/>
+            <a:off x="3011747" y="4700414"/>
             <a:ext cx="551834" cy="369329"/>
           </a:xfrm>
           <a:prstGeom prst="leftArrow">
@@ -6930,7 +7162,7 @@
         </p:nvSpPr>
         <p:spPr>
           <a:xfrm>
-            <a:off x="5268254" y="4683286"/>
+            <a:off x="3616435" y="4700414"/>
             <a:ext cx="551834" cy="369329"/>
           </a:xfrm>
           <a:prstGeom prst="leftArrow">
@@ -6976,7 +7208,7 @@
         </p:nvSpPr>
         <p:spPr>
           <a:xfrm>
-            <a:off x="6102770" y="4677329"/>
+            <a:off x="4411621" y="4700414"/>
             <a:ext cx="551834" cy="369329"/>
           </a:xfrm>
           <a:prstGeom prst="leftArrow">
@@ -7020,8 +7252,8 @@
         </p:nvSpPr>
         <p:spPr>
           <a:xfrm>
-            <a:off x="5512838" y="5231867"/>
-            <a:ext cx="3016193" cy="738664"/>
+            <a:off x="3995447" y="5231861"/>
+            <a:ext cx="1141766" cy="1384995"/>
           </a:xfrm>
           <a:prstGeom prst="rect">
             <a:avLst/>
@@ -7043,7 +7275,7 @@
                   </a:schemeClr>
                 </a:solidFill>
               </a:rPr>
-              <a:t>sodium- and chloride-dependent neutral and basic amino acid transporter B(0+) </a:t>
+              <a:t>jg14607: leucine-rich repeat neuronal protein 2-like</a:t>
             </a:r>
             <a:endParaRPr lang="zh-TW" altLang="en-US" sz="1400" dirty="0">
               <a:solidFill>
@@ -7070,7 +7302,7 @@
         </p:nvSpPr>
         <p:spPr>
           <a:xfrm>
-            <a:off x="3812620" y="4677329"/>
+            <a:off x="2219793" y="4700414"/>
             <a:ext cx="551834" cy="369329"/>
           </a:xfrm>
           <a:prstGeom prst="leftArrow">
@@ -7114,8 +7346,8 @@
         </p:nvSpPr>
         <p:spPr>
           <a:xfrm>
-            <a:off x="3454198" y="5225363"/>
-            <a:ext cx="1761204" cy="738664"/>
+            <a:off x="1861371" y="5225363"/>
+            <a:ext cx="1761204" cy="1384995"/>
           </a:xfrm>
           <a:prstGeom prst="rect">
             <a:avLst/>
@@ -7137,7 +7369,7 @@
                   </a:schemeClr>
                 </a:solidFill>
               </a:rPr>
-              <a:t>leucine-rich repeat neuronal protein 2-like</a:t>
+              <a:t>jg14610: sodium- and chloride-dependent neutral and basic amino acid transporter B(0+)</a:t>
             </a:r>
             <a:endParaRPr lang="zh-TW" altLang="en-US" sz="1400" dirty="0">
               <a:solidFill>
@@ -7164,7 +7396,7 @@
         </p:nvSpPr>
         <p:spPr>
           <a:xfrm>
-            <a:off x="4038374" y="4308704"/>
+            <a:off x="2363431" y="3976219"/>
             <a:ext cx="2702791" cy="338554"/>
           </a:xfrm>
           <a:prstGeom prst="rect">
@@ -7186,7 +7418,7 @@
                   </a:schemeClr>
                 </a:solidFill>
               </a:rPr>
-              <a:t>acidic mammalian chitinase</a:t>
+              <a:t>jg14608:</a:t>
             </a:r>
             <a:endParaRPr lang="zh-TW" altLang="en-US" sz="1600" dirty="0">
               <a:solidFill>
@@ -7212,8 +7444,8 @@
         </p:nvSpPr>
         <p:spPr>
           <a:xfrm>
-            <a:off x="4403780" y="1391592"/>
-            <a:ext cx="1677000" cy="369325"/>
+            <a:off x="3066592" y="1391592"/>
+            <a:ext cx="1677000" cy="369332"/>
           </a:xfrm>
           <a:prstGeom prst="rect">
             <a:avLst/>
@@ -7234,7 +7466,7 @@
                   </a:schemeClr>
                 </a:solidFill>
               </a:rPr>
-              <a:t>Chitinase-like</a:t>
+              <a:t>g14866:</a:t>
             </a:r>
             <a:endParaRPr lang="zh-TW" altLang="en-US" dirty="0">
               <a:solidFill>
@@ -7260,7 +7492,7 @@
         </p:nvSpPr>
         <p:spPr>
           <a:xfrm>
-            <a:off x="1357073" y="4646548"/>
+            <a:off x="177202" y="4646548"/>
             <a:ext cx="1549581" cy="400110"/>
           </a:xfrm>
           <a:prstGeom prst="rect">
@@ -7298,8 +7530,8 @@
         </p:nvCxnSpPr>
         <p:spPr>
           <a:xfrm>
-            <a:off x="8121445" y="2051510"/>
-            <a:ext cx="3559278" cy="0"/>
+            <a:off x="6784257" y="2048855"/>
+            <a:ext cx="4817525" cy="0"/>
           </a:xfrm>
           <a:prstGeom prst="line">
             <a:avLst/>
@@ -7323,10 +7555,10 @@
       </p:cxnSp>
       <p:sp>
         <p:nvSpPr>
-          <p:cNvPr id="28" name="箭號: 向左 27">
-            <a:extLst>
-              <a:ext uri="{FF2B5EF4-FFF2-40B4-BE49-F238E27FC236}">
-                <a16:creationId xmlns:a16="http://schemas.microsoft.com/office/drawing/2014/main" id="{EED5FCEA-F517-15C9-4D2A-8E33A9A54BA1}"/>
+          <p:cNvPr id="29" name="箭號: 向左 28">
+            <a:extLst>
+              <a:ext uri="{FF2B5EF4-FFF2-40B4-BE49-F238E27FC236}">
+                <a16:creationId xmlns:a16="http://schemas.microsoft.com/office/drawing/2014/main" id="{2813316B-A333-5EAE-C9A7-9075F8AD3E35}"/>
               </a:ext>
             </a:extLst>
           </p:cNvPr>
@@ -7335,7 +7567,272 @@
         </p:nvSpPr>
         <p:spPr>
           <a:xfrm>
-            <a:off x="9075494" y="1866842"/>
+            <a:off x="10488420" y="1864190"/>
+            <a:ext cx="551834" cy="369329"/>
+          </a:xfrm>
+          <a:prstGeom prst="leftArrow">
+            <a:avLst/>
+          </a:prstGeom>
+        </p:spPr>
+        <p:style>
+          <a:lnRef idx="1">
+            <a:schemeClr val="accent2"/>
+          </a:lnRef>
+          <a:fillRef idx="2">
+            <a:schemeClr val="accent2"/>
+          </a:fillRef>
+          <a:effectRef idx="1">
+            <a:schemeClr val="accent2"/>
+          </a:effectRef>
+          <a:fontRef idx="minor">
+            <a:schemeClr val="dk1"/>
+          </a:fontRef>
+        </p:style>
+        <p:txBody>
+          <a:bodyPr rtlCol="0" anchor="ctr"/>
+          <a:lstStyle/>
+          <a:p>
+            <a:pPr algn="ctr"/>
+            <a:endParaRPr lang="zh-TW" altLang="en-US" dirty="0"/>
+          </a:p>
+        </p:txBody>
+      </p:sp>
+      <p:sp>
+        <p:nvSpPr>
+          <p:cNvPr id="30" name="文字方塊 29">
+            <a:extLst>
+              <a:ext uri="{FF2B5EF4-FFF2-40B4-BE49-F238E27FC236}">
+                <a16:creationId xmlns:a16="http://schemas.microsoft.com/office/drawing/2014/main" id="{BDAF74F7-8FD0-31DE-A2B7-41CEDF4D089C}"/>
+              </a:ext>
+            </a:extLst>
+          </p:cNvPr>
+          <p:cNvSpPr txBox="1"/>
+          <p:nvPr/>
+        </p:nvSpPr>
+        <p:spPr>
+          <a:xfrm>
+            <a:off x="9781588" y="2752974"/>
+            <a:ext cx="2182762" cy="738664"/>
+          </a:xfrm>
+          <a:prstGeom prst="rect">
+            <a:avLst/>
+          </a:prstGeom>
+          <a:noFill/>
+        </p:spPr>
+        <p:txBody>
+          <a:bodyPr wrap="square">
+            <a:spAutoFit/>
+          </a:bodyPr>
+          <a:lstStyle/>
+          <a:p>
+            <a:r>
+              <a:rPr lang="en-US" altLang="zh-TW" sz="1400" dirty="0">
+                <a:solidFill>
+                  <a:schemeClr val="accent2">
+                    <a:lumMod val="60000"/>
+                    <a:lumOff val="40000"/>
+                  </a:schemeClr>
+                </a:solidFill>
+              </a:rPr>
+              <a:t>g10379: zinc finger and SCAN domain-containing protein 22-like</a:t>
+            </a:r>
+            <a:endParaRPr lang="zh-TW" altLang="en-US" sz="1400" dirty="0">
+              <a:solidFill>
+                <a:schemeClr val="accent2">
+                  <a:lumMod val="60000"/>
+                  <a:lumOff val="40000"/>
+                </a:schemeClr>
+              </a:solidFill>
+            </a:endParaRPr>
+          </a:p>
+        </p:txBody>
+      </p:sp>
+      <p:sp>
+        <p:nvSpPr>
+          <p:cNvPr id="31" name="箭號: 向左 30">
+            <a:extLst>
+              <a:ext uri="{FF2B5EF4-FFF2-40B4-BE49-F238E27FC236}">
+                <a16:creationId xmlns:a16="http://schemas.microsoft.com/office/drawing/2014/main" id="{0B654332-F421-79E1-B359-AA399B378700}"/>
+              </a:ext>
+            </a:extLst>
+          </p:cNvPr>
+          <p:cNvSpPr/>
+          <p:nvPr/>
+        </p:nvSpPr>
+        <p:spPr>
+          <a:xfrm>
+            <a:off x="7008408" y="1864191"/>
+            <a:ext cx="551834" cy="369329"/>
+          </a:xfrm>
+          <a:prstGeom prst="leftArrow">
+            <a:avLst/>
+          </a:prstGeom>
+        </p:spPr>
+        <p:style>
+          <a:lnRef idx="1">
+            <a:schemeClr val="accent2"/>
+          </a:lnRef>
+          <a:fillRef idx="2">
+            <a:schemeClr val="accent2"/>
+          </a:fillRef>
+          <a:effectRef idx="1">
+            <a:schemeClr val="accent2"/>
+          </a:effectRef>
+          <a:fontRef idx="minor">
+            <a:schemeClr val="dk1"/>
+          </a:fontRef>
+        </p:style>
+        <p:txBody>
+          <a:bodyPr rtlCol="0" anchor="ctr"/>
+          <a:lstStyle/>
+          <a:p>
+            <a:pPr algn="ctr"/>
+            <a:endParaRPr lang="zh-TW" altLang="en-US" dirty="0"/>
+          </a:p>
+        </p:txBody>
+      </p:sp>
+      <p:sp>
+        <p:nvSpPr>
+          <p:cNvPr id="32" name="文字方塊 31">
+            <a:extLst>
+              <a:ext uri="{FF2B5EF4-FFF2-40B4-BE49-F238E27FC236}">
+                <a16:creationId xmlns:a16="http://schemas.microsoft.com/office/drawing/2014/main" id="{92E6562A-C45F-EF45-D43E-B4E46D356C62}"/>
+              </a:ext>
+            </a:extLst>
+          </p:cNvPr>
+          <p:cNvSpPr txBox="1"/>
+          <p:nvPr/>
+        </p:nvSpPr>
+        <p:spPr>
+          <a:xfrm>
+            <a:off x="6609481" y="2321276"/>
+            <a:ext cx="1890390" cy="738664"/>
+          </a:xfrm>
+          <a:prstGeom prst="rect">
+            <a:avLst/>
+          </a:prstGeom>
+          <a:noFill/>
+        </p:spPr>
+        <p:txBody>
+          <a:bodyPr wrap="square">
+            <a:spAutoFit/>
+          </a:bodyPr>
+          <a:lstStyle/>
+          <a:p>
+            <a:r>
+              <a:rPr lang="en-US" altLang="zh-TW" sz="1400" dirty="0">
+                <a:solidFill>
+                  <a:schemeClr val="accent2">
+                    <a:lumMod val="60000"/>
+                    <a:lumOff val="40000"/>
+                  </a:schemeClr>
+                </a:solidFill>
+              </a:rPr>
+              <a:t>g10373:  ADP-ribosylation factor-related protein 1</a:t>
+            </a:r>
+            <a:endParaRPr lang="zh-TW" altLang="en-US" sz="1400" dirty="0">
+              <a:solidFill>
+                <a:schemeClr val="accent2">
+                  <a:lumMod val="60000"/>
+                  <a:lumOff val="40000"/>
+                </a:schemeClr>
+              </a:solidFill>
+            </a:endParaRPr>
+          </a:p>
+        </p:txBody>
+      </p:sp>
+      <p:cxnSp>
+        <p:nvCxnSpPr>
+          <p:cNvPr id="41" name="直線接點 40">
+            <a:extLst>
+              <a:ext uri="{FF2B5EF4-FFF2-40B4-BE49-F238E27FC236}">
+                <a16:creationId xmlns:a16="http://schemas.microsoft.com/office/drawing/2014/main" id="{2C51E2AC-F992-4ADD-E30E-775879884D23}"/>
+              </a:ext>
+            </a:extLst>
+          </p:cNvPr>
+          <p:cNvCxnSpPr>
+            <a:cxnSpLocks/>
+          </p:cNvCxnSpPr>
+          <p:nvPr/>
+        </p:nvCxnSpPr>
+        <p:spPr>
+          <a:xfrm>
+            <a:off x="6035169" y="2048855"/>
+            <a:ext cx="653845" cy="0"/>
+          </a:xfrm>
+          <a:prstGeom prst="line">
+            <a:avLst/>
+          </a:prstGeom>
+          <a:ln>
+            <a:prstDash val="sysDash"/>
+          </a:ln>
+        </p:spPr>
+        <p:style>
+          <a:lnRef idx="2">
+            <a:schemeClr val="dk1"/>
+          </a:lnRef>
+          <a:fillRef idx="0">
+            <a:schemeClr val="dk1"/>
+          </a:fillRef>
+          <a:effectRef idx="1">
+            <a:schemeClr val="dk1"/>
+          </a:effectRef>
+          <a:fontRef idx="minor">
+            <a:schemeClr val="tx1"/>
+          </a:fontRef>
+        </p:style>
+      </p:cxnSp>
+      <p:sp>
+        <p:nvSpPr>
+          <p:cNvPr id="43" name="文字方塊 42">
+            <a:extLst>
+              <a:ext uri="{FF2B5EF4-FFF2-40B4-BE49-F238E27FC236}">
+                <a16:creationId xmlns:a16="http://schemas.microsoft.com/office/drawing/2014/main" id="{965F6A0A-1486-5793-8AC0-8F51811B1881}"/>
+              </a:ext>
+            </a:extLst>
+          </p:cNvPr>
+          <p:cNvSpPr txBox="1"/>
+          <p:nvPr/>
+        </p:nvSpPr>
+        <p:spPr>
+          <a:xfrm>
+            <a:off x="6106615" y="1689855"/>
+            <a:ext cx="671213" cy="369332"/>
+          </a:xfrm>
+          <a:prstGeom prst="rect">
+            <a:avLst/>
+          </a:prstGeom>
+          <a:noFill/>
+        </p:spPr>
+        <p:txBody>
+          <a:bodyPr wrap="square">
+            <a:spAutoFit/>
+          </a:bodyPr>
+          <a:lstStyle/>
+          <a:p>
+            <a:r>
+              <a:rPr lang="en-US" altLang="zh-TW" sz="1800" dirty="0"/>
+              <a:t>gap</a:t>
+            </a:r>
+            <a:endParaRPr lang="zh-TW" altLang="en-US" dirty="0"/>
+          </a:p>
+        </p:txBody>
+      </p:sp>
+      <p:sp>
+        <p:nvSpPr>
+          <p:cNvPr id="44" name="箭號: 向左 43">
+            <a:extLst>
+              <a:ext uri="{FF2B5EF4-FFF2-40B4-BE49-F238E27FC236}">
+                <a16:creationId xmlns:a16="http://schemas.microsoft.com/office/drawing/2014/main" id="{D368451F-FD23-31DC-2DB0-A5F1E9E15095}"/>
+              </a:ext>
+            </a:extLst>
+          </p:cNvPr>
+          <p:cNvSpPr/>
+          <p:nvPr/>
+        </p:nvSpPr>
+        <p:spPr>
+          <a:xfrm rot="10800000">
+            <a:off x="8500624" y="4700413"/>
             <a:ext cx="551834" cy="369329"/>
           </a:xfrm>
           <a:prstGeom prst="leftArrow">
@@ -7369,10 +7866,10 @@
       </p:sp>
       <p:sp>
         <p:nvSpPr>
-          <p:cNvPr id="29" name="箭號: 向左 28">
-            <a:extLst>
-              <a:ext uri="{FF2B5EF4-FFF2-40B4-BE49-F238E27FC236}">
-                <a16:creationId xmlns:a16="http://schemas.microsoft.com/office/drawing/2014/main" id="{2813316B-A333-5EAE-C9A7-9075F8AD3E35}"/>
+          <p:cNvPr id="45" name="箭號: 向左 44">
+            <a:extLst>
+              <a:ext uri="{FF2B5EF4-FFF2-40B4-BE49-F238E27FC236}">
+                <a16:creationId xmlns:a16="http://schemas.microsoft.com/office/drawing/2014/main" id="{3CA30BEE-63DC-DC85-0D26-BA5950B98B08}"/>
               </a:ext>
             </a:extLst>
           </p:cNvPr>
@@ -7380,8 +7877,8 @@
           <p:nvPr/>
         </p:nvSpPr>
         <p:spPr>
-          <a:xfrm>
-            <a:off x="10564472" y="1866845"/>
+          <a:xfrm rot="10800000">
+            <a:off x="11030208" y="4700413"/>
             <a:ext cx="551834" cy="369329"/>
           </a:xfrm>
           <a:prstGeom prst="leftArrow">
@@ -7413,10 +7910,54 @@
       </p:sp>
       <p:sp>
         <p:nvSpPr>
-          <p:cNvPr id="30" name="文字方塊 29">
-            <a:extLst>
-              <a:ext uri="{FF2B5EF4-FFF2-40B4-BE49-F238E27FC236}">
-                <a16:creationId xmlns:a16="http://schemas.microsoft.com/office/drawing/2014/main" id="{BDAF74F7-8FD0-31DE-A2B7-41CEDF4D089C}"/>
+          <p:cNvPr id="46" name="箭號: 向左 45">
+            <a:extLst>
+              <a:ext uri="{FF2B5EF4-FFF2-40B4-BE49-F238E27FC236}">
+                <a16:creationId xmlns:a16="http://schemas.microsoft.com/office/drawing/2014/main" id="{FC3E80F2-EE60-C533-A12F-66F0493AA4FD}"/>
+              </a:ext>
+            </a:extLst>
+          </p:cNvPr>
+          <p:cNvSpPr/>
+          <p:nvPr/>
+        </p:nvSpPr>
+        <p:spPr>
+          <a:xfrm rot="10800000">
+            <a:off x="6877525" y="4700413"/>
+            <a:ext cx="551834" cy="369329"/>
+          </a:xfrm>
+          <a:prstGeom prst="leftArrow">
+            <a:avLst/>
+          </a:prstGeom>
+        </p:spPr>
+        <p:style>
+          <a:lnRef idx="1">
+            <a:schemeClr val="accent2"/>
+          </a:lnRef>
+          <a:fillRef idx="2">
+            <a:schemeClr val="accent2"/>
+          </a:fillRef>
+          <a:effectRef idx="1">
+            <a:schemeClr val="accent2"/>
+          </a:effectRef>
+          <a:fontRef idx="minor">
+            <a:schemeClr val="dk1"/>
+          </a:fontRef>
+        </p:style>
+        <p:txBody>
+          <a:bodyPr rtlCol="0" anchor="ctr"/>
+          <a:lstStyle/>
+          <a:p>
+            <a:pPr algn="ctr"/>
+            <a:endParaRPr lang="zh-TW" altLang="en-US" dirty="0"/>
+          </a:p>
+        </p:txBody>
+      </p:sp>
+      <p:sp>
+        <p:nvSpPr>
+          <p:cNvPr id="47" name="文字方塊 46">
+            <a:extLst>
+              <a:ext uri="{FF2B5EF4-FFF2-40B4-BE49-F238E27FC236}">
+                <a16:creationId xmlns:a16="http://schemas.microsoft.com/office/drawing/2014/main" id="{A53BF826-A884-B97A-6A29-71F32F52056B}"/>
               </a:ext>
             </a:extLst>
           </p:cNvPr>
@@ -7425,8 +7966,8 @@
         </p:nvSpPr>
         <p:spPr>
           <a:xfrm>
-            <a:off x="10401320" y="2429315"/>
-            <a:ext cx="2182762" cy="738664"/>
+            <a:off x="8977767" y="5320069"/>
+            <a:ext cx="1659724" cy="1384995"/>
           </a:xfrm>
           <a:prstGeom prst="rect">
             <a:avLst/>
@@ -7448,7 +7989,7 @@
                   </a:schemeClr>
                 </a:solidFill>
               </a:rPr>
-              <a:t>g10379.t1, zinc finger and SCAN domain-containing protein 22-like</a:t>
+              <a:t>jg15509: acidic mammalian chitinase-like isoform X1 //chitotriosidase-1-like isoform X1 </a:t>
             </a:r>
             <a:endParaRPr lang="zh-TW" altLang="en-US" sz="1400" dirty="0">
               <a:solidFill>
@@ -7463,54 +8004,10 @@
       </p:sp>
       <p:sp>
         <p:nvSpPr>
-          <p:cNvPr id="31" name="箭號: 向左 30">
-            <a:extLst>
-              <a:ext uri="{FF2B5EF4-FFF2-40B4-BE49-F238E27FC236}">
-                <a16:creationId xmlns:a16="http://schemas.microsoft.com/office/drawing/2014/main" id="{0B654332-F421-79E1-B359-AA399B378700}"/>
-              </a:ext>
-            </a:extLst>
-          </p:cNvPr>
-          <p:cNvSpPr/>
-          <p:nvPr/>
-        </p:nvSpPr>
-        <p:spPr>
-          <a:xfrm>
-            <a:off x="8404130" y="1877784"/>
-            <a:ext cx="551834" cy="369329"/>
-          </a:xfrm>
-          <a:prstGeom prst="leftArrow">
-            <a:avLst/>
-          </a:prstGeom>
-        </p:spPr>
-        <p:style>
-          <a:lnRef idx="1">
-            <a:schemeClr val="accent2"/>
-          </a:lnRef>
-          <a:fillRef idx="2">
-            <a:schemeClr val="accent2"/>
-          </a:fillRef>
-          <a:effectRef idx="1">
-            <a:schemeClr val="accent2"/>
-          </a:effectRef>
-          <a:fontRef idx="minor">
-            <a:schemeClr val="dk1"/>
-          </a:fontRef>
-        </p:style>
-        <p:txBody>
-          <a:bodyPr rtlCol="0" anchor="ctr"/>
-          <a:lstStyle/>
-          <a:p>
-            <a:pPr algn="ctr"/>
-            <a:endParaRPr lang="zh-TW" altLang="en-US" dirty="0"/>
-          </a:p>
-        </p:txBody>
-      </p:sp>
-      <p:sp>
-        <p:nvSpPr>
-          <p:cNvPr id="32" name="文字方塊 31">
-            <a:extLst>
-              <a:ext uri="{FF2B5EF4-FFF2-40B4-BE49-F238E27FC236}">
-                <a16:creationId xmlns:a16="http://schemas.microsoft.com/office/drawing/2014/main" id="{92E6562A-C45F-EF45-D43E-B4E46D356C62}"/>
+          <p:cNvPr id="48" name="文字方塊 47">
+            <a:extLst>
+              <a:ext uri="{FF2B5EF4-FFF2-40B4-BE49-F238E27FC236}">
+                <a16:creationId xmlns:a16="http://schemas.microsoft.com/office/drawing/2014/main" id="{F29F991F-D15D-BFD8-32D0-101D42A8588F}"/>
               </a:ext>
             </a:extLst>
           </p:cNvPr>
@@ -7519,8 +8016,8 @@
         </p:nvSpPr>
         <p:spPr>
           <a:xfrm>
-            <a:off x="8240978" y="2459918"/>
-            <a:ext cx="1890390" cy="738664"/>
+            <a:off x="7940153" y="3831972"/>
+            <a:ext cx="1550701" cy="738664"/>
           </a:xfrm>
           <a:prstGeom prst="rect">
             <a:avLst/>
@@ -7536,106 +8033,29 @@
             <a:r>
               <a:rPr lang="en-US" altLang="zh-TW" sz="1400" dirty="0">
                 <a:solidFill>
-                  <a:schemeClr val="accent2">
-                    <a:lumMod val="60000"/>
-                    <a:lumOff val="40000"/>
+                  <a:schemeClr val="accent1">
+                    <a:lumMod val="50000"/>
                   </a:schemeClr>
                 </a:solidFill>
               </a:rPr>
-              <a:t>g10377.t1, chitotriosidase-1-like isoform X1</a:t>
+              <a:t>jg15508: acidic mammalian chitinase-like</a:t>
             </a:r>
             <a:endParaRPr lang="zh-TW" altLang="en-US" sz="1400" dirty="0">
               <a:solidFill>
-                <a:schemeClr val="accent2">
-                  <a:lumMod val="60000"/>
-                  <a:lumOff val="40000"/>
+                <a:schemeClr val="accent1">
+                  <a:lumMod val="50000"/>
                 </a:schemeClr>
               </a:solidFill>
             </a:endParaRPr>
           </a:p>
         </p:txBody>
       </p:sp>
-      <p:cxnSp>
-        <p:nvCxnSpPr>
-          <p:cNvPr id="41" name="直線接點 40">
-            <a:extLst>
-              <a:ext uri="{FF2B5EF4-FFF2-40B4-BE49-F238E27FC236}">
-                <a16:creationId xmlns:a16="http://schemas.microsoft.com/office/drawing/2014/main" id="{2C51E2AC-F992-4ADD-E30E-775879884D23}"/>
-              </a:ext>
-            </a:extLst>
-          </p:cNvPr>
-          <p:cNvCxnSpPr/>
-          <p:nvPr/>
-        </p:nvCxnSpPr>
-        <p:spPr>
-          <a:xfrm>
-            <a:off x="7372357" y="2059187"/>
-            <a:ext cx="653845" cy="0"/>
-          </a:xfrm>
-          <a:prstGeom prst="line">
-            <a:avLst/>
-          </a:prstGeom>
-          <a:ln>
-            <a:prstDash val="sysDash"/>
-          </a:ln>
-        </p:spPr>
-        <p:style>
-          <a:lnRef idx="2">
-            <a:schemeClr val="dk1"/>
-          </a:lnRef>
-          <a:fillRef idx="0">
-            <a:schemeClr val="dk1"/>
-          </a:fillRef>
-          <a:effectRef idx="1">
-            <a:schemeClr val="dk1"/>
-          </a:effectRef>
-          <a:fontRef idx="minor">
-            <a:schemeClr val="tx1"/>
-          </a:fontRef>
-        </p:style>
-      </p:cxnSp>
-      <p:sp>
-        <p:nvSpPr>
-          <p:cNvPr id="43" name="文字方塊 42">
-            <a:extLst>
-              <a:ext uri="{FF2B5EF4-FFF2-40B4-BE49-F238E27FC236}">
-                <a16:creationId xmlns:a16="http://schemas.microsoft.com/office/drawing/2014/main" id="{965F6A0A-1486-5793-8AC0-8F51811B1881}"/>
-              </a:ext>
-            </a:extLst>
-          </p:cNvPr>
-          <p:cNvSpPr txBox="1"/>
-          <p:nvPr/>
-        </p:nvSpPr>
-        <p:spPr>
-          <a:xfrm>
-            <a:off x="7443803" y="1689855"/>
-            <a:ext cx="671213" cy="369332"/>
-          </a:xfrm>
-          <a:prstGeom prst="rect">
-            <a:avLst/>
-          </a:prstGeom>
-          <a:noFill/>
-        </p:spPr>
-        <p:txBody>
-          <a:bodyPr wrap="square">
-            <a:spAutoFit/>
-          </a:bodyPr>
-          <a:lstStyle/>
-          <a:p>
-            <a:r>
-              <a:rPr lang="en-US" altLang="zh-TW" sz="1800" dirty="0"/>
-              <a:t>gap</a:t>
-            </a:r>
-            <a:endParaRPr lang="zh-TW" altLang="en-US" dirty="0"/>
-          </a:p>
-        </p:txBody>
-      </p:sp>
-      <p:sp>
-        <p:nvSpPr>
-          <p:cNvPr id="44" name="箭號: 向左 43">
-            <a:extLst>
-              <a:ext uri="{FF2B5EF4-FFF2-40B4-BE49-F238E27FC236}">
-                <a16:creationId xmlns:a16="http://schemas.microsoft.com/office/drawing/2014/main" id="{D368451F-FD23-31DC-2DB0-A5F1E9E15095}"/>
+      <p:sp>
+        <p:nvSpPr>
+          <p:cNvPr id="56" name="箭號: 向左 55">
+            <a:extLst>
+              <a:ext uri="{FF2B5EF4-FFF2-40B4-BE49-F238E27FC236}">
+                <a16:creationId xmlns:a16="http://schemas.microsoft.com/office/drawing/2014/main" id="{3A02229F-216F-931F-39E8-3E24D7899C0E}"/>
               </a:ext>
             </a:extLst>
           </p:cNvPr>
@@ -7644,7 +8064,7 @@
         </p:nvSpPr>
         <p:spPr>
           <a:xfrm rot="10800000">
-            <a:off x="8923410" y="4702901"/>
+            <a:off x="9781588" y="4700413"/>
             <a:ext cx="551834" cy="369329"/>
           </a:xfrm>
           <a:prstGeom prst="leftArrow">
@@ -7678,10 +8098,10 @@
       </p:sp>
       <p:sp>
         <p:nvSpPr>
-          <p:cNvPr id="45" name="箭號: 向左 44">
-            <a:extLst>
-              <a:ext uri="{FF2B5EF4-FFF2-40B4-BE49-F238E27FC236}">
-                <a16:creationId xmlns:a16="http://schemas.microsoft.com/office/drawing/2014/main" id="{3CA30BEE-63DC-DC85-0D26-BA5950B98B08}"/>
+          <p:cNvPr id="57" name="箭號: 向左 56">
+            <a:extLst>
+              <a:ext uri="{FF2B5EF4-FFF2-40B4-BE49-F238E27FC236}">
+                <a16:creationId xmlns:a16="http://schemas.microsoft.com/office/drawing/2014/main" id="{A18E1CBA-CCD7-611E-7760-54B5CF977C93}"/>
               </a:ext>
             </a:extLst>
           </p:cNvPr>
@@ -7690,243 +8110,7 @@
         </p:nvSpPr>
         <p:spPr>
           <a:xfrm rot="10800000">
-            <a:off x="11452994" y="4696056"/>
-            <a:ext cx="551834" cy="369329"/>
-          </a:xfrm>
-          <a:prstGeom prst="leftArrow">
-            <a:avLst/>
-          </a:prstGeom>
-        </p:spPr>
-        <p:style>
-          <a:lnRef idx="1">
-            <a:schemeClr val="accent2"/>
-          </a:lnRef>
-          <a:fillRef idx="2">
-            <a:schemeClr val="accent2"/>
-          </a:fillRef>
-          <a:effectRef idx="1">
-            <a:schemeClr val="accent2"/>
-          </a:effectRef>
-          <a:fontRef idx="minor">
-            <a:schemeClr val="dk1"/>
-          </a:fontRef>
-        </p:style>
-        <p:txBody>
-          <a:bodyPr rtlCol="0" anchor="ctr"/>
-          <a:lstStyle/>
-          <a:p>
-            <a:pPr algn="ctr"/>
-            <a:endParaRPr lang="zh-TW" altLang="en-US" dirty="0"/>
-          </a:p>
-        </p:txBody>
-      </p:sp>
-      <p:sp>
-        <p:nvSpPr>
-          <p:cNvPr id="46" name="箭號: 向左 45">
-            <a:extLst>
-              <a:ext uri="{FF2B5EF4-FFF2-40B4-BE49-F238E27FC236}">
-                <a16:creationId xmlns:a16="http://schemas.microsoft.com/office/drawing/2014/main" id="{FC3E80F2-EE60-C533-A12F-66F0493AA4FD}"/>
-              </a:ext>
-            </a:extLst>
-          </p:cNvPr>
-          <p:cNvSpPr/>
-          <p:nvPr/>
-        </p:nvSpPr>
-        <p:spPr>
-          <a:xfrm rot="10800000">
-            <a:off x="8214713" y="4702901"/>
-            <a:ext cx="551834" cy="369329"/>
-          </a:xfrm>
-          <a:prstGeom prst="leftArrow">
-            <a:avLst/>
-          </a:prstGeom>
-        </p:spPr>
-        <p:style>
-          <a:lnRef idx="1">
-            <a:schemeClr val="accent2"/>
-          </a:lnRef>
-          <a:fillRef idx="2">
-            <a:schemeClr val="accent2"/>
-          </a:fillRef>
-          <a:effectRef idx="1">
-            <a:schemeClr val="accent2"/>
-          </a:effectRef>
-          <a:fontRef idx="minor">
-            <a:schemeClr val="dk1"/>
-          </a:fontRef>
-        </p:style>
-        <p:txBody>
-          <a:bodyPr rtlCol="0" anchor="ctr"/>
-          <a:lstStyle/>
-          <a:p>
-            <a:pPr algn="ctr"/>
-            <a:endParaRPr lang="zh-TW" altLang="en-US" dirty="0"/>
-          </a:p>
-        </p:txBody>
-      </p:sp>
-      <p:sp>
-        <p:nvSpPr>
-          <p:cNvPr id="47" name="文字方塊 46">
-            <a:extLst>
-              <a:ext uri="{FF2B5EF4-FFF2-40B4-BE49-F238E27FC236}">
-                <a16:creationId xmlns:a16="http://schemas.microsoft.com/office/drawing/2014/main" id="{A53BF826-A884-B97A-6A29-71F32F52056B}"/>
-              </a:ext>
-            </a:extLst>
-          </p:cNvPr>
-          <p:cNvSpPr txBox="1"/>
-          <p:nvPr/>
-        </p:nvSpPr>
-        <p:spPr>
-          <a:xfrm>
-            <a:off x="8251192" y="5180053"/>
-            <a:ext cx="1324737" cy="307777"/>
-          </a:xfrm>
-          <a:prstGeom prst="rect">
-            <a:avLst/>
-          </a:prstGeom>
-          <a:noFill/>
-        </p:spPr>
-        <p:txBody>
-          <a:bodyPr wrap="square">
-            <a:spAutoFit/>
-          </a:bodyPr>
-          <a:lstStyle/>
-          <a:p>
-            <a:r>
-              <a:rPr lang="en-US" altLang="zh-TW" sz="1400" dirty="0">
-                <a:solidFill>
-                  <a:schemeClr val="accent2">
-                    <a:lumMod val="60000"/>
-                    <a:lumOff val="40000"/>
-                  </a:schemeClr>
-                </a:solidFill>
-              </a:rPr>
-              <a:t>contactin-2</a:t>
-            </a:r>
-            <a:endParaRPr lang="zh-TW" altLang="en-US" sz="1400" dirty="0">
-              <a:solidFill>
-                <a:schemeClr val="accent2">
-                  <a:lumMod val="60000"/>
-                  <a:lumOff val="40000"/>
-                </a:schemeClr>
-              </a:solidFill>
-            </a:endParaRPr>
-          </a:p>
-        </p:txBody>
-      </p:sp>
-      <p:sp>
-        <p:nvSpPr>
-          <p:cNvPr id="48" name="文字方塊 47">
-            <a:extLst>
-              <a:ext uri="{FF2B5EF4-FFF2-40B4-BE49-F238E27FC236}">
-                <a16:creationId xmlns:a16="http://schemas.microsoft.com/office/drawing/2014/main" id="{F29F991F-D15D-BFD8-32D0-101D42A8588F}"/>
-              </a:ext>
-            </a:extLst>
-          </p:cNvPr>
-          <p:cNvSpPr txBox="1"/>
-          <p:nvPr/>
-        </p:nvSpPr>
-        <p:spPr>
-          <a:xfrm>
-            <a:off x="8734277" y="4279347"/>
-            <a:ext cx="2702791" cy="338554"/>
-          </a:xfrm>
-          <a:prstGeom prst="rect">
-            <a:avLst/>
-          </a:prstGeom>
-          <a:noFill/>
-        </p:spPr>
-        <p:txBody>
-          <a:bodyPr wrap="square">
-            <a:spAutoFit/>
-          </a:bodyPr>
-          <a:lstStyle/>
-          <a:p>
-            <a:r>
-              <a:rPr lang="en-US" altLang="zh-TW" sz="1600" dirty="0">
-                <a:solidFill>
-                  <a:schemeClr val="accent1">
-                    <a:lumMod val="50000"/>
-                  </a:schemeClr>
-                </a:solidFill>
-              </a:rPr>
-              <a:t>acidic mammalian chitinase</a:t>
-            </a:r>
-            <a:endParaRPr lang="zh-TW" altLang="en-US" sz="1600" dirty="0">
-              <a:solidFill>
-                <a:schemeClr val="accent1">
-                  <a:lumMod val="50000"/>
-                </a:schemeClr>
-              </a:solidFill>
-            </a:endParaRPr>
-          </a:p>
-        </p:txBody>
-      </p:sp>
-      <p:sp>
-        <p:nvSpPr>
-          <p:cNvPr id="51" name="文字方塊 50">
-            <a:extLst>
-              <a:ext uri="{FF2B5EF4-FFF2-40B4-BE49-F238E27FC236}">
-                <a16:creationId xmlns:a16="http://schemas.microsoft.com/office/drawing/2014/main" id="{4ABAD0BF-350E-91B8-230A-F2978961040E}"/>
-              </a:ext>
-            </a:extLst>
-          </p:cNvPr>
-          <p:cNvSpPr txBox="1"/>
-          <p:nvPr/>
-        </p:nvSpPr>
-        <p:spPr>
-          <a:xfrm>
-            <a:off x="10391352" y="5170528"/>
-            <a:ext cx="2182762" cy="738664"/>
-          </a:xfrm>
-          <a:prstGeom prst="rect">
-            <a:avLst/>
-          </a:prstGeom>
-          <a:noFill/>
-        </p:spPr>
-        <p:txBody>
-          <a:bodyPr wrap="square">
-            <a:spAutoFit/>
-          </a:bodyPr>
-          <a:lstStyle/>
-          <a:p>
-            <a:r>
-              <a:rPr lang="en-US" altLang="zh-TW" sz="1400" dirty="0">
-                <a:solidFill>
-                  <a:schemeClr val="accent2">
-                    <a:lumMod val="60000"/>
-                    <a:lumOff val="40000"/>
-                  </a:schemeClr>
-                </a:solidFill>
-              </a:rPr>
-              <a:t>ADP-ribosylation factor-related protein 1 isoform X2</a:t>
-            </a:r>
-            <a:endParaRPr lang="zh-TW" altLang="en-US" sz="1400" dirty="0">
-              <a:solidFill>
-                <a:schemeClr val="accent2">
-                  <a:lumMod val="60000"/>
-                  <a:lumOff val="40000"/>
-                </a:schemeClr>
-              </a:solidFill>
-            </a:endParaRPr>
-          </a:p>
-        </p:txBody>
-      </p:sp>
-      <p:sp>
-        <p:nvSpPr>
-          <p:cNvPr id="54" name="箭號: 向左 53">
-            <a:extLst>
-              <a:ext uri="{FF2B5EF4-FFF2-40B4-BE49-F238E27FC236}">
-                <a16:creationId xmlns:a16="http://schemas.microsoft.com/office/drawing/2014/main" id="{D86F301F-8EF0-D160-202B-74FF2DD088CB}"/>
-              </a:ext>
-            </a:extLst>
-          </p:cNvPr>
-          <p:cNvSpPr/>
-          <p:nvPr/>
-        </p:nvSpPr>
-        <p:spPr>
-          <a:xfrm rot="10800000">
-            <a:off x="9563892" y="4712067"/>
+            <a:off x="10361574" y="4700413"/>
             <a:ext cx="551834" cy="369329"/>
           </a:xfrm>
           <a:prstGeom prst="leftArrow">
@@ -7960,10 +8144,156 @@
       </p:sp>
       <p:sp>
         <p:nvSpPr>
-          <p:cNvPr id="56" name="箭號: 向左 55">
-            <a:extLst>
-              <a:ext uri="{FF2B5EF4-FFF2-40B4-BE49-F238E27FC236}">
-                <a16:creationId xmlns:a16="http://schemas.microsoft.com/office/drawing/2014/main" id="{3A02229F-216F-931F-39E8-3E24D7899C0E}"/>
+          <p:cNvPr id="2" name="文字方塊 1">
+            <a:extLst>
+              <a:ext uri="{FF2B5EF4-FFF2-40B4-BE49-F238E27FC236}">
+                <a16:creationId xmlns:a16="http://schemas.microsoft.com/office/drawing/2014/main" id="{E35B311A-04AC-74BC-1029-709C97CF6482}"/>
+              </a:ext>
+            </a:extLst>
+          </p:cNvPr>
+          <p:cNvSpPr txBox="1"/>
+          <p:nvPr/>
+        </p:nvSpPr>
+        <p:spPr>
+          <a:xfrm>
+            <a:off x="3401045" y="4184347"/>
+            <a:ext cx="2702791" cy="338554"/>
+          </a:xfrm>
+          <a:prstGeom prst="rect">
+            <a:avLst/>
+          </a:prstGeom>
+          <a:noFill/>
+        </p:spPr>
+        <p:txBody>
+          <a:bodyPr wrap="square">
+            <a:spAutoFit/>
+          </a:bodyPr>
+          <a:lstStyle/>
+          <a:p>
+            <a:r>
+              <a:rPr lang="en-US" altLang="zh-TW" sz="1600" dirty="0">
+                <a:solidFill>
+                  <a:schemeClr val="accent1">
+                    <a:lumMod val="50000"/>
+                  </a:schemeClr>
+                </a:solidFill>
+              </a:rPr>
+              <a:t>jg14609:</a:t>
+            </a:r>
+            <a:endParaRPr lang="zh-TW" altLang="en-US" sz="1600" dirty="0">
+              <a:solidFill>
+                <a:schemeClr val="accent1">
+                  <a:lumMod val="50000"/>
+                </a:schemeClr>
+              </a:solidFill>
+            </a:endParaRPr>
+          </a:p>
+        </p:txBody>
+      </p:sp>
+      <p:sp>
+        <p:nvSpPr>
+          <p:cNvPr id="3" name="文字方塊 2">
+            <a:extLst>
+              <a:ext uri="{FF2B5EF4-FFF2-40B4-BE49-F238E27FC236}">
+                <a16:creationId xmlns:a16="http://schemas.microsoft.com/office/drawing/2014/main" id="{24034910-1350-19E0-D562-4166CCC3EDB3}"/>
+              </a:ext>
+            </a:extLst>
+          </p:cNvPr>
+          <p:cNvSpPr txBox="1"/>
+          <p:nvPr/>
+        </p:nvSpPr>
+        <p:spPr>
+          <a:xfrm>
+            <a:off x="3748104" y="1007070"/>
+            <a:ext cx="1677000" cy="369332"/>
+          </a:xfrm>
+          <a:prstGeom prst="rect">
+            <a:avLst/>
+          </a:prstGeom>
+          <a:noFill/>
+        </p:spPr>
+        <p:txBody>
+          <a:bodyPr wrap="square">
+            <a:spAutoFit/>
+          </a:bodyPr>
+          <a:lstStyle/>
+          <a:p>
+            <a:r>
+              <a:rPr lang="en-US" altLang="zh-TW" dirty="0">
+                <a:solidFill>
+                  <a:schemeClr val="accent1">
+                    <a:lumMod val="50000"/>
+                  </a:schemeClr>
+                </a:solidFill>
+              </a:rPr>
+              <a:t>g14867:</a:t>
+            </a:r>
+            <a:endParaRPr lang="zh-TW" altLang="en-US" dirty="0">
+              <a:solidFill>
+                <a:schemeClr val="accent1">
+                  <a:lumMod val="50000"/>
+                </a:schemeClr>
+              </a:solidFill>
+            </a:endParaRPr>
+          </a:p>
+        </p:txBody>
+      </p:sp>
+      <p:sp>
+        <p:nvSpPr>
+          <p:cNvPr id="12" name="文字方塊 11">
+            <a:extLst>
+              <a:ext uri="{FF2B5EF4-FFF2-40B4-BE49-F238E27FC236}">
+                <a16:creationId xmlns:a16="http://schemas.microsoft.com/office/drawing/2014/main" id="{21E06FBF-42A5-DC90-CF79-F55D98ED205F}"/>
+              </a:ext>
+            </a:extLst>
+          </p:cNvPr>
+          <p:cNvSpPr txBox="1"/>
+          <p:nvPr/>
+        </p:nvSpPr>
+        <p:spPr>
+          <a:xfrm>
+            <a:off x="5089342" y="5290751"/>
+            <a:ext cx="1340954" cy="1384995"/>
+          </a:xfrm>
+          <a:prstGeom prst="rect">
+            <a:avLst/>
+          </a:prstGeom>
+          <a:noFill/>
+        </p:spPr>
+        <p:txBody>
+          <a:bodyPr wrap="square">
+            <a:spAutoFit/>
+          </a:bodyPr>
+          <a:lstStyle/>
+          <a:p>
+            <a:r>
+              <a:rPr lang="en-US" altLang="zh-TW" sz="1400" dirty="0">
+                <a:solidFill>
+                  <a:schemeClr val="accent2">
+                    <a:lumMod val="60000"/>
+                    <a:lumOff val="40000"/>
+                  </a:schemeClr>
+                </a:solidFill>
+              </a:rPr>
+              <a:t>jg14606: engulfment and cell motility protein 2 isoform X1</a:t>
+            </a:r>
+            <a:endParaRPr lang="zh-TW" altLang="en-US" sz="1400" dirty="0">
+              <a:solidFill>
+                <a:schemeClr val="accent2">
+                  <a:lumMod val="60000"/>
+                  <a:lumOff val="40000"/>
+                </a:schemeClr>
+              </a:solidFill>
+            </a:endParaRPr>
+          </a:p>
+        </p:txBody>
+      </p:sp>
+      <p:sp>
+        <p:nvSpPr>
+          <p:cNvPr id="33" name="箭號: 向左 32">
+            <a:extLst>
+              <a:ext uri="{FF2B5EF4-FFF2-40B4-BE49-F238E27FC236}">
+                <a16:creationId xmlns:a16="http://schemas.microsoft.com/office/drawing/2014/main" id="{0841231A-0F37-16FD-04A5-98411C62CD33}"/>
               </a:ext>
             </a:extLst>
           </p:cNvPr>
@@ -7972,8 +8302,419 @@
         </p:nvSpPr>
         <p:spPr>
           <a:xfrm rot="10800000">
-            <a:off x="10204374" y="4712067"/>
+            <a:off x="5137214" y="4700413"/>
             <a:ext cx="551834" cy="369329"/>
+          </a:xfrm>
+          <a:prstGeom prst="leftArrow">
+            <a:avLst/>
+          </a:prstGeom>
+        </p:spPr>
+        <p:style>
+          <a:lnRef idx="1">
+            <a:schemeClr val="accent2"/>
+          </a:lnRef>
+          <a:fillRef idx="2">
+            <a:schemeClr val="accent2"/>
+          </a:fillRef>
+          <a:effectRef idx="1">
+            <a:schemeClr val="accent2"/>
+          </a:effectRef>
+          <a:fontRef idx="minor">
+            <a:schemeClr val="dk1"/>
+          </a:fontRef>
+        </p:style>
+        <p:txBody>
+          <a:bodyPr rtlCol="0" anchor="ctr"/>
+          <a:lstStyle/>
+          <a:p>
+            <a:pPr algn="ctr"/>
+            <a:endParaRPr lang="zh-TW" altLang="en-US" dirty="0"/>
+          </a:p>
+        </p:txBody>
+      </p:sp>
+      <p:sp>
+        <p:nvSpPr>
+          <p:cNvPr id="34" name="箭號: 向左 33">
+            <a:extLst>
+              <a:ext uri="{FF2B5EF4-FFF2-40B4-BE49-F238E27FC236}">
+                <a16:creationId xmlns:a16="http://schemas.microsoft.com/office/drawing/2014/main" id="{3A156C9D-E58E-645C-2241-1A9F9F10C24E}"/>
+              </a:ext>
+            </a:extLst>
+          </p:cNvPr>
+          <p:cNvSpPr/>
+          <p:nvPr/>
+        </p:nvSpPr>
+        <p:spPr>
+          <a:xfrm>
+            <a:off x="5088888" y="1864191"/>
+            <a:ext cx="551834" cy="369329"/>
+          </a:xfrm>
+          <a:prstGeom prst="leftArrow">
+            <a:avLst/>
+          </a:prstGeom>
+        </p:spPr>
+        <p:style>
+          <a:lnRef idx="1">
+            <a:schemeClr val="accent2"/>
+          </a:lnRef>
+          <a:fillRef idx="2">
+            <a:schemeClr val="accent2"/>
+          </a:fillRef>
+          <a:effectRef idx="1">
+            <a:schemeClr val="accent2"/>
+          </a:effectRef>
+          <a:fontRef idx="minor">
+            <a:schemeClr val="dk1"/>
+          </a:fontRef>
+        </p:style>
+        <p:txBody>
+          <a:bodyPr rtlCol="0" anchor="ctr"/>
+          <a:lstStyle/>
+          <a:p>
+            <a:pPr algn="ctr"/>
+            <a:endParaRPr lang="zh-TW" altLang="en-US" dirty="0"/>
+          </a:p>
+        </p:txBody>
+      </p:sp>
+      <p:sp>
+        <p:nvSpPr>
+          <p:cNvPr id="36" name="文字方塊 35">
+            <a:extLst>
+              <a:ext uri="{FF2B5EF4-FFF2-40B4-BE49-F238E27FC236}">
+                <a16:creationId xmlns:a16="http://schemas.microsoft.com/office/drawing/2014/main" id="{B1EAE686-E105-DFCF-74C6-42FFD7803FB1}"/>
+              </a:ext>
+            </a:extLst>
+          </p:cNvPr>
+          <p:cNvSpPr txBox="1"/>
+          <p:nvPr/>
+        </p:nvSpPr>
+        <p:spPr>
+          <a:xfrm>
+            <a:off x="4984593" y="3020893"/>
+            <a:ext cx="1522158" cy="366871"/>
+          </a:xfrm>
+          <a:prstGeom prst="rect">
+            <a:avLst/>
+          </a:prstGeom>
+          <a:noFill/>
+        </p:spPr>
+        <p:txBody>
+          <a:bodyPr wrap="square">
+            <a:spAutoFit/>
+          </a:bodyPr>
+          <a:lstStyle/>
+          <a:p>
+            <a:r>
+              <a:rPr lang="en-US" altLang="zh-TW" sz="1800" dirty="0">
+                <a:solidFill>
+                  <a:schemeClr val="accent2">
+                    <a:lumMod val="60000"/>
+                    <a:lumOff val="40000"/>
+                  </a:schemeClr>
+                </a:solidFill>
+              </a:rPr>
+              <a:t>g14869: </a:t>
+            </a:r>
+            <a:endParaRPr lang="zh-TW" altLang="en-US" dirty="0"/>
+          </a:p>
+        </p:txBody>
+      </p:sp>
+      <p:sp>
+        <p:nvSpPr>
+          <p:cNvPr id="37" name="文字方塊 36">
+            <a:extLst>
+              <a:ext uri="{FF2B5EF4-FFF2-40B4-BE49-F238E27FC236}">
+                <a16:creationId xmlns:a16="http://schemas.microsoft.com/office/drawing/2014/main" id="{332122D2-DDC9-4D8E-74E6-B3370FCAC043}"/>
+              </a:ext>
+            </a:extLst>
+          </p:cNvPr>
+          <p:cNvSpPr txBox="1"/>
+          <p:nvPr/>
+        </p:nvSpPr>
+        <p:spPr>
+          <a:xfrm>
+            <a:off x="9249242" y="1086436"/>
+            <a:ext cx="1939867" cy="738664"/>
+          </a:xfrm>
+          <a:prstGeom prst="rect">
+            <a:avLst/>
+          </a:prstGeom>
+          <a:noFill/>
+        </p:spPr>
+        <p:txBody>
+          <a:bodyPr wrap="square">
+            <a:spAutoFit/>
+          </a:bodyPr>
+          <a:lstStyle/>
+          <a:p>
+            <a:r>
+              <a:rPr lang="en-US" altLang="zh-TW" sz="1400" dirty="0">
+                <a:solidFill>
+                  <a:schemeClr val="accent1">
+                    <a:lumMod val="50000"/>
+                  </a:schemeClr>
+                </a:solidFill>
+              </a:rPr>
+              <a:t>g10378: acidic mammalian chitinase-like</a:t>
+            </a:r>
+            <a:endParaRPr lang="zh-TW" altLang="en-US" sz="1400" dirty="0">
+              <a:solidFill>
+                <a:schemeClr val="accent1">
+                  <a:lumMod val="50000"/>
+                </a:schemeClr>
+              </a:solidFill>
+            </a:endParaRPr>
+          </a:p>
+        </p:txBody>
+      </p:sp>
+      <p:sp>
+        <p:nvSpPr>
+          <p:cNvPr id="38" name="文字方塊 37">
+            <a:extLst>
+              <a:ext uri="{FF2B5EF4-FFF2-40B4-BE49-F238E27FC236}">
+                <a16:creationId xmlns:a16="http://schemas.microsoft.com/office/drawing/2014/main" id="{8C1400A8-A88F-1B4B-4CE0-20B006E4B1CE}"/>
+              </a:ext>
+            </a:extLst>
+          </p:cNvPr>
+          <p:cNvSpPr txBox="1"/>
+          <p:nvPr/>
+        </p:nvSpPr>
+        <p:spPr>
+          <a:xfrm>
+            <a:off x="6420347" y="5356383"/>
+            <a:ext cx="1324737" cy="1169551"/>
+          </a:xfrm>
+          <a:prstGeom prst="rect">
+            <a:avLst/>
+          </a:prstGeom>
+          <a:noFill/>
+        </p:spPr>
+        <p:txBody>
+          <a:bodyPr wrap="square">
+            <a:spAutoFit/>
+          </a:bodyPr>
+          <a:lstStyle/>
+          <a:p>
+            <a:r>
+              <a:rPr lang="en-US" altLang="zh-TW" sz="1400" dirty="0">
+                <a:solidFill>
+                  <a:schemeClr val="accent2">
+                    <a:lumMod val="60000"/>
+                    <a:lumOff val="40000"/>
+                  </a:schemeClr>
+                </a:solidFill>
+              </a:rPr>
+              <a:t>jg15502: zinc finger and SCAN domain-containing protein 22-like </a:t>
+            </a:r>
+            <a:endParaRPr lang="zh-TW" altLang="en-US" sz="1400" dirty="0">
+              <a:solidFill>
+                <a:schemeClr val="accent2">
+                  <a:lumMod val="60000"/>
+                  <a:lumOff val="40000"/>
+                </a:schemeClr>
+              </a:solidFill>
+            </a:endParaRPr>
+          </a:p>
+        </p:txBody>
+      </p:sp>
+      <p:sp>
+        <p:nvSpPr>
+          <p:cNvPr id="40" name="文字方塊 39">
+            <a:extLst>
+              <a:ext uri="{FF2B5EF4-FFF2-40B4-BE49-F238E27FC236}">
+                <a16:creationId xmlns:a16="http://schemas.microsoft.com/office/drawing/2014/main" id="{F3069559-10C2-97AD-669D-B0D33DF285C4}"/>
+              </a:ext>
+            </a:extLst>
+          </p:cNvPr>
+          <p:cNvSpPr txBox="1"/>
+          <p:nvPr/>
+        </p:nvSpPr>
+        <p:spPr>
+          <a:xfrm>
+            <a:off x="6359475" y="3031460"/>
+            <a:ext cx="2531948" cy="369332"/>
+          </a:xfrm>
+          <a:prstGeom prst="rect">
+            <a:avLst/>
+          </a:prstGeom>
+          <a:noFill/>
+        </p:spPr>
+        <p:txBody>
+          <a:bodyPr wrap="square">
+            <a:spAutoFit/>
+          </a:bodyPr>
+          <a:lstStyle/>
+          <a:p>
+            <a:r>
+              <a:rPr lang="zh-TW" altLang="en-US" dirty="0"/>
+              <a:t> </a:t>
+            </a:r>
+            <a:r>
+              <a:rPr lang="en-US" altLang="zh-TW" dirty="0"/>
+              <a:t>jg15507:</a:t>
+            </a:r>
+            <a:r>
+              <a:rPr lang="zh-TW" altLang="en-US" dirty="0"/>
+              <a:t>contactin-2</a:t>
+            </a:r>
+          </a:p>
+        </p:txBody>
+      </p:sp>
+      <p:sp>
+        <p:nvSpPr>
+          <p:cNvPr id="50" name="文字方塊 49">
+            <a:extLst>
+              <a:ext uri="{FF2B5EF4-FFF2-40B4-BE49-F238E27FC236}">
+                <a16:creationId xmlns:a16="http://schemas.microsoft.com/office/drawing/2014/main" id="{A24BEDC6-FE74-CC06-6804-9E6B654BC102}"/>
+              </a:ext>
+            </a:extLst>
+          </p:cNvPr>
+          <p:cNvSpPr txBox="1"/>
+          <p:nvPr/>
+        </p:nvSpPr>
+        <p:spPr>
+          <a:xfrm>
+            <a:off x="11012236" y="5371676"/>
+            <a:ext cx="1252226" cy="1169551"/>
+          </a:xfrm>
+          <a:prstGeom prst="rect">
+            <a:avLst/>
+          </a:prstGeom>
+          <a:noFill/>
+        </p:spPr>
+        <p:txBody>
+          <a:bodyPr wrap="square">
+            <a:spAutoFit/>
+          </a:bodyPr>
+          <a:lstStyle/>
+          <a:p>
+            <a:r>
+              <a:rPr lang="en-US" altLang="zh-TW" sz="1400" dirty="0">
+                <a:solidFill>
+                  <a:schemeClr val="accent2">
+                    <a:lumMod val="60000"/>
+                    <a:lumOff val="40000"/>
+                  </a:schemeClr>
+                </a:solidFill>
+              </a:rPr>
+              <a:t>jg15512: ADP-ribosylation factor-related protein 1</a:t>
+            </a:r>
+            <a:endParaRPr lang="zh-TW" altLang="en-US" sz="1400" dirty="0"/>
+          </a:p>
+        </p:txBody>
+      </p:sp>
+      <p:sp>
+        <p:nvSpPr>
+          <p:cNvPr id="24" name="文字方塊 23">
+            <a:extLst>
+              <a:ext uri="{FF2B5EF4-FFF2-40B4-BE49-F238E27FC236}">
+                <a16:creationId xmlns:a16="http://schemas.microsoft.com/office/drawing/2014/main" id="{0A294F41-953F-E410-E250-28460830C918}"/>
+              </a:ext>
+            </a:extLst>
+          </p:cNvPr>
+          <p:cNvSpPr txBox="1"/>
+          <p:nvPr/>
+        </p:nvSpPr>
+        <p:spPr>
+          <a:xfrm>
+            <a:off x="9297703" y="3701613"/>
+            <a:ext cx="1866417" cy="523220"/>
+          </a:xfrm>
+          <a:prstGeom prst="rect">
+            <a:avLst/>
+          </a:prstGeom>
+          <a:noFill/>
+        </p:spPr>
+        <p:txBody>
+          <a:bodyPr wrap="square">
+            <a:spAutoFit/>
+          </a:bodyPr>
+          <a:lstStyle/>
+          <a:p>
+            <a:r>
+              <a:rPr lang="en-US" altLang="zh-TW" sz="1400" dirty="0">
+                <a:solidFill>
+                  <a:schemeClr val="accent1">
+                    <a:lumMod val="50000"/>
+                  </a:schemeClr>
+                </a:solidFill>
+              </a:rPr>
+              <a:t>jg15510: chitinase-like</a:t>
+            </a:r>
+            <a:endParaRPr lang="zh-TW" altLang="en-US" sz="1400" dirty="0">
+              <a:solidFill>
+                <a:schemeClr val="accent1">
+                  <a:lumMod val="50000"/>
+                </a:schemeClr>
+              </a:solidFill>
+            </a:endParaRPr>
+          </a:p>
+        </p:txBody>
+      </p:sp>
+      <p:sp>
+        <p:nvSpPr>
+          <p:cNvPr id="27" name="文字方塊 26">
+            <a:extLst>
+              <a:ext uri="{FF2B5EF4-FFF2-40B4-BE49-F238E27FC236}">
+                <a16:creationId xmlns:a16="http://schemas.microsoft.com/office/drawing/2014/main" id="{74AB68A0-DC40-6954-4A62-D28551DD6A9D}"/>
+              </a:ext>
+            </a:extLst>
+          </p:cNvPr>
+          <p:cNvSpPr txBox="1"/>
+          <p:nvPr/>
+        </p:nvSpPr>
+        <p:spPr>
+          <a:xfrm>
+            <a:off x="10156935" y="3972031"/>
+            <a:ext cx="1866417" cy="523220"/>
+          </a:xfrm>
+          <a:prstGeom prst="rect">
+            <a:avLst/>
+          </a:prstGeom>
+          <a:noFill/>
+        </p:spPr>
+        <p:txBody>
+          <a:bodyPr wrap="square">
+            <a:spAutoFit/>
+          </a:bodyPr>
+          <a:lstStyle/>
+          <a:p>
+            <a:r>
+              <a:rPr lang="en-US" altLang="zh-TW" sz="1400" dirty="0">
+                <a:solidFill>
+                  <a:schemeClr val="accent1">
+                    <a:lumMod val="50000"/>
+                  </a:schemeClr>
+                </a:solidFill>
+              </a:rPr>
+              <a:t>Jg15511: chitinase-3-like protein 1</a:t>
+            </a:r>
+            <a:endParaRPr lang="zh-TW" altLang="en-US" sz="1400" dirty="0">
+              <a:solidFill>
+                <a:schemeClr val="accent1">
+                  <a:lumMod val="50000"/>
+                </a:schemeClr>
+              </a:solidFill>
+            </a:endParaRPr>
+          </a:p>
+        </p:txBody>
+      </p:sp>
+      <p:sp>
+        <p:nvSpPr>
+          <p:cNvPr id="49" name="箭號: 向左 48">
+            <a:extLst>
+              <a:ext uri="{FF2B5EF4-FFF2-40B4-BE49-F238E27FC236}">
+                <a16:creationId xmlns:a16="http://schemas.microsoft.com/office/drawing/2014/main" id="{60B3AE9F-DF8E-16B8-AAFD-2592768FEF7F}"/>
+              </a:ext>
+            </a:extLst>
+          </p:cNvPr>
+          <p:cNvSpPr/>
+          <p:nvPr/>
+        </p:nvSpPr>
+        <p:spPr>
+          <a:xfrm>
+            <a:off x="9828236" y="1864191"/>
+            <a:ext cx="462292" cy="369329"/>
           </a:xfrm>
           <a:prstGeom prst="leftArrow">
             <a:avLst/>
@@ -8006,10 +8747,10 @@
       </p:sp>
       <p:sp>
         <p:nvSpPr>
-          <p:cNvPr id="57" name="箭號: 向左 56">
-            <a:extLst>
-              <a:ext uri="{FF2B5EF4-FFF2-40B4-BE49-F238E27FC236}">
-                <a16:creationId xmlns:a16="http://schemas.microsoft.com/office/drawing/2014/main" id="{A18E1CBA-CCD7-611E-7760-54B5CF977C93}"/>
+          <p:cNvPr id="52" name="箭號: 向左 51">
+            <a:extLst>
+              <a:ext uri="{FF2B5EF4-FFF2-40B4-BE49-F238E27FC236}">
+                <a16:creationId xmlns:a16="http://schemas.microsoft.com/office/drawing/2014/main" id="{890FD84E-99C4-5E0C-80EC-E280D9CAC6D6}"/>
               </a:ext>
             </a:extLst>
           </p:cNvPr>
@@ -8017,9 +8758,9 @@
           <p:nvPr/>
         </p:nvSpPr>
         <p:spPr>
-          <a:xfrm rot="10800000">
-            <a:off x="10784360" y="4723498"/>
-            <a:ext cx="551834" cy="369329"/>
+          <a:xfrm>
+            <a:off x="8418322" y="1864191"/>
+            <a:ext cx="462292" cy="369329"/>
           </a:xfrm>
           <a:prstGeom prst="leftArrow">
             <a:avLst/>
@@ -8047,6 +8788,590 @@
           <a:p>
             <a:pPr algn="ctr"/>
             <a:endParaRPr lang="zh-TW" altLang="en-US"/>
+          </a:p>
+        </p:txBody>
+      </p:sp>
+      <p:sp>
+        <p:nvSpPr>
+          <p:cNvPr id="53" name="文字方塊 52">
+            <a:extLst>
+              <a:ext uri="{FF2B5EF4-FFF2-40B4-BE49-F238E27FC236}">
+                <a16:creationId xmlns:a16="http://schemas.microsoft.com/office/drawing/2014/main" id="{D51C338B-0037-1716-3834-1314E967AC28}"/>
+              </a:ext>
+            </a:extLst>
+          </p:cNvPr>
+          <p:cNvSpPr txBox="1"/>
+          <p:nvPr/>
+        </p:nvSpPr>
+        <p:spPr>
+          <a:xfrm>
+            <a:off x="8279696" y="446686"/>
+            <a:ext cx="1677000" cy="738664"/>
+          </a:xfrm>
+          <a:prstGeom prst="rect">
+            <a:avLst/>
+          </a:prstGeom>
+          <a:noFill/>
+        </p:spPr>
+        <p:txBody>
+          <a:bodyPr wrap="square">
+            <a:spAutoFit/>
+          </a:bodyPr>
+          <a:lstStyle/>
+          <a:p>
+            <a:r>
+              <a:rPr lang="en-US" altLang="zh-TW" sz="1400" dirty="0">
+                <a:solidFill>
+                  <a:schemeClr val="accent1">
+                    <a:lumMod val="50000"/>
+                  </a:schemeClr>
+                </a:solidFill>
+              </a:rPr>
+              <a:t>g10376: acidic mammalian chitinase-like</a:t>
+            </a:r>
+            <a:endParaRPr lang="zh-TW" altLang="en-US" sz="1400" dirty="0">
+              <a:solidFill>
+                <a:schemeClr val="accent1">
+                  <a:lumMod val="50000"/>
+                </a:schemeClr>
+              </a:solidFill>
+            </a:endParaRPr>
+          </a:p>
+        </p:txBody>
+      </p:sp>
+      <p:sp>
+        <p:nvSpPr>
+          <p:cNvPr id="58" name="文字方塊 57">
+            <a:extLst>
+              <a:ext uri="{FF2B5EF4-FFF2-40B4-BE49-F238E27FC236}">
+                <a16:creationId xmlns:a16="http://schemas.microsoft.com/office/drawing/2014/main" id="{32D4AB1D-530B-8A49-220A-32B602EF998E}"/>
+              </a:ext>
+            </a:extLst>
+          </p:cNvPr>
+          <p:cNvSpPr txBox="1"/>
+          <p:nvPr/>
+        </p:nvSpPr>
+        <p:spPr>
+          <a:xfrm>
+            <a:off x="7082715" y="1077321"/>
+            <a:ext cx="1760544" cy="738664"/>
+          </a:xfrm>
+          <a:prstGeom prst="rect">
+            <a:avLst/>
+          </a:prstGeom>
+          <a:noFill/>
+        </p:spPr>
+        <p:txBody>
+          <a:bodyPr wrap="square">
+            <a:spAutoFit/>
+          </a:bodyPr>
+          <a:lstStyle/>
+          <a:p>
+            <a:r>
+              <a:rPr lang="en-US" altLang="zh-TW" sz="1400" dirty="0">
+                <a:solidFill>
+                  <a:schemeClr val="accent1">
+                    <a:lumMod val="50000"/>
+                  </a:schemeClr>
+                </a:solidFill>
+              </a:rPr>
+              <a:t>g10374  &amp; g10375: chitinase-3-like protein 1</a:t>
+            </a:r>
+            <a:endParaRPr lang="zh-TW" altLang="en-US" sz="1400" dirty="0">
+              <a:solidFill>
+                <a:schemeClr val="accent1">
+                  <a:lumMod val="50000"/>
+                </a:schemeClr>
+              </a:solidFill>
+            </a:endParaRPr>
+          </a:p>
+        </p:txBody>
+      </p:sp>
+      <p:sp>
+        <p:nvSpPr>
+          <p:cNvPr id="60" name="箭號: 向左 59">
+            <a:extLst>
+              <a:ext uri="{FF2B5EF4-FFF2-40B4-BE49-F238E27FC236}">
+                <a16:creationId xmlns:a16="http://schemas.microsoft.com/office/drawing/2014/main" id="{90DB6A60-ED35-2427-32C6-D8B84AF55263}"/>
+              </a:ext>
+            </a:extLst>
+          </p:cNvPr>
+          <p:cNvSpPr/>
+          <p:nvPr/>
+        </p:nvSpPr>
+        <p:spPr>
+          <a:xfrm>
+            <a:off x="7758136" y="1864191"/>
+            <a:ext cx="462292" cy="369329"/>
+          </a:xfrm>
+          <a:prstGeom prst="leftArrow">
+            <a:avLst/>
+          </a:prstGeom>
+        </p:spPr>
+        <p:style>
+          <a:lnRef idx="2">
+            <a:schemeClr val="accent1">
+              <a:shade val="15000"/>
+            </a:schemeClr>
+          </a:lnRef>
+          <a:fillRef idx="1">
+            <a:schemeClr val="accent1"/>
+          </a:fillRef>
+          <a:effectRef idx="0">
+            <a:schemeClr val="accent1"/>
+          </a:effectRef>
+          <a:fontRef idx="minor">
+            <a:schemeClr val="lt1"/>
+          </a:fontRef>
+        </p:style>
+        <p:txBody>
+          <a:bodyPr rtlCol="0" anchor="ctr"/>
+          <a:lstStyle/>
+          <a:p>
+            <a:pPr algn="ctr"/>
+            <a:endParaRPr lang="zh-TW" altLang="en-US"/>
+          </a:p>
+        </p:txBody>
+      </p:sp>
+      <p:sp>
+        <p:nvSpPr>
+          <p:cNvPr id="62" name="文字方塊 61">
+            <a:extLst>
+              <a:ext uri="{FF2B5EF4-FFF2-40B4-BE49-F238E27FC236}">
+                <a16:creationId xmlns:a16="http://schemas.microsoft.com/office/drawing/2014/main" id="{05486DFE-409A-1BDF-1D39-CCB04564FF8D}"/>
+              </a:ext>
+            </a:extLst>
+          </p:cNvPr>
+          <p:cNvSpPr txBox="1"/>
+          <p:nvPr/>
+        </p:nvSpPr>
+        <p:spPr>
+          <a:xfrm>
+            <a:off x="8305658" y="2370880"/>
+            <a:ext cx="2182762" cy="523220"/>
+          </a:xfrm>
+          <a:prstGeom prst="rect">
+            <a:avLst/>
+          </a:prstGeom>
+          <a:noFill/>
+        </p:spPr>
+        <p:txBody>
+          <a:bodyPr wrap="square">
+            <a:spAutoFit/>
+          </a:bodyPr>
+          <a:lstStyle/>
+          <a:p>
+            <a:r>
+              <a:rPr lang="en-US" altLang="zh-TW" sz="1400" dirty="0">
+                <a:solidFill>
+                  <a:schemeClr val="accent2">
+                    <a:lumMod val="60000"/>
+                    <a:lumOff val="40000"/>
+                  </a:schemeClr>
+                </a:solidFill>
+              </a:rPr>
+              <a:t>g10377: chitotriosidase-1-like isoform X1</a:t>
+            </a:r>
+            <a:endParaRPr lang="zh-TW" altLang="en-US" sz="1400" dirty="0">
+              <a:solidFill>
+                <a:schemeClr val="accent2">
+                  <a:lumMod val="60000"/>
+                  <a:lumOff val="40000"/>
+                </a:schemeClr>
+              </a:solidFill>
+            </a:endParaRPr>
+          </a:p>
+        </p:txBody>
+      </p:sp>
+      <p:sp>
+        <p:nvSpPr>
+          <p:cNvPr id="63" name="箭號: 向左 62">
+            <a:extLst>
+              <a:ext uri="{FF2B5EF4-FFF2-40B4-BE49-F238E27FC236}">
+                <a16:creationId xmlns:a16="http://schemas.microsoft.com/office/drawing/2014/main" id="{2158CCFD-4E58-F1AE-E914-A5E9F36494D1}"/>
+              </a:ext>
+            </a:extLst>
+          </p:cNvPr>
+          <p:cNvSpPr/>
+          <p:nvPr/>
+        </p:nvSpPr>
+        <p:spPr>
+          <a:xfrm>
+            <a:off x="9078508" y="1864191"/>
+            <a:ext cx="551834" cy="369329"/>
+          </a:xfrm>
+          <a:prstGeom prst="leftArrow">
+            <a:avLst/>
+          </a:prstGeom>
+        </p:spPr>
+        <p:style>
+          <a:lnRef idx="1">
+            <a:schemeClr val="accent2"/>
+          </a:lnRef>
+          <a:fillRef idx="2">
+            <a:schemeClr val="accent2"/>
+          </a:fillRef>
+          <a:effectRef idx="1">
+            <a:schemeClr val="accent2"/>
+          </a:effectRef>
+          <a:fontRef idx="minor">
+            <a:schemeClr val="dk1"/>
+          </a:fontRef>
+        </p:style>
+        <p:txBody>
+          <a:bodyPr rtlCol="0" anchor="ctr"/>
+          <a:lstStyle/>
+          <a:p>
+            <a:pPr algn="ctr"/>
+            <a:endParaRPr lang="zh-TW" altLang="en-US" dirty="0"/>
+          </a:p>
+        </p:txBody>
+      </p:sp>
+      <p:sp>
+        <p:nvSpPr>
+          <p:cNvPr id="64" name="箭號: 向左 63">
+            <a:extLst>
+              <a:ext uri="{FF2B5EF4-FFF2-40B4-BE49-F238E27FC236}">
+                <a16:creationId xmlns:a16="http://schemas.microsoft.com/office/drawing/2014/main" id="{F14A5A43-EA0A-01C0-6CA8-D371E744DCB7}"/>
+              </a:ext>
+            </a:extLst>
+          </p:cNvPr>
+          <p:cNvSpPr/>
+          <p:nvPr/>
+        </p:nvSpPr>
+        <p:spPr>
+          <a:xfrm rot="10800000">
+            <a:off x="9090972" y="4700413"/>
+            <a:ext cx="551834" cy="369329"/>
+          </a:xfrm>
+          <a:prstGeom prst="leftArrow">
+            <a:avLst/>
+          </a:prstGeom>
+        </p:spPr>
+        <p:style>
+          <a:lnRef idx="1">
+            <a:schemeClr val="accent2"/>
+          </a:lnRef>
+          <a:fillRef idx="2">
+            <a:schemeClr val="accent2"/>
+          </a:fillRef>
+          <a:effectRef idx="1">
+            <a:schemeClr val="accent2"/>
+          </a:effectRef>
+          <a:fontRef idx="minor">
+            <a:schemeClr val="dk1"/>
+          </a:fontRef>
+        </p:style>
+        <p:txBody>
+          <a:bodyPr rtlCol="0" anchor="ctr"/>
+          <a:lstStyle/>
+          <a:p>
+            <a:pPr algn="ctr"/>
+            <a:endParaRPr lang="zh-TW" altLang="en-US" dirty="0"/>
+          </a:p>
+        </p:txBody>
+      </p:sp>
+      <p:sp>
+        <p:nvSpPr>
+          <p:cNvPr id="67" name="箭號: 向左 66">
+            <a:extLst>
+              <a:ext uri="{FF2B5EF4-FFF2-40B4-BE49-F238E27FC236}">
+                <a16:creationId xmlns:a16="http://schemas.microsoft.com/office/drawing/2014/main" id="{FA37B17B-A559-1BA0-E59E-FCF97492928C}"/>
+              </a:ext>
+            </a:extLst>
+          </p:cNvPr>
+          <p:cNvSpPr/>
+          <p:nvPr/>
+        </p:nvSpPr>
+        <p:spPr>
+          <a:xfrm rot="10800000">
+            <a:off x="7595583" y="4700413"/>
+            <a:ext cx="208255" cy="369329"/>
+          </a:xfrm>
+          <a:prstGeom prst="leftArrow">
+            <a:avLst/>
+          </a:prstGeom>
+        </p:spPr>
+        <p:style>
+          <a:lnRef idx="1">
+            <a:schemeClr val="accent2"/>
+          </a:lnRef>
+          <a:fillRef idx="2">
+            <a:schemeClr val="accent2"/>
+          </a:fillRef>
+          <a:effectRef idx="1">
+            <a:schemeClr val="accent2"/>
+          </a:effectRef>
+          <a:fontRef idx="minor">
+            <a:schemeClr val="dk1"/>
+          </a:fontRef>
+        </p:style>
+        <p:txBody>
+          <a:bodyPr rtlCol="0" anchor="ctr"/>
+          <a:lstStyle/>
+          <a:p>
+            <a:pPr algn="ctr"/>
+            <a:endParaRPr lang="zh-TW" altLang="en-US" dirty="0"/>
+          </a:p>
+        </p:txBody>
+      </p:sp>
+      <p:sp>
+        <p:nvSpPr>
+          <p:cNvPr id="68" name="箭號: 向左 67">
+            <a:extLst>
+              <a:ext uri="{FF2B5EF4-FFF2-40B4-BE49-F238E27FC236}">
+                <a16:creationId xmlns:a16="http://schemas.microsoft.com/office/drawing/2014/main" id="{AA62C2F1-F266-4D29-1670-21E88EA3E6E8}"/>
+              </a:ext>
+            </a:extLst>
+          </p:cNvPr>
+          <p:cNvSpPr/>
+          <p:nvPr/>
+        </p:nvSpPr>
+        <p:spPr>
+          <a:xfrm rot="10800000">
+            <a:off x="7910337" y="4700413"/>
+            <a:ext cx="208255" cy="369329"/>
+          </a:xfrm>
+          <a:prstGeom prst="leftArrow">
+            <a:avLst/>
+          </a:prstGeom>
+        </p:spPr>
+        <p:style>
+          <a:lnRef idx="1">
+            <a:schemeClr val="accent2"/>
+          </a:lnRef>
+          <a:fillRef idx="2">
+            <a:schemeClr val="accent2"/>
+          </a:fillRef>
+          <a:effectRef idx="1">
+            <a:schemeClr val="accent2"/>
+          </a:effectRef>
+          <a:fontRef idx="minor">
+            <a:schemeClr val="dk1"/>
+          </a:fontRef>
+        </p:style>
+        <p:txBody>
+          <a:bodyPr rtlCol="0" anchor="ctr"/>
+          <a:lstStyle/>
+          <a:p>
+            <a:pPr algn="ctr"/>
+            <a:endParaRPr lang="zh-TW" altLang="en-US" dirty="0"/>
+          </a:p>
+        </p:txBody>
+      </p:sp>
+      <p:sp>
+        <p:nvSpPr>
+          <p:cNvPr id="69" name="箭號: 向左 68">
+            <a:extLst>
+              <a:ext uri="{FF2B5EF4-FFF2-40B4-BE49-F238E27FC236}">
+                <a16:creationId xmlns:a16="http://schemas.microsoft.com/office/drawing/2014/main" id="{3AD8D447-B121-A4AA-F713-EB61610B1810}"/>
+              </a:ext>
+            </a:extLst>
+          </p:cNvPr>
+          <p:cNvSpPr/>
+          <p:nvPr/>
+        </p:nvSpPr>
+        <p:spPr>
+          <a:xfrm rot="10800000">
+            <a:off x="8175569" y="4700413"/>
+            <a:ext cx="208255" cy="369329"/>
+          </a:xfrm>
+          <a:prstGeom prst="leftArrow">
+            <a:avLst/>
+          </a:prstGeom>
+        </p:spPr>
+        <p:style>
+          <a:lnRef idx="1">
+            <a:schemeClr val="accent2"/>
+          </a:lnRef>
+          <a:fillRef idx="2">
+            <a:schemeClr val="accent2"/>
+          </a:fillRef>
+          <a:effectRef idx="1">
+            <a:schemeClr val="accent2"/>
+          </a:effectRef>
+          <a:fontRef idx="minor">
+            <a:schemeClr val="dk1"/>
+          </a:fontRef>
+        </p:style>
+        <p:txBody>
+          <a:bodyPr rtlCol="0" anchor="ctr"/>
+          <a:lstStyle/>
+          <a:p>
+            <a:pPr algn="ctr"/>
+            <a:endParaRPr lang="zh-TW" altLang="en-US" dirty="0"/>
+          </a:p>
+        </p:txBody>
+      </p:sp>
+      <p:sp>
+        <p:nvSpPr>
+          <p:cNvPr id="70" name="文字方塊 69">
+            <a:extLst>
+              <a:ext uri="{FF2B5EF4-FFF2-40B4-BE49-F238E27FC236}">
+                <a16:creationId xmlns:a16="http://schemas.microsoft.com/office/drawing/2014/main" id="{F8142ED9-F87B-7C78-985C-DFCA7D6431E1}"/>
+              </a:ext>
+            </a:extLst>
+          </p:cNvPr>
+          <p:cNvSpPr txBox="1"/>
+          <p:nvPr/>
+        </p:nvSpPr>
+        <p:spPr>
+          <a:xfrm>
+            <a:off x="7338926" y="5031180"/>
+            <a:ext cx="1324737" cy="523220"/>
+          </a:xfrm>
+          <a:prstGeom prst="rect">
+            <a:avLst/>
+          </a:prstGeom>
+          <a:noFill/>
+        </p:spPr>
+        <p:txBody>
+          <a:bodyPr wrap="square">
+            <a:spAutoFit/>
+          </a:bodyPr>
+          <a:lstStyle/>
+          <a:p>
+            <a:r>
+              <a:rPr lang="en-US" altLang="zh-TW" sz="1400" dirty="0">
+                <a:solidFill>
+                  <a:schemeClr val="accent2">
+                    <a:lumMod val="60000"/>
+                    <a:lumOff val="40000"/>
+                  </a:schemeClr>
+                </a:solidFill>
+              </a:rPr>
+              <a:t>jg15503: uncertain</a:t>
+            </a:r>
+            <a:endParaRPr lang="zh-TW" altLang="en-US" sz="1400" dirty="0">
+              <a:solidFill>
+                <a:schemeClr val="accent2">
+                  <a:lumMod val="60000"/>
+                  <a:lumOff val="40000"/>
+                </a:schemeClr>
+              </a:solidFill>
+            </a:endParaRPr>
+          </a:p>
+        </p:txBody>
+      </p:sp>
+      <p:sp>
+        <p:nvSpPr>
+          <p:cNvPr id="71" name="文字方塊 70">
+            <a:extLst>
+              <a:ext uri="{FF2B5EF4-FFF2-40B4-BE49-F238E27FC236}">
+                <a16:creationId xmlns:a16="http://schemas.microsoft.com/office/drawing/2014/main" id="{4ED40A00-131C-8BE1-5AD8-4F2D48044D8C}"/>
+              </a:ext>
+            </a:extLst>
+          </p:cNvPr>
+          <p:cNvSpPr txBox="1"/>
+          <p:nvPr/>
+        </p:nvSpPr>
+        <p:spPr>
+          <a:xfrm>
+            <a:off x="7705537" y="5411726"/>
+            <a:ext cx="1324737" cy="738664"/>
+          </a:xfrm>
+          <a:prstGeom prst="rect">
+            <a:avLst/>
+          </a:prstGeom>
+          <a:noFill/>
+        </p:spPr>
+        <p:txBody>
+          <a:bodyPr wrap="square">
+            <a:spAutoFit/>
+          </a:bodyPr>
+          <a:lstStyle/>
+          <a:p>
+            <a:r>
+              <a:rPr lang="en-US" altLang="zh-TW" sz="1400" dirty="0">
+                <a:solidFill>
+                  <a:schemeClr val="accent2">
+                    <a:lumMod val="60000"/>
+                    <a:lumOff val="40000"/>
+                  </a:schemeClr>
+                </a:solidFill>
+              </a:rPr>
+              <a:t>jg15504: </a:t>
+            </a:r>
+            <a:r>
+              <a:rPr lang="en-US" altLang="zh-TW" sz="1400" dirty="0" err="1">
+                <a:solidFill>
+                  <a:schemeClr val="accent2">
+                    <a:lumMod val="60000"/>
+                    <a:lumOff val="40000"/>
+                  </a:schemeClr>
+                </a:solidFill>
+              </a:rPr>
+              <a:t>neurofascin</a:t>
+            </a:r>
+            <a:r>
+              <a:rPr lang="en-US" altLang="zh-TW" sz="1400" dirty="0">
+                <a:solidFill>
+                  <a:schemeClr val="accent2">
+                    <a:lumMod val="60000"/>
+                    <a:lumOff val="40000"/>
+                  </a:schemeClr>
+                </a:solidFill>
+              </a:rPr>
+              <a:t> isoform X7</a:t>
+            </a:r>
+            <a:endParaRPr lang="zh-TW" altLang="en-US" sz="1400" dirty="0">
+              <a:solidFill>
+                <a:schemeClr val="accent2">
+                  <a:lumMod val="60000"/>
+                  <a:lumOff val="40000"/>
+                </a:schemeClr>
+              </a:solidFill>
+            </a:endParaRPr>
+          </a:p>
+        </p:txBody>
+      </p:sp>
+      <p:sp>
+        <p:nvSpPr>
+          <p:cNvPr id="72" name="文字方塊 71">
+            <a:extLst>
+              <a:ext uri="{FF2B5EF4-FFF2-40B4-BE49-F238E27FC236}">
+                <a16:creationId xmlns:a16="http://schemas.microsoft.com/office/drawing/2014/main" id="{2850BC8E-E5CB-B917-103D-8E361336B6D9}"/>
+              </a:ext>
+            </a:extLst>
+          </p:cNvPr>
+          <p:cNvSpPr txBox="1"/>
+          <p:nvPr/>
+        </p:nvSpPr>
+        <p:spPr>
+          <a:xfrm>
+            <a:off x="7908529" y="6087138"/>
+            <a:ext cx="1324737" cy="523220"/>
+          </a:xfrm>
+          <a:prstGeom prst="rect">
+            <a:avLst/>
+          </a:prstGeom>
+          <a:noFill/>
+        </p:spPr>
+        <p:txBody>
+          <a:bodyPr wrap="square">
+            <a:spAutoFit/>
+          </a:bodyPr>
+          <a:lstStyle/>
+          <a:p>
+            <a:r>
+              <a:rPr lang="en-US" altLang="zh-TW" sz="1400" dirty="0">
+                <a:solidFill>
+                  <a:schemeClr val="accent2">
+                    <a:lumMod val="60000"/>
+                    <a:lumOff val="40000"/>
+                  </a:schemeClr>
+                </a:solidFill>
+              </a:rPr>
+              <a:t>jg15507: contactin-2</a:t>
+            </a:r>
+            <a:endParaRPr lang="zh-TW" altLang="en-US" sz="1400" dirty="0">
+              <a:solidFill>
+                <a:schemeClr val="accent2">
+                  <a:lumMod val="60000"/>
+                  <a:lumOff val="40000"/>
+                </a:schemeClr>
+              </a:solidFill>
+            </a:endParaRPr>
           </a:p>
         </p:txBody>
       </p:sp>
@@ -8080,6 +9405,96 @@
           <a:chExt cx="0" cy="0"/>
         </a:xfrm>
       </p:grpSpPr>
+      <p:sp>
+        <p:nvSpPr>
+          <p:cNvPr id="2" name="標題 1">
+            <a:extLst>
+              <a:ext uri="{FF2B5EF4-FFF2-40B4-BE49-F238E27FC236}">
+                <a16:creationId xmlns:a16="http://schemas.microsoft.com/office/drawing/2014/main" id="{C0E81053-6737-FE06-52BA-E8E2723F41EE}"/>
+              </a:ext>
+            </a:extLst>
+          </p:cNvPr>
+          <p:cNvSpPr>
+            <a:spLocks noGrp="1"/>
+          </p:cNvSpPr>
+          <p:nvPr>
+            <p:ph type="title"/>
+          </p:nvPr>
+        </p:nvSpPr>
+        <p:spPr/>
+        <p:txBody>
+          <a:bodyPr/>
+          <a:lstStyle/>
+          <a:p>
+            <a:endParaRPr lang="zh-TW" altLang="en-US"/>
+          </a:p>
+        </p:txBody>
+      </p:sp>
+      <p:pic>
+        <p:nvPicPr>
+          <p:cNvPr id="5" name="內容版面配置區 4" descr="一張含有 文字, 行, 螢幕擷取畫面, 數字 的圖片&#10;&#10;自動產生的描述">
+            <a:extLst>
+              <a:ext uri="{FF2B5EF4-FFF2-40B4-BE49-F238E27FC236}">
+                <a16:creationId xmlns:a16="http://schemas.microsoft.com/office/drawing/2014/main" id="{88FD7D13-81DF-8580-C722-2F0826CD6704}"/>
+              </a:ext>
+            </a:extLst>
+          </p:cNvPr>
+          <p:cNvPicPr>
+            <a:picLocks noGrp="1" noChangeAspect="1"/>
+          </p:cNvPicPr>
+          <p:nvPr>
+            <p:ph idx="1"/>
+          </p:nvPr>
+        </p:nvPicPr>
+        <p:blipFill>
+          <a:blip r:embed="rId2">
+            <a:extLst>
+              <a:ext uri="{28A0092B-C50C-407E-A947-70E740481C1C}">
+                <a14:useLocalDpi xmlns:a14="http://schemas.microsoft.com/office/drawing/2010/main" val="0"/>
+              </a:ext>
+            </a:extLst>
+          </a:blip>
+          <a:stretch>
+            <a:fillRect/>
+          </a:stretch>
+        </p:blipFill>
+        <p:spPr>
+          <a:xfrm>
+            <a:off x="838200" y="2856473"/>
+            <a:ext cx="10515600" cy="2289642"/>
+          </a:xfrm>
+        </p:spPr>
+      </p:pic>
+    </p:spTree>
+    <p:extLst>
+      <p:ext uri="{BB962C8B-B14F-4D97-AF65-F5344CB8AC3E}">
+        <p14:creationId xmlns:p14="http://schemas.microsoft.com/office/powerpoint/2010/main" val="2856619079"/>
+      </p:ext>
+    </p:extLst>
+  </p:cSld>
+  <p:clrMapOvr>
+    <a:masterClrMapping/>
+  </p:clrMapOvr>
+</p:sld>
+</file>
+
+<file path=ppt/slides/slide5.xml><?xml version="1.0" encoding="utf-8"?>
+<p:sld xmlns:a="http://schemas.openxmlformats.org/drawingml/2006/main" xmlns:r="http://schemas.openxmlformats.org/officeDocument/2006/relationships" xmlns:p="http://schemas.openxmlformats.org/presentationml/2006/main">
+  <p:cSld>
+    <p:spTree>
+      <p:nvGrpSpPr>
+        <p:cNvPr id="1" name=""/>
+        <p:cNvGrpSpPr/>
+        <p:nvPr/>
+      </p:nvGrpSpPr>
+      <p:grpSpPr>
+        <a:xfrm>
+          <a:off x="0" y="0"/>
+          <a:ext cx="0" cy="0"/>
+          <a:chOff x="0" y="0"/>
+          <a:chExt cx="0" cy="0"/>
+        </a:xfrm>
+      </p:grpSpPr>
       <p:cxnSp>
         <p:nvCxnSpPr>
           <p:cNvPr id="4" name="直線接點 3">
@@ -8231,7 +9646,7 @@
         <p:spPr>
           <a:xfrm>
             <a:off x="334296" y="151998"/>
-            <a:ext cx="4950096" cy="646331"/>
+            <a:ext cx="5801866" cy="646331"/>
           </a:xfrm>
           <a:prstGeom prst="rect">
             <a:avLst/>
@@ -8254,7 +9669,31 @@
                 <a:ea typeface="Calibri" panose="020F0502020204030204" pitchFamily="34" charset="0"/>
                 <a:cs typeface="Calibri" panose="020F0502020204030204" pitchFamily="34" charset="0"/>
               </a:rPr>
-              <a:t>Pepsinogen (Pepsin A)</a:t>
+              <a:t>Pepsinogen (Pepsin A, </a:t>
+            </a:r>
+            <a:r>
+              <a:rPr lang="en-US" altLang="zh-TW" sz="3600" b="1" u="none" strike="noStrike" dirty="0" err="1">
+                <a:solidFill>
+                  <a:srgbClr val="000000"/>
+                </a:solidFill>
+                <a:effectLst/>
+                <a:latin typeface="Calibri" panose="020F0502020204030204" pitchFamily="34" charset="0"/>
+                <a:ea typeface="Calibri" panose="020F0502020204030204" pitchFamily="34" charset="0"/>
+                <a:cs typeface="Calibri" panose="020F0502020204030204" pitchFamily="34" charset="0"/>
+              </a:rPr>
+              <a:t>pga</a:t>
+            </a:r>
+            <a:r>
+              <a:rPr lang="en-US" altLang="zh-TW" sz="3600" b="1" u="none" strike="noStrike" dirty="0">
+                <a:solidFill>
+                  <a:srgbClr val="000000"/>
+                </a:solidFill>
+                <a:effectLst/>
+                <a:latin typeface="Calibri" panose="020F0502020204030204" pitchFamily="34" charset="0"/>
+                <a:ea typeface="Calibri" panose="020F0502020204030204" pitchFamily="34" charset="0"/>
+                <a:cs typeface="Calibri" panose="020F0502020204030204" pitchFamily="34" charset="0"/>
+              </a:rPr>
+              <a:t>)</a:t>
             </a:r>
             <a:endParaRPr lang="zh-TW" altLang="en-US" sz="3600" dirty="0">
               <a:latin typeface="Calibri" panose="020F0502020204030204" pitchFamily="34" charset="0"/>
@@ -8321,7 +9760,7 @@
         </p:nvSpPr>
         <p:spPr>
           <a:xfrm>
-            <a:off x="3016156" y="1679704"/>
+            <a:off x="3016156" y="1617120"/>
             <a:ext cx="2782979" cy="369332"/>
           </a:xfrm>
           <a:prstGeom prst="rect">
@@ -8343,17 +9782,7 @@
                   </a:schemeClr>
                 </a:solidFill>
               </a:rPr>
-              <a:t>g20032:</a:t>
-            </a:r>
-            <a:r>
-              <a:rPr lang="en-US" altLang="zh-TW" dirty="0">
-                <a:solidFill>
-                  <a:schemeClr val="accent1">
-                    <a:lumMod val="75000"/>
-                  </a:schemeClr>
-                </a:solidFill>
-              </a:rPr>
-              <a:t>Pepsin A-1</a:t>
+              <a:t>g20032: pga2</a:t>
             </a:r>
             <a:endParaRPr lang="zh-TW" altLang="en-US" dirty="0">
               <a:solidFill>
@@ -8992,8 +10421,8 @@
         </p:nvSpPr>
         <p:spPr>
           <a:xfrm>
-            <a:off x="6292721" y="1679704"/>
-            <a:ext cx="2782979" cy="369332"/>
+            <a:off x="6258419" y="1617120"/>
+            <a:ext cx="1624727" cy="369332"/>
           </a:xfrm>
           <a:prstGeom prst="rect">
             <a:avLst/>
@@ -9024,7 +10453,7 @@
                   </a:schemeClr>
                 </a:solidFill>
               </a:rPr>
-              <a:t>Pepsin A -2</a:t>
+              <a:t>pga1</a:t>
             </a:r>
             <a:endParaRPr lang="zh-TW" altLang="en-US" dirty="0">
               <a:solidFill>
@@ -9050,7 +10479,7 @@
         </p:nvSpPr>
         <p:spPr>
           <a:xfrm>
-            <a:off x="5128936" y="3012801"/>
+            <a:off x="4859290" y="2885883"/>
             <a:ext cx="2394762" cy="523220"/>
           </a:xfrm>
           <a:prstGeom prst="rect">
@@ -9323,8 +10752,8 @@
         </p:nvSpPr>
         <p:spPr>
           <a:xfrm>
-            <a:off x="9586572" y="1617120"/>
-            <a:ext cx="2782979" cy="369332"/>
+            <a:off x="9586573" y="1617120"/>
+            <a:ext cx="1739578" cy="369332"/>
           </a:xfrm>
           <a:prstGeom prst="rect">
             <a:avLst/>
@@ -9345,17 +10774,7 @@
                   </a:schemeClr>
                 </a:solidFill>
               </a:rPr>
-              <a:t>g15023:</a:t>
-            </a:r>
-            <a:r>
-              <a:rPr lang="en-US" altLang="zh-TW" dirty="0">
-                <a:solidFill>
-                  <a:schemeClr val="accent1">
-                    <a:lumMod val="75000"/>
-                  </a:schemeClr>
-                </a:solidFill>
-              </a:rPr>
-              <a:t>Pepsin A-1</a:t>
+              <a:t>g15024: pga3</a:t>
             </a:r>
             <a:endParaRPr lang="zh-TW" altLang="en-US" dirty="0">
               <a:solidFill>
@@ -9404,7 +10823,7 @@
                   </a:schemeClr>
                 </a:solidFill>
               </a:rPr>
-              <a:t>G15023.t1: </a:t>
+              <a:t>g15023.t1: </a:t>
             </a:r>
             <a:r>
               <a:rPr lang="en-US" altLang="zh-TW" sz="1400" dirty="0" err="1">
@@ -9620,10 +11039,10 @@
       </p:sp>
       <p:sp>
         <p:nvSpPr>
-          <p:cNvPr id="76" name="箭號: 向左 75">
-            <a:extLst>
-              <a:ext uri="{FF2B5EF4-FFF2-40B4-BE49-F238E27FC236}">
-                <a16:creationId xmlns:a16="http://schemas.microsoft.com/office/drawing/2014/main" id="{236B52A9-474D-813B-EF7B-94123A550F2A}"/>
+          <p:cNvPr id="77" name="箭號: 向左 76">
+            <a:extLst>
+              <a:ext uri="{FF2B5EF4-FFF2-40B4-BE49-F238E27FC236}">
+                <a16:creationId xmlns:a16="http://schemas.microsoft.com/office/drawing/2014/main" id="{8C935CEE-B899-629B-BB60-8E45398A1A8F}"/>
               </a:ext>
             </a:extLst>
           </p:cNvPr>
@@ -9632,52 +11051,8 @@
         </p:nvSpPr>
         <p:spPr>
           <a:xfrm rot="10800000">
-            <a:off x="7538705" y="4226111"/>
-            <a:ext cx="551834" cy="369329"/>
-          </a:xfrm>
-          <a:prstGeom prst="leftArrow">
-            <a:avLst/>
-          </a:prstGeom>
-        </p:spPr>
-        <p:style>
-          <a:lnRef idx="1">
-            <a:schemeClr val="accent2"/>
-          </a:lnRef>
-          <a:fillRef idx="2">
-            <a:schemeClr val="accent2"/>
-          </a:fillRef>
-          <a:effectRef idx="1">
-            <a:schemeClr val="accent2"/>
-          </a:effectRef>
-          <a:fontRef idx="minor">
-            <a:schemeClr val="dk1"/>
-          </a:fontRef>
-        </p:style>
-        <p:txBody>
-          <a:bodyPr rtlCol="0" anchor="ctr"/>
-          <a:lstStyle/>
-          <a:p>
-            <a:pPr algn="ctr"/>
-            <a:endParaRPr lang="zh-TW" altLang="en-US" dirty="0"/>
-          </a:p>
-        </p:txBody>
-      </p:sp>
-      <p:sp>
-        <p:nvSpPr>
-          <p:cNvPr id="77" name="箭號: 向左 76">
-            <a:extLst>
-              <a:ext uri="{FF2B5EF4-FFF2-40B4-BE49-F238E27FC236}">
-                <a16:creationId xmlns:a16="http://schemas.microsoft.com/office/drawing/2014/main" id="{8C935CEE-B899-629B-BB60-8E45398A1A8F}"/>
-              </a:ext>
-            </a:extLst>
-          </p:cNvPr>
-          <p:cNvSpPr/>
-          <p:nvPr/>
-        </p:nvSpPr>
-        <p:spPr>
-          <a:xfrm rot="10800000">
-            <a:off x="5894349" y="4226111"/>
-            <a:ext cx="551834" cy="369329"/>
+            <a:off x="6244086" y="4226109"/>
+            <a:ext cx="285925" cy="369329"/>
           </a:xfrm>
           <a:prstGeom prst="leftArrow">
             <a:avLst/>
@@ -9893,8 +11268,8 @@
         </p:nvSpPr>
         <p:spPr>
           <a:xfrm>
-            <a:off x="1674100" y="3870968"/>
-            <a:ext cx="3495232" cy="369332"/>
+            <a:off x="2728614" y="3824389"/>
+            <a:ext cx="2109029" cy="369332"/>
           </a:xfrm>
           <a:prstGeom prst="rect">
             <a:avLst/>
@@ -9915,17 +11290,7 @@
                   </a:schemeClr>
                 </a:solidFill>
               </a:rPr>
-              <a:t>jg5382 : </a:t>
-            </a:r>
-            <a:r>
-              <a:rPr lang="en-US" altLang="zh-TW" dirty="0">
-                <a:solidFill>
-                  <a:schemeClr val="accent1">
-                    <a:lumMod val="75000"/>
-                  </a:schemeClr>
-                </a:solidFill>
-              </a:rPr>
-              <a:t>Pepsin A-1</a:t>
+              <a:t>jg5382: pga2</a:t>
             </a:r>
             <a:endParaRPr lang="zh-TW" altLang="en-US" dirty="0">
               <a:solidFill>
@@ -9951,7 +11316,7 @@
         </p:nvSpPr>
         <p:spPr>
           <a:xfrm>
-            <a:off x="3975471" y="4648500"/>
+            <a:off x="3869160" y="4660204"/>
             <a:ext cx="2394762" cy="523220"/>
           </a:xfrm>
           <a:prstGeom prst="rect">
@@ -10051,8 +11416,8 @@
         </p:nvSpPr>
         <p:spPr>
           <a:xfrm>
-            <a:off x="8581486" y="3662590"/>
-            <a:ext cx="3495232" cy="369332"/>
+            <a:off x="9179638" y="3824389"/>
+            <a:ext cx="2469972" cy="369329"/>
           </a:xfrm>
           <a:prstGeom prst="rect">
             <a:avLst/>
@@ -10093,7 +11458,7 @@
                   </a:schemeClr>
                 </a:solidFill>
               </a:rPr>
-              <a:t>Pepsin A-1</a:t>
+              <a:t>pga3</a:t>
             </a:r>
             <a:endParaRPr lang="zh-TW" altLang="en-US" dirty="0">
               <a:solidFill>
@@ -10107,10 +11472,10 @@
       </p:sp>
       <p:sp>
         <p:nvSpPr>
-          <p:cNvPr id="86" name="文字方塊 85">
-            <a:extLst>
-              <a:ext uri="{FF2B5EF4-FFF2-40B4-BE49-F238E27FC236}">
-                <a16:creationId xmlns:a16="http://schemas.microsoft.com/office/drawing/2014/main" id="{94589F88-273D-A788-291C-EFCC0B36DB3E}"/>
+          <p:cNvPr id="88" name="文字方塊 87">
+            <a:extLst>
+              <a:ext uri="{FF2B5EF4-FFF2-40B4-BE49-F238E27FC236}">
+                <a16:creationId xmlns:a16="http://schemas.microsoft.com/office/drawing/2014/main" id="{A75CAA88-5B23-37F6-3806-05A920A09AD9}"/>
               </a:ext>
             </a:extLst>
           </p:cNvPr>
@@ -10119,8 +11484,56 @@
         </p:nvSpPr>
         <p:spPr>
           <a:xfrm>
-            <a:off x="8336311" y="5240880"/>
-            <a:ext cx="2394762" cy="523220"/>
+            <a:off x="5911953" y="3824389"/>
+            <a:ext cx="1844429" cy="369332"/>
+          </a:xfrm>
+          <a:prstGeom prst="rect">
+            <a:avLst/>
+          </a:prstGeom>
+          <a:noFill/>
+        </p:spPr>
+        <p:txBody>
+          <a:bodyPr wrap="square">
+            <a:spAutoFit/>
+          </a:bodyPr>
+          <a:lstStyle/>
+          <a:p>
+            <a:r>
+              <a:rPr lang="en-US" altLang="zh-TW" dirty="0">
+                <a:solidFill>
+                  <a:schemeClr val="accent1">
+                    <a:lumMod val="75000"/>
+                  </a:schemeClr>
+                </a:solidFill>
+              </a:rPr>
+              <a:t>jg27196.t1: pga1</a:t>
+            </a:r>
+            <a:endParaRPr lang="zh-TW" altLang="en-US" dirty="0">
+              <a:solidFill>
+                <a:schemeClr val="accent1">
+                  <a:lumMod val="75000"/>
+                </a:schemeClr>
+              </a:solidFill>
+            </a:endParaRPr>
+          </a:p>
+        </p:txBody>
+      </p:sp>
+      <p:sp>
+        <p:nvSpPr>
+          <p:cNvPr id="89" name="文字方塊 88">
+            <a:extLst>
+              <a:ext uri="{FF2B5EF4-FFF2-40B4-BE49-F238E27FC236}">
+                <a16:creationId xmlns:a16="http://schemas.microsoft.com/office/drawing/2014/main" id="{BE7205FA-4432-6033-20C6-CAE7F0F74829}"/>
+              </a:ext>
+            </a:extLst>
+          </p:cNvPr>
+          <p:cNvSpPr txBox="1"/>
+          <p:nvPr/>
+        </p:nvSpPr>
+        <p:spPr>
+          <a:xfrm>
+            <a:off x="5361620" y="5195679"/>
+            <a:ext cx="2394762" cy="307777"/>
           </a:xfrm>
           <a:prstGeom prst="rect">
             <a:avLst/>
@@ -10142,7 +11555,7 @@
                   </a:schemeClr>
                 </a:solidFill>
               </a:rPr>
-              <a:t>GENE_19547: RNA-binding protein 15-like</a:t>
+              <a:t>jg27195.t1:polycystin-1-like</a:t>
             </a:r>
             <a:endParaRPr lang="zh-TW" altLang="en-US" sz="1400" dirty="0">
               <a:solidFill>
@@ -10157,10 +11570,10 @@
       </p:sp>
       <p:sp>
         <p:nvSpPr>
-          <p:cNvPr id="87" name="文字方塊 86">
-            <a:extLst>
-              <a:ext uri="{FF2B5EF4-FFF2-40B4-BE49-F238E27FC236}">
-                <a16:creationId xmlns:a16="http://schemas.microsoft.com/office/drawing/2014/main" id="{FC64E387-4F28-6292-C429-9EA3FC632F94}"/>
+          <p:cNvPr id="2" name="文字方塊 1">
+            <a:extLst>
+              <a:ext uri="{FF2B5EF4-FFF2-40B4-BE49-F238E27FC236}">
+                <a16:creationId xmlns:a16="http://schemas.microsoft.com/office/drawing/2014/main" id="{90A35D0F-817B-400E-EAED-3208758589EC}"/>
               </a:ext>
             </a:extLst>
           </p:cNvPr>
@@ -10169,8 +11582,8 @@
         </p:nvSpPr>
         <p:spPr>
           <a:xfrm>
-            <a:off x="10019379" y="4692750"/>
-            <a:ext cx="2394762" cy="523220"/>
+            <a:off x="4563392" y="5578538"/>
+            <a:ext cx="2394762" cy="738664"/>
           </a:xfrm>
           <a:prstGeom prst="rect">
             <a:avLst/>
@@ -10192,7 +11605,427 @@
                   </a:schemeClr>
                 </a:solidFill>
               </a:rPr>
-              <a:t>GENE_19553: </a:t>
+              <a:t>jg27194.t1: ankyrin repeat and SOCS box protein 12-like</a:t>
+            </a:r>
+            <a:endParaRPr lang="zh-TW" altLang="en-US" sz="1400" dirty="0">
+              <a:solidFill>
+                <a:schemeClr val="accent2">
+                  <a:lumMod val="60000"/>
+                  <a:lumOff val="40000"/>
+                </a:schemeClr>
+              </a:solidFill>
+            </a:endParaRPr>
+          </a:p>
+        </p:txBody>
+      </p:sp>
+      <p:sp>
+        <p:nvSpPr>
+          <p:cNvPr id="7" name="箭號: 向左 6">
+            <a:extLst>
+              <a:ext uri="{FF2B5EF4-FFF2-40B4-BE49-F238E27FC236}">
+                <a16:creationId xmlns:a16="http://schemas.microsoft.com/office/drawing/2014/main" id="{4D133781-65EC-1E0E-A592-DCD987944EB9}"/>
+              </a:ext>
+            </a:extLst>
+          </p:cNvPr>
+          <p:cNvSpPr/>
+          <p:nvPr/>
+        </p:nvSpPr>
+        <p:spPr>
+          <a:xfrm rot="10800000">
+            <a:off x="5775128" y="4226109"/>
+            <a:ext cx="320871" cy="369329"/>
+          </a:xfrm>
+          <a:prstGeom prst="leftArrow">
+            <a:avLst/>
+          </a:prstGeom>
+        </p:spPr>
+        <p:style>
+          <a:lnRef idx="1">
+            <a:schemeClr val="accent2"/>
+          </a:lnRef>
+          <a:fillRef idx="2">
+            <a:schemeClr val="accent2"/>
+          </a:fillRef>
+          <a:effectRef idx="1">
+            <a:schemeClr val="accent2"/>
+          </a:effectRef>
+          <a:fontRef idx="minor">
+            <a:schemeClr val="dk1"/>
+          </a:fontRef>
+        </p:style>
+        <p:txBody>
+          <a:bodyPr rtlCol="0" anchor="ctr"/>
+          <a:lstStyle/>
+          <a:p>
+            <a:pPr algn="ctr"/>
+            <a:endParaRPr lang="zh-TW" altLang="en-US" dirty="0"/>
+          </a:p>
+        </p:txBody>
+      </p:sp>
+      <p:sp>
+        <p:nvSpPr>
+          <p:cNvPr id="8" name="文字方塊 7">
+            <a:extLst>
+              <a:ext uri="{FF2B5EF4-FFF2-40B4-BE49-F238E27FC236}">
+                <a16:creationId xmlns:a16="http://schemas.microsoft.com/office/drawing/2014/main" id="{D7CF6F52-6980-8020-66A0-6E44EDED0636}"/>
+              </a:ext>
+            </a:extLst>
+          </p:cNvPr>
+          <p:cNvSpPr txBox="1"/>
+          <p:nvPr/>
+        </p:nvSpPr>
+        <p:spPr>
+          <a:xfrm>
+            <a:off x="6852696" y="4717011"/>
+            <a:ext cx="2601073" cy="523220"/>
+          </a:xfrm>
+          <a:prstGeom prst="rect">
+            <a:avLst/>
+          </a:prstGeom>
+          <a:noFill/>
+        </p:spPr>
+        <p:txBody>
+          <a:bodyPr wrap="square">
+            <a:spAutoFit/>
+          </a:bodyPr>
+          <a:lstStyle/>
+          <a:p>
+            <a:r>
+              <a:rPr lang="en-US" altLang="zh-TW" sz="1400" dirty="0">
+                <a:solidFill>
+                  <a:schemeClr val="accent2">
+                    <a:lumMod val="60000"/>
+                    <a:lumOff val="40000"/>
+                  </a:schemeClr>
+                </a:solidFill>
+              </a:rPr>
+              <a:t>jg27197.t1: PI-PLC X domain-containing protein 1-like</a:t>
+            </a:r>
+            <a:endParaRPr lang="zh-TW" altLang="en-US" sz="1400" dirty="0">
+              <a:solidFill>
+                <a:schemeClr val="accent2">
+                  <a:lumMod val="60000"/>
+                  <a:lumOff val="40000"/>
+                </a:schemeClr>
+              </a:solidFill>
+            </a:endParaRPr>
+          </a:p>
+        </p:txBody>
+      </p:sp>
+      <p:sp>
+        <p:nvSpPr>
+          <p:cNvPr id="13" name="文字方塊 12">
+            <a:extLst>
+              <a:ext uri="{FF2B5EF4-FFF2-40B4-BE49-F238E27FC236}">
+                <a16:creationId xmlns:a16="http://schemas.microsoft.com/office/drawing/2014/main" id="{96FDA62D-9AC8-D128-216A-E74F5B5D9918}"/>
+              </a:ext>
+            </a:extLst>
+          </p:cNvPr>
+          <p:cNvSpPr txBox="1"/>
+          <p:nvPr/>
+        </p:nvSpPr>
+        <p:spPr>
+          <a:xfrm>
+            <a:off x="7123908" y="5718899"/>
+            <a:ext cx="2683777" cy="738664"/>
+          </a:xfrm>
+          <a:prstGeom prst="rect">
+            <a:avLst/>
+          </a:prstGeom>
+          <a:noFill/>
+        </p:spPr>
+        <p:txBody>
+          <a:bodyPr wrap="square">
+            <a:spAutoFit/>
+          </a:bodyPr>
+          <a:lstStyle/>
+          <a:p>
+            <a:r>
+              <a:rPr lang="en-US" altLang="zh-TW" sz="1400" dirty="0">
+                <a:solidFill>
+                  <a:schemeClr val="accent2">
+                    <a:lumMod val="60000"/>
+                    <a:lumOff val="40000"/>
+                  </a:schemeClr>
+                </a:solidFill>
+              </a:rPr>
+              <a:t>jg27200.t1: voltage-dependent T-type calcium channel subunit alpha-1G-like</a:t>
+            </a:r>
+            <a:endParaRPr lang="zh-TW" altLang="en-US" sz="1400" dirty="0">
+              <a:solidFill>
+                <a:schemeClr val="accent2">
+                  <a:lumMod val="60000"/>
+                  <a:lumOff val="40000"/>
+                </a:schemeClr>
+              </a:solidFill>
+            </a:endParaRPr>
+          </a:p>
+        </p:txBody>
+      </p:sp>
+      <p:sp>
+        <p:nvSpPr>
+          <p:cNvPr id="14" name="箭號: 向左 13">
+            <a:extLst>
+              <a:ext uri="{FF2B5EF4-FFF2-40B4-BE49-F238E27FC236}">
+                <a16:creationId xmlns:a16="http://schemas.microsoft.com/office/drawing/2014/main" id="{8FB5E5CF-D2FD-35B0-B85C-7205DB4E25C8}"/>
+              </a:ext>
+            </a:extLst>
+          </p:cNvPr>
+          <p:cNvSpPr/>
+          <p:nvPr/>
+        </p:nvSpPr>
+        <p:spPr>
+          <a:xfrm rot="10800000">
+            <a:off x="7491213" y="4226109"/>
+            <a:ext cx="285925" cy="369329"/>
+          </a:xfrm>
+          <a:prstGeom prst="leftArrow">
+            <a:avLst/>
+          </a:prstGeom>
+        </p:spPr>
+        <p:style>
+          <a:lnRef idx="1">
+            <a:schemeClr val="accent2"/>
+          </a:lnRef>
+          <a:fillRef idx="2">
+            <a:schemeClr val="accent2"/>
+          </a:fillRef>
+          <a:effectRef idx="1">
+            <a:schemeClr val="accent2"/>
+          </a:effectRef>
+          <a:fontRef idx="minor">
+            <a:schemeClr val="dk1"/>
+          </a:fontRef>
+        </p:style>
+        <p:txBody>
+          <a:bodyPr rtlCol="0" anchor="ctr"/>
+          <a:lstStyle/>
+          <a:p>
+            <a:pPr algn="ctr"/>
+            <a:endParaRPr lang="zh-TW" altLang="en-US" dirty="0"/>
+          </a:p>
+        </p:txBody>
+      </p:sp>
+      <p:sp>
+        <p:nvSpPr>
+          <p:cNvPr id="15" name="箭號: 向左 14">
+            <a:extLst>
+              <a:ext uri="{FF2B5EF4-FFF2-40B4-BE49-F238E27FC236}">
+                <a16:creationId xmlns:a16="http://schemas.microsoft.com/office/drawing/2014/main" id="{64DFC802-888C-F151-AFC0-474CCB4B69A3}"/>
+              </a:ext>
+            </a:extLst>
+          </p:cNvPr>
+          <p:cNvSpPr/>
+          <p:nvPr/>
+        </p:nvSpPr>
+        <p:spPr>
+          <a:xfrm rot="10800000">
+            <a:off x="7850960" y="4223822"/>
+            <a:ext cx="285925" cy="369329"/>
+          </a:xfrm>
+          <a:prstGeom prst="leftArrow">
+            <a:avLst/>
+          </a:prstGeom>
+        </p:spPr>
+        <p:style>
+          <a:lnRef idx="1">
+            <a:schemeClr val="accent2"/>
+          </a:lnRef>
+          <a:fillRef idx="2">
+            <a:schemeClr val="accent2"/>
+          </a:fillRef>
+          <a:effectRef idx="1">
+            <a:schemeClr val="accent2"/>
+          </a:effectRef>
+          <a:fontRef idx="minor">
+            <a:schemeClr val="dk1"/>
+          </a:fontRef>
+        </p:style>
+        <p:txBody>
+          <a:bodyPr rtlCol="0" anchor="ctr"/>
+          <a:lstStyle/>
+          <a:p>
+            <a:pPr algn="ctr"/>
+            <a:endParaRPr lang="zh-TW" altLang="en-US" dirty="0"/>
+          </a:p>
+        </p:txBody>
+      </p:sp>
+      <p:sp>
+        <p:nvSpPr>
+          <p:cNvPr id="16" name="箭號: 向左 15">
+            <a:extLst>
+              <a:ext uri="{FF2B5EF4-FFF2-40B4-BE49-F238E27FC236}">
+                <a16:creationId xmlns:a16="http://schemas.microsoft.com/office/drawing/2014/main" id="{D17F4CF4-0FE2-FCCE-EC3D-4DD15144D202}"/>
+              </a:ext>
+            </a:extLst>
+          </p:cNvPr>
+          <p:cNvSpPr/>
+          <p:nvPr/>
+        </p:nvSpPr>
+        <p:spPr>
+          <a:xfrm rot="10800000">
+            <a:off x="8212915" y="4205190"/>
+            <a:ext cx="285925" cy="369329"/>
+          </a:xfrm>
+          <a:prstGeom prst="leftArrow">
+            <a:avLst/>
+          </a:prstGeom>
+        </p:spPr>
+        <p:style>
+          <a:lnRef idx="1">
+            <a:schemeClr val="accent2"/>
+          </a:lnRef>
+          <a:fillRef idx="2">
+            <a:schemeClr val="accent2"/>
+          </a:fillRef>
+          <a:effectRef idx="1">
+            <a:schemeClr val="accent2"/>
+          </a:effectRef>
+          <a:fontRef idx="minor">
+            <a:schemeClr val="dk1"/>
+          </a:fontRef>
+        </p:style>
+        <p:txBody>
+          <a:bodyPr rtlCol="0" anchor="ctr"/>
+          <a:lstStyle/>
+          <a:p>
+            <a:pPr algn="ctr"/>
+            <a:endParaRPr lang="zh-TW" altLang="en-US" dirty="0"/>
+          </a:p>
+        </p:txBody>
+      </p:sp>
+      <p:sp>
+        <p:nvSpPr>
+          <p:cNvPr id="17" name="箭號: 向左 16">
+            <a:extLst>
+              <a:ext uri="{FF2B5EF4-FFF2-40B4-BE49-F238E27FC236}">
+                <a16:creationId xmlns:a16="http://schemas.microsoft.com/office/drawing/2014/main" id="{B79BEE98-C8A7-EFB9-2A2C-60AE6A2D10FD}"/>
+              </a:ext>
+            </a:extLst>
+          </p:cNvPr>
+          <p:cNvSpPr/>
+          <p:nvPr/>
+        </p:nvSpPr>
+        <p:spPr>
+          <a:xfrm rot="10800000">
+            <a:off x="8572089" y="4205190"/>
+            <a:ext cx="285925" cy="369329"/>
+          </a:xfrm>
+          <a:prstGeom prst="leftArrow">
+            <a:avLst/>
+          </a:prstGeom>
+        </p:spPr>
+        <p:style>
+          <a:lnRef idx="1">
+            <a:schemeClr val="accent2"/>
+          </a:lnRef>
+          <a:fillRef idx="2">
+            <a:schemeClr val="accent2"/>
+          </a:fillRef>
+          <a:effectRef idx="1">
+            <a:schemeClr val="accent2"/>
+          </a:effectRef>
+          <a:fontRef idx="minor">
+            <a:schemeClr val="dk1"/>
+          </a:fontRef>
+        </p:style>
+        <p:txBody>
+          <a:bodyPr rtlCol="0" anchor="ctr"/>
+          <a:lstStyle/>
+          <a:p>
+            <a:pPr algn="ctr"/>
+            <a:endParaRPr lang="zh-TW" altLang="en-US" dirty="0"/>
+          </a:p>
+        </p:txBody>
+      </p:sp>
+      <p:sp>
+        <p:nvSpPr>
+          <p:cNvPr id="19" name="文字方塊 18">
+            <a:extLst>
+              <a:ext uri="{FF2B5EF4-FFF2-40B4-BE49-F238E27FC236}">
+                <a16:creationId xmlns:a16="http://schemas.microsoft.com/office/drawing/2014/main" id="{624A2F9A-9C1C-8B9C-3B2D-98946A8D68DF}"/>
+              </a:ext>
+            </a:extLst>
+          </p:cNvPr>
+          <p:cNvSpPr txBox="1"/>
+          <p:nvPr/>
+        </p:nvSpPr>
+        <p:spPr>
+          <a:xfrm>
+            <a:off x="10754212" y="4717011"/>
+            <a:ext cx="2394762" cy="523220"/>
+          </a:xfrm>
+          <a:prstGeom prst="rect">
+            <a:avLst/>
+          </a:prstGeom>
+          <a:noFill/>
+        </p:spPr>
+        <p:txBody>
+          <a:bodyPr wrap="square">
+            <a:spAutoFit/>
+          </a:bodyPr>
+          <a:lstStyle/>
+          <a:p>
+            <a:r>
+              <a:rPr lang="en-US" altLang="zh-TW" sz="1400" dirty="0">
+                <a:solidFill>
+                  <a:schemeClr val="accent2">
+                    <a:lumMod val="60000"/>
+                    <a:lumOff val="40000"/>
+                  </a:schemeClr>
+                </a:solidFill>
+              </a:rPr>
+              <a:t>jg14417.t1: RNA-binding protein 15-like</a:t>
+            </a:r>
+            <a:endParaRPr lang="zh-TW" altLang="en-US" sz="1400" dirty="0">
+              <a:solidFill>
+                <a:schemeClr val="accent2">
+                  <a:lumMod val="60000"/>
+                  <a:lumOff val="40000"/>
+                </a:schemeClr>
+              </a:solidFill>
+            </a:endParaRPr>
+          </a:p>
+        </p:txBody>
+      </p:sp>
+      <p:sp>
+        <p:nvSpPr>
+          <p:cNvPr id="20" name="文字方塊 19">
+            <a:extLst>
+              <a:ext uri="{FF2B5EF4-FFF2-40B4-BE49-F238E27FC236}">
+                <a16:creationId xmlns:a16="http://schemas.microsoft.com/office/drawing/2014/main" id="{62728550-05B4-6013-D10F-172319EDB975}"/>
+              </a:ext>
+            </a:extLst>
+          </p:cNvPr>
+          <p:cNvSpPr txBox="1"/>
+          <p:nvPr/>
+        </p:nvSpPr>
+        <p:spPr>
+          <a:xfrm>
+            <a:off x="9019362" y="5048511"/>
+            <a:ext cx="2394762" cy="523220"/>
+          </a:xfrm>
+          <a:prstGeom prst="rect">
+            <a:avLst/>
+          </a:prstGeom>
+          <a:noFill/>
+        </p:spPr>
+        <p:txBody>
+          <a:bodyPr wrap="square">
+            <a:spAutoFit/>
+          </a:bodyPr>
+          <a:lstStyle/>
+          <a:p>
+            <a:r>
+              <a:rPr lang="en-US" altLang="zh-TW" sz="1400" dirty="0">
+                <a:solidFill>
+                  <a:schemeClr val="accent2">
+                    <a:lumMod val="60000"/>
+                    <a:lumOff val="40000"/>
+                  </a:schemeClr>
+                </a:solidFill>
+              </a:rPr>
+              <a:t>jg14424.t1: </a:t>
             </a:r>
             <a:r>
               <a:rPr lang="en-US" altLang="zh-TW" sz="1400" dirty="0" err="1">
@@ -10215,154 +12048,6 @@
                 </a:solidFill>
               </a:rPr>
               <a:t>-induced protein 1-like</a:t>
-            </a:r>
-            <a:endParaRPr lang="zh-TW" altLang="en-US" sz="1400" dirty="0">
-              <a:solidFill>
-                <a:schemeClr val="accent2">
-                  <a:lumMod val="60000"/>
-                  <a:lumOff val="40000"/>
-                </a:schemeClr>
-              </a:solidFill>
-            </a:endParaRPr>
-          </a:p>
-        </p:txBody>
-      </p:sp>
-      <p:sp>
-        <p:nvSpPr>
-          <p:cNvPr id="88" name="文字方塊 87">
-            <a:extLst>
-              <a:ext uri="{FF2B5EF4-FFF2-40B4-BE49-F238E27FC236}">
-                <a16:creationId xmlns:a16="http://schemas.microsoft.com/office/drawing/2014/main" id="{A75CAA88-5B23-37F6-3806-05A920A09AD9}"/>
-              </a:ext>
-            </a:extLst>
-          </p:cNvPr>
-          <p:cNvSpPr txBox="1"/>
-          <p:nvPr/>
-        </p:nvSpPr>
-        <p:spPr>
-          <a:xfrm>
-            <a:off x="5799135" y="3629752"/>
-            <a:ext cx="2782979" cy="369332"/>
-          </a:xfrm>
-          <a:prstGeom prst="rect">
-            <a:avLst/>
-          </a:prstGeom>
-          <a:noFill/>
-        </p:spPr>
-        <p:txBody>
-          <a:bodyPr wrap="square">
-            <a:spAutoFit/>
-          </a:bodyPr>
-          <a:lstStyle/>
-          <a:p>
-            <a:r>
-              <a:rPr lang="en-US" altLang="zh-TW" dirty="0">
-                <a:solidFill>
-                  <a:schemeClr val="accent1">
-                    <a:lumMod val="75000"/>
-                  </a:schemeClr>
-                </a:solidFill>
-              </a:rPr>
-              <a:t>jg27196.t1: Pepsin A -2 </a:t>
-            </a:r>
-            <a:endParaRPr lang="zh-TW" altLang="en-US" dirty="0">
-              <a:solidFill>
-                <a:schemeClr val="accent1">
-                  <a:lumMod val="75000"/>
-                </a:schemeClr>
-              </a:solidFill>
-            </a:endParaRPr>
-          </a:p>
-        </p:txBody>
-      </p:sp>
-      <p:sp>
-        <p:nvSpPr>
-          <p:cNvPr id="89" name="文字方塊 88">
-            <a:extLst>
-              <a:ext uri="{FF2B5EF4-FFF2-40B4-BE49-F238E27FC236}">
-                <a16:creationId xmlns:a16="http://schemas.microsoft.com/office/drawing/2014/main" id="{BE7205FA-4432-6033-20C6-CAE7F0F74829}"/>
-              </a:ext>
-            </a:extLst>
-          </p:cNvPr>
-          <p:cNvSpPr txBox="1"/>
-          <p:nvPr/>
-        </p:nvSpPr>
-        <p:spPr>
-          <a:xfrm>
-            <a:off x="5248802" y="5240880"/>
-            <a:ext cx="2394762" cy="307777"/>
-          </a:xfrm>
-          <a:prstGeom prst="rect">
-            <a:avLst/>
-          </a:prstGeom>
-          <a:noFill/>
-        </p:spPr>
-        <p:txBody>
-          <a:bodyPr wrap="square">
-            <a:spAutoFit/>
-          </a:bodyPr>
-          <a:lstStyle/>
-          <a:p>
-            <a:r>
-              <a:rPr lang="en-US" altLang="zh-TW" sz="1400" dirty="0">
-                <a:solidFill>
-                  <a:schemeClr val="accent2">
-                    <a:lumMod val="60000"/>
-                    <a:lumOff val="40000"/>
-                  </a:schemeClr>
-                </a:solidFill>
-              </a:rPr>
-              <a:t>jg27195.t1:polycystin-1-like</a:t>
-            </a:r>
-            <a:endParaRPr lang="zh-TW" altLang="en-US" sz="1400" dirty="0">
-              <a:solidFill>
-                <a:schemeClr val="accent2">
-                  <a:lumMod val="60000"/>
-                  <a:lumOff val="40000"/>
-                </a:schemeClr>
-              </a:solidFill>
-            </a:endParaRPr>
-          </a:p>
-        </p:txBody>
-      </p:sp>
-      <p:sp>
-        <p:nvSpPr>
-          <p:cNvPr id="90" name="文字方塊 89">
-            <a:extLst>
-              <a:ext uri="{FF2B5EF4-FFF2-40B4-BE49-F238E27FC236}">
-                <a16:creationId xmlns:a16="http://schemas.microsoft.com/office/drawing/2014/main" id="{E27C7F14-816F-13E2-01A2-0F0898F992BE}"/>
-              </a:ext>
-            </a:extLst>
-          </p:cNvPr>
-          <p:cNvSpPr txBox="1"/>
-          <p:nvPr/>
-        </p:nvSpPr>
-        <p:spPr>
-          <a:xfrm>
-            <a:off x="6918251" y="4571457"/>
-            <a:ext cx="2624468" cy="738664"/>
-          </a:xfrm>
-          <a:prstGeom prst="rect">
-            <a:avLst/>
-          </a:prstGeom>
-          <a:noFill/>
-        </p:spPr>
-        <p:txBody>
-          <a:bodyPr wrap="square">
-            <a:spAutoFit/>
-          </a:bodyPr>
-          <a:lstStyle/>
-          <a:p>
-            <a:r>
-              <a:rPr lang="en-US" altLang="zh-TW" sz="1400" dirty="0">
-                <a:solidFill>
-                  <a:schemeClr val="accent2">
-                    <a:lumMod val="60000"/>
-                    <a:lumOff val="40000"/>
-                  </a:schemeClr>
-                </a:solidFill>
-              </a:rPr>
-              <a:t>GENE_26754 : spermatogenesis-associated protein 20</a:t>
             </a:r>
             <a:endParaRPr lang="zh-TW" altLang="en-US" sz="1400" dirty="0">
               <a:solidFill>

--- a/synteny.pptx
+++ b/synteny.pptx
@@ -201,7 +201,7 @@
           <a:p>
             <a:fld id="{2AF60416-5E6B-4626-B4BA-335673BEC8EA}" type="datetimeFigureOut">
               <a:rPr lang="zh-TW" altLang="en-US" smtClean="0"/>
-              <a:t>2024/11/3</a:t>
+              <a:t>2024/11/4</a:t>
             </a:fld>
             <a:endParaRPr lang="zh-TW" altLang="en-US"/>
           </a:p>
@@ -699,7 +699,7 @@
           <a:p>
             <a:fld id="{EC5D5901-00D9-4DE9-BB38-AE3383FB48B5}" type="datetimeFigureOut">
               <a:rPr lang="zh-TW" altLang="en-US" smtClean="0"/>
-              <a:t>2024/11/3</a:t>
+              <a:t>2024/11/4</a:t>
             </a:fld>
             <a:endParaRPr lang="zh-TW" altLang="en-US"/>
           </a:p>
@@ -897,7 +897,7 @@
           <a:p>
             <a:fld id="{EC5D5901-00D9-4DE9-BB38-AE3383FB48B5}" type="datetimeFigureOut">
               <a:rPr lang="zh-TW" altLang="en-US" smtClean="0"/>
-              <a:t>2024/11/3</a:t>
+              <a:t>2024/11/4</a:t>
             </a:fld>
             <a:endParaRPr lang="zh-TW" altLang="en-US"/>
           </a:p>
@@ -1105,7 +1105,7 @@
           <a:p>
             <a:fld id="{EC5D5901-00D9-4DE9-BB38-AE3383FB48B5}" type="datetimeFigureOut">
               <a:rPr lang="zh-TW" altLang="en-US" smtClean="0"/>
-              <a:t>2024/11/3</a:t>
+              <a:t>2024/11/4</a:t>
             </a:fld>
             <a:endParaRPr lang="zh-TW" altLang="en-US"/>
           </a:p>
@@ -1303,7 +1303,7 @@
           <a:p>
             <a:fld id="{EC5D5901-00D9-4DE9-BB38-AE3383FB48B5}" type="datetimeFigureOut">
               <a:rPr lang="zh-TW" altLang="en-US" smtClean="0"/>
-              <a:t>2024/11/3</a:t>
+              <a:t>2024/11/4</a:t>
             </a:fld>
             <a:endParaRPr lang="zh-TW" altLang="en-US"/>
           </a:p>
@@ -1578,7 +1578,7 @@
           <a:p>
             <a:fld id="{EC5D5901-00D9-4DE9-BB38-AE3383FB48B5}" type="datetimeFigureOut">
               <a:rPr lang="zh-TW" altLang="en-US" smtClean="0"/>
-              <a:t>2024/11/3</a:t>
+              <a:t>2024/11/4</a:t>
             </a:fld>
             <a:endParaRPr lang="zh-TW" altLang="en-US"/>
           </a:p>
@@ -1843,7 +1843,7 @@
           <a:p>
             <a:fld id="{EC5D5901-00D9-4DE9-BB38-AE3383FB48B5}" type="datetimeFigureOut">
               <a:rPr lang="zh-TW" altLang="en-US" smtClean="0"/>
-              <a:t>2024/11/3</a:t>
+              <a:t>2024/11/4</a:t>
             </a:fld>
             <a:endParaRPr lang="zh-TW" altLang="en-US"/>
           </a:p>
@@ -2255,7 +2255,7 @@
           <a:p>
             <a:fld id="{EC5D5901-00D9-4DE9-BB38-AE3383FB48B5}" type="datetimeFigureOut">
               <a:rPr lang="zh-TW" altLang="en-US" smtClean="0"/>
-              <a:t>2024/11/3</a:t>
+              <a:t>2024/11/4</a:t>
             </a:fld>
             <a:endParaRPr lang="zh-TW" altLang="en-US"/>
           </a:p>
@@ -2396,7 +2396,7 @@
           <a:p>
             <a:fld id="{EC5D5901-00D9-4DE9-BB38-AE3383FB48B5}" type="datetimeFigureOut">
               <a:rPr lang="zh-TW" altLang="en-US" smtClean="0"/>
-              <a:t>2024/11/3</a:t>
+              <a:t>2024/11/4</a:t>
             </a:fld>
             <a:endParaRPr lang="zh-TW" altLang="en-US"/>
           </a:p>
@@ -2509,7 +2509,7 @@
           <a:p>
             <a:fld id="{EC5D5901-00D9-4DE9-BB38-AE3383FB48B5}" type="datetimeFigureOut">
               <a:rPr lang="zh-TW" altLang="en-US" smtClean="0"/>
-              <a:t>2024/11/3</a:t>
+              <a:t>2024/11/4</a:t>
             </a:fld>
             <a:endParaRPr lang="zh-TW" altLang="en-US"/>
           </a:p>
@@ -2820,7 +2820,7 @@
           <a:p>
             <a:fld id="{EC5D5901-00D9-4DE9-BB38-AE3383FB48B5}" type="datetimeFigureOut">
               <a:rPr lang="zh-TW" altLang="en-US" smtClean="0"/>
-              <a:t>2024/11/3</a:t>
+              <a:t>2024/11/4</a:t>
             </a:fld>
             <a:endParaRPr lang="zh-TW" altLang="en-US"/>
           </a:p>
@@ -3108,7 +3108,7 @@
           <a:p>
             <a:fld id="{EC5D5901-00D9-4DE9-BB38-AE3383FB48B5}" type="datetimeFigureOut">
               <a:rPr lang="zh-TW" altLang="en-US" smtClean="0"/>
-              <a:t>2024/11/3</a:t>
+              <a:t>2024/11/4</a:t>
             </a:fld>
             <a:endParaRPr lang="zh-TW" altLang="en-US"/>
           </a:p>
@@ -3349,7 +3349,7 @@
           <a:p>
             <a:fld id="{EC5D5901-00D9-4DE9-BB38-AE3383FB48B5}" type="datetimeFigureOut">
               <a:rPr lang="zh-TW" altLang="en-US" smtClean="0"/>
-              <a:t>2024/11/3</a:t>
+              <a:t>2024/11/4</a:t>
             </a:fld>
             <a:endParaRPr lang="zh-TW" altLang="en-US"/>
           </a:p>
@@ -4387,8 +4387,8 @@
         </p:nvSpPr>
         <p:spPr>
           <a:xfrm>
-            <a:off x="6663971" y="1167996"/>
-            <a:ext cx="1481450" cy="523220"/>
+            <a:off x="6341271" y="1170574"/>
+            <a:ext cx="2013090" cy="338554"/>
           </a:xfrm>
           <a:prstGeom prst="rect">
             <a:avLst/>
@@ -4402,16 +4402,16 @@
           <a:lstStyle/>
           <a:p>
             <a:r>
-              <a:rPr lang="en-US" altLang="zh-TW" sz="1400" dirty="0">
+              <a:rPr lang="en-US" altLang="zh-TW" sz="1600" dirty="0">
                 <a:solidFill>
                   <a:schemeClr val="accent1">
                     <a:lumMod val="50000"/>
                   </a:schemeClr>
                 </a:solidFill>
               </a:rPr>
-              <a:t>g20409: chitinase-like</a:t>
-            </a:r>
-            <a:endParaRPr lang="zh-TW" altLang="en-US" sz="1400" dirty="0">
+              <a:t>g20409: CHIO-I</a:t>
+            </a:r>
+            <a:endParaRPr lang="zh-TW" altLang="en-US" sz="1600" dirty="0">
               <a:solidFill>
                 <a:schemeClr val="accent1">
                   <a:lumMod val="50000"/>
@@ -4436,7 +4436,7 @@
         <p:spPr>
           <a:xfrm>
             <a:off x="3703078" y="1240918"/>
-            <a:ext cx="1799303" cy="369332"/>
+            <a:ext cx="1799303" cy="338554"/>
           </a:xfrm>
           <a:prstGeom prst="rect">
             <a:avLst/>
@@ -4449,58 +4449,18 @@
           </a:bodyPr>
           <a:lstStyle/>
           <a:p>
-            <a:r>
-              <a:rPr lang="zh-TW" altLang="en-US" dirty="0">
+            <a:pPr algn="ctr"/>
+            <a:r>
+              <a:rPr lang="en-US" altLang="zh-TW" sz="1600" dirty="0">
                 <a:solidFill>
                   <a:schemeClr val="accent1">
                     <a:lumMod val="50000"/>
                   </a:schemeClr>
                 </a:solidFill>
               </a:rPr>
-              <a:t>chitinase-like</a:t>
-            </a:r>
-          </a:p>
-        </p:txBody>
-      </p:sp>
-      <p:sp>
-        <p:nvSpPr>
-          <p:cNvPr id="33" name="文字方塊 32">
-            <a:extLst>
-              <a:ext uri="{FF2B5EF4-FFF2-40B4-BE49-F238E27FC236}">
-                <a16:creationId xmlns:a16="http://schemas.microsoft.com/office/drawing/2014/main" id="{885FBAD0-1858-240E-9ACC-993AF047EEF5}"/>
-              </a:ext>
-            </a:extLst>
-          </p:cNvPr>
-          <p:cNvSpPr txBox="1"/>
-          <p:nvPr/>
-        </p:nvSpPr>
-        <p:spPr>
-          <a:xfrm>
-            <a:off x="7458089" y="884773"/>
-            <a:ext cx="1606791" cy="523220"/>
-          </a:xfrm>
-          <a:prstGeom prst="rect">
-            <a:avLst/>
-          </a:prstGeom>
-          <a:noFill/>
-        </p:spPr>
-        <p:txBody>
-          <a:bodyPr wrap="square">
-            <a:spAutoFit/>
-          </a:bodyPr>
-          <a:lstStyle/>
-          <a:p>
-            <a:r>
-              <a:rPr lang="en-US" altLang="zh-TW" sz="1400" dirty="0">
-                <a:solidFill>
-                  <a:schemeClr val="accent1">
-                    <a:lumMod val="50000"/>
-                  </a:schemeClr>
-                </a:solidFill>
-              </a:rPr>
-              <a:t>g20410: chitinase-like</a:t>
-            </a:r>
-            <a:endParaRPr lang="zh-TW" altLang="en-US" sz="1400" dirty="0">
+              <a:t>g20404: CHI-A</a:t>
+            </a:r>
+            <a:endParaRPr lang="zh-TW" altLang="en-US" sz="1600" dirty="0">
               <a:solidFill>
                 <a:schemeClr val="accent1">
                   <a:lumMod val="50000"/>
@@ -5182,8 +5142,8 @@
         </p:nvSpPr>
         <p:spPr>
           <a:xfrm>
-            <a:off x="6663972" y="3655791"/>
-            <a:ext cx="1496660" cy="523220"/>
+            <a:off x="6576370" y="3664593"/>
+            <a:ext cx="1763437" cy="338554"/>
           </a:xfrm>
           <a:prstGeom prst="rect">
             <a:avLst/>
@@ -5197,16 +5157,16 @@
           <a:lstStyle/>
           <a:p>
             <a:r>
-              <a:rPr lang="en-US" altLang="zh-TW" sz="1400" dirty="0">
+              <a:rPr lang="en-US" altLang="zh-TW" sz="1600" dirty="0">
                 <a:solidFill>
                   <a:schemeClr val="accent1">
                     <a:lumMod val="50000"/>
                   </a:schemeClr>
                 </a:solidFill>
               </a:rPr>
-              <a:t>jg22449: chitinase-like</a:t>
-            </a:r>
-            <a:endParaRPr lang="zh-TW" altLang="en-US" sz="1400" dirty="0">
+              <a:t>jg22449: CHIO-I</a:t>
+            </a:r>
+            <a:endParaRPr lang="zh-TW" altLang="en-US" sz="1600" dirty="0">
               <a:solidFill>
                 <a:schemeClr val="accent1">
                   <a:lumMod val="50000"/>
@@ -5231,7 +5191,7 @@
         <p:spPr>
           <a:xfrm>
             <a:off x="7659795" y="3342269"/>
-            <a:ext cx="1405085" cy="523220"/>
+            <a:ext cx="1901904" cy="338554"/>
           </a:xfrm>
           <a:prstGeom prst="rect">
             <a:avLst/>
@@ -5245,16 +5205,16 @@
           <a:lstStyle/>
           <a:p>
             <a:r>
-              <a:rPr lang="en-US" altLang="zh-TW" sz="1400" dirty="0">
+              <a:rPr lang="en-US" altLang="zh-TW" sz="1600" dirty="0">
                 <a:solidFill>
                   <a:schemeClr val="accent1">
                     <a:lumMod val="50000"/>
                   </a:schemeClr>
                 </a:solidFill>
               </a:rPr>
-              <a:t>jg22450: chitinase-like</a:t>
-            </a:r>
-            <a:endParaRPr lang="zh-TW" altLang="en-US" sz="1400" dirty="0">
+              <a:t>jg22450: CHIO-I</a:t>
+            </a:r>
+            <a:endParaRPr lang="zh-TW" altLang="en-US" sz="1600" dirty="0">
               <a:solidFill>
                 <a:schemeClr val="accent1">
                   <a:lumMod val="50000"/>
@@ -5400,8 +5360,8 @@
         </p:nvSpPr>
         <p:spPr>
           <a:xfrm>
-            <a:off x="3124671" y="3747210"/>
-            <a:ext cx="2631805" cy="369332"/>
+            <a:off x="3636164" y="3747210"/>
+            <a:ext cx="1630005" cy="338554"/>
           </a:xfrm>
           <a:prstGeom prst="rect">
             <a:avLst/>
@@ -5415,7 +5375,7 @@
           <a:lstStyle/>
           <a:p>
             <a:r>
-              <a:rPr lang="en-US" altLang="zh-TW" sz="1800" dirty="0">
+              <a:rPr lang="en-US" altLang="zh-TW" sz="1600" dirty="0">
                 <a:solidFill>
                   <a:schemeClr val="tx2">
                     <a:lumMod val="90000"/>
@@ -5426,16 +5386,23 @@
               <a:t>jg22439: </a:t>
             </a:r>
             <a:r>
-              <a:rPr lang="zh-TW" altLang="en-US" dirty="0">
-                <a:solidFill>
-                  <a:schemeClr val="tx2">
-                    <a:lumMod val="90000"/>
-                    <a:lumOff val="10000"/>
+              <a:rPr lang="en-US" altLang="zh-TW" sz="1600" dirty="0">
+                <a:solidFill>
+                  <a:schemeClr val="accent1">
+                    <a:lumMod val="50000"/>
                   </a:schemeClr>
                 </a:solidFill>
               </a:rPr>
-              <a:t>chitinase-like</a:t>
-            </a:r>
+              <a:t>CHI-A</a:t>
+            </a:r>
+            <a:endParaRPr lang="zh-TW" altLang="en-US" sz="1600" dirty="0">
+              <a:solidFill>
+                <a:schemeClr val="tx2">
+                  <a:lumMod val="90000"/>
+                  <a:lumOff val="10000"/>
+                </a:schemeClr>
+              </a:solidFill>
+            </a:endParaRPr>
           </a:p>
         </p:txBody>
       </p:sp>
@@ -5621,6 +5588,54 @@
                 <a:schemeClr val="accent2">
                   <a:lumMod val="60000"/>
                   <a:lumOff val="40000"/>
+                </a:schemeClr>
+              </a:solidFill>
+            </a:endParaRPr>
+          </a:p>
+        </p:txBody>
+      </p:sp>
+      <p:sp>
+        <p:nvSpPr>
+          <p:cNvPr id="6" name="文字方塊 5">
+            <a:extLst>
+              <a:ext uri="{FF2B5EF4-FFF2-40B4-BE49-F238E27FC236}">
+                <a16:creationId xmlns:a16="http://schemas.microsoft.com/office/drawing/2014/main" id="{DE6D5306-241C-9406-84B2-9D28407473AE}"/>
+              </a:ext>
+            </a:extLst>
+          </p:cNvPr>
+          <p:cNvSpPr txBox="1"/>
+          <p:nvPr/>
+        </p:nvSpPr>
+        <p:spPr>
+          <a:xfrm>
+            <a:off x="7482379" y="798329"/>
+            <a:ext cx="2013090" cy="338554"/>
+          </a:xfrm>
+          <a:prstGeom prst="rect">
+            <a:avLst/>
+          </a:prstGeom>
+          <a:noFill/>
+        </p:spPr>
+        <p:txBody>
+          <a:bodyPr wrap="square">
+            <a:spAutoFit/>
+          </a:bodyPr>
+          <a:lstStyle/>
+          <a:p>
+            <a:r>
+              <a:rPr lang="en-US" altLang="zh-TW" sz="1600" dirty="0">
+                <a:solidFill>
+                  <a:schemeClr val="accent1">
+                    <a:lumMod val="50000"/>
+                  </a:schemeClr>
+                </a:solidFill>
+              </a:rPr>
+              <a:t>g20410: CHIO-I</a:t>
+            </a:r>
+            <a:endParaRPr lang="zh-TW" altLang="en-US" sz="1600" dirty="0">
+              <a:solidFill>
+                <a:schemeClr val="accent1">
+                  <a:lumMod val="50000"/>
                 </a:schemeClr>
               </a:solidFill>
             </a:endParaRPr>
@@ -5673,7 +5688,7 @@
         </p:nvCxnSpPr>
         <p:spPr>
           <a:xfrm>
-            <a:off x="4011562" y="1855521"/>
+            <a:off x="4011562" y="1861480"/>
             <a:ext cx="4503172" cy="0"/>
           </a:xfrm>
           <a:prstGeom prst="line">
@@ -5745,7 +5760,7 @@
         </p:nvSpPr>
         <p:spPr>
           <a:xfrm rot="10800000">
-            <a:off x="5489166" y="1670854"/>
+            <a:off x="5489166" y="1676816"/>
             <a:ext cx="551834" cy="369329"/>
           </a:xfrm>
           <a:prstGeom prst="leftArrow">
@@ -5791,7 +5806,7 @@
         </p:nvSpPr>
         <p:spPr>
           <a:xfrm>
-            <a:off x="4648046" y="1664897"/>
+            <a:off x="4648046" y="1676816"/>
             <a:ext cx="551834" cy="369329"/>
           </a:xfrm>
           <a:prstGeom prst="leftArrow">
@@ -5835,7 +5850,7 @@
         </p:nvSpPr>
         <p:spPr>
           <a:xfrm>
-            <a:off x="6330286" y="1688735"/>
+            <a:off x="6330286" y="1676816"/>
             <a:ext cx="551834" cy="369329"/>
           </a:xfrm>
           <a:prstGeom prst="leftArrow">
@@ -5879,7 +5894,7 @@
         </p:nvSpPr>
         <p:spPr>
           <a:xfrm>
-            <a:off x="4257369" y="2158881"/>
+            <a:off x="4063028" y="2144990"/>
             <a:ext cx="1563472" cy="738664"/>
           </a:xfrm>
           <a:prstGeom prst="rect">
@@ -5929,7 +5944,7 @@
         </p:nvSpPr>
         <p:spPr>
           <a:xfrm>
-            <a:off x="6026416" y="2144990"/>
+            <a:off x="6342736" y="2144990"/>
             <a:ext cx="3206073" cy="738664"/>
           </a:xfrm>
           <a:prstGeom prst="rect">
@@ -6057,7 +6072,7 @@
         </p:nvCxnSpPr>
         <p:spPr>
           <a:xfrm>
-            <a:off x="4036143" y="4230016"/>
+            <a:off x="4036143" y="4229841"/>
             <a:ext cx="4503172" cy="0"/>
           </a:xfrm>
           <a:prstGeom prst="line">
@@ -6138,7 +6153,7 @@
         </p:nvSpPr>
         <p:spPr>
           <a:xfrm rot="10800000">
-            <a:off x="5420493" y="4042373"/>
+            <a:off x="5489166" y="4045176"/>
             <a:ext cx="551834" cy="369329"/>
           </a:xfrm>
           <a:prstGeom prst="leftArrow">
@@ -6184,7 +6199,7 @@
         </p:nvSpPr>
         <p:spPr>
           <a:xfrm>
-            <a:off x="4648046" y="4035574"/>
+            <a:off x="4648046" y="4045177"/>
             <a:ext cx="551834" cy="369329"/>
           </a:xfrm>
           <a:prstGeom prst="leftArrow">
@@ -6228,7 +6243,7 @@
         </p:nvSpPr>
         <p:spPr>
           <a:xfrm>
-            <a:off x="6330286" y="4054779"/>
+            <a:off x="6330286" y="4045177"/>
             <a:ext cx="551834" cy="369329"/>
           </a:xfrm>
           <a:prstGeom prst="leftArrow">
@@ -6272,7 +6287,7 @@
         </p:nvSpPr>
         <p:spPr>
           <a:xfrm>
-            <a:off x="4063028" y="4593388"/>
+            <a:off x="4063028" y="4522730"/>
             <a:ext cx="1405085" cy="738664"/>
           </a:xfrm>
           <a:prstGeom prst="rect">
@@ -6322,7 +6337,7 @@
         </p:nvSpPr>
         <p:spPr>
           <a:xfrm>
-            <a:off x="5831458" y="4522730"/>
+            <a:off x="6342736" y="4522730"/>
             <a:ext cx="3145394" cy="738664"/>
           </a:xfrm>
           <a:prstGeom prst="rect">
@@ -6460,7 +6475,7 @@
         <p:spPr>
           <a:xfrm>
             <a:off x="4761062" y="876865"/>
-            <a:ext cx="2308575" cy="923330"/>
+            <a:ext cx="4392770" cy="584775"/>
           </a:xfrm>
           <a:prstGeom prst="rect">
             <a:avLst/>
@@ -6474,17 +6489,17 @@
           <a:lstStyle/>
           <a:p>
             <a:r>
-              <a:rPr lang="en-US" altLang="zh-TW" dirty="0">
+              <a:rPr lang="en-US" altLang="zh-TW" sz="1600" dirty="0">
                 <a:solidFill>
                   <a:schemeClr val="accent1">
                     <a:lumMod val="50000"/>
                   </a:schemeClr>
                 </a:solidFill>
               </a:rPr>
-              <a:t>g16524: </a:t>
-            </a:r>
-            <a:r>
-              <a:rPr lang="zh-TW" altLang="en-US" dirty="0">
+              <a:t>g16524: CHID 1 (</a:t>
+            </a:r>
+            <a:r>
+              <a:rPr lang="zh-TW" altLang="en-US" sz="1600" dirty="0">
                 <a:solidFill>
                   <a:schemeClr val="accent1">
                     <a:lumMod val="50000"/>
@@ -6493,6 +6508,23 @@
               </a:rPr>
               <a:t>chitinase domain-containing protein 1</a:t>
             </a:r>
+            <a:r>
+              <a:rPr lang="en-US" altLang="zh-TW" sz="1600" dirty="0">
+                <a:solidFill>
+                  <a:schemeClr val="accent1">
+                    <a:lumMod val="50000"/>
+                  </a:schemeClr>
+                </a:solidFill>
+              </a:rPr>
+              <a:t>)</a:t>
+            </a:r>
+            <a:endParaRPr lang="zh-TW" altLang="en-US" sz="1600" dirty="0">
+              <a:solidFill>
+                <a:schemeClr val="accent1">
+                  <a:lumMod val="50000"/>
+                </a:schemeClr>
+              </a:solidFill>
+            </a:endParaRPr>
           </a:p>
         </p:txBody>
       </p:sp>
@@ -6510,8 +6542,8 @@
         </p:nvSpPr>
         <p:spPr>
           <a:xfrm>
-            <a:off x="4677170" y="3278216"/>
-            <a:ext cx="2308575" cy="923330"/>
+            <a:off x="4678202" y="3347964"/>
+            <a:ext cx="4407836" cy="584775"/>
           </a:xfrm>
           <a:prstGeom prst="rect">
             <a:avLst/>
@@ -6525,17 +6557,17 @@
           <a:lstStyle/>
           <a:p>
             <a:r>
-              <a:rPr lang="en-US" altLang="zh-TW" dirty="0">
+              <a:rPr lang="en-US" altLang="zh-TW" sz="1600" dirty="0">
                 <a:solidFill>
                   <a:schemeClr val="accent1">
                     <a:lumMod val="50000"/>
                   </a:schemeClr>
                 </a:solidFill>
               </a:rPr>
-              <a:t>jg10722: </a:t>
-            </a:r>
-            <a:r>
-              <a:rPr lang="zh-TW" altLang="en-US" dirty="0">
+              <a:t>jg10722: CHID 1 (</a:t>
+            </a:r>
+            <a:r>
+              <a:rPr lang="zh-TW" altLang="en-US" sz="1600" dirty="0">
                 <a:solidFill>
                   <a:schemeClr val="accent1">
                     <a:lumMod val="50000"/>
@@ -6544,6 +6576,23 @@
               </a:rPr>
               <a:t>chitinase domain-containing protein 1</a:t>
             </a:r>
+            <a:r>
+              <a:rPr lang="en-US" altLang="zh-TW" sz="1600" dirty="0">
+                <a:solidFill>
+                  <a:schemeClr val="accent1">
+                    <a:lumMod val="50000"/>
+                  </a:schemeClr>
+                </a:solidFill>
+              </a:rPr>
+              <a:t>)</a:t>
+            </a:r>
+            <a:endParaRPr lang="zh-TW" altLang="en-US" sz="1600" dirty="0">
+              <a:solidFill>
+                <a:schemeClr val="accent1">
+                  <a:lumMod val="50000"/>
+                </a:schemeClr>
+              </a:solidFill>
+            </a:endParaRPr>
           </a:p>
         </p:txBody>
       </p:sp>
@@ -7252,7 +7301,7 @@
         </p:nvSpPr>
         <p:spPr>
           <a:xfrm>
-            <a:off x="3995447" y="5231861"/>
+            <a:off x="3995447" y="5225363"/>
             <a:ext cx="1141766" cy="1384995"/>
           </a:xfrm>
           <a:prstGeom prst="rect">
@@ -7396,7 +7445,7 @@
         </p:nvSpPr>
         <p:spPr>
           <a:xfrm>
-            <a:off x="2363431" y="3976219"/>
+            <a:off x="2836935" y="4388524"/>
             <a:ext cx="2702791" cy="338554"/>
           </a:xfrm>
           <a:prstGeom prst="rect">
@@ -7418,7 +7467,7 @@
                   </a:schemeClr>
                 </a:solidFill>
               </a:rPr>
-              <a:t>jg14608:</a:t>
+              <a:t>jg14608: CHI-A</a:t>
             </a:r>
             <a:endParaRPr lang="zh-TW" altLang="en-US" sz="1600" dirty="0">
               <a:solidFill>
@@ -7444,8 +7493,8 @@
         </p:nvSpPr>
         <p:spPr>
           <a:xfrm>
-            <a:off x="3066592" y="1391592"/>
-            <a:ext cx="1677000" cy="369332"/>
+            <a:off x="2549346" y="1439228"/>
+            <a:ext cx="1677000" cy="338554"/>
           </a:xfrm>
           <a:prstGeom prst="rect">
             <a:avLst/>
@@ -7459,16 +7508,16 @@
           <a:lstStyle/>
           <a:p>
             <a:r>
-              <a:rPr lang="en-US" altLang="zh-TW" dirty="0">
+              <a:rPr lang="en-US" altLang="zh-TW" sz="1600" dirty="0">
                 <a:solidFill>
                   <a:schemeClr val="accent1">
                     <a:lumMod val="50000"/>
                   </a:schemeClr>
                 </a:solidFill>
               </a:rPr>
-              <a:t>g14866:</a:t>
-            </a:r>
-            <a:endParaRPr lang="zh-TW" altLang="en-US" dirty="0">
+              <a:t>g14866: CHI-A</a:t>
+            </a:r>
+            <a:endParaRPr lang="zh-TW" altLang="en-US" sz="1600" dirty="0">
               <a:solidFill>
                 <a:schemeClr val="accent1">
                   <a:lumMod val="50000"/>
@@ -7966,8 +8015,8 @@
         </p:nvSpPr>
         <p:spPr>
           <a:xfrm>
-            <a:off x="8977767" y="5320069"/>
-            <a:ext cx="1659724" cy="1384995"/>
+            <a:off x="8977766" y="5320069"/>
+            <a:ext cx="1831477" cy="1384995"/>
           </a:xfrm>
           <a:prstGeom prst="rect">
             <a:avLst/>
@@ -7989,7 +8038,28 @@
                   </a:schemeClr>
                 </a:solidFill>
               </a:rPr>
-              <a:t>jg15509: acidic mammalian chitinase-like isoform X1 //chitotriosidase-1-like isoform X1 </a:t>
+              <a:t>jg15509: </a:t>
+            </a:r>
+            <a:r>
+              <a:rPr lang="en-US" altLang="zh-TW" sz="1400" dirty="0">
+                <a:solidFill>
+                  <a:schemeClr val="accent1">
+                    <a:lumMod val="50000"/>
+                  </a:schemeClr>
+                </a:solidFill>
+              </a:rPr>
+              <a:t>CHIO-I  //</a:t>
+            </a:r>
+            <a:r>
+              <a:rPr lang="en-US" altLang="zh-TW" sz="1400" dirty="0">
+                <a:solidFill>
+                  <a:schemeClr val="accent2">
+                    <a:lumMod val="60000"/>
+                    <a:lumOff val="40000"/>
+                  </a:schemeClr>
+                </a:solidFill>
+              </a:rPr>
+              <a:t>acidic mammalian chitinase-like isoform X1 //chitotriosidase-1-like isoform X1 </a:t>
             </a:r>
             <a:endParaRPr lang="zh-TW" altLang="en-US" sz="1400" dirty="0">
               <a:solidFill>
@@ -8016,8 +8086,8 @@
         </p:nvSpPr>
         <p:spPr>
           <a:xfrm>
-            <a:off x="7940153" y="3831972"/>
-            <a:ext cx="1550701" cy="738664"/>
+            <a:off x="7768629" y="4244586"/>
+            <a:ext cx="1798233" cy="338554"/>
           </a:xfrm>
           <a:prstGeom prst="rect">
             <a:avLst/>
@@ -8031,16 +8101,16 @@
           <a:lstStyle/>
           <a:p>
             <a:r>
-              <a:rPr lang="en-US" altLang="zh-TW" sz="1400" dirty="0">
+              <a:rPr lang="en-US" altLang="zh-TW" sz="1600" dirty="0">
                 <a:solidFill>
                   <a:schemeClr val="accent1">
                     <a:lumMod val="50000"/>
                   </a:schemeClr>
                 </a:solidFill>
               </a:rPr>
-              <a:t>jg15508: acidic mammalian chitinase-like</a:t>
-            </a:r>
-            <a:endParaRPr lang="zh-TW" altLang="en-US" sz="1400" dirty="0">
+              <a:t>jg15508: CHIO-II</a:t>
+            </a:r>
+            <a:endParaRPr lang="zh-TW" altLang="en-US" sz="1600" dirty="0">
               <a:solidFill>
                 <a:schemeClr val="accent1">
                   <a:lumMod val="50000"/>
@@ -8156,7 +8226,7 @@
         </p:nvSpPr>
         <p:spPr>
           <a:xfrm>
-            <a:off x="3401045" y="4184347"/>
+            <a:off x="3508073" y="3977369"/>
             <a:ext cx="2702791" cy="338554"/>
           </a:xfrm>
           <a:prstGeom prst="rect">
@@ -8178,7 +8248,7 @@
                   </a:schemeClr>
                 </a:solidFill>
               </a:rPr>
-              <a:t>jg14609:</a:t>
+              <a:t>jg14609: CHI-A</a:t>
             </a:r>
             <a:endParaRPr lang="zh-TW" altLang="en-US" sz="1600" dirty="0">
               <a:solidFill>
@@ -8204,8 +8274,8 @@
         </p:nvSpPr>
         <p:spPr>
           <a:xfrm>
-            <a:off x="3748104" y="1007070"/>
-            <a:ext cx="1677000" cy="369332"/>
+            <a:off x="3460213" y="1009972"/>
+            <a:ext cx="1677000" cy="338554"/>
           </a:xfrm>
           <a:prstGeom prst="rect">
             <a:avLst/>
@@ -8219,16 +8289,16 @@
           <a:lstStyle/>
           <a:p>
             <a:r>
-              <a:rPr lang="en-US" altLang="zh-TW" dirty="0">
+              <a:rPr lang="en-US" altLang="zh-TW" sz="1600" dirty="0">
                 <a:solidFill>
                   <a:schemeClr val="accent1">
                     <a:lumMod val="50000"/>
                   </a:schemeClr>
                 </a:solidFill>
               </a:rPr>
-              <a:t>g14867:</a:t>
-            </a:r>
-            <a:endParaRPr lang="zh-TW" altLang="en-US" dirty="0">
+              <a:t>g14867: CHI-A</a:t>
+            </a:r>
+            <a:endParaRPr lang="zh-TW" altLang="en-US" sz="1600" dirty="0">
               <a:solidFill>
                 <a:schemeClr val="accent1">
                   <a:lumMod val="50000"/>
@@ -8252,7 +8322,7 @@
         </p:nvSpPr>
         <p:spPr>
           <a:xfrm>
-            <a:off x="5089342" y="5290751"/>
+            <a:off x="5089342" y="5225363"/>
             <a:ext cx="1340954" cy="1384995"/>
           </a:xfrm>
           <a:prstGeom prst="rect">
@@ -8391,7 +8461,7 @@
         <p:spPr>
           <a:xfrm>
             <a:off x="4984593" y="3020893"/>
-            <a:ext cx="1522158" cy="366871"/>
+            <a:ext cx="1522158" cy="307777"/>
           </a:xfrm>
           <a:prstGeom prst="rect">
             <a:avLst/>
@@ -8405,7 +8475,7 @@
           <a:lstStyle/>
           <a:p>
             <a:r>
-              <a:rPr lang="en-US" altLang="zh-TW" sz="1800" dirty="0">
+              <a:rPr lang="en-US" altLang="zh-TW" sz="1400" dirty="0">
                 <a:solidFill>
                   <a:schemeClr val="accent2">
                     <a:lumMod val="60000"/>
@@ -8415,7 +8485,7 @@
               </a:rPr>
               <a:t>g14869: </a:t>
             </a:r>
-            <a:endParaRPr lang="zh-TW" altLang="en-US" dirty="0"/>
+            <a:endParaRPr lang="zh-TW" altLang="en-US" sz="1400" dirty="0"/>
           </a:p>
         </p:txBody>
       </p:sp>
@@ -8433,8 +8503,8 @@
         </p:nvSpPr>
         <p:spPr>
           <a:xfrm>
-            <a:off x="9249242" y="1086436"/>
-            <a:ext cx="1939867" cy="738664"/>
+            <a:off x="9249242" y="1353387"/>
+            <a:ext cx="1939867" cy="338554"/>
           </a:xfrm>
           <a:prstGeom prst="rect">
             <a:avLst/>
@@ -8448,16 +8518,16 @@
           <a:lstStyle/>
           <a:p>
             <a:r>
-              <a:rPr lang="en-US" altLang="zh-TW" sz="1400" dirty="0">
+              <a:rPr lang="en-US" altLang="zh-TW" sz="1600" dirty="0">
                 <a:solidFill>
                   <a:schemeClr val="accent1">
                     <a:lumMod val="50000"/>
                   </a:schemeClr>
                 </a:solidFill>
               </a:rPr>
-              <a:t>g10378: acidic mammalian chitinase-like</a:t>
-            </a:r>
-            <a:endParaRPr lang="zh-TW" altLang="en-US" sz="1400" dirty="0">
+              <a:t>g10378: CHIO-II</a:t>
+            </a:r>
+            <a:endParaRPr lang="zh-TW" altLang="en-US" sz="1600" dirty="0">
               <a:solidFill>
                 <a:schemeClr val="accent1">
                   <a:lumMod val="50000"/>
@@ -8519,49 +8589,6 @@
       </p:sp>
       <p:sp>
         <p:nvSpPr>
-          <p:cNvPr id="40" name="文字方塊 39">
-            <a:extLst>
-              <a:ext uri="{FF2B5EF4-FFF2-40B4-BE49-F238E27FC236}">
-                <a16:creationId xmlns:a16="http://schemas.microsoft.com/office/drawing/2014/main" id="{F3069559-10C2-97AD-669D-B0D33DF285C4}"/>
-              </a:ext>
-            </a:extLst>
-          </p:cNvPr>
-          <p:cNvSpPr txBox="1"/>
-          <p:nvPr/>
-        </p:nvSpPr>
-        <p:spPr>
-          <a:xfrm>
-            <a:off x="6359475" y="3031460"/>
-            <a:ext cx="2531948" cy="369332"/>
-          </a:xfrm>
-          <a:prstGeom prst="rect">
-            <a:avLst/>
-          </a:prstGeom>
-          <a:noFill/>
-        </p:spPr>
-        <p:txBody>
-          <a:bodyPr wrap="square">
-            <a:spAutoFit/>
-          </a:bodyPr>
-          <a:lstStyle/>
-          <a:p>
-            <a:r>
-              <a:rPr lang="zh-TW" altLang="en-US" dirty="0"/>
-              <a:t> </a:t>
-            </a:r>
-            <a:r>
-              <a:rPr lang="en-US" altLang="zh-TW" dirty="0"/>
-              <a:t>jg15507:</a:t>
-            </a:r>
-            <a:r>
-              <a:rPr lang="zh-TW" altLang="en-US" dirty="0"/>
-              <a:t>contactin-2</a:t>
-            </a:r>
-          </a:p>
-        </p:txBody>
-      </p:sp>
-      <p:sp>
-        <p:nvSpPr>
           <p:cNvPr id="50" name="文字方塊 49">
             <a:extLst>
               <a:ext uri="{FF2B5EF4-FFF2-40B4-BE49-F238E27FC236}">
@@ -8617,8 +8644,8 @@
         </p:nvSpPr>
         <p:spPr>
           <a:xfrm>
-            <a:off x="9297703" y="3701613"/>
-            <a:ext cx="1866417" cy="523220"/>
+            <a:off x="9193019" y="3791831"/>
+            <a:ext cx="1866417" cy="338554"/>
           </a:xfrm>
           <a:prstGeom prst="rect">
             <a:avLst/>
@@ -8632,16 +8659,16 @@
           <a:lstStyle/>
           <a:p>
             <a:r>
-              <a:rPr lang="en-US" altLang="zh-TW" sz="1400" dirty="0">
+              <a:rPr lang="en-US" altLang="zh-TW" sz="1600" dirty="0">
                 <a:solidFill>
                   <a:schemeClr val="accent1">
                     <a:lumMod val="50000"/>
                   </a:schemeClr>
                 </a:solidFill>
               </a:rPr>
-              <a:t>jg15510: chitinase-like</a:t>
-            </a:r>
-            <a:endParaRPr lang="zh-TW" altLang="en-US" sz="1400" dirty="0">
+              <a:t>jg15510: CHIO-I</a:t>
+            </a:r>
+            <a:endParaRPr lang="zh-TW" altLang="en-US" sz="1600" dirty="0">
               <a:solidFill>
                 <a:schemeClr val="accent1">
                   <a:lumMod val="50000"/>
@@ -8665,8 +8692,8 @@
         </p:nvSpPr>
         <p:spPr>
           <a:xfrm>
-            <a:off x="10156935" y="3972031"/>
-            <a:ext cx="1866417" cy="523220"/>
+            <a:off x="10219175" y="4107939"/>
+            <a:ext cx="1866417" cy="738664"/>
           </a:xfrm>
           <a:prstGeom prst="rect">
             <a:avLst/>
@@ -8687,7 +8714,7 @@
                   </a:schemeClr>
                 </a:solidFill>
               </a:rPr>
-              <a:t>Jg15511: chitinase-3-like protein 1</a:t>
+              <a:t>Jg15511: CHIO-II  (chitinase-3-like protein 1)</a:t>
             </a:r>
             <a:endParaRPr lang="zh-TW" altLang="en-US" sz="1400" dirty="0">
               <a:solidFill>
@@ -8805,8 +8832,8 @@
         </p:nvSpPr>
         <p:spPr>
           <a:xfrm>
-            <a:off x="8279696" y="446686"/>
-            <a:ext cx="1677000" cy="738664"/>
+            <a:off x="8158066" y="802770"/>
+            <a:ext cx="1677000" cy="338554"/>
           </a:xfrm>
           <a:prstGeom prst="rect">
             <a:avLst/>
@@ -8820,16 +8847,16 @@
           <a:lstStyle/>
           <a:p>
             <a:r>
-              <a:rPr lang="en-US" altLang="zh-TW" sz="1400" dirty="0">
+              <a:rPr lang="en-US" altLang="zh-TW" sz="1600" dirty="0">
                 <a:solidFill>
                   <a:schemeClr val="accent1">
                     <a:lumMod val="50000"/>
                   </a:schemeClr>
                 </a:solidFill>
               </a:rPr>
-              <a:t>g10376: acidic mammalian chitinase-like</a:t>
-            </a:r>
-            <a:endParaRPr lang="zh-TW" altLang="en-US" sz="1400" dirty="0">
+              <a:t>g10376: CHIO-I</a:t>
+            </a:r>
+            <a:endParaRPr lang="zh-TW" altLang="en-US" sz="1600" dirty="0">
               <a:solidFill>
                 <a:schemeClr val="accent1">
                   <a:lumMod val="50000"/>
@@ -8853,8 +8880,8 @@
         </p:nvSpPr>
         <p:spPr>
           <a:xfrm>
-            <a:off x="7082715" y="1077321"/>
-            <a:ext cx="1760544" cy="738664"/>
+            <a:off x="7087261" y="1353387"/>
+            <a:ext cx="1760544" cy="584775"/>
           </a:xfrm>
           <a:prstGeom prst="rect">
             <a:avLst/>
@@ -8868,16 +8895,16 @@
           <a:lstStyle/>
           <a:p>
             <a:r>
-              <a:rPr lang="en-US" altLang="zh-TW" sz="1400" dirty="0">
+              <a:rPr lang="en-US" altLang="zh-TW" sz="1600" dirty="0">
                 <a:solidFill>
                   <a:schemeClr val="accent1">
                     <a:lumMod val="50000"/>
                   </a:schemeClr>
                 </a:solidFill>
               </a:rPr>
-              <a:t>g10374  &amp; g10375: chitinase-3-like protein 1</a:t>
-            </a:r>
-            <a:endParaRPr lang="zh-TW" altLang="en-US" sz="1400" dirty="0">
+              <a:t>g10374  &amp; g10375: CHIO-II</a:t>
+            </a:r>
+            <a:endParaRPr lang="zh-TW" altLang="en-US" sz="1600" dirty="0">
               <a:solidFill>
                 <a:schemeClr val="accent1">
                   <a:lumMod val="50000"/>
@@ -8948,7 +8975,7 @@
         <p:spPr>
           <a:xfrm>
             <a:off x="8305658" y="2370880"/>
-            <a:ext cx="2182762" cy="523220"/>
+            <a:ext cx="2182762" cy="738664"/>
           </a:xfrm>
           <a:prstGeom prst="rect">
             <a:avLst/>
@@ -8970,7 +8997,28 @@
                   </a:schemeClr>
                 </a:solidFill>
               </a:rPr>
-              <a:t>g10377: chitotriosidase-1-like isoform X1</a:t>
+              <a:t>g10377: </a:t>
+            </a:r>
+            <a:r>
+              <a:rPr lang="en-US" altLang="zh-TW" sz="1400" dirty="0">
+                <a:solidFill>
+                  <a:schemeClr val="accent1">
+                    <a:lumMod val="50000"/>
+                  </a:schemeClr>
+                </a:solidFill>
+              </a:rPr>
+              <a:t>CHIO-I </a:t>
+            </a:r>
+            <a:r>
+              <a:rPr lang="en-US" altLang="zh-TW" sz="1400" dirty="0">
+                <a:solidFill>
+                  <a:schemeClr val="accent2">
+                    <a:lumMod val="60000"/>
+                    <a:lumOff val="40000"/>
+                  </a:schemeClr>
+                </a:solidFill>
+              </a:rPr>
+              <a:t>// chitotriosidase-1-like isoform X1</a:t>
             </a:r>
             <a:endParaRPr lang="zh-TW" altLang="en-US" sz="1400" dirty="0">
               <a:solidFill>
@@ -9426,7 +9474,11 @@
           <a:bodyPr/>
           <a:lstStyle/>
           <a:p>
-            <a:endParaRPr lang="zh-TW" altLang="en-US"/>
+            <a:r>
+              <a:rPr lang="en-US" altLang="zh-TW" dirty="0"/>
+              <a:t>Complex region</a:t>
+            </a:r>
+            <a:endParaRPr lang="zh-TW" altLang="en-US" dirty="0"/>
           </a:p>
         </p:txBody>
       </p:sp>

--- a/synteny.pptx
+++ b/synteny.pptx
@@ -5,7 +5,7 @@
     <p:sldMasterId id="2147483648" r:id="rId1"/>
   </p:sldMasterIdLst>
   <p:notesMasterIdLst>
-    <p:notesMasterId r:id="rId7"/>
+    <p:notesMasterId r:id="rId12"/>
   </p:notesMasterIdLst>
   <p:sldIdLst>
     <p:sldId id="258" r:id="rId2"/>
@@ -13,6 +13,11 @@
     <p:sldId id="260" r:id="rId4"/>
     <p:sldId id="262" r:id="rId5"/>
     <p:sldId id="261" r:id="rId6"/>
+    <p:sldId id="263" r:id="rId7"/>
+    <p:sldId id="265" r:id="rId8"/>
+    <p:sldId id="266" r:id="rId9"/>
+    <p:sldId id="267" r:id="rId10"/>
+    <p:sldId id="268" r:id="rId11"/>
   </p:sldIdLst>
   <p:sldSz cx="12192000" cy="6858000"/>
   <p:notesSz cx="6858000" cy="9144000"/>
@@ -201,7 +206,7 @@
           <a:p>
             <a:fld id="{2AF60416-5E6B-4626-B4BA-335673BEC8EA}" type="datetimeFigureOut">
               <a:rPr lang="zh-TW" altLang="en-US" smtClean="0"/>
-              <a:t>2024/11/4</a:t>
+              <a:t>2025/3/7</a:t>
             </a:fld>
             <a:endParaRPr lang="zh-TW" altLang="en-US"/>
           </a:p>
@@ -699,7 +704,7 @@
           <a:p>
             <a:fld id="{EC5D5901-00D9-4DE9-BB38-AE3383FB48B5}" type="datetimeFigureOut">
               <a:rPr lang="zh-TW" altLang="en-US" smtClean="0"/>
-              <a:t>2024/11/4</a:t>
+              <a:t>2025/3/7</a:t>
             </a:fld>
             <a:endParaRPr lang="zh-TW" altLang="en-US"/>
           </a:p>
@@ -897,7 +902,7 @@
           <a:p>
             <a:fld id="{EC5D5901-00D9-4DE9-BB38-AE3383FB48B5}" type="datetimeFigureOut">
               <a:rPr lang="zh-TW" altLang="en-US" smtClean="0"/>
-              <a:t>2024/11/4</a:t>
+              <a:t>2025/3/7</a:t>
             </a:fld>
             <a:endParaRPr lang="zh-TW" altLang="en-US"/>
           </a:p>
@@ -1105,7 +1110,7 @@
           <a:p>
             <a:fld id="{EC5D5901-00D9-4DE9-BB38-AE3383FB48B5}" type="datetimeFigureOut">
               <a:rPr lang="zh-TW" altLang="en-US" smtClean="0"/>
-              <a:t>2024/11/4</a:t>
+              <a:t>2025/3/7</a:t>
             </a:fld>
             <a:endParaRPr lang="zh-TW" altLang="en-US"/>
           </a:p>
@@ -1303,7 +1308,7 @@
           <a:p>
             <a:fld id="{EC5D5901-00D9-4DE9-BB38-AE3383FB48B5}" type="datetimeFigureOut">
               <a:rPr lang="zh-TW" altLang="en-US" smtClean="0"/>
-              <a:t>2024/11/4</a:t>
+              <a:t>2025/3/7</a:t>
             </a:fld>
             <a:endParaRPr lang="zh-TW" altLang="en-US"/>
           </a:p>
@@ -1578,7 +1583,7 @@
           <a:p>
             <a:fld id="{EC5D5901-00D9-4DE9-BB38-AE3383FB48B5}" type="datetimeFigureOut">
               <a:rPr lang="zh-TW" altLang="en-US" smtClean="0"/>
-              <a:t>2024/11/4</a:t>
+              <a:t>2025/3/7</a:t>
             </a:fld>
             <a:endParaRPr lang="zh-TW" altLang="en-US"/>
           </a:p>
@@ -1843,7 +1848,7 @@
           <a:p>
             <a:fld id="{EC5D5901-00D9-4DE9-BB38-AE3383FB48B5}" type="datetimeFigureOut">
               <a:rPr lang="zh-TW" altLang="en-US" smtClean="0"/>
-              <a:t>2024/11/4</a:t>
+              <a:t>2025/3/7</a:t>
             </a:fld>
             <a:endParaRPr lang="zh-TW" altLang="en-US"/>
           </a:p>
@@ -2255,7 +2260,7 @@
           <a:p>
             <a:fld id="{EC5D5901-00D9-4DE9-BB38-AE3383FB48B5}" type="datetimeFigureOut">
               <a:rPr lang="zh-TW" altLang="en-US" smtClean="0"/>
-              <a:t>2024/11/4</a:t>
+              <a:t>2025/3/7</a:t>
             </a:fld>
             <a:endParaRPr lang="zh-TW" altLang="en-US"/>
           </a:p>
@@ -2396,7 +2401,7 @@
           <a:p>
             <a:fld id="{EC5D5901-00D9-4DE9-BB38-AE3383FB48B5}" type="datetimeFigureOut">
               <a:rPr lang="zh-TW" altLang="en-US" smtClean="0"/>
-              <a:t>2024/11/4</a:t>
+              <a:t>2025/3/7</a:t>
             </a:fld>
             <a:endParaRPr lang="zh-TW" altLang="en-US"/>
           </a:p>
@@ -2509,7 +2514,7 @@
           <a:p>
             <a:fld id="{EC5D5901-00D9-4DE9-BB38-AE3383FB48B5}" type="datetimeFigureOut">
               <a:rPr lang="zh-TW" altLang="en-US" smtClean="0"/>
-              <a:t>2024/11/4</a:t>
+              <a:t>2025/3/7</a:t>
             </a:fld>
             <a:endParaRPr lang="zh-TW" altLang="en-US"/>
           </a:p>
@@ -2820,7 +2825,7 @@
           <a:p>
             <a:fld id="{EC5D5901-00D9-4DE9-BB38-AE3383FB48B5}" type="datetimeFigureOut">
               <a:rPr lang="zh-TW" altLang="en-US" smtClean="0"/>
-              <a:t>2024/11/4</a:t>
+              <a:t>2025/3/7</a:t>
             </a:fld>
             <a:endParaRPr lang="zh-TW" altLang="en-US"/>
           </a:p>
@@ -3108,7 +3113,7 @@
           <a:p>
             <a:fld id="{EC5D5901-00D9-4DE9-BB38-AE3383FB48B5}" type="datetimeFigureOut">
               <a:rPr lang="zh-TW" altLang="en-US" smtClean="0"/>
-              <a:t>2024/11/4</a:t>
+              <a:t>2025/3/7</a:t>
             </a:fld>
             <a:endParaRPr lang="zh-TW" altLang="en-US"/>
           </a:p>
@@ -3349,7 +3354,7 @@
           <a:p>
             <a:fld id="{EC5D5901-00D9-4DE9-BB38-AE3383FB48B5}" type="datetimeFigureOut">
               <a:rPr lang="zh-TW" altLang="en-US" smtClean="0"/>
-              <a:t>2024/11/4</a:t>
+              <a:t>2025/3/7</a:t>
             </a:fld>
             <a:endParaRPr lang="zh-TW" altLang="en-US"/>
           </a:p>
@@ -5655,6 +5660,868 @@
 </p:sld>
 </file>
 
+<file path=ppt/slides/slide10.xml><?xml version="1.0" encoding="utf-8"?>
+<p:sld xmlns:a="http://schemas.openxmlformats.org/drawingml/2006/main" xmlns:r="http://schemas.openxmlformats.org/officeDocument/2006/relationships" xmlns:p="http://schemas.openxmlformats.org/presentationml/2006/main">
+  <p:cSld>
+    <p:spTree>
+      <p:nvGrpSpPr>
+        <p:cNvPr id="1" name="">
+          <a:extLst>
+            <a:ext uri="{FF2B5EF4-FFF2-40B4-BE49-F238E27FC236}">
+              <a16:creationId xmlns:a16="http://schemas.microsoft.com/office/drawing/2014/main" id="{1CF1B05B-CF33-E00D-7A83-D349632CD22B}"/>
+            </a:ext>
+          </a:extLst>
+        </p:cNvPr>
+        <p:cNvGrpSpPr/>
+        <p:nvPr/>
+      </p:nvGrpSpPr>
+      <p:grpSpPr>
+        <a:xfrm>
+          <a:off x="0" y="0"/>
+          <a:ext cx="0" cy="0"/>
+          <a:chOff x="0" y="0"/>
+          <a:chExt cx="0" cy="0"/>
+        </a:xfrm>
+      </p:grpSpPr>
+      <p:sp>
+        <p:nvSpPr>
+          <p:cNvPr id="2" name="文字方塊 1">
+            <a:extLst>
+              <a:ext uri="{FF2B5EF4-FFF2-40B4-BE49-F238E27FC236}">
+                <a16:creationId xmlns:a16="http://schemas.microsoft.com/office/drawing/2014/main" id="{F036512D-C76C-06D3-A646-DF995D017CCA}"/>
+              </a:ext>
+            </a:extLst>
+          </p:cNvPr>
+          <p:cNvSpPr txBox="1"/>
+          <p:nvPr/>
+        </p:nvSpPr>
+        <p:spPr>
+          <a:xfrm>
+            <a:off x="334295" y="151998"/>
+            <a:ext cx="3970077" cy="646331"/>
+          </a:xfrm>
+          <a:prstGeom prst="rect">
+            <a:avLst/>
+          </a:prstGeom>
+          <a:noFill/>
+        </p:spPr>
+        <p:txBody>
+          <a:bodyPr wrap="square">
+            <a:spAutoFit/>
+          </a:bodyPr>
+          <a:lstStyle/>
+          <a:p>
+            <a:r>
+              <a:rPr lang="en-US" altLang="zh-TW" sz="3600" b="1" dirty="0">
+                <a:solidFill>
+                  <a:srgbClr val="000000"/>
+                </a:solidFill>
+                <a:latin typeface="Calibri" panose="020F0502020204030204" pitchFamily="34" charset="0"/>
+                <a:ea typeface="Calibri" panose="020F0502020204030204" pitchFamily="34" charset="0"/>
+                <a:cs typeface="Calibri" panose="020F0502020204030204" pitchFamily="34" charset="0"/>
+              </a:rPr>
+              <a:t>chymotrypsin</a:t>
+            </a:r>
+            <a:endParaRPr lang="zh-TW" altLang="en-US" sz="3600" dirty="0">
+              <a:latin typeface="Calibri" panose="020F0502020204030204" pitchFamily="34" charset="0"/>
+              <a:cs typeface="Calibri" panose="020F0502020204030204" pitchFamily="34" charset="0"/>
+            </a:endParaRPr>
+          </a:p>
+        </p:txBody>
+      </p:sp>
+      <p:cxnSp>
+        <p:nvCxnSpPr>
+          <p:cNvPr id="3" name="直線接點 2">
+            <a:extLst>
+              <a:ext uri="{FF2B5EF4-FFF2-40B4-BE49-F238E27FC236}">
+                <a16:creationId xmlns:a16="http://schemas.microsoft.com/office/drawing/2014/main" id="{81553DFF-A0C5-B745-0BAA-6256884038C4}"/>
+              </a:ext>
+            </a:extLst>
+          </p:cNvPr>
+          <p:cNvCxnSpPr>
+            <a:cxnSpLocks/>
+          </p:cNvCxnSpPr>
+          <p:nvPr/>
+        </p:nvCxnSpPr>
+        <p:spPr>
+          <a:xfrm>
+            <a:off x="4076089" y="2205122"/>
+            <a:ext cx="3022801" cy="0"/>
+          </a:xfrm>
+          <a:prstGeom prst="line">
+            <a:avLst/>
+          </a:prstGeom>
+          <a:ln w="76200"/>
+        </p:spPr>
+        <p:style>
+          <a:lnRef idx="2">
+            <a:schemeClr val="dk1"/>
+          </a:lnRef>
+          <a:fillRef idx="0">
+            <a:schemeClr val="dk1"/>
+          </a:fillRef>
+          <a:effectRef idx="1">
+            <a:schemeClr val="dk1"/>
+          </a:effectRef>
+          <a:fontRef idx="minor">
+            <a:schemeClr val="tx1"/>
+          </a:fontRef>
+        </p:style>
+      </p:cxnSp>
+      <p:sp>
+        <p:nvSpPr>
+          <p:cNvPr id="4" name="箭號: 向左 3">
+            <a:extLst>
+              <a:ext uri="{FF2B5EF4-FFF2-40B4-BE49-F238E27FC236}">
+                <a16:creationId xmlns:a16="http://schemas.microsoft.com/office/drawing/2014/main" id="{8022F18D-F5D9-5D49-7904-86ADD71D8ED8}"/>
+              </a:ext>
+            </a:extLst>
+          </p:cNvPr>
+          <p:cNvSpPr/>
+          <p:nvPr/>
+        </p:nvSpPr>
+        <p:spPr>
+          <a:xfrm rot="10800000">
+            <a:off x="5252440" y="2020457"/>
+            <a:ext cx="551834" cy="369329"/>
+          </a:xfrm>
+          <a:prstGeom prst="leftArrow">
+            <a:avLst/>
+          </a:prstGeom>
+        </p:spPr>
+        <p:style>
+          <a:lnRef idx="2">
+            <a:schemeClr val="accent1">
+              <a:shade val="15000"/>
+            </a:schemeClr>
+          </a:lnRef>
+          <a:fillRef idx="1">
+            <a:schemeClr val="accent1"/>
+          </a:fillRef>
+          <a:effectRef idx="0">
+            <a:schemeClr val="accent1"/>
+          </a:effectRef>
+          <a:fontRef idx="minor">
+            <a:schemeClr val="lt1"/>
+          </a:fontRef>
+        </p:style>
+        <p:txBody>
+          <a:bodyPr rtlCol="0" anchor="ctr"/>
+          <a:lstStyle/>
+          <a:p>
+            <a:pPr algn="ctr"/>
+            <a:endParaRPr lang="zh-TW" altLang="en-US"/>
+          </a:p>
+        </p:txBody>
+      </p:sp>
+      <p:sp>
+        <p:nvSpPr>
+          <p:cNvPr id="5" name="箭號: 向左 4">
+            <a:extLst>
+              <a:ext uri="{FF2B5EF4-FFF2-40B4-BE49-F238E27FC236}">
+                <a16:creationId xmlns:a16="http://schemas.microsoft.com/office/drawing/2014/main" id="{4CC3B51C-B84D-A632-1EB8-A42B35188643}"/>
+              </a:ext>
+            </a:extLst>
+          </p:cNvPr>
+          <p:cNvSpPr/>
+          <p:nvPr/>
+        </p:nvSpPr>
+        <p:spPr>
+          <a:xfrm rot="10800000">
+            <a:off x="6032703" y="2020457"/>
+            <a:ext cx="551834" cy="369329"/>
+          </a:xfrm>
+          <a:prstGeom prst="leftArrow">
+            <a:avLst/>
+          </a:prstGeom>
+        </p:spPr>
+        <p:style>
+          <a:lnRef idx="1">
+            <a:schemeClr val="accent2"/>
+          </a:lnRef>
+          <a:fillRef idx="2">
+            <a:schemeClr val="accent2"/>
+          </a:fillRef>
+          <a:effectRef idx="1">
+            <a:schemeClr val="accent2"/>
+          </a:effectRef>
+          <a:fontRef idx="minor">
+            <a:schemeClr val="dk1"/>
+          </a:fontRef>
+        </p:style>
+        <p:txBody>
+          <a:bodyPr rtlCol="0" anchor="ctr"/>
+          <a:lstStyle/>
+          <a:p>
+            <a:pPr algn="ctr"/>
+            <a:endParaRPr lang="zh-TW" altLang="en-US" dirty="0"/>
+          </a:p>
+        </p:txBody>
+      </p:sp>
+      <p:sp>
+        <p:nvSpPr>
+          <p:cNvPr id="6" name="箭號: 向左 5">
+            <a:extLst>
+              <a:ext uri="{FF2B5EF4-FFF2-40B4-BE49-F238E27FC236}">
+                <a16:creationId xmlns:a16="http://schemas.microsoft.com/office/drawing/2014/main" id="{6BB1E67E-D795-47E6-C91B-443DE5BAFA17}"/>
+              </a:ext>
+            </a:extLst>
+          </p:cNvPr>
+          <p:cNvSpPr/>
+          <p:nvPr/>
+        </p:nvSpPr>
+        <p:spPr>
+          <a:xfrm rot="10800000">
+            <a:off x="4388347" y="2020457"/>
+            <a:ext cx="551834" cy="369329"/>
+          </a:xfrm>
+          <a:prstGeom prst="leftArrow">
+            <a:avLst/>
+          </a:prstGeom>
+        </p:spPr>
+        <p:style>
+          <a:lnRef idx="1">
+            <a:schemeClr val="accent2"/>
+          </a:lnRef>
+          <a:fillRef idx="2">
+            <a:schemeClr val="accent2"/>
+          </a:fillRef>
+          <a:effectRef idx="1">
+            <a:schemeClr val="accent2"/>
+          </a:effectRef>
+          <a:fontRef idx="minor">
+            <a:schemeClr val="dk1"/>
+          </a:fontRef>
+        </p:style>
+        <p:txBody>
+          <a:bodyPr rtlCol="0" anchor="ctr"/>
+          <a:lstStyle/>
+          <a:p>
+            <a:pPr algn="ctr"/>
+            <a:endParaRPr lang="zh-TW" altLang="en-US" dirty="0"/>
+          </a:p>
+        </p:txBody>
+      </p:sp>
+      <p:cxnSp>
+        <p:nvCxnSpPr>
+          <p:cNvPr id="7" name="直線接點 6">
+            <a:extLst>
+              <a:ext uri="{FF2B5EF4-FFF2-40B4-BE49-F238E27FC236}">
+                <a16:creationId xmlns:a16="http://schemas.microsoft.com/office/drawing/2014/main" id="{3E34662E-D37A-BB79-A010-FE8B890679A6}"/>
+              </a:ext>
+            </a:extLst>
+          </p:cNvPr>
+          <p:cNvCxnSpPr>
+            <a:cxnSpLocks/>
+          </p:cNvCxnSpPr>
+          <p:nvPr/>
+        </p:nvCxnSpPr>
+        <p:spPr>
+          <a:xfrm>
+            <a:off x="4076089" y="3796580"/>
+            <a:ext cx="3022801" cy="0"/>
+          </a:xfrm>
+          <a:prstGeom prst="line">
+            <a:avLst/>
+          </a:prstGeom>
+          <a:ln w="76200"/>
+        </p:spPr>
+        <p:style>
+          <a:lnRef idx="2">
+            <a:schemeClr val="dk1"/>
+          </a:lnRef>
+          <a:fillRef idx="0">
+            <a:schemeClr val="dk1"/>
+          </a:fillRef>
+          <a:effectRef idx="1">
+            <a:schemeClr val="dk1"/>
+          </a:effectRef>
+          <a:fontRef idx="minor">
+            <a:schemeClr val="tx1"/>
+          </a:fontRef>
+        </p:style>
+      </p:cxnSp>
+      <p:sp>
+        <p:nvSpPr>
+          <p:cNvPr id="8" name="箭號: 向左 7">
+            <a:extLst>
+              <a:ext uri="{FF2B5EF4-FFF2-40B4-BE49-F238E27FC236}">
+                <a16:creationId xmlns:a16="http://schemas.microsoft.com/office/drawing/2014/main" id="{5EE2E0FB-1187-8409-194B-59763D2FC138}"/>
+              </a:ext>
+            </a:extLst>
+          </p:cNvPr>
+          <p:cNvSpPr/>
+          <p:nvPr/>
+        </p:nvSpPr>
+        <p:spPr>
+          <a:xfrm rot="10800000">
+            <a:off x="5252440" y="3611915"/>
+            <a:ext cx="551834" cy="369329"/>
+          </a:xfrm>
+          <a:prstGeom prst="leftArrow">
+            <a:avLst/>
+          </a:prstGeom>
+        </p:spPr>
+        <p:style>
+          <a:lnRef idx="2">
+            <a:schemeClr val="accent1">
+              <a:shade val="15000"/>
+            </a:schemeClr>
+          </a:lnRef>
+          <a:fillRef idx="1">
+            <a:schemeClr val="accent1"/>
+          </a:fillRef>
+          <a:effectRef idx="0">
+            <a:schemeClr val="accent1"/>
+          </a:effectRef>
+          <a:fontRef idx="minor">
+            <a:schemeClr val="lt1"/>
+          </a:fontRef>
+        </p:style>
+        <p:txBody>
+          <a:bodyPr rtlCol="0" anchor="ctr"/>
+          <a:lstStyle/>
+          <a:p>
+            <a:pPr algn="ctr"/>
+            <a:endParaRPr lang="zh-TW" altLang="en-US"/>
+          </a:p>
+        </p:txBody>
+      </p:sp>
+      <p:sp>
+        <p:nvSpPr>
+          <p:cNvPr id="9" name="箭號: 向左 8">
+            <a:extLst>
+              <a:ext uri="{FF2B5EF4-FFF2-40B4-BE49-F238E27FC236}">
+                <a16:creationId xmlns:a16="http://schemas.microsoft.com/office/drawing/2014/main" id="{7A83C919-3EBE-6A7E-36BC-CACAA4AC96EB}"/>
+              </a:ext>
+            </a:extLst>
+          </p:cNvPr>
+          <p:cNvSpPr/>
+          <p:nvPr/>
+        </p:nvSpPr>
+        <p:spPr>
+          <a:xfrm rot="10800000">
+            <a:off x="6032703" y="3611915"/>
+            <a:ext cx="551834" cy="369329"/>
+          </a:xfrm>
+          <a:prstGeom prst="leftArrow">
+            <a:avLst/>
+          </a:prstGeom>
+        </p:spPr>
+        <p:style>
+          <a:lnRef idx="1">
+            <a:schemeClr val="accent2"/>
+          </a:lnRef>
+          <a:fillRef idx="2">
+            <a:schemeClr val="accent2"/>
+          </a:fillRef>
+          <a:effectRef idx="1">
+            <a:schemeClr val="accent2"/>
+          </a:effectRef>
+          <a:fontRef idx="minor">
+            <a:schemeClr val="dk1"/>
+          </a:fontRef>
+        </p:style>
+        <p:txBody>
+          <a:bodyPr rtlCol="0" anchor="ctr"/>
+          <a:lstStyle/>
+          <a:p>
+            <a:pPr algn="ctr"/>
+            <a:endParaRPr lang="zh-TW" altLang="en-US" dirty="0"/>
+          </a:p>
+        </p:txBody>
+      </p:sp>
+      <p:sp>
+        <p:nvSpPr>
+          <p:cNvPr id="10" name="箭號: 向左 9">
+            <a:extLst>
+              <a:ext uri="{FF2B5EF4-FFF2-40B4-BE49-F238E27FC236}">
+                <a16:creationId xmlns:a16="http://schemas.microsoft.com/office/drawing/2014/main" id="{1F5A8D2A-3559-F352-6125-4D31770F3212}"/>
+              </a:ext>
+            </a:extLst>
+          </p:cNvPr>
+          <p:cNvSpPr/>
+          <p:nvPr/>
+        </p:nvSpPr>
+        <p:spPr>
+          <a:xfrm rot="10800000">
+            <a:off x="4388347" y="3611915"/>
+            <a:ext cx="551834" cy="369329"/>
+          </a:xfrm>
+          <a:prstGeom prst="leftArrow">
+            <a:avLst/>
+          </a:prstGeom>
+        </p:spPr>
+        <p:style>
+          <a:lnRef idx="1">
+            <a:schemeClr val="accent2"/>
+          </a:lnRef>
+          <a:fillRef idx="2">
+            <a:schemeClr val="accent2"/>
+          </a:fillRef>
+          <a:effectRef idx="1">
+            <a:schemeClr val="accent2"/>
+          </a:effectRef>
+          <a:fontRef idx="minor">
+            <a:schemeClr val="dk1"/>
+          </a:fontRef>
+        </p:style>
+        <p:txBody>
+          <a:bodyPr rtlCol="0" anchor="ctr"/>
+          <a:lstStyle/>
+          <a:p>
+            <a:pPr algn="ctr"/>
+            <a:endParaRPr lang="zh-TW" altLang="en-US" dirty="0"/>
+          </a:p>
+        </p:txBody>
+      </p:sp>
+      <p:cxnSp>
+        <p:nvCxnSpPr>
+          <p:cNvPr id="11" name="直線接點 10">
+            <a:extLst>
+              <a:ext uri="{FF2B5EF4-FFF2-40B4-BE49-F238E27FC236}">
+                <a16:creationId xmlns:a16="http://schemas.microsoft.com/office/drawing/2014/main" id="{C2A70DEB-BD27-5B23-82D4-15B482499B7D}"/>
+              </a:ext>
+            </a:extLst>
+          </p:cNvPr>
+          <p:cNvCxnSpPr>
+            <a:cxnSpLocks/>
+          </p:cNvCxnSpPr>
+          <p:nvPr/>
+        </p:nvCxnSpPr>
+        <p:spPr>
+          <a:xfrm>
+            <a:off x="4076089" y="5544534"/>
+            <a:ext cx="6051137" cy="0"/>
+          </a:xfrm>
+          <a:prstGeom prst="line">
+            <a:avLst/>
+          </a:prstGeom>
+          <a:ln w="76200"/>
+        </p:spPr>
+        <p:style>
+          <a:lnRef idx="2">
+            <a:schemeClr val="dk1"/>
+          </a:lnRef>
+          <a:fillRef idx="0">
+            <a:schemeClr val="dk1"/>
+          </a:fillRef>
+          <a:effectRef idx="1">
+            <a:schemeClr val="dk1"/>
+          </a:effectRef>
+          <a:fontRef idx="minor">
+            <a:schemeClr val="tx1"/>
+          </a:fontRef>
+        </p:style>
+      </p:cxnSp>
+      <p:sp>
+        <p:nvSpPr>
+          <p:cNvPr id="12" name="箭號: 向左 11">
+            <a:extLst>
+              <a:ext uri="{FF2B5EF4-FFF2-40B4-BE49-F238E27FC236}">
+                <a16:creationId xmlns:a16="http://schemas.microsoft.com/office/drawing/2014/main" id="{907376FE-654E-6713-CDB2-3C56CBACB3D0}"/>
+              </a:ext>
+            </a:extLst>
+          </p:cNvPr>
+          <p:cNvSpPr/>
+          <p:nvPr/>
+        </p:nvSpPr>
+        <p:spPr>
+          <a:xfrm rot="10800000">
+            <a:off x="5252440" y="5359869"/>
+            <a:ext cx="551834" cy="369329"/>
+          </a:xfrm>
+          <a:prstGeom prst="leftArrow">
+            <a:avLst/>
+          </a:prstGeom>
+        </p:spPr>
+        <p:style>
+          <a:lnRef idx="2">
+            <a:schemeClr val="accent1">
+              <a:shade val="15000"/>
+            </a:schemeClr>
+          </a:lnRef>
+          <a:fillRef idx="1">
+            <a:schemeClr val="accent1"/>
+          </a:fillRef>
+          <a:effectRef idx="0">
+            <a:schemeClr val="accent1"/>
+          </a:effectRef>
+          <a:fontRef idx="minor">
+            <a:schemeClr val="lt1"/>
+          </a:fontRef>
+        </p:style>
+        <p:txBody>
+          <a:bodyPr rtlCol="0" anchor="ctr"/>
+          <a:lstStyle/>
+          <a:p>
+            <a:pPr algn="ctr"/>
+            <a:endParaRPr lang="zh-TW" altLang="en-US"/>
+          </a:p>
+        </p:txBody>
+      </p:sp>
+      <p:sp>
+        <p:nvSpPr>
+          <p:cNvPr id="13" name="箭號: 向左 12">
+            <a:extLst>
+              <a:ext uri="{FF2B5EF4-FFF2-40B4-BE49-F238E27FC236}">
+                <a16:creationId xmlns:a16="http://schemas.microsoft.com/office/drawing/2014/main" id="{9EFEDAFE-9C8B-B033-04B3-5FE30A5B9ABC}"/>
+              </a:ext>
+            </a:extLst>
+          </p:cNvPr>
+          <p:cNvSpPr/>
+          <p:nvPr/>
+        </p:nvSpPr>
+        <p:spPr>
+          <a:xfrm rot="10800000">
+            <a:off x="8323619" y="5359869"/>
+            <a:ext cx="551834" cy="369329"/>
+          </a:xfrm>
+          <a:prstGeom prst="leftArrow">
+            <a:avLst/>
+          </a:prstGeom>
+        </p:spPr>
+        <p:style>
+          <a:lnRef idx="1">
+            <a:schemeClr val="accent2"/>
+          </a:lnRef>
+          <a:fillRef idx="2">
+            <a:schemeClr val="accent2"/>
+          </a:fillRef>
+          <a:effectRef idx="1">
+            <a:schemeClr val="accent2"/>
+          </a:effectRef>
+          <a:fontRef idx="minor">
+            <a:schemeClr val="dk1"/>
+          </a:fontRef>
+        </p:style>
+        <p:txBody>
+          <a:bodyPr rtlCol="0" anchor="ctr"/>
+          <a:lstStyle/>
+          <a:p>
+            <a:pPr algn="ctr"/>
+            <a:endParaRPr lang="zh-TW" altLang="en-US" dirty="0"/>
+          </a:p>
+        </p:txBody>
+      </p:sp>
+      <p:sp>
+        <p:nvSpPr>
+          <p:cNvPr id="14" name="箭號: 向左 13">
+            <a:extLst>
+              <a:ext uri="{FF2B5EF4-FFF2-40B4-BE49-F238E27FC236}">
+                <a16:creationId xmlns:a16="http://schemas.microsoft.com/office/drawing/2014/main" id="{18C91B58-0C5C-F569-E994-A72FFD40DC14}"/>
+              </a:ext>
+            </a:extLst>
+          </p:cNvPr>
+          <p:cNvSpPr/>
+          <p:nvPr/>
+        </p:nvSpPr>
+        <p:spPr>
+          <a:xfrm rot="10800000">
+            <a:off x="4388347" y="5359869"/>
+            <a:ext cx="551834" cy="369329"/>
+          </a:xfrm>
+          <a:prstGeom prst="leftArrow">
+            <a:avLst/>
+          </a:prstGeom>
+        </p:spPr>
+        <p:style>
+          <a:lnRef idx="1">
+            <a:schemeClr val="accent2"/>
+          </a:lnRef>
+          <a:fillRef idx="2">
+            <a:schemeClr val="accent2"/>
+          </a:fillRef>
+          <a:effectRef idx="1">
+            <a:schemeClr val="accent2"/>
+          </a:effectRef>
+          <a:fontRef idx="minor">
+            <a:schemeClr val="dk1"/>
+          </a:fontRef>
+        </p:style>
+        <p:txBody>
+          <a:bodyPr rtlCol="0" anchor="ctr"/>
+          <a:lstStyle/>
+          <a:p>
+            <a:pPr algn="ctr"/>
+            <a:endParaRPr lang="zh-TW" altLang="en-US" dirty="0"/>
+          </a:p>
+        </p:txBody>
+      </p:sp>
+      <p:sp>
+        <p:nvSpPr>
+          <p:cNvPr id="15" name="文字方塊 14">
+            <a:extLst>
+              <a:ext uri="{FF2B5EF4-FFF2-40B4-BE49-F238E27FC236}">
+                <a16:creationId xmlns:a16="http://schemas.microsoft.com/office/drawing/2014/main" id="{2B89E2DB-047A-7D77-ECC7-D2A6D4BC7932}"/>
+              </a:ext>
+            </a:extLst>
+          </p:cNvPr>
+          <p:cNvSpPr txBox="1"/>
+          <p:nvPr/>
+        </p:nvSpPr>
+        <p:spPr>
+          <a:xfrm>
+            <a:off x="174375" y="1133997"/>
+            <a:ext cx="2753033" cy="523220"/>
+          </a:xfrm>
+          <a:prstGeom prst="rect">
+            <a:avLst/>
+          </a:prstGeom>
+          <a:noFill/>
+        </p:spPr>
+        <p:txBody>
+          <a:bodyPr wrap="square">
+            <a:spAutoFit/>
+          </a:bodyPr>
+          <a:lstStyle/>
+          <a:p>
+            <a:r>
+              <a:rPr lang="en-US" altLang="zh-TW" sz="2800" b="1" i="1" u="none" strike="noStrike" dirty="0" err="1">
+                <a:solidFill>
+                  <a:srgbClr val="000000"/>
+                </a:solidFill>
+                <a:effectLst/>
+                <a:latin typeface="新細明體" panose="02020500000000000000" pitchFamily="18" charset="-120"/>
+                <a:ea typeface="新細明體" panose="02020500000000000000" pitchFamily="18" charset="-120"/>
+              </a:rPr>
+              <a:t>Phytichthys</a:t>
+            </a:r>
+            <a:r>
+              <a:rPr lang="en-US" altLang="zh-TW" sz="2800" b="1" i="1" u="none" strike="noStrike" dirty="0">
+                <a:solidFill>
+                  <a:srgbClr val="000000"/>
+                </a:solidFill>
+                <a:effectLst/>
+                <a:latin typeface="新細明體" panose="02020500000000000000" pitchFamily="18" charset="-120"/>
+                <a:ea typeface="新細明體" panose="02020500000000000000" pitchFamily="18" charset="-120"/>
+              </a:rPr>
+              <a:t> chirus</a:t>
+            </a:r>
+            <a:endParaRPr lang="zh-TW" altLang="en-US" sz="2800" dirty="0"/>
+          </a:p>
+        </p:txBody>
+      </p:sp>
+      <p:sp>
+        <p:nvSpPr>
+          <p:cNvPr id="16" name="文字方塊 15">
+            <a:extLst>
+              <a:ext uri="{FF2B5EF4-FFF2-40B4-BE49-F238E27FC236}">
+                <a16:creationId xmlns:a16="http://schemas.microsoft.com/office/drawing/2014/main" id="{8D74A41D-71C8-14EE-2BF2-86F2EA6D6A51}"/>
+              </a:ext>
+            </a:extLst>
+          </p:cNvPr>
+          <p:cNvSpPr txBox="1"/>
+          <p:nvPr/>
+        </p:nvSpPr>
+        <p:spPr>
+          <a:xfrm>
+            <a:off x="95099" y="2919418"/>
+            <a:ext cx="4304373" cy="523220"/>
+          </a:xfrm>
+          <a:prstGeom prst="rect">
+            <a:avLst/>
+          </a:prstGeom>
+          <a:noFill/>
+        </p:spPr>
+        <p:txBody>
+          <a:bodyPr wrap="square">
+            <a:spAutoFit/>
+          </a:bodyPr>
+          <a:lstStyle/>
+          <a:p>
+            <a:r>
+              <a:rPr lang="en-US" altLang="zh-TW" sz="2800" b="1" i="1" u="none" strike="noStrike" dirty="0" err="1">
+                <a:solidFill>
+                  <a:srgbClr val="000000"/>
+                </a:solidFill>
+                <a:effectLst/>
+                <a:latin typeface="新細明體" panose="02020500000000000000" pitchFamily="18" charset="-120"/>
+                <a:ea typeface="新細明體" panose="02020500000000000000" pitchFamily="18" charset="-120"/>
+              </a:rPr>
+              <a:t>Anoplarchus</a:t>
+            </a:r>
+            <a:r>
+              <a:rPr lang="en-US" altLang="zh-TW" sz="2800" b="1" i="1" u="none" strike="noStrike" dirty="0">
+                <a:solidFill>
+                  <a:srgbClr val="000000"/>
+                </a:solidFill>
+                <a:effectLst/>
+                <a:latin typeface="新細明體" panose="02020500000000000000" pitchFamily="18" charset="-120"/>
+                <a:ea typeface="新細明體" panose="02020500000000000000" pitchFamily="18" charset="-120"/>
+              </a:rPr>
+              <a:t> </a:t>
+            </a:r>
+            <a:r>
+              <a:rPr lang="en-US" altLang="zh-TW" sz="2800" b="1" i="1" u="none" strike="noStrike" dirty="0" err="1">
+                <a:solidFill>
+                  <a:srgbClr val="000000"/>
+                </a:solidFill>
+                <a:effectLst/>
+                <a:latin typeface="新細明體" panose="02020500000000000000" pitchFamily="18" charset="-120"/>
+                <a:ea typeface="新細明體" panose="02020500000000000000" pitchFamily="18" charset="-120"/>
+              </a:rPr>
+              <a:t>purpurescens</a:t>
+            </a:r>
+            <a:endParaRPr lang="zh-TW" altLang="en-US" sz="2800" dirty="0"/>
+          </a:p>
+        </p:txBody>
+      </p:sp>
+      <p:sp>
+        <p:nvSpPr>
+          <p:cNvPr id="17" name="文字方塊 16">
+            <a:extLst>
+              <a:ext uri="{FF2B5EF4-FFF2-40B4-BE49-F238E27FC236}">
+                <a16:creationId xmlns:a16="http://schemas.microsoft.com/office/drawing/2014/main" id="{ACCAE9CD-FB9A-9D2C-5963-61CEC79CD2C4}"/>
+              </a:ext>
+            </a:extLst>
+          </p:cNvPr>
+          <p:cNvSpPr txBox="1"/>
+          <p:nvPr/>
+        </p:nvSpPr>
+        <p:spPr>
+          <a:xfrm>
+            <a:off x="0" y="4772485"/>
+            <a:ext cx="4304373" cy="523220"/>
+          </a:xfrm>
+          <a:prstGeom prst="rect">
+            <a:avLst/>
+          </a:prstGeom>
+          <a:noFill/>
+        </p:spPr>
+        <p:txBody>
+          <a:bodyPr wrap="square">
+            <a:spAutoFit/>
+          </a:bodyPr>
+          <a:lstStyle/>
+          <a:p>
+            <a:r>
+              <a:rPr lang="en-US" altLang="zh-TW" sz="2800" i="1" dirty="0" err="1">
+                <a:effectLst/>
+                <a:latin typeface="Aptos" panose="020B0004020202020204" pitchFamily="34" charset="0"/>
+                <a:ea typeface="新細明體" panose="02020500000000000000" pitchFamily="18" charset="-120"/>
+                <a:cs typeface="Times New Roman" panose="02020603050405020304" pitchFamily="18" charset="0"/>
+              </a:rPr>
+              <a:t>Cebidichthys</a:t>
+            </a:r>
+            <a:r>
+              <a:rPr lang="en-US" altLang="zh-TW" sz="2800" i="1" dirty="0">
+                <a:effectLst/>
+                <a:latin typeface="Aptos" panose="020B0004020202020204" pitchFamily="34" charset="0"/>
+                <a:ea typeface="新細明體" panose="02020500000000000000" pitchFamily="18" charset="-120"/>
+                <a:cs typeface="Times New Roman" panose="02020603050405020304" pitchFamily="18" charset="0"/>
+              </a:rPr>
+              <a:t> violaceus</a:t>
+            </a:r>
+            <a:endParaRPr lang="zh-TW" altLang="en-US" sz="4000" dirty="0"/>
+          </a:p>
+        </p:txBody>
+      </p:sp>
+      <p:sp>
+        <p:nvSpPr>
+          <p:cNvPr id="19" name="箭號: 向左 18">
+            <a:extLst>
+              <a:ext uri="{FF2B5EF4-FFF2-40B4-BE49-F238E27FC236}">
+                <a16:creationId xmlns:a16="http://schemas.microsoft.com/office/drawing/2014/main" id="{112F0311-80F4-C8C4-60CB-F01BD3964409}"/>
+              </a:ext>
+            </a:extLst>
+          </p:cNvPr>
+          <p:cNvSpPr/>
+          <p:nvPr/>
+        </p:nvSpPr>
+        <p:spPr>
+          <a:xfrm rot="10800000">
+            <a:off x="6308620" y="5406841"/>
+            <a:ext cx="551834" cy="369329"/>
+          </a:xfrm>
+          <a:prstGeom prst="leftArrow">
+            <a:avLst/>
+          </a:prstGeom>
+        </p:spPr>
+        <p:style>
+          <a:lnRef idx="2">
+            <a:schemeClr val="accent1">
+              <a:shade val="15000"/>
+            </a:schemeClr>
+          </a:lnRef>
+          <a:fillRef idx="1">
+            <a:schemeClr val="accent1"/>
+          </a:fillRef>
+          <a:effectRef idx="0">
+            <a:schemeClr val="accent1"/>
+          </a:effectRef>
+          <a:fontRef idx="minor">
+            <a:schemeClr val="lt1"/>
+          </a:fontRef>
+        </p:style>
+        <p:txBody>
+          <a:bodyPr rtlCol="0" anchor="ctr"/>
+          <a:lstStyle/>
+          <a:p>
+            <a:pPr algn="ctr"/>
+            <a:endParaRPr lang="zh-TW" altLang="en-US"/>
+          </a:p>
+        </p:txBody>
+      </p:sp>
+      <p:sp>
+        <p:nvSpPr>
+          <p:cNvPr id="21" name="箭號: 向左 20">
+            <a:extLst>
+              <a:ext uri="{FF2B5EF4-FFF2-40B4-BE49-F238E27FC236}">
+                <a16:creationId xmlns:a16="http://schemas.microsoft.com/office/drawing/2014/main" id="{57592038-163B-7551-9277-295A6DDCFA68}"/>
+              </a:ext>
+            </a:extLst>
+          </p:cNvPr>
+          <p:cNvSpPr/>
+          <p:nvPr/>
+        </p:nvSpPr>
+        <p:spPr>
+          <a:xfrm rot="10800000">
+            <a:off x="7210423" y="5406841"/>
+            <a:ext cx="551834" cy="369329"/>
+          </a:xfrm>
+          <a:prstGeom prst="leftArrow">
+            <a:avLst/>
+          </a:prstGeom>
+        </p:spPr>
+        <p:style>
+          <a:lnRef idx="2">
+            <a:schemeClr val="accent1">
+              <a:shade val="15000"/>
+            </a:schemeClr>
+          </a:lnRef>
+          <a:fillRef idx="1">
+            <a:schemeClr val="accent1"/>
+          </a:fillRef>
+          <a:effectRef idx="0">
+            <a:schemeClr val="accent1"/>
+          </a:effectRef>
+          <a:fontRef idx="minor">
+            <a:schemeClr val="lt1"/>
+          </a:fontRef>
+        </p:style>
+        <p:txBody>
+          <a:bodyPr rtlCol="0" anchor="ctr"/>
+          <a:lstStyle/>
+          <a:p>
+            <a:pPr algn="ctr"/>
+            <a:endParaRPr lang="zh-TW" altLang="en-US"/>
+          </a:p>
+        </p:txBody>
+      </p:sp>
+    </p:spTree>
+    <p:extLst>
+      <p:ext uri="{BB962C8B-B14F-4D97-AF65-F5344CB8AC3E}">
+        <p14:creationId xmlns:p14="http://schemas.microsoft.com/office/powerpoint/2010/main" val="18084157"/>
+      </p:ext>
+    </p:extLst>
+  </p:cSld>
+  <p:clrMapOvr>
+    <a:masterClrMapping/>
+  </p:clrMapOvr>
+</p:sld>
+</file>
+
 <file path=ppt/slides/slide2.xml><?xml version="1.0" encoding="utf-8"?>
 <p:sld xmlns:a="http://schemas.openxmlformats.org/drawingml/2006/main" xmlns:r="http://schemas.openxmlformats.org/officeDocument/2006/relationships" xmlns:p="http://schemas.openxmlformats.org/presentationml/2006/main">
   <p:cSld>
@@ -12116,6 +12983,5112 @@
     <p:extLst>
       <p:ext uri="{BB962C8B-B14F-4D97-AF65-F5344CB8AC3E}">
         <p14:creationId xmlns:p14="http://schemas.microsoft.com/office/powerpoint/2010/main" val="1442180802"/>
+      </p:ext>
+    </p:extLst>
+  </p:cSld>
+  <p:clrMapOvr>
+    <a:masterClrMapping/>
+  </p:clrMapOvr>
+</p:sld>
+</file>
+
+<file path=ppt/slides/slide6.xml><?xml version="1.0" encoding="utf-8"?>
+<p:sld xmlns:a="http://schemas.openxmlformats.org/drawingml/2006/main" xmlns:r="http://schemas.openxmlformats.org/officeDocument/2006/relationships" xmlns:p="http://schemas.openxmlformats.org/presentationml/2006/main">
+  <p:cSld>
+    <p:spTree>
+      <p:nvGrpSpPr>
+        <p:cNvPr id="1" name=""/>
+        <p:cNvGrpSpPr/>
+        <p:nvPr/>
+      </p:nvGrpSpPr>
+      <p:grpSpPr>
+        <a:xfrm>
+          <a:off x="0" y="0"/>
+          <a:ext cx="0" cy="0"/>
+          <a:chOff x="0" y="0"/>
+          <a:chExt cx="0" cy="0"/>
+        </a:xfrm>
+      </p:grpSpPr>
+      <p:sp>
+        <p:nvSpPr>
+          <p:cNvPr id="2" name="文字方塊 1">
+            <a:extLst>
+              <a:ext uri="{FF2B5EF4-FFF2-40B4-BE49-F238E27FC236}">
+                <a16:creationId xmlns:a16="http://schemas.microsoft.com/office/drawing/2014/main" id="{6E862542-4C11-B623-A180-261349EAC51B}"/>
+              </a:ext>
+            </a:extLst>
+          </p:cNvPr>
+          <p:cNvSpPr txBox="1"/>
+          <p:nvPr/>
+        </p:nvSpPr>
+        <p:spPr>
+          <a:xfrm>
+            <a:off x="334296" y="151998"/>
+            <a:ext cx="3368782" cy="646331"/>
+          </a:xfrm>
+          <a:prstGeom prst="rect">
+            <a:avLst/>
+          </a:prstGeom>
+          <a:noFill/>
+        </p:spPr>
+        <p:txBody>
+          <a:bodyPr wrap="square">
+            <a:spAutoFit/>
+          </a:bodyPr>
+          <a:lstStyle/>
+          <a:p>
+            <a:r>
+              <a:rPr lang="en-US" altLang="zh-TW" sz="3600" b="1" dirty="0">
+                <a:solidFill>
+                  <a:srgbClr val="000000"/>
+                </a:solidFill>
+                <a:latin typeface="Calibri" panose="020F0502020204030204" pitchFamily="34" charset="0"/>
+                <a:ea typeface="Calibri" panose="020F0502020204030204" pitchFamily="34" charset="0"/>
+                <a:cs typeface="Calibri" panose="020F0502020204030204" pitchFamily="34" charset="0"/>
+              </a:rPr>
+              <a:t>Alpha Amylase 2</a:t>
+            </a:r>
+            <a:endParaRPr lang="zh-TW" altLang="en-US" sz="3600" dirty="0">
+              <a:latin typeface="Calibri" panose="020F0502020204030204" pitchFamily="34" charset="0"/>
+              <a:cs typeface="Calibri" panose="020F0502020204030204" pitchFamily="34" charset="0"/>
+            </a:endParaRPr>
+          </a:p>
+        </p:txBody>
+      </p:sp>
+      <p:cxnSp>
+        <p:nvCxnSpPr>
+          <p:cNvPr id="3" name="直線接點 2">
+            <a:extLst>
+              <a:ext uri="{FF2B5EF4-FFF2-40B4-BE49-F238E27FC236}">
+                <a16:creationId xmlns:a16="http://schemas.microsoft.com/office/drawing/2014/main" id="{3FEB507E-DC34-F0A0-96C6-589F0B031B1C}"/>
+              </a:ext>
+            </a:extLst>
+          </p:cNvPr>
+          <p:cNvCxnSpPr>
+            <a:cxnSpLocks/>
+          </p:cNvCxnSpPr>
+          <p:nvPr/>
+        </p:nvCxnSpPr>
+        <p:spPr>
+          <a:xfrm>
+            <a:off x="4076089" y="2205122"/>
+            <a:ext cx="3022801" cy="0"/>
+          </a:xfrm>
+          <a:prstGeom prst="line">
+            <a:avLst/>
+          </a:prstGeom>
+          <a:ln w="76200"/>
+        </p:spPr>
+        <p:style>
+          <a:lnRef idx="2">
+            <a:schemeClr val="dk1"/>
+          </a:lnRef>
+          <a:fillRef idx="0">
+            <a:schemeClr val="dk1"/>
+          </a:fillRef>
+          <a:effectRef idx="1">
+            <a:schemeClr val="dk1"/>
+          </a:effectRef>
+          <a:fontRef idx="minor">
+            <a:schemeClr val="tx1"/>
+          </a:fontRef>
+        </p:style>
+      </p:cxnSp>
+      <p:sp>
+        <p:nvSpPr>
+          <p:cNvPr id="4" name="箭號: 向左 3">
+            <a:extLst>
+              <a:ext uri="{FF2B5EF4-FFF2-40B4-BE49-F238E27FC236}">
+                <a16:creationId xmlns:a16="http://schemas.microsoft.com/office/drawing/2014/main" id="{DF0F7488-7E70-A987-A487-0C0B604E0EC0}"/>
+              </a:ext>
+            </a:extLst>
+          </p:cNvPr>
+          <p:cNvSpPr/>
+          <p:nvPr/>
+        </p:nvSpPr>
+        <p:spPr>
+          <a:xfrm rot="10800000">
+            <a:off x="5252440" y="2020457"/>
+            <a:ext cx="551834" cy="369329"/>
+          </a:xfrm>
+          <a:prstGeom prst="leftArrow">
+            <a:avLst/>
+          </a:prstGeom>
+        </p:spPr>
+        <p:style>
+          <a:lnRef idx="2">
+            <a:schemeClr val="accent1">
+              <a:shade val="15000"/>
+            </a:schemeClr>
+          </a:lnRef>
+          <a:fillRef idx="1">
+            <a:schemeClr val="accent1"/>
+          </a:fillRef>
+          <a:effectRef idx="0">
+            <a:schemeClr val="accent1"/>
+          </a:effectRef>
+          <a:fontRef idx="minor">
+            <a:schemeClr val="lt1"/>
+          </a:fontRef>
+        </p:style>
+        <p:txBody>
+          <a:bodyPr rtlCol="0" anchor="ctr"/>
+          <a:lstStyle/>
+          <a:p>
+            <a:pPr algn="ctr"/>
+            <a:endParaRPr lang="zh-TW" altLang="en-US"/>
+          </a:p>
+        </p:txBody>
+      </p:sp>
+      <p:sp>
+        <p:nvSpPr>
+          <p:cNvPr id="5" name="箭號: 向左 4">
+            <a:extLst>
+              <a:ext uri="{FF2B5EF4-FFF2-40B4-BE49-F238E27FC236}">
+                <a16:creationId xmlns:a16="http://schemas.microsoft.com/office/drawing/2014/main" id="{A835D463-A806-D037-C18B-4E5D7417135A}"/>
+              </a:ext>
+            </a:extLst>
+          </p:cNvPr>
+          <p:cNvSpPr/>
+          <p:nvPr/>
+        </p:nvSpPr>
+        <p:spPr>
+          <a:xfrm rot="10800000">
+            <a:off x="6032703" y="2020457"/>
+            <a:ext cx="551834" cy="369329"/>
+          </a:xfrm>
+          <a:prstGeom prst="leftArrow">
+            <a:avLst/>
+          </a:prstGeom>
+        </p:spPr>
+        <p:style>
+          <a:lnRef idx="1">
+            <a:schemeClr val="accent2"/>
+          </a:lnRef>
+          <a:fillRef idx="2">
+            <a:schemeClr val="accent2"/>
+          </a:fillRef>
+          <a:effectRef idx="1">
+            <a:schemeClr val="accent2"/>
+          </a:effectRef>
+          <a:fontRef idx="minor">
+            <a:schemeClr val="dk1"/>
+          </a:fontRef>
+        </p:style>
+        <p:txBody>
+          <a:bodyPr rtlCol="0" anchor="ctr"/>
+          <a:lstStyle/>
+          <a:p>
+            <a:pPr algn="ctr"/>
+            <a:endParaRPr lang="zh-TW" altLang="en-US" dirty="0"/>
+          </a:p>
+        </p:txBody>
+      </p:sp>
+      <p:sp>
+        <p:nvSpPr>
+          <p:cNvPr id="6" name="箭號: 向左 5">
+            <a:extLst>
+              <a:ext uri="{FF2B5EF4-FFF2-40B4-BE49-F238E27FC236}">
+                <a16:creationId xmlns:a16="http://schemas.microsoft.com/office/drawing/2014/main" id="{5E4ED01C-89F0-374F-1014-2A0AC8DD539B}"/>
+              </a:ext>
+            </a:extLst>
+          </p:cNvPr>
+          <p:cNvSpPr/>
+          <p:nvPr/>
+        </p:nvSpPr>
+        <p:spPr>
+          <a:xfrm rot="10800000">
+            <a:off x="4388347" y="2020457"/>
+            <a:ext cx="551834" cy="369329"/>
+          </a:xfrm>
+          <a:prstGeom prst="leftArrow">
+            <a:avLst/>
+          </a:prstGeom>
+        </p:spPr>
+        <p:style>
+          <a:lnRef idx="1">
+            <a:schemeClr val="accent2"/>
+          </a:lnRef>
+          <a:fillRef idx="2">
+            <a:schemeClr val="accent2"/>
+          </a:fillRef>
+          <a:effectRef idx="1">
+            <a:schemeClr val="accent2"/>
+          </a:effectRef>
+          <a:fontRef idx="minor">
+            <a:schemeClr val="dk1"/>
+          </a:fontRef>
+        </p:style>
+        <p:txBody>
+          <a:bodyPr rtlCol="0" anchor="ctr"/>
+          <a:lstStyle/>
+          <a:p>
+            <a:pPr algn="ctr"/>
+            <a:endParaRPr lang="zh-TW" altLang="en-US" dirty="0"/>
+          </a:p>
+        </p:txBody>
+      </p:sp>
+      <p:cxnSp>
+        <p:nvCxnSpPr>
+          <p:cNvPr id="7" name="直線接點 6">
+            <a:extLst>
+              <a:ext uri="{FF2B5EF4-FFF2-40B4-BE49-F238E27FC236}">
+                <a16:creationId xmlns:a16="http://schemas.microsoft.com/office/drawing/2014/main" id="{53C292AC-7224-8670-BD8B-D18B4BC786B4}"/>
+              </a:ext>
+            </a:extLst>
+          </p:cNvPr>
+          <p:cNvCxnSpPr>
+            <a:cxnSpLocks/>
+          </p:cNvCxnSpPr>
+          <p:nvPr/>
+        </p:nvCxnSpPr>
+        <p:spPr>
+          <a:xfrm>
+            <a:off x="4076089" y="3796580"/>
+            <a:ext cx="3022801" cy="0"/>
+          </a:xfrm>
+          <a:prstGeom prst="line">
+            <a:avLst/>
+          </a:prstGeom>
+          <a:ln w="76200"/>
+        </p:spPr>
+        <p:style>
+          <a:lnRef idx="2">
+            <a:schemeClr val="dk1"/>
+          </a:lnRef>
+          <a:fillRef idx="0">
+            <a:schemeClr val="dk1"/>
+          </a:fillRef>
+          <a:effectRef idx="1">
+            <a:schemeClr val="dk1"/>
+          </a:effectRef>
+          <a:fontRef idx="minor">
+            <a:schemeClr val="tx1"/>
+          </a:fontRef>
+        </p:style>
+      </p:cxnSp>
+      <p:sp>
+        <p:nvSpPr>
+          <p:cNvPr id="8" name="箭號: 向左 7">
+            <a:extLst>
+              <a:ext uri="{FF2B5EF4-FFF2-40B4-BE49-F238E27FC236}">
+                <a16:creationId xmlns:a16="http://schemas.microsoft.com/office/drawing/2014/main" id="{ECE85921-99AB-0E65-8F6C-25EA066D9838}"/>
+              </a:ext>
+            </a:extLst>
+          </p:cNvPr>
+          <p:cNvSpPr/>
+          <p:nvPr/>
+        </p:nvSpPr>
+        <p:spPr>
+          <a:xfrm rot="10800000">
+            <a:off x="5252440" y="3611915"/>
+            <a:ext cx="551834" cy="369329"/>
+          </a:xfrm>
+          <a:prstGeom prst="leftArrow">
+            <a:avLst/>
+          </a:prstGeom>
+        </p:spPr>
+        <p:style>
+          <a:lnRef idx="2">
+            <a:schemeClr val="accent1">
+              <a:shade val="15000"/>
+            </a:schemeClr>
+          </a:lnRef>
+          <a:fillRef idx="1">
+            <a:schemeClr val="accent1"/>
+          </a:fillRef>
+          <a:effectRef idx="0">
+            <a:schemeClr val="accent1"/>
+          </a:effectRef>
+          <a:fontRef idx="minor">
+            <a:schemeClr val="lt1"/>
+          </a:fontRef>
+        </p:style>
+        <p:txBody>
+          <a:bodyPr rtlCol="0" anchor="ctr"/>
+          <a:lstStyle/>
+          <a:p>
+            <a:pPr algn="ctr"/>
+            <a:endParaRPr lang="zh-TW" altLang="en-US"/>
+          </a:p>
+        </p:txBody>
+      </p:sp>
+      <p:sp>
+        <p:nvSpPr>
+          <p:cNvPr id="9" name="箭號: 向左 8">
+            <a:extLst>
+              <a:ext uri="{FF2B5EF4-FFF2-40B4-BE49-F238E27FC236}">
+                <a16:creationId xmlns:a16="http://schemas.microsoft.com/office/drawing/2014/main" id="{8BC35BF4-F785-21C4-4F36-389E046F0134}"/>
+              </a:ext>
+            </a:extLst>
+          </p:cNvPr>
+          <p:cNvSpPr/>
+          <p:nvPr/>
+        </p:nvSpPr>
+        <p:spPr>
+          <a:xfrm rot="10800000">
+            <a:off x="6032703" y="3611915"/>
+            <a:ext cx="551834" cy="369329"/>
+          </a:xfrm>
+          <a:prstGeom prst="leftArrow">
+            <a:avLst/>
+          </a:prstGeom>
+        </p:spPr>
+        <p:style>
+          <a:lnRef idx="1">
+            <a:schemeClr val="accent2"/>
+          </a:lnRef>
+          <a:fillRef idx="2">
+            <a:schemeClr val="accent2"/>
+          </a:fillRef>
+          <a:effectRef idx="1">
+            <a:schemeClr val="accent2"/>
+          </a:effectRef>
+          <a:fontRef idx="minor">
+            <a:schemeClr val="dk1"/>
+          </a:fontRef>
+        </p:style>
+        <p:txBody>
+          <a:bodyPr rtlCol="0" anchor="ctr"/>
+          <a:lstStyle/>
+          <a:p>
+            <a:pPr algn="ctr"/>
+            <a:endParaRPr lang="zh-TW" altLang="en-US" dirty="0"/>
+          </a:p>
+        </p:txBody>
+      </p:sp>
+      <p:sp>
+        <p:nvSpPr>
+          <p:cNvPr id="10" name="箭號: 向左 9">
+            <a:extLst>
+              <a:ext uri="{FF2B5EF4-FFF2-40B4-BE49-F238E27FC236}">
+                <a16:creationId xmlns:a16="http://schemas.microsoft.com/office/drawing/2014/main" id="{70826607-3645-9F0B-6C9D-3D77FA6FB6F7}"/>
+              </a:ext>
+            </a:extLst>
+          </p:cNvPr>
+          <p:cNvSpPr/>
+          <p:nvPr/>
+        </p:nvSpPr>
+        <p:spPr>
+          <a:xfrm rot="10800000">
+            <a:off x="4388347" y="3611915"/>
+            <a:ext cx="551834" cy="369329"/>
+          </a:xfrm>
+          <a:prstGeom prst="leftArrow">
+            <a:avLst/>
+          </a:prstGeom>
+        </p:spPr>
+        <p:style>
+          <a:lnRef idx="1">
+            <a:schemeClr val="accent2"/>
+          </a:lnRef>
+          <a:fillRef idx="2">
+            <a:schemeClr val="accent2"/>
+          </a:fillRef>
+          <a:effectRef idx="1">
+            <a:schemeClr val="accent2"/>
+          </a:effectRef>
+          <a:fontRef idx="minor">
+            <a:schemeClr val="dk1"/>
+          </a:fontRef>
+        </p:style>
+        <p:txBody>
+          <a:bodyPr rtlCol="0" anchor="ctr"/>
+          <a:lstStyle/>
+          <a:p>
+            <a:pPr algn="ctr"/>
+            <a:endParaRPr lang="zh-TW" altLang="en-US" dirty="0"/>
+          </a:p>
+        </p:txBody>
+      </p:sp>
+      <p:cxnSp>
+        <p:nvCxnSpPr>
+          <p:cNvPr id="11" name="直線接點 10">
+            <a:extLst>
+              <a:ext uri="{FF2B5EF4-FFF2-40B4-BE49-F238E27FC236}">
+                <a16:creationId xmlns:a16="http://schemas.microsoft.com/office/drawing/2014/main" id="{922FC8E2-3EC2-D7F9-EAA6-8D93DECB8F7B}"/>
+              </a:ext>
+            </a:extLst>
+          </p:cNvPr>
+          <p:cNvCxnSpPr>
+            <a:cxnSpLocks/>
+          </p:cNvCxnSpPr>
+          <p:nvPr/>
+        </p:nvCxnSpPr>
+        <p:spPr>
+          <a:xfrm>
+            <a:off x="4076089" y="5544534"/>
+            <a:ext cx="6051137" cy="0"/>
+          </a:xfrm>
+          <a:prstGeom prst="line">
+            <a:avLst/>
+          </a:prstGeom>
+          <a:ln w="76200"/>
+        </p:spPr>
+        <p:style>
+          <a:lnRef idx="2">
+            <a:schemeClr val="dk1"/>
+          </a:lnRef>
+          <a:fillRef idx="0">
+            <a:schemeClr val="dk1"/>
+          </a:fillRef>
+          <a:effectRef idx="1">
+            <a:schemeClr val="dk1"/>
+          </a:effectRef>
+          <a:fontRef idx="minor">
+            <a:schemeClr val="tx1"/>
+          </a:fontRef>
+        </p:style>
+      </p:cxnSp>
+      <p:sp>
+        <p:nvSpPr>
+          <p:cNvPr id="12" name="箭號: 向左 11">
+            <a:extLst>
+              <a:ext uri="{FF2B5EF4-FFF2-40B4-BE49-F238E27FC236}">
+                <a16:creationId xmlns:a16="http://schemas.microsoft.com/office/drawing/2014/main" id="{35F053E0-9441-99D9-9D64-596653FC7FAB}"/>
+              </a:ext>
+            </a:extLst>
+          </p:cNvPr>
+          <p:cNvSpPr/>
+          <p:nvPr/>
+        </p:nvSpPr>
+        <p:spPr>
+          <a:xfrm rot="10800000">
+            <a:off x="5252440" y="5359869"/>
+            <a:ext cx="551834" cy="369329"/>
+          </a:xfrm>
+          <a:prstGeom prst="leftArrow">
+            <a:avLst/>
+          </a:prstGeom>
+        </p:spPr>
+        <p:style>
+          <a:lnRef idx="2">
+            <a:schemeClr val="accent1">
+              <a:shade val="15000"/>
+            </a:schemeClr>
+          </a:lnRef>
+          <a:fillRef idx="1">
+            <a:schemeClr val="accent1"/>
+          </a:fillRef>
+          <a:effectRef idx="0">
+            <a:schemeClr val="accent1"/>
+          </a:effectRef>
+          <a:fontRef idx="minor">
+            <a:schemeClr val="lt1"/>
+          </a:fontRef>
+        </p:style>
+        <p:txBody>
+          <a:bodyPr rtlCol="0" anchor="ctr"/>
+          <a:lstStyle/>
+          <a:p>
+            <a:pPr algn="ctr"/>
+            <a:endParaRPr lang="zh-TW" altLang="en-US"/>
+          </a:p>
+        </p:txBody>
+      </p:sp>
+      <p:sp>
+        <p:nvSpPr>
+          <p:cNvPr id="13" name="箭號: 向左 12">
+            <a:extLst>
+              <a:ext uri="{FF2B5EF4-FFF2-40B4-BE49-F238E27FC236}">
+                <a16:creationId xmlns:a16="http://schemas.microsoft.com/office/drawing/2014/main" id="{EB000F37-9841-0209-FA05-5E18477DDE08}"/>
+              </a:ext>
+            </a:extLst>
+          </p:cNvPr>
+          <p:cNvSpPr/>
+          <p:nvPr/>
+        </p:nvSpPr>
+        <p:spPr>
+          <a:xfrm rot="10800000">
+            <a:off x="8323619" y="5359869"/>
+            <a:ext cx="551834" cy="369329"/>
+          </a:xfrm>
+          <a:prstGeom prst="leftArrow">
+            <a:avLst/>
+          </a:prstGeom>
+        </p:spPr>
+        <p:style>
+          <a:lnRef idx="1">
+            <a:schemeClr val="accent2"/>
+          </a:lnRef>
+          <a:fillRef idx="2">
+            <a:schemeClr val="accent2"/>
+          </a:fillRef>
+          <a:effectRef idx="1">
+            <a:schemeClr val="accent2"/>
+          </a:effectRef>
+          <a:fontRef idx="minor">
+            <a:schemeClr val="dk1"/>
+          </a:fontRef>
+        </p:style>
+        <p:txBody>
+          <a:bodyPr rtlCol="0" anchor="ctr"/>
+          <a:lstStyle/>
+          <a:p>
+            <a:pPr algn="ctr"/>
+            <a:endParaRPr lang="zh-TW" altLang="en-US" dirty="0"/>
+          </a:p>
+        </p:txBody>
+      </p:sp>
+      <p:sp>
+        <p:nvSpPr>
+          <p:cNvPr id="14" name="箭號: 向左 13">
+            <a:extLst>
+              <a:ext uri="{FF2B5EF4-FFF2-40B4-BE49-F238E27FC236}">
+                <a16:creationId xmlns:a16="http://schemas.microsoft.com/office/drawing/2014/main" id="{8A253204-B8E9-3517-62A7-FAA7BFE61B84}"/>
+              </a:ext>
+            </a:extLst>
+          </p:cNvPr>
+          <p:cNvSpPr/>
+          <p:nvPr/>
+        </p:nvSpPr>
+        <p:spPr>
+          <a:xfrm rot="10800000">
+            <a:off x="4388347" y="5359869"/>
+            <a:ext cx="551834" cy="369329"/>
+          </a:xfrm>
+          <a:prstGeom prst="leftArrow">
+            <a:avLst/>
+          </a:prstGeom>
+        </p:spPr>
+        <p:style>
+          <a:lnRef idx="1">
+            <a:schemeClr val="accent2"/>
+          </a:lnRef>
+          <a:fillRef idx="2">
+            <a:schemeClr val="accent2"/>
+          </a:fillRef>
+          <a:effectRef idx="1">
+            <a:schemeClr val="accent2"/>
+          </a:effectRef>
+          <a:fontRef idx="minor">
+            <a:schemeClr val="dk1"/>
+          </a:fontRef>
+        </p:style>
+        <p:txBody>
+          <a:bodyPr rtlCol="0" anchor="ctr"/>
+          <a:lstStyle/>
+          <a:p>
+            <a:pPr algn="ctr"/>
+            <a:endParaRPr lang="zh-TW" altLang="en-US" dirty="0"/>
+          </a:p>
+        </p:txBody>
+      </p:sp>
+      <p:sp>
+        <p:nvSpPr>
+          <p:cNvPr id="15" name="文字方塊 14">
+            <a:extLst>
+              <a:ext uri="{FF2B5EF4-FFF2-40B4-BE49-F238E27FC236}">
+                <a16:creationId xmlns:a16="http://schemas.microsoft.com/office/drawing/2014/main" id="{65B339CD-E66A-7C75-0C63-F7C8A6611898}"/>
+              </a:ext>
+            </a:extLst>
+          </p:cNvPr>
+          <p:cNvSpPr txBox="1"/>
+          <p:nvPr/>
+        </p:nvSpPr>
+        <p:spPr>
+          <a:xfrm>
+            <a:off x="174375" y="1133997"/>
+            <a:ext cx="2753033" cy="523220"/>
+          </a:xfrm>
+          <a:prstGeom prst="rect">
+            <a:avLst/>
+          </a:prstGeom>
+          <a:noFill/>
+        </p:spPr>
+        <p:txBody>
+          <a:bodyPr wrap="square">
+            <a:spAutoFit/>
+          </a:bodyPr>
+          <a:lstStyle/>
+          <a:p>
+            <a:r>
+              <a:rPr lang="en-US" altLang="zh-TW" sz="2800" b="1" i="1" u="none" strike="noStrike" dirty="0" err="1">
+                <a:solidFill>
+                  <a:srgbClr val="000000"/>
+                </a:solidFill>
+                <a:effectLst/>
+                <a:latin typeface="新細明體" panose="02020500000000000000" pitchFamily="18" charset="-120"/>
+                <a:ea typeface="新細明體" panose="02020500000000000000" pitchFamily="18" charset="-120"/>
+              </a:rPr>
+              <a:t>Phytichthys</a:t>
+            </a:r>
+            <a:r>
+              <a:rPr lang="en-US" altLang="zh-TW" sz="2800" b="1" i="1" u="none" strike="noStrike" dirty="0">
+                <a:solidFill>
+                  <a:srgbClr val="000000"/>
+                </a:solidFill>
+                <a:effectLst/>
+                <a:latin typeface="新細明體" panose="02020500000000000000" pitchFamily="18" charset="-120"/>
+                <a:ea typeface="新細明體" panose="02020500000000000000" pitchFamily="18" charset="-120"/>
+              </a:rPr>
+              <a:t> chirus</a:t>
+            </a:r>
+            <a:endParaRPr lang="zh-TW" altLang="en-US" sz="2800" dirty="0"/>
+          </a:p>
+        </p:txBody>
+      </p:sp>
+      <p:sp>
+        <p:nvSpPr>
+          <p:cNvPr id="16" name="文字方塊 15">
+            <a:extLst>
+              <a:ext uri="{FF2B5EF4-FFF2-40B4-BE49-F238E27FC236}">
+                <a16:creationId xmlns:a16="http://schemas.microsoft.com/office/drawing/2014/main" id="{3C0BEF23-B8D2-639C-21DA-A160D5408A7A}"/>
+              </a:ext>
+            </a:extLst>
+          </p:cNvPr>
+          <p:cNvSpPr txBox="1"/>
+          <p:nvPr/>
+        </p:nvSpPr>
+        <p:spPr>
+          <a:xfrm>
+            <a:off x="95099" y="2919418"/>
+            <a:ext cx="4304373" cy="523220"/>
+          </a:xfrm>
+          <a:prstGeom prst="rect">
+            <a:avLst/>
+          </a:prstGeom>
+          <a:noFill/>
+        </p:spPr>
+        <p:txBody>
+          <a:bodyPr wrap="square">
+            <a:spAutoFit/>
+          </a:bodyPr>
+          <a:lstStyle/>
+          <a:p>
+            <a:r>
+              <a:rPr lang="en-US" altLang="zh-TW" sz="2800" b="1" i="1" u="none" strike="noStrike" dirty="0" err="1">
+                <a:solidFill>
+                  <a:srgbClr val="000000"/>
+                </a:solidFill>
+                <a:effectLst/>
+                <a:latin typeface="新細明體" panose="02020500000000000000" pitchFamily="18" charset="-120"/>
+                <a:ea typeface="新細明體" panose="02020500000000000000" pitchFamily="18" charset="-120"/>
+              </a:rPr>
+              <a:t>Anoplarchus</a:t>
+            </a:r>
+            <a:r>
+              <a:rPr lang="en-US" altLang="zh-TW" sz="2800" b="1" i="1" u="none" strike="noStrike" dirty="0">
+                <a:solidFill>
+                  <a:srgbClr val="000000"/>
+                </a:solidFill>
+                <a:effectLst/>
+                <a:latin typeface="新細明體" panose="02020500000000000000" pitchFamily="18" charset="-120"/>
+                <a:ea typeface="新細明體" panose="02020500000000000000" pitchFamily="18" charset="-120"/>
+              </a:rPr>
+              <a:t> </a:t>
+            </a:r>
+            <a:r>
+              <a:rPr lang="en-US" altLang="zh-TW" sz="2800" b="1" i="1" u="none" strike="noStrike" dirty="0" err="1">
+                <a:solidFill>
+                  <a:srgbClr val="000000"/>
+                </a:solidFill>
+                <a:effectLst/>
+                <a:latin typeface="新細明體" panose="02020500000000000000" pitchFamily="18" charset="-120"/>
+                <a:ea typeface="新細明體" panose="02020500000000000000" pitchFamily="18" charset="-120"/>
+              </a:rPr>
+              <a:t>purpurescens</a:t>
+            </a:r>
+            <a:endParaRPr lang="zh-TW" altLang="en-US" sz="2800" dirty="0"/>
+          </a:p>
+        </p:txBody>
+      </p:sp>
+      <p:sp>
+        <p:nvSpPr>
+          <p:cNvPr id="17" name="文字方塊 16">
+            <a:extLst>
+              <a:ext uri="{FF2B5EF4-FFF2-40B4-BE49-F238E27FC236}">
+                <a16:creationId xmlns:a16="http://schemas.microsoft.com/office/drawing/2014/main" id="{364BBCF2-4215-D1D5-5F96-72EA1A25975B}"/>
+              </a:ext>
+            </a:extLst>
+          </p:cNvPr>
+          <p:cNvSpPr txBox="1"/>
+          <p:nvPr/>
+        </p:nvSpPr>
+        <p:spPr>
+          <a:xfrm>
+            <a:off x="0" y="4772485"/>
+            <a:ext cx="4304373" cy="523220"/>
+          </a:xfrm>
+          <a:prstGeom prst="rect">
+            <a:avLst/>
+          </a:prstGeom>
+          <a:noFill/>
+        </p:spPr>
+        <p:txBody>
+          <a:bodyPr wrap="square">
+            <a:spAutoFit/>
+          </a:bodyPr>
+          <a:lstStyle/>
+          <a:p>
+            <a:r>
+              <a:rPr lang="en-US" altLang="zh-TW" sz="2800" i="1" dirty="0" err="1">
+                <a:effectLst/>
+                <a:latin typeface="Aptos" panose="020B0004020202020204" pitchFamily="34" charset="0"/>
+                <a:ea typeface="新細明體" panose="02020500000000000000" pitchFamily="18" charset="-120"/>
+                <a:cs typeface="Times New Roman" panose="02020603050405020304" pitchFamily="18" charset="0"/>
+              </a:rPr>
+              <a:t>Cebidichthys</a:t>
+            </a:r>
+            <a:r>
+              <a:rPr lang="en-US" altLang="zh-TW" sz="2800" i="1" dirty="0">
+                <a:effectLst/>
+                <a:latin typeface="Aptos" panose="020B0004020202020204" pitchFamily="34" charset="0"/>
+                <a:ea typeface="新細明體" panose="02020500000000000000" pitchFamily="18" charset="-120"/>
+                <a:cs typeface="Times New Roman" panose="02020603050405020304" pitchFamily="18" charset="0"/>
+              </a:rPr>
+              <a:t> violaceus</a:t>
+            </a:r>
+            <a:endParaRPr lang="zh-TW" altLang="en-US" sz="4000" dirty="0"/>
+          </a:p>
+        </p:txBody>
+      </p:sp>
+      <p:sp>
+        <p:nvSpPr>
+          <p:cNvPr id="19" name="箭號: 向左 18">
+            <a:extLst>
+              <a:ext uri="{FF2B5EF4-FFF2-40B4-BE49-F238E27FC236}">
+                <a16:creationId xmlns:a16="http://schemas.microsoft.com/office/drawing/2014/main" id="{C720C912-AC7F-ACA3-C82C-45DEBACFCE2E}"/>
+              </a:ext>
+            </a:extLst>
+          </p:cNvPr>
+          <p:cNvSpPr/>
+          <p:nvPr/>
+        </p:nvSpPr>
+        <p:spPr>
+          <a:xfrm rot="10800000">
+            <a:off x="6308620" y="5406841"/>
+            <a:ext cx="551834" cy="369329"/>
+          </a:xfrm>
+          <a:prstGeom prst="leftArrow">
+            <a:avLst/>
+          </a:prstGeom>
+        </p:spPr>
+        <p:style>
+          <a:lnRef idx="2">
+            <a:schemeClr val="accent1">
+              <a:shade val="15000"/>
+            </a:schemeClr>
+          </a:lnRef>
+          <a:fillRef idx="1">
+            <a:schemeClr val="accent1"/>
+          </a:fillRef>
+          <a:effectRef idx="0">
+            <a:schemeClr val="accent1"/>
+          </a:effectRef>
+          <a:fontRef idx="minor">
+            <a:schemeClr val="lt1"/>
+          </a:fontRef>
+        </p:style>
+        <p:txBody>
+          <a:bodyPr rtlCol="0" anchor="ctr"/>
+          <a:lstStyle/>
+          <a:p>
+            <a:pPr algn="ctr"/>
+            <a:endParaRPr lang="zh-TW" altLang="en-US"/>
+          </a:p>
+        </p:txBody>
+      </p:sp>
+      <p:sp>
+        <p:nvSpPr>
+          <p:cNvPr id="21" name="箭號: 向左 20">
+            <a:extLst>
+              <a:ext uri="{FF2B5EF4-FFF2-40B4-BE49-F238E27FC236}">
+                <a16:creationId xmlns:a16="http://schemas.microsoft.com/office/drawing/2014/main" id="{285E1C3B-B579-77AA-754C-26591AA7DD29}"/>
+              </a:ext>
+            </a:extLst>
+          </p:cNvPr>
+          <p:cNvSpPr/>
+          <p:nvPr/>
+        </p:nvSpPr>
+        <p:spPr>
+          <a:xfrm rot="10800000">
+            <a:off x="7210423" y="5406841"/>
+            <a:ext cx="551834" cy="369329"/>
+          </a:xfrm>
+          <a:prstGeom prst="leftArrow">
+            <a:avLst/>
+          </a:prstGeom>
+        </p:spPr>
+        <p:style>
+          <a:lnRef idx="2">
+            <a:schemeClr val="accent1">
+              <a:shade val="15000"/>
+            </a:schemeClr>
+          </a:lnRef>
+          <a:fillRef idx="1">
+            <a:schemeClr val="accent1"/>
+          </a:fillRef>
+          <a:effectRef idx="0">
+            <a:schemeClr val="accent1"/>
+          </a:effectRef>
+          <a:fontRef idx="minor">
+            <a:schemeClr val="lt1"/>
+          </a:fontRef>
+        </p:style>
+        <p:txBody>
+          <a:bodyPr rtlCol="0" anchor="ctr"/>
+          <a:lstStyle/>
+          <a:p>
+            <a:pPr algn="ctr"/>
+            <a:endParaRPr lang="zh-TW" altLang="en-US"/>
+          </a:p>
+        </p:txBody>
+      </p:sp>
+    </p:spTree>
+    <p:extLst>
+      <p:ext uri="{BB962C8B-B14F-4D97-AF65-F5344CB8AC3E}">
+        <p14:creationId xmlns:p14="http://schemas.microsoft.com/office/powerpoint/2010/main" val="1877495123"/>
+      </p:ext>
+    </p:extLst>
+  </p:cSld>
+  <p:clrMapOvr>
+    <a:masterClrMapping/>
+  </p:clrMapOvr>
+</p:sld>
+</file>
+
+<file path=ppt/slides/slide7.xml><?xml version="1.0" encoding="utf-8"?>
+<p:sld xmlns:a="http://schemas.openxmlformats.org/drawingml/2006/main" xmlns:r="http://schemas.openxmlformats.org/officeDocument/2006/relationships" xmlns:p="http://schemas.openxmlformats.org/presentationml/2006/main">
+  <p:cSld>
+    <p:spTree>
+      <p:nvGrpSpPr>
+        <p:cNvPr id="1" name="">
+          <a:extLst>
+            <a:ext uri="{FF2B5EF4-FFF2-40B4-BE49-F238E27FC236}">
+              <a16:creationId xmlns:a16="http://schemas.microsoft.com/office/drawing/2014/main" id="{EDBA289C-4F15-94D2-8338-8C39D88D5324}"/>
+            </a:ext>
+          </a:extLst>
+        </p:cNvPr>
+        <p:cNvGrpSpPr/>
+        <p:nvPr/>
+      </p:nvGrpSpPr>
+      <p:grpSpPr>
+        <a:xfrm>
+          <a:off x="0" y="0"/>
+          <a:ext cx="0" cy="0"/>
+          <a:chOff x="0" y="0"/>
+          <a:chExt cx="0" cy="0"/>
+        </a:xfrm>
+      </p:grpSpPr>
+      <p:sp>
+        <p:nvSpPr>
+          <p:cNvPr id="2" name="文字方塊 1">
+            <a:extLst>
+              <a:ext uri="{FF2B5EF4-FFF2-40B4-BE49-F238E27FC236}">
+                <a16:creationId xmlns:a16="http://schemas.microsoft.com/office/drawing/2014/main" id="{5DB6F27B-6C2C-3986-6F2D-AF16FAB12560}"/>
+              </a:ext>
+            </a:extLst>
+          </p:cNvPr>
+          <p:cNvSpPr txBox="1"/>
+          <p:nvPr/>
+        </p:nvSpPr>
+        <p:spPr>
+          <a:xfrm>
+            <a:off x="334295" y="151998"/>
+            <a:ext cx="6250241" cy="646331"/>
+          </a:xfrm>
+          <a:prstGeom prst="rect">
+            <a:avLst/>
+          </a:prstGeom>
+          <a:noFill/>
+        </p:spPr>
+        <p:txBody>
+          <a:bodyPr wrap="square">
+            <a:spAutoFit/>
+          </a:bodyPr>
+          <a:lstStyle/>
+          <a:p>
+            <a:r>
+              <a:rPr lang="en-US" altLang="zh-TW" sz="3600" b="1" dirty="0">
+                <a:solidFill>
+                  <a:srgbClr val="000000"/>
+                </a:solidFill>
+                <a:latin typeface="Calibri" panose="020F0502020204030204" pitchFamily="34" charset="0"/>
+                <a:ea typeface="Calibri" panose="020F0502020204030204" pitchFamily="34" charset="0"/>
+                <a:cs typeface="Calibri" panose="020F0502020204030204" pitchFamily="34" charset="0"/>
+              </a:rPr>
+              <a:t>Carboxyl ester lipase</a:t>
+            </a:r>
+            <a:endParaRPr lang="zh-TW" altLang="en-US" sz="3600" dirty="0">
+              <a:latin typeface="Calibri" panose="020F0502020204030204" pitchFamily="34" charset="0"/>
+              <a:cs typeface="Calibri" panose="020F0502020204030204" pitchFamily="34" charset="0"/>
+            </a:endParaRPr>
+          </a:p>
+        </p:txBody>
+      </p:sp>
+      <p:cxnSp>
+        <p:nvCxnSpPr>
+          <p:cNvPr id="3" name="直線接點 2">
+            <a:extLst>
+              <a:ext uri="{FF2B5EF4-FFF2-40B4-BE49-F238E27FC236}">
+                <a16:creationId xmlns:a16="http://schemas.microsoft.com/office/drawing/2014/main" id="{018BE187-5E9C-81DE-F953-337E7DDBBC54}"/>
+              </a:ext>
+            </a:extLst>
+          </p:cNvPr>
+          <p:cNvCxnSpPr>
+            <a:cxnSpLocks/>
+          </p:cNvCxnSpPr>
+          <p:nvPr/>
+        </p:nvCxnSpPr>
+        <p:spPr>
+          <a:xfrm>
+            <a:off x="1185401" y="2205121"/>
+            <a:ext cx="4375355" cy="1"/>
+          </a:xfrm>
+          <a:prstGeom prst="line">
+            <a:avLst/>
+          </a:prstGeom>
+          <a:ln w="76200"/>
+        </p:spPr>
+        <p:style>
+          <a:lnRef idx="2">
+            <a:schemeClr val="dk1"/>
+          </a:lnRef>
+          <a:fillRef idx="0">
+            <a:schemeClr val="dk1"/>
+          </a:fillRef>
+          <a:effectRef idx="1">
+            <a:schemeClr val="dk1"/>
+          </a:effectRef>
+          <a:fontRef idx="minor">
+            <a:schemeClr val="tx1"/>
+          </a:fontRef>
+        </p:style>
+      </p:cxnSp>
+      <p:sp>
+        <p:nvSpPr>
+          <p:cNvPr id="4" name="箭號: 向左 3">
+            <a:extLst>
+              <a:ext uri="{FF2B5EF4-FFF2-40B4-BE49-F238E27FC236}">
+                <a16:creationId xmlns:a16="http://schemas.microsoft.com/office/drawing/2014/main" id="{3F6C18A8-89AC-FA6C-B683-354535E22627}"/>
+              </a:ext>
+            </a:extLst>
+          </p:cNvPr>
+          <p:cNvSpPr/>
+          <p:nvPr/>
+        </p:nvSpPr>
+        <p:spPr>
+          <a:xfrm rot="10800000">
+            <a:off x="2737818" y="2037814"/>
+            <a:ext cx="551834" cy="334614"/>
+          </a:xfrm>
+          <a:prstGeom prst="leftArrow">
+            <a:avLst/>
+          </a:prstGeom>
+        </p:spPr>
+        <p:style>
+          <a:lnRef idx="2">
+            <a:schemeClr val="accent1">
+              <a:shade val="15000"/>
+            </a:schemeClr>
+          </a:lnRef>
+          <a:fillRef idx="1">
+            <a:schemeClr val="accent1"/>
+          </a:fillRef>
+          <a:effectRef idx="0">
+            <a:schemeClr val="accent1"/>
+          </a:effectRef>
+          <a:fontRef idx="minor">
+            <a:schemeClr val="lt1"/>
+          </a:fontRef>
+        </p:style>
+        <p:txBody>
+          <a:bodyPr rtlCol="0" anchor="ctr"/>
+          <a:lstStyle/>
+          <a:p>
+            <a:pPr algn="ctr"/>
+            <a:endParaRPr lang="zh-TW" altLang="en-US"/>
+          </a:p>
+        </p:txBody>
+      </p:sp>
+      <p:sp>
+        <p:nvSpPr>
+          <p:cNvPr id="5" name="箭號: 向左 4">
+            <a:extLst>
+              <a:ext uri="{FF2B5EF4-FFF2-40B4-BE49-F238E27FC236}">
+                <a16:creationId xmlns:a16="http://schemas.microsoft.com/office/drawing/2014/main" id="{A60085D0-9620-6D2B-BD43-DBB9325461FD}"/>
+              </a:ext>
+            </a:extLst>
+          </p:cNvPr>
+          <p:cNvSpPr/>
+          <p:nvPr/>
+        </p:nvSpPr>
+        <p:spPr>
+          <a:xfrm rot="10800000">
+            <a:off x="4371049" y="2020457"/>
+            <a:ext cx="551834" cy="369329"/>
+          </a:xfrm>
+          <a:prstGeom prst="leftArrow">
+            <a:avLst/>
+          </a:prstGeom>
+        </p:spPr>
+        <p:style>
+          <a:lnRef idx="1">
+            <a:schemeClr val="accent2"/>
+          </a:lnRef>
+          <a:fillRef idx="2">
+            <a:schemeClr val="accent2"/>
+          </a:fillRef>
+          <a:effectRef idx="1">
+            <a:schemeClr val="accent2"/>
+          </a:effectRef>
+          <a:fontRef idx="minor">
+            <a:schemeClr val="dk1"/>
+          </a:fontRef>
+        </p:style>
+        <p:txBody>
+          <a:bodyPr rtlCol="0" anchor="ctr"/>
+          <a:lstStyle/>
+          <a:p>
+            <a:pPr algn="ctr"/>
+            <a:endParaRPr lang="zh-TW" altLang="en-US" dirty="0"/>
+          </a:p>
+        </p:txBody>
+      </p:sp>
+      <p:sp>
+        <p:nvSpPr>
+          <p:cNvPr id="6" name="箭號: 向左 5">
+            <a:extLst>
+              <a:ext uri="{FF2B5EF4-FFF2-40B4-BE49-F238E27FC236}">
+                <a16:creationId xmlns:a16="http://schemas.microsoft.com/office/drawing/2014/main" id="{513B7842-A388-09C4-8CFE-74F006DA49D7}"/>
+              </a:ext>
+            </a:extLst>
+          </p:cNvPr>
+          <p:cNvSpPr/>
+          <p:nvPr/>
+        </p:nvSpPr>
+        <p:spPr>
+          <a:xfrm rot="10800000">
+            <a:off x="1972681" y="2025634"/>
+            <a:ext cx="551834" cy="334614"/>
+          </a:xfrm>
+          <a:prstGeom prst="leftArrow">
+            <a:avLst/>
+          </a:prstGeom>
+        </p:spPr>
+        <p:style>
+          <a:lnRef idx="1">
+            <a:schemeClr val="accent2"/>
+          </a:lnRef>
+          <a:fillRef idx="2">
+            <a:schemeClr val="accent2"/>
+          </a:fillRef>
+          <a:effectRef idx="1">
+            <a:schemeClr val="accent2"/>
+          </a:effectRef>
+          <a:fontRef idx="minor">
+            <a:schemeClr val="dk1"/>
+          </a:fontRef>
+        </p:style>
+        <p:txBody>
+          <a:bodyPr rtlCol="0" anchor="ctr"/>
+          <a:lstStyle/>
+          <a:p>
+            <a:pPr algn="ctr"/>
+            <a:endParaRPr lang="zh-TW" altLang="en-US" dirty="0"/>
+          </a:p>
+        </p:txBody>
+      </p:sp>
+      <p:cxnSp>
+        <p:nvCxnSpPr>
+          <p:cNvPr id="7" name="直線接點 6">
+            <a:extLst>
+              <a:ext uri="{FF2B5EF4-FFF2-40B4-BE49-F238E27FC236}">
+                <a16:creationId xmlns:a16="http://schemas.microsoft.com/office/drawing/2014/main" id="{8F49DA6C-07D7-8C22-AE18-19CFC67D50B2}"/>
+              </a:ext>
+            </a:extLst>
+          </p:cNvPr>
+          <p:cNvCxnSpPr>
+            <a:cxnSpLocks/>
+          </p:cNvCxnSpPr>
+          <p:nvPr/>
+        </p:nvCxnSpPr>
+        <p:spPr>
+          <a:xfrm>
+            <a:off x="1185401" y="3782495"/>
+            <a:ext cx="5248437" cy="0"/>
+          </a:xfrm>
+          <a:prstGeom prst="line">
+            <a:avLst/>
+          </a:prstGeom>
+          <a:ln w="76200"/>
+        </p:spPr>
+        <p:style>
+          <a:lnRef idx="2">
+            <a:schemeClr val="dk1"/>
+          </a:lnRef>
+          <a:fillRef idx="0">
+            <a:schemeClr val="dk1"/>
+          </a:fillRef>
+          <a:effectRef idx="1">
+            <a:schemeClr val="dk1"/>
+          </a:effectRef>
+          <a:fontRef idx="minor">
+            <a:schemeClr val="tx1"/>
+          </a:fontRef>
+        </p:style>
+      </p:cxnSp>
+      <p:sp>
+        <p:nvSpPr>
+          <p:cNvPr id="8" name="箭號: 向左 7">
+            <a:extLst>
+              <a:ext uri="{FF2B5EF4-FFF2-40B4-BE49-F238E27FC236}">
+                <a16:creationId xmlns:a16="http://schemas.microsoft.com/office/drawing/2014/main" id="{97EA6CD6-3D01-5D13-0EE5-77CCB0D40603}"/>
+              </a:ext>
+            </a:extLst>
+          </p:cNvPr>
+          <p:cNvSpPr/>
+          <p:nvPr/>
+        </p:nvSpPr>
+        <p:spPr>
+          <a:xfrm rot="10800000">
+            <a:off x="2775865" y="3597830"/>
+            <a:ext cx="551834" cy="369329"/>
+          </a:xfrm>
+          <a:prstGeom prst="leftArrow">
+            <a:avLst/>
+          </a:prstGeom>
+        </p:spPr>
+        <p:style>
+          <a:lnRef idx="2">
+            <a:schemeClr val="accent1">
+              <a:shade val="15000"/>
+            </a:schemeClr>
+          </a:lnRef>
+          <a:fillRef idx="1">
+            <a:schemeClr val="accent1"/>
+          </a:fillRef>
+          <a:effectRef idx="0">
+            <a:schemeClr val="accent1"/>
+          </a:effectRef>
+          <a:fontRef idx="minor">
+            <a:schemeClr val="lt1"/>
+          </a:fontRef>
+        </p:style>
+        <p:txBody>
+          <a:bodyPr rtlCol="0" anchor="ctr"/>
+          <a:lstStyle/>
+          <a:p>
+            <a:pPr algn="ctr"/>
+            <a:endParaRPr lang="zh-TW" altLang="en-US"/>
+          </a:p>
+        </p:txBody>
+      </p:sp>
+      <p:sp>
+        <p:nvSpPr>
+          <p:cNvPr id="9" name="箭號: 向左 8">
+            <a:extLst>
+              <a:ext uri="{FF2B5EF4-FFF2-40B4-BE49-F238E27FC236}">
+                <a16:creationId xmlns:a16="http://schemas.microsoft.com/office/drawing/2014/main" id="{C5E5EA65-5A3F-DA8B-BCBC-EA36F3CE0863}"/>
+              </a:ext>
+            </a:extLst>
+          </p:cNvPr>
+          <p:cNvSpPr/>
+          <p:nvPr/>
+        </p:nvSpPr>
+        <p:spPr>
+          <a:xfrm rot="10800000">
+            <a:off x="5194638" y="3597830"/>
+            <a:ext cx="551834" cy="369329"/>
+          </a:xfrm>
+          <a:prstGeom prst="leftArrow">
+            <a:avLst/>
+          </a:prstGeom>
+        </p:spPr>
+        <p:style>
+          <a:lnRef idx="1">
+            <a:schemeClr val="accent2"/>
+          </a:lnRef>
+          <a:fillRef idx="2">
+            <a:schemeClr val="accent2"/>
+          </a:fillRef>
+          <a:effectRef idx="1">
+            <a:schemeClr val="accent2"/>
+          </a:effectRef>
+          <a:fontRef idx="minor">
+            <a:schemeClr val="dk1"/>
+          </a:fontRef>
+        </p:style>
+        <p:txBody>
+          <a:bodyPr rtlCol="0" anchor="ctr"/>
+          <a:lstStyle/>
+          <a:p>
+            <a:pPr algn="ctr"/>
+            <a:endParaRPr lang="zh-TW" altLang="en-US" dirty="0"/>
+          </a:p>
+        </p:txBody>
+      </p:sp>
+      <p:sp>
+        <p:nvSpPr>
+          <p:cNvPr id="10" name="箭號: 向左 9">
+            <a:extLst>
+              <a:ext uri="{FF2B5EF4-FFF2-40B4-BE49-F238E27FC236}">
+                <a16:creationId xmlns:a16="http://schemas.microsoft.com/office/drawing/2014/main" id="{1D16AEB4-9A84-93F4-291C-B35C7AD86C03}"/>
+              </a:ext>
+            </a:extLst>
+          </p:cNvPr>
+          <p:cNvSpPr/>
+          <p:nvPr/>
+        </p:nvSpPr>
+        <p:spPr>
+          <a:xfrm rot="10800000">
+            <a:off x="1969607" y="3597830"/>
+            <a:ext cx="551834" cy="369329"/>
+          </a:xfrm>
+          <a:prstGeom prst="leftArrow">
+            <a:avLst/>
+          </a:prstGeom>
+        </p:spPr>
+        <p:style>
+          <a:lnRef idx="1">
+            <a:schemeClr val="accent2"/>
+          </a:lnRef>
+          <a:fillRef idx="2">
+            <a:schemeClr val="accent2"/>
+          </a:fillRef>
+          <a:effectRef idx="1">
+            <a:schemeClr val="accent2"/>
+          </a:effectRef>
+          <a:fontRef idx="minor">
+            <a:schemeClr val="dk1"/>
+          </a:fontRef>
+        </p:style>
+        <p:txBody>
+          <a:bodyPr rtlCol="0" anchor="ctr"/>
+          <a:lstStyle/>
+          <a:p>
+            <a:pPr algn="ctr"/>
+            <a:endParaRPr lang="zh-TW" altLang="en-US" dirty="0"/>
+          </a:p>
+        </p:txBody>
+      </p:sp>
+      <p:cxnSp>
+        <p:nvCxnSpPr>
+          <p:cNvPr id="11" name="直線接點 10">
+            <a:extLst>
+              <a:ext uri="{FF2B5EF4-FFF2-40B4-BE49-F238E27FC236}">
+                <a16:creationId xmlns:a16="http://schemas.microsoft.com/office/drawing/2014/main" id="{75473787-520F-4097-B6D4-D3B1ECC61188}"/>
+              </a:ext>
+            </a:extLst>
+          </p:cNvPr>
+          <p:cNvCxnSpPr>
+            <a:cxnSpLocks/>
+          </p:cNvCxnSpPr>
+          <p:nvPr/>
+        </p:nvCxnSpPr>
+        <p:spPr>
+          <a:xfrm>
+            <a:off x="1185401" y="5630404"/>
+            <a:ext cx="7820943" cy="0"/>
+          </a:xfrm>
+          <a:prstGeom prst="line">
+            <a:avLst/>
+          </a:prstGeom>
+          <a:ln w="76200"/>
+        </p:spPr>
+        <p:style>
+          <a:lnRef idx="2">
+            <a:schemeClr val="dk1"/>
+          </a:lnRef>
+          <a:fillRef idx="0">
+            <a:schemeClr val="dk1"/>
+          </a:fillRef>
+          <a:effectRef idx="1">
+            <a:schemeClr val="dk1"/>
+          </a:effectRef>
+          <a:fontRef idx="minor">
+            <a:schemeClr val="tx1"/>
+          </a:fontRef>
+        </p:style>
+      </p:cxnSp>
+      <p:sp>
+        <p:nvSpPr>
+          <p:cNvPr id="12" name="箭號: 向左 11">
+            <a:extLst>
+              <a:ext uri="{FF2B5EF4-FFF2-40B4-BE49-F238E27FC236}">
+                <a16:creationId xmlns:a16="http://schemas.microsoft.com/office/drawing/2014/main" id="{2F26420E-9B81-A231-99D5-C7E56FF14598}"/>
+              </a:ext>
+            </a:extLst>
+          </p:cNvPr>
+          <p:cNvSpPr/>
+          <p:nvPr/>
+        </p:nvSpPr>
+        <p:spPr>
+          <a:xfrm rot="10800000">
+            <a:off x="3273840" y="5445740"/>
+            <a:ext cx="551834" cy="369329"/>
+          </a:xfrm>
+          <a:prstGeom prst="leftArrow">
+            <a:avLst/>
+          </a:prstGeom>
+        </p:spPr>
+        <p:style>
+          <a:lnRef idx="2">
+            <a:schemeClr val="accent1">
+              <a:shade val="15000"/>
+            </a:schemeClr>
+          </a:lnRef>
+          <a:fillRef idx="1">
+            <a:schemeClr val="accent1"/>
+          </a:fillRef>
+          <a:effectRef idx="0">
+            <a:schemeClr val="accent1"/>
+          </a:effectRef>
+          <a:fontRef idx="minor">
+            <a:schemeClr val="lt1"/>
+          </a:fontRef>
+        </p:style>
+        <p:txBody>
+          <a:bodyPr rtlCol="0" anchor="ctr"/>
+          <a:lstStyle/>
+          <a:p>
+            <a:pPr algn="ctr"/>
+            <a:endParaRPr lang="zh-TW" altLang="en-US"/>
+          </a:p>
+        </p:txBody>
+      </p:sp>
+      <p:sp>
+        <p:nvSpPr>
+          <p:cNvPr id="13" name="箭號: 向左 12">
+            <a:extLst>
+              <a:ext uri="{FF2B5EF4-FFF2-40B4-BE49-F238E27FC236}">
+                <a16:creationId xmlns:a16="http://schemas.microsoft.com/office/drawing/2014/main" id="{246DD995-1007-5FFC-AD5B-389BB1C432DA}"/>
+              </a:ext>
+            </a:extLst>
+          </p:cNvPr>
+          <p:cNvSpPr/>
+          <p:nvPr/>
+        </p:nvSpPr>
+        <p:spPr>
+          <a:xfrm rot="10800000">
+            <a:off x="6917610" y="5445739"/>
+            <a:ext cx="551834" cy="369329"/>
+          </a:xfrm>
+          <a:prstGeom prst="leftArrow">
+            <a:avLst/>
+          </a:prstGeom>
+        </p:spPr>
+        <p:style>
+          <a:lnRef idx="1">
+            <a:schemeClr val="accent2"/>
+          </a:lnRef>
+          <a:fillRef idx="2">
+            <a:schemeClr val="accent2"/>
+          </a:fillRef>
+          <a:effectRef idx="1">
+            <a:schemeClr val="accent2"/>
+          </a:effectRef>
+          <a:fontRef idx="minor">
+            <a:schemeClr val="dk1"/>
+          </a:fontRef>
+        </p:style>
+        <p:txBody>
+          <a:bodyPr rtlCol="0" anchor="ctr"/>
+          <a:lstStyle/>
+          <a:p>
+            <a:pPr algn="ctr"/>
+            <a:endParaRPr lang="zh-TW" altLang="en-US" dirty="0"/>
+          </a:p>
+        </p:txBody>
+      </p:sp>
+      <p:sp>
+        <p:nvSpPr>
+          <p:cNvPr id="14" name="箭號: 向左 13">
+            <a:extLst>
+              <a:ext uri="{FF2B5EF4-FFF2-40B4-BE49-F238E27FC236}">
+                <a16:creationId xmlns:a16="http://schemas.microsoft.com/office/drawing/2014/main" id="{A635E73F-0DA8-00CE-A857-C893A77A9838}"/>
+              </a:ext>
+            </a:extLst>
+          </p:cNvPr>
+          <p:cNvSpPr/>
+          <p:nvPr/>
+        </p:nvSpPr>
+        <p:spPr>
+          <a:xfrm rot="10800000">
+            <a:off x="2362898" y="5445740"/>
+            <a:ext cx="551834" cy="369329"/>
+          </a:xfrm>
+          <a:prstGeom prst="leftArrow">
+            <a:avLst/>
+          </a:prstGeom>
+        </p:spPr>
+        <p:style>
+          <a:lnRef idx="1">
+            <a:schemeClr val="accent2"/>
+          </a:lnRef>
+          <a:fillRef idx="2">
+            <a:schemeClr val="accent2"/>
+          </a:fillRef>
+          <a:effectRef idx="1">
+            <a:schemeClr val="accent2"/>
+          </a:effectRef>
+          <a:fontRef idx="minor">
+            <a:schemeClr val="dk1"/>
+          </a:fontRef>
+        </p:style>
+        <p:txBody>
+          <a:bodyPr rtlCol="0" anchor="ctr"/>
+          <a:lstStyle/>
+          <a:p>
+            <a:pPr algn="ctr"/>
+            <a:endParaRPr lang="zh-TW" altLang="en-US" dirty="0"/>
+          </a:p>
+        </p:txBody>
+      </p:sp>
+      <p:sp>
+        <p:nvSpPr>
+          <p:cNvPr id="15" name="文字方塊 14">
+            <a:extLst>
+              <a:ext uri="{FF2B5EF4-FFF2-40B4-BE49-F238E27FC236}">
+                <a16:creationId xmlns:a16="http://schemas.microsoft.com/office/drawing/2014/main" id="{8B319079-F9FD-D380-8E60-30C2E2074790}"/>
+              </a:ext>
+            </a:extLst>
+          </p:cNvPr>
+          <p:cNvSpPr txBox="1"/>
+          <p:nvPr/>
+        </p:nvSpPr>
+        <p:spPr>
+          <a:xfrm>
+            <a:off x="95099" y="1133997"/>
+            <a:ext cx="2753033" cy="523220"/>
+          </a:xfrm>
+          <a:prstGeom prst="rect">
+            <a:avLst/>
+          </a:prstGeom>
+          <a:noFill/>
+        </p:spPr>
+        <p:txBody>
+          <a:bodyPr wrap="square">
+            <a:spAutoFit/>
+          </a:bodyPr>
+          <a:lstStyle/>
+          <a:p>
+            <a:r>
+              <a:rPr lang="en-US" altLang="zh-TW" sz="2800" b="1" i="1" u="none" strike="noStrike" dirty="0" err="1">
+                <a:solidFill>
+                  <a:srgbClr val="000000"/>
+                </a:solidFill>
+                <a:effectLst/>
+                <a:latin typeface="新細明體" panose="02020500000000000000" pitchFamily="18" charset="-120"/>
+                <a:ea typeface="新細明體" panose="02020500000000000000" pitchFamily="18" charset="-120"/>
+              </a:rPr>
+              <a:t>Phytichthys</a:t>
+            </a:r>
+            <a:r>
+              <a:rPr lang="en-US" altLang="zh-TW" sz="2800" b="1" i="1" u="none" strike="noStrike" dirty="0">
+                <a:solidFill>
+                  <a:srgbClr val="000000"/>
+                </a:solidFill>
+                <a:effectLst/>
+                <a:latin typeface="新細明體" panose="02020500000000000000" pitchFamily="18" charset="-120"/>
+                <a:ea typeface="新細明體" panose="02020500000000000000" pitchFamily="18" charset="-120"/>
+              </a:rPr>
+              <a:t> chirus</a:t>
+            </a:r>
+            <a:endParaRPr lang="zh-TW" altLang="en-US" sz="2800" dirty="0"/>
+          </a:p>
+        </p:txBody>
+      </p:sp>
+      <p:sp>
+        <p:nvSpPr>
+          <p:cNvPr id="16" name="文字方塊 15">
+            <a:extLst>
+              <a:ext uri="{FF2B5EF4-FFF2-40B4-BE49-F238E27FC236}">
+                <a16:creationId xmlns:a16="http://schemas.microsoft.com/office/drawing/2014/main" id="{78C4A67A-E3C0-C410-6FFC-F291BB2F35DF}"/>
+              </a:ext>
+            </a:extLst>
+          </p:cNvPr>
+          <p:cNvSpPr txBox="1"/>
+          <p:nvPr/>
+        </p:nvSpPr>
+        <p:spPr>
+          <a:xfrm>
+            <a:off x="95099" y="2673983"/>
+            <a:ext cx="4304373" cy="523220"/>
+          </a:xfrm>
+          <a:prstGeom prst="rect">
+            <a:avLst/>
+          </a:prstGeom>
+          <a:noFill/>
+        </p:spPr>
+        <p:txBody>
+          <a:bodyPr wrap="square">
+            <a:spAutoFit/>
+          </a:bodyPr>
+          <a:lstStyle/>
+          <a:p>
+            <a:r>
+              <a:rPr lang="en-US" altLang="zh-TW" sz="2800" b="1" i="1" u="none" strike="noStrike" dirty="0" err="1">
+                <a:solidFill>
+                  <a:srgbClr val="000000"/>
+                </a:solidFill>
+                <a:effectLst/>
+                <a:latin typeface="新細明體" panose="02020500000000000000" pitchFamily="18" charset="-120"/>
+                <a:ea typeface="新細明體" panose="02020500000000000000" pitchFamily="18" charset="-120"/>
+              </a:rPr>
+              <a:t>Anoplarchus</a:t>
+            </a:r>
+            <a:r>
+              <a:rPr lang="en-US" altLang="zh-TW" sz="2800" b="1" i="1" u="none" strike="noStrike" dirty="0">
+                <a:solidFill>
+                  <a:srgbClr val="000000"/>
+                </a:solidFill>
+                <a:effectLst/>
+                <a:latin typeface="新細明體" panose="02020500000000000000" pitchFamily="18" charset="-120"/>
+                <a:ea typeface="新細明體" panose="02020500000000000000" pitchFamily="18" charset="-120"/>
+              </a:rPr>
+              <a:t> </a:t>
+            </a:r>
+            <a:r>
+              <a:rPr lang="en-US" altLang="zh-TW" sz="2800" b="1" i="1" u="none" strike="noStrike" dirty="0" err="1">
+                <a:solidFill>
+                  <a:srgbClr val="000000"/>
+                </a:solidFill>
+                <a:effectLst/>
+                <a:latin typeface="新細明體" panose="02020500000000000000" pitchFamily="18" charset="-120"/>
+                <a:ea typeface="新細明體" panose="02020500000000000000" pitchFamily="18" charset="-120"/>
+              </a:rPr>
+              <a:t>purpurescens</a:t>
+            </a:r>
+            <a:endParaRPr lang="zh-TW" altLang="en-US" sz="2800" dirty="0"/>
+          </a:p>
+        </p:txBody>
+      </p:sp>
+      <p:sp>
+        <p:nvSpPr>
+          <p:cNvPr id="17" name="文字方塊 16">
+            <a:extLst>
+              <a:ext uri="{FF2B5EF4-FFF2-40B4-BE49-F238E27FC236}">
+                <a16:creationId xmlns:a16="http://schemas.microsoft.com/office/drawing/2014/main" id="{99AC0349-718B-A6B7-8153-1B8FDEFA4C98}"/>
+              </a:ext>
+            </a:extLst>
+          </p:cNvPr>
+          <p:cNvSpPr txBox="1"/>
+          <p:nvPr/>
+        </p:nvSpPr>
+        <p:spPr>
+          <a:xfrm>
+            <a:off x="95099" y="4587822"/>
+            <a:ext cx="3980990" cy="523218"/>
+          </a:xfrm>
+          <a:prstGeom prst="rect">
+            <a:avLst/>
+          </a:prstGeom>
+          <a:noFill/>
+        </p:spPr>
+        <p:txBody>
+          <a:bodyPr wrap="square">
+            <a:spAutoFit/>
+          </a:bodyPr>
+          <a:lstStyle/>
+          <a:p>
+            <a:r>
+              <a:rPr lang="en-US" altLang="zh-TW" sz="2800" i="1" dirty="0" err="1"/>
+              <a:t>Cebidichthys</a:t>
+            </a:r>
+            <a:r>
+              <a:rPr lang="en-US" altLang="zh-TW" sz="2800" i="1" dirty="0"/>
+              <a:t> violaceus</a:t>
+            </a:r>
+            <a:endParaRPr lang="zh-TW" altLang="en-US" sz="2800" i="1" dirty="0"/>
+          </a:p>
+        </p:txBody>
+      </p:sp>
+      <p:cxnSp>
+        <p:nvCxnSpPr>
+          <p:cNvPr id="18" name="直線接點 17">
+            <a:extLst>
+              <a:ext uri="{FF2B5EF4-FFF2-40B4-BE49-F238E27FC236}">
+                <a16:creationId xmlns:a16="http://schemas.microsoft.com/office/drawing/2014/main" id="{5081D8C6-0E2B-DD7B-DA90-58FACEC46D09}"/>
+              </a:ext>
+            </a:extLst>
+          </p:cNvPr>
+          <p:cNvCxnSpPr>
+            <a:cxnSpLocks/>
+          </p:cNvCxnSpPr>
+          <p:nvPr/>
+        </p:nvCxnSpPr>
+        <p:spPr>
+          <a:xfrm>
+            <a:off x="7202743" y="2205121"/>
+            <a:ext cx="3657600" cy="18726"/>
+          </a:xfrm>
+          <a:prstGeom prst="line">
+            <a:avLst/>
+          </a:prstGeom>
+          <a:ln w="76200"/>
+        </p:spPr>
+        <p:style>
+          <a:lnRef idx="2">
+            <a:schemeClr val="dk1"/>
+          </a:lnRef>
+          <a:fillRef idx="0">
+            <a:schemeClr val="dk1"/>
+          </a:fillRef>
+          <a:effectRef idx="1">
+            <a:schemeClr val="dk1"/>
+          </a:effectRef>
+          <a:fontRef idx="minor">
+            <a:schemeClr val="tx1"/>
+          </a:fontRef>
+        </p:style>
+      </p:cxnSp>
+      <p:sp>
+        <p:nvSpPr>
+          <p:cNvPr id="19" name="箭號: 向左 18">
+            <a:extLst>
+              <a:ext uri="{FF2B5EF4-FFF2-40B4-BE49-F238E27FC236}">
+                <a16:creationId xmlns:a16="http://schemas.microsoft.com/office/drawing/2014/main" id="{98EA9DA8-3D90-C2C0-9505-EC16FFFBC285}"/>
+              </a:ext>
+            </a:extLst>
+          </p:cNvPr>
+          <p:cNvSpPr/>
+          <p:nvPr/>
+        </p:nvSpPr>
+        <p:spPr>
+          <a:xfrm rot="10800000">
+            <a:off x="9657953" y="2020457"/>
+            <a:ext cx="551834" cy="369329"/>
+          </a:xfrm>
+          <a:prstGeom prst="leftArrow">
+            <a:avLst/>
+          </a:prstGeom>
+        </p:spPr>
+        <p:style>
+          <a:lnRef idx="1">
+            <a:schemeClr val="accent2"/>
+          </a:lnRef>
+          <a:fillRef idx="2">
+            <a:schemeClr val="accent2"/>
+          </a:fillRef>
+          <a:effectRef idx="1">
+            <a:schemeClr val="accent2"/>
+          </a:effectRef>
+          <a:fontRef idx="minor">
+            <a:schemeClr val="dk1"/>
+          </a:fontRef>
+        </p:style>
+        <p:txBody>
+          <a:bodyPr rtlCol="0" anchor="ctr"/>
+          <a:lstStyle/>
+          <a:p>
+            <a:pPr algn="ctr"/>
+            <a:endParaRPr lang="zh-TW" altLang="en-US" dirty="0"/>
+          </a:p>
+        </p:txBody>
+      </p:sp>
+      <p:sp>
+        <p:nvSpPr>
+          <p:cNvPr id="22" name="箭號: 向左 21">
+            <a:extLst>
+              <a:ext uri="{FF2B5EF4-FFF2-40B4-BE49-F238E27FC236}">
+                <a16:creationId xmlns:a16="http://schemas.microsoft.com/office/drawing/2014/main" id="{30812610-5EF3-BA34-B18A-0F173D2F3EB8}"/>
+              </a:ext>
+            </a:extLst>
+          </p:cNvPr>
+          <p:cNvSpPr/>
+          <p:nvPr/>
+        </p:nvSpPr>
+        <p:spPr>
+          <a:xfrm rot="10800000">
+            <a:off x="3502955" y="2027003"/>
+            <a:ext cx="551834" cy="334614"/>
+          </a:xfrm>
+          <a:prstGeom prst="leftArrow">
+            <a:avLst/>
+          </a:prstGeom>
+        </p:spPr>
+        <p:style>
+          <a:lnRef idx="2">
+            <a:schemeClr val="accent1">
+              <a:shade val="15000"/>
+            </a:schemeClr>
+          </a:lnRef>
+          <a:fillRef idx="1">
+            <a:schemeClr val="accent1"/>
+          </a:fillRef>
+          <a:effectRef idx="0">
+            <a:schemeClr val="accent1"/>
+          </a:effectRef>
+          <a:fontRef idx="minor">
+            <a:schemeClr val="lt1"/>
+          </a:fontRef>
+        </p:style>
+        <p:txBody>
+          <a:bodyPr rtlCol="0" anchor="ctr"/>
+          <a:lstStyle/>
+          <a:p>
+            <a:pPr algn="ctr"/>
+            <a:endParaRPr lang="zh-TW" altLang="en-US"/>
+          </a:p>
+        </p:txBody>
+      </p:sp>
+      <p:sp>
+        <p:nvSpPr>
+          <p:cNvPr id="23" name="箭號: 向左 22">
+            <a:extLst>
+              <a:ext uri="{FF2B5EF4-FFF2-40B4-BE49-F238E27FC236}">
+                <a16:creationId xmlns:a16="http://schemas.microsoft.com/office/drawing/2014/main" id="{8C0F6731-7150-9112-2FD3-61B7E24561ED}"/>
+              </a:ext>
+            </a:extLst>
+          </p:cNvPr>
+          <p:cNvSpPr/>
+          <p:nvPr/>
+        </p:nvSpPr>
+        <p:spPr>
+          <a:xfrm rot="10800000">
+            <a:off x="8892816" y="2056540"/>
+            <a:ext cx="551834" cy="334614"/>
+          </a:xfrm>
+          <a:prstGeom prst="leftArrow">
+            <a:avLst/>
+          </a:prstGeom>
+        </p:spPr>
+        <p:style>
+          <a:lnRef idx="2">
+            <a:schemeClr val="accent1">
+              <a:shade val="15000"/>
+            </a:schemeClr>
+          </a:lnRef>
+          <a:fillRef idx="1">
+            <a:schemeClr val="accent1"/>
+          </a:fillRef>
+          <a:effectRef idx="0">
+            <a:schemeClr val="accent1"/>
+          </a:effectRef>
+          <a:fontRef idx="minor">
+            <a:schemeClr val="lt1"/>
+          </a:fontRef>
+        </p:style>
+        <p:txBody>
+          <a:bodyPr rtlCol="0" anchor="ctr"/>
+          <a:lstStyle/>
+          <a:p>
+            <a:pPr algn="ctr"/>
+            <a:endParaRPr lang="zh-TW" altLang="en-US"/>
+          </a:p>
+        </p:txBody>
+      </p:sp>
+      <p:sp>
+        <p:nvSpPr>
+          <p:cNvPr id="24" name="箭號: 向左 23">
+            <a:extLst>
+              <a:ext uri="{FF2B5EF4-FFF2-40B4-BE49-F238E27FC236}">
+                <a16:creationId xmlns:a16="http://schemas.microsoft.com/office/drawing/2014/main" id="{3B1C3257-4125-8682-FCEC-C3766D98C767}"/>
+              </a:ext>
+            </a:extLst>
+          </p:cNvPr>
+          <p:cNvSpPr/>
+          <p:nvPr/>
+        </p:nvSpPr>
+        <p:spPr>
+          <a:xfrm rot="10800000">
+            <a:off x="8127679" y="2044360"/>
+            <a:ext cx="551834" cy="334614"/>
+          </a:xfrm>
+          <a:prstGeom prst="leftArrow">
+            <a:avLst/>
+          </a:prstGeom>
+        </p:spPr>
+        <p:style>
+          <a:lnRef idx="1">
+            <a:schemeClr val="accent2"/>
+          </a:lnRef>
+          <a:fillRef idx="2">
+            <a:schemeClr val="accent2"/>
+          </a:fillRef>
+          <a:effectRef idx="1">
+            <a:schemeClr val="accent2"/>
+          </a:effectRef>
+          <a:fontRef idx="minor">
+            <a:schemeClr val="dk1"/>
+          </a:fontRef>
+        </p:style>
+        <p:txBody>
+          <a:bodyPr rtlCol="0" anchor="ctr"/>
+          <a:lstStyle/>
+          <a:p>
+            <a:pPr algn="ctr"/>
+            <a:endParaRPr lang="zh-TW" altLang="en-US" dirty="0"/>
+          </a:p>
+        </p:txBody>
+      </p:sp>
+      <p:sp>
+        <p:nvSpPr>
+          <p:cNvPr id="28" name="箭號: 向左 27">
+            <a:extLst>
+              <a:ext uri="{FF2B5EF4-FFF2-40B4-BE49-F238E27FC236}">
+                <a16:creationId xmlns:a16="http://schemas.microsoft.com/office/drawing/2014/main" id="{8AA3A897-54EC-C93A-206A-1C3C23845D54}"/>
+              </a:ext>
+            </a:extLst>
+          </p:cNvPr>
+          <p:cNvSpPr/>
+          <p:nvPr/>
+        </p:nvSpPr>
+        <p:spPr>
+          <a:xfrm rot="10800000">
+            <a:off x="4184782" y="5445739"/>
+            <a:ext cx="551834" cy="369329"/>
+          </a:xfrm>
+          <a:prstGeom prst="leftArrow">
+            <a:avLst/>
+          </a:prstGeom>
+        </p:spPr>
+        <p:style>
+          <a:lnRef idx="2">
+            <a:schemeClr val="accent1">
+              <a:shade val="15000"/>
+            </a:schemeClr>
+          </a:lnRef>
+          <a:fillRef idx="1">
+            <a:schemeClr val="accent1"/>
+          </a:fillRef>
+          <a:effectRef idx="0">
+            <a:schemeClr val="accent1"/>
+          </a:effectRef>
+          <a:fontRef idx="minor">
+            <a:schemeClr val="lt1"/>
+          </a:fontRef>
+        </p:style>
+        <p:txBody>
+          <a:bodyPr rtlCol="0" anchor="ctr"/>
+          <a:lstStyle/>
+          <a:p>
+            <a:pPr algn="ctr"/>
+            <a:endParaRPr lang="zh-TW" altLang="en-US"/>
+          </a:p>
+        </p:txBody>
+      </p:sp>
+      <p:sp>
+        <p:nvSpPr>
+          <p:cNvPr id="29" name="箭號: 向左 28">
+            <a:extLst>
+              <a:ext uri="{FF2B5EF4-FFF2-40B4-BE49-F238E27FC236}">
+                <a16:creationId xmlns:a16="http://schemas.microsoft.com/office/drawing/2014/main" id="{88280F10-5B01-827F-7278-234550D48ACD}"/>
+              </a:ext>
+            </a:extLst>
+          </p:cNvPr>
+          <p:cNvSpPr/>
+          <p:nvPr/>
+        </p:nvSpPr>
+        <p:spPr>
+          <a:xfrm rot="10800000">
+            <a:off x="5095724" y="5445739"/>
+            <a:ext cx="551834" cy="369329"/>
+          </a:xfrm>
+          <a:prstGeom prst="leftArrow">
+            <a:avLst/>
+          </a:prstGeom>
+        </p:spPr>
+        <p:style>
+          <a:lnRef idx="2">
+            <a:schemeClr val="accent1">
+              <a:shade val="15000"/>
+            </a:schemeClr>
+          </a:lnRef>
+          <a:fillRef idx="1">
+            <a:schemeClr val="accent1"/>
+          </a:fillRef>
+          <a:effectRef idx="0">
+            <a:schemeClr val="accent1"/>
+          </a:effectRef>
+          <a:fontRef idx="minor">
+            <a:schemeClr val="lt1"/>
+          </a:fontRef>
+        </p:style>
+        <p:txBody>
+          <a:bodyPr rtlCol="0" anchor="ctr"/>
+          <a:lstStyle/>
+          <a:p>
+            <a:pPr algn="ctr"/>
+            <a:endParaRPr lang="zh-TW" altLang="en-US"/>
+          </a:p>
+        </p:txBody>
+      </p:sp>
+      <p:sp>
+        <p:nvSpPr>
+          <p:cNvPr id="30" name="箭號: 向左 29">
+            <a:extLst>
+              <a:ext uri="{FF2B5EF4-FFF2-40B4-BE49-F238E27FC236}">
+                <a16:creationId xmlns:a16="http://schemas.microsoft.com/office/drawing/2014/main" id="{06E5DB76-88E9-2CA7-EDE1-B74297C17AAA}"/>
+              </a:ext>
+            </a:extLst>
+          </p:cNvPr>
+          <p:cNvSpPr/>
+          <p:nvPr/>
+        </p:nvSpPr>
+        <p:spPr>
+          <a:xfrm rot="10800000">
+            <a:off x="6006666" y="5445739"/>
+            <a:ext cx="551834" cy="369329"/>
+          </a:xfrm>
+          <a:prstGeom prst="leftArrow">
+            <a:avLst/>
+          </a:prstGeom>
+        </p:spPr>
+        <p:style>
+          <a:lnRef idx="2">
+            <a:schemeClr val="accent1">
+              <a:shade val="15000"/>
+            </a:schemeClr>
+          </a:lnRef>
+          <a:fillRef idx="1">
+            <a:schemeClr val="accent1"/>
+          </a:fillRef>
+          <a:effectRef idx="0">
+            <a:schemeClr val="accent1"/>
+          </a:effectRef>
+          <a:fontRef idx="minor">
+            <a:schemeClr val="lt1"/>
+          </a:fontRef>
+        </p:style>
+        <p:txBody>
+          <a:bodyPr rtlCol="0" anchor="ctr"/>
+          <a:lstStyle/>
+          <a:p>
+            <a:pPr algn="ctr"/>
+            <a:endParaRPr lang="zh-TW" altLang="en-US"/>
+          </a:p>
+        </p:txBody>
+      </p:sp>
+      <p:sp>
+        <p:nvSpPr>
+          <p:cNvPr id="33" name="箭號: 向左 32">
+            <a:extLst>
+              <a:ext uri="{FF2B5EF4-FFF2-40B4-BE49-F238E27FC236}">
+                <a16:creationId xmlns:a16="http://schemas.microsoft.com/office/drawing/2014/main" id="{94B243F4-C646-2D97-1754-F29D53A86037}"/>
+              </a:ext>
+            </a:extLst>
+          </p:cNvPr>
+          <p:cNvSpPr/>
+          <p:nvPr/>
+        </p:nvSpPr>
+        <p:spPr>
+          <a:xfrm rot="10800000">
+            <a:off x="3582123" y="3597830"/>
+            <a:ext cx="551834" cy="369329"/>
+          </a:xfrm>
+          <a:prstGeom prst="leftArrow">
+            <a:avLst/>
+          </a:prstGeom>
+        </p:spPr>
+        <p:style>
+          <a:lnRef idx="2">
+            <a:schemeClr val="accent1">
+              <a:shade val="15000"/>
+            </a:schemeClr>
+          </a:lnRef>
+          <a:fillRef idx="1">
+            <a:schemeClr val="accent1"/>
+          </a:fillRef>
+          <a:effectRef idx="0">
+            <a:schemeClr val="accent1"/>
+          </a:effectRef>
+          <a:fontRef idx="minor">
+            <a:schemeClr val="lt1"/>
+          </a:fontRef>
+        </p:style>
+        <p:txBody>
+          <a:bodyPr rtlCol="0" anchor="ctr"/>
+          <a:lstStyle/>
+          <a:p>
+            <a:pPr algn="ctr"/>
+            <a:endParaRPr lang="zh-TW" altLang="en-US"/>
+          </a:p>
+        </p:txBody>
+      </p:sp>
+      <p:sp>
+        <p:nvSpPr>
+          <p:cNvPr id="34" name="箭號: 向左 33">
+            <a:extLst>
+              <a:ext uri="{FF2B5EF4-FFF2-40B4-BE49-F238E27FC236}">
+                <a16:creationId xmlns:a16="http://schemas.microsoft.com/office/drawing/2014/main" id="{520FF16C-DAF8-A5D2-D5DB-F4EC2203A189}"/>
+              </a:ext>
+            </a:extLst>
+          </p:cNvPr>
+          <p:cNvSpPr/>
+          <p:nvPr/>
+        </p:nvSpPr>
+        <p:spPr>
+          <a:xfrm rot="10800000">
+            <a:off x="4388381" y="3597830"/>
+            <a:ext cx="551834" cy="369329"/>
+          </a:xfrm>
+          <a:prstGeom prst="leftArrow">
+            <a:avLst/>
+          </a:prstGeom>
+        </p:spPr>
+        <p:style>
+          <a:lnRef idx="2">
+            <a:schemeClr val="accent1">
+              <a:shade val="15000"/>
+            </a:schemeClr>
+          </a:lnRef>
+          <a:fillRef idx="1">
+            <a:schemeClr val="accent1"/>
+          </a:fillRef>
+          <a:effectRef idx="0">
+            <a:schemeClr val="accent1"/>
+          </a:effectRef>
+          <a:fontRef idx="minor">
+            <a:schemeClr val="lt1"/>
+          </a:fontRef>
+        </p:style>
+        <p:txBody>
+          <a:bodyPr rtlCol="0" anchor="ctr"/>
+          <a:lstStyle/>
+          <a:p>
+            <a:pPr algn="ctr"/>
+            <a:endParaRPr lang="zh-TW" altLang="en-US"/>
+          </a:p>
+        </p:txBody>
+      </p:sp>
+      <p:sp>
+        <p:nvSpPr>
+          <p:cNvPr id="35" name="文字方塊 34">
+            <a:extLst>
+              <a:ext uri="{FF2B5EF4-FFF2-40B4-BE49-F238E27FC236}">
+                <a16:creationId xmlns:a16="http://schemas.microsoft.com/office/drawing/2014/main" id="{93FE1D9A-55A7-0F26-3AF4-481F8241A3FA}"/>
+              </a:ext>
+            </a:extLst>
+          </p:cNvPr>
+          <p:cNvSpPr txBox="1"/>
+          <p:nvPr/>
+        </p:nvSpPr>
+        <p:spPr>
+          <a:xfrm>
+            <a:off x="2454862" y="1548182"/>
+            <a:ext cx="1170013" cy="369332"/>
+          </a:xfrm>
+          <a:prstGeom prst="rect">
+            <a:avLst/>
+          </a:prstGeom>
+          <a:noFill/>
+        </p:spPr>
+        <p:txBody>
+          <a:bodyPr wrap="square">
+            <a:spAutoFit/>
+          </a:bodyPr>
+          <a:lstStyle/>
+          <a:p>
+            <a:r>
+              <a:rPr lang="en-US" altLang="zh-TW" sz="1800" dirty="0">
+                <a:solidFill>
+                  <a:schemeClr val="accent1">
+                    <a:lumMod val="75000"/>
+                  </a:schemeClr>
+                </a:solidFill>
+              </a:rPr>
+              <a:t>g17563</a:t>
+            </a:r>
+            <a:endParaRPr lang="zh-TW" altLang="en-US" dirty="0">
+              <a:solidFill>
+                <a:schemeClr val="accent1">
+                  <a:lumMod val="75000"/>
+                </a:schemeClr>
+              </a:solidFill>
+            </a:endParaRPr>
+          </a:p>
+        </p:txBody>
+      </p:sp>
+      <p:sp>
+        <p:nvSpPr>
+          <p:cNvPr id="37" name="文字方塊 36">
+            <a:extLst>
+              <a:ext uri="{FF2B5EF4-FFF2-40B4-BE49-F238E27FC236}">
+                <a16:creationId xmlns:a16="http://schemas.microsoft.com/office/drawing/2014/main" id="{72591051-DC75-1399-5D63-F28FA4952357}"/>
+              </a:ext>
+            </a:extLst>
+          </p:cNvPr>
+          <p:cNvSpPr txBox="1"/>
+          <p:nvPr/>
+        </p:nvSpPr>
+        <p:spPr>
+          <a:xfrm>
+            <a:off x="3258664" y="1548182"/>
+            <a:ext cx="1170013" cy="369332"/>
+          </a:xfrm>
+          <a:prstGeom prst="rect">
+            <a:avLst/>
+          </a:prstGeom>
+          <a:noFill/>
+        </p:spPr>
+        <p:txBody>
+          <a:bodyPr wrap="square">
+            <a:spAutoFit/>
+          </a:bodyPr>
+          <a:lstStyle/>
+          <a:p>
+            <a:r>
+              <a:rPr lang="en-US" altLang="zh-TW" sz="1800" dirty="0">
+                <a:solidFill>
+                  <a:schemeClr val="accent1">
+                    <a:lumMod val="75000"/>
+                  </a:schemeClr>
+                </a:solidFill>
+              </a:rPr>
+              <a:t>g17564</a:t>
+            </a:r>
+            <a:endParaRPr lang="zh-TW" altLang="en-US" dirty="0">
+              <a:solidFill>
+                <a:schemeClr val="accent1">
+                  <a:lumMod val="75000"/>
+                </a:schemeClr>
+              </a:solidFill>
+            </a:endParaRPr>
+          </a:p>
+        </p:txBody>
+      </p:sp>
+      <p:sp>
+        <p:nvSpPr>
+          <p:cNvPr id="38" name="文字方塊 37">
+            <a:extLst>
+              <a:ext uri="{FF2B5EF4-FFF2-40B4-BE49-F238E27FC236}">
+                <a16:creationId xmlns:a16="http://schemas.microsoft.com/office/drawing/2014/main" id="{FA29D8F8-16BA-20FF-C44A-8A2325A8419D}"/>
+              </a:ext>
+            </a:extLst>
+          </p:cNvPr>
+          <p:cNvSpPr txBox="1"/>
+          <p:nvPr/>
+        </p:nvSpPr>
+        <p:spPr>
+          <a:xfrm>
+            <a:off x="8679513" y="1729776"/>
+            <a:ext cx="1170013" cy="369332"/>
+          </a:xfrm>
+          <a:prstGeom prst="rect">
+            <a:avLst/>
+          </a:prstGeom>
+          <a:noFill/>
+        </p:spPr>
+        <p:txBody>
+          <a:bodyPr wrap="square">
+            <a:spAutoFit/>
+          </a:bodyPr>
+          <a:lstStyle/>
+          <a:p>
+            <a:r>
+              <a:rPr lang="en-US" altLang="zh-TW" dirty="0">
+                <a:solidFill>
+                  <a:schemeClr val="accent1">
+                    <a:lumMod val="75000"/>
+                  </a:schemeClr>
+                </a:solidFill>
+              </a:rPr>
+              <a:t>g19849</a:t>
+            </a:r>
+            <a:endParaRPr lang="zh-TW" altLang="en-US" dirty="0">
+              <a:solidFill>
+                <a:schemeClr val="accent1">
+                  <a:lumMod val="75000"/>
+                </a:schemeClr>
+              </a:solidFill>
+            </a:endParaRPr>
+          </a:p>
+        </p:txBody>
+      </p:sp>
+      <p:sp>
+        <p:nvSpPr>
+          <p:cNvPr id="39" name="文字方塊 38">
+            <a:extLst>
+              <a:ext uri="{FF2B5EF4-FFF2-40B4-BE49-F238E27FC236}">
+                <a16:creationId xmlns:a16="http://schemas.microsoft.com/office/drawing/2014/main" id="{5BEADD3A-64D9-8285-F28C-2102DE2571DA}"/>
+              </a:ext>
+            </a:extLst>
+          </p:cNvPr>
+          <p:cNvSpPr txBox="1"/>
+          <p:nvPr/>
+        </p:nvSpPr>
+        <p:spPr>
+          <a:xfrm>
+            <a:off x="2925857" y="5028983"/>
+            <a:ext cx="1170013" cy="369332"/>
+          </a:xfrm>
+          <a:prstGeom prst="rect">
+            <a:avLst/>
+          </a:prstGeom>
+          <a:noFill/>
+        </p:spPr>
+        <p:txBody>
+          <a:bodyPr wrap="square">
+            <a:spAutoFit/>
+          </a:bodyPr>
+          <a:lstStyle/>
+          <a:p>
+            <a:r>
+              <a:rPr lang="en-US" altLang="zh-TW" dirty="0">
+                <a:solidFill>
+                  <a:schemeClr val="accent1">
+                    <a:lumMod val="75000"/>
+                  </a:schemeClr>
+                </a:solidFill>
+              </a:rPr>
+              <a:t>g13350</a:t>
+            </a:r>
+            <a:endParaRPr lang="zh-TW" altLang="en-US" dirty="0">
+              <a:solidFill>
+                <a:schemeClr val="accent1">
+                  <a:lumMod val="75000"/>
+                </a:schemeClr>
+              </a:solidFill>
+            </a:endParaRPr>
+          </a:p>
+        </p:txBody>
+      </p:sp>
+      <p:sp>
+        <p:nvSpPr>
+          <p:cNvPr id="40" name="文字方塊 39">
+            <a:extLst>
+              <a:ext uri="{FF2B5EF4-FFF2-40B4-BE49-F238E27FC236}">
+                <a16:creationId xmlns:a16="http://schemas.microsoft.com/office/drawing/2014/main" id="{E00AB615-C040-29C1-B5BD-98122B272075}"/>
+              </a:ext>
+            </a:extLst>
+          </p:cNvPr>
+          <p:cNvSpPr txBox="1"/>
+          <p:nvPr/>
+        </p:nvSpPr>
+        <p:spPr>
+          <a:xfrm>
+            <a:off x="3879337" y="5028983"/>
+            <a:ext cx="1170013" cy="369332"/>
+          </a:xfrm>
+          <a:prstGeom prst="rect">
+            <a:avLst/>
+          </a:prstGeom>
+          <a:noFill/>
+        </p:spPr>
+        <p:txBody>
+          <a:bodyPr wrap="square">
+            <a:spAutoFit/>
+          </a:bodyPr>
+          <a:lstStyle/>
+          <a:p>
+            <a:r>
+              <a:rPr lang="en-US" altLang="zh-TW" dirty="0">
+                <a:solidFill>
+                  <a:schemeClr val="accent1">
+                    <a:lumMod val="75000"/>
+                  </a:schemeClr>
+                </a:solidFill>
+              </a:rPr>
+              <a:t>g13351</a:t>
+            </a:r>
+            <a:endParaRPr lang="zh-TW" altLang="en-US" dirty="0">
+              <a:solidFill>
+                <a:schemeClr val="accent1">
+                  <a:lumMod val="75000"/>
+                </a:schemeClr>
+              </a:solidFill>
+            </a:endParaRPr>
+          </a:p>
+        </p:txBody>
+      </p:sp>
+      <p:sp>
+        <p:nvSpPr>
+          <p:cNvPr id="41" name="文字方塊 40">
+            <a:extLst>
+              <a:ext uri="{FF2B5EF4-FFF2-40B4-BE49-F238E27FC236}">
+                <a16:creationId xmlns:a16="http://schemas.microsoft.com/office/drawing/2014/main" id="{D86288FE-0C22-79D3-414A-C34378C52385}"/>
+              </a:ext>
+            </a:extLst>
+          </p:cNvPr>
+          <p:cNvSpPr txBox="1"/>
+          <p:nvPr/>
+        </p:nvSpPr>
+        <p:spPr>
+          <a:xfrm>
+            <a:off x="4832817" y="5028983"/>
+            <a:ext cx="1170013" cy="369332"/>
+          </a:xfrm>
+          <a:prstGeom prst="rect">
+            <a:avLst/>
+          </a:prstGeom>
+          <a:noFill/>
+        </p:spPr>
+        <p:txBody>
+          <a:bodyPr wrap="square">
+            <a:spAutoFit/>
+          </a:bodyPr>
+          <a:lstStyle/>
+          <a:p>
+            <a:r>
+              <a:rPr lang="en-US" altLang="zh-TW" dirty="0">
+                <a:solidFill>
+                  <a:schemeClr val="accent1">
+                    <a:lumMod val="75000"/>
+                  </a:schemeClr>
+                </a:solidFill>
+              </a:rPr>
+              <a:t>g13352</a:t>
+            </a:r>
+            <a:endParaRPr lang="zh-TW" altLang="en-US" dirty="0">
+              <a:solidFill>
+                <a:schemeClr val="accent1">
+                  <a:lumMod val="75000"/>
+                </a:schemeClr>
+              </a:solidFill>
+            </a:endParaRPr>
+          </a:p>
+        </p:txBody>
+      </p:sp>
+      <p:sp>
+        <p:nvSpPr>
+          <p:cNvPr id="42" name="文字方塊 41">
+            <a:extLst>
+              <a:ext uri="{FF2B5EF4-FFF2-40B4-BE49-F238E27FC236}">
+                <a16:creationId xmlns:a16="http://schemas.microsoft.com/office/drawing/2014/main" id="{E3F18103-9121-A697-6557-611D4FA3EDE7}"/>
+              </a:ext>
+            </a:extLst>
+          </p:cNvPr>
+          <p:cNvSpPr txBox="1"/>
+          <p:nvPr/>
+        </p:nvSpPr>
+        <p:spPr>
+          <a:xfrm>
+            <a:off x="5786297" y="5018707"/>
+            <a:ext cx="1170013" cy="369332"/>
+          </a:xfrm>
+          <a:prstGeom prst="rect">
+            <a:avLst/>
+          </a:prstGeom>
+          <a:noFill/>
+        </p:spPr>
+        <p:txBody>
+          <a:bodyPr wrap="square">
+            <a:spAutoFit/>
+          </a:bodyPr>
+          <a:lstStyle/>
+          <a:p>
+            <a:r>
+              <a:rPr lang="en-US" altLang="zh-TW" dirty="0">
+                <a:solidFill>
+                  <a:schemeClr val="accent1">
+                    <a:lumMod val="75000"/>
+                  </a:schemeClr>
+                </a:solidFill>
+              </a:rPr>
+              <a:t>g13353</a:t>
+            </a:r>
+            <a:endParaRPr lang="zh-TW" altLang="en-US" dirty="0">
+              <a:solidFill>
+                <a:schemeClr val="accent1">
+                  <a:lumMod val="75000"/>
+                </a:schemeClr>
+              </a:solidFill>
+            </a:endParaRPr>
+          </a:p>
+        </p:txBody>
+      </p:sp>
+      <p:sp>
+        <p:nvSpPr>
+          <p:cNvPr id="43" name="文字方塊 42">
+            <a:extLst>
+              <a:ext uri="{FF2B5EF4-FFF2-40B4-BE49-F238E27FC236}">
+                <a16:creationId xmlns:a16="http://schemas.microsoft.com/office/drawing/2014/main" id="{ACB2BBF7-F87B-1CE7-88FE-B2BA85CDF81B}"/>
+              </a:ext>
+            </a:extLst>
+          </p:cNvPr>
+          <p:cNvSpPr txBox="1"/>
+          <p:nvPr/>
+        </p:nvSpPr>
+        <p:spPr>
+          <a:xfrm>
+            <a:off x="1612491" y="6103719"/>
+            <a:ext cx="2905903" cy="523220"/>
+          </a:xfrm>
+          <a:prstGeom prst="rect">
+            <a:avLst/>
+          </a:prstGeom>
+          <a:noFill/>
+        </p:spPr>
+        <p:txBody>
+          <a:bodyPr wrap="square">
+            <a:spAutoFit/>
+          </a:bodyPr>
+          <a:lstStyle/>
+          <a:p>
+            <a:r>
+              <a:rPr lang="en-US" altLang="zh-TW" sz="1400" dirty="0">
+                <a:solidFill>
+                  <a:schemeClr val="accent2">
+                    <a:lumMod val="60000"/>
+                    <a:lumOff val="40000"/>
+                  </a:schemeClr>
+                </a:solidFill>
+              </a:rPr>
+              <a:t>g13349: general transcription factor 3C polypeptide 5</a:t>
+            </a:r>
+            <a:endParaRPr lang="zh-TW" altLang="en-US" sz="1400" dirty="0">
+              <a:solidFill>
+                <a:schemeClr val="accent2">
+                  <a:lumMod val="60000"/>
+                  <a:lumOff val="40000"/>
+                </a:schemeClr>
+              </a:solidFill>
+            </a:endParaRPr>
+          </a:p>
+        </p:txBody>
+      </p:sp>
+      <p:sp>
+        <p:nvSpPr>
+          <p:cNvPr id="44" name="文字方塊 43">
+            <a:extLst>
+              <a:ext uri="{FF2B5EF4-FFF2-40B4-BE49-F238E27FC236}">
+                <a16:creationId xmlns:a16="http://schemas.microsoft.com/office/drawing/2014/main" id="{E5787AB7-93CF-FFB9-D735-4CFD0CAB11AD}"/>
+              </a:ext>
+            </a:extLst>
+          </p:cNvPr>
+          <p:cNvSpPr txBox="1"/>
+          <p:nvPr/>
+        </p:nvSpPr>
+        <p:spPr>
+          <a:xfrm>
+            <a:off x="6752050" y="6025380"/>
+            <a:ext cx="2905903" cy="523220"/>
+          </a:xfrm>
+          <a:prstGeom prst="rect">
+            <a:avLst/>
+          </a:prstGeom>
+          <a:noFill/>
+        </p:spPr>
+        <p:txBody>
+          <a:bodyPr wrap="square">
+            <a:spAutoFit/>
+          </a:bodyPr>
+          <a:lstStyle/>
+          <a:p>
+            <a:r>
+              <a:rPr lang="en-US" altLang="zh-TW" sz="1400" dirty="0">
+                <a:solidFill>
+                  <a:schemeClr val="accent2">
+                    <a:lumMod val="60000"/>
+                    <a:lumOff val="40000"/>
+                  </a:schemeClr>
+                </a:solidFill>
+              </a:rPr>
+              <a:t>g13354: cholesterol 7-desaturase-like (</a:t>
+            </a:r>
+            <a:r>
+              <a:rPr lang="en-US" altLang="zh-TW" sz="1400" dirty="0" err="1">
+                <a:solidFill>
+                  <a:schemeClr val="accent2">
+                    <a:lumMod val="60000"/>
+                    <a:lumOff val="40000"/>
+                  </a:schemeClr>
+                </a:solidFill>
+              </a:rPr>
+              <a:t>ndv</a:t>
+            </a:r>
+            <a:r>
+              <a:rPr lang="en-US" altLang="zh-TW" sz="1400" dirty="0">
+                <a:solidFill>
+                  <a:schemeClr val="accent2">
+                    <a:lumMod val="60000"/>
+                    <a:lumOff val="40000"/>
+                  </a:schemeClr>
+                </a:solidFill>
+              </a:rPr>
+              <a:t>)</a:t>
+            </a:r>
+            <a:endParaRPr lang="zh-TW" altLang="en-US" sz="1400" dirty="0">
+              <a:solidFill>
+                <a:schemeClr val="accent2">
+                  <a:lumMod val="60000"/>
+                  <a:lumOff val="40000"/>
+                </a:schemeClr>
+              </a:solidFill>
+            </a:endParaRPr>
+          </a:p>
+        </p:txBody>
+      </p:sp>
+      <p:cxnSp>
+        <p:nvCxnSpPr>
+          <p:cNvPr id="46" name="直線接點 45">
+            <a:extLst>
+              <a:ext uri="{FF2B5EF4-FFF2-40B4-BE49-F238E27FC236}">
+                <a16:creationId xmlns:a16="http://schemas.microsoft.com/office/drawing/2014/main" id="{2777D5B5-BC3B-BBAB-97D4-B86D0918D72F}"/>
+              </a:ext>
+            </a:extLst>
+          </p:cNvPr>
+          <p:cNvCxnSpPr>
+            <a:cxnSpLocks/>
+          </p:cNvCxnSpPr>
+          <p:nvPr/>
+        </p:nvCxnSpPr>
+        <p:spPr>
+          <a:xfrm>
+            <a:off x="7202743" y="3799236"/>
+            <a:ext cx="3657600" cy="0"/>
+          </a:xfrm>
+          <a:prstGeom prst="line">
+            <a:avLst/>
+          </a:prstGeom>
+          <a:ln w="76200"/>
+        </p:spPr>
+        <p:style>
+          <a:lnRef idx="2">
+            <a:schemeClr val="dk1"/>
+          </a:lnRef>
+          <a:fillRef idx="0">
+            <a:schemeClr val="dk1"/>
+          </a:fillRef>
+          <a:effectRef idx="1">
+            <a:schemeClr val="dk1"/>
+          </a:effectRef>
+          <a:fontRef idx="minor">
+            <a:schemeClr val="tx1"/>
+          </a:fontRef>
+        </p:style>
+      </p:cxnSp>
+      <p:sp>
+        <p:nvSpPr>
+          <p:cNvPr id="47" name="箭號: 向左 46">
+            <a:extLst>
+              <a:ext uri="{FF2B5EF4-FFF2-40B4-BE49-F238E27FC236}">
+                <a16:creationId xmlns:a16="http://schemas.microsoft.com/office/drawing/2014/main" id="{E42E4987-6D8C-1B42-7A2A-B3DA70EC7B95}"/>
+              </a:ext>
+            </a:extLst>
+          </p:cNvPr>
+          <p:cNvSpPr/>
+          <p:nvPr/>
+        </p:nvSpPr>
+        <p:spPr>
+          <a:xfrm rot="10800000">
+            <a:off x="9839234" y="3583747"/>
+            <a:ext cx="551834" cy="369329"/>
+          </a:xfrm>
+          <a:prstGeom prst="leftArrow">
+            <a:avLst/>
+          </a:prstGeom>
+        </p:spPr>
+        <p:style>
+          <a:lnRef idx="1">
+            <a:schemeClr val="accent2"/>
+          </a:lnRef>
+          <a:fillRef idx="2">
+            <a:schemeClr val="accent2"/>
+          </a:fillRef>
+          <a:effectRef idx="1">
+            <a:schemeClr val="accent2"/>
+          </a:effectRef>
+          <a:fontRef idx="minor">
+            <a:schemeClr val="dk1"/>
+          </a:fontRef>
+        </p:style>
+        <p:txBody>
+          <a:bodyPr rtlCol="0" anchor="ctr"/>
+          <a:lstStyle/>
+          <a:p>
+            <a:pPr algn="ctr"/>
+            <a:endParaRPr lang="zh-TW" altLang="en-US" dirty="0"/>
+          </a:p>
+        </p:txBody>
+      </p:sp>
+      <p:sp>
+        <p:nvSpPr>
+          <p:cNvPr id="48" name="箭號: 向左 47">
+            <a:extLst>
+              <a:ext uri="{FF2B5EF4-FFF2-40B4-BE49-F238E27FC236}">
+                <a16:creationId xmlns:a16="http://schemas.microsoft.com/office/drawing/2014/main" id="{99F04526-ADAB-7E11-3897-350BBA42B17C}"/>
+              </a:ext>
+            </a:extLst>
+          </p:cNvPr>
+          <p:cNvSpPr/>
+          <p:nvPr/>
+        </p:nvSpPr>
+        <p:spPr>
+          <a:xfrm rot="10800000">
+            <a:off x="9074097" y="3619830"/>
+            <a:ext cx="551834" cy="334614"/>
+          </a:xfrm>
+          <a:prstGeom prst="leftArrow">
+            <a:avLst/>
+          </a:prstGeom>
+        </p:spPr>
+        <p:style>
+          <a:lnRef idx="2">
+            <a:schemeClr val="accent1">
+              <a:shade val="15000"/>
+            </a:schemeClr>
+          </a:lnRef>
+          <a:fillRef idx="1">
+            <a:schemeClr val="accent1"/>
+          </a:fillRef>
+          <a:effectRef idx="0">
+            <a:schemeClr val="accent1"/>
+          </a:effectRef>
+          <a:fontRef idx="minor">
+            <a:schemeClr val="lt1"/>
+          </a:fontRef>
+        </p:style>
+        <p:txBody>
+          <a:bodyPr rtlCol="0" anchor="ctr"/>
+          <a:lstStyle/>
+          <a:p>
+            <a:pPr algn="ctr"/>
+            <a:endParaRPr lang="zh-TW" altLang="en-US"/>
+          </a:p>
+        </p:txBody>
+      </p:sp>
+      <p:sp>
+        <p:nvSpPr>
+          <p:cNvPr id="49" name="箭號: 向左 48">
+            <a:extLst>
+              <a:ext uri="{FF2B5EF4-FFF2-40B4-BE49-F238E27FC236}">
+                <a16:creationId xmlns:a16="http://schemas.microsoft.com/office/drawing/2014/main" id="{9963DA63-5F56-0F82-9684-E8AB64E87DBE}"/>
+              </a:ext>
+            </a:extLst>
+          </p:cNvPr>
+          <p:cNvSpPr/>
+          <p:nvPr/>
+        </p:nvSpPr>
+        <p:spPr>
+          <a:xfrm rot="10800000">
+            <a:off x="8308960" y="3607650"/>
+            <a:ext cx="551834" cy="334614"/>
+          </a:xfrm>
+          <a:prstGeom prst="leftArrow">
+            <a:avLst/>
+          </a:prstGeom>
+        </p:spPr>
+        <p:style>
+          <a:lnRef idx="1">
+            <a:schemeClr val="accent2"/>
+          </a:lnRef>
+          <a:fillRef idx="2">
+            <a:schemeClr val="accent2"/>
+          </a:fillRef>
+          <a:effectRef idx="1">
+            <a:schemeClr val="accent2"/>
+          </a:effectRef>
+          <a:fontRef idx="minor">
+            <a:schemeClr val="dk1"/>
+          </a:fontRef>
+        </p:style>
+        <p:txBody>
+          <a:bodyPr rtlCol="0" anchor="ctr"/>
+          <a:lstStyle/>
+          <a:p>
+            <a:pPr algn="ctr"/>
+            <a:endParaRPr lang="zh-TW" altLang="en-US" dirty="0"/>
+          </a:p>
+        </p:txBody>
+      </p:sp>
+      <p:sp>
+        <p:nvSpPr>
+          <p:cNvPr id="50" name="文字方塊 49">
+            <a:extLst>
+              <a:ext uri="{FF2B5EF4-FFF2-40B4-BE49-F238E27FC236}">
+                <a16:creationId xmlns:a16="http://schemas.microsoft.com/office/drawing/2014/main" id="{7FAF3FCC-607D-713E-F571-86B74C3192F1}"/>
+              </a:ext>
+            </a:extLst>
+          </p:cNvPr>
+          <p:cNvSpPr txBox="1"/>
+          <p:nvPr/>
+        </p:nvSpPr>
+        <p:spPr>
+          <a:xfrm>
+            <a:off x="8837815" y="3181028"/>
+            <a:ext cx="1170013" cy="369332"/>
+          </a:xfrm>
+          <a:prstGeom prst="rect">
+            <a:avLst/>
+          </a:prstGeom>
+          <a:noFill/>
+        </p:spPr>
+        <p:txBody>
+          <a:bodyPr wrap="square">
+            <a:spAutoFit/>
+          </a:bodyPr>
+          <a:lstStyle/>
+          <a:p>
+            <a:r>
+              <a:rPr lang="en-US" altLang="zh-TW" dirty="0">
+                <a:solidFill>
+                  <a:schemeClr val="accent1">
+                    <a:lumMod val="75000"/>
+                  </a:schemeClr>
+                </a:solidFill>
+              </a:rPr>
+              <a:t>jg22915</a:t>
+            </a:r>
+            <a:endParaRPr lang="zh-TW" altLang="en-US" dirty="0">
+              <a:solidFill>
+                <a:schemeClr val="accent1">
+                  <a:lumMod val="75000"/>
+                </a:schemeClr>
+              </a:solidFill>
+            </a:endParaRPr>
+          </a:p>
+        </p:txBody>
+      </p:sp>
+      <p:sp>
+        <p:nvSpPr>
+          <p:cNvPr id="52" name="文字方塊 51">
+            <a:extLst>
+              <a:ext uri="{FF2B5EF4-FFF2-40B4-BE49-F238E27FC236}">
+                <a16:creationId xmlns:a16="http://schemas.microsoft.com/office/drawing/2014/main" id="{34E769E2-AC11-09B1-57A3-367C1D429ABD}"/>
+              </a:ext>
+            </a:extLst>
+          </p:cNvPr>
+          <p:cNvSpPr txBox="1"/>
+          <p:nvPr/>
+        </p:nvSpPr>
+        <p:spPr>
+          <a:xfrm>
+            <a:off x="3443988" y="3211661"/>
+            <a:ext cx="1170013" cy="369332"/>
+          </a:xfrm>
+          <a:prstGeom prst="rect">
+            <a:avLst/>
+          </a:prstGeom>
+          <a:noFill/>
+        </p:spPr>
+        <p:txBody>
+          <a:bodyPr wrap="square">
+            <a:spAutoFit/>
+          </a:bodyPr>
+          <a:lstStyle/>
+          <a:p>
+            <a:r>
+              <a:rPr lang="en-US" altLang="zh-TW" sz="1800" dirty="0">
+                <a:solidFill>
+                  <a:schemeClr val="accent1">
+                    <a:lumMod val="75000"/>
+                  </a:schemeClr>
+                </a:solidFill>
+              </a:rPr>
+              <a:t>jg5890</a:t>
+            </a:r>
+            <a:endParaRPr lang="zh-TW" altLang="en-US" dirty="0">
+              <a:solidFill>
+                <a:schemeClr val="accent1">
+                  <a:lumMod val="75000"/>
+                </a:schemeClr>
+              </a:solidFill>
+            </a:endParaRPr>
+          </a:p>
+        </p:txBody>
+      </p:sp>
+      <p:sp>
+        <p:nvSpPr>
+          <p:cNvPr id="53" name="文字方塊 52">
+            <a:extLst>
+              <a:ext uri="{FF2B5EF4-FFF2-40B4-BE49-F238E27FC236}">
+                <a16:creationId xmlns:a16="http://schemas.microsoft.com/office/drawing/2014/main" id="{1278FAA7-F3D3-E4A7-E805-BDCBA84D8EE8}"/>
+              </a:ext>
+            </a:extLst>
+          </p:cNvPr>
+          <p:cNvSpPr txBox="1"/>
+          <p:nvPr/>
+        </p:nvSpPr>
+        <p:spPr>
+          <a:xfrm>
+            <a:off x="2499595" y="3211661"/>
+            <a:ext cx="1170013" cy="369332"/>
+          </a:xfrm>
+          <a:prstGeom prst="rect">
+            <a:avLst/>
+          </a:prstGeom>
+          <a:noFill/>
+        </p:spPr>
+        <p:txBody>
+          <a:bodyPr wrap="square">
+            <a:spAutoFit/>
+          </a:bodyPr>
+          <a:lstStyle/>
+          <a:p>
+            <a:r>
+              <a:rPr lang="en-US" altLang="zh-TW" sz="1800" dirty="0">
+                <a:solidFill>
+                  <a:schemeClr val="accent1">
+                    <a:lumMod val="75000"/>
+                  </a:schemeClr>
+                </a:solidFill>
+              </a:rPr>
+              <a:t>jg5889</a:t>
+            </a:r>
+            <a:endParaRPr lang="zh-TW" altLang="en-US" dirty="0">
+              <a:solidFill>
+                <a:schemeClr val="accent1">
+                  <a:lumMod val="75000"/>
+                </a:schemeClr>
+              </a:solidFill>
+            </a:endParaRPr>
+          </a:p>
+        </p:txBody>
+      </p:sp>
+      <p:sp>
+        <p:nvSpPr>
+          <p:cNvPr id="54" name="文字方塊 53">
+            <a:extLst>
+              <a:ext uri="{FF2B5EF4-FFF2-40B4-BE49-F238E27FC236}">
+                <a16:creationId xmlns:a16="http://schemas.microsoft.com/office/drawing/2014/main" id="{F5DFCC1E-A52D-BEBB-8CDC-2C7E814AA4D4}"/>
+              </a:ext>
+            </a:extLst>
+          </p:cNvPr>
+          <p:cNvSpPr txBox="1"/>
+          <p:nvPr/>
+        </p:nvSpPr>
+        <p:spPr>
+          <a:xfrm>
+            <a:off x="4388380" y="3211661"/>
+            <a:ext cx="1170013" cy="369332"/>
+          </a:xfrm>
+          <a:prstGeom prst="rect">
+            <a:avLst/>
+          </a:prstGeom>
+          <a:noFill/>
+        </p:spPr>
+        <p:txBody>
+          <a:bodyPr wrap="square">
+            <a:spAutoFit/>
+          </a:bodyPr>
+          <a:lstStyle/>
+          <a:p>
+            <a:r>
+              <a:rPr lang="en-US" altLang="zh-TW" sz="1800" dirty="0">
+                <a:solidFill>
+                  <a:schemeClr val="accent1">
+                    <a:lumMod val="75000"/>
+                  </a:schemeClr>
+                </a:solidFill>
+              </a:rPr>
+              <a:t>jg5891</a:t>
+            </a:r>
+            <a:endParaRPr lang="zh-TW" altLang="en-US" dirty="0">
+              <a:solidFill>
+                <a:schemeClr val="accent1">
+                  <a:lumMod val="75000"/>
+                </a:schemeClr>
+              </a:solidFill>
+            </a:endParaRPr>
+          </a:p>
+        </p:txBody>
+      </p:sp>
+      <p:sp>
+        <p:nvSpPr>
+          <p:cNvPr id="55" name="文字方塊 54">
+            <a:extLst>
+              <a:ext uri="{FF2B5EF4-FFF2-40B4-BE49-F238E27FC236}">
+                <a16:creationId xmlns:a16="http://schemas.microsoft.com/office/drawing/2014/main" id="{3BD15C7B-4253-CB51-4E60-2529D103ED0B}"/>
+              </a:ext>
+            </a:extLst>
+          </p:cNvPr>
+          <p:cNvSpPr txBox="1"/>
+          <p:nvPr/>
+        </p:nvSpPr>
+        <p:spPr>
+          <a:xfrm>
+            <a:off x="1284008" y="4030348"/>
+            <a:ext cx="2905903" cy="523220"/>
+          </a:xfrm>
+          <a:prstGeom prst="rect">
+            <a:avLst/>
+          </a:prstGeom>
+          <a:noFill/>
+        </p:spPr>
+        <p:txBody>
+          <a:bodyPr wrap="square">
+            <a:spAutoFit/>
+          </a:bodyPr>
+          <a:lstStyle/>
+          <a:p>
+            <a:r>
+              <a:rPr lang="en-US" altLang="zh-TW" sz="1400" dirty="0">
+                <a:solidFill>
+                  <a:schemeClr val="accent2">
+                    <a:lumMod val="60000"/>
+                    <a:lumOff val="40000"/>
+                  </a:schemeClr>
+                </a:solidFill>
+              </a:rPr>
+              <a:t>jg5888: general transcription factor 3C polypeptide 5</a:t>
+            </a:r>
+            <a:endParaRPr lang="zh-TW" altLang="en-US" sz="1400" dirty="0">
+              <a:solidFill>
+                <a:schemeClr val="accent2">
+                  <a:lumMod val="60000"/>
+                  <a:lumOff val="40000"/>
+                </a:schemeClr>
+              </a:solidFill>
+            </a:endParaRPr>
+          </a:p>
+        </p:txBody>
+      </p:sp>
+      <p:sp>
+        <p:nvSpPr>
+          <p:cNvPr id="56" name="文字方塊 55">
+            <a:extLst>
+              <a:ext uri="{FF2B5EF4-FFF2-40B4-BE49-F238E27FC236}">
+                <a16:creationId xmlns:a16="http://schemas.microsoft.com/office/drawing/2014/main" id="{E3C390A8-5FA0-9F94-CD57-774A1D79E3A4}"/>
+              </a:ext>
+            </a:extLst>
+          </p:cNvPr>
+          <p:cNvSpPr txBox="1"/>
+          <p:nvPr/>
+        </p:nvSpPr>
+        <p:spPr>
+          <a:xfrm>
+            <a:off x="4506266" y="3979875"/>
+            <a:ext cx="2905903" cy="523220"/>
+          </a:xfrm>
+          <a:prstGeom prst="rect">
+            <a:avLst/>
+          </a:prstGeom>
+          <a:noFill/>
+        </p:spPr>
+        <p:txBody>
+          <a:bodyPr wrap="square">
+            <a:spAutoFit/>
+          </a:bodyPr>
+          <a:lstStyle/>
+          <a:p>
+            <a:r>
+              <a:rPr lang="en-US" altLang="zh-TW" sz="1400" dirty="0">
+                <a:solidFill>
+                  <a:schemeClr val="accent2">
+                    <a:lumMod val="60000"/>
+                    <a:lumOff val="40000"/>
+                  </a:schemeClr>
+                </a:solidFill>
+              </a:rPr>
+              <a:t>jg5892: general transcription factor 3C polypeptide 5</a:t>
+            </a:r>
+            <a:endParaRPr lang="zh-TW" altLang="en-US" sz="1400" dirty="0">
+              <a:solidFill>
+                <a:schemeClr val="accent2">
+                  <a:lumMod val="60000"/>
+                  <a:lumOff val="40000"/>
+                </a:schemeClr>
+              </a:solidFill>
+            </a:endParaRPr>
+          </a:p>
+        </p:txBody>
+      </p:sp>
+      <p:sp>
+        <p:nvSpPr>
+          <p:cNvPr id="57" name="文字方塊 56">
+            <a:extLst>
+              <a:ext uri="{FF2B5EF4-FFF2-40B4-BE49-F238E27FC236}">
+                <a16:creationId xmlns:a16="http://schemas.microsoft.com/office/drawing/2014/main" id="{1385241E-94D0-2316-4F3A-B294835F6100}"/>
+              </a:ext>
+            </a:extLst>
+          </p:cNvPr>
+          <p:cNvSpPr txBox="1"/>
+          <p:nvPr/>
+        </p:nvSpPr>
+        <p:spPr>
+          <a:xfrm>
+            <a:off x="1264203" y="2404573"/>
+            <a:ext cx="2078180" cy="523220"/>
+          </a:xfrm>
+          <a:prstGeom prst="rect">
+            <a:avLst/>
+          </a:prstGeom>
+          <a:noFill/>
+        </p:spPr>
+        <p:txBody>
+          <a:bodyPr wrap="square">
+            <a:spAutoFit/>
+          </a:bodyPr>
+          <a:lstStyle/>
+          <a:p>
+            <a:r>
+              <a:rPr lang="en-US" altLang="zh-TW" sz="1400" dirty="0">
+                <a:solidFill>
+                  <a:schemeClr val="accent2">
+                    <a:lumMod val="60000"/>
+                    <a:lumOff val="40000"/>
+                  </a:schemeClr>
+                </a:solidFill>
+              </a:rPr>
+              <a:t>g17562: cholesterol 7-desaturase-like</a:t>
+            </a:r>
+            <a:endParaRPr lang="zh-TW" altLang="en-US" sz="1400" dirty="0">
+              <a:solidFill>
+                <a:schemeClr val="accent2">
+                  <a:lumMod val="60000"/>
+                  <a:lumOff val="40000"/>
+                </a:schemeClr>
+              </a:solidFill>
+            </a:endParaRPr>
+          </a:p>
+        </p:txBody>
+      </p:sp>
+      <p:sp>
+        <p:nvSpPr>
+          <p:cNvPr id="58" name="文字方塊 57">
+            <a:extLst>
+              <a:ext uri="{FF2B5EF4-FFF2-40B4-BE49-F238E27FC236}">
+                <a16:creationId xmlns:a16="http://schemas.microsoft.com/office/drawing/2014/main" id="{75AA9A1A-C407-1708-724D-0BFB72890D39}"/>
+              </a:ext>
+            </a:extLst>
+          </p:cNvPr>
+          <p:cNvSpPr txBox="1"/>
+          <p:nvPr/>
+        </p:nvSpPr>
+        <p:spPr>
+          <a:xfrm>
+            <a:off x="4119354" y="2382455"/>
+            <a:ext cx="1718902" cy="738664"/>
+          </a:xfrm>
+          <a:prstGeom prst="rect">
+            <a:avLst/>
+          </a:prstGeom>
+          <a:noFill/>
+        </p:spPr>
+        <p:txBody>
+          <a:bodyPr wrap="square">
+            <a:spAutoFit/>
+          </a:bodyPr>
+          <a:lstStyle/>
+          <a:p>
+            <a:r>
+              <a:rPr lang="en-US" altLang="zh-TW" sz="1400" dirty="0">
+                <a:solidFill>
+                  <a:schemeClr val="accent2">
+                    <a:lumMod val="60000"/>
+                    <a:lumOff val="40000"/>
+                  </a:schemeClr>
+                </a:solidFill>
+              </a:rPr>
+              <a:t>g17565: general transcription factor 3C polypeptide 5</a:t>
+            </a:r>
+            <a:endParaRPr lang="zh-TW" altLang="en-US" sz="1400" dirty="0">
+              <a:solidFill>
+                <a:schemeClr val="accent2">
+                  <a:lumMod val="60000"/>
+                  <a:lumOff val="40000"/>
+                </a:schemeClr>
+              </a:solidFill>
+            </a:endParaRPr>
+          </a:p>
+        </p:txBody>
+      </p:sp>
+      <p:sp>
+        <p:nvSpPr>
+          <p:cNvPr id="59" name="文字方塊 58">
+            <a:extLst>
+              <a:ext uri="{FF2B5EF4-FFF2-40B4-BE49-F238E27FC236}">
+                <a16:creationId xmlns:a16="http://schemas.microsoft.com/office/drawing/2014/main" id="{E0D63202-DAC8-2B8F-3097-6D3CF460D5EB}"/>
+              </a:ext>
+            </a:extLst>
+          </p:cNvPr>
+          <p:cNvSpPr txBox="1"/>
+          <p:nvPr/>
+        </p:nvSpPr>
+        <p:spPr>
+          <a:xfrm>
+            <a:off x="8013292" y="2444573"/>
+            <a:ext cx="1025801" cy="954107"/>
+          </a:xfrm>
+          <a:prstGeom prst="rect">
+            <a:avLst/>
+          </a:prstGeom>
+          <a:noFill/>
+        </p:spPr>
+        <p:txBody>
+          <a:bodyPr wrap="square">
+            <a:spAutoFit/>
+          </a:bodyPr>
+          <a:lstStyle/>
+          <a:p>
+            <a:r>
+              <a:rPr lang="en-US" altLang="zh-TW" sz="1400" dirty="0">
+                <a:solidFill>
+                  <a:schemeClr val="accent2">
+                    <a:lumMod val="60000"/>
+                    <a:lumOff val="40000"/>
+                  </a:schemeClr>
+                </a:solidFill>
+              </a:rPr>
+              <a:t>g19848: adenylate kinase 8-like</a:t>
+            </a:r>
+            <a:endParaRPr lang="zh-TW" altLang="en-US" sz="1400" dirty="0">
+              <a:solidFill>
+                <a:schemeClr val="accent2">
+                  <a:lumMod val="60000"/>
+                  <a:lumOff val="40000"/>
+                </a:schemeClr>
+              </a:solidFill>
+            </a:endParaRPr>
+          </a:p>
+        </p:txBody>
+      </p:sp>
+      <p:sp>
+        <p:nvSpPr>
+          <p:cNvPr id="60" name="文字方塊 59">
+            <a:extLst>
+              <a:ext uri="{FF2B5EF4-FFF2-40B4-BE49-F238E27FC236}">
+                <a16:creationId xmlns:a16="http://schemas.microsoft.com/office/drawing/2014/main" id="{CFF2287D-5627-0CF4-BAD9-A35A106FA0C8}"/>
+              </a:ext>
+            </a:extLst>
+          </p:cNvPr>
+          <p:cNvSpPr txBox="1"/>
+          <p:nvPr/>
+        </p:nvSpPr>
+        <p:spPr>
+          <a:xfrm>
+            <a:off x="9532391" y="2394137"/>
+            <a:ext cx="1890891" cy="738664"/>
+          </a:xfrm>
+          <a:prstGeom prst="rect">
+            <a:avLst/>
+          </a:prstGeom>
+          <a:noFill/>
+        </p:spPr>
+        <p:txBody>
+          <a:bodyPr wrap="square">
+            <a:spAutoFit/>
+          </a:bodyPr>
+          <a:lstStyle/>
+          <a:p>
+            <a:r>
+              <a:rPr lang="en-US" altLang="zh-TW" sz="1400" dirty="0">
+                <a:solidFill>
+                  <a:schemeClr val="accent2">
+                    <a:lumMod val="60000"/>
+                    <a:lumOff val="40000"/>
+                  </a:schemeClr>
+                </a:solidFill>
+              </a:rPr>
+              <a:t>g19850: inactive phospholipid phosphatase 7-like</a:t>
+            </a:r>
+            <a:endParaRPr lang="zh-TW" altLang="en-US" sz="1400" dirty="0">
+              <a:solidFill>
+                <a:schemeClr val="accent2">
+                  <a:lumMod val="60000"/>
+                  <a:lumOff val="40000"/>
+                </a:schemeClr>
+              </a:solidFill>
+            </a:endParaRPr>
+          </a:p>
+        </p:txBody>
+      </p:sp>
+      <p:sp>
+        <p:nvSpPr>
+          <p:cNvPr id="61" name="文字方塊 60">
+            <a:extLst>
+              <a:ext uri="{FF2B5EF4-FFF2-40B4-BE49-F238E27FC236}">
+                <a16:creationId xmlns:a16="http://schemas.microsoft.com/office/drawing/2014/main" id="{77AA6F89-36D6-5940-DB24-799C3E174D9D}"/>
+              </a:ext>
+            </a:extLst>
+          </p:cNvPr>
+          <p:cNvSpPr txBox="1"/>
+          <p:nvPr/>
+        </p:nvSpPr>
+        <p:spPr>
+          <a:xfrm>
+            <a:off x="8445441" y="4093391"/>
+            <a:ext cx="1775231" cy="523220"/>
+          </a:xfrm>
+          <a:prstGeom prst="rect">
+            <a:avLst/>
+          </a:prstGeom>
+          <a:noFill/>
+        </p:spPr>
+        <p:txBody>
+          <a:bodyPr wrap="square">
+            <a:spAutoFit/>
+          </a:bodyPr>
+          <a:lstStyle/>
+          <a:p>
+            <a:r>
+              <a:rPr lang="en-US" altLang="zh-TW" sz="1400" dirty="0">
+                <a:solidFill>
+                  <a:schemeClr val="accent2">
+                    <a:lumMod val="60000"/>
+                    <a:lumOff val="40000"/>
+                  </a:schemeClr>
+                </a:solidFill>
+              </a:rPr>
+              <a:t>jg22914: hamartin-like isoform X3</a:t>
+            </a:r>
+            <a:endParaRPr lang="zh-TW" altLang="en-US" sz="1400" dirty="0">
+              <a:solidFill>
+                <a:schemeClr val="accent2">
+                  <a:lumMod val="60000"/>
+                  <a:lumOff val="40000"/>
+                </a:schemeClr>
+              </a:solidFill>
+            </a:endParaRPr>
+          </a:p>
+        </p:txBody>
+      </p:sp>
+      <p:sp>
+        <p:nvSpPr>
+          <p:cNvPr id="62" name="文字方塊 61">
+            <a:extLst>
+              <a:ext uri="{FF2B5EF4-FFF2-40B4-BE49-F238E27FC236}">
+                <a16:creationId xmlns:a16="http://schemas.microsoft.com/office/drawing/2014/main" id="{3DC70D3E-78D2-3EF3-D513-1EB6284CD24F}"/>
+              </a:ext>
+            </a:extLst>
+          </p:cNvPr>
+          <p:cNvSpPr txBox="1"/>
+          <p:nvPr/>
+        </p:nvSpPr>
+        <p:spPr>
+          <a:xfrm>
+            <a:off x="10209787" y="4034689"/>
+            <a:ext cx="1951996" cy="738664"/>
+          </a:xfrm>
+          <a:prstGeom prst="rect">
+            <a:avLst/>
+          </a:prstGeom>
+          <a:noFill/>
+        </p:spPr>
+        <p:txBody>
+          <a:bodyPr wrap="square">
+            <a:spAutoFit/>
+          </a:bodyPr>
+          <a:lstStyle/>
+          <a:p>
+            <a:r>
+              <a:rPr lang="en-US" altLang="zh-TW" sz="1400" dirty="0">
+                <a:solidFill>
+                  <a:schemeClr val="accent2">
+                    <a:lumMod val="60000"/>
+                    <a:lumOff val="40000"/>
+                  </a:schemeClr>
+                </a:solidFill>
+              </a:rPr>
+              <a:t>jg22916: inactive phospholipid phosphatase 7-like</a:t>
+            </a:r>
+            <a:endParaRPr lang="zh-TW" altLang="en-US" sz="1400" dirty="0">
+              <a:solidFill>
+                <a:schemeClr val="accent2">
+                  <a:lumMod val="60000"/>
+                  <a:lumOff val="40000"/>
+                </a:schemeClr>
+              </a:solidFill>
+            </a:endParaRPr>
+          </a:p>
+        </p:txBody>
+      </p:sp>
+      <p:sp>
+        <p:nvSpPr>
+          <p:cNvPr id="65" name="箭號: 向左 64">
+            <a:extLst>
+              <a:ext uri="{FF2B5EF4-FFF2-40B4-BE49-F238E27FC236}">
+                <a16:creationId xmlns:a16="http://schemas.microsoft.com/office/drawing/2014/main" id="{CA56AA5A-A689-3C15-953E-9724FA4EF6F7}"/>
+              </a:ext>
+            </a:extLst>
+          </p:cNvPr>
+          <p:cNvSpPr/>
+          <p:nvPr/>
+        </p:nvSpPr>
+        <p:spPr>
+          <a:xfrm rot="10800000">
+            <a:off x="7633062" y="3630949"/>
+            <a:ext cx="551834" cy="334614"/>
+          </a:xfrm>
+          <a:prstGeom prst="leftArrow">
+            <a:avLst/>
+          </a:prstGeom>
+        </p:spPr>
+        <p:style>
+          <a:lnRef idx="1">
+            <a:schemeClr val="accent2"/>
+          </a:lnRef>
+          <a:fillRef idx="2">
+            <a:schemeClr val="accent2"/>
+          </a:fillRef>
+          <a:effectRef idx="1">
+            <a:schemeClr val="accent2"/>
+          </a:effectRef>
+          <a:fontRef idx="minor">
+            <a:schemeClr val="dk1"/>
+          </a:fontRef>
+        </p:style>
+        <p:txBody>
+          <a:bodyPr rtlCol="0" anchor="ctr"/>
+          <a:lstStyle/>
+          <a:p>
+            <a:pPr algn="ctr"/>
+            <a:endParaRPr lang="zh-TW" altLang="en-US" dirty="0"/>
+          </a:p>
+        </p:txBody>
+      </p:sp>
+      <p:sp>
+        <p:nvSpPr>
+          <p:cNvPr id="68" name="文字方塊 67">
+            <a:extLst>
+              <a:ext uri="{FF2B5EF4-FFF2-40B4-BE49-F238E27FC236}">
+                <a16:creationId xmlns:a16="http://schemas.microsoft.com/office/drawing/2014/main" id="{0DC5BF9F-3FA6-C670-CD30-3C6E82CE0E1C}"/>
+              </a:ext>
+            </a:extLst>
+          </p:cNvPr>
+          <p:cNvSpPr txBox="1"/>
+          <p:nvPr/>
+        </p:nvSpPr>
+        <p:spPr>
+          <a:xfrm>
+            <a:off x="7295552" y="4349815"/>
+            <a:ext cx="1538514" cy="738664"/>
+          </a:xfrm>
+          <a:prstGeom prst="rect">
+            <a:avLst/>
+          </a:prstGeom>
+          <a:noFill/>
+        </p:spPr>
+        <p:txBody>
+          <a:bodyPr wrap="square">
+            <a:spAutoFit/>
+          </a:bodyPr>
+          <a:lstStyle/>
+          <a:p>
+            <a:r>
+              <a:rPr lang="en-US" altLang="zh-TW" sz="1400" dirty="0">
+                <a:solidFill>
+                  <a:schemeClr val="accent2">
+                    <a:lumMod val="60000"/>
+                    <a:lumOff val="40000"/>
+                  </a:schemeClr>
+                </a:solidFill>
+              </a:rPr>
+              <a:t>jg22913: adenylate kinase 8-like</a:t>
+            </a:r>
+            <a:endParaRPr lang="zh-TW" altLang="en-US" sz="1400" dirty="0">
+              <a:solidFill>
+                <a:schemeClr val="accent2">
+                  <a:lumMod val="60000"/>
+                  <a:lumOff val="40000"/>
+                </a:schemeClr>
+              </a:solidFill>
+            </a:endParaRPr>
+          </a:p>
+        </p:txBody>
+      </p:sp>
+    </p:spTree>
+    <p:extLst>
+      <p:ext uri="{BB962C8B-B14F-4D97-AF65-F5344CB8AC3E}">
+        <p14:creationId xmlns:p14="http://schemas.microsoft.com/office/powerpoint/2010/main" val="284485865"/>
+      </p:ext>
+    </p:extLst>
+  </p:cSld>
+  <p:clrMapOvr>
+    <a:masterClrMapping/>
+  </p:clrMapOvr>
+</p:sld>
+</file>
+
+<file path=ppt/slides/slide8.xml><?xml version="1.0" encoding="utf-8"?>
+<p:sld xmlns:a="http://schemas.openxmlformats.org/drawingml/2006/main" xmlns:r="http://schemas.openxmlformats.org/officeDocument/2006/relationships" xmlns:p="http://schemas.openxmlformats.org/presentationml/2006/main">
+  <p:cSld>
+    <p:spTree>
+      <p:nvGrpSpPr>
+        <p:cNvPr id="1" name="">
+          <a:extLst>
+            <a:ext uri="{FF2B5EF4-FFF2-40B4-BE49-F238E27FC236}">
+              <a16:creationId xmlns:a16="http://schemas.microsoft.com/office/drawing/2014/main" id="{B5C18618-C9B2-FE3D-ADA7-F98ED7DE3F15}"/>
+            </a:ext>
+          </a:extLst>
+        </p:cNvPr>
+        <p:cNvGrpSpPr/>
+        <p:nvPr/>
+      </p:nvGrpSpPr>
+      <p:grpSpPr>
+        <a:xfrm>
+          <a:off x="0" y="0"/>
+          <a:ext cx="0" cy="0"/>
+          <a:chOff x="0" y="0"/>
+          <a:chExt cx="0" cy="0"/>
+        </a:xfrm>
+      </p:grpSpPr>
+      <p:sp>
+        <p:nvSpPr>
+          <p:cNvPr id="2" name="文字方塊 1">
+            <a:extLst>
+              <a:ext uri="{FF2B5EF4-FFF2-40B4-BE49-F238E27FC236}">
+                <a16:creationId xmlns:a16="http://schemas.microsoft.com/office/drawing/2014/main" id="{C90F9549-713A-5BBE-9F86-F8249394A8A8}"/>
+              </a:ext>
+            </a:extLst>
+          </p:cNvPr>
+          <p:cNvSpPr txBox="1"/>
+          <p:nvPr/>
+        </p:nvSpPr>
+        <p:spPr>
+          <a:xfrm>
+            <a:off x="334295" y="151998"/>
+            <a:ext cx="6656439" cy="646331"/>
+          </a:xfrm>
+          <a:prstGeom prst="rect">
+            <a:avLst/>
+          </a:prstGeom>
+          <a:noFill/>
+        </p:spPr>
+        <p:txBody>
+          <a:bodyPr wrap="square">
+            <a:spAutoFit/>
+          </a:bodyPr>
+          <a:lstStyle/>
+          <a:p>
+            <a:r>
+              <a:rPr lang="en-US" altLang="zh-TW" sz="3600" b="1" dirty="0">
+                <a:solidFill>
+                  <a:srgbClr val="000000"/>
+                </a:solidFill>
+                <a:latin typeface="Calibri" panose="020F0502020204030204" pitchFamily="34" charset="0"/>
+                <a:ea typeface="Calibri" panose="020F0502020204030204" pitchFamily="34" charset="0"/>
+                <a:cs typeface="Calibri" panose="020F0502020204030204" pitchFamily="34" charset="0"/>
+              </a:rPr>
+              <a:t>alanyl aminopeptidase</a:t>
+            </a:r>
+            <a:endParaRPr lang="zh-TW" altLang="en-US" sz="3600" dirty="0">
+              <a:latin typeface="Calibri" panose="020F0502020204030204" pitchFamily="34" charset="0"/>
+              <a:cs typeface="Calibri" panose="020F0502020204030204" pitchFamily="34" charset="0"/>
+            </a:endParaRPr>
+          </a:p>
+        </p:txBody>
+      </p:sp>
+      <p:cxnSp>
+        <p:nvCxnSpPr>
+          <p:cNvPr id="3" name="直線接點 2">
+            <a:extLst>
+              <a:ext uri="{FF2B5EF4-FFF2-40B4-BE49-F238E27FC236}">
+                <a16:creationId xmlns:a16="http://schemas.microsoft.com/office/drawing/2014/main" id="{34447D27-A17E-D2E0-29AB-AFDF6AE48B58}"/>
+              </a:ext>
+            </a:extLst>
+          </p:cNvPr>
+          <p:cNvCxnSpPr>
+            <a:cxnSpLocks/>
+          </p:cNvCxnSpPr>
+          <p:nvPr/>
+        </p:nvCxnSpPr>
+        <p:spPr>
+          <a:xfrm>
+            <a:off x="4076089" y="2205122"/>
+            <a:ext cx="3022801" cy="0"/>
+          </a:xfrm>
+          <a:prstGeom prst="line">
+            <a:avLst/>
+          </a:prstGeom>
+          <a:ln w="76200"/>
+        </p:spPr>
+        <p:style>
+          <a:lnRef idx="2">
+            <a:schemeClr val="dk1"/>
+          </a:lnRef>
+          <a:fillRef idx="0">
+            <a:schemeClr val="dk1"/>
+          </a:fillRef>
+          <a:effectRef idx="1">
+            <a:schemeClr val="dk1"/>
+          </a:effectRef>
+          <a:fontRef idx="minor">
+            <a:schemeClr val="tx1"/>
+          </a:fontRef>
+        </p:style>
+      </p:cxnSp>
+      <p:sp>
+        <p:nvSpPr>
+          <p:cNvPr id="4" name="箭號: 向左 3">
+            <a:extLst>
+              <a:ext uri="{FF2B5EF4-FFF2-40B4-BE49-F238E27FC236}">
+                <a16:creationId xmlns:a16="http://schemas.microsoft.com/office/drawing/2014/main" id="{EC234962-56D4-988F-AD12-1CB7F7FCCB6E}"/>
+              </a:ext>
+            </a:extLst>
+          </p:cNvPr>
+          <p:cNvSpPr/>
+          <p:nvPr/>
+        </p:nvSpPr>
+        <p:spPr>
+          <a:xfrm rot="10800000">
+            <a:off x="5252440" y="2020457"/>
+            <a:ext cx="551834" cy="369329"/>
+          </a:xfrm>
+          <a:prstGeom prst="leftArrow">
+            <a:avLst/>
+          </a:prstGeom>
+        </p:spPr>
+        <p:style>
+          <a:lnRef idx="2">
+            <a:schemeClr val="accent1">
+              <a:shade val="15000"/>
+            </a:schemeClr>
+          </a:lnRef>
+          <a:fillRef idx="1">
+            <a:schemeClr val="accent1"/>
+          </a:fillRef>
+          <a:effectRef idx="0">
+            <a:schemeClr val="accent1"/>
+          </a:effectRef>
+          <a:fontRef idx="minor">
+            <a:schemeClr val="lt1"/>
+          </a:fontRef>
+        </p:style>
+        <p:txBody>
+          <a:bodyPr rtlCol="0" anchor="ctr"/>
+          <a:lstStyle/>
+          <a:p>
+            <a:pPr algn="ctr"/>
+            <a:endParaRPr lang="zh-TW" altLang="en-US"/>
+          </a:p>
+        </p:txBody>
+      </p:sp>
+      <p:sp>
+        <p:nvSpPr>
+          <p:cNvPr id="5" name="箭號: 向左 4">
+            <a:extLst>
+              <a:ext uri="{FF2B5EF4-FFF2-40B4-BE49-F238E27FC236}">
+                <a16:creationId xmlns:a16="http://schemas.microsoft.com/office/drawing/2014/main" id="{D6F8A24B-5CF7-4332-6C33-1DE60A6B83BA}"/>
+              </a:ext>
+            </a:extLst>
+          </p:cNvPr>
+          <p:cNvSpPr/>
+          <p:nvPr/>
+        </p:nvSpPr>
+        <p:spPr>
+          <a:xfrm rot="10800000">
+            <a:off x="6032703" y="2020457"/>
+            <a:ext cx="551834" cy="369329"/>
+          </a:xfrm>
+          <a:prstGeom prst="leftArrow">
+            <a:avLst/>
+          </a:prstGeom>
+        </p:spPr>
+        <p:style>
+          <a:lnRef idx="1">
+            <a:schemeClr val="accent2"/>
+          </a:lnRef>
+          <a:fillRef idx="2">
+            <a:schemeClr val="accent2"/>
+          </a:fillRef>
+          <a:effectRef idx="1">
+            <a:schemeClr val="accent2"/>
+          </a:effectRef>
+          <a:fontRef idx="minor">
+            <a:schemeClr val="dk1"/>
+          </a:fontRef>
+        </p:style>
+        <p:txBody>
+          <a:bodyPr rtlCol="0" anchor="ctr"/>
+          <a:lstStyle/>
+          <a:p>
+            <a:pPr algn="ctr"/>
+            <a:endParaRPr lang="zh-TW" altLang="en-US" dirty="0"/>
+          </a:p>
+        </p:txBody>
+      </p:sp>
+      <p:sp>
+        <p:nvSpPr>
+          <p:cNvPr id="6" name="箭號: 向左 5">
+            <a:extLst>
+              <a:ext uri="{FF2B5EF4-FFF2-40B4-BE49-F238E27FC236}">
+                <a16:creationId xmlns:a16="http://schemas.microsoft.com/office/drawing/2014/main" id="{27B6CEC0-30C5-A382-4943-50FB006D6703}"/>
+              </a:ext>
+            </a:extLst>
+          </p:cNvPr>
+          <p:cNvSpPr/>
+          <p:nvPr/>
+        </p:nvSpPr>
+        <p:spPr>
+          <a:xfrm rot="10800000">
+            <a:off x="4388347" y="2020457"/>
+            <a:ext cx="551834" cy="369329"/>
+          </a:xfrm>
+          <a:prstGeom prst="leftArrow">
+            <a:avLst/>
+          </a:prstGeom>
+        </p:spPr>
+        <p:style>
+          <a:lnRef idx="1">
+            <a:schemeClr val="accent2"/>
+          </a:lnRef>
+          <a:fillRef idx="2">
+            <a:schemeClr val="accent2"/>
+          </a:fillRef>
+          <a:effectRef idx="1">
+            <a:schemeClr val="accent2"/>
+          </a:effectRef>
+          <a:fontRef idx="minor">
+            <a:schemeClr val="dk1"/>
+          </a:fontRef>
+        </p:style>
+        <p:txBody>
+          <a:bodyPr rtlCol="0" anchor="ctr"/>
+          <a:lstStyle/>
+          <a:p>
+            <a:pPr algn="ctr"/>
+            <a:endParaRPr lang="zh-TW" altLang="en-US" dirty="0"/>
+          </a:p>
+        </p:txBody>
+      </p:sp>
+      <p:cxnSp>
+        <p:nvCxnSpPr>
+          <p:cNvPr id="7" name="直線接點 6">
+            <a:extLst>
+              <a:ext uri="{FF2B5EF4-FFF2-40B4-BE49-F238E27FC236}">
+                <a16:creationId xmlns:a16="http://schemas.microsoft.com/office/drawing/2014/main" id="{E5E69647-ECCB-5208-05D5-9854E8AF9F65}"/>
+              </a:ext>
+            </a:extLst>
+          </p:cNvPr>
+          <p:cNvCxnSpPr>
+            <a:cxnSpLocks/>
+          </p:cNvCxnSpPr>
+          <p:nvPr/>
+        </p:nvCxnSpPr>
+        <p:spPr>
+          <a:xfrm>
+            <a:off x="4076089" y="3796580"/>
+            <a:ext cx="3022801" cy="0"/>
+          </a:xfrm>
+          <a:prstGeom prst="line">
+            <a:avLst/>
+          </a:prstGeom>
+          <a:ln w="76200"/>
+        </p:spPr>
+        <p:style>
+          <a:lnRef idx="2">
+            <a:schemeClr val="dk1"/>
+          </a:lnRef>
+          <a:fillRef idx="0">
+            <a:schemeClr val="dk1"/>
+          </a:fillRef>
+          <a:effectRef idx="1">
+            <a:schemeClr val="dk1"/>
+          </a:effectRef>
+          <a:fontRef idx="minor">
+            <a:schemeClr val="tx1"/>
+          </a:fontRef>
+        </p:style>
+      </p:cxnSp>
+      <p:sp>
+        <p:nvSpPr>
+          <p:cNvPr id="8" name="箭號: 向左 7">
+            <a:extLst>
+              <a:ext uri="{FF2B5EF4-FFF2-40B4-BE49-F238E27FC236}">
+                <a16:creationId xmlns:a16="http://schemas.microsoft.com/office/drawing/2014/main" id="{1CB702D6-08FF-6086-8FF8-E3D8922D46E6}"/>
+              </a:ext>
+            </a:extLst>
+          </p:cNvPr>
+          <p:cNvSpPr/>
+          <p:nvPr/>
+        </p:nvSpPr>
+        <p:spPr>
+          <a:xfrm rot="10800000">
+            <a:off x="5252440" y="3611915"/>
+            <a:ext cx="551834" cy="369329"/>
+          </a:xfrm>
+          <a:prstGeom prst="leftArrow">
+            <a:avLst/>
+          </a:prstGeom>
+        </p:spPr>
+        <p:style>
+          <a:lnRef idx="2">
+            <a:schemeClr val="accent1">
+              <a:shade val="15000"/>
+            </a:schemeClr>
+          </a:lnRef>
+          <a:fillRef idx="1">
+            <a:schemeClr val="accent1"/>
+          </a:fillRef>
+          <a:effectRef idx="0">
+            <a:schemeClr val="accent1"/>
+          </a:effectRef>
+          <a:fontRef idx="minor">
+            <a:schemeClr val="lt1"/>
+          </a:fontRef>
+        </p:style>
+        <p:txBody>
+          <a:bodyPr rtlCol="0" anchor="ctr"/>
+          <a:lstStyle/>
+          <a:p>
+            <a:pPr algn="ctr"/>
+            <a:endParaRPr lang="zh-TW" altLang="en-US"/>
+          </a:p>
+        </p:txBody>
+      </p:sp>
+      <p:sp>
+        <p:nvSpPr>
+          <p:cNvPr id="9" name="箭號: 向左 8">
+            <a:extLst>
+              <a:ext uri="{FF2B5EF4-FFF2-40B4-BE49-F238E27FC236}">
+                <a16:creationId xmlns:a16="http://schemas.microsoft.com/office/drawing/2014/main" id="{039FC70F-0C48-374E-3D27-9358463D24A9}"/>
+              </a:ext>
+            </a:extLst>
+          </p:cNvPr>
+          <p:cNvSpPr/>
+          <p:nvPr/>
+        </p:nvSpPr>
+        <p:spPr>
+          <a:xfrm rot="10800000">
+            <a:off x="6032703" y="3611915"/>
+            <a:ext cx="551834" cy="369329"/>
+          </a:xfrm>
+          <a:prstGeom prst="leftArrow">
+            <a:avLst/>
+          </a:prstGeom>
+        </p:spPr>
+        <p:style>
+          <a:lnRef idx="1">
+            <a:schemeClr val="accent2"/>
+          </a:lnRef>
+          <a:fillRef idx="2">
+            <a:schemeClr val="accent2"/>
+          </a:fillRef>
+          <a:effectRef idx="1">
+            <a:schemeClr val="accent2"/>
+          </a:effectRef>
+          <a:fontRef idx="minor">
+            <a:schemeClr val="dk1"/>
+          </a:fontRef>
+        </p:style>
+        <p:txBody>
+          <a:bodyPr rtlCol="0" anchor="ctr"/>
+          <a:lstStyle/>
+          <a:p>
+            <a:pPr algn="ctr"/>
+            <a:endParaRPr lang="zh-TW" altLang="en-US" dirty="0"/>
+          </a:p>
+        </p:txBody>
+      </p:sp>
+      <p:sp>
+        <p:nvSpPr>
+          <p:cNvPr id="10" name="箭號: 向左 9">
+            <a:extLst>
+              <a:ext uri="{FF2B5EF4-FFF2-40B4-BE49-F238E27FC236}">
+                <a16:creationId xmlns:a16="http://schemas.microsoft.com/office/drawing/2014/main" id="{B4A71643-C743-3177-4DCF-865678CD9E9C}"/>
+              </a:ext>
+            </a:extLst>
+          </p:cNvPr>
+          <p:cNvSpPr/>
+          <p:nvPr/>
+        </p:nvSpPr>
+        <p:spPr>
+          <a:xfrm rot="10800000">
+            <a:off x="4388347" y="3611915"/>
+            <a:ext cx="551834" cy="369329"/>
+          </a:xfrm>
+          <a:prstGeom prst="leftArrow">
+            <a:avLst/>
+          </a:prstGeom>
+        </p:spPr>
+        <p:style>
+          <a:lnRef idx="1">
+            <a:schemeClr val="accent2"/>
+          </a:lnRef>
+          <a:fillRef idx="2">
+            <a:schemeClr val="accent2"/>
+          </a:fillRef>
+          <a:effectRef idx="1">
+            <a:schemeClr val="accent2"/>
+          </a:effectRef>
+          <a:fontRef idx="minor">
+            <a:schemeClr val="dk1"/>
+          </a:fontRef>
+        </p:style>
+        <p:txBody>
+          <a:bodyPr rtlCol="0" anchor="ctr"/>
+          <a:lstStyle/>
+          <a:p>
+            <a:pPr algn="ctr"/>
+            <a:endParaRPr lang="zh-TW" altLang="en-US" dirty="0"/>
+          </a:p>
+        </p:txBody>
+      </p:sp>
+      <p:cxnSp>
+        <p:nvCxnSpPr>
+          <p:cNvPr id="11" name="直線接點 10">
+            <a:extLst>
+              <a:ext uri="{FF2B5EF4-FFF2-40B4-BE49-F238E27FC236}">
+                <a16:creationId xmlns:a16="http://schemas.microsoft.com/office/drawing/2014/main" id="{0580A961-9693-63B9-3C8B-D9F9EC0D84A4}"/>
+              </a:ext>
+            </a:extLst>
+          </p:cNvPr>
+          <p:cNvCxnSpPr>
+            <a:cxnSpLocks/>
+          </p:cNvCxnSpPr>
+          <p:nvPr/>
+        </p:nvCxnSpPr>
+        <p:spPr>
+          <a:xfrm>
+            <a:off x="4076089" y="5544534"/>
+            <a:ext cx="6051137" cy="0"/>
+          </a:xfrm>
+          <a:prstGeom prst="line">
+            <a:avLst/>
+          </a:prstGeom>
+          <a:ln w="76200"/>
+        </p:spPr>
+        <p:style>
+          <a:lnRef idx="2">
+            <a:schemeClr val="dk1"/>
+          </a:lnRef>
+          <a:fillRef idx="0">
+            <a:schemeClr val="dk1"/>
+          </a:fillRef>
+          <a:effectRef idx="1">
+            <a:schemeClr val="dk1"/>
+          </a:effectRef>
+          <a:fontRef idx="minor">
+            <a:schemeClr val="tx1"/>
+          </a:fontRef>
+        </p:style>
+      </p:cxnSp>
+      <p:sp>
+        <p:nvSpPr>
+          <p:cNvPr id="12" name="箭號: 向左 11">
+            <a:extLst>
+              <a:ext uri="{FF2B5EF4-FFF2-40B4-BE49-F238E27FC236}">
+                <a16:creationId xmlns:a16="http://schemas.microsoft.com/office/drawing/2014/main" id="{4D6F1FDE-A2F2-4432-AC94-4D7CF07BDB32}"/>
+              </a:ext>
+            </a:extLst>
+          </p:cNvPr>
+          <p:cNvSpPr/>
+          <p:nvPr/>
+        </p:nvSpPr>
+        <p:spPr>
+          <a:xfrm rot="10800000">
+            <a:off x="5252440" y="5359869"/>
+            <a:ext cx="551834" cy="369329"/>
+          </a:xfrm>
+          <a:prstGeom prst="leftArrow">
+            <a:avLst/>
+          </a:prstGeom>
+        </p:spPr>
+        <p:style>
+          <a:lnRef idx="2">
+            <a:schemeClr val="accent1">
+              <a:shade val="15000"/>
+            </a:schemeClr>
+          </a:lnRef>
+          <a:fillRef idx="1">
+            <a:schemeClr val="accent1"/>
+          </a:fillRef>
+          <a:effectRef idx="0">
+            <a:schemeClr val="accent1"/>
+          </a:effectRef>
+          <a:fontRef idx="minor">
+            <a:schemeClr val="lt1"/>
+          </a:fontRef>
+        </p:style>
+        <p:txBody>
+          <a:bodyPr rtlCol="0" anchor="ctr"/>
+          <a:lstStyle/>
+          <a:p>
+            <a:pPr algn="ctr"/>
+            <a:endParaRPr lang="zh-TW" altLang="en-US"/>
+          </a:p>
+        </p:txBody>
+      </p:sp>
+      <p:sp>
+        <p:nvSpPr>
+          <p:cNvPr id="13" name="箭號: 向左 12">
+            <a:extLst>
+              <a:ext uri="{FF2B5EF4-FFF2-40B4-BE49-F238E27FC236}">
+                <a16:creationId xmlns:a16="http://schemas.microsoft.com/office/drawing/2014/main" id="{C4B8723A-4CAD-459C-B766-9BC96CA2A2BD}"/>
+              </a:ext>
+            </a:extLst>
+          </p:cNvPr>
+          <p:cNvSpPr/>
+          <p:nvPr/>
+        </p:nvSpPr>
+        <p:spPr>
+          <a:xfrm rot="10800000">
+            <a:off x="8323619" y="5359869"/>
+            <a:ext cx="551834" cy="369329"/>
+          </a:xfrm>
+          <a:prstGeom prst="leftArrow">
+            <a:avLst/>
+          </a:prstGeom>
+        </p:spPr>
+        <p:style>
+          <a:lnRef idx="1">
+            <a:schemeClr val="accent2"/>
+          </a:lnRef>
+          <a:fillRef idx="2">
+            <a:schemeClr val="accent2"/>
+          </a:fillRef>
+          <a:effectRef idx="1">
+            <a:schemeClr val="accent2"/>
+          </a:effectRef>
+          <a:fontRef idx="minor">
+            <a:schemeClr val="dk1"/>
+          </a:fontRef>
+        </p:style>
+        <p:txBody>
+          <a:bodyPr rtlCol="0" anchor="ctr"/>
+          <a:lstStyle/>
+          <a:p>
+            <a:pPr algn="ctr"/>
+            <a:endParaRPr lang="zh-TW" altLang="en-US" dirty="0"/>
+          </a:p>
+        </p:txBody>
+      </p:sp>
+      <p:sp>
+        <p:nvSpPr>
+          <p:cNvPr id="14" name="箭號: 向左 13">
+            <a:extLst>
+              <a:ext uri="{FF2B5EF4-FFF2-40B4-BE49-F238E27FC236}">
+                <a16:creationId xmlns:a16="http://schemas.microsoft.com/office/drawing/2014/main" id="{9E072331-D4F6-A8B6-0E10-856BD6539FEF}"/>
+              </a:ext>
+            </a:extLst>
+          </p:cNvPr>
+          <p:cNvSpPr/>
+          <p:nvPr/>
+        </p:nvSpPr>
+        <p:spPr>
+          <a:xfrm rot="10800000">
+            <a:off x="4388347" y="5359869"/>
+            <a:ext cx="551834" cy="369329"/>
+          </a:xfrm>
+          <a:prstGeom prst="leftArrow">
+            <a:avLst/>
+          </a:prstGeom>
+        </p:spPr>
+        <p:style>
+          <a:lnRef idx="1">
+            <a:schemeClr val="accent2"/>
+          </a:lnRef>
+          <a:fillRef idx="2">
+            <a:schemeClr val="accent2"/>
+          </a:fillRef>
+          <a:effectRef idx="1">
+            <a:schemeClr val="accent2"/>
+          </a:effectRef>
+          <a:fontRef idx="minor">
+            <a:schemeClr val="dk1"/>
+          </a:fontRef>
+        </p:style>
+        <p:txBody>
+          <a:bodyPr rtlCol="0" anchor="ctr"/>
+          <a:lstStyle/>
+          <a:p>
+            <a:pPr algn="ctr"/>
+            <a:endParaRPr lang="zh-TW" altLang="en-US" dirty="0"/>
+          </a:p>
+        </p:txBody>
+      </p:sp>
+      <p:sp>
+        <p:nvSpPr>
+          <p:cNvPr id="15" name="文字方塊 14">
+            <a:extLst>
+              <a:ext uri="{FF2B5EF4-FFF2-40B4-BE49-F238E27FC236}">
+                <a16:creationId xmlns:a16="http://schemas.microsoft.com/office/drawing/2014/main" id="{7F4D5D62-573A-E9A3-744F-B4B9E67E16FE}"/>
+              </a:ext>
+            </a:extLst>
+          </p:cNvPr>
+          <p:cNvSpPr txBox="1"/>
+          <p:nvPr/>
+        </p:nvSpPr>
+        <p:spPr>
+          <a:xfrm>
+            <a:off x="174375" y="1133997"/>
+            <a:ext cx="2753033" cy="523220"/>
+          </a:xfrm>
+          <a:prstGeom prst="rect">
+            <a:avLst/>
+          </a:prstGeom>
+          <a:noFill/>
+        </p:spPr>
+        <p:txBody>
+          <a:bodyPr wrap="square">
+            <a:spAutoFit/>
+          </a:bodyPr>
+          <a:lstStyle/>
+          <a:p>
+            <a:r>
+              <a:rPr lang="en-US" altLang="zh-TW" sz="2800" b="1" i="1" u="none" strike="noStrike" dirty="0" err="1">
+                <a:solidFill>
+                  <a:srgbClr val="000000"/>
+                </a:solidFill>
+                <a:effectLst/>
+                <a:latin typeface="新細明體" panose="02020500000000000000" pitchFamily="18" charset="-120"/>
+                <a:ea typeface="新細明體" panose="02020500000000000000" pitchFamily="18" charset="-120"/>
+              </a:rPr>
+              <a:t>Phytichthys</a:t>
+            </a:r>
+            <a:r>
+              <a:rPr lang="en-US" altLang="zh-TW" sz="2800" b="1" i="1" u="none" strike="noStrike" dirty="0">
+                <a:solidFill>
+                  <a:srgbClr val="000000"/>
+                </a:solidFill>
+                <a:effectLst/>
+                <a:latin typeface="新細明體" panose="02020500000000000000" pitchFamily="18" charset="-120"/>
+                <a:ea typeface="新細明體" panose="02020500000000000000" pitchFamily="18" charset="-120"/>
+              </a:rPr>
+              <a:t> chirus</a:t>
+            </a:r>
+            <a:endParaRPr lang="zh-TW" altLang="en-US" sz="2800" dirty="0"/>
+          </a:p>
+        </p:txBody>
+      </p:sp>
+      <p:sp>
+        <p:nvSpPr>
+          <p:cNvPr id="16" name="文字方塊 15">
+            <a:extLst>
+              <a:ext uri="{FF2B5EF4-FFF2-40B4-BE49-F238E27FC236}">
+                <a16:creationId xmlns:a16="http://schemas.microsoft.com/office/drawing/2014/main" id="{0AEB68DA-9E85-46A8-91B7-246D299E19AC}"/>
+              </a:ext>
+            </a:extLst>
+          </p:cNvPr>
+          <p:cNvSpPr txBox="1"/>
+          <p:nvPr/>
+        </p:nvSpPr>
+        <p:spPr>
+          <a:xfrm>
+            <a:off x="95099" y="2919418"/>
+            <a:ext cx="4304373" cy="523220"/>
+          </a:xfrm>
+          <a:prstGeom prst="rect">
+            <a:avLst/>
+          </a:prstGeom>
+          <a:noFill/>
+        </p:spPr>
+        <p:txBody>
+          <a:bodyPr wrap="square">
+            <a:spAutoFit/>
+          </a:bodyPr>
+          <a:lstStyle/>
+          <a:p>
+            <a:r>
+              <a:rPr lang="en-US" altLang="zh-TW" sz="2800" b="1" i="1" u="none" strike="noStrike" dirty="0" err="1">
+                <a:solidFill>
+                  <a:srgbClr val="000000"/>
+                </a:solidFill>
+                <a:effectLst/>
+                <a:latin typeface="新細明體" panose="02020500000000000000" pitchFamily="18" charset="-120"/>
+                <a:ea typeface="新細明體" panose="02020500000000000000" pitchFamily="18" charset="-120"/>
+              </a:rPr>
+              <a:t>Anoplarchus</a:t>
+            </a:r>
+            <a:r>
+              <a:rPr lang="en-US" altLang="zh-TW" sz="2800" b="1" i="1" u="none" strike="noStrike" dirty="0">
+                <a:solidFill>
+                  <a:srgbClr val="000000"/>
+                </a:solidFill>
+                <a:effectLst/>
+                <a:latin typeface="新細明體" panose="02020500000000000000" pitchFamily="18" charset="-120"/>
+                <a:ea typeface="新細明體" panose="02020500000000000000" pitchFamily="18" charset="-120"/>
+              </a:rPr>
+              <a:t> </a:t>
+            </a:r>
+            <a:r>
+              <a:rPr lang="en-US" altLang="zh-TW" sz="2800" b="1" i="1" u="none" strike="noStrike" dirty="0" err="1">
+                <a:solidFill>
+                  <a:srgbClr val="000000"/>
+                </a:solidFill>
+                <a:effectLst/>
+                <a:latin typeface="新細明體" panose="02020500000000000000" pitchFamily="18" charset="-120"/>
+                <a:ea typeface="新細明體" panose="02020500000000000000" pitchFamily="18" charset="-120"/>
+              </a:rPr>
+              <a:t>purpurescens</a:t>
+            </a:r>
+            <a:endParaRPr lang="zh-TW" altLang="en-US" sz="2800" dirty="0"/>
+          </a:p>
+        </p:txBody>
+      </p:sp>
+      <p:sp>
+        <p:nvSpPr>
+          <p:cNvPr id="17" name="文字方塊 16">
+            <a:extLst>
+              <a:ext uri="{FF2B5EF4-FFF2-40B4-BE49-F238E27FC236}">
+                <a16:creationId xmlns:a16="http://schemas.microsoft.com/office/drawing/2014/main" id="{608BE303-2931-FBF6-EAF8-96D8B22E270E}"/>
+              </a:ext>
+            </a:extLst>
+          </p:cNvPr>
+          <p:cNvSpPr txBox="1"/>
+          <p:nvPr/>
+        </p:nvSpPr>
+        <p:spPr>
+          <a:xfrm>
+            <a:off x="0" y="4772485"/>
+            <a:ext cx="4304373" cy="523220"/>
+          </a:xfrm>
+          <a:prstGeom prst="rect">
+            <a:avLst/>
+          </a:prstGeom>
+          <a:noFill/>
+        </p:spPr>
+        <p:txBody>
+          <a:bodyPr wrap="square">
+            <a:spAutoFit/>
+          </a:bodyPr>
+          <a:lstStyle/>
+          <a:p>
+            <a:r>
+              <a:rPr lang="en-US" altLang="zh-TW" sz="2800" i="1" dirty="0" err="1">
+                <a:effectLst/>
+                <a:latin typeface="Aptos" panose="020B0004020202020204" pitchFamily="34" charset="0"/>
+                <a:ea typeface="新細明體" panose="02020500000000000000" pitchFamily="18" charset="-120"/>
+                <a:cs typeface="Times New Roman" panose="02020603050405020304" pitchFamily="18" charset="0"/>
+              </a:rPr>
+              <a:t>Cebidichthys</a:t>
+            </a:r>
+            <a:r>
+              <a:rPr lang="en-US" altLang="zh-TW" sz="2800" i="1" dirty="0">
+                <a:effectLst/>
+                <a:latin typeface="Aptos" panose="020B0004020202020204" pitchFamily="34" charset="0"/>
+                <a:ea typeface="新細明體" panose="02020500000000000000" pitchFamily="18" charset="-120"/>
+                <a:cs typeface="Times New Roman" panose="02020603050405020304" pitchFamily="18" charset="0"/>
+              </a:rPr>
+              <a:t> violaceus</a:t>
+            </a:r>
+            <a:endParaRPr lang="zh-TW" altLang="en-US" sz="4000" dirty="0"/>
+          </a:p>
+        </p:txBody>
+      </p:sp>
+      <p:sp>
+        <p:nvSpPr>
+          <p:cNvPr id="19" name="箭號: 向左 18">
+            <a:extLst>
+              <a:ext uri="{FF2B5EF4-FFF2-40B4-BE49-F238E27FC236}">
+                <a16:creationId xmlns:a16="http://schemas.microsoft.com/office/drawing/2014/main" id="{EBD963F2-37B1-5C0B-BADA-BFF68D5600A3}"/>
+              </a:ext>
+            </a:extLst>
+          </p:cNvPr>
+          <p:cNvSpPr/>
+          <p:nvPr/>
+        </p:nvSpPr>
+        <p:spPr>
+          <a:xfrm rot="10800000">
+            <a:off x="6308620" y="5406841"/>
+            <a:ext cx="551834" cy="369329"/>
+          </a:xfrm>
+          <a:prstGeom prst="leftArrow">
+            <a:avLst/>
+          </a:prstGeom>
+        </p:spPr>
+        <p:style>
+          <a:lnRef idx="2">
+            <a:schemeClr val="accent1">
+              <a:shade val="15000"/>
+            </a:schemeClr>
+          </a:lnRef>
+          <a:fillRef idx="1">
+            <a:schemeClr val="accent1"/>
+          </a:fillRef>
+          <a:effectRef idx="0">
+            <a:schemeClr val="accent1"/>
+          </a:effectRef>
+          <a:fontRef idx="minor">
+            <a:schemeClr val="lt1"/>
+          </a:fontRef>
+        </p:style>
+        <p:txBody>
+          <a:bodyPr rtlCol="0" anchor="ctr"/>
+          <a:lstStyle/>
+          <a:p>
+            <a:pPr algn="ctr"/>
+            <a:endParaRPr lang="zh-TW" altLang="en-US"/>
+          </a:p>
+        </p:txBody>
+      </p:sp>
+      <p:sp>
+        <p:nvSpPr>
+          <p:cNvPr id="21" name="箭號: 向左 20">
+            <a:extLst>
+              <a:ext uri="{FF2B5EF4-FFF2-40B4-BE49-F238E27FC236}">
+                <a16:creationId xmlns:a16="http://schemas.microsoft.com/office/drawing/2014/main" id="{1C4EF7BC-C489-E8CF-46F3-DE9F9C78AB95}"/>
+              </a:ext>
+            </a:extLst>
+          </p:cNvPr>
+          <p:cNvSpPr/>
+          <p:nvPr/>
+        </p:nvSpPr>
+        <p:spPr>
+          <a:xfrm rot="10800000">
+            <a:off x="7210423" y="5406841"/>
+            <a:ext cx="551834" cy="369329"/>
+          </a:xfrm>
+          <a:prstGeom prst="leftArrow">
+            <a:avLst/>
+          </a:prstGeom>
+        </p:spPr>
+        <p:style>
+          <a:lnRef idx="2">
+            <a:schemeClr val="accent1">
+              <a:shade val="15000"/>
+            </a:schemeClr>
+          </a:lnRef>
+          <a:fillRef idx="1">
+            <a:schemeClr val="accent1"/>
+          </a:fillRef>
+          <a:effectRef idx="0">
+            <a:schemeClr val="accent1"/>
+          </a:effectRef>
+          <a:fontRef idx="minor">
+            <a:schemeClr val="lt1"/>
+          </a:fontRef>
+        </p:style>
+        <p:txBody>
+          <a:bodyPr rtlCol="0" anchor="ctr"/>
+          <a:lstStyle/>
+          <a:p>
+            <a:pPr algn="ctr"/>
+            <a:endParaRPr lang="zh-TW" altLang="en-US"/>
+          </a:p>
+        </p:txBody>
+      </p:sp>
+    </p:spTree>
+    <p:extLst>
+      <p:ext uri="{BB962C8B-B14F-4D97-AF65-F5344CB8AC3E}">
+        <p14:creationId xmlns:p14="http://schemas.microsoft.com/office/powerpoint/2010/main" val="1457510198"/>
+      </p:ext>
+    </p:extLst>
+  </p:cSld>
+  <p:clrMapOvr>
+    <a:masterClrMapping/>
+  </p:clrMapOvr>
+</p:sld>
+</file>
+
+<file path=ppt/slides/slide9.xml><?xml version="1.0" encoding="utf-8"?>
+<p:sld xmlns:a="http://schemas.openxmlformats.org/drawingml/2006/main" xmlns:r="http://schemas.openxmlformats.org/officeDocument/2006/relationships" xmlns:p="http://schemas.openxmlformats.org/presentationml/2006/main">
+  <p:cSld>
+    <p:spTree>
+      <p:nvGrpSpPr>
+        <p:cNvPr id="1" name="">
+          <a:extLst>
+            <a:ext uri="{FF2B5EF4-FFF2-40B4-BE49-F238E27FC236}">
+              <a16:creationId xmlns:a16="http://schemas.microsoft.com/office/drawing/2014/main" id="{5593F0F5-98AF-A8E5-2165-A9ECC5406F16}"/>
+            </a:ext>
+          </a:extLst>
+        </p:cNvPr>
+        <p:cNvGrpSpPr/>
+        <p:nvPr/>
+      </p:nvGrpSpPr>
+      <p:grpSpPr>
+        <a:xfrm>
+          <a:off x="0" y="0"/>
+          <a:ext cx="0" cy="0"/>
+          <a:chOff x="0" y="0"/>
+          <a:chExt cx="0" cy="0"/>
+        </a:xfrm>
+      </p:grpSpPr>
+      <p:sp>
+        <p:nvSpPr>
+          <p:cNvPr id="2" name="文字方塊 1">
+            <a:extLst>
+              <a:ext uri="{FF2B5EF4-FFF2-40B4-BE49-F238E27FC236}">
+                <a16:creationId xmlns:a16="http://schemas.microsoft.com/office/drawing/2014/main" id="{BAEC5C40-8064-34B2-6864-95F310581E60}"/>
+              </a:ext>
+            </a:extLst>
+          </p:cNvPr>
+          <p:cNvSpPr txBox="1"/>
+          <p:nvPr/>
+        </p:nvSpPr>
+        <p:spPr>
+          <a:xfrm>
+            <a:off x="334295" y="151998"/>
+            <a:ext cx="3970077" cy="646331"/>
+          </a:xfrm>
+          <a:prstGeom prst="rect">
+            <a:avLst/>
+          </a:prstGeom>
+          <a:noFill/>
+        </p:spPr>
+        <p:txBody>
+          <a:bodyPr wrap="square">
+            <a:spAutoFit/>
+          </a:bodyPr>
+          <a:lstStyle/>
+          <a:p>
+            <a:r>
+              <a:rPr lang="en-US" altLang="zh-TW" sz="3600" b="1" dirty="0">
+                <a:solidFill>
+                  <a:srgbClr val="000000"/>
+                </a:solidFill>
+                <a:latin typeface="Calibri" panose="020F0502020204030204" pitchFamily="34" charset="0"/>
+                <a:ea typeface="Calibri" panose="020F0502020204030204" pitchFamily="34" charset="0"/>
+                <a:cs typeface="Calibri" panose="020F0502020204030204" pitchFamily="34" charset="0"/>
+              </a:rPr>
+              <a:t>trypsinogen</a:t>
+            </a:r>
+            <a:endParaRPr lang="zh-TW" altLang="en-US" sz="3600" dirty="0">
+              <a:latin typeface="Calibri" panose="020F0502020204030204" pitchFamily="34" charset="0"/>
+              <a:cs typeface="Calibri" panose="020F0502020204030204" pitchFamily="34" charset="0"/>
+            </a:endParaRPr>
+          </a:p>
+        </p:txBody>
+      </p:sp>
+      <p:cxnSp>
+        <p:nvCxnSpPr>
+          <p:cNvPr id="3" name="直線接點 2">
+            <a:extLst>
+              <a:ext uri="{FF2B5EF4-FFF2-40B4-BE49-F238E27FC236}">
+                <a16:creationId xmlns:a16="http://schemas.microsoft.com/office/drawing/2014/main" id="{557D591B-00B2-5C11-2067-4D569F10D634}"/>
+              </a:ext>
+            </a:extLst>
+          </p:cNvPr>
+          <p:cNvCxnSpPr>
+            <a:cxnSpLocks/>
+          </p:cNvCxnSpPr>
+          <p:nvPr/>
+        </p:nvCxnSpPr>
+        <p:spPr>
+          <a:xfrm>
+            <a:off x="4076089" y="2205122"/>
+            <a:ext cx="3022801" cy="0"/>
+          </a:xfrm>
+          <a:prstGeom prst="line">
+            <a:avLst/>
+          </a:prstGeom>
+          <a:ln w="76200"/>
+        </p:spPr>
+        <p:style>
+          <a:lnRef idx="2">
+            <a:schemeClr val="dk1"/>
+          </a:lnRef>
+          <a:fillRef idx="0">
+            <a:schemeClr val="dk1"/>
+          </a:fillRef>
+          <a:effectRef idx="1">
+            <a:schemeClr val="dk1"/>
+          </a:effectRef>
+          <a:fontRef idx="minor">
+            <a:schemeClr val="tx1"/>
+          </a:fontRef>
+        </p:style>
+      </p:cxnSp>
+      <p:sp>
+        <p:nvSpPr>
+          <p:cNvPr id="4" name="箭號: 向左 3">
+            <a:extLst>
+              <a:ext uri="{FF2B5EF4-FFF2-40B4-BE49-F238E27FC236}">
+                <a16:creationId xmlns:a16="http://schemas.microsoft.com/office/drawing/2014/main" id="{F008C977-90D4-616A-D04E-0F7E4DF1258B}"/>
+              </a:ext>
+            </a:extLst>
+          </p:cNvPr>
+          <p:cNvSpPr/>
+          <p:nvPr/>
+        </p:nvSpPr>
+        <p:spPr>
+          <a:xfrm rot="10800000">
+            <a:off x="5252440" y="2020457"/>
+            <a:ext cx="551834" cy="369329"/>
+          </a:xfrm>
+          <a:prstGeom prst="leftArrow">
+            <a:avLst/>
+          </a:prstGeom>
+        </p:spPr>
+        <p:style>
+          <a:lnRef idx="2">
+            <a:schemeClr val="accent1">
+              <a:shade val="15000"/>
+            </a:schemeClr>
+          </a:lnRef>
+          <a:fillRef idx="1">
+            <a:schemeClr val="accent1"/>
+          </a:fillRef>
+          <a:effectRef idx="0">
+            <a:schemeClr val="accent1"/>
+          </a:effectRef>
+          <a:fontRef idx="minor">
+            <a:schemeClr val="lt1"/>
+          </a:fontRef>
+        </p:style>
+        <p:txBody>
+          <a:bodyPr rtlCol="0" anchor="ctr"/>
+          <a:lstStyle/>
+          <a:p>
+            <a:pPr algn="ctr"/>
+            <a:endParaRPr lang="zh-TW" altLang="en-US"/>
+          </a:p>
+        </p:txBody>
+      </p:sp>
+      <p:sp>
+        <p:nvSpPr>
+          <p:cNvPr id="5" name="箭號: 向左 4">
+            <a:extLst>
+              <a:ext uri="{FF2B5EF4-FFF2-40B4-BE49-F238E27FC236}">
+                <a16:creationId xmlns:a16="http://schemas.microsoft.com/office/drawing/2014/main" id="{5E8414E7-CAAE-3711-C7A0-BCBF9695F6E8}"/>
+              </a:ext>
+            </a:extLst>
+          </p:cNvPr>
+          <p:cNvSpPr/>
+          <p:nvPr/>
+        </p:nvSpPr>
+        <p:spPr>
+          <a:xfrm rot="10800000">
+            <a:off x="6032703" y="2020457"/>
+            <a:ext cx="551834" cy="369329"/>
+          </a:xfrm>
+          <a:prstGeom prst="leftArrow">
+            <a:avLst/>
+          </a:prstGeom>
+        </p:spPr>
+        <p:style>
+          <a:lnRef idx="1">
+            <a:schemeClr val="accent2"/>
+          </a:lnRef>
+          <a:fillRef idx="2">
+            <a:schemeClr val="accent2"/>
+          </a:fillRef>
+          <a:effectRef idx="1">
+            <a:schemeClr val="accent2"/>
+          </a:effectRef>
+          <a:fontRef idx="minor">
+            <a:schemeClr val="dk1"/>
+          </a:fontRef>
+        </p:style>
+        <p:txBody>
+          <a:bodyPr rtlCol="0" anchor="ctr"/>
+          <a:lstStyle/>
+          <a:p>
+            <a:pPr algn="ctr"/>
+            <a:endParaRPr lang="zh-TW" altLang="en-US" dirty="0"/>
+          </a:p>
+        </p:txBody>
+      </p:sp>
+      <p:sp>
+        <p:nvSpPr>
+          <p:cNvPr id="6" name="箭號: 向左 5">
+            <a:extLst>
+              <a:ext uri="{FF2B5EF4-FFF2-40B4-BE49-F238E27FC236}">
+                <a16:creationId xmlns:a16="http://schemas.microsoft.com/office/drawing/2014/main" id="{DCA42D5E-85B6-CF26-F86D-C0B081600016}"/>
+              </a:ext>
+            </a:extLst>
+          </p:cNvPr>
+          <p:cNvSpPr/>
+          <p:nvPr/>
+        </p:nvSpPr>
+        <p:spPr>
+          <a:xfrm rot="10800000">
+            <a:off x="4388347" y="2020457"/>
+            <a:ext cx="551834" cy="369329"/>
+          </a:xfrm>
+          <a:prstGeom prst="leftArrow">
+            <a:avLst/>
+          </a:prstGeom>
+        </p:spPr>
+        <p:style>
+          <a:lnRef idx="1">
+            <a:schemeClr val="accent2"/>
+          </a:lnRef>
+          <a:fillRef idx="2">
+            <a:schemeClr val="accent2"/>
+          </a:fillRef>
+          <a:effectRef idx="1">
+            <a:schemeClr val="accent2"/>
+          </a:effectRef>
+          <a:fontRef idx="minor">
+            <a:schemeClr val="dk1"/>
+          </a:fontRef>
+        </p:style>
+        <p:txBody>
+          <a:bodyPr rtlCol="0" anchor="ctr"/>
+          <a:lstStyle/>
+          <a:p>
+            <a:pPr algn="ctr"/>
+            <a:endParaRPr lang="zh-TW" altLang="en-US" dirty="0"/>
+          </a:p>
+        </p:txBody>
+      </p:sp>
+      <p:cxnSp>
+        <p:nvCxnSpPr>
+          <p:cNvPr id="7" name="直線接點 6">
+            <a:extLst>
+              <a:ext uri="{FF2B5EF4-FFF2-40B4-BE49-F238E27FC236}">
+                <a16:creationId xmlns:a16="http://schemas.microsoft.com/office/drawing/2014/main" id="{2F978B3A-7B6F-DE08-D9B5-B7888CC24A98}"/>
+              </a:ext>
+            </a:extLst>
+          </p:cNvPr>
+          <p:cNvCxnSpPr>
+            <a:cxnSpLocks/>
+          </p:cNvCxnSpPr>
+          <p:nvPr/>
+        </p:nvCxnSpPr>
+        <p:spPr>
+          <a:xfrm>
+            <a:off x="4076089" y="3796580"/>
+            <a:ext cx="3022801" cy="0"/>
+          </a:xfrm>
+          <a:prstGeom prst="line">
+            <a:avLst/>
+          </a:prstGeom>
+          <a:ln w="76200"/>
+        </p:spPr>
+        <p:style>
+          <a:lnRef idx="2">
+            <a:schemeClr val="dk1"/>
+          </a:lnRef>
+          <a:fillRef idx="0">
+            <a:schemeClr val="dk1"/>
+          </a:fillRef>
+          <a:effectRef idx="1">
+            <a:schemeClr val="dk1"/>
+          </a:effectRef>
+          <a:fontRef idx="minor">
+            <a:schemeClr val="tx1"/>
+          </a:fontRef>
+        </p:style>
+      </p:cxnSp>
+      <p:sp>
+        <p:nvSpPr>
+          <p:cNvPr id="8" name="箭號: 向左 7">
+            <a:extLst>
+              <a:ext uri="{FF2B5EF4-FFF2-40B4-BE49-F238E27FC236}">
+                <a16:creationId xmlns:a16="http://schemas.microsoft.com/office/drawing/2014/main" id="{93E837BF-9772-6810-1D71-63349F231E94}"/>
+              </a:ext>
+            </a:extLst>
+          </p:cNvPr>
+          <p:cNvSpPr/>
+          <p:nvPr/>
+        </p:nvSpPr>
+        <p:spPr>
+          <a:xfrm rot="10800000">
+            <a:off x="5252440" y="3611915"/>
+            <a:ext cx="551834" cy="369329"/>
+          </a:xfrm>
+          <a:prstGeom prst="leftArrow">
+            <a:avLst/>
+          </a:prstGeom>
+        </p:spPr>
+        <p:style>
+          <a:lnRef idx="2">
+            <a:schemeClr val="accent1">
+              <a:shade val="15000"/>
+            </a:schemeClr>
+          </a:lnRef>
+          <a:fillRef idx="1">
+            <a:schemeClr val="accent1"/>
+          </a:fillRef>
+          <a:effectRef idx="0">
+            <a:schemeClr val="accent1"/>
+          </a:effectRef>
+          <a:fontRef idx="minor">
+            <a:schemeClr val="lt1"/>
+          </a:fontRef>
+        </p:style>
+        <p:txBody>
+          <a:bodyPr rtlCol="0" anchor="ctr"/>
+          <a:lstStyle/>
+          <a:p>
+            <a:pPr algn="ctr"/>
+            <a:endParaRPr lang="zh-TW" altLang="en-US"/>
+          </a:p>
+        </p:txBody>
+      </p:sp>
+      <p:sp>
+        <p:nvSpPr>
+          <p:cNvPr id="9" name="箭號: 向左 8">
+            <a:extLst>
+              <a:ext uri="{FF2B5EF4-FFF2-40B4-BE49-F238E27FC236}">
+                <a16:creationId xmlns:a16="http://schemas.microsoft.com/office/drawing/2014/main" id="{111C4D0A-02B1-3C37-3C5B-1D96ACAF27AE}"/>
+              </a:ext>
+            </a:extLst>
+          </p:cNvPr>
+          <p:cNvSpPr/>
+          <p:nvPr/>
+        </p:nvSpPr>
+        <p:spPr>
+          <a:xfrm rot="10800000">
+            <a:off x="6032703" y="3611915"/>
+            <a:ext cx="551834" cy="369329"/>
+          </a:xfrm>
+          <a:prstGeom prst="leftArrow">
+            <a:avLst/>
+          </a:prstGeom>
+        </p:spPr>
+        <p:style>
+          <a:lnRef idx="1">
+            <a:schemeClr val="accent2"/>
+          </a:lnRef>
+          <a:fillRef idx="2">
+            <a:schemeClr val="accent2"/>
+          </a:fillRef>
+          <a:effectRef idx="1">
+            <a:schemeClr val="accent2"/>
+          </a:effectRef>
+          <a:fontRef idx="minor">
+            <a:schemeClr val="dk1"/>
+          </a:fontRef>
+        </p:style>
+        <p:txBody>
+          <a:bodyPr rtlCol="0" anchor="ctr"/>
+          <a:lstStyle/>
+          <a:p>
+            <a:pPr algn="ctr"/>
+            <a:endParaRPr lang="zh-TW" altLang="en-US" dirty="0"/>
+          </a:p>
+        </p:txBody>
+      </p:sp>
+      <p:sp>
+        <p:nvSpPr>
+          <p:cNvPr id="10" name="箭號: 向左 9">
+            <a:extLst>
+              <a:ext uri="{FF2B5EF4-FFF2-40B4-BE49-F238E27FC236}">
+                <a16:creationId xmlns:a16="http://schemas.microsoft.com/office/drawing/2014/main" id="{F4F8E83A-FE77-18A9-DD81-E199F5CDBBAE}"/>
+              </a:ext>
+            </a:extLst>
+          </p:cNvPr>
+          <p:cNvSpPr/>
+          <p:nvPr/>
+        </p:nvSpPr>
+        <p:spPr>
+          <a:xfrm rot="10800000">
+            <a:off x="4388347" y="3611915"/>
+            <a:ext cx="551834" cy="369329"/>
+          </a:xfrm>
+          <a:prstGeom prst="leftArrow">
+            <a:avLst/>
+          </a:prstGeom>
+        </p:spPr>
+        <p:style>
+          <a:lnRef idx="1">
+            <a:schemeClr val="accent2"/>
+          </a:lnRef>
+          <a:fillRef idx="2">
+            <a:schemeClr val="accent2"/>
+          </a:fillRef>
+          <a:effectRef idx="1">
+            <a:schemeClr val="accent2"/>
+          </a:effectRef>
+          <a:fontRef idx="minor">
+            <a:schemeClr val="dk1"/>
+          </a:fontRef>
+        </p:style>
+        <p:txBody>
+          <a:bodyPr rtlCol="0" anchor="ctr"/>
+          <a:lstStyle/>
+          <a:p>
+            <a:pPr algn="ctr"/>
+            <a:endParaRPr lang="zh-TW" altLang="en-US" dirty="0"/>
+          </a:p>
+        </p:txBody>
+      </p:sp>
+      <p:cxnSp>
+        <p:nvCxnSpPr>
+          <p:cNvPr id="11" name="直線接點 10">
+            <a:extLst>
+              <a:ext uri="{FF2B5EF4-FFF2-40B4-BE49-F238E27FC236}">
+                <a16:creationId xmlns:a16="http://schemas.microsoft.com/office/drawing/2014/main" id="{50673867-8563-80F7-2302-D25EB4E1587A}"/>
+              </a:ext>
+            </a:extLst>
+          </p:cNvPr>
+          <p:cNvCxnSpPr>
+            <a:cxnSpLocks/>
+          </p:cNvCxnSpPr>
+          <p:nvPr/>
+        </p:nvCxnSpPr>
+        <p:spPr>
+          <a:xfrm>
+            <a:off x="4076089" y="5544534"/>
+            <a:ext cx="6051137" cy="0"/>
+          </a:xfrm>
+          <a:prstGeom prst="line">
+            <a:avLst/>
+          </a:prstGeom>
+          <a:ln w="76200"/>
+        </p:spPr>
+        <p:style>
+          <a:lnRef idx="2">
+            <a:schemeClr val="dk1"/>
+          </a:lnRef>
+          <a:fillRef idx="0">
+            <a:schemeClr val="dk1"/>
+          </a:fillRef>
+          <a:effectRef idx="1">
+            <a:schemeClr val="dk1"/>
+          </a:effectRef>
+          <a:fontRef idx="minor">
+            <a:schemeClr val="tx1"/>
+          </a:fontRef>
+        </p:style>
+      </p:cxnSp>
+      <p:sp>
+        <p:nvSpPr>
+          <p:cNvPr id="12" name="箭號: 向左 11">
+            <a:extLst>
+              <a:ext uri="{FF2B5EF4-FFF2-40B4-BE49-F238E27FC236}">
+                <a16:creationId xmlns:a16="http://schemas.microsoft.com/office/drawing/2014/main" id="{DC83A142-4DCC-5C77-94DD-FEA5A5D67F3A}"/>
+              </a:ext>
+            </a:extLst>
+          </p:cNvPr>
+          <p:cNvSpPr/>
+          <p:nvPr/>
+        </p:nvSpPr>
+        <p:spPr>
+          <a:xfrm rot="10800000">
+            <a:off x="5252440" y="5359869"/>
+            <a:ext cx="551834" cy="369329"/>
+          </a:xfrm>
+          <a:prstGeom prst="leftArrow">
+            <a:avLst/>
+          </a:prstGeom>
+        </p:spPr>
+        <p:style>
+          <a:lnRef idx="2">
+            <a:schemeClr val="accent1">
+              <a:shade val="15000"/>
+            </a:schemeClr>
+          </a:lnRef>
+          <a:fillRef idx="1">
+            <a:schemeClr val="accent1"/>
+          </a:fillRef>
+          <a:effectRef idx="0">
+            <a:schemeClr val="accent1"/>
+          </a:effectRef>
+          <a:fontRef idx="minor">
+            <a:schemeClr val="lt1"/>
+          </a:fontRef>
+        </p:style>
+        <p:txBody>
+          <a:bodyPr rtlCol="0" anchor="ctr"/>
+          <a:lstStyle/>
+          <a:p>
+            <a:pPr algn="ctr"/>
+            <a:endParaRPr lang="zh-TW" altLang="en-US"/>
+          </a:p>
+        </p:txBody>
+      </p:sp>
+      <p:sp>
+        <p:nvSpPr>
+          <p:cNvPr id="13" name="箭號: 向左 12">
+            <a:extLst>
+              <a:ext uri="{FF2B5EF4-FFF2-40B4-BE49-F238E27FC236}">
+                <a16:creationId xmlns:a16="http://schemas.microsoft.com/office/drawing/2014/main" id="{29565C3C-4240-74D5-FB1F-A1B4629F141F}"/>
+              </a:ext>
+            </a:extLst>
+          </p:cNvPr>
+          <p:cNvSpPr/>
+          <p:nvPr/>
+        </p:nvSpPr>
+        <p:spPr>
+          <a:xfrm rot="10800000">
+            <a:off x="8323619" y="5359869"/>
+            <a:ext cx="551834" cy="369329"/>
+          </a:xfrm>
+          <a:prstGeom prst="leftArrow">
+            <a:avLst/>
+          </a:prstGeom>
+        </p:spPr>
+        <p:style>
+          <a:lnRef idx="1">
+            <a:schemeClr val="accent2"/>
+          </a:lnRef>
+          <a:fillRef idx="2">
+            <a:schemeClr val="accent2"/>
+          </a:fillRef>
+          <a:effectRef idx="1">
+            <a:schemeClr val="accent2"/>
+          </a:effectRef>
+          <a:fontRef idx="minor">
+            <a:schemeClr val="dk1"/>
+          </a:fontRef>
+        </p:style>
+        <p:txBody>
+          <a:bodyPr rtlCol="0" anchor="ctr"/>
+          <a:lstStyle/>
+          <a:p>
+            <a:pPr algn="ctr"/>
+            <a:endParaRPr lang="zh-TW" altLang="en-US" dirty="0"/>
+          </a:p>
+        </p:txBody>
+      </p:sp>
+      <p:sp>
+        <p:nvSpPr>
+          <p:cNvPr id="14" name="箭號: 向左 13">
+            <a:extLst>
+              <a:ext uri="{FF2B5EF4-FFF2-40B4-BE49-F238E27FC236}">
+                <a16:creationId xmlns:a16="http://schemas.microsoft.com/office/drawing/2014/main" id="{7DE561C0-3122-6352-C669-747F894FB605}"/>
+              </a:ext>
+            </a:extLst>
+          </p:cNvPr>
+          <p:cNvSpPr/>
+          <p:nvPr/>
+        </p:nvSpPr>
+        <p:spPr>
+          <a:xfrm rot="10800000">
+            <a:off x="4388347" y="5359869"/>
+            <a:ext cx="551834" cy="369329"/>
+          </a:xfrm>
+          <a:prstGeom prst="leftArrow">
+            <a:avLst/>
+          </a:prstGeom>
+        </p:spPr>
+        <p:style>
+          <a:lnRef idx="1">
+            <a:schemeClr val="accent2"/>
+          </a:lnRef>
+          <a:fillRef idx="2">
+            <a:schemeClr val="accent2"/>
+          </a:fillRef>
+          <a:effectRef idx="1">
+            <a:schemeClr val="accent2"/>
+          </a:effectRef>
+          <a:fontRef idx="minor">
+            <a:schemeClr val="dk1"/>
+          </a:fontRef>
+        </p:style>
+        <p:txBody>
+          <a:bodyPr rtlCol="0" anchor="ctr"/>
+          <a:lstStyle/>
+          <a:p>
+            <a:pPr algn="ctr"/>
+            <a:endParaRPr lang="zh-TW" altLang="en-US" dirty="0"/>
+          </a:p>
+        </p:txBody>
+      </p:sp>
+      <p:sp>
+        <p:nvSpPr>
+          <p:cNvPr id="15" name="文字方塊 14">
+            <a:extLst>
+              <a:ext uri="{FF2B5EF4-FFF2-40B4-BE49-F238E27FC236}">
+                <a16:creationId xmlns:a16="http://schemas.microsoft.com/office/drawing/2014/main" id="{E0FD6375-9989-F025-E375-A2A8A73AACDD}"/>
+              </a:ext>
+            </a:extLst>
+          </p:cNvPr>
+          <p:cNvSpPr txBox="1"/>
+          <p:nvPr/>
+        </p:nvSpPr>
+        <p:spPr>
+          <a:xfrm>
+            <a:off x="174375" y="1133997"/>
+            <a:ext cx="2753033" cy="523220"/>
+          </a:xfrm>
+          <a:prstGeom prst="rect">
+            <a:avLst/>
+          </a:prstGeom>
+          <a:noFill/>
+        </p:spPr>
+        <p:txBody>
+          <a:bodyPr wrap="square">
+            <a:spAutoFit/>
+          </a:bodyPr>
+          <a:lstStyle/>
+          <a:p>
+            <a:r>
+              <a:rPr lang="en-US" altLang="zh-TW" sz="2800" b="1" i="1" u="none" strike="noStrike" dirty="0" err="1">
+                <a:solidFill>
+                  <a:srgbClr val="000000"/>
+                </a:solidFill>
+                <a:effectLst/>
+                <a:latin typeface="新細明體" panose="02020500000000000000" pitchFamily="18" charset="-120"/>
+                <a:ea typeface="新細明體" panose="02020500000000000000" pitchFamily="18" charset="-120"/>
+              </a:rPr>
+              <a:t>Phytichthys</a:t>
+            </a:r>
+            <a:r>
+              <a:rPr lang="en-US" altLang="zh-TW" sz="2800" b="1" i="1" u="none" strike="noStrike" dirty="0">
+                <a:solidFill>
+                  <a:srgbClr val="000000"/>
+                </a:solidFill>
+                <a:effectLst/>
+                <a:latin typeface="新細明體" panose="02020500000000000000" pitchFamily="18" charset="-120"/>
+                <a:ea typeface="新細明體" panose="02020500000000000000" pitchFamily="18" charset="-120"/>
+              </a:rPr>
+              <a:t> chirus</a:t>
+            </a:r>
+            <a:endParaRPr lang="zh-TW" altLang="en-US" sz="2800" dirty="0"/>
+          </a:p>
+        </p:txBody>
+      </p:sp>
+      <p:sp>
+        <p:nvSpPr>
+          <p:cNvPr id="16" name="文字方塊 15">
+            <a:extLst>
+              <a:ext uri="{FF2B5EF4-FFF2-40B4-BE49-F238E27FC236}">
+                <a16:creationId xmlns:a16="http://schemas.microsoft.com/office/drawing/2014/main" id="{79662D57-0006-0E26-56DE-50F0D16CA2BC}"/>
+              </a:ext>
+            </a:extLst>
+          </p:cNvPr>
+          <p:cNvSpPr txBox="1"/>
+          <p:nvPr/>
+        </p:nvSpPr>
+        <p:spPr>
+          <a:xfrm>
+            <a:off x="95099" y="2919418"/>
+            <a:ext cx="4304373" cy="523220"/>
+          </a:xfrm>
+          <a:prstGeom prst="rect">
+            <a:avLst/>
+          </a:prstGeom>
+          <a:noFill/>
+        </p:spPr>
+        <p:txBody>
+          <a:bodyPr wrap="square">
+            <a:spAutoFit/>
+          </a:bodyPr>
+          <a:lstStyle/>
+          <a:p>
+            <a:r>
+              <a:rPr lang="en-US" altLang="zh-TW" sz="2800" b="1" i="1" u="none" strike="noStrike" dirty="0" err="1">
+                <a:solidFill>
+                  <a:srgbClr val="000000"/>
+                </a:solidFill>
+                <a:effectLst/>
+                <a:latin typeface="新細明體" panose="02020500000000000000" pitchFamily="18" charset="-120"/>
+                <a:ea typeface="新細明體" panose="02020500000000000000" pitchFamily="18" charset="-120"/>
+              </a:rPr>
+              <a:t>Anoplarchus</a:t>
+            </a:r>
+            <a:r>
+              <a:rPr lang="en-US" altLang="zh-TW" sz="2800" b="1" i="1" u="none" strike="noStrike" dirty="0">
+                <a:solidFill>
+                  <a:srgbClr val="000000"/>
+                </a:solidFill>
+                <a:effectLst/>
+                <a:latin typeface="新細明體" panose="02020500000000000000" pitchFamily="18" charset="-120"/>
+                <a:ea typeface="新細明體" panose="02020500000000000000" pitchFamily="18" charset="-120"/>
+              </a:rPr>
+              <a:t> </a:t>
+            </a:r>
+            <a:r>
+              <a:rPr lang="en-US" altLang="zh-TW" sz="2800" b="1" i="1" u="none" strike="noStrike" dirty="0" err="1">
+                <a:solidFill>
+                  <a:srgbClr val="000000"/>
+                </a:solidFill>
+                <a:effectLst/>
+                <a:latin typeface="新細明體" panose="02020500000000000000" pitchFamily="18" charset="-120"/>
+                <a:ea typeface="新細明體" panose="02020500000000000000" pitchFamily="18" charset="-120"/>
+              </a:rPr>
+              <a:t>purpurescens</a:t>
+            </a:r>
+            <a:endParaRPr lang="zh-TW" altLang="en-US" sz="2800" dirty="0"/>
+          </a:p>
+        </p:txBody>
+      </p:sp>
+      <p:sp>
+        <p:nvSpPr>
+          <p:cNvPr id="17" name="文字方塊 16">
+            <a:extLst>
+              <a:ext uri="{FF2B5EF4-FFF2-40B4-BE49-F238E27FC236}">
+                <a16:creationId xmlns:a16="http://schemas.microsoft.com/office/drawing/2014/main" id="{6D0D1F02-CA27-2753-8784-05972158B76B}"/>
+              </a:ext>
+            </a:extLst>
+          </p:cNvPr>
+          <p:cNvSpPr txBox="1"/>
+          <p:nvPr/>
+        </p:nvSpPr>
+        <p:spPr>
+          <a:xfrm>
+            <a:off x="0" y="4772485"/>
+            <a:ext cx="4304373" cy="523220"/>
+          </a:xfrm>
+          <a:prstGeom prst="rect">
+            <a:avLst/>
+          </a:prstGeom>
+          <a:noFill/>
+        </p:spPr>
+        <p:txBody>
+          <a:bodyPr wrap="square">
+            <a:spAutoFit/>
+          </a:bodyPr>
+          <a:lstStyle/>
+          <a:p>
+            <a:r>
+              <a:rPr lang="en-US" altLang="zh-TW" sz="2800" i="1" dirty="0" err="1">
+                <a:effectLst/>
+                <a:latin typeface="Aptos" panose="020B0004020202020204" pitchFamily="34" charset="0"/>
+                <a:ea typeface="新細明體" panose="02020500000000000000" pitchFamily="18" charset="-120"/>
+                <a:cs typeface="Times New Roman" panose="02020603050405020304" pitchFamily="18" charset="0"/>
+              </a:rPr>
+              <a:t>Cebidichthys</a:t>
+            </a:r>
+            <a:r>
+              <a:rPr lang="en-US" altLang="zh-TW" sz="2800" i="1" dirty="0">
+                <a:effectLst/>
+                <a:latin typeface="Aptos" panose="020B0004020202020204" pitchFamily="34" charset="0"/>
+                <a:ea typeface="新細明體" panose="02020500000000000000" pitchFamily="18" charset="-120"/>
+                <a:cs typeface="Times New Roman" panose="02020603050405020304" pitchFamily="18" charset="0"/>
+              </a:rPr>
+              <a:t> violaceus</a:t>
+            </a:r>
+            <a:endParaRPr lang="zh-TW" altLang="en-US" sz="4000" dirty="0"/>
+          </a:p>
+        </p:txBody>
+      </p:sp>
+      <p:sp>
+        <p:nvSpPr>
+          <p:cNvPr id="19" name="箭號: 向左 18">
+            <a:extLst>
+              <a:ext uri="{FF2B5EF4-FFF2-40B4-BE49-F238E27FC236}">
+                <a16:creationId xmlns:a16="http://schemas.microsoft.com/office/drawing/2014/main" id="{8CEB5ACF-10A3-68A0-8593-1796CE2B7B50}"/>
+              </a:ext>
+            </a:extLst>
+          </p:cNvPr>
+          <p:cNvSpPr/>
+          <p:nvPr/>
+        </p:nvSpPr>
+        <p:spPr>
+          <a:xfrm rot="10800000">
+            <a:off x="6308620" y="5406841"/>
+            <a:ext cx="551834" cy="369329"/>
+          </a:xfrm>
+          <a:prstGeom prst="leftArrow">
+            <a:avLst/>
+          </a:prstGeom>
+        </p:spPr>
+        <p:style>
+          <a:lnRef idx="2">
+            <a:schemeClr val="accent1">
+              <a:shade val="15000"/>
+            </a:schemeClr>
+          </a:lnRef>
+          <a:fillRef idx="1">
+            <a:schemeClr val="accent1"/>
+          </a:fillRef>
+          <a:effectRef idx="0">
+            <a:schemeClr val="accent1"/>
+          </a:effectRef>
+          <a:fontRef idx="minor">
+            <a:schemeClr val="lt1"/>
+          </a:fontRef>
+        </p:style>
+        <p:txBody>
+          <a:bodyPr rtlCol="0" anchor="ctr"/>
+          <a:lstStyle/>
+          <a:p>
+            <a:pPr algn="ctr"/>
+            <a:endParaRPr lang="zh-TW" altLang="en-US"/>
+          </a:p>
+        </p:txBody>
+      </p:sp>
+      <p:sp>
+        <p:nvSpPr>
+          <p:cNvPr id="21" name="箭號: 向左 20">
+            <a:extLst>
+              <a:ext uri="{FF2B5EF4-FFF2-40B4-BE49-F238E27FC236}">
+                <a16:creationId xmlns:a16="http://schemas.microsoft.com/office/drawing/2014/main" id="{51E14338-EB8D-5A6F-B6C3-120F043B86DF}"/>
+              </a:ext>
+            </a:extLst>
+          </p:cNvPr>
+          <p:cNvSpPr/>
+          <p:nvPr/>
+        </p:nvSpPr>
+        <p:spPr>
+          <a:xfrm rot="10800000">
+            <a:off x="7210423" y="5406841"/>
+            <a:ext cx="551834" cy="369329"/>
+          </a:xfrm>
+          <a:prstGeom prst="leftArrow">
+            <a:avLst/>
+          </a:prstGeom>
+        </p:spPr>
+        <p:style>
+          <a:lnRef idx="2">
+            <a:schemeClr val="accent1">
+              <a:shade val="15000"/>
+            </a:schemeClr>
+          </a:lnRef>
+          <a:fillRef idx="1">
+            <a:schemeClr val="accent1"/>
+          </a:fillRef>
+          <a:effectRef idx="0">
+            <a:schemeClr val="accent1"/>
+          </a:effectRef>
+          <a:fontRef idx="minor">
+            <a:schemeClr val="lt1"/>
+          </a:fontRef>
+        </p:style>
+        <p:txBody>
+          <a:bodyPr rtlCol="0" anchor="ctr"/>
+          <a:lstStyle/>
+          <a:p>
+            <a:pPr algn="ctr"/>
+            <a:endParaRPr lang="zh-TW" altLang="en-US"/>
+          </a:p>
+        </p:txBody>
+      </p:sp>
+    </p:spTree>
+    <p:extLst>
+      <p:ext uri="{BB962C8B-B14F-4D97-AF65-F5344CB8AC3E}">
+        <p14:creationId xmlns:p14="http://schemas.microsoft.com/office/powerpoint/2010/main" val="2057518947"/>
       </p:ext>
     </p:extLst>
   </p:cSld>
